--- a/doc/GQW/Raschupkin_EV_UAV_Route_Planning.pptx
+++ b/doc/GQW/Raschupkin_EV_UAV_Route_Planning.pptx
@@ -17,15 +17,17 @@
     <p:sldId id="265" r:id="rId11"/>
     <p:sldId id="266" r:id="rId12"/>
     <p:sldId id="267" r:id="rId13"/>
-    <p:sldId id="275" r:id="rId14"/>
-    <p:sldId id="268" r:id="rId15"/>
-    <p:sldId id="276" r:id="rId16"/>
-    <p:sldId id="269" r:id="rId17"/>
-    <p:sldId id="270" r:id="rId18"/>
-    <p:sldId id="271" r:id="rId19"/>
-    <p:sldId id="272" r:id="rId20"/>
-    <p:sldId id="273" r:id="rId21"/>
-    <p:sldId id="274" r:id="rId22"/>
+    <p:sldId id="277" r:id="rId14"/>
+    <p:sldId id="275" r:id="rId15"/>
+    <p:sldId id="280" r:id="rId16"/>
+    <p:sldId id="268" r:id="rId17"/>
+    <p:sldId id="276" r:id="rId18"/>
+    <p:sldId id="279" r:id="rId19"/>
+    <p:sldId id="278" r:id="rId20"/>
+    <p:sldId id="269" r:id="rId21"/>
+    <p:sldId id="272" r:id="rId22"/>
+    <p:sldId id="273" r:id="rId23"/>
+    <p:sldId id="274" r:id="rId24"/>
   </p:sldIdLst>
   <p:sldSz cx="9144000" cy="6858000" type="screen4x3"/>
   <p:notesSz cx="9144000" cy="6858000"/>
@@ -281,7 +283,7 @@
             </a:pPr>
             <a:fld id="{BCC18F51-09EC-435C-A3BA-64A766E099C0}" type="datetimeFigureOut">
               <a:rPr lang="en-US"/>
-              <a:t>2024-05-19</a:t>
+              <a:t>2024-05-20</a:t>
             </a:fld>
             <a:endParaRPr lang="en-US"/>
           </a:p>
@@ -472,7 +474,7 @@
             </a:pPr>
             <a:fld id="{BCC18F51-09EC-435C-A3BA-64A766E099C0}" type="datetimeFigureOut">
               <a:rPr lang="en-US"/>
-              <a:t>2024-05-19</a:t>
+              <a:t>2024-05-20</a:t>
             </a:fld>
             <a:endParaRPr lang="en-US"/>
           </a:p>
@@ -673,7 +675,7 @@
             </a:pPr>
             <a:fld id="{BCC18F51-09EC-435C-A3BA-64A766E099C0}" type="datetimeFigureOut">
               <a:rPr lang="en-US"/>
-              <a:t>2024-05-19</a:t>
+              <a:t>2024-05-20</a:t>
             </a:fld>
             <a:endParaRPr lang="en-US"/>
           </a:p>
@@ -864,7 +866,7 @@
             </a:pPr>
             <a:fld id="{BCC18F51-09EC-435C-A3BA-64A766E099C0}" type="datetimeFigureOut">
               <a:rPr lang="en-US"/>
-              <a:t>2024-05-19</a:t>
+              <a:t>2024-05-20</a:t>
             </a:fld>
             <a:endParaRPr lang="en-US"/>
           </a:p>
@@ -1121,7 +1123,7 @@
             </a:pPr>
             <a:fld id="{BCC18F51-09EC-435C-A3BA-64A766E099C0}" type="datetimeFigureOut">
               <a:rPr lang="en-US"/>
-              <a:t>2024-05-19</a:t>
+              <a:t>2024-05-20</a:t>
             </a:fld>
             <a:endParaRPr lang="en-US"/>
           </a:p>
@@ -1387,7 +1389,7 @@
             </a:pPr>
             <a:fld id="{BCC18F51-09EC-435C-A3BA-64A766E099C0}" type="datetimeFigureOut">
               <a:rPr lang="en-US"/>
-              <a:t>2024-05-19</a:t>
+              <a:t>2024-05-20</a:t>
             </a:fld>
             <a:endParaRPr lang="en-US"/>
           </a:p>
@@ -1794,7 +1796,7 @@
             </a:pPr>
             <a:fld id="{BCC18F51-09EC-435C-A3BA-64A766E099C0}" type="datetimeFigureOut">
               <a:rPr lang="en-US"/>
-              <a:t>2024-05-19</a:t>
+              <a:t>2024-05-20</a:t>
             </a:fld>
             <a:endParaRPr lang="en-US"/>
           </a:p>
@@ -1920,7 +1922,7 @@
             </a:pPr>
             <a:fld id="{BCC18F51-09EC-435C-A3BA-64A766E099C0}" type="datetimeFigureOut">
               <a:rPr lang="en-US"/>
-              <a:t>2024-05-19</a:t>
+              <a:t>2024-05-20</a:t>
             </a:fld>
             <a:endParaRPr lang="en-US"/>
           </a:p>
@@ -2021,7 +2023,7 @@
             </a:pPr>
             <a:fld id="{BCC18F51-09EC-435C-A3BA-64A766E099C0}" type="datetimeFigureOut">
               <a:rPr lang="en-US"/>
-              <a:t>2024-05-19</a:t>
+              <a:t>2024-05-20</a:t>
             </a:fld>
             <a:endParaRPr lang="en-US"/>
           </a:p>
@@ -2322,7 +2324,7 @@
             </a:pPr>
             <a:fld id="{BCC18F51-09EC-435C-A3BA-64A766E099C0}" type="datetimeFigureOut">
               <a:rPr lang="en-US"/>
-              <a:t>2024-05-19</a:t>
+              <a:t>2024-05-20</a:t>
             </a:fld>
             <a:endParaRPr lang="en-US"/>
           </a:p>
@@ -2592,7 +2594,7 @@
             </a:pPr>
             <a:fld id="{BCC18F51-09EC-435C-A3BA-64A766E099C0}" type="datetimeFigureOut">
               <a:rPr lang="en-US"/>
-              <a:t>2024-05-19</a:t>
+              <a:t>2024-05-20</a:t>
             </a:fld>
             <a:endParaRPr lang="en-US"/>
           </a:p>
@@ -2826,7 +2828,7 @@
             </a:pPr>
             <a:fld id="{BCC18F51-09EC-435C-A3BA-64A766E099C0}" type="datetimeFigureOut">
               <a:rPr lang="en-US"/>
-              <a:t>2024-05-19</a:t>
+              <a:t>2024-05-20</a:t>
             </a:fld>
             <a:endParaRPr lang="en-US"/>
           </a:p>
@@ -5690,198 +5692,11 @@
           </a:bodyPr>
           <a:lstStyle/>
           <a:p>
-            <a:pPr marL="360978" indent="-360978">
-              <a:buFont typeface="Arial"/>
-              <a:buAutoNum type="arabicPeriod"/>
-              <a:defRPr/>
-            </a:pPr>
-            <a:r>
-              <a:rPr lang="ru-RU" sz="2800" b="0" i="0" u="none" strike="noStrike" cap="none" spc="0">
-                <a:solidFill>
-                  <a:schemeClr val="tx1"/>
-                </a:solidFill>
-                <a:latin typeface="Times New Roman"/>
-                <a:cs typeface="Times New Roman"/>
-              </a:rPr>
-              <a:t>Установить текущую точку равной начальной позиции.</a:t>
-            </a:r>
-            <a:endParaRPr sz="2800" b="0" i="0" u="none" strike="noStrike" cap="none" spc="0">
-              <a:solidFill>
-                <a:schemeClr val="tx1"/>
-              </a:solidFill>
-              <a:latin typeface="Times New Roman"/>
-              <a:cs typeface="Times New Roman"/>
-            </a:endParaRPr>
-          </a:p>
-          <a:p>
-            <a:pPr marL="360978" indent="-360978">
-              <a:buFont typeface="Arial"/>
-              <a:buAutoNum type="arabicPeriod"/>
-              <a:defRPr/>
-            </a:pPr>
-            <a:r>
-              <a:rPr lang="ru-RU" sz="2800" b="0" i="0" u="none" strike="noStrike" cap="none" spc="0">
-                <a:solidFill>
-                  <a:schemeClr val="tx1"/>
-                </a:solidFill>
-                <a:latin typeface="Times New Roman"/>
-                <a:cs typeface="Times New Roman"/>
-              </a:rPr>
-              <a:t>Найти ближайшую точку к текущей точке.</a:t>
-            </a:r>
-            <a:endParaRPr sz="2800" b="0" i="0" u="none" strike="noStrike" cap="none" spc="0">
-              <a:solidFill>
-                <a:schemeClr val="tx1"/>
-              </a:solidFill>
-              <a:latin typeface="Times New Roman"/>
-              <a:cs typeface="Times New Roman"/>
-            </a:endParaRPr>
-          </a:p>
-          <a:p>
-            <a:pPr marL="360978" indent="-360978">
-              <a:buFont typeface="Arial"/>
-              <a:buAutoNum type="arabicPeriod"/>
-              <a:defRPr/>
-            </a:pPr>
-            <a:r>
-              <a:rPr lang="ru-RU" sz="2800" b="0" i="0" u="none" strike="noStrike" cap="none" spc="0">
-                <a:solidFill>
-                  <a:schemeClr val="tx1"/>
-                </a:solidFill>
-                <a:latin typeface="Times New Roman"/>
-                <a:cs typeface="Times New Roman"/>
-              </a:rPr>
-              <a:t>Удалить ближайшую точку из списка оставшихся точек.</a:t>
-            </a:r>
-            <a:endParaRPr sz="2800" b="0" i="0" u="none" strike="noStrike" cap="none" spc="0">
-              <a:solidFill>
-                <a:schemeClr val="tx1"/>
-              </a:solidFill>
-              <a:latin typeface="Times New Roman"/>
-              <a:cs typeface="Times New Roman"/>
-            </a:endParaRPr>
-          </a:p>
-          <a:p>
-            <a:pPr marL="360978" indent="-360978">
-              <a:buFont typeface="Arial"/>
-              <a:buAutoNum type="arabicPeriod"/>
-              <a:defRPr/>
-            </a:pPr>
-            <a:r>
-              <a:rPr lang="ru-RU" sz="2800" b="0" i="0" u="none" strike="noStrike" cap="none" spc="0">
-                <a:solidFill>
-                  <a:schemeClr val="tx1"/>
-                </a:solidFill>
-                <a:latin typeface="Times New Roman"/>
-                <a:cs typeface="Times New Roman"/>
-              </a:rPr>
-              <a:t>Добавить ближайшую точку в список результатов.</a:t>
-            </a:r>
-            <a:endParaRPr sz="2800" b="0" i="0" u="none" strike="noStrike" cap="none" spc="0">
-              <a:solidFill>
-                <a:schemeClr val="tx1"/>
-              </a:solidFill>
-              <a:latin typeface="Times New Roman"/>
-              <a:cs typeface="Times New Roman"/>
-            </a:endParaRPr>
-          </a:p>
-          <a:p>
-            <a:pPr marL="360978" indent="-360978">
-              <a:buFont typeface="Arial"/>
-              <a:buAutoNum type="arabicPeriod"/>
-              <a:defRPr/>
-            </a:pPr>
-            <a:r>
-              <a:rPr lang="ru-RU" sz="2800" b="0" i="0" u="none" strike="noStrike" cap="none" spc="0">
-                <a:solidFill>
-                  <a:schemeClr val="tx1"/>
-                </a:solidFill>
-                <a:latin typeface="Times New Roman"/>
-                <a:cs typeface="Times New Roman"/>
-              </a:rPr>
-              <a:t>Обновить текущую точку до ближайшей точки.</a:t>
-            </a:r>
-            <a:endParaRPr sz="2800" b="0" i="0" u="none" strike="noStrike" cap="none" spc="0">
-              <a:solidFill>
-                <a:schemeClr val="tx1"/>
-              </a:solidFill>
-              <a:latin typeface="Times New Roman"/>
-              <a:cs typeface="Times New Roman"/>
-            </a:endParaRPr>
-          </a:p>
-          <a:p>
-            <a:pPr marL="360978" indent="-360978">
-              <a:buFont typeface="Arial"/>
-              <a:buAutoNum type="arabicPeriod"/>
-              <a:defRPr/>
-            </a:pPr>
-            <a:r>
-              <a:rPr lang="ru-RU" sz="2800" b="0" i="0" u="none" strike="noStrike" cap="none" spc="0">
-                <a:solidFill>
-                  <a:schemeClr val="tx1"/>
-                </a:solidFill>
-                <a:latin typeface="Times New Roman"/>
-                <a:ea typeface="Times New Roman"/>
-                <a:cs typeface="Times New Roman"/>
-              </a:rPr>
-              <a:t>Если список оставшихся не пуст, вернутся к шагу 2</a:t>
-            </a:r>
-            <a:r>
-              <a:rPr lang="en-US" sz="2800" b="0" i="0" u="none" strike="noStrike" cap="none" spc="0">
-                <a:solidFill>
-                  <a:schemeClr val="tx1"/>
-                </a:solidFill>
-                <a:latin typeface="Times New Roman"/>
-                <a:cs typeface="Times New Roman"/>
-              </a:rPr>
-              <a:t>.</a:t>
-            </a:r>
-            <a:endParaRPr sz="2800" b="0" i="0" u="none" strike="noStrike" cap="none" spc="0">
-              <a:solidFill>
-                <a:schemeClr val="tx1"/>
-              </a:solidFill>
-              <a:latin typeface="Times New Roman"/>
-              <a:cs typeface="Times New Roman"/>
-            </a:endParaRPr>
-          </a:p>
-          <a:p>
-            <a:pPr marL="360978" indent="-360978">
-              <a:buFont typeface="Arial"/>
-              <a:buAutoNum type="arabicPeriod"/>
-              <a:defRPr/>
-            </a:pPr>
-            <a:r>
-              <a:rPr lang="ru-RU" sz="2800" b="0" i="0" u="none" strike="noStrike" cap="none" spc="0">
-                <a:solidFill>
-                  <a:schemeClr val="tx1"/>
-                </a:solidFill>
-                <a:latin typeface="Times New Roman"/>
-                <a:cs typeface="Times New Roman"/>
-              </a:rPr>
-              <a:t>Добавить начальную точку в конец списка результатов.</a:t>
-            </a:r>
-            <a:endParaRPr sz="2800">
-              <a:latin typeface="Times New Roman"/>
-              <a:cs typeface="Times New Roman"/>
-            </a:endParaRPr>
-          </a:p>
-          <a:p>
-            <a:pPr marL="360978" indent="-360978">
-              <a:buFont typeface="Arial"/>
-              <a:buAutoNum type="arabicPeriod"/>
-              <a:defRPr/>
-            </a:pPr>
-            <a:r>
-              <a:rPr lang="ru-RU" sz="2800" b="0" i="0" u="none" strike="noStrike" cap="none" spc="0">
-                <a:solidFill>
-                  <a:schemeClr val="tx1"/>
-                </a:solidFill>
-                <a:latin typeface="Times New Roman"/>
-                <a:cs typeface="Times New Roman"/>
-              </a:rPr>
-              <a:t>Вернуть список результатов в качестве выходных данных.</a:t>
-            </a:r>
-            <a:endParaRPr sz="2800" b="0" i="0" u="none" strike="noStrike" cap="none" spc="0">
+            <a:pPr marL="0" indent="0">
+              <a:buNone/>
+              <a:defRPr/>
+            </a:pPr>
+            <a:endParaRPr sz="2800" b="0" i="0" u="none" strike="noStrike" cap="none" spc="0" dirty="0">
               <a:solidFill>
                 <a:schemeClr val="tx1"/>
               </a:solidFill>
@@ -5930,6 +5745,41 @@
           </a:p>
         </p:txBody>
       </p:sp>
+      <p:pic>
+        <p:nvPicPr>
+          <p:cNvPr id="5" name="Picture 4">
+            <a:extLst>
+              <a:ext uri="{FF2B5EF4-FFF2-40B4-BE49-F238E27FC236}">
+                <a16:creationId xmlns:a16="http://schemas.microsoft.com/office/drawing/2014/main" id="{83AF9356-8160-41CC-AA5E-22DA4D6F23A3}"/>
+              </a:ext>
+            </a:extLst>
+          </p:cNvPr>
+          <p:cNvPicPr>
+            <a:picLocks noChangeAspect="1"/>
+          </p:cNvPicPr>
+          <p:nvPr/>
+        </p:nvPicPr>
+        <p:blipFill>
+          <a:blip r:embed="rId2"/>
+          <a:stretch>
+            <a:fillRect/>
+          </a:stretch>
+        </p:blipFill>
+        <p:spPr>
+          <a:xfrm>
+            <a:off x="282339" y="1012481"/>
+            <a:ext cx="8579320" cy="5182065"/>
+          </a:xfrm>
+          <a:prstGeom prst="rect">
+            <a:avLst/>
+          </a:prstGeom>
+          <a:ln w="12700">
+            <a:solidFill>
+              <a:schemeClr val="tx1"/>
+            </a:solidFill>
+          </a:ln>
+        </p:spPr>
+      </p:pic>
     </p:spTree>
   </p:cSld>
   <p:clrMapOvr>
@@ -6019,7 +5869,7 @@
                 <a:latin typeface="Times New Roman"/>
                 <a:cs typeface="Times New Roman"/>
               </a:rPr>
-              <a:t>ПОЛНОГО  ПЕРЕБОРА</a:t>
+              <a:t>БЛИЖАЙШЕГО СОСЕДА</a:t>
             </a:r>
             <a:endParaRPr sz="2800" b="1" dirty="0">
               <a:latin typeface="Times New Roman"/>
@@ -6028,229 +5878,40 @@
           </a:p>
         </p:txBody>
       </p:sp>
-      <p:sp>
-        <p:nvSpPr>
-          <p:cNvPr id="1126800454" name="Content Placeholder 2"/>
-          <p:cNvSpPr>
-            <a:spLocks noGrp="1"/>
-          </p:cNvSpPr>
+      <p:pic>
+        <p:nvPicPr>
+          <p:cNvPr id="3" name="Content Placeholder 2">
+            <a:extLst>
+              <a:ext uri="{FF2B5EF4-FFF2-40B4-BE49-F238E27FC236}">
+                <a16:creationId xmlns:a16="http://schemas.microsoft.com/office/drawing/2014/main" id="{7B2AD231-E777-42B2-BF3E-0EE6831058D9}"/>
+              </a:ext>
+            </a:extLst>
+          </p:cNvPr>
+          <p:cNvPicPr>
+            <a:picLocks noGrp="1" noChangeAspect="1"/>
+          </p:cNvPicPr>
           <p:nvPr>
             <p:ph idx="1"/>
           </p:nvPr>
-        </p:nvSpPr>
+        </p:nvPicPr>
+        <p:blipFill>
+          <a:blip r:embed="rId2"/>
+          <a:stretch>
+            <a:fillRect/>
+          </a:stretch>
+        </p:blipFill>
         <p:spPr bwMode="auto">
           <a:xfrm>
-            <a:off x="628649" y="720000"/>
-            <a:ext cx="7886700" cy="5456961"/>
+            <a:off x="33718" y="982535"/>
+            <a:ext cx="8839894" cy="5378933"/>
           </a:xfrm>
+          <a:ln w="12700">
+            <a:solidFill>
+              <a:schemeClr val="tx1"/>
+            </a:solidFill>
+          </a:ln>
         </p:spPr>
-        <p:txBody>
-          <a:bodyPr vertOverflow="overflow" horzOverflow="overflow" vert="horz" wrap="square" lIns="91440" tIns="45720" rIns="91440" bIns="45720" numCol="1" spcCol="0" rtlCol="0" fromWordArt="0" anchor="t" anchorCtr="0" forceAA="0" compatLnSpc="0">
-            <a:normAutofit fontScale="97500" lnSpcReduction="12000"/>
-          </a:bodyPr>
-          <a:lstStyle/>
-          <a:p>
-            <a:pPr marL="360978" indent="-360978">
-              <a:buFont typeface="Arial"/>
-              <a:buAutoNum type="arabicPeriod"/>
-              <a:defRPr/>
-            </a:pPr>
-            <a:r>
-              <a:rPr lang="ru-RU" sz="2800" b="0" i="0" u="none" strike="noStrike" cap="none" spc="0">
-                <a:solidFill>
-                  <a:schemeClr val="tx1"/>
-                </a:solidFill>
-                <a:latin typeface="Times New Roman"/>
-                <a:cs typeface="Times New Roman"/>
-              </a:rPr>
-              <a:t>Установить текущую точку равной начальной позиции.</a:t>
-            </a:r>
-            <a:endParaRPr sz="2800" b="0" i="0" u="none" strike="noStrike" cap="none" spc="0">
-              <a:solidFill>
-                <a:schemeClr val="tx1"/>
-              </a:solidFill>
-              <a:latin typeface="Times New Roman"/>
-              <a:cs typeface="Times New Roman"/>
-            </a:endParaRPr>
-          </a:p>
-          <a:p>
-            <a:pPr marL="360978" indent="-360978">
-              <a:buFont typeface="Arial"/>
-              <a:buAutoNum type="arabicPeriod"/>
-              <a:defRPr/>
-            </a:pPr>
-            <a:r>
-              <a:rPr lang="ru-RU" sz="2800" b="0" i="0" u="none" strike="noStrike" cap="none" spc="0">
-                <a:solidFill>
-                  <a:schemeClr val="tx1"/>
-                </a:solidFill>
-                <a:latin typeface="Times New Roman"/>
-                <a:cs typeface="Times New Roman"/>
-              </a:rPr>
-              <a:t>Найти ближайшую точку к текущей точке.</a:t>
-            </a:r>
-            <a:endParaRPr sz="2800" b="0" i="0" u="none" strike="noStrike" cap="none" spc="0">
-              <a:solidFill>
-                <a:schemeClr val="tx1"/>
-              </a:solidFill>
-              <a:latin typeface="Times New Roman"/>
-              <a:cs typeface="Times New Roman"/>
-            </a:endParaRPr>
-          </a:p>
-          <a:p>
-            <a:pPr marL="360978" indent="-360978">
-              <a:buFont typeface="Arial"/>
-              <a:buAutoNum type="arabicPeriod"/>
-              <a:defRPr/>
-            </a:pPr>
-            <a:r>
-              <a:rPr lang="ru-RU" sz="2800" b="0" i="0" u="none" strike="noStrike" cap="none" spc="0">
-                <a:solidFill>
-                  <a:schemeClr val="tx1"/>
-                </a:solidFill>
-                <a:latin typeface="Times New Roman"/>
-                <a:cs typeface="Times New Roman"/>
-              </a:rPr>
-              <a:t>Удалить ближайшую точку из списка оставшихся точек.</a:t>
-            </a:r>
-            <a:endParaRPr sz="2800" b="0" i="0" u="none" strike="noStrike" cap="none" spc="0">
-              <a:solidFill>
-                <a:schemeClr val="tx1"/>
-              </a:solidFill>
-              <a:latin typeface="Times New Roman"/>
-              <a:cs typeface="Times New Roman"/>
-            </a:endParaRPr>
-          </a:p>
-          <a:p>
-            <a:pPr marL="360978" indent="-360978">
-              <a:buFont typeface="Arial"/>
-              <a:buAutoNum type="arabicPeriod"/>
-              <a:defRPr/>
-            </a:pPr>
-            <a:r>
-              <a:rPr lang="ru-RU" sz="2800" b="0" i="0" u="none" strike="noStrike" cap="none" spc="0">
-                <a:solidFill>
-                  <a:schemeClr val="tx1"/>
-                </a:solidFill>
-                <a:latin typeface="Times New Roman"/>
-                <a:cs typeface="Times New Roman"/>
-              </a:rPr>
-              <a:t>Добавить ближайшую точку в список результатов.</a:t>
-            </a:r>
-            <a:endParaRPr sz="2800" b="0" i="0" u="none" strike="noStrike" cap="none" spc="0">
-              <a:solidFill>
-                <a:schemeClr val="tx1"/>
-              </a:solidFill>
-              <a:latin typeface="Times New Roman"/>
-              <a:cs typeface="Times New Roman"/>
-            </a:endParaRPr>
-          </a:p>
-          <a:p>
-            <a:pPr marL="360978" indent="-360978">
-              <a:buFont typeface="Arial"/>
-              <a:buAutoNum type="arabicPeriod"/>
-              <a:defRPr/>
-            </a:pPr>
-            <a:r>
-              <a:rPr lang="ru-RU" sz="2800" b="0" i="0" u="none" strike="noStrike" cap="none" spc="0">
-                <a:solidFill>
-                  <a:schemeClr val="tx1"/>
-                </a:solidFill>
-                <a:latin typeface="Times New Roman"/>
-                <a:cs typeface="Times New Roman"/>
-              </a:rPr>
-              <a:t>Обновить текущую точку до ближайшей точки.</a:t>
-            </a:r>
-            <a:endParaRPr sz="2800" b="0" i="0" u="none" strike="noStrike" cap="none" spc="0">
-              <a:solidFill>
-                <a:schemeClr val="tx1"/>
-              </a:solidFill>
-              <a:latin typeface="Times New Roman"/>
-              <a:cs typeface="Times New Roman"/>
-            </a:endParaRPr>
-          </a:p>
-          <a:p>
-            <a:pPr marL="360978" indent="-360978">
-              <a:buFont typeface="Arial"/>
-              <a:buAutoNum type="arabicPeriod"/>
-              <a:defRPr/>
-            </a:pPr>
-            <a:r>
-              <a:rPr lang="ru-RU" sz="2800" b="0" i="0" u="none" strike="noStrike" cap="none" spc="0">
-                <a:solidFill>
-                  <a:schemeClr val="tx1"/>
-                </a:solidFill>
-                <a:latin typeface="Times New Roman"/>
-                <a:ea typeface="Times New Roman"/>
-                <a:cs typeface="Times New Roman"/>
-              </a:rPr>
-              <a:t>Если список оставшихся не пуст, вернутся к шагу 2</a:t>
-            </a:r>
-            <a:r>
-              <a:rPr lang="en-US" sz="2800" b="0" i="0" u="none" strike="noStrike" cap="none" spc="0">
-                <a:solidFill>
-                  <a:schemeClr val="tx1"/>
-                </a:solidFill>
-                <a:latin typeface="Times New Roman"/>
-                <a:cs typeface="Times New Roman"/>
-              </a:rPr>
-              <a:t>.</a:t>
-            </a:r>
-            <a:endParaRPr sz="2800" b="0" i="0" u="none" strike="noStrike" cap="none" spc="0">
-              <a:solidFill>
-                <a:schemeClr val="tx1"/>
-              </a:solidFill>
-              <a:latin typeface="Times New Roman"/>
-              <a:cs typeface="Times New Roman"/>
-            </a:endParaRPr>
-          </a:p>
-          <a:p>
-            <a:pPr marL="360978" indent="-360978">
-              <a:buFont typeface="Arial"/>
-              <a:buAutoNum type="arabicPeriod"/>
-              <a:defRPr/>
-            </a:pPr>
-            <a:r>
-              <a:rPr lang="ru-RU" sz="2800" b="0" i="0" u="none" strike="noStrike" cap="none" spc="0">
-                <a:solidFill>
-                  <a:schemeClr val="tx1"/>
-                </a:solidFill>
-                <a:latin typeface="Times New Roman"/>
-                <a:cs typeface="Times New Roman"/>
-              </a:rPr>
-              <a:t>Добавить начальную точку в конец списка результатов.</a:t>
-            </a:r>
-            <a:endParaRPr sz="2800">
-              <a:latin typeface="Times New Roman"/>
-              <a:cs typeface="Times New Roman"/>
-            </a:endParaRPr>
-          </a:p>
-          <a:p>
-            <a:pPr marL="360978" indent="-360978">
-              <a:buFont typeface="Arial"/>
-              <a:buAutoNum type="arabicPeriod"/>
-              <a:defRPr/>
-            </a:pPr>
-            <a:r>
-              <a:rPr lang="ru-RU" sz="2800" b="0" i="0" u="none" strike="noStrike" cap="none" spc="0">
-                <a:solidFill>
-                  <a:schemeClr val="tx1"/>
-                </a:solidFill>
-                <a:latin typeface="Times New Roman"/>
-                <a:cs typeface="Times New Roman"/>
-              </a:rPr>
-              <a:t>Вернуть список результатов в качестве выходных данных.</a:t>
-            </a:r>
-            <a:endParaRPr sz="2800" b="0" i="0" u="none" strike="noStrike" cap="none" spc="0">
-              <a:solidFill>
-                <a:schemeClr val="tx1"/>
-              </a:solidFill>
-              <a:latin typeface="Times New Roman"/>
-              <a:cs typeface="Times New Roman"/>
-            </a:endParaRPr>
-          </a:p>
-        </p:txBody>
-      </p:sp>
+      </p:pic>
       <p:sp>
         <p:nvSpPr>
           <p:cNvPr id="447843370" name="Slide Number Placeholder 5"/>
@@ -6293,7 +5954,7 @@
     </p:spTree>
     <p:extLst>
       <p:ext uri="{BB962C8B-B14F-4D97-AF65-F5344CB8AC3E}">
-        <p14:creationId xmlns:p14="http://schemas.microsoft.com/office/powerpoint/2010/main" val="863956904"/>
+        <p14:creationId xmlns:p14="http://schemas.microsoft.com/office/powerpoint/2010/main" val="4077406703"/>
       </p:ext>
     </p:extLst>
   </p:cSld>
@@ -6322,7 +5983,7 @@
       </p:grpSpPr>
       <p:sp>
         <p:nvSpPr>
-          <p:cNvPr id="575563442" name="Title 1"/>
+          <p:cNvPr id="439803811" name="Title 1"/>
           <p:cNvSpPr>
             <a:spLocks noGrp="1"/>
           </p:cNvSpPr>
@@ -6333,7 +5994,7 @@
         <p:spPr bwMode="auto">
           <a:xfrm>
             <a:off x="0" y="0"/>
-            <a:ext cx="9144000" cy="1052736"/>
+            <a:ext cx="9144000" cy="720000"/>
           </a:xfrm>
         </p:spPr>
         <p:txBody>
@@ -6384,20 +6045,7 @@
                 <a:latin typeface="Times New Roman"/>
                 <a:cs typeface="Times New Roman"/>
               </a:rPr>
-              <a:t>ПОСТРОЕНИЯ МАРШРУТА</a:t>
-            </a:r>
-            <a:br>
-              <a:rPr lang="ru-RU" sz="2800" b="1" dirty="0">
-                <a:latin typeface="Times New Roman"/>
-                <a:cs typeface="Times New Roman"/>
-              </a:rPr>
-            </a:br>
-            <a:r>
-              <a:rPr lang="ru-RU" sz="2800" b="1" dirty="0">
-                <a:latin typeface="Times New Roman"/>
-                <a:cs typeface="Times New Roman"/>
-              </a:rPr>
-              <a:t>ВНУТРИ ПРЯМОУГОЛЬНОЙ ОБЛАСТИ</a:t>
+              <a:t>ПОЛНОГО  ПЕРЕБОРА</a:t>
             </a:r>
             <a:endParaRPr sz="2800" b="1" dirty="0">
               <a:latin typeface="Times New Roman"/>
@@ -6406,100 +6054,38 @@
           </a:p>
         </p:txBody>
       </p:sp>
+      <p:pic>
+        <p:nvPicPr>
+          <p:cNvPr id="3" name="Content Placeholder 2">
+            <a:extLst>
+              <a:ext uri="{FF2B5EF4-FFF2-40B4-BE49-F238E27FC236}">
+                <a16:creationId xmlns:a16="http://schemas.microsoft.com/office/drawing/2014/main" id="{9F57E8C9-EFD9-44FE-81A5-44F7BF3EBC52}"/>
+              </a:ext>
+            </a:extLst>
+          </p:cNvPr>
+          <p:cNvPicPr>
+            <a:picLocks noGrp="1" noChangeAspect="1"/>
+          </p:cNvPicPr>
+          <p:nvPr>
+            <p:ph idx="1"/>
+          </p:nvPr>
+        </p:nvPicPr>
+        <p:blipFill>
+          <a:blip r:embed="rId2"/>
+          <a:stretch>
+            <a:fillRect/>
+          </a:stretch>
+        </p:blipFill>
+        <p:spPr bwMode="auto">
+          <a:xfrm>
+            <a:off x="628650" y="1008479"/>
+            <a:ext cx="7886700" cy="4880729"/>
+          </a:xfrm>
+        </p:spPr>
+      </p:pic>
       <p:sp>
         <p:nvSpPr>
-          <p:cNvPr id="859506705" name="Content Placeholder 2"/>
-          <p:cNvSpPr>
-            <a:spLocks noGrp="1"/>
-          </p:cNvSpPr>
-          <p:nvPr>
-            <p:ph idx="1"/>
-          </p:nvPr>
-        </p:nvSpPr>
-        <p:spPr bwMode="auto">
-          <a:xfrm>
-            <a:off x="628649" y="1196752"/>
-            <a:ext cx="7886700" cy="4980209"/>
-          </a:xfrm>
-        </p:spPr>
-        <p:txBody>
-          <a:bodyPr vertOverflow="overflow" horzOverflow="overflow" vert="horz" wrap="square" lIns="91440" tIns="45720" rIns="91440" bIns="45720" numCol="1" spcCol="0" rtlCol="0" fromWordArt="0" anchor="t" anchorCtr="0" forceAA="0" compatLnSpc="0">
-            <a:normAutofit/>
-          </a:bodyPr>
-          <a:lstStyle/>
-          <a:p>
-            <a:pPr marL="360978" indent="-360978">
-              <a:buFont typeface="Arial"/>
-              <a:buAutoNum type="arabicPeriod"/>
-              <a:defRPr/>
-            </a:pPr>
-            <a:r>
-              <a:rPr lang="ru-RU" sz="2500" b="0" i="0" u="none" strike="noStrike" cap="none" spc="0" dirty="0">
-                <a:solidFill>
-                  <a:schemeClr val="tx1"/>
-                </a:solidFill>
-                <a:latin typeface="Times New Roman"/>
-                <a:cs typeface="Times New Roman"/>
-              </a:rPr>
-              <a:t>Для каждой точки создается новый поток, каждый из которых вычисляет кратчайший путь от этой точки.</a:t>
-            </a:r>
-          </a:p>
-          <a:p>
-            <a:pPr marL="360978" indent="-360978">
-              <a:buFont typeface="Arial"/>
-              <a:buAutoNum type="arabicPeriod"/>
-              <a:defRPr/>
-            </a:pPr>
-            <a:r>
-              <a:rPr lang="ru-RU" sz="2500" b="0" i="0" u="none" strike="noStrike" cap="none" spc="0" dirty="0">
-                <a:solidFill>
-                  <a:schemeClr val="tx1"/>
-                </a:solidFill>
-                <a:latin typeface="Times New Roman"/>
-                <a:cs typeface="Times New Roman"/>
-              </a:rPr>
-              <a:t>В каждом потоке вызывается вспомогательная функция рекурсивно проверяющая все возможные пути.</a:t>
-            </a:r>
-          </a:p>
-          <a:p>
-            <a:pPr marL="360978" indent="-360978">
-              <a:buFont typeface="Arial"/>
-              <a:buAutoNum type="arabicPeriod"/>
-              <a:defRPr/>
-            </a:pPr>
-            <a:r>
-              <a:rPr lang="ru-RU" sz="2500" b="0" i="0" u="none" strike="noStrike" cap="none" spc="0" dirty="0">
-                <a:solidFill>
-                  <a:schemeClr val="tx1"/>
-                </a:solidFill>
-                <a:latin typeface="Times New Roman"/>
-                <a:cs typeface="Times New Roman"/>
-              </a:rPr>
-              <a:t>Пройдя по всем точкам, она вычисляет общее расстояние и, если оно самое короткое на данный момент, обновляет лучший путь.</a:t>
-            </a:r>
-          </a:p>
-          <a:p>
-            <a:pPr marL="360978" indent="-360978">
-              <a:buFont typeface="Arial"/>
-              <a:buAutoNum type="arabicPeriod"/>
-              <a:defRPr/>
-            </a:pPr>
-            <a:r>
-              <a:rPr lang="ru-RU" sz="2500" b="0" i="0" u="none" strike="noStrike" cap="none" spc="0" dirty="0">
-                <a:solidFill>
-                  <a:schemeClr val="tx1"/>
-                </a:solidFill>
-                <a:latin typeface="Times New Roman"/>
-                <a:cs typeface="Times New Roman"/>
-              </a:rPr>
-              <a:t>Когда все потоки завершены, извлекается кратчайший путь – самый эффективный маршрут между точками.</a:t>
-            </a:r>
-          </a:p>
-        </p:txBody>
-      </p:sp>
-      <p:sp>
-        <p:nvSpPr>
-          <p:cNvPr id="1551656778" name="Slide Number Placeholder 5"/>
+          <p:cNvPr id="447843370" name="Slide Number Placeholder 5"/>
           <p:cNvSpPr>
             <a:spLocks noGrp="1"/>
           </p:cNvSpPr>
@@ -6515,7 +6101,7 @@
             <a:pPr>
               <a:defRPr/>
             </a:pPr>
-            <a:fld id="{BD3CE672-1586-B4B4-E551-259DC4B15C04}" type="slidenum">
+            <a:fld id="{A4E535D7-7A1A-173D-3768-3427A2E45C34}" type="slidenum">
               <a:rPr lang="en-US" sz="1800"/>
               <a:t>14</a:t>
             </a:fld>
@@ -6537,6 +6123,11 @@
         </p:txBody>
       </p:sp>
     </p:spTree>
+    <p:extLst>
+      <p:ext uri="{BB962C8B-B14F-4D97-AF65-F5344CB8AC3E}">
+        <p14:creationId xmlns:p14="http://schemas.microsoft.com/office/powerpoint/2010/main" val="863956904"/>
+      </p:ext>
+    </p:extLst>
   </p:cSld>
   <p:clrMapOvr>
     <a:masterClrMapping/>
@@ -6574,12 +6165,12 @@
         <p:spPr bwMode="auto">
           <a:xfrm>
             <a:off x="0" y="0"/>
-            <a:ext cx="9144000" cy="720000"/>
+            <a:ext cx="9144000" cy="1052736"/>
           </a:xfrm>
         </p:spPr>
         <p:txBody>
           <a:bodyPr>
-            <a:normAutofit fontScale="90000"/>
+            <a:normAutofit/>
           </a:bodyPr>
           <a:lstStyle/>
           <a:p>
@@ -6591,7 +6182,7 @@
                 <a:latin typeface="Times New Roman"/>
                 <a:cs typeface="Times New Roman"/>
               </a:rPr>
-              <a:t>ВИЗУАЛИЗАЦИЯ РАБОТЫ </a:t>
+              <a:t>ЭТАПЫ РАБОТЫ </a:t>
             </a:r>
             <a:r>
               <a:rPr sz="2800" b="1" dirty="0">
@@ -6625,103 +6216,12 @@
                 <a:latin typeface="Times New Roman"/>
                 <a:cs typeface="Times New Roman"/>
               </a:rPr>
-              <a:t>ПРЯМОУГОЛЬНЫХ ОБЛАСТЕЙ</a:t>
+              <a:t>ДЛЯ ПРЯМОУГОЛЬНЫХ ОБЛАСТЕЙ</a:t>
             </a:r>
             <a:endParaRPr sz="2800" b="1" dirty="0">
               <a:latin typeface="Times New Roman"/>
               <a:cs typeface="Times New Roman"/>
             </a:endParaRPr>
-          </a:p>
-        </p:txBody>
-      </p:sp>
-      <p:sp>
-        <p:nvSpPr>
-          <p:cNvPr id="859506705" name="Content Placeholder 2"/>
-          <p:cNvSpPr>
-            <a:spLocks noGrp="1"/>
-          </p:cNvSpPr>
-          <p:nvPr>
-            <p:ph idx="1"/>
-          </p:nvPr>
-        </p:nvSpPr>
-        <p:spPr bwMode="auto">
-          <a:xfrm>
-            <a:off x="628649" y="720000"/>
-            <a:ext cx="7886700" cy="5456961"/>
-          </a:xfrm>
-        </p:spPr>
-        <p:txBody>
-          <a:bodyPr vertOverflow="overflow" horzOverflow="overflow" vert="horz" wrap="square" lIns="91440" tIns="45720" rIns="91440" bIns="45720" numCol="1" spcCol="0" rtlCol="0" fromWordArt="0" anchor="t" anchorCtr="0" forceAA="0" compatLnSpc="0">
-            <a:normAutofit/>
-          </a:bodyPr>
-          <a:lstStyle/>
-          <a:p>
-            <a:pPr marL="360978" indent="-360978">
-              <a:buFont typeface="Arial"/>
-              <a:buAutoNum type="arabicPeriod"/>
-              <a:defRPr/>
-            </a:pPr>
-            <a:r>
-              <a:rPr lang="ru-RU" sz="2500" b="0" i="0" u="none" strike="noStrike" cap="none" spc="0" dirty="0">
-                <a:solidFill>
-                  <a:schemeClr val="tx1"/>
-                </a:solidFill>
-                <a:latin typeface="Times New Roman"/>
-                <a:cs typeface="Times New Roman"/>
-              </a:rPr>
-              <a:t>Для каждой точки создается новый поток, каждый из которых вычисляет кратчайший путь от этой точки.</a:t>
-            </a:r>
-          </a:p>
-          <a:p>
-            <a:pPr marL="360978" indent="-360978">
-              <a:buFont typeface="Arial"/>
-              <a:buAutoNum type="arabicPeriod"/>
-              <a:defRPr/>
-            </a:pPr>
-            <a:r>
-              <a:rPr lang="ru-RU" sz="2500" b="0" i="0" u="none" strike="noStrike" cap="none" spc="0" dirty="0">
-                <a:solidFill>
-                  <a:schemeClr val="tx1"/>
-                </a:solidFill>
-                <a:latin typeface="Times New Roman"/>
-                <a:cs typeface="Times New Roman"/>
-              </a:rPr>
-              <a:t>В каждом потоке вызывается вспомогательная функция рекурсивно проверяющая все возможные пути.</a:t>
-            </a:r>
-          </a:p>
-          <a:p>
-            <a:pPr marL="360978" indent="-360978">
-              <a:buFont typeface="Arial"/>
-              <a:buAutoNum type="arabicPeriod"/>
-              <a:defRPr/>
-            </a:pPr>
-            <a:r>
-              <a:rPr lang="ru-RU" sz="2500" b="0" i="0" u="none" strike="noStrike" cap="none" spc="0" dirty="0">
-                <a:solidFill>
-                  <a:schemeClr val="tx1"/>
-                </a:solidFill>
-                <a:latin typeface="Times New Roman"/>
-                <a:cs typeface="Times New Roman"/>
-              </a:rPr>
-              <a:t>Пройдя по всем точкам, она вычисляет общее расстояние и, если оно самое короткое на данный момент, обновляет лучший путь.</a:t>
-            </a:r>
-          </a:p>
-          <a:p>
-            <a:pPr marL="360978" indent="-360978">
-              <a:buFont typeface="Arial"/>
-              <a:buAutoNum type="arabicPeriod"/>
-              <a:defRPr/>
-            </a:pPr>
-            <a:r>
-              <a:rPr lang="ru-RU" sz="2500" b="0" i="0" u="none" strike="noStrike" cap="none" spc="0" dirty="0">
-                <a:solidFill>
-                  <a:schemeClr val="tx1"/>
-                </a:solidFill>
-                <a:latin typeface="Times New Roman"/>
-                <a:cs typeface="Times New Roman"/>
-              </a:rPr>
-              <a:t>Когда все потоки завершены, извлекается кратчайший путь – самый эффективный маршрут между точками.</a:t>
-            </a:r>
           </a:p>
         </p:txBody>
       </p:sp>
@@ -6764,10 +6264,147 @@
           </a:p>
         </p:txBody>
       </p:sp>
+      <p:sp>
+        <p:nvSpPr>
+          <p:cNvPr id="3" name="Content Placeholder 2">
+            <a:extLst>
+              <a:ext uri="{FF2B5EF4-FFF2-40B4-BE49-F238E27FC236}">
+                <a16:creationId xmlns:a16="http://schemas.microsoft.com/office/drawing/2014/main" id="{740BFF1B-A314-4216-8FAC-B29CA61C90C4}"/>
+              </a:ext>
+            </a:extLst>
+          </p:cNvPr>
+          <p:cNvSpPr>
+            <a:spLocks noGrp="1"/>
+          </p:cNvSpPr>
+          <p:nvPr>
+            <p:ph idx="1"/>
+          </p:nvPr>
+        </p:nvSpPr>
+        <p:spPr/>
+        <p:txBody>
+          <a:bodyPr/>
+          <a:lstStyle/>
+          <a:p>
+            <a:pPr marL="394022" indent="-394022">
+              <a:buFont typeface="Arial"/>
+              <a:buAutoNum type="arabicPeriod"/>
+              <a:defRPr/>
+            </a:pPr>
+            <a:r>
+              <a:rPr lang="ru-RU" sz="2800" b="0" i="0" u="none" strike="noStrike" cap="none" spc="0" dirty="0">
+                <a:solidFill>
+                  <a:schemeClr val="tx1"/>
+                </a:solidFill>
+                <a:latin typeface="Times New Roman"/>
+                <a:cs typeface="Times New Roman"/>
+              </a:rPr>
+              <a:t>Дискретизация прямоугольных областей.</a:t>
+            </a:r>
+          </a:p>
+          <a:p>
+            <a:pPr marL="394022" indent="-394022">
+              <a:buFont typeface="Arial"/>
+              <a:buAutoNum type="arabicPeriod"/>
+              <a:defRPr/>
+            </a:pPr>
+            <a:r>
+              <a:rPr lang="ru-RU" sz="2800" b="0" i="0" u="none" strike="noStrike" cap="none" spc="0" dirty="0">
+                <a:solidFill>
+                  <a:schemeClr val="tx1"/>
+                </a:solidFill>
+                <a:latin typeface="Times New Roman"/>
+                <a:cs typeface="Times New Roman"/>
+              </a:rPr>
+              <a:t>Построение маршрута внутри прямоугольных областей.</a:t>
+            </a:r>
+          </a:p>
+          <a:p>
+            <a:pPr marL="394022" indent="-394022">
+              <a:buFont typeface="Arial"/>
+              <a:buAutoNum type="arabicPeriod"/>
+              <a:defRPr/>
+            </a:pPr>
+            <a:r>
+              <a:rPr lang="ru-RU" sz="2800" b="0" i="0" u="none" strike="noStrike" cap="none" spc="0" dirty="0">
+                <a:solidFill>
+                  <a:schemeClr val="tx1"/>
+                </a:solidFill>
+                <a:latin typeface="Times New Roman"/>
+                <a:cs typeface="Times New Roman"/>
+              </a:rPr>
+              <a:t>Нахождение минимального </a:t>
+            </a:r>
+            <a:r>
+              <a:rPr lang="ru-RU" sz="2800" b="0" i="0" u="none" strike="noStrike" cap="none" spc="0" dirty="0" err="1">
+                <a:solidFill>
+                  <a:schemeClr val="tx1"/>
+                </a:solidFill>
+                <a:latin typeface="Times New Roman"/>
+                <a:cs typeface="Times New Roman"/>
+              </a:rPr>
+              <a:t>остовного</a:t>
+            </a:r>
+            <a:r>
+              <a:rPr lang="ru-RU" sz="2800" b="0" i="0" u="none" strike="noStrike" cap="none" spc="0" dirty="0">
+                <a:solidFill>
+                  <a:schemeClr val="tx1"/>
+                </a:solidFill>
+                <a:latin typeface="Times New Roman"/>
+                <a:cs typeface="Times New Roman"/>
+              </a:rPr>
+              <a:t> дерева с использованием алгоритма </a:t>
+            </a:r>
+            <a:r>
+              <a:rPr lang="ru-RU" sz="2800" b="0" i="0" u="none" strike="noStrike" cap="none" spc="0" dirty="0" err="1">
+                <a:solidFill>
+                  <a:schemeClr val="tx1"/>
+                </a:solidFill>
+                <a:latin typeface="Times New Roman"/>
+                <a:cs typeface="Times New Roman"/>
+              </a:rPr>
+              <a:t>Борувки</a:t>
+            </a:r>
+            <a:r>
+              <a:rPr lang="ru-RU" sz="2800" b="0" i="0" u="none" strike="noStrike" cap="none" spc="0" dirty="0">
+                <a:solidFill>
+                  <a:schemeClr val="tx1"/>
+                </a:solidFill>
+                <a:latin typeface="Times New Roman"/>
+                <a:cs typeface="Times New Roman"/>
+              </a:rPr>
+              <a:t>.</a:t>
+            </a:r>
+          </a:p>
+          <a:p>
+            <a:pPr marL="394022" indent="-394022">
+              <a:buFont typeface="Arial"/>
+              <a:buAutoNum type="arabicPeriod"/>
+              <a:defRPr/>
+            </a:pPr>
+            <a:r>
+              <a:rPr lang="ru-RU" dirty="0">
+                <a:latin typeface="Times New Roman"/>
+                <a:cs typeface="Times New Roman"/>
+              </a:rPr>
+              <a:t>Связывание прямоугольных областей.</a:t>
+            </a:r>
+            <a:endParaRPr lang="ru-RU" sz="2800" b="0" i="0" u="none" strike="noStrike" cap="none" spc="0" dirty="0">
+              <a:solidFill>
+                <a:schemeClr val="tx1"/>
+              </a:solidFill>
+              <a:latin typeface="Times New Roman"/>
+              <a:cs typeface="Times New Roman"/>
+            </a:endParaRPr>
+          </a:p>
+          <a:p>
+            <a:endParaRPr lang="en-US" dirty="0"/>
+          </a:p>
+        </p:txBody>
+      </p:sp>
     </p:spTree>
     <p:extLst>
       <p:ext uri="{BB962C8B-B14F-4D97-AF65-F5344CB8AC3E}">
-        <p14:creationId xmlns:p14="http://schemas.microsoft.com/office/powerpoint/2010/main" val="1712199796"/>
+        <p14:creationId xmlns:p14="http://schemas.microsoft.com/office/powerpoint/2010/main" val="2647056443"/>
       </p:ext>
     </p:extLst>
   </p:cSld>
@@ -6796,7 +6433,7 @@
       </p:grpSpPr>
       <p:sp>
         <p:nvSpPr>
-          <p:cNvPr id="1624467284" name="Title 1"/>
+          <p:cNvPr id="575563442" name="Title 1"/>
           <p:cNvSpPr>
             <a:spLocks noGrp="1"/>
           </p:cNvSpPr>
@@ -6807,91 +6444,82 @@
         <p:spPr bwMode="auto">
           <a:xfrm>
             <a:off x="0" y="0"/>
-            <a:ext cx="9144000" cy="720000"/>
+            <a:ext cx="9144000" cy="1052736"/>
           </a:xfrm>
         </p:spPr>
         <p:txBody>
-          <a:bodyPr/>
+          <a:bodyPr>
+            <a:normAutofit fontScale="90000"/>
+          </a:bodyPr>
           <a:lstStyle/>
           <a:p>
             <a:pPr algn="ctr">
               <a:defRPr/>
             </a:pPr>
             <a:r>
-              <a:rPr sz="2800" b="1">
-                <a:latin typeface="Times New Roman"/>
-                <a:cs typeface="Times New Roman"/>
-              </a:rPr>
-              <a:t>ИНТЕРФЕЙС СИСТЕМЫ</a:t>
-            </a:r>
+              <a:rPr lang="ru-RU" sz="2800" b="1" dirty="0">
+                <a:latin typeface="Times New Roman"/>
+                <a:cs typeface="Times New Roman"/>
+              </a:rPr>
+              <a:t>ВИЗУАЛИЗАЦИЯ РАБОТЫ </a:t>
+            </a:r>
+            <a:r>
+              <a:rPr sz="2800" b="1" dirty="0">
+                <a:latin typeface="Times New Roman"/>
+                <a:cs typeface="Times New Roman"/>
+              </a:rPr>
+              <a:t>АЛГОРИТМ</a:t>
+            </a:r>
+            <a:r>
+              <a:rPr lang="ru-RU" sz="2800" b="1" dirty="0">
+                <a:latin typeface="Times New Roman"/>
+                <a:cs typeface="Times New Roman"/>
+              </a:rPr>
+              <a:t>А</a:t>
+            </a:r>
+            <a:r>
+              <a:rPr sz="2800" b="1" dirty="0">
+                <a:latin typeface="Times New Roman"/>
+                <a:cs typeface="Times New Roman"/>
+              </a:rPr>
+              <a:t> </a:t>
+            </a:r>
+            <a:br>
+              <a:rPr lang="ru-RU" sz="2800" b="1" dirty="0">
+                <a:latin typeface="Times New Roman"/>
+                <a:cs typeface="Times New Roman"/>
+              </a:rPr>
+            </a:br>
+            <a:r>
+              <a:rPr lang="ru-RU" sz="2800" b="1" dirty="0">
+                <a:latin typeface="Times New Roman"/>
+                <a:cs typeface="Times New Roman"/>
+              </a:rPr>
+              <a:t>ПОСТРОЕНИЯ МАРШРУТА</a:t>
+            </a:r>
+            <a:br>
+              <a:rPr lang="ru-RU" sz="2800" b="1" dirty="0">
+                <a:latin typeface="Times New Roman"/>
+                <a:cs typeface="Times New Roman"/>
+              </a:rPr>
+            </a:br>
+            <a:r>
+              <a:rPr lang="ru-RU" sz="2800" b="1" dirty="0">
+                <a:latin typeface="Times New Roman"/>
+                <a:cs typeface="Times New Roman"/>
+              </a:rPr>
+              <a:t>ВНУТРИ ПРЯМОУГОЛЬНОЙ ОБЛАСТИ</a:t>
+            </a:r>
+            <a:endParaRPr sz="2800" b="1" dirty="0">
+              <a:latin typeface="Times New Roman"/>
+              <a:cs typeface="Times New Roman"/>
+            </a:endParaRPr>
           </a:p>
         </p:txBody>
       </p:sp>
       <p:sp>
         <p:nvSpPr>
-          <p:cNvPr id="1988047782" name="Content Placeholder 2"/>
-          <p:cNvSpPr>
-            <a:spLocks noGrp="1"/>
-          </p:cNvSpPr>
-          <p:nvPr>
-            <p:ph idx="1"/>
-          </p:nvPr>
-        </p:nvSpPr>
-        <p:spPr bwMode="auto">
-          <a:xfrm>
-            <a:off x="628649" y="720000"/>
-            <a:ext cx="7886700" cy="5456961"/>
-          </a:xfrm>
-        </p:spPr>
-        <p:txBody>
-          <a:bodyPr vertOverflow="overflow" horzOverflow="overflow" vert="horz" wrap="square" lIns="91440" tIns="45720" rIns="91440" bIns="45720" numCol="1" spcCol="0" rtlCol="0" fromWordArt="0" anchor="t" anchorCtr="0" forceAA="0" compatLnSpc="0">
-            <a:normAutofit/>
-          </a:bodyPr>
-          <a:lstStyle/>
-          <a:p>
-            <a:pPr marL="0" indent="0">
-              <a:buFont typeface="Arial"/>
-              <a:buNone/>
-              <a:defRPr/>
-            </a:pPr>
-            <a:endParaRPr/>
-          </a:p>
-        </p:txBody>
-      </p:sp>
-      <p:pic>
-        <p:nvPicPr>
-          <p:cNvPr id="334646962" name="Picture 334646961"/>
-          <p:cNvPicPr>
-            <a:picLocks noChangeAspect="1"/>
-          </p:cNvPicPr>
-          <p:nvPr/>
-        </p:nvPicPr>
-        <p:blipFill>
-          <a:blip r:embed="rId2"/>
-          <a:srcRect b="3986"/>
-          <a:stretch/>
-        </p:blipFill>
-        <p:spPr bwMode="auto">
-          <a:xfrm>
-            <a:off x="246833" y="1145020"/>
-            <a:ext cx="8650333" cy="4671784"/>
-          </a:xfrm>
-          <a:prstGeom prst="rect">
-            <a:avLst/>
-          </a:prstGeom>
-          <a:ln w="12699">
-            <a:solidFill>
-              <a:schemeClr val="accent1">
-                <a:lumMod val="50196"/>
-              </a:schemeClr>
-            </a:solidFill>
-            <a:prstDash val="solid"/>
-          </a:ln>
-        </p:spPr>
-      </p:pic>
-      <p:sp>
-        <p:nvSpPr>
-          <p:cNvPr id="1143579561" name="Slide Number Placeholder 5"/>
+          <p:cNvPr id="1551656778" name="Slide Number Placeholder 5"/>
           <p:cNvSpPr>
             <a:spLocks noGrp="1"/>
           </p:cNvSpPr>
@@ -6907,7 +6535,7 @@
             <a:pPr>
               <a:defRPr/>
             </a:pPr>
-            <a:fld id="{FA49A1D0-2772-5FCD-F989-23B91C0B2D29}" type="slidenum">
+            <a:fld id="{BD3CE672-1586-B4B4-E551-259DC4B15C04}" type="slidenum">
               <a:rPr lang="en-US" sz="1800"/>
               <a:t>16</a:t>
             </a:fld>
@@ -6928,6 +6556,76 @@
           </a:p>
         </p:txBody>
       </p:sp>
+      <p:pic>
+        <p:nvPicPr>
+          <p:cNvPr id="9" name="Content Placeholder 8">
+            <a:extLst>
+              <a:ext uri="{FF2B5EF4-FFF2-40B4-BE49-F238E27FC236}">
+                <a16:creationId xmlns:a16="http://schemas.microsoft.com/office/drawing/2014/main" id="{7A1ABD18-FE47-4C77-9EA4-C83667E68F9B}"/>
+              </a:ext>
+            </a:extLst>
+          </p:cNvPr>
+          <p:cNvPicPr>
+            <a:picLocks noGrp="1"/>
+          </p:cNvPicPr>
+          <p:nvPr>
+            <p:ph idx="1"/>
+          </p:nvPr>
+        </p:nvPicPr>
+        <p:blipFill>
+          <a:blip r:embed="rId2"/>
+          <a:stretch>
+            <a:fillRect/>
+          </a:stretch>
+        </p:blipFill>
+        <p:spPr>
+          <a:xfrm>
+            <a:off x="4766207" y="2132856"/>
+            <a:ext cx="4294552" cy="3144225"/>
+          </a:xfrm>
+          <a:prstGeom prst="rect">
+            <a:avLst/>
+          </a:prstGeom>
+          <a:ln w="12700">
+            <a:solidFill>
+              <a:schemeClr val="tx1"/>
+            </a:solidFill>
+          </a:ln>
+        </p:spPr>
+      </p:pic>
+      <p:pic>
+        <p:nvPicPr>
+          <p:cNvPr id="10" name="Picture 9">
+            <a:extLst>
+              <a:ext uri="{FF2B5EF4-FFF2-40B4-BE49-F238E27FC236}">
+                <a16:creationId xmlns:a16="http://schemas.microsoft.com/office/drawing/2014/main" id="{E9033EDF-2DFD-4C86-BFA5-76C3A46B6236}"/>
+              </a:ext>
+            </a:extLst>
+          </p:cNvPr>
+          <p:cNvPicPr/>
+          <p:nvPr/>
+        </p:nvPicPr>
+        <p:blipFill>
+          <a:blip r:embed="rId3"/>
+          <a:stretch>
+            <a:fillRect/>
+          </a:stretch>
+        </p:blipFill>
+        <p:spPr>
+          <a:xfrm>
+            <a:off x="83241" y="2132856"/>
+            <a:ext cx="4594419" cy="3144225"/>
+          </a:xfrm>
+          <a:prstGeom prst="rect">
+            <a:avLst/>
+          </a:prstGeom>
+          <a:ln w="12700">
+            <a:solidFill>
+              <a:schemeClr val="tx1"/>
+            </a:solidFill>
+          </a:ln>
+        </p:spPr>
+      </p:pic>
     </p:spTree>
   </p:cSld>
   <p:clrMapOvr>
@@ -6955,7 +6653,7 @@
       </p:grpSpPr>
       <p:sp>
         <p:nvSpPr>
-          <p:cNvPr id="2086092968" name="Title 1"/>
+          <p:cNvPr id="575563442" name="Title 1"/>
           <p:cNvSpPr>
             <a:spLocks noGrp="1"/>
           </p:cNvSpPr>
@@ -6970,27 +6668,56 @@
           </a:xfrm>
         </p:spPr>
         <p:txBody>
-          <a:bodyPr/>
+          <a:bodyPr>
+            <a:normAutofit fontScale="90000"/>
+          </a:bodyPr>
           <a:lstStyle/>
           <a:p>
             <a:pPr algn="ctr">
               <a:defRPr/>
             </a:pPr>
             <a:r>
-              <a:rPr sz="2800" b="1">
-                <a:latin typeface="Times New Roman"/>
-                <a:cs typeface="Times New Roman"/>
-              </a:rPr>
-              <a:t>РАБОТА </a:t>
-            </a:r>
-            <a:r>
-              <a:rPr lang="ru-RU" sz="2800" b="1">
-                <a:latin typeface="Times New Roman"/>
-                <a:cs typeface="Times New Roman"/>
-              </a:rPr>
-              <a:t>АЛГОРИТМА БЛИЖАЙШИЙ СОСЕД</a:t>
-            </a:r>
-            <a:endParaRPr sz="2800" b="1">
+              <a:rPr lang="ru-RU" sz="2800" b="1" dirty="0">
+                <a:latin typeface="Times New Roman"/>
+                <a:cs typeface="Times New Roman"/>
+              </a:rPr>
+              <a:t>ВИЗУАЛИЗАЦИЯ РАБОТЫ </a:t>
+            </a:r>
+            <a:r>
+              <a:rPr sz="2800" b="1" dirty="0">
+                <a:latin typeface="Times New Roman"/>
+                <a:cs typeface="Times New Roman"/>
+              </a:rPr>
+              <a:t>АЛГОРИТМ</a:t>
+            </a:r>
+            <a:r>
+              <a:rPr lang="ru-RU" sz="2800" b="1" dirty="0">
+                <a:latin typeface="Times New Roman"/>
+                <a:cs typeface="Times New Roman"/>
+              </a:rPr>
+              <a:t>А</a:t>
+            </a:r>
+            <a:r>
+              <a:rPr sz="2800" b="1" dirty="0">
+                <a:latin typeface="Times New Roman"/>
+                <a:cs typeface="Times New Roman"/>
+              </a:rPr>
+              <a:t> </a:t>
+            </a:r>
+            <a:br>
+              <a:rPr lang="ru-RU" sz="2800" b="1" dirty="0">
+                <a:latin typeface="Times New Roman"/>
+                <a:cs typeface="Times New Roman"/>
+              </a:rPr>
+            </a:br>
+            <a:r>
+              <a:rPr lang="ru-RU" sz="2800" b="1" dirty="0">
+                <a:latin typeface="Times New Roman"/>
+                <a:cs typeface="Times New Roman"/>
+              </a:rPr>
+              <a:t>СВЯЗЫВАНИЯ ПРЯМОУГОЛЬНЫХ ОБЛАСТЕЙ</a:t>
+            </a:r>
+            <a:endParaRPr sz="2800" b="1" dirty="0">
               <a:latin typeface="Times New Roman"/>
               <a:cs typeface="Times New Roman"/>
             </a:endParaRPr>
@@ -6999,69 +6726,7 @@
       </p:sp>
       <p:sp>
         <p:nvSpPr>
-          <p:cNvPr id="800633336" name="Content Placeholder 2"/>
-          <p:cNvSpPr>
-            <a:spLocks noGrp="1"/>
-          </p:cNvSpPr>
-          <p:nvPr>
-            <p:ph idx="1"/>
-          </p:nvPr>
-        </p:nvSpPr>
-        <p:spPr bwMode="auto">
-          <a:xfrm>
-            <a:off x="628649" y="720000"/>
-            <a:ext cx="7886700" cy="5456961"/>
-          </a:xfrm>
-        </p:spPr>
-        <p:txBody>
-          <a:bodyPr vertOverflow="overflow" horzOverflow="overflow" vert="horz" wrap="square" lIns="91440" tIns="45720" rIns="91440" bIns="45720" numCol="1" spcCol="0" rtlCol="0" fromWordArt="0" anchor="t" anchorCtr="0" forceAA="0" compatLnSpc="0">
-            <a:normAutofit/>
-          </a:bodyPr>
-          <a:lstStyle/>
-          <a:p>
-            <a:pPr marL="0" indent="0">
-              <a:buFont typeface="Arial"/>
-              <a:buNone/>
-              <a:defRPr/>
-            </a:pPr>
-            <a:endParaRPr/>
-          </a:p>
-        </p:txBody>
-      </p:sp>
-      <p:pic>
-        <p:nvPicPr>
-          <p:cNvPr id="1052026873" name="Picture 1052026872"/>
-          <p:cNvPicPr>
-            <a:picLocks noChangeAspect="1"/>
-          </p:cNvPicPr>
-          <p:nvPr/>
-        </p:nvPicPr>
-        <p:blipFill>
-          <a:blip r:embed="rId2"/>
-          <a:srcRect b="3986"/>
-          <a:stretch/>
-        </p:blipFill>
-        <p:spPr bwMode="auto">
-          <a:xfrm>
-            <a:off x="246833" y="1112588"/>
-            <a:ext cx="8650332" cy="4671784"/>
-          </a:xfrm>
-          <a:prstGeom prst="rect">
-            <a:avLst/>
-          </a:prstGeom>
-          <a:ln w="12699">
-            <a:solidFill>
-              <a:schemeClr val="accent1">
-                <a:lumMod val="50196"/>
-              </a:schemeClr>
-            </a:solidFill>
-            <a:prstDash val="solid"/>
-          </a:ln>
-        </p:spPr>
-      </p:pic>
-      <p:sp>
-        <p:nvSpPr>
-          <p:cNvPr id="507323202" name="Slide Number Placeholder 5"/>
+          <p:cNvPr id="1551656778" name="Slide Number Placeholder 5"/>
           <p:cNvSpPr>
             <a:spLocks noGrp="1"/>
           </p:cNvSpPr>
@@ -7077,7 +6742,7 @@
             <a:pPr>
               <a:defRPr/>
             </a:pPr>
-            <a:fld id="{10CD7AC2-F15F-51B3-11CC-4202F6E19447}" type="slidenum">
+            <a:fld id="{BD3CE672-1586-B4B4-E551-259DC4B15C04}" type="slidenum">
               <a:rPr lang="en-US" sz="1800"/>
               <a:t>17</a:t>
             </a:fld>
@@ -7098,7 +6763,49 @@
           </a:p>
         </p:txBody>
       </p:sp>
+      <p:pic>
+        <p:nvPicPr>
+          <p:cNvPr id="9" name="Content Placeholder 8">
+            <a:extLst>
+              <a:ext uri="{FF2B5EF4-FFF2-40B4-BE49-F238E27FC236}">
+                <a16:creationId xmlns:a16="http://schemas.microsoft.com/office/drawing/2014/main" id="{E2CA2090-873B-4509-B4FD-813D4E68C67A}"/>
+              </a:ext>
+            </a:extLst>
+          </p:cNvPr>
+          <p:cNvPicPr>
+            <a:picLocks noGrp="1"/>
+          </p:cNvPicPr>
+          <p:nvPr>
+            <p:ph idx="1"/>
+          </p:nvPr>
+        </p:nvPicPr>
+        <p:blipFill>
+          <a:blip r:embed="rId2"/>
+          <a:stretch>
+            <a:fillRect/>
+          </a:stretch>
+        </p:blipFill>
+        <p:spPr>
+          <a:xfrm>
+            <a:off x="1285410" y="720000"/>
+            <a:ext cx="6573180" cy="5745299"/>
+          </a:xfrm>
+          <a:prstGeom prst="rect">
+            <a:avLst/>
+          </a:prstGeom>
+          <a:ln w="12700">
+            <a:solidFill>
+              <a:schemeClr val="tx1"/>
+            </a:solidFill>
+          </a:ln>
+        </p:spPr>
+      </p:pic>
     </p:spTree>
+    <p:extLst>
+      <p:ext uri="{BB962C8B-B14F-4D97-AF65-F5344CB8AC3E}">
+        <p14:creationId xmlns:p14="http://schemas.microsoft.com/office/powerpoint/2010/main" val="1712199796"/>
+      </p:ext>
+    </p:extLst>
   </p:cSld>
   <p:clrMapOvr>
     <a:masterClrMapping/>
@@ -7125,7 +6832,7 @@
       </p:grpSpPr>
       <p:sp>
         <p:nvSpPr>
-          <p:cNvPr id="1165403630" name="Title 1"/>
+          <p:cNvPr id="575563442" name="Title 1"/>
           <p:cNvSpPr>
             <a:spLocks noGrp="1"/>
           </p:cNvSpPr>
@@ -7140,98 +6847,94 @@
           </a:xfrm>
         </p:spPr>
         <p:txBody>
-          <a:bodyPr/>
+          <a:bodyPr>
+            <a:normAutofit fontScale="90000"/>
+          </a:bodyPr>
           <a:lstStyle/>
           <a:p>
             <a:pPr algn="ctr">
               <a:defRPr/>
             </a:pPr>
             <a:r>
-              <a:rPr sz="2800" b="1">
-                <a:latin typeface="Times New Roman"/>
-                <a:cs typeface="Times New Roman"/>
-              </a:rPr>
-              <a:t>РАБОТА </a:t>
-            </a:r>
-            <a:r>
-              <a:rPr lang="ru-RU" sz="2800" b="1">
-                <a:latin typeface="Times New Roman"/>
-                <a:cs typeface="Times New Roman"/>
-              </a:rPr>
-              <a:t>АЛГОРИТМА ПОЛНЫЙ ПЕРЕБОР</a:t>
-            </a:r>
-            <a:endParaRPr sz="2800" b="1">
+              <a:rPr lang="ru-RU" sz="2800" b="1" dirty="0">
+                <a:latin typeface="Times New Roman"/>
+                <a:cs typeface="Times New Roman"/>
+              </a:rPr>
+              <a:t>ВИЗУАЛИЗАЦИЯ РАБОТЫ </a:t>
+            </a:r>
+            <a:r>
+              <a:rPr sz="2800" b="1" dirty="0">
+                <a:latin typeface="Times New Roman"/>
+                <a:cs typeface="Times New Roman"/>
+              </a:rPr>
+              <a:t>АЛГОРИТМ</a:t>
+            </a:r>
+            <a:r>
+              <a:rPr lang="ru-RU" sz="2800" b="1" dirty="0">
+                <a:latin typeface="Times New Roman"/>
+                <a:cs typeface="Times New Roman"/>
+              </a:rPr>
+              <a:t>А</a:t>
+            </a:r>
+            <a:r>
+              <a:rPr sz="2800" b="1" dirty="0">
+                <a:latin typeface="Times New Roman"/>
+                <a:cs typeface="Times New Roman"/>
+              </a:rPr>
+              <a:t> </a:t>
+            </a:r>
+            <a:br>
+              <a:rPr lang="ru-RU" sz="2800" b="1" dirty="0">
+                <a:latin typeface="Times New Roman"/>
+                <a:cs typeface="Times New Roman"/>
+              </a:rPr>
+            </a:br>
+            <a:r>
+              <a:rPr lang="ru-RU" sz="2800" b="1" dirty="0">
+                <a:latin typeface="Times New Roman"/>
+                <a:cs typeface="Times New Roman"/>
+              </a:rPr>
+              <a:t>СВЯЗЫВАНИЯ ПРЯМОУГОЛЬНЫХ ОБЛАСТЕЙ</a:t>
+            </a:r>
+            <a:endParaRPr sz="2800" b="1" dirty="0">
               <a:latin typeface="Times New Roman"/>
               <a:cs typeface="Times New Roman"/>
             </a:endParaRPr>
-          </a:p>
-        </p:txBody>
-      </p:sp>
-      <p:sp>
-        <p:nvSpPr>
-          <p:cNvPr id="838738379" name="Content Placeholder 2"/>
-          <p:cNvSpPr>
-            <a:spLocks noGrp="1"/>
-          </p:cNvSpPr>
-          <p:nvPr>
-            <p:ph idx="1"/>
-          </p:nvPr>
-        </p:nvSpPr>
-        <p:spPr bwMode="auto">
-          <a:xfrm>
-            <a:off x="628649" y="720000"/>
-            <a:ext cx="7886700" cy="5456961"/>
-          </a:xfrm>
-        </p:spPr>
-        <p:txBody>
-          <a:bodyPr vertOverflow="overflow" horzOverflow="overflow" vert="horz" wrap="square" lIns="91440" tIns="45720" rIns="91440" bIns="45720" numCol="1" spcCol="0" rtlCol="0" fromWordArt="0" anchor="t" anchorCtr="0" forceAA="0" compatLnSpc="0">
-            <a:normAutofit/>
-          </a:bodyPr>
-          <a:lstStyle/>
-          <a:p>
-            <a:pPr marL="0" indent="0">
-              <a:buFont typeface="Arial"/>
-              <a:buNone/>
-              <a:defRPr/>
-            </a:pPr>
-            <a:endParaRPr/>
           </a:p>
         </p:txBody>
       </p:sp>
       <p:pic>
         <p:nvPicPr>
-          <p:cNvPr id="1809995986" name="Picture 1809995985"/>
+          <p:cNvPr id="3" name="Content Placeholder 2">
+            <a:extLst>
+              <a:ext uri="{FF2B5EF4-FFF2-40B4-BE49-F238E27FC236}">
+                <a16:creationId xmlns:a16="http://schemas.microsoft.com/office/drawing/2014/main" id="{F1661005-F020-4F58-BE3E-EF566D0BABE6}"/>
+              </a:ext>
+            </a:extLst>
+          </p:cNvPr>
           <p:cNvPicPr>
-            <a:picLocks noChangeAspect="1"/>
+            <a:picLocks noGrp="1" noChangeAspect="1"/>
           </p:cNvPicPr>
-          <p:nvPr/>
+          <p:nvPr>
+            <p:ph idx="1"/>
+          </p:nvPr>
         </p:nvPicPr>
         <p:blipFill>
           <a:blip r:embed="rId2"/>
-          <a:srcRect b="3930"/>
-          <a:stretch/>
+          <a:stretch>
+            <a:fillRect/>
+          </a:stretch>
         </p:blipFill>
         <p:spPr bwMode="auto">
           <a:xfrm>
-            <a:off x="246833" y="1112588"/>
-            <a:ext cx="8645274" cy="4671784"/>
+            <a:off x="827584" y="720724"/>
+            <a:ext cx="7049816" cy="5818581"/>
           </a:xfrm>
-          <a:prstGeom prst="rect">
-            <a:avLst/>
-          </a:prstGeom>
-          <a:ln w="12699">
-            <a:solidFill>
-              <a:schemeClr val="accent1">
-                <a:lumMod val="50196"/>
-              </a:schemeClr>
-            </a:solidFill>
-            <a:prstDash val="solid"/>
-          </a:ln>
         </p:spPr>
       </p:pic>
       <p:sp>
         <p:nvSpPr>
-          <p:cNvPr id="719915633" name="Slide Number Placeholder 5"/>
+          <p:cNvPr id="1551656778" name="Slide Number Placeholder 5"/>
           <p:cNvSpPr>
             <a:spLocks noGrp="1"/>
           </p:cNvSpPr>
@@ -7247,7 +6950,7 @@
             <a:pPr>
               <a:defRPr/>
             </a:pPr>
-            <a:fld id="{3190BECE-448D-1040-3829-9C83E22DD46B}" type="slidenum">
+            <a:fld id="{BD3CE672-1586-B4B4-E551-259DC4B15C04}" type="slidenum">
               <a:rPr lang="en-US" sz="1800"/>
               <a:t>18</a:t>
             </a:fld>
@@ -7269,6 +6972,11 @@
         </p:txBody>
       </p:sp>
     </p:spTree>
+    <p:extLst>
+      <p:ext uri="{BB962C8B-B14F-4D97-AF65-F5344CB8AC3E}">
+        <p14:creationId xmlns:p14="http://schemas.microsoft.com/office/powerpoint/2010/main" val="2225538291"/>
+      </p:ext>
+    </p:extLst>
   </p:cSld>
   <p:clrMapOvr>
     <a:masterClrMapping/>
@@ -7295,7 +7003,183 @@
       </p:grpSpPr>
       <p:sp>
         <p:nvSpPr>
-          <p:cNvPr id="1073663757" name="Title 1"/>
+          <p:cNvPr id="575563442" name="Title 1"/>
+          <p:cNvSpPr>
+            <a:spLocks noGrp="1"/>
+          </p:cNvSpPr>
+          <p:nvPr>
+            <p:ph type="title"/>
+          </p:nvPr>
+        </p:nvSpPr>
+        <p:spPr bwMode="auto">
+          <a:xfrm>
+            <a:off x="0" y="0"/>
+            <a:ext cx="9144000" cy="720000"/>
+          </a:xfrm>
+        </p:spPr>
+        <p:txBody>
+          <a:bodyPr>
+            <a:normAutofit fontScale="90000"/>
+          </a:bodyPr>
+          <a:lstStyle/>
+          <a:p>
+            <a:pPr algn="ctr">
+              <a:defRPr/>
+            </a:pPr>
+            <a:r>
+              <a:rPr lang="ru-RU" sz="2800" b="1" dirty="0">
+                <a:latin typeface="Times New Roman"/>
+                <a:cs typeface="Times New Roman"/>
+              </a:rPr>
+              <a:t>ВИЗУАЛИЗАЦИЯ РАБОТЫ </a:t>
+            </a:r>
+            <a:r>
+              <a:rPr sz="2800" b="1" dirty="0">
+                <a:latin typeface="Times New Roman"/>
+                <a:cs typeface="Times New Roman"/>
+              </a:rPr>
+              <a:t>АЛГОРИТМ</a:t>
+            </a:r>
+            <a:r>
+              <a:rPr lang="ru-RU" sz="2800" b="1" dirty="0">
+                <a:latin typeface="Times New Roman"/>
+                <a:cs typeface="Times New Roman"/>
+              </a:rPr>
+              <a:t>А</a:t>
+            </a:r>
+            <a:r>
+              <a:rPr sz="2800" b="1" dirty="0">
+                <a:latin typeface="Times New Roman"/>
+                <a:cs typeface="Times New Roman"/>
+              </a:rPr>
+              <a:t> </a:t>
+            </a:r>
+            <a:br>
+              <a:rPr lang="ru-RU" sz="2800" b="1" dirty="0">
+                <a:latin typeface="Times New Roman"/>
+                <a:cs typeface="Times New Roman"/>
+              </a:rPr>
+            </a:br>
+            <a:r>
+              <a:rPr lang="ru-RU" sz="2800" b="1" dirty="0">
+                <a:latin typeface="Times New Roman"/>
+                <a:cs typeface="Times New Roman"/>
+              </a:rPr>
+              <a:t>ДЛЯ ПРЯМОУГОЛЬНЫХ ОБЛАСТЕЙ</a:t>
+            </a:r>
+            <a:endParaRPr sz="2800" b="1" dirty="0">
+              <a:latin typeface="Times New Roman"/>
+              <a:cs typeface="Times New Roman"/>
+            </a:endParaRPr>
+          </a:p>
+        </p:txBody>
+      </p:sp>
+      <p:pic>
+        <p:nvPicPr>
+          <p:cNvPr id="3" name="Content Placeholder 2">
+            <a:extLst>
+              <a:ext uri="{FF2B5EF4-FFF2-40B4-BE49-F238E27FC236}">
+                <a16:creationId xmlns:a16="http://schemas.microsoft.com/office/drawing/2014/main" id="{97E19D39-A179-4F3A-A256-6BFCDB3DE02F}"/>
+              </a:ext>
+            </a:extLst>
+          </p:cNvPr>
+          <p:cNvPicPr>
+            <a:picLocks noGrp="1" noChangeAspect="1"/>
+          </p:cNvPicPr>
+          <p:nvPr>
+            <p:ph idx="1"/>
+          </p:nvPr>
+        </p:nvPicPr>
+        <p:blipFill>
+          <a:blip r:embed="rId2"/>
+          <a:stretch>
+            <a:fillRect/>
+          </a:stretch>
+        </p:blipFill>
+        <p:spPr bwMode="auto">
+          <a:xfrm>
+            <a:off x="1090490" y="695754"/>
+            <a:ext cx="6963019" cy="5684843"/>
+          </a:xfrm>
+          <a:ln w="12700">
+            <a:solidFill>
+              <a:schemeClr val="tx1"/>
+            </a:solidFill>
+          </a:ln>
+        </p:spPr>
+      </p:pic>
+      <p:sp>
+        <p:nvSpPr>
+          <p:cNvPr id="1551656778" name="Slide Number Placeholder 5"/>
+          <p:cNvSpPr>
+            <a:spLocks noGrp="1"/>
+          </p:cNvSpPr>
+          <p:nvPr>
+            <p:ph type="sldNum" sz="quarter" idx="12"/>
+          </p:nvPr>
+        </p:nvSpPr>
+        <p:spPr bwMode="auto"/>
+        <p:txBody>
+          <a:bodyPr/>
+          <a:lstStyle/>
+          <a:p>
+            <a:pPr>
+              <a:defRPr/>
+            </a:pPr>
+            <a:fld id="{BD3CE672-1586-B4B4-E551-259DC4B15C04}" type="slidenum">
+              <a:rPr lang="en-US" sz="1800"/>
+              <a:t>19</a:t>
+            </a:fld>
+            <a:r>
+              <a:rPr lang="en-US" sz="1800" b="0" i="0" u="none" strike="noStrike" cap="none" spc="0">
+                <a:solidFill>
+                  <a:schemeClr val="tx1">
+                    <a:tint val="75000"/>
+                  </a:schemeClr>
+                </a:solidFill>
+                <a:latin typeface="+mn-lt"/>
+                <a:ea typeface="+mn-ea"/>
+                <a:cs typeface="+mn-cs"/>
+              </a:rPr>
+              <a:t>/18</a:t>
+            </a:r>
+            <a:endParaRPr lang="en-US"/>
+          </a:p>
+        </p:txBody>
+      </p:sp>
+    </p:spTree>
+    <p:extLst>
+      <p:ext uri="{BB962C8B-B14F-4D97-AF65-F5344CB8AC3E}">
+        <p14:creationId xmlns:p14="http://schemas.microsoft.com/office/powerpoint/2010/main" val="1238292737"/>
+      </p:ext>
+    </p:extLst>
+  </p:cSld>
+  <p:clrMapOvr>
+    <a:masterClrMapping/>
+  </p:clrMapOvr>
+</p:sld>
+</file>
+
+<file path=ppt/slides/slide2.xml><?xml version="1.0" encoding="utf-8"?>
+<p:sld xmlns:a="http://schemas.openxmlformats.org/drawingml/2006/main" xmlns:r="http://schemas.openxmlformats.org/officeDocument/2006/relationships" xmlns:p="http://schemas.openxmlformats.org/presentationml/2006/main" showMasterPhAnim="0">
+  <p:cSld>
+    <p:spTree>
+      <p:nvGrpSpPr>
+        <p:cNvPr id="1" name=""/>
+        <p:cNvGrpSpPr/>
+        <p:nvPr/>
+      </p:nvGrpSpPr>
+      <p:grpSpPr bwMode="auto">
+        <a:xfrm>
+          <a:off x="0" y="0"/>
+          <a:ext cx="0" cy="0"/>
+          <a:chOff x="0" y="0"/>
+          <a:chExt cx="0" cy="0"/>
+        </a:xfrm>
+      </p:grpSpPr>
+      <p:sp>
+        <p:nvSpPr>
+          <p:cNvPr id="1048868835" name="Title 1"/>
           <p:cNvSpPr>
             <a:spLocks noGrp="1"/>
           </p:cNvSpPr>
@@ -7317,18 +7201,288 @@
               <a:defRPr/>
             </a:pPr>
             <a:r>
-              <a:rPr sz="2800" b="1">
-                <a:latin typeface="Times New Roman"/>
-                <a:cs typeface="Times New Roman"/>
-              </a:rPr>
-              <a:t>ТЕСТИРОВАНИЕ СИСТЕМЫ</a:t>
-            </a:r>
+              <a:rPr lang="ru-RU" sz="2800" b="1" i="0" u="none" strike="noStrike" cap="none" spc="0">
+                <a:solidFill>
+                  <a:schemeClr val="tx1"/>
+                </a:solidFill>
+                <a:latin typeface="Times New Roman"/>
+                <a:cs typeface="Times New Roman"/>
+              </a:rPr>
+              <a:t>ЦЕЛЬ И ЗАДАЧИ</a:t>
+            </a:r>
+            <a:endParaRPr sz="2800"/>
           </a:p>
         </p:txBody>
       </p:sp>
       <p:sp>
         <p:nvSpPr>
-          <p:cNvPr id="801650196" name="Content Placeholder 2"/>
+          <p:cNvPr id="1038117892" name="Content Placeholder 2"/>
+          <p:cNvSpPr>
+            <a:spLocks noGrp="1"/>
+          </p:cNvSpPr>
+          <p:nvPr>
+            <p:ph idx="1"/>
+          </p:nvPr>
+        </p:nvSpPr>
+        <p:spPr bwMode="auto">
+          <a:xfrm>
+            <a:off x="628650" y="720000"/>
+            <a:ext cx="7886700" cy="5456962"/>
+          </a:xfrm>
+        </p:spPr>
+        <p:txBody>
+          <a:bodyPr vertOverflow="overflow" horzOverflow="overflow" vert="horz" wrap="square" lIns="91440" tIns="45720" rIns="91440" bIns="45720" numCol="1" spcCol="0" rtlCol="0" fromWordArt="0" anchor="t" anchorCtr="0" forceAA="0" compatLnSpc="0">
+            <a:normAutofit/>
+          </a:bodyPr>
+          <a:lstStyle/>
+          <a:p>
+            <a:pPr marL="0" indent="0">
+              <a:buFont typeface="Arial"/>
+              <a:buNone/>
+              <a:defRPr/>
+            </a:pPr>
+            <a:r>
+              <a:rPr lang="ru-RU" b="1" dirty="0">
+                <a:latin typeface="Times New Roman"/>
+                <a:cs typeface="Times New Roman"/>
+              </a:rPr>
+              <a:t>Цель работы:</a:t>
+            </a:r>
+            <a:endParaRPr lang="ru-RU" dirty="0">
+              <a:latin typeface="Times New Roman"/>
+              <a:cs typeface="Times New Roman"/>
+            </a:endParaRPr>
+          </a:p>
+          <a:p>
+            <a:pPr marL="0" indent="0">
+              <a:buFont typeface="Arial"/>
+              <a:buNone/>
+              <a:defRPr/>
+            </a:pPr>
+            <a:r>
+              <a:rPr lang="ru-RU" sz="2800" b="0" i="0" u="none" strike="noStrike" cap="none" spc="0" dirty="0">
+                <a:solidFill>
+                  <a:schemeClr val="tx1"/>
+                </a:solidFill>
+                <a:latin typeface="Times New Roman"/>
+                <a:cs typeface="Times New Roman"/>
+              </a:rPr>
+              <a:t>Разработка настольного приложения для расчета маршрута сельскохозяйственного дрона по имеющимся характеристикам</a:t>
+            </a:r>
+            <a:endParaRPr lang="ru-RU" dirty="0">
+              <a:latin typeface="Times New Roman"/>
+              <a:cs typeface="Times New Roman"/>
+            </a:endParaRPr>
+          </a:p>
+          <a:p>
+            <a:pPr marL="0" indent="0">
+              <a:buFont typeface="Arial"/>
+              <a:buNone/>
+              <a:defRPr/>
+            </a:pPr>
+            <a:r>
+              <a:rPr lang="ru-RU" b="1" dirty="0">
+                <a:latin typeface="Times New Roman"/>
+                <a:cs typeface="Times New Roman"/>
+              </a:rPr>
+              <a:t>Задачи:</a:t>
+            </a:r>
+            <a:endParaRPr lang="ru-RU" dirty="0">
+              <a:latin typeface="Times New Roman"/>
+              <a:cs typeface="Times New Roman"/>
+            </a:endParaRPr>
+          </a:p>
+          <a:p>
+            <a:pPr marL="394022" indent="-394022">
+              <a:buFont typeface="Arial"/>
+              <a:buAutoNum type="arabicPeriod"/>
+              <a:defRPr/>
+            </a:pPr>
+            <a:r>
+              <a:rPr lang="ru-RU" sz="2800" b="0" i="0" u="none" strike="noStrike" cap="none" spc="0" dirty="0">
+                <a:solidFill>
+                  <a:schemeClr val="tx1"/>
+                </a:solidFill>
+                <a:latin typeface="Times New Roman"/>
+                <a:cs typeface="Times New Roman"/>
+              </a:rPr>
+              <a:t>Выполнить анализ предметной области и произвести обзор существующих решений.</a:t>
+            </a:r>
+          </a:p>
+          <a:p>
+            <a:pPr marL="394022" indent="-394022">
+              <a:buFont typeface="Arial"/>
+              <a:buAutoNum type="arabicPeriod"/>
+              <a:defRPr/>
+            </a:pPr>
+            <a:r>
+              <a:rPr lang="ru-RU" sz="2800" b="0" i="0" u="none" strike="noStrike" cap="none" spc="0" dirty="0">
+                <a:solidFill>
+                  <a:schemeClr val="tx1"/>
+                </a:solidFill>
+                <a:latin typeface="Times New Roman"/>
+                <a:cs typeface="Times New Roman"/>
+              </a:rPr>
+              <a:t>Разработать базовую архитектуру приложения.</a:t>
+            </a:r>
+          </a:p>
+          <a:p>
+            <a:pPr marL="394022" indent="-394022">
+              <a:buFont typeface="Arial"/>
+              <a:buAutoNum type="arabicPeriod"/>
+              <a:defRPr/>
+            </a:pPr>
+            <a:r>
+              <a:rPr lang="ru-RU" dirty="0">
+                <a:latin typeface="Times New Roman"/>
+                <a:cs typeface="Times New Roman"/>
+              </a:rPr>
+              <a:t>О</a:t>
+            </a:r>
+            <a:r>
+              <a:rPr lang="ru-RU" sz="2800" b="0" i="0" u="none" strike="noStrike" cap="none" spc="0" dirty="0">
+                <a:solidFill>
+                  <a:schemeClr val="tx1"/>
+                </a:solidFill>
+                <a:latin typeface="Times New Roman"/>
+                <a:cs typeface="Times New Roman"/>
+              </a:rPr>
+              <a:t>писать алгоритмы, использующиеся в системе.</a:t>
+            </a:r>
+          </a:p>
+          <a:p>
+            <a:pPr marL="394022" indent="-394022">
+              <a:buFont typeface="Arial"/>
+              <a:buAutoNum type="arabicPeriod"/>
+              <a:defRPr/>
+            </a:pPr>
+            <a:r>
+              <a:rPr lang="ru-RU" dirty="0">
+                <a:latin typeface="Times New Roman"/>
+                <a:cs typeface="Times New Roman"/>
+              </a:rPr>
+              <a:t>В</a:t>
+            </a:r>
+            <a:r>
+              <a:rPr lang="ru-RU" sz="2800" b="0" i="0" u="none" strike="noStrike" cap="none" spc="0" dirty="0">
+                <a:solidFill>
+                  <a:schemeClr val="tx1"/>
+                </a:solidFill>
+                <a:latin typeface="Times New Roman"/>
+                <a:cs typeface="Times New Roman"/>
+              </a:rPr>
+              <a:t>ыполнить реализацию приложения.</a:t>
+            </a:r>
+          </a:p>
+          <a:p>
+            <a:pPr marL="394022" indent="-394022">
+              <a:buFont typeface="Arial"/>
+              <a:buAutoNum type="arabicPeriod"/>
+              <a:defRPr/>
+            </a:pPr>
+            <a:r>
+              <a:rPr lang="ru-RU" sz="2800" b="0" i="0" u="none" strike="noStrike" cap="none" spc="0" dirty="0">
+                <a:solidFill>
+                  <a:schemeClr val="tx1"/>
+                </a:solidFill>
+                <a:latin typeface="Times New Roman"/>
+                <a:cs typeface="Times New Roman"/>
+              </a:rPr>
+              <a:t>Выполнить тестирование.</a:t>
+            </a:r>
+          </a:p>
+        </p:txBody>
+      </p:sp>
+      <p:sp>
+        <p:nvSpPr>
+          <p:cNvPr id="1531006883" name="Slide Number Placeholder 5"/>
+          <p:cNvSpPr>
+            <a:spLocks noGrp="1"/>
+          </p:cNvSpPr>
+          <p:nvPr>
+            <p:ph type="sldNum" sz="quarter" idx="12"/>
+          </p:nvPr>
+        </p:nvSpPr>
+        <p:spPr bwMode="auto"/>
+        <p:txBody>
+          <a:bodyPr/>
+          <a:lstStyle/>
+          <a:p>
+            <a:pPr>
+              <a:defRPr/>
+            </a:pPr>
+            <a:fld id="{53D89D74-5DA3-1BA4-C7D7-A7772828CF40}" type="slidenum">
+              <a:rPr lang="en-US" sz="1800"/>
+              <a:t>2</a:t>
+            </a:fld>
+            <a:r>
+              <a:rPr lang="en-US" sz="1800"/>
+              <a:t>/18</a:t>
+            </a:r>
+          </a:p>
+        </p:txBody>
+      </p:sp>
+    </p:spTree>
+  </p:cSld>
+  <p:clrMapOvr>
+    <a:masterClrMapping/>
+  </p:clrMapOvr>
+</p:sld>
+</file>
+
+<file path=ppt/slides/slide20.xml><?xml version="1.0" encoding="utf-8"?>
+<p:sld xmlns:a="http://schemas.openxmlformats.org/drawingml/2006/main" xmlns:r="http://schemas.openxmlformats.org/officeDocument/2006/relationships" xmlns:p="http://schemas.openxmlformats.org/presentationml/2006/main" showMasterPhAnim="0">
+  <p:cSld>
+    <p:spTree>
+      <p:nvGrpSpPr>
+        <p:cNvPr id="1" name=""/>
+        <p:cNvGrpSpPr/>
+        <p:nvPr/>
+      </p:nvGrpSpPr>
+      <p:grpSpPr bwMode="auto">
+        <a:xfrm>
+          <a:off x="0" y="0"/>
+          <a:ext cx="0" cy="0"/>
+          <a:chOff x="0" y="0"/>
+          <a:chExt cx="0" cy="0"/>
+        </a:xfrm>
+      </p:grpSpPr>
+      <p:sp>
+        <p:nvSpPr>
+          <p:cNvPr id="1624467284" name="Title 1"/>
+          <p:cNvSpPr>
+            <a:spLocks noGrp="1"/>
+          </p:cNvSpPr>
+          <p:nvPr>
+            <p:ph type="title"/>
+          </p:nvPr>
+        </p:nvSpPr>
+        <p:spPr bwMode="auto">
+          <a:xfrm>
+            <a:off x="0" y="0"/>
+            <a:ext cx="9144000" cy="720000"/>
+          </a:xfrm>
+        </p:spPr>
+        <p:txBody>
+          <a:bodyPr/>
+          <a:lstStyle/>
+          <a:p>
+            <a:pPr algn="ctr">
+              <a:defRPr/>
+            </a:pPr>
+            <a:r>
+              <a:rPr sz="2800" b="1">
+                <a:latin typeface="Times New Roman"/>
+                <a:cs typeface="Times New Roman"/>
+              </a:rPr>
+              <a:t>ИНТЕРФЕЙС СИСТЕМЫ</a:t>
+            </a:r>
+          </a:p>
+        </p:txBody>
+      </p:sp>
+      <p:sp>
+        <p:nvSpPr>
+          <p:cNvPr id="1988047782" name="Content Placeholder 2"/>
           <p:cNvSpPr>
             <a:spLocks noGrp="1"/>
           </p:cNvSpPr>
@@ -7353,32 +7507,163 @@
               <a:buNone/>
               <a:defRPr/>
             </a:pPr>
-            <a:r>
-              <a:rPr lang="ru-RU">
-                <a:latin typeface="Times New Roman"/>
-                <a:cs typeface="Times New Roman"/>
-              </a:rPr>
-              <a:t>Проведено 14 </a:t>
-            </a:r>
-            <a:r>
-              <a:rPr lang="ru-RU" sz="2800" b="0" i="0" u="none" strike="noStrike" cap="none" spc="0">
-                <a:solidFill>
-                  <a:schemeClr val="tx1"/>
-                </a:solidFill>
-                <a:latin typeface="Times New Roman"/>
+            <a:endParaRPr/>
+          </a:p>
+        </p:txBody>
+      </p:sp>
+      <p:sp>
+        <p:nvSpPr>
+          <p:cNvPr id="1143579561" name="Slide Number Placeholder 5"/>
+          <p:cNvSpPr>
+            <a:spLocks noGrp="1"/>
+          </p:cNvSpPr>
+          <p:nvPr>
+            <p:ph type="sldNum" sz="quarter" idx="12"/>
+          </p:nvPr>
+        </p:nvSpPr>
+        <p:spPr bwMode="auto"/>
+        <p:txBody>
+          <a:bodyPr/>
+          <a:lstStyle/>
+          <a:p>
+            <a:pPr>
+              <a:defRPr/>
+            </a:pPr>
+            <a:fld id="{FA49A1D0-2772-5FCD-F989-23B91C0B2D29}" type="slidenum">
+              <a:rPr lang="en-US" sz="1800"/>
+              <a:t>20</a:t>
+            </a:fld>
+            <a:r>
+              <a:rPr lang="en-US" sz="1800" b="0" i="0" u="none" strike="noStrike" cap="none" spc="0">
+                <a:solidFill>
+                  <a:schemeClr val="tx1">
+                    <a:tint val="75000"/>
+                  </a:schemeClr>
+                </a:solidFill>
+                <a:latin typeface="+mn-lt"/>
                 <a:ea typeface="+mn-ea"/>
-                <a:cs typeface="Times New Roman"/>
-              </a:rPr>
-              <a:t> функциональных </a:t>
-            </a:r>
-            <a:r>
-              <a:rPr lang="ru-RU">
-                <a:latin typeface="Times New Roman"/>
-                <a:cs typeface="Times New Roman"/>
-              </a:rPr>
-              <a:t> тестов системы.</a:t>
-            </a:r>
-          </a:p>
+                <a:cs typeface="+mn-cs"/>
+              </a:rPr>
+              <a:t>/18</a:t>
+            </a:r>
+            <a:endParaRPr lang="en-US"/>
+          </a:p>
+        </p:txBody>
+      </p:sp>
+      <p:pic>
+        <p:nvPicPr>
+          <p:cNvPr id="7" name="Picture 6">
+            <a:extLst>
+              <a:ext uri="{FF2B5EF4-FFF2-40B4-BE49-F238E27FC236}">
+                <a16:creationId xmlns:a16="http://schemas.microsoft.com/office/drawing/2014/main" id="{3EDE3055-FD47-4541-88CF-5FF68FC62EAC}"/>
+              </a:ext>
+            </a:extLst>
+          </p:cNvPr>
+          <p:cNvPicPr>
+            <a:picLocks noChangeAspect="1"/>
+          </p:cNvPicPr>
+          <p:nvPr/>
+        </p:nvPicPr>
+        <p:blipFill>
+          <a:blip r:embed="rId2"/>
+          <a:stretch>
+            <a:fillRect/>
+          </a:stretch>
+        </p:blipFill>
+        <p:spPr>
+          <a:xfrm>
+            <a:off x="113415" y="1124744"/>
+            <a:ext cx="8917169" cy="4876577"/>
+          </a:xfrm>
+          <a:prstGeom prst="rect">
+            <a:avLst/>
+          </a:prstGeom>
+          <a:ln w="12700">
+            <a:solidFill>
+              <a:schemeClr val="tx1"/>
+            </a:solidFill>
+          </a:ln>
+        </p:spPr>
+      </p:pic>
+    </p:spTree>
+  </p:cSld>
+  <p:clrMapOvr>
+    <a:masterClrMapping/>
+  </p:clrMapOvr>
+</p:sld>
+</file>
+
+<file path=ppt/slides/slide21.xml><?xml version="1.0" encoding="utf-8"?>
+<p:sld xmlns:a="http://schemas.openxmlformats.org/drawingml/2006/main" xmlns:r="http://schemas.openxmlformats.org/officeDocument/2006/relationships" xmlns:p="http://schemas.openxmlformats.org/presentationml/2006/main" showMasterPhAnim="0">
+  <p:cSld>
+    <p:spTree>
+      <p:nvGrpSpPr>
+        <p:cNvPr id="1" name=""/>
+        <p:cNvGrpSpPr/>
+        <p:nvPr/>
+      </p:nvGrpSpPr>
+      <p:grpSpPr bwMode="auto">
+        <a:xfrm>
+          <a:off x="0" y="0"/>
+          <a:ext cx="0" cy="0"/>
+          <a:chOff x="0" y="0"/>
+          <a:chExt cx="0" cy="0"/>
+        </a:xfrm>
+      </p:grpSpPr>
+      <p:sp>
+        <p:nvSpPr>
+          <p:cNvPr id="1073663757" name="Title 1"/>
+          <p:cNvSpPr>
+            <a:spLocks noGrp="1"/>
+          </p:cNvSpPr>
+          <p:nvPr>
+            <p:ph type="title"/>
+          </p:nvPr>
+        </p:nvSpPr>
+        <p:spPr bwMode="auto">
+          <a:xfrm>
+            <a:off x="0" y="0"/>
+            <a:ext cx="9144000" cy="720000"/>
+          </a:xfrm>
+        </p:spPr>
+        <p:txBody>
+          <a:bodyPr/>
+          <a:lstStyle/>
+          <a:p>
+            <a:pPr algn="ctr">
+              <a:defRPr/>
+            </a:pPr>
+            <a:r>
+              <a:rPr sz="2800" b="1">
+                <a:latin typeface="Times New Roman"/>
+                <a:cs typeface="Times New Roman"/>
+              </a:rPr>
+              <a:t>ТЕСТИРОВАНИЕ СИСТЕМЫ</a:t>
+            </a:r>
+          </a:p>
+        </p:txBody>
+      </p:sp>
+      <p:sp>
+        <p:nvSpPr>
+          <p:cNvPr id="801650196" name="Content Placeholder 2"/>
+          <p:cNvSpPr>
+            <a:spLocks noGrp="1"/>
+          </p:cNvSpPr>
+          <p:nvPr>
+            <p:ph idx="1"/>
+          </p:nvPr>
+        </p:nvSpPr>
+        <p:spPr bwMode="auto">
+          <a:xfrm>
+            <a:off x="628649" y="720000"/>
+            <a:ext cx="7886700" cy="5456961"/>
+          </a:xfrm>
+        </p:spPr>
+        <p:txBody>
+          <a:bodyPr vertOverflow="overflow" horzOverflow="overflow" vert="horz" wrap="square" lIns="91440" tIns="45720" rIns="91440" bIns="45720" numCol="1" spcCol="0" rtlCol="0" fromWordArt="0" anchor="t" anchorCtr="0" forceAA="0" compatLnSpc="0">
+            <a:normAutofit/>
+          </a:bodyPr>
+          <a:lstStyle/>
           <a:p>
             <a:pPr marL="0" indent="0">
               <a:buFont typeface="Arial"/>
@@ -7386,11 +7671,29 @@
               <a:defRPr/>
             </a:pPr>
             <a:r>
-              <a:rPr lang="ru-RU">
-                <a:latin typeface="Times New Roman"/>
-                <a:cs typeface="Times New Roman"/>
-              </a:rPr>
-              <a:t>Все тесты пройдены.</a:t>
+              <a:rPr lang="ru-RU" dirty="0">
+                <a:latin typeface="Times New Roman"/>
+                <a:cs typeface="Times New Roman"/>
+              </a:rPr>
+              <a:t>Проведено 14 </a:t>
+            </a:r>
+            <a:r>
+              <a:rPr lang="ru-RU" sz="2800" b="0" i="0" u="none" strike="noStrike" cap="none" spc="0" dirty="0">
+                <a:solidFill>
+                  <a:schemeClr val="tx1"/>
+                </a:solidFill>
+                <a:latin typeface="Times New Roman"/>
+                <a:ea typeface="+mn-ea"/>
+                <a:cs typeface="Times New Roman"/>
+              </a:rPr>
+              <a:t> функциональных </a:t>
+            </a:r>
+            <a:r>
+              <a:rPr lang="ru-RU" dirty="0">
+                <a:latin typeface="Times New Roman"/>
+                <a:cs typeface="Times New Roman"/>
+              </a:rPr>
+              <a:t> тестов системы.</a:t>
             </a:r>
           </a:p>
           <a:p>
@@ -7399,7 +7702,21 @@
               <a:buNone/>
               <a:defRPr/>
             </a:pPr>
-            <a:endParaRPr lang="ru-RU">
+            <a:r>
+              <a:rPr lang="ru-RU" dirty="0">
+                <a:latin typeface="Times New Roman"/>
+                <a:cs typeface="Times New Roman"/>
+              </a:rPr>
+              <a:t>Все тесты пройдены.</a:t>
+            </a:r>
+          </a:p>
+          <a:p>
+            <a:pPr marL="0" indent="0">
+              <a:buFont typeface="Arial"/>
+              <a:buNone/>
+              <a:defRPr/>
+            </a:pPr>
+            <a:endParaRPr lang="ru-RU" dirty="0">
               <a:latin typeface="Times New Roman"/>
               <a:cs typeface="Times New Roman"/>
             </a:endParaRPr>
@@ -7411,28 +7728,28 @@
               <a:defRPr/>
             </a:pPr>
             <a:r>
-              <a:rPr lang="ru-RU">
+              <a:rPr lang="ru-RU" dirty="0">
                 <a:latin typeface="Times New Roman"/>
                 <a:cs typeface="Times New Roman"/>
               </a:rPr>
               <a:t>Тест 9</a:t>
             </a:r>
             <a:r>
-              <a:rPr lang="en-US">
+              <a:rPr lang="en-US" dirty="0">
                 <a:latin typeface="Times New Roman"/>
                 <a:cs typeface="Times New Roman"/>
               </a:rPr>
               <a:t>:</a:t>
             </a:r>
             <a:r>
-              <a:rPr lang="ru-RU">
+              <a:rPr lang="ru-RU" dirty="0">
                 <a:latin typeface="Times New Roman"/>
                 <a:cs typeface="Times New Roman"/>
               </a:rPr>
               <a:t> </a:t>
             </a:r>
             <a:r>
-              <a:rPr lang="ru-RU" sz="2800" b="0" i="0" u="none" strike="noStrike" cap="none" spc="0">
+              <a:rPr lang="ru-RU" sz="2800" b="0" i="0" u="none" strike="noStrike" cap="none" spc="0" dirty="0">
                 <a:solidFill>
                   <a:schemeClr val="tx1"/>
                 </a:solidFill>
@@ -7442,7 +7759,7 @@
               <a:t>«Редактирование камеры»</a:t>
             </a:r>
             <a:r>
-              <a:rPr lang="en-US" sz="2800" b="0" i="0" u="none" strike="noStrike" cap="none" spc="0">
+              <a:rPr lang="en-US" sz="2800" b="0" i="0" u="none" strike="noStrike" cap="none" spc="0" dirty="0">
                 <a:solidFill>
                   <a:schemeClr val="tx1"/>
                 </a:solidFill>
@@ -7451,7 +7768,7 @@
               </a:rPr>
               <a:t>:</a:t>
             </a:r>
-            <a:endParaRPr lang="ru-RU">
+            <a:endParaRPr lang="ru-RU" dirty="0">
               <a:latin typeface="Times New Roman"/>
               <a:cs typeface="Times New Roman"/>
             </a:endParaRPr>
@@ -7463,7 +7780,7 @@
               <a:defRPr/>
             </a:pPr>
             <a:r>
-              <a:rPr lang="ru-RU" sz="2800" b="0" i="0" u="none" strike="noStrike" cap="none" spc="0">
+              <a:rPr lang="ru-RU" sz="2800" b="0" i="0" u="none" strike="noStrike" cap="none" spc="0" dirty="0">
                 <a:solidFill>
                   <a:schemeClr val="tx1"/>
                 </a:solidFill>
@@ -7473,7 +7790,7 @@
               <a:t>выбрать камеру</a:t>
             </a:r>
             <a:r>
-              <a:rPr lang="en-US" sz="2800" b="0" i="0" u="none" strike="noStrike" cap="none" spc="0">
+              <a:rPr lang="en-US" sz="2800" b="0" i="0" u="none" strike="noStrike" cap="none" spc="0" dirty="0">
                 <a:solidFill>
                   <a:schemeClr val="tx1"/>
                 </a:solidFill>
@@ -7482,7 +7799,7 @@
               </a:rPr>
               <a:t>;</a:t>
             </a:r>
-            <a:endParaRPr lang="ru-RU" sz="2800" b="0" i="0" u="none" strike="noStrike" cap="none" spc="0">
+            <a:endParaRPr lang="ru-RU" sz="2800" b="0" i="0" u="none" strike="noStrike" cap="none" spc="0" dirty="0">
               <a:solidFill>
                 <a:schemeClr val="tx1"/>
               </a:solidFill>
@@ -7497,7 +7814,7 @@
               <a:defRPr/>
             </a:pPr>
             <a:r>
-              <a:rPr lang="ru-RU" sz="2800" b="0" i="0" u="none" strike="noStrike" cap="none" spc="0">
+              <a:rPr lang="ru-RU" sz="2800" b="0" i="0" u="none" strike="noStrike" cap="none" spc="0" dirty="0">
                 <a:solidFill>
                   <a:schemeClr val="tx1"/>
                 </a:solidFill>
@@ -7507,7 +7824,7 @@
               <a:t>включить режим редактирования</a:t>
             </a:r>
             <a:r>
-              <a:rPr lang="en-US" sz="2800" b="0" i="0" u="none" strike="noStrike" cap="none" spc="0">
+              <a:rPr lang="en-US" sz="2800" b="0" i="0" u="none" strike="noStrike" cap="none" spc="0" dirty="0">
                 <a:solidFill>
                   <a:schemeClr val="tx1"/>
                 </a:solidFill>
@@ -7516,7 +7833,7 @@
               </a:rPr>
               <a:t>;</a:t>
             </a:r>
-            <a:endParaRPr lang="ru-RU" sz="2800" b="0" i="0" u="none" strike="noStrike" cap="none" spc="0">
+            <a:endParaRPr lang="ru-RU" sz="2800" b="0" i="0" u="none" strike="noStrike" cap="none" spc="0" dirty="0">
               <a:solidFill>
                 <a:schemeClr val="tx1"/>
               </a:solidFill>
@@ -7531,7 +7848,7 @@
               <a:defRPr/>
             </a:pPr>
             <a:r>
-              <a:rPr lang="ru-RU" sz="2800" b="0" i="0" u="none" strike="noStrike" cap="none" spc="0">
+              <a:rPr lang="ru-RU" sz="2800" b="0" i="0" u="none" strike="noStrike" cap="none" spc="0" dirty="0">
                 <a:solidFill>
                   <a:schemeClr val="tx1"/>
                 </a:solidFill>
@@ -7541,7 +7858,7 @@
               <a:t>изменить параметры камеры</a:t>
             </a:r>
             <a:r>
-              <a:rPr lang="en-US" sz="2800" b="0" i="0" u="none" strike="noStrike" cap="none" spc="0">
+              <a:rPr lang="en-US" sz="2800" b="0" i="0" u="none" strike="noStrike" cap="none" spc="0" dirty="0">
                 <a:solidFill>
                   <a:schemeClr val="tx1"/>
                 </a:solidFill>
@@ -7550,7 +7867,7 @@
               </a:rPr>
               <a:t>;</a:t>
             </a:r>
-            <a:endParaRPr lang="ru-RU" sz="2800" b="0" i="0" u="none" strike="noStrike" cap="none" spc="0">
+            <a:endParaRPr lang="ru-RU" sz="2800" b="0" i="0" u="none" strike="noStrike" cap="none" spc="0" dirty="0">
               <a:solidFill>
                 <a:schemeClr val="tx1"/>
               </a:solidFill>
@@ -7565,7 +7882,7 @@
               <a:defRPr/>
             </a:pPr>
             <a:r>
-              <a:rPr lang="ru-RU" sz="2800" b="0" i="0" u="none" strike="noStrike" cap="none" spc="0">
+              <a:rPr lang="ru-RU" sz="2800" b="0" i="0" u="none" strike="noStrike" cap="none" spc="0" dirty="0">
                 <a:solidFill>
                   <a:schemeClr val="tx1"/>
                 </a:solidFill>
@@ -7575,7 +7892,7 @@
               <a:t>нажать кнопку "Update"</a:t>
             </a:r>
             <a:r>
-              <a:rPr lang="en-US" sz="2800" b="0" i="0" u="none" strike="noStrike" cap="none" spc="0">
+              <a:rPr lang="en-US" sz="2800" b="0" i="0" u="none" strike="noStrike" cap="none" spc="0" dirty="0">
                 <a:solidFill>
                   <a:schemeClr val="tx1"/>
                 </a:solidFill>
@@ -7584,7 +7901,7 @@
               </a:rPr>
               <a:t>.</a:t>
             </a:r>
-            <a:endParaRPr/>
+            <a:endParaRPr dirty="0"/>
           </a:p>
           <a:p>
             <a:pPr marL="0" indent="0">
@@ -7593,7 +7910,7 @@
               <a:defRPr/>
             </a:pPr>
             <a:r>
-              <a:rPr lang="ru-RU">
+              <a:rPr lang="ru-RU" dirty="0">
                 <a:latin typeface="Times New Roman"/>
                 <a:cs typeface="Times New Roman"/>
               </a:rPr>
@@ -7625,9 +7942,7 @@
           </a:prstGeom>
           <a:ln w="12699">
             <a:solidFill>
-              <a:schemeClr val="accent1">
-                <a:lumMod val="50196"/>
-              </a:schemeClr>
+              <a:schemeClr val="tx1"/>
             </a:solidFill>
             <a:prstDash val="solid"/>
           </a:ln>
@@ -7676,7 +7991,7 @@
             </a:pPr>
             <a:fld id="{03CDDEA2-1D71-2E53-A941-EFB182208E41}" type="slidenum">
               <a:rPr lang="en-US" sz="1800"/>
-              <a:t>19</a:t>
+              <a:t>21</a:t>
             </a:fld>
             <a:r>
               <a:rPr lang="en-US" sz="1800" b="0" i="0" u="none" strike="noStrike" cap="none" spc="0">
@@ -7703,277 +8018,7 @@
 </p:sld>
 </file>
 
-<file path=ppt/slides/slide2.xml><?xml version="1.0" encoding="utf-8"?>
-<p:sld xmlns:a="http://schemas.openxmlformats.org/drawingml/2006/main" xmlns:r="http://schemas.openxmlformats.org/officeDocument/2006/relationships" xmlns:p="http://schemas.openxmlformats.org/presentationml/2006/main" showMasterPhAnim="0">
-  <p:cSld>
-    <p:spTree>
-      <p:nvGrpSpPr>
-        <p:cNvPr id="1" name=""/>
-        <p:cNvGrpSpPr/>
-        <p:nvPr/>
-      </p:nvGrpSpPr>
-      <p:grpSpPr bwMode="auto">
-        <a:xfrm>
-          <a:off x="0" y="0"/>
-          <a:ext cx="0" cy="0"/>
-          <a:chOff x="0" y="0"/>
-          <a:chExt cx="0" cy="0"/>
-        </a:xfrm>
-      </p:grpSpPr>
-      <p:sp>
-        <p:nvSpPr>
-          <p:cNvPr id="1048868835" name="Title 1"/>
-          <p:cNvSpPr>
-            <a:spLocks noGrp="1"/>
-          </p:cNvSpPr>
-          <p:nvPr>
-            <p:ph type="title"/>
-          </p:nvPr>
-        </p:nvSpPr>
-        <p:spPr bwMode="auto">
-          <a:xfrm>
-            <a:off x="0" y="0"/>
-            <a:ext cx="9144000" cy="720000"/>
-          </a:xfrm>
-        </p:spPr>
-        <p:txBody>
-          <a:bodyPr/>
-          <a:lstStyle/>
-          <a:p>
-            <a:pPr algn="ctr">
-              <a:defRPr/>
-            </a:pPr>
-            <a:r>
-              <a:rPr lang="ru-RU" sz="2800" b="1" i="0" u="none" strike="noStrike" cap="none" spc="0">
-                <a:solidFill>
-                  <a:schemeClr val="tx1"/>
-                </a:solidFill>
-                <a:latin typeface="Times New Roman"/>
-                <a:cs typeface="Times New Roman"/>
-              </a:rPr>
-              <a:t>ЦЕЛЬ И ЗАДАЧИ</a:t>
-            </a:r>
-            <a:endParaRPr sz="2800"/>
-          </a:p>
-        </p:txBody>
-      </p:sp>
-      <p:sp>
-        <p:nvSpPr>
-          <p:cNvPr id="1038117892" name="Content Placeholder 2"/>
-          <p:cNvSpPr>
-            <a:spLocks noGrp="1"/>
-          </p:cNvSpPr>
-          <p:nvPr>
-            <p:ph idx="1"/>
-          </p:nvPr>
-        </p:nvSpPr>
-        <p:spPr bwMode="auto">
-          <a:xfrm>
-            <a:off x="628650" y="720000"/>
-            <a:ext cx="7886700" cy="5456962"/>
-          </a:xfrm>
-        </p:spPr>
-        <p:txBody>
-          <a:bodyPr vertOverflow="overflow" horzOverflow="overflow" vert="horz" wrap="square" lIns="91440" tIns="45720" rIns="91440" bIns="45720" numCol="1" spcCol="0" rtlCol="0" fromWordArt="0" anchor="t" anchorCtr="0" forceAA="0" compatLnSpc="0">
-            <a:normAutofit/>
-          </a:bodyPr>
-          <a:lstStyle/>
-          <a:p>
-            <a:pPr marL="0" indent="0">
-              <a:buFont typeface="Arial"/>
-              <a:buNone/>
-              <a:defRPr/>
-            </a:pPr>
-            <a:r>
-              <a:rPr lang="ru-RU" b="1" dirty="0">
-                <a:latin typeface="Times New Roman"/>
-                <a:cs typeface="Times New Roman"/>
-              </a:rPr>
-              <a:t>Цель работы:</a:t>
-            </a:r>
-            <a:endParaRPr lang="ru-RU" dirty="0">
-              <a:latin typeface="Times New Roman"/>
-              <a:cs typeface="Times New Roman"/>
-            </a:endParaRPr>
-          </a:p>
-          <a:p>
-            <a:pPr marL="0" indent="0">
-              <a:buFont typeface="Arial"/>
-              <a:buNone/>
-              <a:defRPr/>
-            </a:pPr>
-            <a:r>
-              <a:rPr lang="ru-RU" sz="2800" b="0" i="0" u="none" strike="noStrike" cap="none" spc="0" dirty="0">
-                <a:solidFill>
-                  <a:schemeClr val="tx1"/>
-                </a:solidFill>
-                <a:latin typeface="Times New Roman"/>
-                <a:cs typeface="Times New Roman"/>
-              </a:rPr>
-              <a:t>Разработка настольного приложения для расчета маршрута сельскохозяйственного дрона по имеющимся характеристикам</a:t>
-            </a:r>
-            <a:endParaRPr lang="ru-RU" dirty="0">
-              <a:latin typeface="Times New Roman"/>
-              <a:cs typeface="Times New Roman"/>
-            </a:endParaRPr>
-          </a:p>
-          <a:p>
-            <a:pPr marL="0" indent="0">
-              <a:buFont typeface="Arial"/>
-              <a:buNone/>
-              <a:defRPr/>
-            </a:pPr>
-            <a:r>
-              <a:rPr lang="ru-RU" b="1" dirty="0">
-                <a:latin typeface="Times New Roman"/>
-                <a:cs typeface="Times New Roman"/>
-              </a:rPr>
-              <a:t>Задачи:</a:t>
-            </a:r>
-            <a:endParaRPr lang="ru-RU" dirty="0">
-              <a:latin typeface="Times New Roman"/>
-              <a:cs typeface="Times New Roman"/>
-            </a:endParaRPr>
-          </a:p>
-          <a:p>
-            <a:pPr marL="394022" indent="-394022">
-              <a:buFont typeface="Arial"/>
-              <a:buAutoNum type="arabicPeriod"/>
-              <a:defRPr/>
-            </a:pPr>
-            <a:r>
-              <a:rPr lang="ru-RU" sz="2800" b="0" i="0" u="none" strike="noStrike" cap="none" spc="0" dirty="0">
-                <a:solidFill>
-                  <a:schemeClr val="tx1"/>
-                </a:solidFill>
-                <a:latin typeface="Times New Roman"/>
-                <a:cs typeface="Times New Roman"/>
-              </a:rPr>
-              <a:t>Выполнить анализ предметной области и произвести обзор существующих решений.</a:t>
-            </a:r>
-          </a:p>
-          <a:p>
-            <a:pPr marL="394022" indent="-394022">
-              <a:buFont typeface="Arial"/>
-              <a:buAutoNum type="arabicPeriod"/>
-              <a:defRPr/>
-            </a:pPr>
-            <a:r>
-              <a:rPr lang="ru-RU" sz="2800" b="0" i="0" u="none" strike="noStrike" cap="none" spc="0" dirty="0">
-                <a:solidFill>
-                  <a:schemeClr val="tx1"/>
-                </a:solidFill>
-                <a:latin typeface="Times New Roman"/>
-                <a:cs typeface="Times New Roman"/>
-              </a:rPr>
-              <a:t>Разработать базовую архитектуру приложения.</a:t>
-            </a:r>
-          </a:p>
-          <a:p>
-            <a:pPr marL="394022" indent="-394022">
-              <a:buFont typeface="Arial"/>
-              <a:buAutoNum type="arabicPeriod"/>
-              <a:defRPr/>
-            </a:pPr>
-            <a:r>
-              <a:rPr lang="ru-RU" dirty="0">
-                <a:latin typeface="Times New Roman"/>
-                <a:cs typeface="Times New Roman"/>
-              </a:rPr>
-              <a:t>О</a:t>
-            </a:r>
-            <a:r>
-              <a:rPr lang="ru-RU" sz="2800" b="0" i="0" u="none" strike="noStrike" cap="none" spc="0" dirty="0">
-                <a:solidFill>
-                  <a:schemeClr val="tx1"/>
-                </a:solidFill>
-                <a:latin typeface="Times New Roman"/>
-                <a:cs typeface="Times New Roman"/>
-              </a:rPr>
-              <a:t>писать алгоритмы, использующиеся в системе.</a:t>
-            </a:r>
-          </a:p>
-          <a:p>
-            <a:pPr marL="394022" indent="-394022">
-              <a:buFont typeface="Arial"/>
-              <a:buAutoNum type="arabicPeriod"/>
-              <a:defRPr/>
-            </a:pPr>
-            <a:r>
-              <a:rPr lang="ru-RU" dirty="0">
-                <a:latin typeface="Times New Roman"/>
-                <a:cs typeface="Times New Roman"/>
-              </a:rPr>
-              <a:t>В</a:t>
-            </a:r>
-            <a:r>
-              <a:rPr lang="ru-RU" sz="2800" b="0" i="0" u="none" strike="noStrike" cap="none" spc="0" dirty="0">
-                <a:solidFill>
-                  <a:schemeClr val="tx1"/>
-                </a:solidFill>
-                <a:latin typeface="Times New Roman"/>
-                <a:cs typeface="Times New Roman"/>
-              </a:rPr>
-              <a:t>ыполнить реализацию приложения.</a:t>
-            </a:r>
-          </a:p>
-          <a:p>
-            <a:pPr marL="394022" indent="-394022">
-              <a:buFont typeface="Arial"/>
-              <a:buAutoNum type="arabicPeriod"/>
-              <a:defRPr/>
-            </a:pPr>
-            <a:r>
-              <a:rPr lang="ru-RU" sz="2800" b="0" i="0" u="none" strike="noStrike" cap="none" spc="0" dirty="0">
-                <a:solidFill>
-                  <a:schemeClr val="tx1"/>
-                </a:solidFill>
-                <a:latin typeface="Times New Roman"/>
-                <a:cs typeface="Times New Roman"/>
-              </a:rPr>
-              <a:t>Выполнить тестирование.</a:t>
-            </a:r>
-          </a:p>
-        </p:txBody>
-      </p:sp>
-      <p:sp>
-        <p:nvSpPr>
-          <p:cNvPr id="1531006883" name="Slide Number Placeholder 5"/>
-          <p:cNvSpPr>
-            <a:spLocks noGrp="1"/>
-          </p:cNvSpPr>
-          <p:nvPr>
-            <p:ph type="sldNum" sz="quarter" idx="12"/>
-          </p:nvPr>
-        </p:nvSpPr>
-        <p:spPr bwMode="auto"/>
-        <p:txBody>
-          <a:bodyPr/>
-          <a:lstStyle/>
-          <a:p>
-            <a:pPr>
-              <a:defRPr/>
-            </a:pPr>
-            <a:fld id="{53D89D74-5DA3-1BA4-C7D7-A7772828CF40}" type="slidenum">
-              <a:rPr lang="en-US" sz="1800"/>
-              <a:t>2</a:t>
-            </a:fld>
-            <a:r>
-              <a:rPr lang="en-US" sz="1800"/>
-              <a:t>/18</a:t>
-            </a:r>
-          </a:p>
-        </p:txBody>
-      </p:sp>
-    </p:spTree>
-  </p:cSld>
-  <p:clrMapOvr>
-    <a:masterClrMapping/>
-  </p:clrMapOvr>
-</p:sld>
-</file>
-
-<file path=ppt/slides/slide20.xml><?xml version="1.0" encoding="utf-8"?>
+<file path=ppt/slides/slide22.xml><?xml version="1.0" encoding="utf-8"?>
 <p:sld xmlns:a="http://schemas.openxmlformats.org/drawingml/2006/main" xmlns:r="http://schemas.openxmlformats.org/officeDocument/2006/relationships" xmlns:p="http://schemas.openxmlformats.org/presentationml/2006/main" showMasterPhAnim="0">
   <p:cSld>
     <p:spTree>
@@ -8166,7 +8211,7 @@
             </a:pPr>
             <a:fld id="{8365D347-7BD2-0CFA-DCFD-4D31553BC644}" type="slidenum">
               <a:rPr lang="en-US" sz="1800"/>
-              <a:t>20</a:t>
+              <a:t>22</a:t>
             </a:fld>
             <a:r>
               <a:rPr lang="en-US" sz="1800" b="0" i="0" u="none" strike="noStrike" cap="none" spc="0">
@@ -8193,7 +8238,7 @@
 </p:sld>
 </file>
 
-<file path=ppt/slides/slide21.xml><?xml version="1.0" encoding="utf-8"?>
+<file path=ppt/slides/slide23.xml><?xml version="1.0" encoding="utf-8"?>
 <p:sld xmlns:a="http://schemas.openxmlformats.org/drawingml/2006/main" xmlns:r="http://schemas.openxmlformats.org/officeDocument/2006/relationships" xmlns:p="http://schemas.openxmlformats.org/presentationml/2006/main" showMasterPhAnim="0">
   <p:cSld>
     <p:spTree>
@@ -8304,7 +8349,13 @@
           <p:cNvGraphicFramePr>
             <a:graphicFrameLocks/>
           </p:cNvGraphicFramePr>
-          <p:nvPr/>
+          <p:nvPr>
+            <p:extLst>
+              <p:ext uri="{D42A27DB-BD31-4B8C-83A1-F6EECF244321}">
+                <p14:modId xmlns:p14="http://schemas.microsoft.com/office/powerpoint/2010/main" val="1616737072"/>
+              </p:ext>
+            </p:extLst>
+          </p:nvPr>
         </p:nvGraphicFramePr>
         <p:xfrm>
           <a:off x="218235" y="2344635"/>
@@ -8526,16 +8577,26 @@
                         <a:defRPr/>
                       </a:pPr>
                       <a:r>
-                        <a:rPr lang="ru-RU" sz="2400" b="0" i="0" u="none" strike="noStrike" cap="none" spc="0">
+                        <a:rPr lang="ru-RU" sz="2400" b="0" i="0" u="none" strike="noStrike" cap="none" spc="0" dirty="0">
                           <a:solidFill>
                             <a:schemeClr val="dk1"/>
                           </a:solidFill>
                           <a:latin typeface="Times New Roman"/>
                           <a:cs typeface="Times New Roman"/>
                         </a:rPr>
-                        <a:t>1,215</a:t>
+                        <a:t>1</a:t>
                       </a:r>
-                      <a:endParaRPr sz="2400">
+                      <a:r>
+                        <a:rPr lang="en-US" sz="2400" b="0" i="0" u="none" strike="noStrike" cap="none" spc="0" dirty="0">
+                          <a:solidFill>
+                            <a:schemeClr val="dk1"/>
+                          </a:solidFill>
+                          <a:latin typeface="Times New Roman"/>
+                          <a:cs typeface="Times New Roman"/>
+                        </a:rPr>
+                        <a:t>589</a:t>
+                      </a:r>
+                      <a:endParaRPr sz="2400" dirty="0">
                         <a:latin typeface="Times New Roman"/>
                         <a:cs typeface="Times New Roman"/>
                       </a:endParaRPr>
@@ -8571,16 +8632,16 @@
                         <a:defRPr/>
                       </a:pPr>
                       <a:r>
-                        <a:rPr lang="ru-RU" sz="2400" b="0" i="0" u="none" strike="noStrike" cap="none" spc="0">
+                        <a:rPr lang="en-US" sz="2400" b="0" i="0" u="none" strike="noStrike" cap="none" spc="0" dirty="0">
                           <a:solidFill>
                             <a:schemeClr val="dk1"/>
                           </a:solidFill>
                           <a:latin typeface="Times New Roman"/>
                           <a:cs typeface="Times New Roman"/>
                         </a:rPr>
-                        <a:t>187</a:t>
+                        <a:t>221</a:t>
                       </a:r>
-                      <a:endParaRPr sz="2400">
+                      <a:endParaRPr sz="2400" dirty="0">
                         <a:latin typeface="Times New Roman"/>
                         <a:cs typeface="Times New Roman"/>
                       </a:endParaRPr>
@@ -8597,16 +8658,16 @@
                         <a:defRPr/>
                       </a:pPr>
                       <a:r>
-                        <a:rPr lang="ru-RU" sz="2400" b="0" i="0" u="none" strike="noStrike" cap="none" spc="0">
+                        <a:rPr lang="en-US" sz="2400" b="0" i="0" u="none" strike="noStrike" cap="none" spc="0" dirty="0">
                           <a:solidFill>
                             <a:schemeClr val="dk1"/>
                           </a:solidFill>
                           <a:latin typeface="Times New Roman"/>
                           <a:cs typeface="Times New Roman"/>
                         </a:rPr>
-                        <a:t>1,454</a:t>
+                        <a:t>1811</a:t>
                       </a:r>
-                      <a:endParaRPr sz="2400">
+                      <a:endParaRPr sz="2400" dirty="0">
                         <a:latin typeface="Times New Roman"/>
                         <a:cs typeface="Times New Roman"/>
                       </a:endParaRPr>
@@ -8656,16 +8717,16 @@
                         <a:defRPr/>
                       </a:pPr>
                       <a:r>
-                        <a:rPr lang="ru-RU" sz="2400" b="0" i="0" u="none" strike="noStrike" cap="none" spc="0">
+                        <a:rPr lang="en-US" sz="2400" b="0" i="0" u="none" strike="noStrike" cap="none" spc="0" dirty="0">
                           <a:solidFill>
                             <a:schemeClr val="dk1"/>
                           </a:solidFill>
                           <a:latin typeface="Times New Roman"/>
                           <a:cs typeface="Times New Roman"/>
                         </a:rPr>
-                        <a:t>604</a:t>
+                        <a:t>1083</a:t>
                       </a:r>
-                      <a:endParaRPr sz="2400">
+                      <a:endParaRPr sz="2400" dirty="0">
                         <a:latin typeface="Times New Roman"/>
                         <a:cs typeface="Times New Roman"/>
                       </a:endParaRPr>
@@ -8682,16 +8743,16 @@
                         <a:defRPr/>
                       </a:pPr>
                       <a:r>
-                        <a:rPr lang="ru-RU" sz="2400" b="0" i="0" u="none" strike="noStrike" cap="none" spc="0">
+                        <a:rPr lang="en-US" sz="2400" b="0" i="0" u="none" strike="noStrike" cap="none" spc="0" dirty="0">
                           <a:solidFill>
                             <a:schemeClr val="dk1"/>
                           </a:solidFill>
                           <a:latin typeface="Times New Roman"/>
                           <a:cs typeface="Times New Roman"/>
                         </a:rPr>
-                        <a:t>34</a:t>
+                        <a:t>44</a:t>
                       </a:r>
-                      <a:endParaRPr sz="2400">
+                      <a:endParaRPr sz="2400" dirty="0">
                         <a:latin typeface="Times New Roman"/>
                         <a:cs typeface="Times New Roman"/>
                       </a:endParaRPr>
@@ -8708,16 +8769,16 @@
                         <a:defRPr/>
                       </a:pPr>
                       <a:r>
-                        <a:rPr lang="ru-RU" sz="2400" b="0" i="0" u="none" strike="noStrike" cap="none" spc="0">
+                        <a:rPr lang="en-US" sz="2400" b="0" i="0" u="none" strike="noStrike" cap="none" spc="0" dirty="0">
                           <a:solidFill>
                             <a:schemeClr val="dk1"/>
                           </a:solidFill>
                           <a:latin typeface="Times New Roman"/>
                           <a:cs typeface="Times New Roman"/>
                         </a:rPr>
-                        <a:t>87</a:t>
+                        <a:t>145</a:t>
                       </a:r>
-                      <a:endParaRPr sz="2400">
+                      <a:endParaRPr sz="2400" dirty="0">
                         <a:latin typeface="Times New Roman"/>
                         <a:cs typeface="Times New Roman"/>
                       </a:endParaRPr>
@@ -8734,16 +8795,16 @@
                         <a:defRPr/>
                       </a:pPr>
                       <a:r>
-                        <a:rPr lang="ru-RU" sz="2400" b="0" i="0" u="none" strike="noStrike" cap="none" spc="0">
+                        <a:rPr lang="en-US" sz="2400" b="0" i="0" u="none" strike="noStrike" cap="none" spc="0" dirty="0">
                           <a:solidFill>
                             <a:schemeClr val="dk1"/>
                           </a:solidFill>
                           <a:latin typeface="Times New Roman"/>
                           <a:cs typeface="Times New Roman"/>
                         </a:rPr>
-                        <a:t>725</a:t>
+                        <a:t>1272</a:t>
                       </a:r>
-                      <a:endParaRPr sz="2400">
+                      <a:endParaRPr sz="2400" dirty="0">
                         <a:latin typeface="Times New Roman"/>
                         <a:cs typeface="Times New Roman"/>
                       </a:endParaRPr>
@@ -8793,7 +8854,7 @@
                         <a:defRPr/>
                       </a:pPr>
                       <a:r>
-                        <a:rPr lang="ru-RU" sz="2400" b="0" i="0" u="none" strike="noStrike" cap="none" spc="0">
+                        <a:rPr lang="ru-RU" sz="2400" b="0" i="0" u="none" strike="noStrike" cap="none" spc="0" dirty="0">
                           <a:solidFill>
                             <a:schemeClr val="dk1"/>
                           </a:solidFill>
@@ -8802,7 +8863,7 @@
                         </a:rPr>
                         <a:t>344</a:t>
                       </a:r>
-                      <a:endParaRPr sz="2400">
+                      <a:endParaRPr sz="2400" dirty="0">
                         <a:latin typeface="Times New Roman"/>
                         <a:cs typeface="Times New Roman"/>
                       </a:endParaRPr>
@@ -8819,16 +8880,16 @@
                         <a:defRPr/>
                       </a:pPr>
                       <a:r>
-                        <a:rPr lang="en-US" sz="2400" b="0" i="0" u="none" strike="noStrike" cap="none" spc="0">
+                        <a:rPr lang="en-US" sz="2400" b="0" i="0" u="none" strike="noStrike" cap="none" spc="0" dirty="0">
                           <a:solidFill>
                             <a:schemeClr val="dk1"/>
                           </a:solidFill>
                           <a:latin typeface="Times New Roman"/>
                           <a:cs typeface="Times New Roman"/>
                         </a:rPr>
-                        <a:t>3</a:t>
+                        <a:t>0</a:t>
                       </a:r>
-                      <a:endParaRPr sz="2400">
+                      <a:endParaRPr sz="2400" dirty="0">
                         <a:latin typeface="Times New Roman"/>
                         <a:cs typeface="Times New Roman"/>
                       </a:endParaRPr>
@@ -8931,16 +8992,16 @@
                         <a:defRPr/>
                       </a:pPr>
                       <a:r>
-                        <a:rPr lang="ru-RU" sz="2400" b="0" i="0" u="none" strike="noStrike" cap="none" spc="0">
+                        <a:rPr lang="en-US" sz="2400" b="0" i="0" u="none" strike="noStrike" cap="none" spc="0" dirty="0">
                           <a:solidFill>
                             <a:schemeClr val="dk1"/>
                           </a:solidFill>
                           <a:latin typeface="Times New Roman"/>
                           <a:cs typeface="Times New Roman"/>
                         </a:rPr>
-                        <a:t>54</a:t>
+                        <a:t>121</a:t>
                       </a:r>
-                      <a:endParaRPr sz="2400">
+                      <a:endParaRPr sz="2400" dirty="0">
                         <a:latin typeface="Times New Roman"/>
                         <a:cs typeface="Times New Roman"/>
                       </a:endParaRPr>
@@ -8957,16 +9018,16 @@
                         <a:defRPr/>
                       </a:pPr>
                       <a:r>
-                        <a:rPr lang="ru-RU" sz="2400" b="0" i="0" u="none" strike="noStrike" cap="none" spc="0">
+                        <a:rPr lang="en-US" sz="2400" b="0" i="0" u="none" strike="noStrike" cap="none" spc="0" dirty="0">
                           <a:solidFill>
                             <a:schemeClr val="dk1"/>
                           </a:solidFill>
                           <a:latin typeface="Times New Roman"/>
                           <a:cs typeface="Times New Roman"/>
                         </a:rPr>
-                        <a:t>6</a:t>
+                        <a:t>7</a:t>
                       </a:r>
-                      <a:endParaRPr sz="2400">
+                      <a:endParaRPr sz="2400" dirty="0">
                         <a:latin typeface="Times New Roman"/>
                         <a:cs typeface="Times New Roman"/>
                       </a:endParaRPr>
@@ -8983,16 +9044,16 @@
                         <a:defRPr/>
                       </a:pPr>
                       <a:r>
-                        <a:rPr lang="ru-RU" sz="2400" b="0" i="0" u="none" strike="noStrike" cap="none" spc="0">
+                        <a:rPr lang="en-US" sz="2400" b="0" i="0" u="none" strike="noStrike" cap="none" spc="0" dirty="0">
                           <a:solidFill>
                             <a:schemeClr val="dk1"/>
                           </a:solidFill>
                           <a:latin typeface="Times New Roman"/>
                           <a:cs typeface="Times New Roman"/>
                         </a:rPr>
-                        <a:t>13</a:t>
+                        <a:t>33</a:t>
                       </a:r>
-                      <a:endParaRPr sz="2400">
+                      <a:endParaRPr sz="2400" dirty="0">
                         <a:latin typeface="Times New Roman"/>
                         <a:cs typeface="Times New Roman"/>
                       </a:endParaRPr>
@@ -9009,16 +9070,16 @@
                         <a:defRPr/>
                       </a:pPr>
                       <a:r>
-                        <a:rPr lang="ru-RU" sz="2400" b="0" i="0" u="none" strike="noStrike" cap="none" spc="0">
+                        <a:rPr lang="en-US" sz="2400" b="0" i="0" u="none" strike="noStrike" cap="none" spc="0" dirty="0">
                           <a:solidFill>
                             <a:schemeClr val="dk1"/>
                           </a:solidFill>
                           <a:latin typeface="Times New Roman"/>
                           <a:cs typeface="Times New Roman"/>
                         </a:rPr>
-                        <a:t>73</a:t>
+                        <a:t>158</a:t>
                       </a:r>
-                      <a:endParaRPr sz="2400">
+                      <a:endParaRPr sz="2400" dirty="0">
                         <a:latin typeface="Times New Roman"/>
                         <a:cs typeface="Times New Roman"/>
                       </a:endParaRPr>

--- a/doc/GQW/Raschupkin_EV_UAV_Route_Planning.pptx
+++ b/doc/GQW/Raschupkin_EV_UAV_Route_Planning.pptx
@@ -26,8 +26,9 @@
     <p:sldId id="278" r:id="rId20"/>
     <p:sldId id="269" r:id="rId21"/>
     <p:sldId id="272" r:id="rId22"/>
-    <p:sldId id="273" r:id="rId23"/>
-    <p:sldId id="274" r:id="rId24"/>
+    <p:sldId id="281" r:id="rId23"/>
+    <p:sldId id="273" r:id="rId24"/>
+    <p:sldId id="274" r:id="rId25"/>
   </p:sldIdLst>
   <p:sldSz cx="9144000" cy="6858000" type="screen4x3"/>
   <p:notesSz cx="9144000" cy="6858000"/>
@@ -283,7 +284,7 @@
             </a:pPr>
             <a:fld id="{BCC18F51-09EC-435C-A3BA-64A766E099C0}" type="datetimeFigureOut">
               <a:rPr lang="en-US"/>
-              <a:t>2024-05-20</a:t>
+              <a:t>2024-05-22</a:t>
             </a:fld>
             <a:endParaRPr lang="en-US"/>
           </a:p>
@@ -474,7 +475,7 @@
             </a:pPr>
             <a:fld id="{BCC18F51-09EC-435C-A3BA-64A766E099C0}" type="datetimeFigureOut">
               <a:rPr lang="en-US"/>
-              <a:t>2024-05-20</a:t>
+              <a:t>2024-05-22</a:t>
             </a:fld>
             <a:endParaRPr lang="en-US"/>
           </a:p>
@@ -675,7 +676,7 @@
             </a:pPr>
             <a:fld id="{BCC18F51-09EC-435C-A3BA-64A766E099C0}" type="datetimeFigureOut">
               <a:rPr lang="en-US"/>
-              <a:t>2024-05-20</a:t>
+              <a:t>2024-05-22</a:t>
             </a:fld>
             <a:endParaRPr lang="en-US"/>
           </a:p>
@@ -866,7 +867,7 @@
             </a:pPr>
             <a:fld id="{BCC18F51-09EC-435C-A3BA-64A766E099C0}" type="datetimeFigureOut">
               <a:rPr lang="en-US"/>
-              <a:t>2024-05-20</a:t>
+              <a:t>2024-05-22</a:t>
             </a:fld>
             <a:endParaRPr lang="en-US"/>
           </a:p>
@@ -1123,7 +1124,7 @@
             </a:pPr>
             <a:fld id="{BCC18F51-09EC-435C-A3BA-64A766E099C0}" type="datetimeFigureOut">
               <a:rPr lang="en-US"/>
-              <a:t>2024-05-20</a:t>
+              <a:t>2024-05-22</a:t>
             </a:fld>
             <a:endParaRPr lang="en-US"/>
           </a:p>
@@ -1389,7 +1390,7 @@
             </a:pPr>
             <a:fld id="{BCC18F51-09EC-435C-A3BA-64A766E099C0}" type="datetimeFigureOut">
               <a:rPr lang="en-US"/>
-              <a:t>2024-05-20</a:t>
+              <a:t>2024-05-22</a:t>
             </a:fld>
             <a:endParaRPr lang="en-US"/>
           </a:p>
@@ -1796,7 +1797,7 @@
             </a:pPr>
             <a:fld id="{BCC18F51-09EC-435C-A3BA-64A766E099C0}" type="datetimeFigureOut">
               <a:rPr lang="en-US"/>
-              <a:t>2024-05-20</a:t>
+              <a:t>2024-05-22</a:t>
             </a:fld>
             <a:endParaRPr lang="en-US"/>
           </a:p>
@@ -1922,7 +1923,7 @@
             </a:pPr>
             <a:fld id="{BCC18F51-09EC-435C-A3BA-64A766E099C0}" type="datetimeFigureOut">
               <a:rPr lang="en-US"/>
-              <a:t>2024-05-20</a:t>
+              <a:t>2024-05-22</a:t>
             </a:fld>
             <a:endParaRPr lang="en-US"/>
           </a:p>
@@ -2023,7 +2024,7 @@
             </a:pPr>
             <a:fld id="{BCC18F51-09EC-435C-A3BA-64A766E099C0}" type="datetimeFigureOut">
               <a:rPr lang="en-US"/>
-              <a:t>2024-05-20</a:t>
+              <a:t>2024-05-22</a:t>
             </a:fld>
             <a:endParaRPr lang="en-US"/>
           </a:p>
@@ -2324,7 +2325,7 @@
             </a:pPr>
             <a:fld id="{BCC18F51-09EC-435C-A3BA-64A766E099C0}" type="datetimeFigureOut">
               <a:rPr lang="en-US"/>
-              <a:t>2024-05-20</a:t>
+              <a:t>2024-05-22</a:t>
             </a:fld>
             <a:endParaRPr lang="en-US"/>
           </a:p>
@@ -2594,7 +2595,7 @@
             </a:pPr>
             <a:fld id="{BCC18F51-09EC-435C-A3BA-64A766E099C0}" type="datetimeFigureOut">
               <a:rPr lang="en-US"/>
-              <a:t>2024-05-20</a:t>
+              <a:t>2024-05-22</a:t>
             </a:fld>
             <a:endParaRPr lang="en-US"/>
           </a:p>
@@ -2828,7 +2829,7 @@
             </a:pPr>
             <a:fld id="{BCC18F51-09EC-435C-A3BA-64A766E099C0}" type="datetimeFigureOut">
               <a:rPr lang="en-US"/>
-              <a:t>2024-05-20</a:t>
+              <a:t>2024-05-22</a:t>
             </a:fld>
             <a:endParaRPr lang="en-US"/>
           </a:p>
@@ -5421,11 +5422,11 @@
               <a:defRPr/>
             </a:pPr>
             <a:fld id="{CE308FFC-03AD-B5EF-2D4A-AF0B95259C86}" type="slidenum">
-              <a:rPr lang="en-US" sz="1800"/>
+              <a:rPr lang="en-US" sz="1800" smtClean="0"/>
               <a:t>10</a:t>
             </a:fld>
             <a:r>
-              <a:rPr lang="en-US" sz="1800" b="0" i="0" u="none" strike="noStrike" cap="none" spc="0">
+              <a:rPr lang="en-US" sz="1800" b="0" i="0" u="none" strike="noStrike" cap="none" spc="0" dirty="0">
                 <a:solidFill>
                   <a:schemeClr val="tx1">
                     <a:tint val="75000"/>
@@ -5435,9 +5436,22 @@
                 <a:ea typeface="+mn-ea"/>
                 <a:cs typeface="+mn-cs"/>
               </a:rPr>
-              <a:t>/18</a:t>
-            </a:r>
-            <a:endParaRPr lang="en-US"/>
+              <a:t>/</a:t>
+            </a:r>
+            <a:r>
+              <a:rPr lang="ru-RU" sz="1800" b="0" i="0" u="none" strike="noStrike" cap="none" spc="0" dirty="0">
+                <a:solidFill>
+                  <a:schemeClr val="tx1">
+                    <a:tint val="75000"/>
+                  </a:schemeClr>
+                </a:solidFill>
+                <a:latin typeface="+mn-lt"/>
+                <a:ea typeface="+mn-ea"/>
+                <a:cs typeface="+mn-cs"/>
+              </a:rPr>
+              <a:t>23</a:t>
+            </a:r>
+            <a:endParaRPr lang="en-US" dirty="0"/>
           </a:p>
         </p:txBody>
       </p:sp>
@@ -5552,11 +5566,11 @@
               <a:defRPr/>
             </a:pPr>
             <a:fld id="{EB66A09E-0ECF-E3D6-9B4C-024895BE20D4}" type="slidenum">
-              <a:rPr lang="en-US" sz="1800"/>
+              <a:rPr lang="en-US" sz="1800" smtClean="0"/>
               <a:t>11</a:t>
             </a:fld>
             <a:r>
-              <a:rPr lang="en-US" sz="1800" b="0" i="0" u="none" strike="noStrike" cap="none" spc="0">
+              <a:rPr lang="en-US" sz="1800" b="0" i="0" u="none" strike="noStrike" cap="none" spc="0" dirty="0">
                 <a:solidFill>
                   <a:schemeClr val="tx1">
                     <a:tint val="75000"/>
@@ -5566,9 +5580,22 @@
                 <a:ea typeface="+mn-ea"/>
                 <a:cs typeface="+mn-cs"/>
               </a:rPr>
-              <a:t>/18</a:t>
-            </a:r>
-            <a:endParaRPr lang="en-US"/>
+              <a:t>/</a:t>
+            </a:r>
+            <a:r>
+              <a:rPr lang="ru-RU" sz="1800" b="0" i="0" u="none" strike="noStrike" cap="none" spc="0" dirty="0">
+                <a:solidFill>
+                  <a:schemeClr val="tx1">
+                    <a:tint val="75000"/>
+                  </a:schemeClr>
+                </a:solidFill>
+                <a:latin typeface="+mn-lt"/>
+                <a:ea typeface="+mn-ea"/>
+                <a:cs typeface="+mn-cs"/>
+              </a:rPr>
+              <a:t>23</a:t>
+            </a:r>
+            <a:endParaRPr lang="en-US" dirty="0"/>
           </a:p>
         </p:txBody>
       </p:sp>
@@ -5725,11 +5752,11 @@
               <a:defRPr/>
             </a:pPr>
             <a:fld id="{A4E535D7-7A1A-173D-3768-3427A2E45C34}" type="slidenum">
-              <a:rPr lang="en-US" sz="1800"/>
+              <a:rPr lang="en-US" sz="1800" smtClean="0"/>
               <a:t>12</a:t>
             </a:fld>
             <a:r>
-              <a:rPr lang="en-US" sz="1800" b="0" i="0" u="none" strike="noStrike" cap="none" spc="0">
+              <a:rPr lang="en-US" sz="1800" b="0" i="0" u="none" strike="noStrike" cap="none" spc="0" dirty="0">
                 <a:solidFill>
                   <a:schemeClr val="tx1">
                     <a:tint val="75000"/>
@@ -5739,9 +5766,22 @@
                 <a:ea typeface="+mn-ea"/>
                 <a:cs typeface="+mn-cs"/>
               </a:rPr>
-              <a:t>/18</a:t>
-            </a:r>
-            <a:endParaRPr lang="en-US"/>
+              <a:t>/</a:t>
+            </a:r>
+            <a:r>
+              <a:rPr lang="ru-RU" sz="1800" b="0" i="0" u="none" strike="noStrike" cap="none" spc="0" dirty="0">
+                <a:solidFill>
+                  <a:schemeClr val="tx1">
+                    <a:tint val="75000"/>
+                  </a:schemeClr>
+                </a:solidFill>
+                <a:latin typeface="+mn-lt"/>
+                <a:ea typeface="+mn-ea"/>
+                <a:cs typeface="+mn-cs"/>
+              </a:rPr>
+              <a:t>23</a:t>
+            </a:r>
+            <a:endParaRPr lang="en-US" dirty="0"/>
           </a:p>
         </p:txBody>
       </p:sp>
@@ -5931,11 +5971,11 @@
               <a:defRPr/>
             </a:pPr>
             <a:fld id="{A4E535D7-7A1A-173D-3768-3427A2E45C34}" type="slidenum">
-              <a:rPr lang="en-US" sz="1800"/>
+              <a:rPr lang="en-US" sz="1800" smtClean="0"/>
               <a:t>13</a:t>
             </a:fld>
             <a:r>
-              <a:rPr lang="en-US" sz="1800" b="0" i="0" u="none" strike="noStrike" cap="none" spc="0">
+              <a:rPr lang="en-US" sz="1800" b="0" i="0" u="none" strike="noStrike" cap="none" spc="0" dirty="0">
                 <a:solidFill>
                   <a:schemeClr val="tx1">
                     <a:tint val="75000"/>
@@ -5945,9 +5985,22 @@
                 <a:ea typeface="+mn-ea"/>
                 <a:cs typeface="+mn-cs"/>
               </a:rPr>
-              <a:t>/18</a:t>
-            </a:r>
-            <a:endParaRPr lang="en-US"/>
+              <a:t>/</a:t>
+            </a:r>
+            <a:r>
+              <a:rPr lang="ru-RU" sz="1800" b="0" i="0" u="none" strike="noStrike" cap="none" spc="0" dirty="0">
+                <a:solidFill>
+                  <a:schemeClr val="tx1">
+                    <a:tint val="75000"/>
+                  </a:schemeClr>
+                </a:solidFill>
+                <a:latin typeface="+mn-lt"/>
+                <a:ea typeface="+mn-ea"/>
+                <a:cs typeface="+mn-cs"/>
+              </a:rPr>
+              <a:t>23</a:t>
+            </a:r>
+            <a:endParaRPr lang="en-US" dirty="0"/>
           </a:p>
         </p:txBody>
       </p:sp>
@@ -6102,11 +6155,11 @@
               <a:defRPr/>
             </a:pPr>
             <a:fld id="{A4E535D7-7A1A-173D-3768-3427A2E45C34}" type="slidenum">
-              <a:rPr lang="en-US" sz="1800"/>
+              <a:rPr lang="en-US" sz="1800" smtClean="0"/>
               <a:t>14</a:t>
             </a:fld>
             <a:r>
-              <a:rPr lang="en-US" sz="1800" b="0" i="0" u="none" strike="noStrike" cap="none" spc="0">
+              <a:rPr lang="en-US" sz="1800" b="0" i="0" u="none" strike="noStrike" cap="none" spc="0" dirty="0">
                 <a:solidFill>
                   <a:schemeClr val="tx1">
                     <a:tint val="75000"/>
@@ -6116,9 +6169,22 @@
                 <a:ea typeface="+mn-ea"/>
                 <a:cs typeface="+mn-cs"/>
               </a:rPr>
-              <a:t>/18</a:t>
-            </a:r>
-            <a:endParaRPr lang="en-US"/>
+              <a:t>/</a:t>
+            </a:r>
+            <a:r>
+              <a:rPr lang="ru-RU" sz="1800" b="0" i="0" u="none" strike="noStrike" cap="none" spc="0" dirty="0">
+                <a:solidFill>
+                  <a:schemeClr val="tx1">
+                    <a:tint val="75000"/>
+                  </a:schemeClr>
+                </a:solidFill>
+                <a:latin typeface="+mn-lt"/>
+                <a:ea typeface="+mn-ea"/>
+                <a:cs typeface="+mn-cs"/>
+              </a:rPr>
+              <a:t>23</a:t>
+            </a:r>
+            <a:endParaRPr lang="en-US" dirty="0"/>
           </a:p>
         </p:txBody>
       </p:sp>
@@ -6244,11 +6310,11 @@
               <a:defRPr/>
             </a:pPr>
             <a:fld id="{BD3CE672-1586-B4B4-E551-259DC4B15C04}" type="slidenum">
-              <a:rPr lang="en-US" sz="1800"/>
+              <a:rPr lang="en-US" sz="1800" smtClean="0"/>
               <a:t>15</a:t>
             </a:fld>
             <a:r>
-              <a:rPr lang="en-US" sz="1800" b="0" i="0" u="none" strike="noStrike" cap="none" spc="0">
+              <a:rPr lang="en-US" sz="1800" b="0" i="0" u="none" strike="noStrike" cap="none" spc="0" dirty="0">
                 <a:solidFill>
                   <a:schemeClr val="tx1">
                     <a:tint val="75000"/>
@@ -6258,9 +6324,22 @@
                 <a:ea typeface="+mn-ea"/>
                 <a:cs typeface="+mn-cs"/>
               </a:rPr>
-              <a:t>/18</a:t>
-            </a:r>
-            <a:endParaRPr lang="en-US"/>
+              <a:t>/</a:t>
+            </a:r>
+            <a:r>
+              <a:rPr lang="ru-RU" sz="1800" b="0" i="0" u="none" strike="noStrike" cap="none" spc="0" dirty="0">
+                <a:solidFill>
+                  <a:schemeClr val="tx1">
+                    <a:tint val="75000"/>
+                  </a:schemeClr>
+                </a:solidFill>
+                <a:latin typeface="+mn-lt"/>
+                <a:ea typeface="+mn-ea"/>
+                <a:cs typeface="+mn-cs"/>
+              </a:rPr>
+              <a:t>23</a:t>
+            </a:r>
+            <a:endParaRPr lang="en-US" dirty="0"/>
           </a:p>
         </p:txBody>
       </p:sp>
@@ -6536,11 +6615,11 @@
               <a:defRPr/>
             </a:pPr>
             <a:fld id="{BD3CE672-1586-B4B4-E551-259DC4B15C04}" type="slidenum">
-              <a:rPr lang="en-US" sz="1800"/>
+              <a:rPr lang="en-US" sz="1800" smtClean="0"/>
               <a:t>16</a:t>
             </a:fld>
             <a:r>
-              <a:rPr lang="en-US" sz="1800" b="0" i="0" u="none" strike="noStrike" cap="none" spc="0">
+              <a:rPr lang="en-US" sz="1800" b="0" i="0" u="none" strike="noStrike" cap="none" spc="0" dirty="0">
                 <a:solidFill>
                   <a:schemeClr val="tx1">
                     <a:tint val="75000"/>
@@ -6550,9 +6629,22 @@
                 <a:ea typeface="+mn-ea"/>
                 <a:cs typeface="+mn-cs"/>
               </a:rPr>
-              <a:t>/18</a:t>
-            </a:r>
-            <a:endParaRPr lang="en-US"/>
+              <a:t>/</a:t>
+            </a:r>
+            <a:r>
+              <a:rPr lang="ru-RU" sz="1800" b="0" i="0" u="none" strike="noStrike" cap="none" spc="0" dirty="0">
+                <a:solidFill>
+                  <a:schemeClr val="tx1">
+                    <a:tint val="75000"/>
+                  </a:schemeClr>
+                </a:solidFill>
+                <a:latin typeface="+mn-lt"/>
+                <a:ea typeface="+mn-ea"/>
+                <a:cs typeface="+mn-cs"/>
+              </a:rPr>
+              <a:t>23</a:t>
+            </a:r>
+            <a:endParaRPr lang="en-US" dirty="0"/>
           </a:p>
         </p:txBody>
       </p:sp>
@@ -6743,11 +6835,11 @@
               <a:defRPr/>
             </a:pPr>
             <a:fld id="{BD3CE672-1586-B4B4-E551-259DC4B15C04}" type="slidenum">
-              <a:rPr lang="en-US" sz="1800"/>
+              <a:rPr lang="en-US" sz="1800" smtClean="0"/>
               <a:t>17</a:t>
             </a:fld>
             <a:r>
-              <a:rPr lang="en-US" sz="1800" b="0" i="0" u="none" strike="noStrike" cap="none" spc="0">
+              <a:rPr lang="en-US" sz="1800" b="0" i="0" u="none" strike="noStrike" cap="none" spc="0" dirty="0">
                 <a:solidFill>
                   <a:schemeClr val="tx1">
                     <a:tint val="75000"/>
@@ -6757,9 +6849,22 @@
                 <a:ea typeface="+mn-ea"/>
                 <a:cs typeface="+mn-cs"/>
               </a:rPr>
-              <a:t>/18</a:t>
-            </a:r>
-            <a:endParaRPr lang="en-US"/>
+              <a:t>/</a:t>
+            </a:r>
+            <a:r>
+              <a:rPr lang="ru-RU" sz="1800" b="0" i="0" u="none" strike="noStrike" cap="none" spc="0" dirty="0">
+                <a:solidFill>
+                  <a:schemeClr val="tx1">
+                    <a:tint val="75000"/>
+                  </a:schemeClr>
+                </a:solidFill>
+                <a:latin typeface="+mn-lt"/>
+                <a:ea typeface="+mn-ea"/>
+                <a:cs typeface="+mn-cs"/>
+              </a:rPr>
+              <a:t>23</a:t>
+            </a:r>
+            <a:endParaRPr lang="en-US" dirty="0"/>
           </a:p>
         </p:txBody>
       </p:sp>
@@ -6951,11 +7056,11 @@
               <a:defRPr/>
             </a:pPr>
             <a:fld id="{BD3CE672-1586-B4B4-E551-259DC4B15C04}" type="slidenum">
-              <a:rPr lang="en-US" sz="1800"/>
+              <a:rPr lang="en-US" sz="1800" smtClean="0"/>
               <a:t>18</a:t>
             </a:fld>
             <a:r>
-              <a:rPr lang="en-US" sz="1800" b="0" i="0" u="none" strike="noStrike" cap="none" spc="0">
+              <a:rPr lang="en-US" sz="1800" b="0" i="0" u="none" strike="noStrike" cap="none" spc="0" dirty="0">
                 <a:solidFill>
                   <a:schemeClr val="tx1">
                     <a:tint val="75000"/>
@@ -6965,9 +7070,22 @@
                 <a:ea typeface="+mn-ea"/>
                 <a:cs typeface="+mn-cs"/>
               </a:rPr>
-              <a:t>/18</a:t>
-            </a:r>
-            <a:endParaRPr lang="en-US"/>
+              <a:t>/</a:t>
+            </a:r>
+            <a:r>
+              <a:rPr lang="ru-RU" sz="1800" b="0" i="0" u="none" strike="noStrike" cap="none" spc="0" dirty="0">
+                <a:solidFill>
+                  <a:schemeClr val="tx1">
+                    <a:tint val="75000"/>
+                  </a:schemeClr>
+                </a:solidFill>
+                <a:latin typeface="+mn-lt"/>
+                <a:ea typeface="+mn-ea"/>
+                <a:cs typeface="+mn-cs"/>
+              </a:rPr>
+              <a:t>23</a:t>
+            </a:r>
+            <a:endParaRPr lang="en-US" dirty="0"/>
           </a:p>
         </p:txBody>
       </p:sp>
@@ -7127,11 +7245,11 @@
               <a:defRPr/>
             </a:pPr>
             <a:fld id="{BD3CE672-1586-B4B4-E551-259DC4B15C04}" type="slidenum">
-              <a:rPr lang="en-US" sz="1800"/>
+              <a:rPr lang="en-US" sz="1800" smtClean="0"/>
               <a:t>19</a:t>
             </a:fld>
             <a:r>
-              <a:rPr lang="en-US" sz="1800" b="0" i="0" u="none" strike="noStrike" cap="none" spc="0">
+              <a:rPr lang="en-US" sz="1800" b="0" i="0" u="none" strike="noStrike" cap="none" spc="0" dirty="0">
                 <a:solidFill>
                   <a:schemeClr val="tx1">
                     <a:tint val="75000"/>
@@ -7141,9 +7259,22 @@
                 <a:ea typeface="+mn-ea"/>
                 <a:cs typeface="+mn-cs"/>
               </a:rPr>
-              <a:t>/18</a:t>
-            </a:r>
-            <a:endParaRPr lang="en-US"/>
+              <a:t>/</a:t>
+            </a:r>
+            <a:r>
+              <a:rPr lang="ru-RU" sz="1800" b="0" i="0" u="none" strike="noStrike" cap="none" spc="0" dirty="0">
+                <a:solidFill>
+                  <a:schemeClr val="tx1">
+                    <a:tint val="75000"/>
+                  </a:schemeClr>
+                </a:solidFill>
+                <a:latin typeface="+mn-lt"/>
+                <a:ea typeface="+mn-ea"/>
+                <a:cs typeface="+mn-cs"/>
+              </a:rPr>
+              <a:t>23</a:t>
+            </a:r>
+            <a:endParaRPr lang="en-US" dirty="0"/>
           </a:p>
         </p:txBody>
       </p:sp>
@@ -7412,13 +7543,18 @@
               <a:defRPr/>
             </a:pPr>
             <a:fld id="{53D89D74-5DA3-1BA4-C7D7-A7772828CF40}" type="slidenum">
-              <a:rPr lang="en-US" sz="1800"/>
+              <a:rPr lang="en-US" sz="1800" smtClean="0"/>
               <a:t>2</a:t>
             </a:fld>
             <a:r>
-              <a:rPr lang="en-US" sz="1800"/>
-              <a:t>/18</a:t>
-            </a:r>
+              <a:rPr lang="en-US" sz="1800" dirty="0"/>
+              <a:t>/</a:t>
+            </a:r>
+            <a:r>
+              <a:rPr lang="ru-RU" sz="1800" dirty="0"/>
+              <a:t>23</a:t>
+            </a:r>
+            <a:endParaRPr lang="en-US" sz="1800" dirty="0"/>
           </a:p>
         </p:txBody>
       </p:sp>
@@ -7530,11 +7666,11 @@
               <a:defRPr/>
             </a:pPr>
             <a:fld id="{FA49A1D0-2772-5FCD-F989-23B91C0B2D29}" type="slidenum">
-              <a:rPr lang="en-US" sz="1800"/>
+              <a:rPr lang="en-US" sz="1800" smtClean="0"/>
               <a:t>20</a:t>
             </a:fld>
             <a:r>
-              <a:rPr lang="en-US" sz="1800" b="0" i="0" u="none" strike="noStrike" cap="none" spc="0">
+              <a:rPr lang="en-US" sz="1800" b="0" i="0" u="none" strike="noStrike" cap="none" spc="0" dirty="0">
                 <a:solidFill>
                   <a:schemeClr val="tx1">
                     <a:tint val="75000"/>
@@ -7544,9 +7680,22 @@
                 <a:ea typeface="+mn-ea"/>
                 <a:cs typeface="+mn-cs"/>
               </a:rPr>
-              <a:t>/18</a:t>
-            </a:r>
-            <a:endParaRPr lang="en-US"/>
+              <a:t>/</a:t>
+            </a:r>
+            <a:r>
+              <a:rPr lang="ru-RU" sz="1800" b="0" i="0" u="none" strike="noStrike" cap="none" spc="0" dirty="0">
+                <a:solidFill>
+                  <a:schemeClr val="tx1">
+                    <a:tint val="75000"/>
+                  </a:schemeClr>
+                </a:solidFill>
+                <a:latin typeface="+mn-lt"/>
+                <a:ea typeface="+mn-ea"/>
+                <a:cs typeface="+mn-cs"/>
+              </a:rPr>
+              <a:t>23</a:t>
+            </a:r>
+            <a:endParaRPr lang="en-US" dirty="0"/>
           </a:p>
         </p:txBody>
       </p:sp>
@@ -7990,11 +8139,11 @@
               <a:defRPr/>
             </a:pPr>
             <a:fld id="{03CDDEA2-1D71-2E53-A941-EFB182208E41}" type="slidenum">
-              <a:rPr lang="en-US" sz="1800"/>
+              <a:rPr lang="en-US" sz="1800" smtClean="0"/>
               <a:t>21</a:t>
             </a:fld>
             <a:r>
-              <a:rPr lang="en-US" sz="1800" b="0" i="0" u="none" strike="noStrike" cap="none" spc="0">
+              <a:rPr lang="en-US" sz="1800" b="0" i="0" u="none" strike="noStrike" cap="none" spc="0" dirty="0">
                 <a:solidFill>
                   <a:schemeClr val="tx1">
                     <a:tint val="75000"/>
@@ -8004,9 +8153,22 @@
                 <a:ea typeface="+mn-ea"/>
                 <a:cs typeface="+mn-cs"/>
               </a:rPr>
-              <a:t>/18</a:t>
-            </a:r>
-            <a:endParaRPr lang="en-US"/>
+              <a:t>/</a:t>
+            </a:r>
+            <a:r>
+              <a:rPr lang="ru-RU" sz="1800" b="0" i="0" u="none" strike="noStrike" cap="none" spc="0" dirty="0">
+                <a:solidFill>
+                  <a:schemeClr val="tx1">
+                    <a:tint val="75000"/>
+                  </a:schemeClr>
+                </a:solidFill>
+                <a:latin typeface="+mn-lt"/>
+                <a:ea typeface="+mn-ea"/>
+                <a:cs typeface="+mn-cs"/>
+              </a:rPr>
+              <a:t>23</a:t>
+            </a:r>
+            <a:endParaRPr lang="en-US" dirty="0"/>
           </a:p>
         </p:txBody>
       </p:sp>
@@ -8059,6 +8221,325 @@
               <a:defRPr/>
             </a:pPr>
             <a:r>
+              <a:rPr lang="ru-RU" sz="2800" b="1" dirty="0">
+                <a:latin typeface="Times New Roman"/>
+                <a:cs typeface="Times New Roman"/>
+              </a:rPr>
+              <a:t>ПУБЛИКАЦИИ</a:t>
+            </a:r>
+            <a:endParaRPr sz="2800" b="1" dirty="0">
+              <a:latin typeface="Times New Roman"/>
+              <a:cs typeface="Times New Roman"/>
+            </a:endParaRPr>
+          </a:p>
+        </p:txBody>
+      </p:sp>
+      <p:sp>
+        <p:nvSpPr>
+          <p:cNvPr id="24581935" name="Content Placeholder 2"/>
+          <p:cNvSpPr>
+            <a:spLocks noGrp="1"/>
+          </p:cNvSpPr>
+          <p:nvPr>
+            <p:ph idx="1"/>
+          </p:nvPr>
+        </p:nvSpPr>
+        <p:spPr bwMode="auto">
+          <a:xfrm>
+            <a:off x="628650" y="1124744"/>
+            <a:ext cx="7886700" cy="5052218"/>
+          </a:xfrm>
+        </p:spPr>
+        <p:txBody>
+          <a:bodyPr vertOverflow="overflow" horzOverflow="overflow" vert="horz" wrap="square" lIns="91440" tIns="45720" rIns="91440" bIns="45720" numCol="1" spcCol="0" rtlCol="0" fromWordArt="0" anchor="t" anchorCtr="0" forceAA="0" compatLnSpc="0">
+            <a:normAutofit/>
+          </a:bodyPr>
+          <a:lstStyle/>
+          <a:p>
+            <a:pPr marL="0" indent="0" algn="just">
+              <a:lnSpc>
+                <a:spcPct val="150000"/>
+              </a:lnSpc>
+              <a:buNone/>
+              <a:defRPr/>
+            </a:pPr>
+            <a:r>
+              <a:rPr lang="en-US" sz="2000" dirty="0" err="1">
+                <a:effectLst/>
+                <a:latin typeface="Times New Roman" panose="02020603050405020304" pitchFamily="18" charset="0"/>
+                <a:ea typeface="Arial" panose="020B0604020202020204" pitchFamily="34" charset="0"/>
+              </a:rPr>
+              <a:t>Makarovskikh</a:t>
+            </a:r>
+            <a:r>
+              <a:rPr lang="en-US" sz="2000" dirty="0">
+                <a:effectLst/>
+                <a:latin typeface="Times New Roman" panose="02020603050405020304" pitchFamily="18" charset="0"/>
+                <a:ea typeface="Arial" panose="020B0604020202020204" pitchFamily="34" charset="0"/>
+              </a:rPr>
+              <a:t> T., </a:t>
+            </a:r>
+            <a:r>
+              <a:rPr lang="en-US" sz="2000" dirty="0" err="1">
+                <a:effectLst/>
+                <a:latin typeface="Times New Roman" panose="02020603050405020304" pitchFamily="18" charset="0"/>
+                <a:ea typeface="Arial" panose="020B0604020202020204" pitchFamily="34" charset="0"/>
+              </a:rPr>
+              <a:t>Panyukov</a:t>
+            </a:r>
+            <a:r>
+              <a:rPr lang="en-US" sz="2000" dirty="0">
+                <a:effectLst/>
+                <a:latin typeface="Times New Roman" panose="02020603050405020304" pitchFamily="18" charset="0"/>
+                <a:ea typeface="Arial" panose="020B0604020202020204" pitchFamily="34" charset="0"/>
+              </a:rPr>
+              <a:t> A., </a:t>
+            </a:r>
+            <a:r>
+              <a:rPr lang="en-US" sz="2000" dirty="0" err="1">
+                <a:effectLst/>
+                <a:latin typeface="Times New Roman" panose="02020603050405020304" pitchFamily="18" charset="0"/>
+                <a:ea typeface="Arial" panose="020B0604020202020204" pitchFamily="34" charset="0"/>
+              </a:rPr>
+              <a:t>Abotaleb</a:t>
+            </a:r>
+            <a:r>
+              <a:rPr lang="en-US" sz="2000" dirty="0">
+                <a:effectLst/>
+                <a:latin typeface="Times New Roman" panose="02020603050405020304" pitchFamily="18" charset="0"/>
+                <a:ea typeface="Arial" panose="020B0604020202020204" pitchFamily="34" charset="0"/>
+              </a:rPr>
+              <a:t> M., </a:t>
+            </a:r>
+            <a:r>
+              <a:rPr lang="en-US" sz="2000" dirty="0" err="1">
+                <a:effectLst/>
+                <a:latin typeface="Times New Roman" panose="02020603050405020304" pitchFamily="18" charset="0"/>
+                <a:ea typeface="Arial" panose="020B0604020202020204" pitchFamily="34" charset="0"/>
+              </a:rPr>
+              <a:t>Maksimova</a:t>
+            </a:r>
+            <a:r>
+              <a:rPr lang="en-US" sz="2000" dirty="0">
+                <a:effectLst/>
+                <a:latin typeface="Times New Roman" panose="02020603050405020304" pitchFamily="18" charset="0"/>
+                <a:ea typeface="Arial" panose="020B0604020202020204" pitchFamily="34" charset="0"/>
+              </a:rPr>
+              <a:t> V., </a:t>
+            </a:r>
+            <a:r>
+              <a:rPr lang="en-US" sz="2000" dirty="0" err="1">
+                <a:effectLst/>
+                <a:latin typeface="Times New Roman" panose="02020603050405020304" pitchFamily="18" charset="0"/>
+                <a:ea typeface="Arial" panose="020B0604020202020204" pitchFamily="34" charset="0"/>
+              </a:rPr>
+              <a:t>Dernova</a:t>
+            </a:r>
+            <a:r>
+              <a:rPr lang="en-US" sz="2000" dirty="0">
+                <a:effectLst/>
+                <a:latin typeface="Times New Roman" panose="02020603050405020304" pitchFamily="18" charset="0"/>
+                <a:ea typeface="Arial" panose="020B0604020202020204" pitchFamily="34" charset="0"/>
+              </a:rPr>
+              <a:t> O., </a:t>
+            </a:r>
+            <a:r>
+              <a:rPr lang="en-US" sz="2000" dirty="0" err="1">
+                <a:effectLst/>
+                <a:latin typeface="Times New Roman" panose="02020603050405020304" pitchFamily="18" charset="0"/>
+                <a:ea typeface="Arial" panose="020B0604020202020204" pitchFamily="34" charset="0"/>
+              </a:rPr>
+              <a:t>Raschupkin</a:t>
+            </a:r>
+            <a:r>
+              <a:rPr lang="en-US" sz="2000" dirty="0">
+                <a:effectLst/>
+                <a:latin typeface="Times New Roman" panose="02020603050405020304" pitchFamily="18" charset="0"/>
+                <a:ea typeface="Arial" panose="020B0604020202020204" pitchFamily="34" charset="0"/>
+              </a:rPr>
+              <a:t> E. Optimal Route for Drone for Monitoring of Crop Yields. // </a:t>
+            </a:r>
+            <a:r>
+              <a:rPr lang="en-US" sz="2000" dirty="0" err="1">
+                <a:effectLst/>
+                <a:latin typeface="Times New Roman" panose="02020603050405020304" pitchFamily="18" charset="0"/>
+                <a:ea typeface="Arial" panose="020B0604020202020204" pitchFamily="34" charset="0"/>
+              </a:rPr>
+              <a:t>Olenev</a:t>
+            </a:r>
+            <a:r>
+              <a:rPr lang="en-US" sz="2000" dirty="0">
+                <a:effectLst/>
+                <a:latin typeface="Times New Roman" panose="02020603050405020304" pitchFamily="18" charset="0"/>
+                <a:ea typeface="Arial" panose="020B0604020202020204" pitchFamily="34" charset="0"/>
+              </a:rPr>
+              <a:t>, N., Evtushenko, Y., </a:t>
+            </a:r>
+            <a:r>
+              <a:rPr lang="en-US" sz="2000" dirty="0" err="1">
+                <a:effectLst/>
+                <a:latin typeface="Times New Roman" panose="02020603050405020304" pitchFamily="18" charset="0"/>
+                <a:ea typeface="Arial" panose="020B0604020202020204" pitchFamily="34" charset="0"/>
+              </a:rPr>
+              <a:t>Jaćimović</a:t>
+            </a:r>
+            <a:r>
+              <a:rPr lang="en-US" sz="2000" dirty="0">
+                <a:effectLst/>
+                <a:latin typeface="Times New Roman" panose="02020603050405020304" pitchFamily="18" charset="0"/>
+                <a:ea typeface="Arial" panose="020B0604020202020204" pitchFamily="34" charset="0"/>
+              </a:rPr>
+              <a:t>, M., </a:t>
+            </a:r>
+            <a:r>
+              <a:rPr lang="en-US" sz="2000" dirty="0" err="1">
+                <a:effectLst/>
+                <a:latin typeface="Times New Roman" panose="02020603050405020304" pitchFamily="18" charset="0"/>
+                <a:ea typeface="Arial" panose="020B0604020202020204" pitchFamily="34" charset="0"/>
+              </a:rPr>
+              <a:t>Khachay</a:t>
+            </a:r>
+            <a:r>
+              <a:rPr lang="en-US" sz="2000" dirty="0">
+                <a:effectLst/>
+                <a:latin typeface="Times New Roman" panose="02020603050405020304" pitchFamily="18" charset="0"/>
+                <a:ea typeface="Arial" panose="020B0604020202020204" pitchFamily="34" charset="0"/>
+              </a:rPr>
+              <a:t>, M., </a:t>
+            </a:r>
+            <a:r>
+              <a:rPr lang="en-US" sz="2000" dirty="0" err="1">
+                <a:effectLst/>
+                <a:latin typeface="Times New Roman" panose="02020603050405020304" pitchFamily="18" charset="0"/>
+                <a:ea typeface="Arial" panose="020B0604020202020204" pitchFamily="34" charset="0"/>
+              </a:rPr>
+              <a:t>Malkova</a:t>
+            </a:r>
+            <a:r>
+              <a:rPr lang="en-US" sz="2000" dirty="0">
+                <a:effectLst/>
+                <a:latin typeface="Times New Roman" panose="02020603050405020304" pitchFamily="18" charset="0"/>
+                <a:ea typeface="Arial" panose="020B0604020202020204" pitchFamily="34" charset="0"/>
+              </a:rPr>
+              <a:t>, V. (eds) Advances in Optimization and Applications. OPTIMA 2023. Communications in Computer and Information Science, Springer, Cham, 2023. – №1913. – 228–240 pp. </a:t>
+            </a:r>
+            <a:endParaRPr lang="ru-RU" sz="3200" b="0" i="0" u="none" strike="noStrike" cap="none" spc="0" dirty="0">
+              <a:solidFill>
+                <a:schemeClr val="tx1"/>
+              </a:solidFill>
+              <a:latin typeface="Times New Roman"/>
+              <a:ea typeface="Times New Roman"/>
+              <a:cs typeface="Times New Roman"/>
+            </a:endParaRPr>
+          </a:p>
+        </p:txBody>
+      </p:sp>
+      <p:sp>
+        <p:nvSpPr>
+          <p:cNvPr id="1385076631" name="Slide Number Placeholder 5"/>
+          <p:cNvSpPr>
+            <a:spLocks noGrp="1"/>
+          </p:cNvSpPr>
+          <p:nvPr>
+            <p:ph type="sldNum" sz="quarter" idx="12"/>
+          </p:nvPr>
+        </p:nvSpPr>
+        <p:spPr bwMode="auto"/>
+        <p:txBody>
+          <a:bodyPr/>
+          <a:lstStyle/>
+          <a:p>
+            <a:pPr>
+              <a:defRPr/>
+            </a:pPr>
+            <a:fld id="{8365D347-7BD2-0CFA-DCFD-4D31553BC644}" type="slidenum">
+              <a:rPr lang="en-US" sz="1800" smtClean="0"/>
+              <a:t>22</a:t>
+            </a:fld>
+            <a:r>
+              <a:rPr lang="en-US" sz="1800" b="0" i="0" u="none" strike="noStrike" cap="none" spc="0" dirty="0">
+                <a:solidFill>
+                  <a:schemeClr val="tx1">
+                    <a:tint val="75000"/>
+                  </a:schemeClr>
+                </a:solidFill>
+                <a:latin typeface="+mn-lt"/>
+                <a:ea typeface="+mn-ea"/>
+                <a:cs typeface="+mn-cs"/>
+              </a:rPr>
+              <a:t>/</a:t>
+            </a:r>
+            <a:r>
+              <a:rPr lang="ru-RU" sz="1800" b="0" i="0" u="none" strike="noStrike" cap="none" spc="0" dirty="0">
+                <a:solidFill>
+                  <a:schemeClr val="tx1">
+                    <a:tint val="75000"/>
+                  </a:schemeClr>
+                </a:solidFill>
+                <a:latin typeface="+mn-lt"/>
+                <a:ea typeface="+mn-ea"/>
+                <a:cs typeface="+mn-cs"/>
+              </a:rPr>
+              <a:t>23</a:t>
+            </a:r>
+            <a:endParaRPr lang="en-US" dirty="0"/>
+          </a:p>
+        </p:txBody>
+      </p:sp>
+    </p:spTree>
+    <p:extLst>
+      <p:ext uri="{BB962C8B-B14F-4D97-AF65-F5344CB8AC3E}">
+        <p14:creationId xmlns:p14="http://schemas.microsoft.com/office/powerpoint/2010/main" val="1142812934"/>
+      </p:ext>
+    </p:extLst>
+  </p:cSld>
+  <p:clrMapOvr>
+    <a:masterClrMapping/>
+  </p:clrMapOvr>
+</p:sld>
+</file>
+
+<file path=ppt/slides/slide23.xml><?xml version="1.0" encoding="utf-8"?>
+<p:sld xmlns:a="http://schemas.openxmlformats.org/drawingml/2006/main" xmlns:r="http://schemas.openxmlformats.org/officeDocument/2006/relationships" xmlns:p="http://schemas.openxmlformats.org/presentationml/2006/main" showMasterPhAnim="0">
+  <p:cSld>
+    <p:spTree>
+      <p:nvGrpSpPr>
+        <p:cNvPr id="1" name=""/>
+        <p:cNvGrpSpPr/>
+        <p:nvPr/>
+      </p:nvGrpSpPr>
+      <p:grpSpPr bwMode="auto">
+        <a:xfrm>
+          <a:off x="0" y="0"/>
+          <a:ext cx="0" cy="0"/>
+          <a:chOff x="0" y="0"/>
+          <a:chExt cx="0" cy="0"/>
+        </a:xfrm>
+      </p:grpSpPr>
+      <p:sp>
+        <p:nvSpPr>
+          <p:cNvPr id="1634827371" name="Title 1"/>
+          <p:cNvSpPr>
+            <a:spLocks noGrp="1"/>
+          </p:cNvSpPr>
+          <p:nvPr>
+            <p:ph type="title"/>
+          </p:nvPr>
+        </p:nvSpPr>
+        <p:spPr bwMode="auto">
+          <a:xfrm>
+            <a:off x="0" y="0"/>
+            <a:ext cx="9144000" cy="720000"/>
+          </a:xfrm>
+        </p:spPr>
+        <p:txBody>
+          <a:bodyPr/>
+          <a:lstStyle/>
+          <a:p>
+            <a:pPr algn="ctr">
+              <a:defRPr/>
+            </a:pPr>
+            <a:r>
               <a:rPr sz="2800" b="1">
                 <a:latin typeface="Times New Roman"/>
                 <a:cs typeface="Times New Roman"/>
@@ -8099,7 +8580,7 @@
               <a:defRPr/>
             </a:pPr>
             <a:r>
-              <a:rPr lang="ru-RU" sz="2800" b="0" i="0" u="none" strike="noStrike" cap="none" spc="0">
+              <a:rPr lang="ru-RU" sz="2800" b="0" i="0" u="none" strike="noStrike" cap="none" spc="0" dirty="0">
                 <a:solidFill>
                   <a:schemeClr val="tx1"/>
                 </a:solidFill>
@@ -8109,7 +8590,7 @@
               </a:rPr>
               <a:t>Выполнен анализ предметной области и произведен обзор существующих решений.</a:t>
             </a:r>
-            <a:endParaRPr sz="2800">
+            <a:endParaRPr sz="2800" dirty="0">
               <a:latin typeface="Times New Roman"/>
               <a:cs typeface="Times New Roman"/>
             </a:endParaRPr>
@@ -8124,7 +8605,7 @@
               <a:defRPr/>
             </a:pPr>
             <a:r>
-              <a:rPr lang="ru-RU" sz="2800" b="0" i="0" u="none" strike="noStrike" cap="none" spc="0">
+              <a:rPr lang="ru-RU" sz="2800" b="0" i="0" u="none" strike="noStrike" cap="none" spc="0" dirty="0">
                 <a:solidFill>
                   <a:schemeClr val="tx1"/>
                 </a:solidFill>
@@ -8134,10 +8615,6 @@
               </a:rPr>
               <a:t>Разработана базовая архитектура приложения.</a:t>
             </a:r>
-            <a:endParaRPr sz="2800">
-              <a:latin typeface="Times New Roman"/>
-              <a:cs typeface="Times New Roman"/>
-            </a:endParaRPr>
           </a:p>
           <a:p>
             <a:pPr marL="394021" indent="-394021" algn="just">
@@ -8149,17 +8626,13 @@
               <a:defRPr/>
             </a:pPr>
             <a:r>
-              <a:rPr lang="ru-RU" sz="2800" b="0" i="0" u="none" strike="noStrike" cap="none" spc="0">
-                <a:solidFill>
-                  <a:schemeClr val="tx1"/>
-                </a:solidFill>
-                <a:latin typeface="Times New Roman"/>
-                <a:ea typeface="Times New Roman"/>
-                <a:cs typeface="Times New Roman"/>
-              </a:rPr>
-              <a:t>Выполнена реализация приложения.</a:t>
-            </a:r>
-            <a:endParaRPr sz="2800">
+              <a:rPr lang="ru-RU" sz="2800" dirty="0">
+                <a:latin typeface="Times New Roman"/>
+                <a:cs typeface="Times New Roman"/>
+              </a:rPr>
+              <a:t>Описаны алгоритмы, использующиеся в системе.</a:t>
+            </a:r>
+            <a:endParaRPr sz="2800" dirty="0">
               <a:latin typeface="Times New Roman"/>
               <a:cs typeface="Times New Roman"/>
             </a:endParaRPr>
@@ -8174,6 +8647,42 @@
               <a:defRPr/>
             </a:pPr>
             <a:r>
+              <a:rPr lang="ru-RU" sz="2800" b="0" i="0" u="none" strike="noStrike" cap="none" spc="0" dirty="0">
+                <a:solidFill>
+                  <a:schemeClr val="tx1"/>
+                </a:solidFill>
+                <a:latin typeface="Times New Roman"/>
+                <a:ea typeface="Times New Roman"/>
+                <a:cs typeface="Times New Roman"/>
+              </a:rPr>
+              <a:t>Выполнена реализация приложения.</a:t>
+            </a:r>
+            <a:endParaRPr sz="2800" dirty="0">
+              <a:latin typeface="Times New Roman"/>
+              <a:cs typeface="Times New Roman"/>
+            </a:endParaRPr>
+          </a:p>
+          <a:p>
+            <a:pPr marL="394021" indent="-394021" algn="just">
+              <a:lnSpc>
+                <a:spcPct val="150000"/>
+              </a:lnSpc>
+              <a:buFont typeface="Arial"/>
+              <a:buAutoNum type="arabicPeriod"/>
+              <a:defRPr/>
+            </a:pPr>
+            <a:r>
+              <a:rPr lang="ru-RU" sz="2800" b="0" i="0" u="none" strike="noStrike" cap="none" spc="0" dirty="0">
+                <a:solidFill>
+                  <a:schemeClr val="tx1"/>
+                </a:solidFill>
+                <a:latin typeface="Times New Roman"/>
+                <a:ea typeface="Times New Roman"/>
+                <a:cs typeface="Times New Roman"/>
+              </a:rPr>
+              <a:t>Выполнено </a:t>
+            </a:r>
+            <a:r>
               <a:rPr lang="ru-RU" sz="2800" b="0" i="0" u="none" strike="noStrike" cap="none" spc="0">
                 <a:solidFill>
                   <a:schemeClr val="tx1"/>
@@ -8182,10 +8691,14 @@
                 <a:ea typeface="Times New Roman"/>
                 <a:cs typeface="Times New Roman"/>
               </a:rPr>
-              <a:t>Выполнено тестирование.</a:t>
-            </a:r>
-            <a:endParaRPr sz="2800">
+              <a:t>тестирование.</a:t>
+            </a:r>
+            <a:endParaRPr lang="ru-RU" sz="2800" b="0" i="0" u="none" strike="noStrike" cap="none" spc="0" dirty="0">
+              <a:solidFill>
+                <a:schemeClr val="tx1"/>
+              </a:solidFill>
               <a:latin typeface="Times New Roman"/>
+              <a:ea typeface="Times New Roman"/>
               <a:cs typeface="Times New Roman"/>
             </a:endParaRPr>
           </a:p>
@@ -8210,11 +8723,11 @@
               <a:defRPr/>
             </a:pPr>
             <a:fld id="{8365D347-7BD2-0CFA-DCFD-4D31553BC644}" type="slidenum">
-              <a:rPr lang="en-US" sz="1800"/>
-              <a:t>22</a:t>
+              <a:rPr lang="en-US" sz="1800" smtClean="0"/>
+              <a:t>23</a:t>
             </a:fld>
             <a:r>
-              <a:rPr lang="en-US" sz="1800" b="0" i="0" u="none" strike="noStrike" cap="none" spc="0">
+              <a:rPr lang="en-US" sz="1800" b="0" i="0" u="none" strike="noStrike" cap="none" spc="0" dirty="0">
                 <a:solidFill>
                   <a:schemeClr val="tx1">
                     <a:tint val="75000"/>
@@ -8224,9 +8737,21 @@
                 <a:ea typeface="+mn-ea"/>
                 <a:cs typeface="+mn-cs"/>
               </a:rPr>
-              <a:t>/18</a:t>
-            </a:r>
-            <a:endParaRPr lang="en-US"/>
+              <a:t>/</a:t>
+            </a:r>
+            <a:r>
+              <a:rPr lang="ru-RU" sz="1800" b="0" i="0" u="none" strike="noStrike" cap="none" spc="0" dirty="0">
+                <a:solidFill>
+                  <a:schemeClr val="tx1">
+                    <a:tint val="75000"/>
+                  </a:schemeClr>
+                </a:solidFill>
+                <a:latin typeface="+mn-lt"/>
+                <a:ea typeface="+mn-ea"/>
+                <a:cs typeface="+mn-cs"/>
+              </a:rPr>
+              <a:t>23</a:t>
+            </a:r>
           </a:p>
         </p:txBody>
       </p:sp>
@@ -8238,7 +8763,7 @@
 </p:sld>
 </file>
 
-<file path=ppt/slides/slide23.xml><?xml version="1.0" encoding="utf-8"?>
+<file path=ppt/slides/slide24.xml><?xml version="1.0" encoding="utf-8"?>
 <p:sld xmlns:a="http://schemas.openxmlformats.org/drawingml/2006/main" xmlns:r="http://schemas.openxmlformats.org/officeDocument/2006/relationships" xmlns:p="http://schemas.openxmlformats.org/presentationml/2006/main" showMasterPhAnim="0">
   <p:cSld>
     <p:spTree>
@@ -9362,11 +9887,11 @@
               <a:defRPr/>
             </a:pPr>
             <a:fld id="{1AFF1B61-3AB2-B5BD-5BAD-3F50C69BB005}" type="slidenum">
-              <a:rPr lang="en-US" sz="1800"/>
+              <a:rPr lang="en-US" sz="1800" smtClean="0"/>
               <a:t>3</a:t>
             </a:fld>
             <a:r>
-              <a:rPr lang="en-US" sz="1800" b="0" i="0" u="none" strike="noStrike" cap="none" spc="0">
+              <a:rPr lang="en-US" sz="1800" b="0" i="0" u="none" strike="noStrike" cap="none" spc="0" dirty="0">
                 <a:solidFill>
                   <a:schemeClr val="tx1">
                     <a:tint val="75000"/>
@@ -9376,9 +9901,22 @@
                 <a:ea typeface="+mn-ea"/>
                 <a:cs typeface="+mn-cs"/>
               </a:rPr>
-              <a:t>/18</a:t>
-            </a:r>
-            <a:endParaRPr lang="en-US"/>
+              <a:t>/</a:t>
+            </a:r>
+            <a:r>
+              <a:rPr lang="ru-RU" sz="1800" b="0" i="0" u="none" strike="noStrike" cap="none" spc="0" dirty="0">
+                <a:solidFill>
+                  <a:schemeClr val="tx1">
+                    <a:tint val="75000"/>
+                  </a:schemeClr>
+                </a:solidFill>
+                <a:latin typeface="+mn-lt"/>
+                <a:ea typeface="+mn-ea"/>
+                <a:cs typeface="+mn-cs"/>
+              </a:rPr>
+              <a:t>23</a:t>
+            </a:r>
+            <a:endParaRPr lang="en-US" dirty="0"/>
           </a:p>
         </p:txBody>
       </p:sp>
@@ -11331,11 +11869,11 @@
               <a:defRPr/>
             </a:pPr>
             <a:fld id="{EC347720-4710-229A-90E1-F114780D6DE6}" type="slidenum">
-              <a:rPr lang="en-US" sz="1800"/>
+              <a:rPr lang="en-US" sz="1800" smtClean="0"/>
               <a:t>4</a:t>
             </a:fld>
             <a:r>
-              <a:rPr lang="en-US" sz="1800" b="0" i="0" u="none" strike="noStrike" cap="none" spc="0">
+              <a:rPr lang="en-US" sz="1800" b="0" i="0" u="none" strike="noStrike" cap="none" spc="0" dirty="0">
                 <a:solidFill>
                   <a:schemeClr val="tx1">
                     <a:tint val="75000"/>
@@ -11345,9 +11883,22 @@
                 <a:ea typeface="+mn-ea"/>
                 <a:cs typeface="+mn-cs"/>
               </a:rPr>
-              <a:t>/18</a:t>
-            </a:r>
-            <a:endParaRPr lang="en-US"/>
+              <a:t>/</a:t>
+            </a:r>
+            <a:r>
+              <a:rPr lang="ru-RU" sz="1800" b="0" i="0" u="none" strike="noStrike" cap="none" spc="0" dirty="0">
+                <a:solidFill>
+                  <a:schemeClr val="tx1">
+                    <a:tint val="75000"/>
+                  </a:schemeClr>
+                </a:solidFill>
+                <a:latin typeface="+mn-lt"/>
+                <a:ea typeface="+mn-ea"/>
+                <a:cs typeface="+mn-cs"/>
+              </a:rPr>
+              <a:t>23</a:t>
+            </a:r>
+            <a:endParaRPr lang="en-US" dirty="0"/>
           </a:p>
         </p:txBody>
       </p:sp>
@@ -11459,11 +12010,11 @@
               <a:defRPr/>
             </a:pPr>
             <a:fld id="{517E4A08-3B0B-E35D-E7CD-2787AA887376}" type="slidenum">
-              <a:rPr lang="en-US" sz="1800"/>
+              <a:rPr lang="en-US" sz="1800" smtClean="0"/>
               <a:t>5</a:t>
             </a:fld>
             <a:r>
-              <a:rPr lang="en-US" sz="1800" b="0" i="0" u="none" strike="noStrike" cap="none" spc="0">
+              <a:rPr lang="en-US" sz="1800" b="0" i="0" u="none" strike="noStrike" cap="none" spc="0" dirty="0">
                 <a:solidFill>
                   <a:schemeClr val="tx1">
                     <a:tint val="75000"/>
@@ -11473,9 +12024,22 @@
                 <a:ea typeface="+mn-ea"/>
                 <a:cs typeface="+mn-cs"/>
               </a:rPr>
-              <a:t>/18</a:t>
-            </a:r>
-            <a:endParaRPr lang="en-US"/>
+              <a:t>/</a:t>
+            </a:r>
+            <a:r>
+              <a:rPr lang="ru-RU" sz="1800" b="0" i="0" u="none" strike="noStrike" cap="none" spc="0" dirty="0">
+                <a:solidFill>
+                  <a:schemeClr val="tx1">
+                    <a:tint val="75000"/>
+                  </a:schemeClr>
+                </a:solidFill>
+                <a:latin typeface="+mn-lt"/>
+                <a:ea typeface="+mn-ea"/>
+                <a:cs typeface="+mn-cs"/>
+              </a:rPr>
+              <a:t>23</a:t>
+            </a:r>
+            <a:endParaRPr lang="en-US" dirty="0"/>
           </a:p>
         </p:txBody>
       </p:sp>
@@ -11580,11 +12144,11 @@
               <a:defRPr/>
             </a:pPr>
             <a:fld id="{60256197-02AD-EFD3-7400-EBC3244E43BD}" type="slidenum">
-              <a:rPr lang="en-US" sz="1800"/>
+              <a:rPr lang="en-US" sz="1800" smtClean="0"/>
               <a:t>6</a:t>
             </a:fld>
             <a:r>
-              <a:rPr lang="en-US" sz="1800" b="0" i="0" u="none" strike="noStrike" cap="none" spc="0">
+              <a:rPr lang="en-US" sz="1800" b="0" i="0" u="none" strike="noStrike" cap="none" spc="0" dirty="0">
                 <a:solidFill>
                   <a:schemeClr val="tx1">
                     <a:tint val="75000"/>
@@ -11594,9 +12158,22 @@
                 <a:ea typeface="+mn-ea"/>
                 <a:cs typeface="+mn-cs"/>
               </a:rPr>
-              <a:t>/18</a:t>
-            </a:r>
-            <a:endParaRPr lang="en-US"/>
+              <a:t>/</a:t>
+            </a:r>
+            <a:r>
+              <a:rPr lang="ru-RU" sz="1800" b="0" i="0" u="none" strike="noStrike" cap="none" spc="0" dirty="0">
+                <a:solidFill>
+                  <a:schemeClr val="tx1">
+                    <a:tint val="75000"/>
+                  </a:schemeClr>
+                </a:solidFill>
+                <a:latin typeface="+mn-lt"/>
+                <a:ea typeface="+mn-ea"/>
+                <a:cs typeface="+mn-cs"/>
+              </a:rPr>
+              <a:t>23</a:t>
+            </a:r>
+            <a:endParaRPr lang="en-US" dirty="0"/>
           </a:p>
         </p:txBody>
       </p:sp>
@@ -11687,11 +12264,11 @@
               <a:defRPr/>
             </a:pPr>
             <a:fld id="{38721FC3-51EA-9124-813C-35F55D15147D}" type="slidenum">
-              <a:rPr lang="en-US" sz="1800"/>
+              <a:rPr lang="en-US" sz="1800" smtClean="0"/>
               <a:t>7</a:t>
             </a:fld>
             <a:r>
-              <a:rPr lang="en-US" sz="1800" b="0" i="0" u="none" strike="noStrike" cap="none" spc="0">
+              <a:rPr lang="en-US" sz="1800" b="0" i="0" u="none" strike="noStrike" cap="none" spc="0" dirty="0">
                 <a:solidFill>
                   <a:schemeClr val="tx1">
                     <a:tint val="75000"/>
@@ -11701,9 +12278,22 @@
                 <a:ea typeface="+mn-ea"/>
                 <a:cs typeface="+mn-cs"/>
               </a:rPr>
-              <a:t>/18</a:t>
-            </a:r>
-            <a:endParaRPr lang="en-US"/>
+              <a:t>/</a:t>
+            </a:r>
+            <a:r>
+              <a:rPr lang="ru-RU" sz="1800" b="0" i="0" u="none" strike="noStrike" cap="none" spc="0" dirty="0">
+                <a:solidFill>
+                  <a:schemeClr val="tx1">
+                    <a:tint val="75000"/>
+                  </a:schemeClr>
+                </a:solidFill>
+                <a:latin typeface="+mn-lt"/>
+                <a:ea typeface="+mn-ea"/>
+                <a:cs typeface="+mn-cs"/>
+              </a:rPr>
+              <a:t>23</a:t>
+            </a:r>
+            <a:endParaRPr lang="en-US" dirty="0"/>
           </a:p>
         </p:txBody>
       </p:sp>
@@ -11850,11 +12440,11 @@
               <a:defRPr/>
             </a:pPr>
             <a:fld id="{2D1A82AD-015B-C151-4D95-00498DE30D4E}" type="slidenum">
-              <a:rPr lang="en-US" sz="1800"/>
+              <a:rPr lang="en-US" sz="1800" smtClean="0"/>
               <a:t>8</a:t>
             </a:fld>
             <a:r>
-              <a:rPr lang="en-US" sz="1800" b="0" i="0" u="none" strike="noStrike" cap="none" spc="0">
+              <a:rPr lang="en-US" sz="1800" b="0" i="0" u="none" strike="noStrike" cap="none" spc="0" dirty="0">
                 <a:solidFill>
                   <a:schemeClr val="tx1">
                     <a:tint val="75000"/>
@@ -11864,9 +12454,22 @@
                 <a:ea typeface="+mn-ea"/>
                 <a:cs typeface="+mn-cs"/>
               </a:rPr>
-              <a:t>/18</a:t>
-            </a:r>
-            <a:endParaRPr lang="en-US"/>
+              <a:t>/</a:t>
+            </a:r>
+            <a:r>
+              <a:rPr lang="ru-RU" sz="1800" b="0" i="0" u="none" strike="noStrike" cap="none" spc="0" dirty="0">
+                <a:solidFill>
+                  <a:schemeClr val="tx1">
+                    <a:tint val="75000"/>
+                  </a:schemeClr>
+                </a:solidFill>
+                <a:latin typeface="+mn-lt"/>
+                <a:ea typeface="+mn-ea"/>
+                <a:cs typeface="+mn-cs"/>
+              </a:rPr>
+              <a:t>23</a:t>
+            </a:r>
+            <a:endParaRPr lang="en-US" dirty="0"/>
           </a:p>
         </p:txBody>
       </p:sp>
@@ -12192,11 +12795,11 @@
               <a:defRPr/>
             </a:pPr>
             <a:fld id="{20E37F56-B8BF-A4B8-E878-7F6871925BDE}" type="slidenum">
-              <a:rPr lang="en-US" sz="1800"/>
+              <a:rPr lang="en-US" sz="1800" smtClean="0"/>
               <a:t>9</a:t>
             </a:fld>
             <a:r>
-              <a:rPr lang="en-US" sz="1800" b="0" i="0" u="none" strike="noStrike" cap="none" spc="0">
+              <a:rPr lang="en-US" sz="1800" b="0" i="0" u="none" strike="noStrike" cap="none" spc="0" dirty="0">
                 <a:solidFill>
                   <a:schemeClr val="tx1">
                     <a:tint val="75000"/>
@@ -12206,9 +12809,22 @@
                 <a:ea typeface="+mn-ea"/>
                 <a:cs typeface="+mn-cs"/>
               </a:rPr>
-              <a:t>/18</a:t>
-            </a:r>
-            <a:endParaRPr lang="en-US"/>
+              <a:t>/</a:t>
+            </a:r>
+            <a:r>
+              <a:rPr lang="ru-RU" sz="1800" b="0" i="0" u="none" strike="noStrike" cap="none" spc="0" dirty="0">
+                <a:solidFill>
+                  <a:schemeClr val="tx1">
+                    <a:tint val="75000"/>
+                  </a:schemeClr>
+                </a:solidFill>
+                <a:latin typeface="+mn-lt"/>
+                <a:ea typeface="+mn-ea"/>
+                <a:cs typeface="+mn-cs"/>
+              </a:rPr>
+              <a:t>23</a:t>
+            </a:r>
+            <a:endParaRPr lang="en-US" dirty="0"/>
           </a:p>
         </p:txBody>
       </p:sp>

--- a/doc/GQW/Raschupkin_EV_UAV_Route_Planning.pptx
+++ b/doc/GQW/Raschupkin_EV_UAV_Route_Planning.pptx
@@ -30,7 +30,7 @@
     <p:sldId id="273" r:id="rId24"/>
     <p:sldId id="274" r:id="rId25"/>
   </p:sldIdLst>
-  <p:sldSz cx="9144000" cy="6858000" type="screen4x3"/>
+  <p:sldSz cx="12192000" cy="6858000"/>
   <p:notesSz cx="9144000" cy="6858000"/>
   <p:defaultTextStyle>
     <a:defPPr>
@@ -130,12 +130,12 @@
   <p:extLst>
     <p:ext uri="{EFAFB233-063F-42B5-8137-9DF3F51BA10A}">
       <p15:sldGuideLst xmlns:p15="http://schemas.microsoft.com/office/powerpoint/2012/main">
-        <p15:guide id="1" orient="horz" pos="2160">
+        <p15:guide id="1" orient="horz" pos="2160" userDrawn="1">
           <p15:clr>
             <a:srgbClr val="A4A3A4"/>
           </p15:clr>
         </p15:guide>
-        <p15:guide id="2" pos="2880">
+        <p15:guide id="2" pos="3840" userDrawn="1">
           <p15:clr>
             <a:srgbClr val="A4A3A4"/>
           </p15:clr>
@@ -175,8 +175,8 @@
         </p:nvSpPr>
         <p:spPr bwMode="auto">
           <a:xfrm>
-            <a:off x="1143000" y="1122363"/>
-            <a:ext cx="6858000" cy="2387600"/>
+            <a:off x="1524000" y="1122363"/>
+            <a:ext cx="9144000" cy="2387600"/>
           </a:xfrm>
         </p:spPr>
         <p:txBody>
@@ -209,8 +209,8 @@
         </p:nvSpPr>
         <p:spPr bwMode="auto">
           <a:xfrm>
-            <a:off x="1143000" y="3602038"/>
-            <a:ext cx="6858000" cy="1655762"/>
+            <a:off x="1524000" y="3602038"/>
+            <a:ext cx="9144000" cy="1655762"/>
           </a:xfrm>
         </p:spPr>
         <p:txBody>
@@ -284,7 +284,7 @@
             </a:pPr>
             <a:fld id="{BCC18F51-09EC-435C-A3BA-64A766E099C0}" type="datetimeFigureOut">
               <a:rPr lang="en-US"/>
-              <a:t>2024-05-22</a:t>
+              <a:t>2024-05-31</a:t>
             </a:fld>
             <a:endParaRPr lang="en-US"/>
           </a:p>
@@ -475,7 +475,7 @@
             </a:pPr>
             <a:fld id="{BCC18F51-09EC-435C-A3BA-64A766E099C0}" type="datetimeFigureOut">
               <a:rPr lang="en-US"/>
-              <a:t>2024-05-22</a:t>
+              <a:t>2024-05-31</a:t>
             </a:fld>
             <a:endParaRPr lang="en-US"/>
           </a:p>
@@ -568,8 +568,8 @@
         </p:nvSpPr>
         <p:spPr bwMode="auto">
           <a:xfrm>
-            <a:off x="6543673" y="365125"/>
-            <a:ext cx="1971675" cy="5811838"/>
+            <a:off x="8724899" y="365125"/>
+            <a:ext cx="2628900" cy="5811838"/>
           </a:xfrm>
         </p:spPr>
         <p:txBody>
@@ -598,8 +598,8 @@
         </p:nvSpPr>
         <p:spPr bwMode="auto">
           <a:xfrm>
-            <a:off x="628650" y="365125"/>
-            <a:ext cx="5800725" cy="5811838"/>
+            <a:off x="838202" y="365125"/>
+            <a:ext cx="7734300" cy="5811838"/>
           </a:xfrm>
         </p:spPr>
         <p:txBody>
@@ -676,7 +676,7 @@
             </a:pPr>
             <a:fld id="{BCC18F51-09EC-435C-A3BA-64A766E099C0}" type="datetimeFigureOut">
               <a:rPr lang="en-US"/>
-              <a:t>2024-05-22</a:t>
+              <a:t>2024-05-31</a:t>
             </a:fld>
             <a:endParaRPr lang="en-US"/>
           </a:p>
@@ -867,7 +867,7 @@
             </a:pPr>
             <a:fld id="{BCC18F51-09EC-435C-A3BA-64A766E099C0}" type="datetimeFigureOut">
               <a:rPr lang="en-US"/>
-              <a:t>2024-05-22</a:t>
+              <a:t>2024-05-31</a:t>
             </a:fld>
             <a:endParaRPr lang="en-US"/>
           </a:p>
@@ -960,8 +960,8 @@
         </p:nvSpPr>
         <p:spPr bwMode="auto">
           <a:xfrm>
-            <a:off x="623887" y="1709738"/>
-            <a:ext cx="7886700" cy="2852737"/>
+            <a:off x="831849" y="1709741"/>
+            <a:ext cx="10515600" cy="2852737"/>
           </a:xfrm>
         </p:spPr>
         <p:txBody>
@@ -994,8 +994,8 @@
         </p:nvSpPr>
         <p:spPr bwMode="auto">
           <a:xfrm>
-            <a:off x="623887" y="4589463"/>
-            <a:ext cx="7886700" cy="1500187"/>
+            <a:off x="831849" y="4589466"/>
+            <a:ext cx="10515600" cy="1500187"/>
           </a:xfrm>
         </p:spPr>
         <p:txBody>
@@ -1124,7 +1124,7 @@
             </a:pPr>
             <a:fld id="{BCC18F51-09EC-435C-A3BA-64A766E099C0}" type="datetimeFigureOut">
               <a:rPr lang="en-US"/>
-              <a:t>2024-05-22</a:t>
+              <a:t>2024-05-31</a:t>
             </a:fld>
             <a:endParaRPr lang="en-US"/>
           </a:p>
@@ -1242,8 +1242,8 @@
         </p:nvSpPr>
         <p:spPr bwMode="auto">
           <a:xfrm>
-            <a:off x="628650" y="1825625"/>
-            <a:ext cx="3886200" cy="4351338"/>
+            <a:off x="838200" y="1825625"/>
+            <a:ext cx="5181600" cy="4351338"/>
           </a:xfrm>
         </p:spPr>
         <p:txBody>
@@ -1312,8 +1312,8 @@
         </p:nvSpPr>
         <p:spPr bwMode="auto">
           <a:xfrm>
-            <a:off x="4629149" y="1825625"/>
-            <a:ext cx="3886200" cy="4351338"/>
+            <a:off x="6172199" y="1825625"/>
+            <a:ext cx="5181600" cy="4351338"/>
           </a:xfrm>
         </p:spPr>
         <p:txBody>
@@ -1390,7 +1390,7 @@
             </a:pPr>
             <a:fld id="{BCC18F51-09EC-435C-A3BA-64A766E099C0}" type="datetimeFigureOut">
               <a:rPr lang="en-US"/>
-              <a:t>2024-05-22</a:t>
+              <a:t>2024-05-31</a:t>
             </a:fld>
             <a:endParaRPr lang="en-US"/>
           </a:p>
@@ -1483,8 +1483,8 @@
         </p:nvSpPr>
         <p:spPr bwMode="auto">
           <a:xfrm>
-            <a:off x="629841" y="365125"/>
-            <a:ext cx="7886700" cy="1325563"/>
+            <a:off x="839788" y="365128"/>
+            <a:ext cx="10515600" cy="1325563"/>
           </a:xfrm>
         </p:spPr>
         <p:txBody>
@@ -1513,8 +1513,8 @@
         </p:nvSpPr>
         <p:spPr bwMode="auto">
           <a:xfrm>
-            <a:off x="629841" y="1681163"/>
-            <a:ext cx="3868340" cy="823912"/>
+            <a:off x="839789" y="1681163"/>
+            <a:ext cx="5157787" cy="823912"/>
           </a:xfrm>
         </p:spPr>
         <p:txBody>
@@ -1581,8 +1581,8 @@
         </p:nvSpPr>
         <p:spPr bwMode="auto">
           <a:xfrm>
-            <a:off x="629841" y="2505074"/>
-            <a:ext cx="3868340" cy="3684588"/>
+            <a:off x="839789" y="2505074"/>
+            <a:ext cx="5157787" cy="3684588"/>
           </a:xfrm>
         </p:spPr>
         <p:txBody>
@@ -1651,8 +1651,8 @@
         </p:nvSpPr>
         <p:spPr bwMode="auto">
           <a:xfrm>
-            <a:off x="4629149" y="1681163"/>
-            <a:ext cx="3887390" cy="823912"/>
+            <a:off x="6172200" y="1681163"/>
+            <a:ext cx="5183187" cy="823912"/>
           </a:xfrm>
         </p:spPr>
         <p:txBody>
@@ -1719,8 +1719,8 @@
         </p:nvSpPr>
         <p:spPr bwMode="auto">
           <a:xfrm>
-            <a:off x="4629149" y="2505074"/>
-            <a:ext cx="3887390" cy="3684588"/>
+            <a:off x="6172200" y="2505074"/>
+            <a:ext cx="5183187" cy="3684588"/>
           </a:xfrm>
         </p:spPr>
         <p:txBody>
@@ -1797,7 +1797,7 @@
             </a:pPr>
             <a:fld id="{BCC18F51-09EC-435C-A3BA-64A766E099C0}" type="datetimeFigureOut">
               <a:rPr lang="en-US"/>
-              <a:t>2024-05-22</a:t>
+              <a:t>2024-05-31</a:t>
             </a:fld>
             <a:endParaRPr lang="en-US"/>
           </a:p>
@@ -1923,7 +1923,7 @@
             </a:pPr>
             <a:fld id="{BCC18F51-09EC-435C-A3BA-64A766E099C0}" type="datetimeFigureOut">
               <a:rPr lang="en-US"/>
-              <a:t>2024-05-22</a:t>
+              <a:t>2024-05-31</a:t>
             </a:fld>
             <a:endParaRPr lang="en-US"/>
           </a:p>
@@ -2024,7 +2024,7 @@
             </a:pPr>
             <a:fld id="{BCC18F51-09EC-435C-A3BA-64A766E099C0}" type="datetimeFigureOut">
               <a:rPr lang="en-US"/>
-              <a:t>2024-05-22</a:t>
+              <a:t>2024-05-31</a:t>
             </a:fld>
             <a:endParaRPr lang="en-US"/>
           </a:p>
@@ -2117,8 +2117,8 @@
         </p:nvSpPr>
         <p:spPr bwMode="auto">
           <a:xfrm>
-            <a:off x="629841" y="457200"/>
-            <a:ext cx="2949177" cy="1600200"/>
+            <a:off x="839790" y="457200"/>
+            <a:ext cx="3932236" cy="1600200"/>
           </a:xfrm>
         </p:spPr>
         <p:txBody>
@@ -2151,8 +2151,8 @@
         </p:nvSpPr>
         <p:spPr bwMode="auto">
           <a:xfrm>
-            <a:off x="3887390" y="987425"/>
-            <a:ext cx="4629149" cy="4873625"/>
+            <a:off x="5183188" y="987428"/>
+            <a:ext cx="6172199" cy="4873625"/>
           </a:xfrm>
         </p:spPr>
         <p:txBody>
@@ -2249,8 +2249,8 @@
         </p:nvSpPr>
         <p:spPr bwMode="auto">
           <a:xfrm>
-            <a:off x="629841" y="2057400"/>
-            <a:ext cx="2949177" cy="3811588"/>
+            <a:off x="839790" y="2057400"/>
+            <a:ext cx="3932236" cy="3811588"/>
           </a:xfrm>
         </p:spPr>
         <p:txBody>
@@ -2325,7 +2325,7 @@
             </a:pPr>
             <a:fld id="{BCC18F51-09EC-435C-A3BA-64A766E099C0}" type="datetimeFigureOut">
               <a:rPr lang="en-US"/>
-              <a:t>2024-05-22</a:t>
+              <a:t>2024-05-31</a:t>
             </a:fld>
             <a:endParaRPr lang="en-US"/>
           </a:p>
@@ -2418,8 +2418,8 @@
         </p:nvSpPr>
         <p:spPr bwMode="auto">
           <a:xfrm>
-            <a:off x="629841" y="457200"/>
-            <a:ext cx="2949177" cy="1600200"/>
+            <a:off x="839790" y="457200"/>
+            <a:ext cx="3932236" cy="1600200"/>
           </a:xfrm>
         </p:spPr>
         <p:txBody>
@@ -2452,8 +2452,8 @@
         </p:nvSpPr>
         <p:spPr bwMode="auto">
           <a:xfrm>
-            <a:off x="3887390" y="987425"/>
-            <a:ext cx="4629149" cy="4873625"/>
+            <a:off x="5183188" y="987428"/>
+            <a:ext cx="6172199" cy="4873625"/>
           </a:xfrm>
         </p:spPr>
         <p:txBody>
@@ -2519,8 +2519,8 @@
         </p:nvSpPr>
         <p:spPr bwMode="auto">
           <a:xfrm>
-            <a:off x="629841" y="2057400"/>
-            <a:ext cx="2949177" cy="3811588"/>
+            <a:off x="839790" y="2057400"/>
+            <a:ext cx="3932236" cy="3811588"/>
           </a:xfrm>
         </p:spPr>
         <p:txBody>
@@ -2595,7 +2595,7 @@
             </a:pPr>
             <a:fld id="{BCC18F51-09EC-435C-A3BA-64A766E099C0}" type="datetimeFigureOut">
               <a:rPr lang="en-US"/>
-              <a:t>2024-05-22</a:t>
+              <a:t>2024-05-31</a:t>
             </a:fld>
             <a:endParaRPr lang="en-US"/>
           </a:p>
@@ -2693,8 +2693,8 @@
         </p:nvSpPr>
         <p:spPr bwMode="auto">
           <a:xfrm>
-            <a:off x="628650" y="365125"/>
-            <a:ext cx="7886700" cy="1325563"/>
+            <a:off x="838200" y="365128"/>
+            <a:ext cx="10515600" cy="1325563"/>
           </a:xfrm>
           <a:prstGeom prst="rect">
             <a:avLst/>
@@ -2728,8 +2728,8 @@
         </p:nvSpPr>
         <p:spPr bwMode="auto">
           <a:xfrm>
-            <a:off x="628650" y="1825625"/>
-            <a:ext cx="7886700" cy="4351338"/>
+            <a:off x="838200" y="1825625"/>
+            <a:ext cx="10515600" cy="4351338"/>
           </a:xfrm>
           <a:prstGeom prst="rect">
             <a:avLst/>
@@ -2803,8 +2803,8 @@
         </p:nvSpPr>
         <p:spPr bwMode="auto">
           <a:xfrm>
-            <a:off x="628650" y="6356350"/>
-            <a:ext cx="2057400" cy="365125"/>
+            <a:off x="838200" y="6356353"/>
+            <a:ext cx="2743200" cy="365125"/>
           </a:xfrm>
           <a:prstGeom prst="rect">
             <a:avLst/>
@@ -2829,7 +2829,7 @@
             </a:pPr>
             <a:fld id="{BCC18F51-09EC-435C-A3BA-64A766E099C0}" type="datetimeFigureOut">
               <a:rPr lang="en-US"/>
-              <a:t>2024-05-22</a:t>
+              <a:t>2024-05-31</a:t>
             </a:fld>
             <a:endParaRPr lang="en-US"/>
           </a:p>
@@ -2847,8 +2847,8 @@
         </p:nvSpPr>
         <p:spPr bwMode="auto">
           <a:xfrm>
-            <a:off x="3028950" y="6356350"/>
-            <a:ext cx="3086100" cy="365125"/>
+            <a:off x="4038600" y="6356353"/>
+            <a:ext cx="4114800" cy="365125"/>
           </a:xfrm>
           <a:prstGeom prst="rect">
             <a:avLst/>
@@ -2889,8 +2889,8 @@
         </p:nvSpPr>
         <p:spPr bwMode="auto">
           <a:xfrm>
-            <a:off x="6457950" y="6356350"/>
-            <a:ext cx="2057400" cy="365125"/>
+            <a:off x="8610600" y="6356353"/>
+            <a:ext cx="2743200" cy="365125"/>
           </a:xfrm>
           <a:prstGeom prst="rect">
             <a:avLst/>
@@ -3250,7 +3250,7 @@
         </p:nvSpPr>
         <p:spPr bwMode="auto">
           <a:xfrm>
-            <a:off x="1143000" y="2419072"/>
+            <a:off x="2667000" y="2419072"/>
             <a:ext cx="6858000" cy="1696870"/>
           </a:xfrm>
         </p:spPr>
@@ -3264,7 +3264,7 @@
               <a:defRPr/>
             </a:pPr>
             <a:r>
-              <a:rPr lang="ru-RU" sz="2600" b="1" i="0" u="none" dirty="0">
+              <a:rPr lang="ru-RU" sz="2600" b="1" dirty="0">
                 <a:solidFill>
                   <a:srgbClr val="000000"/>
                 </a:solidFill>
@@ -3290,7 +3290,7 @@
         </p:nvSpPr>
         <p:spPr bwMode="auto">
           <a:xfrm>
-            <a:off x="111105" y="284692"/>
+            <a:off x="1635108" y="284692"/>
             <a:ext cx="8921789" cy="1177172"/>
           </a:xfrm>
         </p:spPr>
@@ -3304,7 +3304,7 @@
               <a:defRPr/>
             </a:pPr>
             <a:r>
-              <a:rPr sz="1400" b="0" i="0" u="none" dirty="0">
+              <a:rPr sz="1400" dirty="0">
                 <a:solidFill>
                   <a:srgbClr val="000000"/>
                 </a:solidFill>
@@ -3315,7 +3315,7 @@
               <a:t>МИНИСТЕРСТВО НАУКИ И ВЫСШЕГО ОБРАЗОВАНИЯ РОССИЙСКОЙ ФЕДЕРАЦИИ</a:t>
             </a:r>
             <a:br>
-              <a:rPr sz="1400" b="0" i="0" u="none" dirty="0">
+              <a:rPr sz="1400" dirty="0">
                 <a:solidFill>
                   <a:srgbClr val="000000"/>
                 </a:solidFill>
@@ -3325,7 +3325,7 @@
               </a:rPr>
             </a:br>
             <a:r>
-              <a:rPr sz="1400" b="0" i="0" u="none" dirty="0" err="1">
+              <a:rPr sz="1400" dirty="0" err="1">
                 <a:solidFill>
                   <a:srgbClr val="000000"/>
                 </a:solidFill>
@@ -3336,7 +3336,7 @@
               <a:t>Федеральное</a:t>
             </a:r>
             <a:r>
-              <a:rPr sz="1400" b="0" i="0" u="none" dirty="0">
+              <a:rPr sz="1400" dirty="0">
                 <a:solidFill>
                   <a:srgbClr val="000000"/>
                 </a:solidFill>
@@ -3347,7 +3347,7 @@
               <a:t> </a:t>
             </a:r>
             <a:r>
-              <a:rPr sz="1400" b="0" i="0" u="none" dirty="0" err="1">
+              <a:rPr sz="1400" dirty="0" err="1">
                 <a:solidFill>
                   <a:srgbClr val="000000"/>
                 </a:solidFill>
@@ -3358,7 +3358,7 @@
               <a:t>государственное</a:t>
             </a:r>
             <a:r>
-              <a:rPr sz="1400" b="0" i="0" u="none" dirty="0">
+              <a:rPr sz="1400" dirty="0">
                 <a:solidFill>
                   <a:srgbClr val="000000"/>
                 </a:solidFill>
@@ -3369,7 +3369,7 @@
               <a:t> </a:t>
             </a:r>
             <a:r>
-              <a:rPr sz="1400" b="0" i="0" u="none" dirty="0" err="1">
+              <a:rPr sz="1400" dirty="0" err="1">
                 <a:solidFill>
                   <a:srgbClr val="000000"/>
                 </a:solidFill>
@@ -3380,7 +3380,7 @@
               <a:t>автономное</a:t>
             </a:r>
             <a:r>
-              <a:rPr sz="1400" b="0" i="0" u="none" dirty="0">
+              <a:rPr sz="1400" dirty="0">
                 <a:solidFill>
                   <a:srgbClr val="000000"/>
                 </a:solidFill>
@@ -3391,7 +3391,7 @@
               <a:t> </a:t>
             </a:r>
             <a:r>
-              <a:rPr sz="1400" b="0" i="0" u="none" dirty="0" err="1">
+              <a:rPr sz="1400" dirty="0" err="1">
                 <a:solidFill>
                   <a:srgbClr val="000000"/>
                 </a:solidFill>
@@ -3402,7 +3402,7 @@
               <a:t>образовательное</a:t>
             </a:r>
             <a:r>
-              <a:rPr sz="1400" b="0" i="0" u="none" dirty="0">
+              <a:rPr sz="1400" dirty="0">
                 <a:solidFill>
                   <a:srgbClr val="000000"/>
                 </a:solidFill>
@@ -3413,7 +3413,7 @@
               <a:t> </a:t>
             </a:r>
             <a:r>
-              <a:rPr sz="1400" b="0" i="0" u="none" dirty="0" err="1">
+              <a:rPr sz="1400" dirty="0" err="1">
                 <a:solidFill>
                   <a:srgbClr val="000000"/>
                 </a:solidFill>
@@ -3424,7 +3424,7 @@
               <a:t>учреждение</a:t>
             </a:r>
             <a:r>
-              <a:rPr sz="1400" b="0" i="0" u="none" dirty="0">
+              <a:rPr sz="1400" dirty="0">
                 <a:solidFill>
                   <a:srgbClr val="000000"/>
                 </a:solidFill>
@@ -3435,7 +3435,7 @@
               <a:t> </a:t>
             </a:r>
             <a:r>
-              <a:rPr sz="1400" b="0" i="0" u="none" dirty="0" err="1">
+              <a:rPr sz="1400" dirty="0" err="1">
                 <a:solidFill>
                   <a:srgbClr val="000000"/>
                 </a:solidFill>
@@ -3446,7 +3446,7 @@
               <a:t>высшего</a:t>
             </a:r>
             <a:r>
-              <a:rPr sz="1400" b="0" i="0" u="none" dirty="0">
+              <a:rPr sz="1400" dirty="0">
                 <a:solidFill>
                   <a:srgbClr val="000000"/>
                 </a:solidFill>
@@ -3457,7 +3457,7 @@
               <a:t> </a:t>
             </a:r>
             <a:r>
-              <a:rPr sz="1400" b="0" i="0" u="none" dirty="0" err="1">
+              <a:rPr sz="1400" dirty="0" err="1">
                 <a:solidFill>
                   <a:srgbClr val="000000"/>
                 </a:solidFill>
@@ -3468,7 +3468,7 @@
               <a:t>профессионального</a:t>
             </a:r>
             <a:r>
-              <a:rPr sz="1400" b="0" i="0" u="none" dirty="0">
+              <a:rPr sz="1400" dirty="0">
                 <a:solidFill>
                   <a:srgbClr val="000000"/>
                 </a:solidFill>
@@ -3479,7 +3479,7 @@
               <a:t> </a:t>
             </a:r>
             <a:r>
-              <a:rPr sz="1400" b="0" i="0" u="none" dirty="0" err="1">
+              <a:rPr sz="1400" dirty="0" err="1">
                 <a:solidFill>
                   <a:srgbClr val="000000"/>
                 </a:solidFill>
@@ -3490,7 +3490,7 @@
               <a:t>образования</a:t>
             </a:r>
             <a:br>
-              <a:rPr sz="1400" b="0" i="0" u="none" dirty="0">
+              <a:rPr sz="1400" dirty="0">
                 <a:solidFill>
                   <a:srgbClr val="000000"/>
                 </a:solidFill>
@@ -3500,7 +3500,7 @@
               </a:rPr>
             </a:br>
             <a:r>
-              <a:rPr sz="1400" b="0" i="0" u="none" dirty="0">
+              <a:rPr sz="1400" dirty="0">
                 <a:solidFill>
                   <a:srgbClr val="000000"/>
                 </a:solidFill>
@@ -3511,7 +3511,7 @@
               <a:t>«</a:t>
             </a:r>
             <a:r>
-              <a:rPr sz="1400" b="0" i="0" u="none" dirty="0" err="1">
+              <a:rPr sz="1400" dirty="0" err="1">
                 <a:solidFill>
                   <a:srgbClr val="000000"/>
                 </a:solidFill>
@@ -3522,7 +3522,7 @@
               <a:t>Южно-Уральский</a:t>
             </a:r>
             <a:r>
-              <a:rPr sz="1400" b="0" i="0" u="none" dirty="0">
+              <a:rPr sz="1400" dirty="0">
                 <a:solidFill>
                   <a:srgbClr val="000000"/>
                 </a:solidFill>
@@ -3533,7 +3533,7 @@
               <a:t> </a:t>
             </a:r>
             <a:r>
-              <a:rPr sz="1400" b="0" i="0" u="none" dirty="0" err="1">
+              <a:rPr sz="1400" dirty="0" err="1">
                 <a:solidFill>
                   <a:srgbClr val="000000"/>
                 </a:solidFill>
@@ -3544,7 +3544,7 @@
               <a:t>государственный</a:t>
             </a:r>
             <a:r>
-              <a:rPr sz="1400" b="0" i="0" u="none" dirty="0">
+              <a:rPr sz="1400" dirty="0">
                 <a:solidFill>
                   <a:srgbClr val="000000"/>
                 </a:solidFill>
@@ -3555,7 +3555,7 @@
               <a:t> </a:t>
             </a:r>
             <a:r>
-              <a:rPr sz="1400" b="0" i="0" u="none" dirty="0" err="1">
+              <a:rPr sz="1400" dirty="0" err="1">
                 <a:solidFill>
                   <a:srgbClr val="000000"/>
                 </a:solidFill>
@@ -3566,7 +3566,7 @@
               <a:t>университет</a:t>
             </a:r>
             <a:r>
-              <a:rPr sz="1400" b="0" i="0" u="none" dirty="0">
+              <a:rPr sz="1400" dirty="0">
                 <a:solidFill>
                   <a:srgbClr val="000000"/>
                 </a:solidFill>
@@ -3577,7 +3577,7 @@
               <a:t> (</a:t>
             </a:r>
             <a:r>
-              <a:rPr sz="1400" b="0" i="0" u="none" dirty="0" err="1">
+              <a:rPr sz="1400" dirty="0" err="1">
                 <a:solidFill>
                   <a:srgbClr val="000000"/>
                 </a:solidFill>
@@ -3588,7 +3588,7 @@
               <a:t>национальный</a:t>
             </a:r>
             <a:r>
-              <a:rPr sz="1400" b="0" i="0" u="none" dirty="0">
+              <a:rPr sz="1400" dirty="0">
                 <a:solidFill>
                   <a:srgbClr val="000000"/>
                 </a:solidFill>
@@ -3599,7 +3599,7 @@
               <a:t> </a:t>
             </a:r>
             <a:r>
-              <a:rPr sz="1400" b="0" i="0" u="none" dirty="0" err="1">
+              <a:rPr sz="1400" dirty="0" err="1">
                 <a:solidFill>
                   <a:srgbClr val="000000"/>
                 </a:solidFill>
@@ -3610,7 +3610,7 @@
               <a:t>исследовательский</a:t>
             </a:r>
             <a:r>
-              <a:rPr sz="1400" b="0" i="0" u="none" dirty="0">
+              <a:rPr sz="1400" dirty="0">
                 <a:solidFill>
                   <a:srgbClr val="000000"/>
                 </a:solidFill>
@@ -3621,7 +3621,7 @@
               <a:t> </a:t>
             </a:r>
             <a:r>
-              <a:rPr sz="1400" b="0" i="0" u="none" dirty="0" err="1">
+              <a:rPr sz="1400" dirty="0" err="1">
                 <a:solidFill>
                   <a:srgbClr val="000000"/>
                 </a:solidFill>
@@ -3632,7 +3632,7 @@
               <a:t>университет</a:t>
             </a:r>
             <a:r>
-              <a:rPr sz="1400" b="0" i="0" u="none" dirty="0">
+              <a:rPr sz="1400" dirty="0">
                 <a:solidFill>
                   <a:srgbClr val="000000"/>
                 </a:solidFill>
@@ -3643,7 +3643,7 @@
               <a:t>)»</a:t>
             </a:r>
             <a:br>
-              <a:rPr sz="1400" b="0" i="0" u="none" dirty="0">
+              <a:rPr sz="1400" dirty="0">
                 <a:solidFill>
                   <a:srgbClr val="000000"/>
                 </a:solidFill>
@@ -3653,7 +3653,7 @@
               </a:rPr>
             </a:br>
             <a:r>
-              <a:rPr sz="1400" b="0" i="0" u="none" dirty="0" err="1">
+              <a:rPr sz="1400" dirty="0" err="1">
                 <a:solidFill>
                   <a:srgbClr val="000000"/>
                 </a:solidFill>
@@ -3664,7 +3664,7 @@
               <a:t>Высшая</a:t>
             </a:r>
             <a:r>
-              <a:rPr sz="1400" b="0" i="0" u="none" dirty="0">
+              <a:rPr sz="1400" dirty="0">
                 <a:solidFill>
                   <a:srgbClr val="000000"/>
                 </a:solidFill>
@@ -3675,7 +3675,7 @@
               <a:t> </a:t>
             </a:r>
             <a:r>
-              <a:rPr sz="1400" b="0" i="0" u="none" dirty="0" err="1">
+              <a:rPr sz="1400" dirty="0" err="1">
                 <a:solidFill>
                   <a:srgbClr val="000000"/>
                 </a:solidFill>
@@ -3686,7 +3686,7 @@
               <a:t>школа</a:t>
             </a:r>
             <a:r>
-              <a:rPr sz="1400" b="0" i="0" u="none" dirty="0">
+              <a:rPr sz="1400" dirty="0">
                 <a:solidFill>
                   <a:srgbClr val="000000"/>
                 </a:solidFill>
@@ -3697,7 +3697,7 @@
               <a:t> </a:t>
             </a:r>
             <a:r>
-              <a:rPr sz="1400" b="0" i="0" u="none" dirty="0" err="1">
+              <a:rPr sz="1400" dirty="0" err="1">
                 <a:solidFill>
                   <a:srgbClr val="000000"/>
                 </a:solidFill>
@@ -3708,7 +3708,7 @@
               <a:t>электроники</a:t>
             </a:r>
             <a:r>
-              <a:rPr sz="1400" b="0" i="0" u="none" dirty="0">
+              <a:rPr sz="1400" dirty="0">
                 <a:solidFill>
                   <a:srgbClr val="000000"/>
                 </a:solidFill>
@@ -3719,7 +3719,7 @@
               <a:t> и </a:t>
             </a:r>
             <a:r>
-              <a:rPr sz="1400" b="0" i="0" u="none" dirty="0" err="1">
+              <a:rPr sz="1400" dirty="0" err="1">
                 <a:solidFill>
                   <a:srgbClr val="000000"/>
                 </a:solidFill>
@@ -3730,7 +3730,7 @@
               <a:t>компьютерных</a:t>
             </a:r>
             <a:r>
-              <a:rPr sz="1400" b="0" i="0" u="none" dirty="0">
+              <a:rPr sz="1400" dirty="0">
                 <a:solidFill>
                   <a:srgbClr val="000000"/>
                 </a:solidFill>
@@ -3741,7 +3741,7 @@
               <a:t> </a:t>
             </a:r>
             <a:r>
-              <a:rPr sz="1400" b="0" i="0" u="none" dirty="0" err="1">
+              <a:rPr sz="1400" dirty="0" err="1">
                 <a:solidFill>
                   <a:srgbClr val="000000"/>
                 </a:solidFill>
@@ -3752,7 +3752,7 @@
               <a:t>наук</a:t>
             </a:r>
             <a:br>
-              <a:rPr sz="1400" b="0" i="0" u="none" dirty="0">
+              <a:rPr sz="1400" dirty="0">
                 <a:solidFill>
                   <a:srgbClr val="000000"/>
                 </a:solidFill>
@@ -3762,7 +3762,7 @@
               </a:rPr>
             </a:br>
             <a:r>
-              <a:rPr sz="1400" b="0" i="0" u="none" dirty="0" err="1">
+              <a:rPr sz="1400" dirty="0" err="1">
                 <a:solidFill>
                   <a:srgbClr val="000000"/>
                 </a:solidFill>
@@ -3773,7 +3773,7 @@
               <a:t>Кафедра</a:t>
             </a:r>
             <a:r>
-              <a:rPr sz="1400" b="0" i="0" u="none" dirty="0">
+              <a:rPr sz="1400" dirty="0">
                 <a:solidFill>
                   <a:srgbClr val="000000"/>
                 </a:solidFill>
@@ -3784,7 +3784,7 @@
               <a:t> </a:t>
             </a:r>
             <a:r>
-              <a:rPr sz="1400" b="0" i="0" u="none" dirty="0" err="1">
+              <a:rPr sz="1400" dirty="0" err="1">
                 <a:solidFill>
                   <a:srgbClr val="000000"/>
                 </a:solidFill>
@@ -3795,7 +3795,7 @@
               <a:t>системного</a:t>
             </a:r>
             <a:r>
-              <a:rPr sz="1400" b="0" i="0" u="none" dirty="0">
+              <a:rPr sz="1400" dirty="0">
                 <a:solidFill>
                   <a:srgbClr val="000000"/>
                 </a:solidFill>
@@ -3806,7 +3806,7 @@
               <a:t> </a:t>
             </a:r>
             <a:r>
-              <a:rPr sz="1400" b="0" i="0" u="none" dirty="0" err="1">
+              <a:rPr sz="1400" dirty="0" err="1">
                 <a:solidFill>
                   <a:srgbClr val="000000"/>
                 </a:solidFill>
@@ -3833,7 +3833,7 @@
         </p:nvSpPr>
         <p:spPr bwMode="auto">
           <a:xfrm>
-            <a:off x="1143000" y="4846970"/>
+            <a:off x="1055440" y="4846972"/>
             <a:ext cx="3429000" cy="1177171"/>
           </a:xfrm>
         </p:spPr>
@@ -4010,7 +4010,7 @@
               <a:defRPr/>
             </a:pPr>
             <a:r>
-              <a:rPr lang="ru-RU" sz="1400" b="0" i="0" u="none" strike="noStrike" cap="none" spc="0" dirty="0">
+              <a:rPr lang="ru-RU" sz="1400" dirty="0">
                 <a:solidFill>
                   <a:srgbClr val="000000"/>
                 </a:solidFill>
@@ -4025,10 +4025,7 @@
               <a:defRPr/>
             </a:pPr>
             <a:r>
-              <a:rPr lang="ru-RU" sz="1400" b="0" i="0" u="none" strike="noStrike" cap="none" spc="0" dirty="0">
-                <a:solidFill>
-                  <a:schemeClr val="tx1"/>
-                </a:solidFill>
+              <a:rPr lang="ru-RU" sz="1400" dirty="0">
                 <a:latin typeface="Times New Roman"/>
                 <a:cs typeface="Times New Roman"/>
               </a:rPr>
@@ -4040,10 +4037,7 @@
               <a:defRPr/>
             </a:pPr>
             <a:r>
-              <a:rPr lang="ru-RU" sz="1400" b="0" i="0" u="none" strike="noStrike" cap="none" spc="0" dirty="0">
-                <a:solidFill>
-                  <a:schemeClr val="tx1"/>
-                </a:solidFill>
+              <a:rPr lang="ru-RU" sz="1400" dirty="0">
                 <a:latin typeface="Times New Roman"/>
                 <a:ea typeface="Times New Roman"/>
                 <a:cs typeface="Times New Roman"/>
@@ -4051,10 +4045,7 @@
               <a:t>Т.А.</a:t>
             </a:r>
             <a:r>
-              <a:rPr lang="ru-RU" sz="1400" b="0" i="0" u="none" strike="noStrike" cap="none" spc="0" dirty="0">
-                <a:solidFill>
-                  <a:schemeClr val="tx1"/>
-                </a:solidFill>
+              <a:rPr lang="ru-RU" sz="1400" dirty="0">
                 <a:latin typeface="Times New Roman"/>
                 <a:cs typeface="Times New Roman"/>
               </a:rPr>
@@ -4073,7 +4064,7 @@
         </p:nvSpPr>
         <p:spPr bwMode="auto">
           <a:xfrm>
-            <a:off x="5249181" y="4846970"/>
+            <a:off x="8384742" y="4846972"/>
             <a:ext cx="2751818" cy="1177171"/>
           </a:xfrm>
         </p:spPr>
@@ -4250,7 +4241,7 @@
               <a:defRPr/>
             </a:pPr>
             <a:r>
-              <a:rPr lang="ru-RU" sz="1400" b="0" i="0" u="none" strike="noStrike" cap="none" spc="0" dirty="0">
+              <a:rPr lang="ru-RU" sz="1400" dirty="0">
                 <a:solidFill>
                   <a:srgbClr val="000000"/>
                 </a:solidFill>
@@ -4265,7 +4256,7 @@
               <a:defRPr/>
             </a:pPr>
             <a:r>
-              <a:rPr lang="ru-RU" sz="1400" b="0" i="0" u="none" strike="noStrike" cap="none" spc="0" dirty="0">
+              <a:rPr lang="ru-RU" sz="1400" dirty="0">
                 <a:solidFill>
                   <a:srgbClr val="000000"/>
                 </a:solidFill>
@@ -4275,7 +4266,7 @@
               <a:t>студент группы КЭ-</a:t>
             </a:r>
             <a:r>
-              <a:rPr lang="en-US" sz="1400" b="0" i="0" u="none" strike="noStrike" cap="none" spc="0" dirty="0">
+              <a:rPr lang="en-US" sz="1400" dirty="0">
                 <a:solidFill>
                   <a:srgbClr val="000000"/>
                 </a:solidFill>
@@ -4285,7 +4276,7 @@
               <a:t>4</a:t>
             </a:r>
             <a:r>
-              <a:rPr lang="ru-RU" sz="1400" b="0" i="0" u="none" strike="noStrike" cap="none" spc="0" dirty="0">
+              <a:rPr lang="ru-RU" sz="1400" dirty="0">
                 <a:solidFill>
                   <a:srgbClr val="000000"/>
                 </a:solidFill>
@@ -4300,7 +4291,7 @@
               <a:defRPr/>
             </a:pPr>
             <a:r>
-              <a:rPr lang="ru-RU" sz="1400" b="0" i="0" u="none" strike="noStrike" cap="none" spc="0" dirty="0">
+              <a:rPr lang="ru-RU" sz="1400" dirty="0">
                 <a:solidFill>
                   <a:srgbClr val="000000"/>
                 </a:solidFill>
@@ -4326,7 +4317,7 @@
         </p:nvSpPr>
         <p:spPr bwMode="auto">
           <a:xfrm>
-            <a:off x="2639247" y="6412431"/>
+            <a:off x="4163247" y="6412431"/>
             <a:ext cx="3865500" cy="399688"/>
           </a:xfrm>
         </p:spPr>
@@ -4503,7 +4494,7 @@
               <a:defRPr/>
             </a:pPr>
             <a:r>
-              <a:rPr sz="1400" b="0" i="0" u="none" dirty="0" err="1">
+              <a:rPr sz="1400" dirty="0" err="1">
                 <a:solidFill>
                   <a:srgbClr val="000000"/>
                 </a:solidFill>
@@ -4514,7 +4505,7 @@
               <a:t>Челябинск</a:t>
             </a:r>
             <a:r>
-              <a:rPr sz="1400" b="0" i="0" u="none" dirty="0">
+              <a:rPr sz="1400" dirty="0">
                 <a:solidFill>
                   <a:srgbClr val="000000"/>
                 </a:solidFill>
@@ -4536,7 +4527,7 @@
               <a:t>2</a:t>
             </a:r>
             <a:r>
-              <a:rPr sz="1400" b="0" i="0" u="none" dirty="0">
+              <a:rPr sz="1400" dirty="0">
                 <a:solidFill>
                   <a:srgbClr val="000000"/>
                 </a:solidFill>
@@ -4547,7 +4538,7 @@
               <a:t>02</a:t>
             </a:r>
             <a:r>
-              <a:rPr lang="en-US" sz="1400" b="0" i="0" u="none" dirty="0">
+              <a:rPr lang="en-US" sz="1400" dirty="0">
                 <a:solidFill>
                   <a:srgbClr val="000000"/>
                 </a:solidFill>
@@ -4558,7 +4549,7 @@
               <a:t>4</a:t>
             </a:r>
             <a:r>
-              <a:rPr sz="1400" b="0" i="0" u="none" dirty="0">
+              <a:rPr sz="1400" dirty="0">
                 <a:solidFill>
                   <a:srgbClr val="000000"/>
                 </a:solidFill>
@@ -4612,7 +4603,7 @@
         </p:nvSpPr>
         <p:spPr bwMode="auto">
           <a:xfrm>
-            <a:off x="0" y="0"/>
+            <a:off x="1524000" y="0"/>
             <a:ext cx="9144000" cy="720000"/>
           </a:xfrm>
         </p:spPr>
@@ -4669,14 +4660,14 @@
             <p:ph idx="1"/>
             <p:extLst>
               <p:ext uri="{D42A27DB-BD31-4B8C-83A1-F6EECF244321}">
-                <p14:modId xmlns:p14="http://schemas.microsoft.com/office/powerpoint/2010/main" val="20469817"/>
+                <p14:modId xmlns:p14="http://schemas.microsoft.com/office/powerpoint/2010/main" val="1954761026"/>
               </p:ext>
             </p:extLst>
           </p:nvPr>
         </p:nvGraphicFramePr>
         <p:xfrm>
-          <a:off x="53751" y="1085125"/>
-          <a:ext cx="9036497" cy="4674077"/>
+          <a:off x="335360" y="1085128"/>
+          <a:ext cx="11521280" cy="4674077"/>
         </p:xfrm>
         <a:graphic>
           <a:graphicData uri="http://schemas.openxmlformats.org/drawingml/2006/table">
@@ -4685,28 +4676,28 @@
                 <a:tableStyleId>{3C21AF34-DCD5-8230-C345-7A89F10F8233}</a:tableStyleId>
               </a:tblPr>
               <a:tblGrid>
-                <a:gridCol w="1853953">
+                <a:gridCol w="2363738">
                   <a:extLst>
                     <a:ext uri="{9D8B030D-6E8A-4147-A177-3AD203B41FA5}">
                       <a16:colId xmlns:a16="http://schemas.microsoft.com/office/drawing/2014/main" val="315019223"/>
                     </a:ext>
                   </a:extLst>
                 </a:gridCol>
-                <a:gridCol w="2016224">
+                <a:gridCol w="2570629">
                   <a:extLst>
                     <a:ext uri="{9D8B030D-6E8A-4147-A177-3AD203B41FA5}">
                       <a16:colId xmlns:a16="http://schemas.microsoft.com/office/drawing/2014/main" val="3019649573"/>
                     </a:ext>
                   </a:extLst>
                 </a:gridCol>
-                <a:gridCol w="2088232">
+                <a:gridCol w="2662437">
                   <a:extLst>
                     <a:ext uri="{9D8B030D-6E8A-4147-A177-3AD203B41FA5}">
                       <a16:colId xmlns:a16="http://schemas.microsoft.com/office/drawing/2014/main" val="3064289960"/>
                     </a:ext>
                   </a:extLst>
                 </a:gridCol>
-                <a:gridCol w="3078088">
+                <a:gridCol w="3924476">
                   <a:extLst>
                     <a:ext uri="{9D8B030D-6E8A-4147-A177-3AD203B41FA5}">
                       <a16:colId xmlns:a16="http://schemas.microsoft.com/office/drawing/2014/main" val="2994862689"/>
@@ -5082,12 +5073,12 @@
                     <a:lstStyle/>
                     <a:p>
                       <a:r>
-                        <a:rPr lang="ru-RU" sz="1400">
+                        <a:rPr lang="ru-RU" sz="1400" dirty="0">
                           <a:effectLst/>
                         </a:rPr>
                         <a:t>Ограничения</a:t>
                       </a:r>
-                      <a:endParaRPr lang="en-US" sz="1200">
+                      <a:endParaRPr lang="en-US" sz="1200" dirty="0">
                         <a:effectLst/>
                         <a:latin typeface="Times New Roman" panose="02020603050405020304" pitchFamily="18" charset="0"/>
                         <a:ea typeface="Arial" panose="020B0604020202020204" pitchFamily="34" charset="0"/>
@@ -5422,33 +5413,15 @@
               <a:defRPr/>
             </a:pPr>
             <a:fld id="{CE308FFC-03AD-B5EF-2D4A-AF0B95259C86}" type="slidenum">
-              <a:rPr lang="en-US" sz="1800" smtClean="0"/>
+              <a:rPr lang="en-US" sz="1800"/>
               <a:t>10</a:t>
             </a:fld>
             <a:r>
-              <a:rPr lang="en-US" sz="1800" b="0" i="0" u="none" strike="noStrike" cap="none" spc="0" dirty="0">
-                <a:solidFill>
-                  <a:schemeClr val="tx1">
-                    <a:tint val="75000"/>
-                  </a:schemeClr>
-                </a:solidFill>
-                <a:latin typeface="+mn-lt"/>
-                <a:ea typeface="+mn-ea"/>
-                <a:cs typeface="+mn-cs"/>
-              </a:rPr>
+              <a:rPr lang="en-US" sz="1800" dirty="0"/>
               <a:t>/</a:t>
             </a:r>
             <a:r>
-              <a:rPr lang="ru-RU" sz="1800" b="0" i="0" u="none" strike="noStrike" cap="none" spc="0" dirty="0">
-                <a:solidFill>
-                  <a:schemeClr val="tx1">
-                    <a:tint val="75000"/>
-                  </a:schemeClr>
-                </a:solidFill>
-                <a:latin typeface="+mn-lt"/>
-                <a:ea typeface="+mn-ea"/>
-                <a:cs typeface="+mn-cs"/>
-              </a:rPr>
+              <a:rPr lang="ru-RU" sz="1800" dirty="0"/>
               <a:t>23</a:t>
             </a:r>
             <a:endParaRPr lang="en-US" dirty="0"/>
@@ -5492,7 +5465,7 @@
         </p:nvSpPr>
         <p:spPr bwMode="auto">
           <a:xfrm>
-            <a:off x="0" y="0"/>
+            <a:off x="1524000" y="0"/>
             <a:ext cx="9144000" cy="720000"/>
           </a:xfrm>
         </p:spPr>
@@ -5531,7 +5504,7 @@
         </p:blipFill>
         <p:spPr bwMode="auto">
           <a:xfrm>
-            <a:off x="934025" y="914027"/>
+            <a:off x="2458028" y="914030"/>
             <a:ext cx="7275949" cy="5456961"/>
           </a:xfrm>
           <a:prstGeom prst="rect">
@@ -5566,33 +5539,15 @@
               <a:defRPr/>
             </a:pPr>
             <a:fld id="{EB66A09E-0ECF-E3D6-9B4C-024895BE20D4}" type="slidenum">
-              <a:rPr lang="en-US" sz="1800" smtClean="0"/>
+              <a:rPr lang="en-US" sz="1800"/>
               <a:t>11</a:t>
             </a:fld>
             <a:r>
-              <a:rPr lang="en-US" sz="1800" b="0" i="0" u="none" strike="noStrike" cap="none" spc="0" dirty="0">
-                <a:solidFill>
-                  <a:schemeClr val="tx1">
-                    <a:tint val="75000"/>
-                  </a:schemeClr>
-                </a:solidFill>
-                <a:latin typeface="+mn-lt"/>
-                <a:ea typeface="+mn-ea"/>
-                <a:cs typeface="+mn-cs"/>
-              </a:rPr>
+              <a:rPr lang="en-US" sz="1800" dirty="0"/>
               <a:t>/</a:t>
             </a:r>
             <a:r>
-              <a:rPr lang="ru-RU" sz="1800" b="0" i="0" u="none" strike="noStrike" cap="none" spc="0" dirty="0">
-                <a:solidFill>
-                  <a:schemeClr val="tx1">
-                    <a:tint val="75000"/>
-                  </a:schemeClr>
-                </a:solidFill>
-                <a:latin typeface="+mn-lt"/>
-                <a:ea typeface="+mn-ea"/>
-                <a:cs typeface="+mn-cs"/>
-              </a:rPr>
+              <a:rPr lang="ru-RU" sz="1800" dirty="0"/>
               <a:t>23</a:t>
             </a:r>
             <a:endParaRPr lang="en-US" dirty="0"/>
@@ -5636,7 +5591,7 @@
         </p:nvSpPr>
         <p:spPr bwMode="auto">
           <a:xfrm>
-            <a:off x="0" y="0"/>
+            <a:off x="1524000" y="0"/>
             <a:ext cx="9144000" cy="720000"/>
           </a:xfrm>
         </p:spPr>
@@ -5709,7 +5664,7 @@
         </p:nvSpPr>
         <p:spPr bwMode="auto">
           <a:xfrm>
-            <a:off x="628649" y="720000"/>
+            <a:off x="2152649" y="720003"/>
             <a:ext cx="7886700" cy="5456961"/>
           </a:xfrm>
         </p:spPr>
@@ -5723,10 +5678,7 @@
               <a:buNone/>
               <a:defRPr/>
             </a:pPr>
-            <a:endParaRPr sz="2800" b="0" i="0" u="none" strike="noStrike" cap="none" spc="0" dirty="0">
-              <a:solidFill>
-                <a:schemeClr val="tx1"/>
-              </a:solidFill>
+            <a:endParaRPr dirty="0">
               <a:latin typeface="Times New Roman"/>
               <a:cs typeface="Times New Roman"/>
             </a:endParaRPr>
@@ -5752,33 +5704,15 @@
               <a:defRPr/>
             </a:pPr>
             <a:fld id="{A4E535D7-7A1A-173D-3768-3427A2E45C34}" type="slidenum">
-              <a:rPr lang="en-US" sz="1800" smtClean="0"/>
+              <a:rPr lang="en-US" sz="1800"/>
               <a:t>12</a:t>
             </a:fld>
             <a:r>
-              <a:rPr lang="en-US" sz="1800" b="0" i="0" u="none" strike="noStrike" cap="none" spc="0" dirty="0">
-                <a:solidFill>
-                  <a:schemeClr val="tx1">
-                    <a:tint val="75000"/>
-                  </a:schemeClr>
-                </a:solidFill>
-                <a:latin typeface="+mn-lt"/>
-                <a:ea typeface="+mn-ea"/>
-                <a:cs typeface="+mn-cs"/>
-              </a:rPr>
+              <a:rPr lang="en-US" sz="1800" dirty="0"/>
               <a:t>/</a:t>
             </a:r>
             <a:r>
-              <a:rPr lang="ru-RU" sz="1800" b="0" i="0" u="none" strike="noStrike" cap="none" spc="0" dirty="0">
-                <a:solidFill>
-                  <a:schemeClr val="tx1">
-                    <a:tint val="75000"/>
-                  </a:schemeClr>
-                </a:solidFill>
-                <a:latin typeface="+mn-lt"/>
-                <a:ea typeface="+mn-ea"/>
-                <a:cs typeface="+mn-cs"/>
-              </a:rPr>
+              <a:rPr lang="ru-RU" sz="1800" dirty="0"/>
               <a:t>23</a:t>
             </a:r>
             <a:endParaRPr lang="en-US" dirty="0"/>
@@ -5807,8 +5741,8 @@
         </p:blipFill>
         <p:spPr>
           <a:xfrm>
-            <a:off x="282339" y="1012481"/>
-            <a:ext cx="8579320" cy="5182065"/>
+            <a:off x="1524000" y="684020"/>
+            <a:ext cx="9354111" cy="5650053"/>
           </a:xfrm>
           <a:prstGeom prst="rect">
             <a:avLst/>
@@ -5857,7 +5791,7 @@
         </p:nvSpPr>
         <p:spPr bwMode="auto">
           <a:xfrm>
-            <a:off x="0" y="0"/>
+            <a:off x="1524000" y="0"/>
             <a:ext cx="9144000" cy="720000"/>
           </a:xfrm>
         </p:spPr>
@@ -5942,8 +5876,8 @@
         </p:blipFill>
         <p:spPr bwMode="auto">
           <a:xfrm>
-            <a:off x="33718" y="982535"/>
-            <a:ext cx="8839894" cy="5378933"/>
+            <a:off x="1450595" y="720000"/>
+            <a:ext cx="9290810" cy="5653309"/>
           </a:xfrm>
           <a:ln w="12700">
             <a:solidFill>
@@ -5971,33 +5905,15 @@
               <a:defRPr/>
             </a:pPr>
             <a:fld id="{A4E535D7-7A1A-173D-3768-3427A2E45C34}" type="slidenum">
-              <a:rPr lang="en-US" sz="1800" smtClean="0"/>
+              <a:rPr lang="en-US" sz="1800"/>
               <a:t>13</a:t>
             </a:fld>
             <a:r>
-              <a:rPr lang="en-US" sz="1800" b="0" i="0" u="none" strike="noStrike" cap="none" spc="0" dirty="0">
-                <a:solidFill>
-                  <a:schemeClr val="tx1">
-                    <a:tint val="75000"/>
-                  </a:schemeClr>
-                </a:solidFill>
-                <a:latin typeface="+mn-lt"/>
-                <a:ea typeface="+mn-ea"/>
-                <a:cs typeface="+mn-cs"/>
-              </a:rPr>
+              <a:rPr lang="en-US" sz="1800" dirty="0"/>
               <a:t>/</a:t>
             </a:r>
             <a:r>
-              <a:rPr lang="ru-RU" sz="1800" b="0" i="0" u="none" strike="noStrike" cap="none" spc="0" dirty="0">
-                <a:solidFill>
-                  <a:schemeClr val="tx1">
-                    <a:tint val="75000"/>
-                  </a:schemeClr>
-                </a:solidFill>
-                <a:latin typeface="+mn-lt"/>
-                <a:ea typeface="+mn-ea"/>
-                <a:cs typeface="+mn-cs"/>
-              </a:rPr>
+              <a:rPr lang="ru-RU" sz="1800" dirty="0"/>
               <a:t>23</a:t>
             </a:r>
             <a:endParaRPr lang="en-US" dirty="0"/>
@@ -6046,7 +5962,7 @@
         </p:nvSpPr>
         <p:spPr bwMode="auto">
           <a:xfrm>
-            <a:off x="0" y="0"/>
+            <a:off x="1524000" y="0"/>
             <a:ext cx="9144000" cy="720000"/>
           </a:xfrm>
         </p:spPr>
@@ -6131,9 +6047,14 @@
         </p:blipFill>
         <p:spPr bwMode="auto">
           <a:xfrm>
-            <a:off x="628650" y="1008479"/>
-            <a:ext cx="7886700" cy="4880729"/>
+            <a:off x="1696869" y="815749"/>
+            <a:ext cx="8798261" cy="5444854"/>
           </a:xfrm>
+          <a:ln w="12700">
+            <a:solidFill>
+              <a:schemeClr val="tx1"/>
+            </a:solidFill>
+          </a:ln>
         </p:spPr>
       </p:pic>
       <p:sp>
@@ -6155,33 +6076,15 @@
               <a:defRPr/>
             </a:pPr>
             <a:fld id="{A4E535D7-7A1A-173D-3768-3427A2E45C34}" type="slidenum">
-              <a:rPr lang="en-US" sz="1800" smtClean="0"/>
+              <a:rPr lang="en-US" sz="1800"/>
               <a:t>14</a:t>
             </a:fld>
             <a:r>
-              <a:rPr lang="en-US" sz="1800" b="0" i="0" u="none" strike="noStrike" cap="none" spc="0" dirty="0">
-                <a:solidFill>
-                  <a:schemeClr val="tx1">
-                    <a:tint val="75000"/>
-                  </a:schemeClr>
-                </a:solidFill>
-                <a:latin typeface="+mn-lt"/>
-                <a:ea typeface="+mn-ea"/>
-                <a:cs typeface="+mn-cs"/>
-              </a:rPr>
+              <a:rPr lang="en-US" sz="1800" dirty="0"/>
               <a:t>/</a:t>
             </a:r>
             <a:r>
-              <a:rPr lang="ru-RU" sz="1800" b="0" i="0" u="none" strike="noStrike" cap="none" spc="0" dirty="0">
-                <a:solidFill>
-                  <a:schemeClr val="tx1">
-                    <a:tint val="75000"/>
-                  </a:schemeClr>
-                </a:solidFill>
-                <a:latin typeface="+mn-lt"/>
-                <a:ea typeface="+mn-ea"/>
-                <a:cs typeface="+mn-cs"/>
-              </a:rPr>
+              <a:rPr lang="ru-RU" sz="1800" dirty="0"/>
               <a:t>23</a:t>
             </a:r>
             <a:endParaRPr lang="en-US" dirty="0"/>
@@ -6230,7 +6133,7 @@
         </p:nvSpPr>
         <p:spPr bwMode="auto">
           <a:xfrm>
-            <a:off x="0" y="0"/>
+            <a:off x="1524000" y="0"/>
             <a:ext cx="9144000" cy="1052736"/>
           </a:xfrm>
         </p:spPr>
@@ -6310,33 +6213,15 @@
               <a:defRPr/>
             </a:pPr>
             <a:fld id="{BD3CE672-1586-B4B4-E551-259DC4B15C04}" type="slidenum">
-              <a:rPr lang="en-US" sz="1800" smtClean="0"/>
+              <a:rPr lang="en-US" sz="1800"/>
               <a:t>15</a:t>
             </a:fld>
             <a:r>
-              <a:rPr lang="en-US" sz="1800" b="0" i="0" u="none" strike="noStrike" cap="none" spc="0" dirty="0">
-                <a:solidFill>
-                  <a:schemeClr val="tx1">
-                    <a:tint val="75000"/>
-                  </a:schemeClr>
-                </a:solidFill>
-                <a:latin typeface="+mn-lt"/>
-                <a:ea typeface="+mn-ea"/>
-                <a:cs typeface="+mn-cs"/>
-              </a:rPr>
+              <a:rPr lang="en-US" sz="1800" dirty="0"/>
               <a:t>/</a:t>
             </a:r>
             <a:r>
-              <a:rPr lang="ru-RU" sz="1800" b="0" i="0" u="none" strike="noStrike" cap="none" spc="0" dirty="0">
-                <a:solidFill>
-                  <a:schemeClr val="tx1">
-                    <a:tint val="75000"/>
-                  </a:schemeClr>
-                </a:solidFill>
-                <a:latin typeface="+mn-lt"/>
-                <a:ea typeface="+mn-ea"/>
-                <a:cs typeface="+mn-cs"/>
-              </a:rPr>
+              <a:rPr lang="ru-RU" sz="1800" dirty="0"/>
               <a:t>23</a:t>
             </a:r>
             <a:endParaRPr lang="en-US" dirty="0"/>
@@ -6370,10 +6255,7 @@
               <a:defRPr/>
             </a:pPr>
             <a:r>
-              <a:rPr lang="ru-RU" sz="2800" b="0" i="0" u="none" strike="noStrike" cap="none" spc="0" dirty="0">
-                <a:solidFill>
-                  <a:schemeClr val="tx1"/>
-                </a:solidFill>
+              <a:rPr lang="ru-RU" dirty="0">
                 <a:latin typeface="Times New Roman"/>
                 <a:cs typeface="Times New Roman"/>
               </a:rPr>
@@ -6387,10 +6269,7 @@
               <a:defRPr/>
             </a:pPr>
             <a:r>
-              <a:rPr lang="ru-RU" sz="2800" b="0" i="0" u="none" strike="noStrike" cap="none" spc="0" dirty="0">
-                <a:solidFill>
-                  <a:schemeClr val="tx1"/>
-                </a:solidFill>
+              <a:rPr lang="ru-RU" dirty="0">
                 <a:latin typeface="Times New Roman"/>
                 <a:cs typeface="Times New Roman"/>
               </a:rPr>
@@ -6404,50 +6283,35 @@
               <a:defRPr/>
             </a:pPr>
             <a:r>
-              <a:rPr lang="ru-RU" sz="2800" b="0" i="0" u="none" strike="noStrike" cap="none" spc="0" dirty="0">
-                <a:solidFill>
-                  <a:schemeClr val="tx1"/>
-                </a:solidFill>
+              <a:rPr lang="ru-RU" dirty="0">
                 <a:latin typeface="Times New Roman"/>
                 <a:cs typeface="Times New Roman"/>
               </a:rPr>
               <a:t>Нахождение минимального </a:t>
             </a:r>
             <a:r>
-              <a:rPr lang="ru-RU" sz="2800" b="0" i="0" u="none" strike="noStrike" cap="none" spc="0" dirty="0" err="1">
-                <a:solidFill>
-                  <a:schemeClr val="tx1"/>
-                </a:solidFill>
+              <a:rPr lang="ru-RU" dirty="0" err="1">
                 <a:latin typeface="Times New Roman"/>
                 <a:cs typeface="Times New Roman"/>
               </a:rPr>
               <a:t>остовного</a:t>
             </a:r>
             <a:r>
-              <a:rPr lang="ru-RU" sz="2800" b="0" i="0" u="none" strike="noStrike" cap="none" spc="0" dirty="0">
-                <a:solidFill>
-                  <a:schemeClr val="tx1"/>
-                </a:solidFill>
+              <a:rPr lang="ru-RU" dirty="0">
                 <a:latin typeface="Times New Roman"/>
                 <a:cs typeface="Times New Roman"/>
               </a:rPr>
               <a:t> дерева с использованием алгоритма </a:t>
             </a:r>
             <a:r>
-              <a:rPr lang="ru-RU" sz="2800" b="0" i="0" u="none" strike="noStrike" cap="none" spc="0" dirty="0" err="1">
-                <a:solidFill>
-                  <a:schemeClr val="tx1"/>
-                </a:solidFill>
+              <a:rPr lang="ru-RU" dirty="0" err="1">
                 <a:latin typeface="Times New Roman"/>
                 <a:cs typeface="Times New Roman"/>
               </a:rPr>
               <a:t>Борувки</a:t>
             </a:r>
             <a:r>
-              <a:rPr lang="ru-RU" sz="2800" b="0" i="0" u="none" strike="noStrike" cap="none" spc="0" dirty="0">
-                <a:solidFill>
-                  <a:schemeClr val="tx1"/>
-                </a:solidFill>
+              <a:rPr lang="ru-RU" dirty="0">
                 <a:latin typeface="Times New Roman"/>
                 <a:cs typeface="Times New Roman"/>
               </a:rPr>
@@ -6467,13 +6331,6 @@
               </a:rPr>
               <a:t>Связывание прямоугольных областей.</a:t>
             </a:r>
-            <a:endParaRPr lang="ru-RU" sz="2800" b="0" i="0" u="none" strike="noStrike" cap="none" spc="0" dirty="0">
-              <a:solidFill>
-                <a:schemeClr val="tx1"/>
-              </a:solidFill>
-              <a:latin typeface="Times New Roman"/>
-              <a:cs typeface="Times New Roman"/>
-            </a:endParaRPr>
           </a:p>
           <a:p>
             <a:endParaRPr lang="en-US" dirty="0"/>
@@ -6522,7 +6379,7 @@
         </p:nvSpPr>
         <p:spPr bwMode="auto">
           <a:xfrm>
-            <a:off x="0" y="0"/>
+            <a:off x="1524000" y="0"/>
             <a:ext cx="9144000" cy="1052736"/>
           </a:xfrm>
         </p:spPr>
@@ -6615,33 +6472,15 @@
               <a:defRPr/>
             </a:pPr>
             <a:fld id="{BD3CE672-1586-B4B4-E551-259DC4B15C04}" type="slidenum">
-              <a:rPr lang="en-US" sz="1800" smtClean="0"/>
+              <a:rPr lang="en-US" sz="1800"/>
               <a:t>16</a:t>
             </a:fld>
             <a:r>
-              <a:rPr lang="en-US" sz="1800" b="0" i="0" u="none" strike="noStrike" cap="none" spc="0" dirty="0">
-                <a:solidFill>
-                  <a:schemeClr val="tx1">
-                    <a:tint val="75000"/>
-                  </a:schemeClr>
-                </a:solidFill>
-                <a:latin typeface="+mn-lt"/>
-                <a:ea typeface="+mn-ea"/>
-                <a:cs typeface="+mn-cs"/>
-              </a:rPr>
+              <a:rPr lang="en-US" sz="1800" dirty="0"/>
               <a:t>/</a:t>
             </a:r>
             <a:r>
-              <a:rPr lang="ru-RU" sz="1800" b="0" i="0" u="none" strike="noStrike" cap="none" spc="0" dirty="0">
-                <a:solidFill>
-                  <a:schemeClr val="tx1">
-                    <a:tint val="75000"/>
-                  </a:schemeClr>
-                </a:solidFill>
-                <a:latin typeface="+mn-lt"/>
-                <a:ea typeface="+mn-ea"/>
-                <a:cs typeface="+mn-cs"/>
-              </a:rPr>
+              <a:rPr lang="ru-RU" sz="1800" dirty="0"/>
               <a:t>23</a:t>
             </a:r>
             <a:endParaRPr lang="en-US" dirty="0"/>
@@ -6672,8 +6511,8 @@
         </p:blipFill>
         <p:spPr>
           <a:xfrm>
-            <a:off x="4766207" y="2132856"/>
-            <a:ext cx="4294552" cy="3144225"/>
+            <a:off x="6384032" y="1268760"/>
+            <a:ext cx="5497057" cy="4024630"/>
           </a:xfrm>
           <a:prstGeom prst="rect">
             <a:avLst/>
@@ -6705,8 +6544,8 @@
         </p:blipFill>
         <p:spPr>
           <a:xfrm>
-            <a:off x="83241" y="2132856"/>
-            <a:ext cx="4594419" cy="3144225"/>
+            <a:off x="376849" y="1268760"/>
+            <a:ext cx="5880887" cy="4024629"/>
           </a:xfrm>
           <a:prstGeom prst="rect">
             <a:avLst/>
@@ -6755,7 +6594,7 @@
         </p:nvSpPr>
         <p:spPr bwMode="auto">
           <a:xfrm>
-            <a:off x="0" y="0"/>
+            <a:off x="1524000" y="0"/>
             <a:ext cx="9144000" cy="720000"/>
           </a:xfrm>
         </p:spPr>
@@ -6835,33 +6674,15 @@
               <a:defRPr/>
             </a:pPr>
             <a:fld id="{BD3CE672-1586-B4B4-E551-259DC4B15C04}" type="slidenum">
-              <a:rPr lang="en-US" sz="1800" smtClean="0"/>
+              <a:rPr lang="en-US" sz="1800"/>
               <a:t>17</a:t>
             </a:fld>
             <a:r>
-              <a:rPr lang="en-US" sz="1800" b="0" i="0" u="none" strike="noStrike" cap="none" spc="0" dirty="0">
-                <a:solidFill>
-                  <a:schemeClr val="tx1">
-                    <a:tint val="75000"/>
-                  </a:schemeClr>
-                </a:solidFill>
-                <a:latin typeface="+mn-lt"/>
-                <a:ea typeface="+mn-ea"/>
-                <a:cs typeface="+mn-cs"/>
-              </a:rPr>
+              <a:rPr lang="en-US" sz="1800" dirty="0"/>
               <a:t>/</a:t>
             </a:r>
             <a:r>
-              <a:rPr lang="ru-RU" sz="1800" b="0" i="0" u="none" strike="noStrike" cap="none" spc="0" dirty="0">
-                <a:solidFill>
-                  <a:schemeClr val="tx1">
-                    <a:tint val="75000"/>
-                  </a:schemeClr>
-                </a:solidFill>
-                <a:latin typeface="+mn-lt"/>
-                <a:ea typeface="+mn-ea"/>
-                <a:cs typeface="+mn-cs"/>
-              </a:rPr>
+              <a:rPr lang="ru-RU" sz="1800" dirty="0"/>
               <a:t>23</a:t>
             </a:r>
             <a:endParaRPr lang="en-US" dirty="0"/>
@@ -6892,7 +6713,7 @@
         </p:blipFill>
         <p:spPr>
           <a:xfrm>
-            <a:off x="1285410" y="720000"/>
+            <a:off x="2809410" y="720003"/>
             <a:ext cx="6573180" cy="5745299"/>
           </a:xfrm>
           <a:prstGeom prst="rect">
@@ -6947,7 +6768,7 @@
         </p:nvSpPr>
         <p:spPr bwMode="auto">
           <a:xfrm>
-            <a:off x="0" y="0"/>
+            <a:off x="1524000" y="0"/>
             <a:ext cx="9144000" cy="720000"/>
           </a:xfrm>
         </p:spPr>
@@ -7032,9 +6853,15 @@
         </p:blipFill>
         <p:spPr bwMode="auto">
           <a:xfrm>
-            <a:off x="827584" y="720724"/>
+            <a:off x="2351584" y="720727"/>
             <a:ext cx="7049816" cy="5818581"/>
           </a:xfrm>
+          <a:noFill/>
+          <a:ln w="12700">
+            <a:solidFill>
+              <a:schemeClr val="tx1"/>
+            </a:solidFill>
+          </a:ln>
         </p:spPr>
       </p:pic>
       <p:sp>
@@ -7056,33 +6883,15 @@
               <a:defRPr/>
             </a:pPr>
             <a:fld id="{BD3CE672-1586-B4B4-E551-259DC4B15C04}" type="slidenum">
-              <a:rPr lang="en-US" sz="1800" smtClean="0"/>
+              <a:rPr lang="en-US" sz="1800"/>
               <a:t>18</a:t>
             </a:fld>
             <a:r>
-              <a:rPr lang="en-US" sz="1800" b="0" i="0" u="none" strike="noStrike" cap="none" spc="0" dirty="0">
-                <a:solidFill>
-                  <a:schemeClr val="tx1">
-                    <a:tint val="75000"/>
-                  </a:schemeClr>
-                </a:solidFill>
-                <a:latin typeface="+mn-lt"/>
-                <a:ea typeface="+mn-ea"/>
-                <a:cs typeface="+mn-cs"/>
-              </a:rPr>
+              <a:rPr lang="en-US" sz="1800" dirty="0"/>
               <a:t>/</a:t>
             </a:r>
             <a:r>
-              <a:rPr lang="ru-RU" sz="1800" b="0" i="0" u="none" strike="noStrike" cap="none" spc="0" dirty="0">
-                <a:solidFill>
-                  <a:schemeClr val="tx1">
-                    <a:tint val="75000"/>
-                  </a:schemeClr>
-                </a:solidFill>
-                <a:latin typeface="+mn-lt"/>
-                <a:ea typeface="+mn-ea"/>
-                <a:cs typeface="+mn-cs"/>
-              </a:rPr>
+              <a:rPr lang="ru-RU" sz="1800" dirty="0"/>
               <a:t>23</a:t>
             </a:r>
             <a:endParaRPr lang="en-US" dirty="0"/>
@@ -7131,7 +6940,7 @@
         </p:nvSpPr>
         <p:spPr bwMode="auto">
           <a:xfrm>
-            <a:off x="0" y="0"/>
+            <a:off x="1524000" y="0"/>
             <a:ext cx="9144000" cy="720000"/>
           </a:xfrm>
         </p:spPr>
@@ -7216,7 +7025,7 @@
         </p:blipFill>
         <p:spPr bwMode="auto">
           <a:xfrm>
-            <a:off x="1090490" y="695754"/>
+            <a:off x="2614493" y="695757"/>
             <a:ext cx="6963019" cy="5684843"/>
           </a:xfrm>
           <a:ln w="12700">
@@ -7245,33 +7054,15 @@
               <a:defRPr/>
             </a:pPr>
             <a:fld id="{BD3CE672-1586-B4B4-E551-259DC4B15C04}" type="slidenum">
-              <a:rPr lang="en-US" sz="1800" smtClean="0"/>
+              <a:rPr lang="en-US" sz="1800"/>
               <a:t>19</a:t>
             </a:fld>
             <a:r>
-              <a:rPr lang="en-US" sz="1800" b="0" i="0" u="none" strike="noStrike" cap="none" spc="0" dirty="0">
-                <a:solidFill>
-                  <a:schemeClr val="tx1">
-                    <a:tint val="75000"/>
-                  </a:schemeClr>
-                </a:solidFill>
-                <a:latin typeface="+mn-lt"/>
-                <a:ea typeface="+mn-ea"/>
-                <a:cs typeface="+mn-cs"/>
-              </a:rPr>
+              <a:rPr lang="en-US" sz="1800" dirty="0"/>
               <a:t>/</a:t>
             </a:r>
             <a:r>
-              <a:rPr lang="ru-RU" sz="1800" b="0" i="0" u="none" strike="noStrike" cap="none" spc="0" dirty="0">
-                <a:solidFill>
-                  <a:schemeClr val="tx1">
-                    <a:tint val="75000"/>
-                  </a:schemeClr>
-                </a:solidFill>
-                <a:latin typeface="+mn-lt"/>
-                <a:ea typeface="+mn-ea"/>
-                <a:cs typeface="+mn-cs"/>
-              </a:rPr>
+              <a:rPr lang="ru-RU" sz="1800" dirty="0"/>
               <a:t>23</a:t>
             </a:r>
             <a:endParaRPr lang="en-US" dirty="0"/>
@@ -7320,7 +7111,7 @@
         </p:nvSpPr>
         <p:spPr bwMode="auto">
           <a:xfrm>
-            <a:off x="0" y="0"/>
+            <a:off x="1524000" y="0"/>
             <a:ext cx="9144000" cy="720000"/>
           </a:xfrm>
         </p:spPr>
@@ -7332,10 +7123,7 @@
               <a:defRPr/>
             </a:pPr>
             <a:r>
-              <a:rPr lang="ru-RU" sz="2800" b="1" i="0" u="none" strike="noStrike" cap="none" spc="0">
-                <a:solidFill>
-                  <a:schemeClr val="tx1"/>
-                </a:solidFill>
+              <a:rPr lang="ru-RU" sz="2800" b="1">
                 <a:latin typeface="Times New Roman"/>
                 <a:cs typeface="Times New Roman"/>
               </a:rPr>
@@ -7357,8 +7145,8 @@
         </p:nvSpPr>
         <p:spPr bwMode="auto">
           <a:xfrm>
-            <a:off x="628650" y="720000"/>
-            <a:ext cx="7886700" cy="5456962"/>
+            <a:off x="1055440" y="720000"/>
+            <a:ext cx="10081120" cy="5456962"/>
           </a:xfrm>
         </p:spPr>
         <p:txBody>
@@ -7368,7 +7156,6 @@
           <a:lstStyle/>
           <a:p>
             <a:pPr marL="0" indent="0">
-              <a:buFont typeface="Arial"/>
               <a:buNone/>
               <a:defRPr/>
             </a:pPr>
@@ -7386,19 +7173,28 @@
           </a:p>
           <a:p>
             <a:pPr marL="0" indent="0">
-              <a:buFont typeface="Arial"/>
               <a:buNone/>
               <a:defRPr/>
             </a:pPr>
             <a:r>
-              <a:rPr lang="ru-RU" sz="2800" b="0" i="0" u="none" strike="noStrike" cap="none" spc="0" dirty="0">
-                <a:solidFill>
-                  <a:schemeClr val="tx1"/>
-                </a:solidFill>
+              <a:rPr lang="ru-RU" dirty="0">
                 <a:latin typeface="Times New Roman"/>
                 <a:cs typeface="Times New Roman"/>
               </a:rPr>
               <a:t>Разработка настольного приложения для расчета маршрута сельскохозяйственного дрона по имеющимся характеристикам</a:t>
+            </a:r>
+          </a:p>
+          <a:p>
+            <a:pPr marL="0" indent="0">
+              <a:buNone/>
+              <a:defRPr/>
+            </a:pPr>
+            <a:r>
+              <a:rPr lang="ru-RU" b="1" dirty="0">
+                <a:latin typeface="Times New Roman"/>
+                <a:cs typeface="Times New Roman"/>
+              </a:rPr>
+              <a:t>Задачи:</a:t>
             </a:r>
             <a:endParaRPr lang="ru-RU" dirty="0">
               <a:latin typeface="Times New Roman"/>
@@ -7406,34 +7202,13 @@
             </a:endParaRPr>
           </a:p>
           <a:p>
-            <a:pPr marL="0" indent="0">
-              <a:buFont typeface="Arial"/>
-              <a:buNone/>
-              <a:defRPr/>
-            </a:pPr>
-            <a:r>
-              <a:rPr lang="ru-RU" b="1" dirty="0">
-                <a:latin typeface="Times New Roman"/>
-                <a:cs typeface="Times New Roman"/>
-              </a:rPr>
-              <a:t>Задачи:</a:t>
-            </a:r>
-            <a:endParaRPr lang="ru-RU" dirty="0">
-              <a:latin typeface="Times New Roman"/>
-              <a:cs typeface="Times New Roman"/>
-            </a:endParaRPr>
-          </a:p>
-          <a:p>
             <a:pPr marL="394022" indent="-394022">
               <a:buFont typeface="Arial"/>
               <a:buAutoNum type="arabicPeriod"/>
               <a:defRPr/>
             </a:pPr>
             <a:r>
-              <a:rPr lang="ru-RU" sz="2800" b="0" i="0" u="none" strike="noStrike" cap="none" spc="0" dirty="0">
-                <a:solidFill>
-                  <a:schemeClr val="tx1"/>
-                </a:solidFill>
+              <a:rPr lang="ru-RU" dirty="0">
                 <a:latin typeface="Times New Roman"/>
                 <a:cs typeface="Times New Roman"/>
               </a:rPr>
@@ -7447,10 +7222,7 @@
               <a:defRPr/>
             </a:pPr>
             <a:r>
-              <a:rPr lang="ru-RU" sz="2800" b="0" i="0" u="none" strike="noStrike" cap="none" spc="0" dirty="0">
-                <a:solidFill>
-                  <a:schemeClr val="tx1"/>
-                </a:solidFill>
+              <a:rPr lang="ru-RU" dirty="0">
                 <a:latin typeface="Times New Roman"/>
                 <a:cs typeface="Times New Roman"/>
               </a:rPr>
@@ -7468,17 +7240,7 @@
                 <a:latin typeface="Times New Roman"/>
                 <a:cs typeface="Times New Roman"/>
               </a:rPr>
-              <a:t>О</a:t>
-            </a:r>
-            <a:r>
-              <a:rPr lang="ru-RU" sz="2800" b="0" i="0" u="none" strike="noStrike" cap="none" spc="0" dirty="0">
-                <a:solidFill>
-                  <a:schemeClr val="tx1"/>
-                </a:solidFill>
-                <a:latin typeface="Times New Roman"/>
-                <a:cs typeface="Times New Roman"/>
-              </a:rPr>
-              <a:t>писать алгоритмы, использующиеся в системе.</a:t>
+              <a:t>Описать алгоритмы, использующиеся в системе.</a:t>
             </a:r>
           </a:p>
           <a:p>
@@ -7492,17 +7254,7 @@
                 <a:latin typeface="Times New Roman"/>
                 <a:cs typeface="Times New Roman"/>
               </a:rPr>
-              <a:t>В</a:t>
-            </a:r>
-            <a:r>
-              <a:rPr lang="ru-RU" sz="2800" b="0" i="0" u="none" strike="noStrike" cap="none" spc="0" dirty="0">
-                <a:solidFill>
-                  <a:schemeClr val="tx1"/>
-                </a:solidFill>
-                <a:latin typeface="Times New Roman"/>
-                <a:cs typeface="Times New Roman"/>
-              </a:rPr>
-              <a:t>ыполнить реализацию приложения.</a:t>
+              <a:t>Выполнить реализацию приложения.</a:t>
             </a:r>
           </a:p>
           <a:p>
@@ -7512,10 +7264,7 @@
               <a:defRPr/>
             </a:pPr>
             <a:r>
-              <a:rPr lang="ru-RU" sz="2800" b="0" i="0" u="none" strike="noStrike" cap="none" spc="0" dirty="0">
-                <a:solidFill>
-                  <a:schemeClr val="tx1"/>
-                </a:solidFill>
+              <a:rPr lang="ru-RU" dirty="0">
                 <a:latin typeface="Times New Roman"/>
                 <a:cs typeface="Times New Roman"/>
               </a:rPr>
@@ -7543,7 +7292,7 @@
               <a:defRPr/>
             </a:pPr>
             <a:fld id="{53D89D74-5DA3-1BA4-C7D7-A7772828CF40}" type="slidenum">
-              <a:rPr lang="en-US" sz="1800" smtClean="0"/>
+              <a:rPr lang="en-US" sz="1800"/>
               <a:t>2</a:t>
             </a:fld>
             <a:r>
@@ -7595,7 +7344,7 @@
         </p:nvSpPr>
         <p:spPr bwMode="auto">
           <a:xfrm>
-            <a:off x="0" y="0"/>
+            <a:off x="1524000" y="0"/>
             <a:ext cx="9144000" cy="720000"/>
           </a:xfrm>
         </p:spPr>
@@ -7628,7 +7377,7 @@
         </p:nvSpPr>
         <p:spPr bwMode="auto">
           <a:xfrm>
-            <a:off x="628649" y="720000"/>
+            <a:off x="2152649" y="720003"/>
             <a:ext cx="7886700" cy="5456961"/>
           </a:xfrm>
         </p:spPr>
@@ -7639,7 +7388,6 @@
           <a:lstStyle/>
           <a:p>
             <a:pPr marL="0" indent="0">
-              <a:buFont typeface="Arial"/>
               <a:buNone/>
               <a:defRPr/>
             </a:pPr>
@@ -7666,33 +7414,15 @@
               <a:defRPr/>
             </a:pPr>
             <a:fld id="{FA49A1D0-2772-5FCD-F989-23B91C0B2D29}" type="slidenum">
-              <a:rPr lang="en-US" sz="1800" smtClean="0"/>
+              <a:rPr lang="en-US" sz="1800"/>
               <a:t>20</a:t>
             </a:fld>
             <a:r>
-              <a:rPr lang="en-US" sz="1800" b="0" i="0" u="none" strike="noStrike" cap="none" spc="0" dirty="0">
-                <a:solidFill>
-                  <a:schemeClr val="tx1">
-                    <a:tint val="75000"/>
-                  </a:schemeClr>
-                </a:solidFill>
-                <a:latin typeface="+mn-lt"/>
-                <a:ea typeface="+mn-ea"/>
-                <a:cs typeface="+mn-cs"/>
-              </a:rPr>
+              <a:rPr lang="en-US" sz="1800" dirty="0"/>
               <a:t>/</a:t>
             </a:r>
             <a:r>
-              <a:rPr lang="ru-RU" sz="1800" b="0" i="0" u="none" strike="noStrike" cap="none" spc="0" dirty="0">
-                <a:solidFill>
-                  <a:schemeClr val="tx1">
-                    <a:tint val="75000"/>
-                  </a:schemeClr>
-                </a:solidFill>
-                <a:latin typeface="+mn-lt"/>
-                <a:ea typeface="+mn-ea"/>
-                <a:cs typeface="+mn-cs"/>
-              </a:rPr>
+              <a:rPr lang="ru-RU" sz="1800" dirty="0"/>
               <a:t>23</a:t>
             </a:r>
             <a:endParaRPr lang="en-US" dirty="0"/>
@@ -7721,8 +7451,8 @@
         </p:blipFill>
         <p:spPr>
           <a:xfrm>
-            <a:off x="113415" y="1124744"/>
-            <a:ext cx="8917169" cy="4876577"/>
+            <a:off x="1094401" y="667498"/>
+            <a:ext cx="10003198" cy="5470499"/>
           </a:xfrm>
           <a:prstGeom prst="rect">
             <a:avLst/>
@@ -7771,7 +7501,7 @@
         </p:nvSpPr>
         <p:spPr bwMode="auto">
           <a:xfrm>
-            <a:off x="0" y="0"/>
+            <a:off x="1524000" y="0"/>
             <a:ext cx="9144000" cy="720000"/>
           </a:xfrm>
         </p:spPr>
@@ -7804,8 +7534,8 @@
         </p:nvSpPr>
         <p:spPr bwMode="auto">
           <a:xfrm>
-            <a:off x="628649" y="720000"/>
-            <a:ext cx="7886700" cy="5456961"/>
+            <a:off x="1055440" y="720003"/>
+            <a:ext cx="8983909" cy="5456961"/>
           </a:xfrm>
         </p:spPr>
         <p:txBody>
@@ -7815,7 +7545,6 @@
           <a:lstStyle/>
           <a:p>
             <a:pPr marL="0" indent="0">
-              <a:buFont typeface="Arial"/>
               <a:buNone/>
               <a:defRPr/>
             </a:pPr>
@@ -7824,44 +7553,24 @@
                 <a:latin typeface="Times New Roman"/>
                 <a:cs typeface="Times New Roman"/>
               </a:rPr>
-              <a:t>Проведено 14 </a:t>
-            </a:r>
-            <a:r>
-              <a:rPr lang="ru-RU" sz="2800" b="0" i="0" u="none" strike="noStrike" cap="none" spc="0" dirty="0">
-                <a:solidFill>
-                  <a:schemeClr val="tx1"/>
-                </a:solidFill>
-                <a:latin typeface="Times New Roman"/>
-                <a:ea typeface="+mn-ea"/>
-                <a:cs typeface="Times New Roman"/>
-              </a:rPr>
-              <a:t> функциональных </a:t>
-            </a:r>
+              <a:t>Проведено 14  функциональных  тестов системы.</a:t>
+            </a:r>
+          </a:p>
+          <a:p>
+            <a:pPr marL="0" indent="0">
+              <a:buNone/>
+              <a:defRPr/>
+            </a:pPr>
             <a:r>
               <a:rPr lang="ru-RU" dirty="0">
                 <a:latin typeface="Times New Roman"/>
                 <a:cs typeface="Times New Roman"/>
               </a:rPr>
-              <a:t> тестов системы.</a:t>
+              <a:t>Все тесты пройдены.</a:t>
             </a:r>
           </a:p>
           <a:p>
             <a:pPr marL="0" indent="0">
-              <a:buFont typeface="Arial"/>
-              <a:buNone/>
-              <a:defRPr/>
-            </a:pPr>
-            <a:r>
-              <a:rPr lang="ru-RU" dirty="0">
-                <a:latin typeface="Times New Roman"/>
-                <a:cs typeface="Times New Roman"/>
-              </a:rPr>
-              <a:t>Все тесты пройдены.</a:t>
-            </a:r>
-          </a:p>
-          <a:p>
-            <a:pPr marL="0" indent="0">
-              <a:buFont typeface="Arial"/>
               <a:buNone/>
               <a:defRPr/>
             </a:pPr>
@@ -7872,7 +7581,6 @@
           </a:p>
           <a:p>
             <a:pPr marL="0" indent="0">
-              <a:buFont typeface="Arial"/>
               <a:buNone/>
               <a:defRPr/>
             </a:pPr>
@@ -7895,23 +7603,10 @@
                 <a:latin typeface="Times New Roman"/>
                 <a:cs typeface="Times New Roman"/>
               </a:rPr>
-              <a:t> </a:t>
-            </a:r>
-            <a:r>
-              <a:rPr lang="ru-RU" sz="2800" b="0" i="0" u="none" strike="noStrike" cap="none" spc="0" dirty="0">
-                <a:solidFill>
-                  <a:schemeClr val="tx1"/>
-                </a:solidFill>
-                <a:latin typeface="Times New Roman"/>
-                <a:cs typeface="Times New Roman"/>
-              </a:rPr>
-              <a:t>«Редактирование камеры»</a:t>
-            </a:r>
-            <a:r>
-              <a:rPr lang="en-US" sz="2800" b="0" i="0" u="none" strike="noStrike" cap="none" spc="0" dirty="0">
-                <a:solidFill>
-                  <a:schemeClr val="tx1"/>
-                </a:solidFill>
+              <a:t> «Редактирование камеры»</a:t>
+            </a:r>
+            <a:r>
+              <a:rPr lang="en-US" dirty="0">
                 <a:latin typeface="Times New Roman"/>
                 <a:cs typeface="Times New Roman"/>
               </a:rPr>
@@ -7929,29 +7624,20 @@
               <a:defRPr/>
             </a:pPr>
             <a:r>
-              <a:rPr lang="ru-RU" sz="2800" b="0" i="0" u="none" strike="noStrike" cap="none" spc="0" dirty="0">
-                <a:solidFill>
-                  <a:schemeClr val="tx1"/>
-                </a:solidFill>
+              <a:rPr lang="ru-RU" dirty="0">
                 <a:latin typeface="Times New Roman"/>
                 <a:cs typeface="Times New Roman"/>
               </a:rPr>
               <a:t>выбрать камеру</a:t>
             </a:r>
             <a:r>
-              <a:rPr lang="en-US" sz="2800" b="0" i="0" u="none" strike="noStrike" cap="none" spc="0" dirty="0">
-                <a:solidFill>
-                  <a:schemeClr val="tx1"/>
-                </a:solidFill>
+              <a:rPr lang="en-US" dirty="0">
                 <a:latin typeface="Times New Roman"/>
                 <a:cs typeface="Times New Roman"/>
               </a:rPr>
               <a:t>;</a:t>
             </a:r>
-            <a:endParaRPr lang="ru-RU" sz="2800" b="0" i="0" u="none" strike="noStrike" cap="none" spc="0" dirty="0">
-              <a:solidFill>
-                <a:schemeClr val="tx1"/>
-              </a:solidFill>
+            <a:endParaRPr lang="ru-RU" dirty="0">
               <a:latin typeface="Times New Roman"/>
               <a:cs typeface="Times New Roman"/>
             </a:endParaRPr>
@@ -7963,29 +7649,20 @@
               <a:defRPr/>
             </a:pPr>
             <a:r>
-              <a:rPr lang="ru-RU" sz="2800" b="0" i="0" u="none" strike="noStrike" cap="none" spc="0" dirty="0">
-                <a:solidFill>
-                  <a:schemeClr val="tx1"/>
-                </a:solidFill>
+              <a:rPr lang="ru-RU" dirty="0">
                 <a:latin typeface="Times New Roman"/>
                 <a:cs typeface="Times New Roman"/>
               </a:rPr>
               <a:t>включить режим редактирования</a:t>
             </a:r>
             <a:r>
-              <a:rPr lang="en-US" sz="2800" b="0" i="0" u="none" strike="noStrike" cap="none" spc="0" dirty="0">
-                <a:solidFill>
-                  <a:schemeClr val="tx1"/>
-                </a:solidFill>
+              <a:rPr lang="en-US" dirty="0">
                 <a:latin typeface="Times New Roman"/>
                 <a:cs typeface="Times New Roman"/>
               </a:rPr>
               <a:t>;</a:t>
             </a:r>
-            <a:endParaRPr lang="ru-RU" sz="2800" b="0" i="0" u="none" strike="noStrike" cap="none" spc="0" dirty="0">
-              <a:solidFill>
-                <a:schemeClr val="tx1"/>
-              </a:solidFill>
+            <a:endParaRPr lang="ru-RU" dirty="0">
               <a:latin typeface="Times New Roman"/>
               <a:cs typeface="Times New Roman"/>
             </a:endParaRPr>
@@ -7997,29 +7674,20 @@
               <a:defRPr/>
             </a:pPr>
             <a:r>
-              <a:rPr lang="ru-RU" sz="2800" b="0" i="0" u="none" strike="noStrike" cap="none" spc="0" dirty="0">
-                <a:solidFill>
-                  <a:schemeClr val="tx1"/>
-                </a:solidFill>
+              <a:rPr lang="ru-RU" dirty="0">
                 <a:latin typeface="Times New Roman"/>
                 <a:cs typeface="Times New Roman"/>
               </a:rPr>
               <a:t>изменить параметры камеры</a:t>
             </a:r>
             <a:r>
-              <a:rPr lang="en-US" sz="2800" b="0" i="0" u="none" strike="noStrike" cap="none" spc="0" dirty="0">
-                <a:solidFill>
-                  <a:schemeClr val="tx1"/>
-                </a:solidFill>
+              <a:rPr lang="en-US" dirty="0">
                 <a:latin typeface="Times New Roman"/>
                 <a:cs typeface="Times New Roman"/>
               </a:rPr>
               <a:t>;</a:t>
             </a:r>
-            <a:endParaRPr lang="ru-RU" sz="2800" b="0" i="0" u="none" strike="noStrike" cap="none" spc="0" dirty="0">
-              <a:solidFill>
-                <a:schemeClr val="tx1"/>
-              </a:solidFill>
+            <a:endParaRPr lang="ru-RU" dirty="0">
               <a:latin typeface="Times New Roman"/>
               <a:cs typeface="Times New Roman"/>
             </a:endParaRPr>
@@ -8031,20 +7699,14 @@
               <a:defRPr/>
             </a:pPr>
             <a:r>
-              <a:rPr lang="ru-RU" sz="2800" b="0" i="0" u="none" strike="noStrike" cap="none" spc="0" dirty="0">
-                <a:solidFill>
-                  <a:schemeClr val="tx1"/>
-                </a:solidFill>
+              <a:rPr lang="ru-RU" dirty="0">
                 <a:latin typeface="Times New Roman"/>
                 <a:cs typeface="Times New Roman"/>
               </a:rPr>
               <a:t>нажать кнопку "Update"</a:t>
             </a:r>
             <a:r>
-              <a:rPr lang="en-US" sz="2800" b="0" i="0" u="none" strike="noStrike" cap="none" spc="0" dirty="0">
-                <a:solidFill>
-                  <a:schemeClr val="tx1"/>
-                </a:solidFill>
+              <a:rPr lang="en-US" dirty="0">
                 <a:latin typeface="Times New Roman"/>
                 <a:cs typeface="Times New Roman"/>
               </a:rPr>
@@ -8054,7 +7716,6 @@
           </a:p>
           <a:p>
             <a:pPr marL="0" indent="0">
-              <a:buFont typeface="Arial"/>
               <a:buNone/>
               <a:defRPr/>
             </a:pPr>
@@ -8083,7 +7744,7 @@
         </p:blipFill>
         <p:spPr bwMode="auto">
           <a:xfrm>
-            <a:off x="6412747" y="1529193"/>
+            <a:off x="9172618" y="1404690"/>
             <a:ext cx="2397013" cy="3838574"/>
           </a:xfrm>
           <a:prstGeom prst="rect">
@@ -8112,7 +7773,7 @@
         </p:blipFill>
         <p:spPr bwMode="auto">
           <a:xfrm>
-            <a:off x="854610" y="5412733"/>
+            <a:off x="2351584" y="5666189"/>
             <a:ext cx="7200048" cy="943616"/>
           </a:xfrm>
           <a:prstGeom prst="rect">
@@ -8139,33 +7800,15 @@
               <a:defRPr/>
             </a:pPr>
             <a:fld id="{03CDDEA2-1D71-2E53-A941-EFB182208E41}" type="slidenum">
-              <a:rPr lang="en-US" sz="1800" smtClean="0"/>
+              <a:rPr lang="en-US" sz="1800"/>
               <a:t>21</a:t>
             </a:fld>
             <a:r>
-              <a:rPr lang="en-US" sz="1800" b="0" i="0" u="none" strike="noStrike" cap="none" spc="0" dirty="0">
-                <a:solidFill>
-                  <a:schemeClr val="tx1">
-                    <a:tint val="75000"/>
-                  </a:schemeClr>
-                </a:solidFill>
-                <a:latin typeface="+mn-lt"/>
-                <a:ea typeface="+mn-ea"/>
-                <a:cs typeface="+mn-cs"/>
-              </a:rPr>
+              <a:rPr lang="en-US" sz="1800" dirty="0"/>
               <a:t>/</a:t>
             </a:r>
             <a:r>
-              <a:rPr lang="ru-RU" sz="1800" b="0" i="0" u="none" strike="noStrike" cap="none" spc="0" dirty="0">
-                <a:solidFill>
-                  <a:schemeClr val="tx1">
-                    <a:tint val="75000"/>
-                  </a:schemeClr>
-                </a:solidFill>
-                <a:latin typeface="+mn-lt"/>
-                <a:ea typeface="+mn-ea"/>
-                <a:cs typeface="+mn-cs"/>
-              </a:rPr>
+              <a:rPr lang="ru-RU" sz="1800" dirty="0"/>
               <a:t>23</a:t>
             </a:r>
             <a:endParaRPr lang="en-US" dirty="0"/>
@@ -8209,7 +7852,7 @@
         </p:nvSpPr>
         <p:spPr bwMode="auto">
           <a:xfrm>
-            <a:off x="0" y="0"/>
+            <a:off x="1524000" y="0"/>
             <a:ext cx="9144000" cy="720000"/>
           </a:xfrm>
         </p:spPr>
@@ -8246,8 +7889,8 @@
         </p:nvSpPr>
         <p:spPr bwMode="auto">
           <a:xfrm>
-            <a:off x="628650" y="1124744"/>
-            <a:ext cx="7886700" cy="5052218"/>
+            <a:off x="1055440" y="1124744"/>
+            <a:ext cx="10081120" cy="5052218"/>
           </a:xfrm>
         </p:spPr>
         <p:txBody>
@@ -8264,169 +7907,146 @@
               <a:defRPr/>
             </a:pPr>
             <a:r>
-              <a:rPr lang="en-US" sz="2000" dirty="0" err="1">
-                <a:effectLst/>
+              <a:rPr lang="en-US" dirty="0" err="1">
                 <a:latin typeface="Times New Roman" panose="02020603050405020304" pitchFamily="18" charset="0"/>
                 <a:ea typeface="Arial" panose="020B0604020202020204" pitchFamily="34" charset="0"/>
               </a:rPr>
               <a:t>Makarovskikh</a:t>
             </a:r>
             <a:r>
-              <a:rPr lang="en-US" sz="2000" dirty="0">
-                <a:effectLst/>
+              <a:rPr lang="en-US" dirty="0">
                 <a:latin typeface="Times New Roman" panose="02020603050405020304" pitchFamily="18" charset="0"/>
                 <a:ea typeface="Arial" panose="020B0604020202020204" pitchFamily="34" charset="0"/>
               </a:rPr>
               <a:t> T., </a:t>
             </a:r>
             <a:r>
-              <a:rPr lang="en-US" sz="2000" dirty="0" err="1">
-                <a:effectLst/>
+              <a:rPr lang="en-US" dirty="0" err="1">
                 <a:latin typeface="Times New Roman" panose="02020603050405020304" pitchFamily="18" charset="0"/>
                 <a:ea typeface="Arial" panose="020B0604020202020204" pitchFamily="34" charset="0"/>
               </a:rPr>
               <a:t>Panyukov</a:t>
             </a:r>
             <a:r>
-              <a:rPr lang="en-US" sz="2000" dirty="0">
-                <a:effectLst/>
+              <a:rPr lang="en-US" dirty="0">
                 <a:latin typeface="Times New Roman" panose="02020603050405020304" pitchFamily="18" charset="0"/>
                 <a:ea typeface="Arial" panose="020B0604020202020204" pitchFamily="34" charset="0"/>
               </a:rPr>
               <a:t> A., </a:t>
             </a:r>
             <a:r>
-              <a:rPr lang="en-US" sz="2000" dirty="0" err="1">
-                <a:effectLst/>
+              <a:rPr lang="en-US" dirty="0" err="1">
                 <a:latin typeface="Times New Roman" panose="02020603050405020304" pitchFamily="18" charset="0"/>
                 <a:ea typeface="Arial" panose="020B0604020202020204" pitchFamily="34" charset="0"/>
               </a:rPr>
               <a:t>Abotaleb</a:t>
             </a:r>
             <a:r>
-              <a:rPr lang="en-US" sz="2000" dirty="0">
-                <a:effectLst/>
+              <a:rPr lang="en-US" dirty="0">
                 <a:latin typeface="Times New Roman" panose="02020603050405020304" pitchFamily="18" charset="0"/>
                 <a:ea typeface="Arial" panose="020B0604020202020204" pitchFamily="34" charset="0"/>
               </a:rPr>
               <a:t> M., </a:t>
             </a:r>
             <a:r>
-              <a:rPr lang="en-US" sz="2000" dirty="0" err="1">
-                <a:effectLst/>
+              <a:rPr lang="en-US" dirty="0" err="1">
                 <a:latin typeface="Times New Roman" panose="02020603050405020304" pitchFamily="18" charset="0"/>
                 <a:ea typeface="Arial" panose="020B0604020202020204" pitchFamily="34" charset="0"/>
               </a:rPr>
               <a:t>Maksimova</a:t>
             </a:r>
             <a:r>
-              <a:rPr lang="en-US" sz="2000" dirty="0">
-                <a:effectLst/>
+              <a:rPr lang="en-US" dirty="0">
                 <a:latin typeface="Times New Roman" panose="02020603050405020304" pitchFamily="18" charset="0"/>
                 <a:ea typeface="Arial" panose="020B0604020202020204" pitchFamily="34" charset="0"/>
               </a:rPr>
               <a:t> V., </a:t>
             </a:r>
             <a:r>
-              <a:rPr lang="en-US" sz="2000" dirty="0" err="1">
-                <a:effectLst/>
+              <a:rPr lang="en-US" dirty="0" err="1">
                 <a:latin typeface="Times New Roman" panose="02020603050405020304" pitchFamily="18" charset="0"/>
                 <a:ea typeface="Arial" panose="020B0604020202020204" pitchFamily="34" charset="0"/>
               </a:rPr>
               <a:t>Dernova</a:t>
             </a:r>
             <a:r>
-              <a:rPr lang="en-US" sz="2000" dirty="0">
-                <a:effectLst/>
+              <a:rPr lang="en-US" dirty="0">
                 <a:latin typeface="Times New Roman" panose="02020603050405020304" pitchFamily="18" charset="0"/>
                 <a:ea typeface="Arial" panose="020B0604020202020204" pitchFamily="34" charset="0"/>
               </a:rPr>
               <a:t> O., </a:t>
             </a:r>
             <a:r>
-              <a:rPr lang="en-US" sz="2000" dirty="0" err="1">
-                <a:effectLst/>
+              <a:rPr lang="en-US" dirty="0" err="1">
                 <a:latin typeface="Times New Roman" panose="02020603050405020304" pitchFamily="18" charset="0"/>
                 <a:ea typeface="Arial" panose="020B0604020202020204" pitchFamily="34" charset="0"/>
               </a:rPr>
               <a:t>Raschupkin</a:t>
             </a:r>
             <a:r>
-              <a:rPr lang="en-US" sz="2000" dirty="0">
-                <a:effectLst/>
+              <a:rPr lang="en-US" dirty="0">
                 <a:latin typeface="Times New Roman" panose="02020603050405020304" pitchFamily="18" charset="0"/>
                 <a:ea typeface="Arial" panose="020B0604020202020204" pitchFamily="34" charset="0"/>
               </a:rPr>
               <a:t> E. Optimal Route for Drone for Monitoring of Crop Yields. // </a:t>
             </a:r>
             <a:r>
-              <a:rPr lang="en-US" sz="2000" dirty="0" err="1">
-                <a:effectLst/>
+              <a:rPr lang="en-US" dirty="0" err="1">
                 <a:latin typeface="Times New Roman" panose="02020603050405020304" pitchFamily="18" charset="0"/>
                 <a:ea typeface="Arial" panose="020B0604020202020204" pitchFamily="34" charset="0"/>
               </a:rPr>
               <a:t>Olenev</a:t>
             </a:r>
             <a:r>
-              <a:rPr lang="en-US" sz="2000" dirty="0">
-                <a:effectLst/>
+              <a:rPr lang="en-US" dirty="0">
                 <a:latin typeface="Times New Roman" panose="02020603050405020304" pitchFamily="18" charset="0"/>
                 <a:ea typeface="Arial" panose="020B0604020202020204" pitchFamily="34" charset="0"/>
               </a:rPr>
               <a:t>, N., Evtushenko, Y., </a:t>
             </a:r>
             <a:r>
-              <a:rPr lang="en-US" sz="2000" dirty="0" err="1">
-                <a:effectLst/>
+              <a:rPr lang="en-US" dirty="0" err="1">
                 <a:latin typeface="Times New Roman" panose="02020603050405020304" pitchFamily="18" charset="0"/>
                 <a:ea typeface="Arial" panose="020B0604020202020204" pitchFamily="34" charset="0"/>
               </a:rPr>
               <a:t>Jaćimović</a:t>
             </a:r>
             <a:r>
-              <a:rPr lang="en-US" sz="2000" dirty="0">
-                <a:effectLst/>
+              <a:rPr lang="en-US" dirty="0">
                 <a:latin typeface="Times New Roman" panose="02020603050405020304" pitchFamily="18" charset="0"/>
                 <a:ea typeface="Arial" panose="020B0604020202020204" pitchFamily="34" charset="0"/>
               </a:rPr>
               <a:t>, M., </a:t>
             </a:r>
             <a:r>
-              <a:rPr lang="en-US" sz="2000" dirty="0" err="1">
-                <a:effectLst/>
+              <a:rPr lang="en-US" dirty="0" err="1">
                 <a:latin typeface="Times New Roman" panose="02020603050405020304" pitchFamily="18" charset="0"/>
                 <a:ea typeface="Arial" panose="020B0604020202020204" pitchFamily="34" charset="0"/>
               </a:rPr>
               <a:t>Khachay</a:t>
             </a:r>
             <a:r>
-              <a:rPr lang="en-US" sz="2000" dirty="0">
-                <a:effectLst/>
+              <a:rPr lang="en-US" dirty="0">
                 <a:latin typeface="Times New Roman" panose="02020603050405020304" pitchFamily="18" charset="0"/>
                 <a:ea typeface="Arial" panose="020B0604020202020204" pitchFamily="34" charset="0"/>
               </a:rPr>
               <a:t>, M., </a:t>
             </a:r>
             <a:r>
-              <a:rPr lang="en-US" sz="2000" dirty="0" err="1">
-                <a:effectLst/>
+              <a:rPr lang="en-US" dirty="0" err="1">
                 <a:latin typeface="Times New Roman" panose="02020603050405020304" pitchFamily="18" charset="0"/>
                 <a:ea typeface="Arial" panose="020B0604020202020204" pitchFamily="34" charset="0"/>
               </a:rPr>
               <a:t>Malkova</a:t>
             </a:r>
             <a:r>
-              <a:rPr lang="en-US" sz="2000" dirty="0">
-                <a:effectLst/>
+              <a:rPr lang="en-US" dirty="0">
                 <a:latin typeface="Times New Roman" panose="02020603050405020304" pitchFamily="18" charset="0"/>
                 <a:ea typeface="Arial" panose="020B0604020202020204" pitchFamily="34" charset="0"/>
               </a:rPr>
               <a:t>, V. (eds) Advances in Optimization and Applications. OPTIMA 2023. Communications in Computer and Information Science, Springer, Cham, 2023. – №1913. – 228–240 pp. </a:t>
             </a:r>
-            <a:endParaRPr lang="ru-RU" sz="3200" b="0" i="0" u="none" strike="noStrike" cap="none" spc="0" dirty="0">
-              <a:solidFill>
-                <a:schemeClr val="tx1"/>
-              </a:solidFill>
+            <a:endParaRPr lang="ru-RU" sz="4000" dirty="0">
               <a:latin typeface="Times New Roman"/>
               <a:ea typeface="Times New Roman"/>
               <a:cs typeface="Times New Roman"/>
@@ -8453,33 +8073,15 @@
               <a:defRPr/>
             </a:pPr>
             <a:fld id="{8365D347-7BD2-0CFA-DCFD-4D31553BC644}" type="slidenum">
-              <a:rPr lang="en-US" sz="1800" smtClean="0"/>
+              <a:rPr lang="en-US" sz="1800"/>
               <a:t>22</a:t>
             </a:fld>
             <a:r>
-              <a:rPr lang="en-US" sz="1800" b="0" i="0" u="none" strike="noStrike" cap="none" spc="0" dirty="0">
-                <a:solidFill>
-                  <a:schemeClr val="tx1">
-                    <a:tint val="75000"/>
-                  </a:schemeClr>
-                </a:solidFill>
-                <a:latin typeface="+mn-lt"/>
-                <a:ea typeface="+mn-ea"/>
-                <a:cs typeface="+mn-cs"/>
-              </a:rPr>
+              <a:rPr lang="en-US" sz="1800" dirty="0"/>
               <a:t>/</a:t>
             </a:r>
             <a:r>
-              <a:rPr lang="ru-RU" sz="1800" b="0" i="0" u="none" strike="noStrike" cap="none" spc="0" dirty="0">
-                <a:solidFill>
-                  <a:schemeClr val="tx1">
-                    <a:tint val="75000"/>
-                  </a:schemeClr>
-                </a:solidFill>
-                <a:latin typeface="+mn-lt"/>
-                <a:ea typeface="+mn-ea"/>
-                <a:cs typeface="+mn-cs"/>
-              </a:rPr>
+              <a:rPr lang="ru-RU" sz="1800" dirty="0"/>
               <a:t>23</a:t>
             </a:r>
             <a:endParaRPr lang="en-US" dirty="0"/>
@@ -8528,7 +8130,7 @@
         </p:nvSpPr>
         <p:spPr bwMode="auto">
           <a:xfrm>
-            <a:off x="0" y="0"/>
+            <a:off x="1524000" y="0"/>
             <a:ext cx="9144000" cy="720000"/>
           </a:xfrm>
         </p:spPr>
@@ -8561,8 +8163,8 @@
         </p:nvSpPr>
         <p:spPr bwMode="auto">
           <a:xfrm>
-            <a:off x="628650" y="720000"/>
-            <a:ext cx="7886700" cy="5456962"/>
+            <a:off x="1055440" y="720000"/>
+            <a:ext cx="10081120" cy="5456962"/>
           </a:xfrm>
         </p:spPr>
         <p:txBody>
@@ -8580,17 +8182,14 @@
               <a:defRPr/>
             </a:pPr>
             <a:r>
-              <a:rPr lang="ru-RU" sz="2800" b="0" i="0" u="none" strike="noStrike" cap="none" spc="0" dirty="0">
-                <a:solidFill>
-                  <a:schemeClr val="tx1"/>
-                </a:solidFill>
+              <a:rPr lang="ru-RU" dirty="0">
                 <a:latin typeface="Times New Roman"/>
                 <a:ea typeface="Times New Roman"/>
                 <a:cs typeface="Times New Roman"/>
               </a:rPr>
               <a:t>Выполнен анализ предметной области и произведен обзор существующих решений.</a:t>
             </a:r>
-            <a:endParaRPr sz="2800" dirty="0">
+            <a:endParaRPr dirty="0">
               <a:latin typeface="Times New Roman"/>
               <a:cs typeface="Times New Roman"/>
             </a:endParaRPr>
@@ -8605,10 +8204,7 @@
               <a:defRPr/>
             </a:pPr>
             <a:r>
-              <a:rPr lang="ru-RU" sz="2800" b="0" i="0" u="none" strike="noStrike" cap="none" spc="0" dirty="0">
-                <a:solidFill>
-                  <a:schemeClr val="tx1"/>
-                </a:solidFill>
+              <a:rPr lang="ru-RU" dirty="0">
                 <a:latin typeface="Times New Roman"/>
                 <a:ea typeface="Times New Roman"/>
                 <a:cs typeface="Times New Roman"/>
@@ -8626,13 +8222,13 @@
               <a:defRPr/>
             </a:pPr>
             <a:r>
-              <a:rPr lang="ru-RU" sz="2800" dirty="0">
+              <a:rPr lang="ru-RU" dirty="0">
                 <a:latin typeface="Times New Roman"/>
                 <a:cs typeface="Times New Roman"/>
               </a:rPr>
               <a:t>Описаны алгоритмы, использующиеся в системе.</a:t>
             </a:r>
-            <a:endParaRPr sz="2800" dirty="0">
+            <a:endParaRPr dirty="0">
               <a:latin typeface="Times New Roman"/>
               <a:cs typeface="Times New Roman"/>
             </a:endParaRPr>
@@ -8647,17 +8243,14 @@
               <a:defRPr/>
             </a:pPr>
             <a:r>
-              <a:rPr lang="ru-RU" sz="2800" b="0" i="0" u="none" strike="noStrike" cap="none" spc="0" dirty="0">
-                <a:solidFill>
-                  <a:schemeClr val="tx1"/>
-                </a:solidFill>
+              <a:rPr lang="ru-RU" dirty="0">
                 <a:latin typeface="Times New Roman"/>
                 <a:ea typeface="Times New Roman"/>
                 <a:cs typeface="Times New Roman"/>
               </a:rPr>
               <a:t>Выполнена реализация приложения.</a:t>
             </a:r>
-            <a:endParaRPr sz="2800" dirty="0">
+            <a:endParaRPr dirty="0">
               <a:latin typeface="Times New Roman"/>
               <a:cs typeface="Times New Roman"/>
             </a:endParaRPr>
@@ -8672,35 +8265,13 @@
               <a:defRPr/>
             </a:pPr>
             <a:r>
-              <a:rPr lang="ru-RU" sz="2800" b="0" i="0" u="none" strike="noStrike" cap="none" spc="0" dirty="0">
-                <a:solidFill>
-                  <a:schemeClr val="tx1"/>
-                </a:solidFill>
+              <a:rPr lang="ru-RU" dirty="0">
                 <a:latin typeface="Times New Roman"/>
                 <a:ea typeface="Times New Roman"/>
                 <a:cs typeface="Times New Roman"/>
               </a:rPr>
-              <a:t>Выполнено </a:t>
-            </a:r>
-            <a:r>
-              <a:rPr lang="ru-RU" sz="2800" b="0" i="0" u="none" strike="noStrike" cap="none" spc="0">
-                <a:solidFill>
-                  <a:schemeClr val="tx1"/>
-                </a:solidFill>
-                <a:latin typeface="Times New Roman"/>
-                <a:ea typeface="Times New Roman"/>
-                <a:cs typeface="Times New Roman"/>
-              </a:rPr>
-              <a:t>тестирование.</a:t>
-            </a:r>
-            <a:endParaRPr lang="ru-RU" sz="2800" b="0" i="0" u="none" strike="noStrike" cap="none" spc="0" dirty="0">
-              <a:solidFill>
-                <a:schemeClr val="tx1"/>
-              </a:solidFill>
-              <a:latin typeface="Times New Roman"/>
-              <a:ea typeface="Times New Roman"/>
-              <a:cs typeface="Times New Roman"/>
-            </a:endParaRPr>
+              <a:t>Выполнено тестирование.</a:t>
+            </a:r>
           </a:p>
         </p:txBody>
       </p:sp>
@@ -8723,33 +8294,15 @@
               <a:defRPr/>
             </a:pPr>
             <a:fld id="{8365D347-7BD2-0CFA-DCFD-4D31553BC644}" type="slidenum">
-              <a:rPr lang="en-US" sz="1800" smtClean="0"/>
+              <a:rPr lang="en-US" sz="1800"/>
               <a:t>23</a:t>
             </a:fld>
             <a:r>
-              <a:rPr lang="en-US" sz="1800" b="0" i="0" u="none" strike="noStrike" cap="none" spc="0" dirty="0">
-                <a:solidFill>
-                  <a:schemeClr val="tx1">
-                    <a:tint val="75000"/>
-                  </a:schemeClr>
-                </a:solidFill>
-                <a:latin typeface="+mn-lt"/>
-                <a:ea typeface="+mn-ea"/>
-                <a:cs typeface="+mn-cs"/>
-              </a:rPr>
+              <a:rPr lang="en-US" sz="1800" dirty="0"/>
               <a:t>/</a:t>
             </a:r>
             <a:r>
-              <a:rPr lang="ru-RU" sz="1800" b="0" i="0" u="none" strike="noStrike" cap="none" spc="0" dirty="0">
-                <a:solidFill>
-                  <a:schemeClr val="tx1">
-                    <a:tint val="75000"/>
-                  </a:schemeClr>
-                </a:solidFill>
-                <a:latin typeface="+mn-lt"/>
-                <a:ea typeface="+mn-ea"/>
-                <a:cs typeface="+mn-cs"/>
-              </a:rPr>
+              <a:rPr lang="ru-RU" sz="1800" dirty="0"/>
               <a:t>23</a:t>
             </a:r>
           </a:p>
@@ -8792,7 +8345,7 @@
         </p:nvSpPr>
         <p:spPr bwMode="auto">
           <a:xfrm>
-            <a:off x="0" y="0"/>
+            <a:off x="1524000" y="0"/>
             <a:ext cx="9144000" cy="720000"/>
           </a:xfrm>
         </p:spPr>
@@ -8827,7 +8380,7 @@
         </p:nvSpPr>
         <p:spPr bwMode="auto">
           <a:xfrm>
-            <a:off x="628649" y="720000"/>
+            <a:off x="2152649" y="720003"/>
             <a:ext cx="7886700" cy="5456961"/>
           </a:xfrm>
         </p:spPr>
@@ -8838,7 +8391,6 @@
           <a:lstStyle/>
           <a:p>
             <a:pPr marL="0" indent="0">
-              <a:buFont typeface="Arial"/>
               <a:buNone/>
               <a:defRPr/>
             </a:pPr>
@@ -8877,14 +8429,14 @@
           <p:nvPr>
             <p:extLst>
               <p:ext uri="{D42A27DB-BD31-4B8C-83A1-F6EECF244321}">
-                <p14:modId xmlns:p14="http://schemas.microsoft.com/office/powerpoint/2010/main" val="1616737072"/>
+                <p14:modId xmlns:p14="http://schemas.microsoft.com/office/powerpoint/2010/main" val="1751920771"/>
               </p:ext>
             </p:extLst>
           </p:nvPr>
         </p:nvGraphicFramePr>
         <p:xfrm>
-          <a:off x="218235" y="2344635"/>
-          <a:ext cx="8694820" cy="2398545"/>
+          <a:off x="1055440" y="1268760"/>
+          <a:ext cx="10081120" cy="4320480"/>
         </p:xfrm>
         <a:graphic>
           <a:graphicData uri="http://schemas.openxmlformats.org/drawingml/2006/table">
@@ -8893,35 +8445,35 @@
                 <a:tableStyleId>{3C21AF34-DCD5-8230-C345-7A89F10F8233}</a:tableStyleId>
               </a:tblPr>
               <a:tblGrid>
-                <a:gridCol w="1738964">
+                <a:gridCol w="2016224">
                   <a:extLst>
                     <a:ext uri="{9D8B030D-6E8A-4147-A177-3AD203B41FA5}">
                       <a16:colId xmlns:a16="http://schemas.microsoft.com/office/drawing/2014/main" val="20000"/>
                     </a:ext>
                   </a:extLst>
                 </a:gridCol>
-                <a:gridCol w="1321034">
+                <a:gridCol w="1531659">
                   <a:extLst>
                     <a:ext uri="{9D8B030D-6E8A-4147-A177-3AD203B41FA5}">
                       <a16:colId xmlns:a16="http://schemas.microsoft.com/office/drawing/2014/main" val="20001"/>
                     </a:ext>
                   </a:extLst>
                 </a:gridCol>
-                <a:gridCol w="2156894">
+                <a:gridCol w="2500789">
                   <a:extLst>
                     <a:ext uri="{9D8B030D-6E8A-4147-A177-3AD203B41FA5}">
                       <a16:colId xmlns:a16="http://schemas.microsoft.com/office/drawing/2014/main" val="20002"/>
                     </a:ext>
                   </a:extLst>
                 </a:gridCol>
-                <a:gridCol w="1738964">
+                <a:gridCol w="2016224">
                   <a:extLst>
                     <a:ext uri="{9D8B030D-6E8A-4147-A177-3AD203B41FA5}">
                       <a16:colId xmlns:a16="http://schemas.microsoft.com/office/drawing/2014/main" val="20003"/>
                     </a:ext>
                   </a:extLst>
                 </a:gridCol>
-                <a:gridCol w="1738964">
+                <a:gridCol w="2016224">
                   <a:extLst>
                     <a:ext uri="{9D8B030D-6E8A-4147-A177-3AD203B41FA5}">
                       <a16:colId xmlns:a16="http://schemas.microsoft.com/office/drawing/2014/main" val="20004"/>
@@ -8929,7 +8481,7 @@
                   </a:extLst>
                 </a:gridCol>
               </a:tblGrid>
-              <a:tr h="479709">
+              <a:tr h="864096">
                 <a:tc>
                   <a:txBody>
                     <a:bodyPr/>
@@ -8939,7 +8491,7 @@
                         <a:defRPr/>
                       </a:pPr>
                       <a:r>
-                        <a:rPr lang="ru-RU" sz="2400" b="1" i="0" u="none" strike="noStrike" cap="none" spc="0">
+                        <a:rPr lang="ru-RU" sz="2400" b="1" i="0" u="none" strike="noStrike" cap="none" spc="0" dirty="0">
                           <a:solidFill>
                             <a:schemeClr val="dk1"/>
                           </a:solidFill>
@@ -8948,7 +8500,7 @@
                         </a:rPr>
                         <a:t>Язык</a:t>
                       </a:r>
-                      <a:endParaRPr sz="2400">
+                      <a:endParaRPr sz="2400" dirty="0">
                         <a:latin typeface="Times New Roman"/>
                         <a:cs typeface="Times New Roman"/>
                       </a:endParaRPr>
@@ -9066,7 +8618,7 @@
                   </a:ext>
                 </a:extLst>
               </a:tr>
-              <a:tr h="479709">
+              <a:tr h="864096">
                 <a:tc>
                   <a:txBody>
                     <a:bodyPr/>
@@ -9076,7 +8628,7 @@
                         <a:defRPr/>
                       </a:pPr>
                       <a:r>
-                        <a:rPr lang="ru-RU" sz="2400" b="0" i="0" u="none" strike="noStrike" cap="none" spc="0">
+                        <a:rPr lang="ru-RU" sz="2400" b="0" i="0" u="none" strike="noStrike" cap="none" spc="0" dirty="0" err="1">
                           <a:solidFill>
                             <a:schemeClr val="dk1"/>
                           </a:solidFill>
@@ -9085,7 +8637,7 @@
                         </a:rPr>
                         <a:t>Svelte</a:t>
                       </a:r>
-                      <a:endParaRPr sz="2400">
+                      <a:endParaRPr sz="2400" dirty="0">
                         <a:latin typeface="Times New Roman"/>
                         <a:cs typeface="Times New Roman"/>
                       </a:endParaRPr>
@@ -9098,7 +8650,7 @@
                     <a:bodyPr/>
                     <a:lstStyle/>
                     <a:p>
-                      <a:pPr>
+                      <a:pPr algn="ctr">
                         <a:defRPr/>
                       </a:pPr>
                       <a:r>
@@ -9134,7 +8686,7 @@
                     <a:bodyPr/>
                     <a:lstStyle/>
                     <a:p>
-                      <a:pPr>
+                      <a:pPr algn="ctr">
                         <a:defRPr/>
                       </a:pPr>
                       <a:r>
@@ -9153,7 +8705,7 @@
                     <a:bodyPr/>
                     <a:lstStyle/>
                     <a:p>
-                      <a:pPr>
+                      <a:pPr algn="ctr">
                         <a:defRPr/>
                       </a:pPr>
                       <a:r>
@@ -9179,7 +8731,7 @@
                     <a:bodyPr/>
                     <a:lstStyle/>
                     <a:p>
-                      <a:pPr>
+                      <a:pPr algn="ctr">
                         <a:defRPr/>
                       </a:pPr>
                       <a:r>
@@ -9206,7 +8758,7 @@
                   </a:ext>
                 </a:extLst>
               </a:tr>
-              <a:tr h="479709">
+              <a:tr h="864096">
                 <a:tc>
                   <a:txBody>
                     <a:bodyPr/>
@@ -9238,7 +8790,7 @@
                     <a:bodyPr/>
                     <a:lstStyle/>
                     <a:p>
-                      <a:pPr>
+                      <a:pPr algn="ctr">
                         <a:defRPr/>
                       </a:pPr>
                       <a:r>
@@ -9264,7 +8816,7 @@
                     <a:bodyPr/>
                     <a:lstStyle/>
                     <a:p>
-                      <a:pPr>
+                      <a:pPr algn="ctr">
                         <a:defRPr/>
                       </a:pPr>
                       <a:r>
@@ -9290,7 +8842,7 @@
                     <a:bodyPr/>
                     <a:lstStyle/>
                     <a:p>
-                      <a:pPr>
+                      <a:pPr algn="ctr">
                         <a:defRPr/>
                       </a:pPr>
                       <a:r>
@@ -9316,7 +8868,7 @@
                     <a:bodyPr/>
                     <a:lstStyle/>
                     <a:p>
-                      <a:pPr>
+                      <a:pPr algn="ctr">
                         <a:defRPr/>
                       </a:pPr>
                       <a:r>
@@ -9343,7 +8895,7 @@
                   </a:ext>
                 </a:extLst>
               </a:tr>
-              <a:tr h="479709">
+              <a:tr h="864096">
                 <a:tc>
                   <a:txBody>
                     <a:bodyPr/>
@@ -9375,7 +8927,7 @@
                     <a:bodyPr/>
                     <a:lstStyle/>
                     <a:p>
-                      <a:pPr>
+                      <a:pPr algn="ctr">
                         <a:defRPr/>
                       </a:pPr>
                       <a:r>
@@ -9401,7 +8953,7 @@
                     <a:bodyPr/>
                     <a:lstStyle/>
                     <a:p>
-                      <a:pPr>
+                      <a:pPr algn="ctr">
                         <a:defRPr/>
                       </a:pPr>
                       <a:r>
@@ -9427,7 +8979,7 @@
                     <a:bodyPr/>
                     <a:lstStyle/>
                     <a:p>
-                      <a:pPr>
+                      <a:pPr algn="ctr">
                         <a:defRPr/>
                       </a:pPr>
                       <a:r>
@@ -9453,7 +9005,7 @@
                     <a:bodyPr/>
                     <a:lstStyle/>
                     <a:p>
-                      <a:pPr>
+                      <a:pPr algn="ctr">
                         <a:defRPr/>
                       </a:pPr>
                       <a:r>
@@ -9481,7 +9033,7 @@
                   </a:ext>
                 </a:extLst>
               </a:tr>
-              <a:tr h="479709">
+              <a:tr h="864096">
                 <a:tc>
                   <a:txBody>
                     <a:bodyPr/>
@@ -9513,7 +9065,7 @@
                     <a:bodyPr/>
                     <a:lstStyle/>
                     <a:p>
-                      <a:pPr>
+                      <a:pPr algn="ctr">
                         <a:defRPr/>
                       </a:pPr>
                       <a:r>
@@ -9539,7 +9091,7 @@
                     <a:bodyPr/>
                     <a:lstStyle/>
                     <a:p>
-                      <a:pPr>
+                      <a:pPr algn="ctr">
                         <a:defRPr/>
                       </a:pPr>
                       <a:r>
@@ -9565,7 +9117,7 @@
                     <a:bodyPr/>
                     <a:lstStyle/>
                     <a:p>
-                      <a:pPr>
+                      <a:pPr algn="ctr">
                         <a:defRPr/>
                       </a:pPr>
                       <a:r>
@@ -9591,7 +9143,7 @@
                     <a:bodyPr/>
                     <a:lstStyle/>
                     <a:p>
-                      <a:pPr>
+                      <a:pPr algn="ctr">
                         <a:defRPr/>
                       </a:pPr>
                       <a:r>
@@ -9659,7 +9211,7 @@
         </p:nvSpPr>
         <p:spPr bwMode="auto">
           <a:xfrm>
-            <a:off x="0" y="0"/>
+            <a:off x="1524000" y="0"/>
             <a:ext cx="9144000" cy="720000"/>
           </a:xfrm>
         </p:spPr>
@@ -9671,10 +9223,7 @@
               <a:defRPr/>
             </a:pPr>
             <a:r>
-              <a:rPr lang="ru-RU" sz="2800" b="1" i="0" u="none" strike="noStrike" cap="none" spc="0">
-                <a:solidFill>
-                  <a:schemeClr val="tx1"/>
-                </a:solidFill>
+              <a:rPr lang="ru-RU" sz="2800" b="1">
                 <a:latin typeface="Times New Roman"/>
                 <a:cs typeface="Times New Roman"/>
               </a:rPr>
@@ -9699,8 +9248,8 @@
         </p:nvSpPr>
         <p:spPr bwMode="auto">
           <a:xfrm>
-            <a:off x="628650" y="720000"/>
-            <a:ext cx="7886700" cy="5456962"/>
+            <a:off x="1055440" y="720000"/>
+            <a:ext cx="10081120" cy="5456962"/>
           </a:xfrm>
         </p:spPr>
         <p:txBody>
@@ -9710,104 +9259,78 @@
           <a:lstStyle/>
           <a:p>
             <a:pPr marL="0" indent="0" algn="just">
-              <a:buFont typeface="Arial"/>
               <a:buNone/>
               <a:defRPr/>
             </a:pPr>
             <a:r>
-              <a:rPr lang="ru-RU" sz="2600" b="0" i="0" u="none" strike="noStrike" cap="none" spc="0">
-                <a:solidFill>
-                  <a:schemeClr val="tx1"/>
-                </a:solidFill>
+              <a:rPr lang="ru-RU" sz="2600" dirty="0">
                 <a:latin typeface="Times New Roman"/>
                 <a:cs typeface="Times New Roman"/>
               </a:rPr>
               <a:t>Актуальность данной работы обусловлена растущим интересом к применению беспилотных летательных аппаратов (БПЛА) в сельском хозяйстве и необходимостью развития точного земледелия. В частности, дроны используются для мониторинга урожая и создания точных карт полей, что является ключевым сегментом "умного сельского хозяйства".</a:t>
             </a:r>
             <a:r>
-              <a:rPr lang="en-US" sz="2600">
+              <a:rPr lang="en-US" sz="2600" dirty="0">
                 <a:latin typeface="Times New Roman"/>
                 <a:cs typeface="Times New Roman"/>
               </a:rPr>
               <a:t> </a:t>
             </a:r>
-            <a:endParaRPr sz="2600" b="0" i="0" u="none" strike="noStrike" cap="none" spc="0">
-              <a:solidFill>
-                <a:schemeClr val="tx1"/>
-              </a:solidFill>
+            <a:endParaRPr sz="2600" dirty="0">
               <a:latin typeface="Times New Roman"/>
               <a:cs typeface="Times New Roman"/>
             </a:endParaRPr>
           </a:p>
           <a:p>
             <a:pPr marL="0" indent="0" algn="just">
-              <a:buFont typeface="Arial"/>
               <a:buNone/>
               <a:defRPr/>
             </a:pPr>
             <a:r>
-              <a:rPr lang="ru-RU" sz="2600" b="0" i="0" u="none" strike="noStrike" cap="none" spc="0">
-                <a:solidFill>
-                  <a:schemeClr val="tx1"/>
-                </a:solidFill>
+              <a:rPr lang="ru-RU" sz="2600" dirty="0">
                 <a:latin typeface="Times New Roman"/>
                 <a:cs typeface="Times New Roman"/>
               </a:rPr>
               <a:t>Преимущества:</a:t>
             </a:r>
-            <a:endParaRPr sz="2600" b="0" i="0" u="none" strike="noStrike" cap="none" spc="0">
-              <a:solidFill>
-                <a:schemeClr val="tx1"/>
-              </a:solidFill>
+            <a:endParaRPr sz="2600" dirty="0">
               <a:latin typeface="Times New Roman"/>
               <a:cs typeface="Times New Roman"/>
             </a:endParaRPr>
           </a:p>
           <a:p>
-            <a:pPr marL="371994" marR="0" indent="-371994" algn="just">
+            <a:pPr marL="371994" indent="-371994" algn="just">
               <a:buFont typeface="Arial"/>
               <a:buAutoNum type="arabicParenR"/>
               <a:defRPr/>
             </a:pPr>
             <a:r>
-              <a:rPr lang="ru-RU" sz="2600" b="0" i="0" u="none" strike="noStrike" cap="none" spc="0">
-                <a:solidFill>
-                  <a:schemeClr val="tx1"/>
-                </a:solidFill>
+              <a:rPr lang="ru-RU" sz="2600" dirty="0">
                 <a:latin typeface="Times New Roman"/>
                 <a:cs typeface="Times New Roman"/>
               </a:rPr>
               <a:t>повышении эффективности использования БПЛА</a:t>
             </a:r>
             <a:r>
-              <a:rPr lang="en-US" sz="2600" b="0" i="0" u="none" strike="noStrike" cap="none" spc="0">
-                <a:solidFill>
-                  <a:schemeClr val="tx1"/>
-                </a:solidFill>
+              <a:rPr lang="en-US" sz="2600" dirty="0">
                 <a:latin typeface="Times New Roman"/>
                 <a:cs typeface="Times New Roman"/>
               </a:rPr>
               <a:t>;</a:t>
             </a:r>
-            <a:endParaRPr sz="2600" b="0" i="0" u="none" strike="noStrike" cap="none" spc="0">
-              <a:solidFill>
-                <a:schemeClr val="tx1"/>
-              </a:solidFill>
+            <a:endParaRPr sz="2600" dirty="0">
               <a:latin typeface="Times New Roman"/>
               <a:cs typeface="Times New Roman"/>
             </a:endParaRPr>
           </a:p>
           <a:p>
-            <a:pPr marL="371994" marR="0" indent="-371994" algn="just">
+            <a:pPr marL="371994" indent="-371994" algn="just">
               <a:buFont typeface="Arial"/>
               <a:buAutoNum type="arabicParenR"/>
               <a:defRPr/>
             </a:pPr>
             <a:r>
-              <a:rPr lang="ru-RU" sz="2600" b="0" i="0" u="none" strike="noStrike" cap="none" spc="0">
-                <a:solidFill>
-                  <a:schemeClr val="tx1"/>
-                </a:solidFill>
+              <a:rPr lang="ru-RU" sz="2600" dirty="0">
                 <a:latin typeface="Times New Roman"/>
                 <a:ea typeface="Times New Roman"/>
                 <a:cs typeface="Times New Roman"/>
@@ -9815,53 +9338,38 @@
               <a:t>сокращение затраты на выезд специалистов</a:t>
             </a:r>
             <a:r>
-              <a:rPr lang="en-US" sz="2600" b="0" i="0" u="none" strike="noStrike" cap="none" spc="0">
-                <a:solidFill>
-                  <a:schemeClr val="tx1"/>
-                </a:solidFill>
+              <a:rPr lang="en-US" sz="2600" dirty="0">
                 <a:latin typeface="Times New Roman"/>
                 <a:cs typeface="Times New Roman"/>
               </a:rPr>
               <a:t>;</a:t>
             </a:r>
-            <a:endParaRPr sz="2600" b="0" i="0" u="none" strike="noStrike" cap="none" spc="0">
-              <a:solidFill>
-                <a:schemeClr val="tx1"/>
-              </a:solidFill>
+            <a:endParaRPr sz="2600" dirty="0">
               <a:latin typeface="Times New Roman"/>
               <a:cs typeface="Times New Roman"/>
             </a:endParaRPr>
           </a:p>
           <a:p>
-            <a:pPr marL="371994" marR="0" indent="-371994" algn="just">
+            <a:pPr marL="371994" indent="-371994" algn="just">
               <a:buFont typeface="Arial"/>
               <a:buAutoNum type="arabicParenR"/>
               <a:defRPr/>
             </a:pPr>
             <a:r>
-              <a:rPr lang="ru-RU" sz="2600" b="0" i="0" u="none" strike="noStrike" cap="none" spc="0">
-                <a:solidFill>
-                  <a:schemeClr val="tx1"/>
-                </a:solidFill>
+              <a:rPr lang="ru-RU" sz="2600" dirty="0">
                 <a:latin typeface="Times New Roman"/>
                 <a:cs typeface="Times New Roman"/>
               </a:rPr>
               <a:t>скорость и точность предварительной оценки затрат на выезд специалистов</a:t>
             </a:r>
             <a:r>
-              <a:rPr lang="en-US" sz="2600" b="0" i="0" u="none" strike="noStrike" cap="none" spc="0">
-                <a:solidFill>
-                  <a:schemeClr val="tx1"/>
-                </a:solidFill>
+              <a:rPr lang="en-US" sz="2600" dirty="0">
                 <a:latin typeface="Times New Roman"/>
                 <a:cs typeface="Times New Roman"/>
               </a:rPr>
               <a:t>.</a:t>
             </a:r>
-            <a:endParaRPr sz="2600" b="0" i="0" u="none" strike="noStrike" cap="none" spc="0">
-              <a:solidFill>
-                <a:schemeClr val="tx1"/>
-              </a:solidFill>
+            <a:endParaRPr sz="2600" dirty="0">
               <a:latin typeface="Times New Roman"/>
               <a:cs typeface="Times New Roman"/>
             </a:endParaRPr>
@@ -9887,33 +9395,15 @@
               <a:defRPr/>
             </a:pPr>
             <a:fld id="{1AFF1B61-3AB2-B5BD-5BAD-3F50C69BB005}" type="slidenum">
-              <a:rPr lang="en-US" sz="1800" smtClean="0"/>
+              <a:rPr lang="en-US" sz="1800"/>
               <a:t>3</a:t>
             </a:fld>
             <a:r>
-              <a:rPr lang="en-US" sz="1800" b="0" i="0" u="none" strike="noStrike" cap="none" spc="0" dirty="0">
-                <a:solidFill>
-                  <a:schemeClr val="tx1">
-                    <a:tint val="75000"/>
-                  </a:schemeClr>
-                </a:solidFill>
-                <a:latin typeface="+mn-lt"/>
-                <a:ea typeface="+mn-ea"/>
-                <a:cs typeface="+mn-cs"/>
-              </a:rPr>
+              <a:rPr lang="en-US" sz="1800" dirty="0"/>
               <a:t>/</a:t>
             </a:r>
             <a:r>
-              <a:rPr lang="ru-RU" sz="1800" b="0" i="0" u="none" strike="noStrike" cap="none" spc="0" dirty="0">
-                <a:solidFill>
-                  <a:schemeClr val="tx1">
-                    <a:tint val="75000"/>
-                  </a:schemeClr>
-                </a:solidFill>
-                <a:latin typeface="+mn-lt"/>
-                <a:ea typeface="+mn-ea"/>
-                <a:cs typeface="+mn-cs"/>
-              </a:rPr>
+              <a:rPr lang="ru-RU" sz="1800" dirty="0"/>
               <a:t>23</a:t>
             </a:r>
             <a:endParaRPr lang="en-US" dirty="0"/>
@@ -9957,7 +9447,7 @@
         </p:nvSpPr>
         <p:spPr bwMode="auto">
           <a:xfrm>
-            <a:off x="0" y="0"/>
+            <a:off x="1524000" y="0"/>
             <a:ext cx="9144000" cy="720000"/>
           </a:xfrm>
         </p:spPr>
@@ -9969,16 +9459,13 @@
               <a:defRPr/>
             </a:pPr>
             <a:r>
-              <a:rPr lang="ru-RU" sz="2800" b="1" i="0" u="none" strike="noStrike" cap="none" spc="0">
-                <a:solidFill>
-                  <a:schemeClr val="tx1"/>
-                </a:solidFill>
+              <a:rPr lang="ru-RU" sz="2800" b="1" dirty="0">
                 <a:latin typeface="Times New Roman"/>
                 <a:cs typeface="Times New Roman"/>
               </a:rPr>
               <a:t>ОБЗОР АНАЛОГОВ</a:t>
             </a:r>
-            <a:endParaRPr sz="2800" b="1">
+            <a:endParaRPr sz="2800" b="1" dirty="0">
               <a:latin typeface="Times New Roman"/>
               <a:cs typeface="Times New Roman"/>
             </a:endParaRPr>
@@ -9997,7 +9484,7 @@
         </p:nvSpPr>
         <p:spPr bwMode="auto">
           <a:xfrm>
-            <a:off x="628649" y="720000"/>
+            <a:off x="2152649" y="720003"/>
             <a:ext cx="7886700" cy="5456961"/>
           </a:xfrm>
         </p:spPr>
@@ -10008,14 +9495,10 @@
           <a:lstStyle/>
           <a:p>
             <a:pPr marL="0" indent="0" algn="just">
-              <a:buFont typeface="Arial"/>
               <a:buNone/>
               <a:defRPr/>
             </a:pPr>
-            <a:endParaRPr sz="2600" b="0" i="0" u="none" strike="noStrike" cap="none" spc="0">
-              <a:solidFill>
-                <a:schemeClr val="tx1"/>
-              </a:solidFill>
+            <a:endParaRPr sz="2600">
               <a:latin typeface="Times New Roman"/>
               <a:cs typeface="Times New Roman"/>
             </a:endParaRPr>
@@ -10028,11 +9511,17 @@
           <p:cNvGraphicFramePr>
             <a:graphicFrameLocks/>
           </p:cNvGraphicFramePr>
-          <p:nvPr/>
+          <p:nvPr>
+            <p:extLst>
+              <p:ext uri="{D42A27DB-BD31-4B8C-83A1-F6EECF244321}">
+                <p14:modId xmlns:p14="http://schemas.microsoft.com/office/powerpoint/2010/main" val="1740037630"/>
+              </p:ext>
+            </p:extLst>
+          </p:nvPr>
         </p:nvGraphicFramePr>
         <p:xfrm>
-          <a:off x="628649" y="571318"/>
-          <a:ext cx="7873997" cy="5686336"/>
+          <a:off x="335360" y="571318"/>
+          <a:ext cx="11521281" cy="5605642"/>
         </p:xfrm>
         <a:graphic>
           <a:graphicData uri="http://schemas.openxmlformats.org/drawingml/2006/table">
@@ -10041,35 +9530,35 @@
                 <a:tableStyleId>{3C21AF34-DCD5-8230-C345-7A89F10F8233}</a:tableStyleId>
               </a:tblPr>
               <a:tblGrid>
-                <a:gridCol w="1908613">
+                <a:gridCol w="2792694">
                   <a:extLst>
                     <a:ext uri="{9D8B030D-6E8A-4147-A177-3AD203B41FA5}">
                       <a16:colId xmlns:a16="http://schemas.microsoft.com/office/drawing/2014/main" val="20000"/>
                     </a:ext>
                   </a:extLst>
                 </a:gridCol>
-                <a:gridCol w="1551017">
+                <a:gridCol w="2269458">
                   <a:extLst>
                     <a:ext uri="{9D8B030D-6E8A-4147-A177-3AD203B41FA5}">
                       <a16:colId xmlns:a16="http://schemas.microsoft.com/office/drawing/2014/main" val="20001"/>
                     </a:ext>
                   </a:extLst>
                 </a:gridCol>
-                <a:gridCol w="1551017">
+                <a:gridCol w="2269458">
                   <a:extLst>
                     <a:ext uri="{9D8B030D-6E8A-4147-A177-3AD203B41FA5}">
                       <a16:colId xmlns:a16="http://schemas.microsoft.com/office/drawing/2014/main" val="20002"/>
                     </a:ext>
                   </a:extLst>
                 </a:gridCol>
-                <a:gridCol w="1431244">
+                <a:gridCol w="2094205">
                   <a:extLst>
                     <a:ext uri="{9D8B030D-6E8A-4147-A177-3AD203B41FA5}">
                       <a16:colId xmlns:a16="http://schemas.microsoft.com/office/drawing/2014/main" val="20003"/>
                     </a:ext>
                   </a:extLst>
                 </a:gridCol>
-                <a:gridCol w="1432106">
+                <a:gridCol w="2095466">
                   <a:extLst>
                     <a:ext uri="{9D8B030D-6E8A-4147-A177-3AD203B41FA5}">
                       <a16:colId xmlns:a16="http://schemas.microsoft.com/office/drawing/2014/main" val="20004"/>
@@ -10847,13 +10336,27 @@
                         <a:defRPr/>
                       </a:pPr>
                       <a:r>
-                        <a:rPr sz="1400">
+                        <a:rPr sz="1400" dirty="0" err="1">
                           <a:latin typeface="Times New Roman"/>
                           <a:cs typeface="Times New Roman"/>
                         </a:rPr>
-                        <a:t>Визуализация карты</a:t>
+                        <a:t>Визуализация</a:t>
                       </a:r>
-                      <a:endParaRPr sz="2000">
+                      <a:r>
+                        <a:rPr sz="1400" dirty="0">
+                          <a:latin typeface="Times New Roman"/>
+                          <a:cs typeface="Times New Roman"/>
+                        </a:rPr>
+                        <a:t> </a:t>
+                      </a:r>
+                      <a:r>
+                        <a:rPr sz="1400" dirty="0" err="1">
+                          <a:latin typeface="Times New Roman"/>
+                          <a:cs typeface="Times New Roman"/>
+                        </a:rPr>
+                        <a:t>карты</a:t>
+                      </a:r>
+                      <a:endParaRPr sz="2000" dirty="0">
                         <a:latin typeface="Times New Roman"/>
                         <a:cs typeface="Times New Roman"/>
                       </a:endParaRPr>
@@ -11011,13 +10514,55 @@
                         <a:defRPr/>
                       </a:pPr>
                       <a:r>
-                        <a:rPr sz="1400">
+                        <a:rPr sz="1400" dirty="0" err="1">
                           <a:latin typeface="Times New Roman"/>
                           <a:cs typeface="Times New Roman"/>
                         </a:rPr>
-                        <a:t>Ограниченный ряд поддерживаемых дронов</a:t>
+                        <a:t>Ограниченный</a:t>
                       </a:r>
-                      <a:endParaRPr sz="2000">
+                      <a:r>
+                        <a:rPr sz="1400" dirty="0">
+                          <a:latin typeface="Times New Roman"/>
+                          <a:cs typeface="Times New Roman"/>
+                        </a:rPr>
+                        <a:t> </a:t>
+                      </a:r>
+                      <a:r>
+                        <a:rPr sz="1400" dirty="0" err="1">
+                          <a:latin typeface="Times New Roman"/>
+                          <a:cs typeface="Times New Roman"/>
+                        </a:rPr>
+                        <a:t>ряд</a:t>
+                      </a:r>
+                      <a:r>
+                        <a:rPr sz="1400" dirty="0">
+                          <a:latin typeface="Times New Roman"/>
+                          <a:cs typeface="Times New Roman"/>
+                        </a:rPr>
+                        <a:t> </a:t>
+                      </a:r>
+                      <a:r>
+                        <a:rPr sz="1400" dirty="0" err="1">
+                          <a:latin typeface="Times New Roman"/>
+                          <a:cs typeface="Times New Roman"/>
+                        </a:rPr>
+                        <a:t>поддерживаемых</a:t>
+                      </a:r>
+                      <a:r>
+                        <a:rPr sz="1400" dirty="0">
+                          <a:latin typeface="Times New Roman"/>
+                          <a:cs typeface="Times New Roman"/>
+                        </a:rPr>
+                        <a:t> </a:t>
+                      </a:r>
+                      <a:r>
+                        <a:rPr sz="1400" dirty="0" err="1">
+                          <a:latin typeface="Times New Roman"/>
+                          <a:cs typeface="Times New Roman"/>
+                        </a:rPr>
+                        <a:t>дронов</a:t>
+                      </a:r>
+                      <a:endParaRPr sz="2000" dirty="0">
                         <a:latin typeface="Times New Roman"/>
                         <a:cs typeface="Times New Roman"/>
                       </a:endParaRPr>
@@ -11798,7 +11343,7 @@
                         <a:defRPr/>
                       </a:pPr>
                       <a:r>
-                        <a:rPr sz="1400">
+                        <a:rPr sz="1400" dirty="0">
                           <a:solidFill>
                             <a:srgbClr val="000000"/>
                           </a:solidFill>
@@ -11809,20 +11354,27 @@
                         <a:t>€790</a:t>
                       </a:r>
                       <a:r>
-                        <a:rPr sz="1400">
+                        <a:rPr sz="1400" dirty="0">
                           <a:latin typeface="Times New Roman"/>
                           <a:cs typeface="Times New Roman"/>
                         </a:rPr>
-                        <a:t>+ или</a:t>
+                        <a:t>+ </a:t>
+                      </a:r>
+                      <a:r>
+                        <a:rPr sz="1400" dirty="0" err="1">
+                          <a:latin typeface="Times New Roman"/>
+                          <a:cs typeface="Times New Roman"/>
+                        </a:rPr>
+                        <a:t>или</a:t>
                       </a:r>
                       <a:br>
-                        <a:rPr sz="1400">
+                        <a:rPr sz="1400" dirty="0">
                           <a:latin typeface="Times New Roman"/>
                           <a:cs typeface="Times New Roman"/>
                         </a:rPr>
                       </a:br>
                       <a:r>
-                        <a:rPr sz="1400">
+                        <a:rPr sz="1400" dirty="0">
                           <a:solidFill>
                             <a:srgbClr val="000000"/>
                           </a:solidFill>
@@ -11830,9 +11382,20 @@
                           <a:ea typeface="Times New Roman"/>
                           <a:cs typeface="Times New Roman"/>
                         </a:rPr>
-                        <a:t>€149+/месяц</a:t>
+                        <a:t>€149+/</a:t>
                       </a:r>
-                      <a:endParaRPr sz="2000">
+                      <a:r>
+                        <a:rPr sz="1400" dirty="0" err="1">
+                          <a:solidFill>
+                            <a:srgbClr val="000000"/>
+                          </a:solidFill>
+                          <a:latin typeface="Times New Roman"/>
+                          <a:ea typeface="Times New Roman"/>
+                          <a:cs typeface="Times New Roman"/>
+                        </a:rPr>
+                        <a:t>месяц</a:t>
+                      </a:r>
+                      <a:endParaRPr sz="2000" dirty="0">
                         <a:latin typeface="Times New Roman"/>
                         <a:cs typeface="Times New Roman"/>
                       </a:endParaRPr>
@@ -11869,33 +11432,15 @@
               <a:defRPr/>
             </a:pPr>
             <a:fld id="{EC347720-4710-229A-90E1-F114780D6DE6}" type="slidenum">
-              <a:rPr lang="en-US" sz="1800" smtClean="0"/>
+              <a:rPr lang="en-US" sz="1800"/>
               <a:t>4</a:t>
             </a:fld>
             <a:r>
-              <a:rPr lang="en-US" sz="1800" b="0" i="0" u="none" strike="noStrike" cap="none" spc="0" dirty="0">
-                <a:solidFill>
-                  <a:schemeClr val="tx1">
-                    <a:tint val="75000"/>
-                  </a:schemeClr>
-                </a:solidFill>
-                <a:latin typeface="+mn-lt"/>
-                <a:ea typeface="+mn-ea"/>
-                <a:cs typeface="+mn-cs"/>
-              </a:rPr>
+              <a:rPr lang="en-US" sz="1800" dirty="0"/>
               <a:t>/</a:t>
             </a:r>
             <a:r>
-              <a:rPr lang="ru-RU" sz="1800" b="0" i="0" u="none" strike="noStrike" cap="none" spc="0" dirty="0">
-                <a:solidFill>
-                  <a:schemeClr val="tx1">
-                    <a:tint val="75000"/>
-                  </a:schemeClr>
-                </a:solidFill>
-                <a:latin typeface="+mn-lt"/>
-                <a:ea typeface="+mn-ea"/>
-                <a:cs typeface="+mn-cs"/>
-              </a:rPr>
+              <a:rPr lang="ru-RU" sz="1800" dirty="0"/>
               <a:t>23</a:t>
             </a:r>
             <a:endParaRPr lang="en-US" dirty="0"/>
@@ -11939,7 +11484,7 @@
         </p:nvSpPr>
         <p:spPr bwMode="auto">
           <a:xfrm>
-            <a:off x="0" y="0"/>
+            <a:off x="1524000" y="0"/>
             <a:ext cx="9144000" cy="720000"/>
           </a:xfrm>
         </p:spPr>
@@ -11947,14 +11492,11 @@
           <a:bodyPr/>
           <a:lstStyle/>
           <a:p>
-            <a:pPr marL="0" marR="0" indent="0" algn="ctr">
-              <a:defRPr/>
-            </a:pPr>
-            <a:r>
-              <a:rPr lang="ru-RU" sz="2800" b="1" i="0" u="none" strike="noStrike" cap="none" spc="0">
-                <a:solidFill>
-                  <a:schemeClr val="tx1"/>
-                </a:solidFill>
+            <a:pPr algn="ctr">
+              <a:defRPr/>
+            </a:pPr>
+            <a:r>
+              <a:rPr lang="ru-RU" sz="2800" b="1">
                 <a:latin typeface="Times New Roman"/>
                 <a:cs typeface="Times New Roman"/>
               </a:rPr>
@@ -11983,8 +11525,8 @@
         </p:blipFill>
         <p:spPr bwMode="auto">
           <a:xfrm>
-            <a:off x="2001367" y="720000"/>
-            <a:ext cx="5141265" cy="5850950"/>
+            <a:off x="3442530" y="720000"/>
+            <a:ext cx="5306939" cy="6039493"/>
           </a:xfrm>
           <a:prstGeom prst="rect">
             <a:avLst/>
@@ -12010,33 +11552,15 @@
               <a:defRPr/>
             </a:pPr>
             <a:fld id="{517E4A08-3B0B-E35D-E7CD-2787AA887376}" type="slidenum">
-              <a:rPr lang="en-US" sz="1800" smtClean="0"/>
+              <a:rPr lang="en-US" sz="1800"/>
               <a:t>5</a:t>
             </a:fld>
             <a:r>
-              <a:rPr lang="en-US" sz="1800" b="0" i="0" u="none" strike="noStrike" cap="none" spc="0" dirty="0">
-                <a:solidFill>
-                  <a:schemeClr val="tx1">
-                    <a:tint val="75000"/>
-                  </a:schemeClr>
-                </a:solidFill>
-                <a:latin typeface="+mn-lt"/>
-                <a:ea typeface="+mn-ea"/>
-                <a:cs typeface="+mn-cs"/>
-              </a:rPr>
+              <a:rPr lang="en-US" sz="1800" dirty="0"/>
               <a:t>/</a:t>
             </a:r>
             <a:r>
-              <a:rPr lang="ru-RU" sz="1800" b="0" i="0" u="none" strike="noStrike" cap="none" spc="0" dirty="0">
-                <a:solidFill>
-                  <a:schemeClr val="tx1">
-                    <a:tint val="75000"/>
-                  </a:schemeClr>
-                </a:solidFill>
-                <a:latin typeface="+mn-lt"/>
-                <a:ea typeface="+mn-ea"/>
-                <a:cs typeface="+mn-cs"/>
-              </a:rPr>
+              <a:rPr lang="ru-RU" sz="1800" dirty="0"/>
               <a:t>23</a:t>
             </a:r>
             <a:endParaRPr lang="en-US" dirty="0"/>
@@ -12080,7 +11604,7 @@
         </p:nvSpPr>
         <p:spPr bwMode="auto">
           <a:xfrm>
-            <a:off x="0" y="0"/>
+            <a:off x="1524000" y="0"/>
             <a:ext cx="9144000" cy="720000"/>
           </a:xfrm>
         </p:spPr>
@@ -12117,8 +11641,8 @@
         </p:blipFill>
         <p:spPr bwMode="auto">
           <a:xfrm>
-            <a:off x="945721" y="720000"/>
-            <a:ext cx="7252555" cy="6064772"/>
+            <a:off x="2367286" y="485386"/>
+            <a:ext cx="7457428" cy="6236092"/>
           </a:xfrm>
           <a:prstGeom prst="rect">
             <a:avLst/>
@@ -12144,33 +11668,15 @@
               <a:defRPr/>
             </a:pPr>
             <a:fld id="{60256197-02AD-EFD3-7400-EBC3244E43BD}" type="slidenum">
-              <a:rPr lang="en-US" sz="1800" smtClean="0"/>
+              <a:rPr lang="en-US" sz="1800"/>
               <a:t>6</a:t>
             </a:fld>
             <a:r>
-              <a:rPr lang="en-US" sz="1800" b="0" i="0" u="none" strike="noStrike" cap="none" spc="0" dirty="0">
-                <a:solidFill>
-                  <a:schemeClr val="tx1">
-                    <a:tint val="75000"/>
-                  </a:schemeClr>
-                </a:solidFill>
-                <a:latin typeface="+mn-lt"/>
-                <a:ea typeface="+mn-ea"/>
-                <a:cs typeface="+mn-cs"/>
-              </a:rPr>
+              <a:rPr lang="en-US" sz="1800" dirty="0"/>
               <a:t>/</a:t>
             </a:r>
             <a:r>
-              <a:rPr lang="ru-RU" sz="1800" b="0" i="0" u="none" strike="noStrike" cap="none" spc="0" dirty="0">
-                <a:solidFill>
-                  <a:schemeClr val="tx1">
-                    <a:tint val="75000"/>
-                  </a:schemeClr>
-                </a:solidFill>
-                <a:latin typeface="+mn-lt"/>
-                <a:ea typeface="+mn-ea"/>
-                <a:cs typeface="+mn-cs"/>
-              </a:rPr>
+              <a:rPr lang="ru-RU" sz="1800" dirty="0"/>
               <a:t>23</a:t>
             </a:r>
             <a:endParaRPr lang="en-US" dirty="0"/>
@@ -12214,7 +11720,7 @@
         </p:nvSpPr>
         <p:spPr bwMode="auto">
           <a:xfrm>
-            <a:off x="0" y="0"/>
+            <a:off x="1524000" y="0"/>
             <a:ext cx="9144000" cy="720000"/>
           </a:xfrm>
         </p:spPr>
@@ -12228,10 +11734,7 @@
               <a:defRPr/>
             </a:pPr>
             <a:r>
-              <a:rPr lang="ru-RU" sz="2800" b="1" i="0" u="none" strike="noStrike" cap="none" spc="0">
-                <a:solidFill>
-                  <a:schemeClr val="tx1"/>
-                </a:solidFill>
+              <a:rPr lang="ru-RU" sz="2800" b="1">
                 <a:latin typeface="Times New Roman"/>
                 <a:ea typeface="Times New Roman"/>
                 <a:cs typeface="Times New Roman"/>
@@ -12264,33 +11767,15 @@
               <a:defRPr/>
             </a:pPr>
             <a:fld id="{38721FC3-51EA-9124-813C-35F55D15147D}" type="slidenum">
-              <a:rPr lang="en-US" sz="1800" smtClean="0"/>
+              <a:rPr lang="en-US" sz="1800"/>
               <a:t>7</a:t>
             </a:fld>
             <a:r>
-              <a:rPr lang="en-US" sz="1800" b="0" i="0" u="none" strike="noStrike" cap="none" spc="0" dirty="0">
-                <a:solidFill>
-                  <a:schemeClr val="tx1">
-                    <a:tint val="75000"/>
-                  </a:schemeClr>
-                </a:solidFill>
-                <a:latin typeface="+mn-lt"/>
-                <a:ea typeface="+mn-ea"/>
-                <a:cs typeface="+mn-cs"/>
-              </a:rPr>
+              <a:rPr lang="en-US" sz="1800" dirty="0"/>
               <a:t>/</a:t>
             </a:r>
             <a:r>
-              <a:rPr lang="ru-RU" sz="1800" b="0" i="0" u="none" strike="noStrike" cap="none" spc="0" dirty="0">
-                <a:solidFill>
-                  <a:schemeClr val="tx1">
-                    <a:tint val="75000"/>
-                  </a:schemeClr>
-                </a:solidFill>
-                <a:latin typeface="+mn-lt"/>
-                <a:ea typeface="+mn-ea"/>
-                <a:cs typeface="+mn-cs"/>
-              </a:rPr>
+              <a:rPr lang="ru-RU" sz="1800" dirty="0"/>
               <a:t>23</a:t>
             </a:r>
             <a:endParaRPr lang="en-US" dirty="0"/>
@@ -12348,7 +11833,7 @@
         </p:blipFill>
         <p:spPr>
           <a:xfrm>
-            <a:off x="1388541" y="576012"/>
+            <a:off x="2912544" y="576012"/>
             <a:ext cx="6366917" cy="6131444"/>
           </a:xfrm>
           <a:prstGeom prst="rect">
@@ -12393,7 +11878,7 @@
         </p:nvSpPr>
         <p:spPr bwMode="auto">
           <a:xfrm>
-            <a:off x="0" y="0"/>
+            <a:off x="1524000" y="0"/>
             <a:ext cx="9144000" cy="720000"/>
           </a:xfrm>
         </p:spPr>
@@ -12405,10 +11890,7 @@
               <a:defRPr/>
             </a:pPr>
             <a:r>
-              <a:rPr lang="ru-RU" sz="2800" b="1" i="0" u="none" strike="noStrike" cap="none" spc="0">
-                <a:solidFill>
-                  <a:schemeClr val="tx1"/>
-                </a:solidFill>
+              <a:rPr lang="ru-RU" sz="2800" b="1">
                 <a:latin typeface="Times New Roman"/>
                 <a:cs typeface="Times New Roman"/>
               </a:rPr>
@@ -12440,33 +11922,15 @@
               <a:defRPr/>
             </a:pPr>
             <a:fld id="{2D1A82AD-015B-C151-4D95-00498DE30D4E}" type="slidenum">
-              <a:rPr lang="en-US" sz="1800" smtClean="0"/>
+              <a:rPr lang="en-US" sz="1800"/>
               <a:t>8</a:t>
             </a:fld>
             <a:r>
-              <a:rPr lang="en-US" sz="1800" b="0" i="0" u="none" strike="noStrike" cap="none" spc="0" dirty="0">
-                <a:solidFill>
-                  <a:schemeClr val="tx1">
-                    <a:tint val="75000"/>
-                  </a:schemeClr>
-                </a:solidFill>
-                <a:latin typeface="+mn-lt"/>
-                <a:ea typeface="+mn-ea"/>
-                <a:cs typeface="+mn-cs"/>
-              </a:rPr>
+              <a:rPr lang="en-US" sz="1800" dirty="0"/>
               <a:t>/</a:t>
             </a:r>
             <a:r>
-              <a:rPr lang="ru-RU" sz="1800" b="0" i="0" u="none" strike="noStrike" cap="none" spc="0" dirty="0">
-                <a:solidFill>
-                  <a:schemeClr val="tx1">
-                    <a:tint val="75000"/>
-                  </a:schemeClr>
-                </a:solidFill>
-                <a:latin typeface="+mn-lt"/>
-                <a:ea typeface="+mn-ea"/>
-                <a:cs typeface="+mn-cs"/>
-              </a:rPr>
+              <a:rPr lang="ru-RU" sz="1800" dirty="0"/>
               <a:t>23</a:t>
             </a:r>
             <a:endParaRPr lang="en-US" dirty="0"/>
@@ -12503,8 +11967,8 @@
         </p:blipFill>
         <p:spPr>
           <a:xfrm>
-            <a:off x="73181" y="1340768"/>
-            <a:ext cx="8997638" cy="4572570"/>
+            <a:off x="566405" y="736109"/>
+            <a:ext cx="11059190" cy="5620244"/>
           </a:xfrm>
           <a:prstGeom prst="rect">
             <a:avLst/>
@@ -12548,7 +12012,7 @@
         </p:nvSpPr>
         <p:spPr bwMode="auto">
           <a:xfrm>
-            <a:off x="0" y="0"/>
+            <a:off x="1524000" y="0"/>
             <a:ext cx="9144000" cy="720000"/>
           </a:xfrm>
         </p:spPr>
@@ -12560,10 +12024,7 @@
               <a:defRPr/>
             </a:pPr>
             <a:r>
-              <a:rPr lang="ru-RU" sz="2800" b="1" i="0" u="none" strike="noStrike" cap="none" spc="0">
-                <a:solidFill>
-                  <a:schemeClr val="tx1"/>
-                </a:solidFill>
+              <a:rPr lang="ru-RU" sz="2800" b="1">
                 <a:latin typeface="Times New Roman"/>
                 <a:cs typeface="Times New Roman"/>
               </a:rPr>
@@ -12588,8 +12049,8 @@
         </p:nvSpPr>
         <p:spPr bwMode="auto">
           <a:xfrm>
-            <a:off x="628650" y="720000"/>
-            <a:ext cx="7886700" cy="4306977"/>
+            <a:off x="335360" y="720003"/>
+            <a:ext cx="10729192" cy="4306977"/>
           </a:xfrm>
         </p:spPr>
         <p:txBody>
@@ -12604,20 +12065,20 @@
               <a:defRPr/>
             </a:pPr>
             <a:r>
-              <a:rPr lang="ru-RU">
+              <a:rPr lang="ru-RU" dirty="0">
                 <a:latin typeface="Times New Roman"/>
                 <a:cs typeface="Times New Roman"/>
               </a:rPr>
               <a:t>Фреймворк</a:t>
             </a:r>
             <a:r>
-              <a:rPr lang="en-US">
+              <a:rPr lang="en-US" dirty="0">
                 <a:latin typeface="Times New Roman"/>
                 <a:cs typeface="Times New Roman"/>
               </a:rPr>
               <a:t>: Tauri.</a:t>
             </a:r>
-            <a:endParaRPr>
+            <a:endParaRPr dirty="0">
               <a:latin typeface="Times New Roman"/>
               <a:cs typeface="Times New Roman"/>
             </a:endParaRPr>
@@ -12629,34 +12090,34 @@
               <a:defRPr/>
             </a:pPr>
             <a:r>
-              <a:rPr lang="ru-RU">
+              <a:rPr lang="ru-RU" dirty="0">
                 <a:latin typeface="Times New Roman"/>
                 <a:cs typeface="Times New Roman"/>
               </a:rPr>
               <a:t>Язык программирования</a:t>
             </a:r>
             <a:r>
-              <a:rPr lang="en-US">
+              <a:rPr lang="en-US" dirty="0">
                 <a:latin typeface="Times New Roman"/>
                 <a:cs typeface="Times New Roman"/>
               </a:rPr>
               <a:t> </a:t>
             </a:r>
             <a:r>
-              <a:rPr lang="ru-RU">
+              <a:rPr lang="ru-RU" dirty="0">
                 <a:latin typeface="Times New Roman"/>
                 <a:cs typeface="Times New Roman"/>
               </a:rPr>
               <a:t>бэкенда</a:t>
             </a:r>
             <a:r>
-              <a:rPr lang="en-US">
+              <a:rPr lang="en-US" dirty="0">
                 <a:latin typeface="Times New Roman"/>
                 <a:cs typeface="Times New Roman"/>
               </a:rPr>
               <a:t>: Rust.</a:t>
             </a:r>
-            <a:endParaRPr>
+            <a:endParaRPr dirty="0">
               <a:latin typeface="Times New Roman"/>
               <a:cs typeface="Times New Roman"/>
             </a:endParaRPr>
@@ -12668,20 +12129,34 @@
               <a:defRPr/>
             </a:pPr>
             <a:r>
-              <a:rPr lang="ru-RU">
+              <a:rPr lang="ru-RU" dirty="0">
                 <a:latin typeface="Times New Roman"/>
                 <a:cs typeface="Times New Roman"/>
               </a:rPr>
               <a:t>База данных</a:t>
             </a:r>
             <a:r>
-              <a:rPr lang="en-US">
-                <a:latin typeface="Times New Roman"/>
-                <a:cs typeface="Times New Roman"/>
-              </a:rPr>
-              <a:t>: Sqlite.</a:t>
-            </a:r>
-            <a:endParaRPr>
+              <a:rPr lang="en-US" dirty="0">
+                <a:latin typeface="Times New Roman"/>
+                <a:cs typeface="Times New Roman"/>
+              </a:rPr>
+              <a:t>: </a:t>
+            </a:r>
+            <a:r>
+              <a:rPr lang="en-US" dirty="0" err="1">
+                <a:latin typeface="Times New Roman"/>
+                <a:cs typeface="Times New Roman"/>
+              </a:rPr>
+              <a:t>Sqlite</a:t>
+            </a:r>
+            <a:r>
+              <a:rPr lang="en-US" dirty="0">
+                <a:latin typeface="Times New Roman"/>
+                <a:cs typeface="Times New Roman"/>
+              </a:rPr>
+              <a:t>.</a:t>
+            </a:r>
+            <a:endParaRPr dirty="0">
               <a:latin typeface="Times New Roman"/>
               <a:cs typeface="Times New Roman"/>
             </a:endParaRPr>
@@ -12693,20 +12168,27 @@
               <a:defRPr/>
             </a:pPr>
             <a:r>
-              <a:rPr lang="ru-RU">
-                <a:latin typeface="Times New Roman"/>
-                <a:cs typeface="Times New Roman"/>
-              </a:rPr>
-              <a:t>Фреймворк фронтенда</a:t>
-            </a:r>
-            <a:r>
-              <a:rPr lang="en-US">
+              <a:rPr lang="ru-RU" dirty="0">
+                <a:latin typeface="Times New Roman"/>
+                <a:cs typeface="Times New Roman"/>
+              </a:rPr>
+              <a:t>Фреймворк </a:t>
+            </a:r>
+            <a:r>
+              <a:rPr lang="ru-RU" dirty="0" err="1">
+                <a:latin typeface="Times New Roman"/>
+                <a:cs typeface="Times New Roman"/>
+              </a:rPr>
+              <a:t>фронтенда</a:t>
+            </a:r>
+            <a:r>
+              <a:rPr lang="en-US" dirty="0">
                 <a:latin typeface="Times New Roman"/>
                 <a:cs typeface="Times New Roman"/>
               </a:rPr>
               <a:t>: Svelte.</a:t>
             </a:r>
-            <a:endParaRPr>
+            <a:endParaRPr dirty="0">
               <a:latin typeface="Times New Roman"/>
               <a:cs typeface="Times New Roman"/>
             </a:endParaRPr>
@@ -12718,20 +12200,27 @@
               <a:defRPr/>
             </a:pPr>
             <a:r>
-              <a:rPr lang="ru-RU">
-                <a:latin typeface="Times New Roman"/>
-                <a:cs typeface="Times New Roman"/>
-              </a:rPr>
-              <a:t>Язык программирования фронтенда</a:t>
-            </a:r>
-            <a:r>
-              <a:rPr lang="en-US">
+              <a:rPr lang="ru-RU" dirty="0">
+                <a:latin typeface="Times New Roman"/>
+                <a:cs typeface="Times New Roman"/>
+              </a:rPr>
+              <a:t>Язык программирования </a:t>
+            </a:r>
+            <a:r>
+              <a:rPr lang="ru-RU" dirty="0" err="1">
+                <a:latin typeface="Times New Roman"/>
+                <a:cs typeface="Times New Roman"/>
+              </a:rPr>
+              <a:t>фронтенда</a:t>
+            </a:r>
+            <a:r>
+              <a:rPr lang="en-US" dirty="0">
                 <a:latin typeface="Times New Roman"/>
                 <a:cs typeface="Times New Roman"/>
               </a:rPr>
               <a:t>: TypeScript.</a:t>
             </a:r>
-            <a:endParaRPr>
+            <a:endParaRPr dirty="0">
               <a:latin typeface="Times New Roman"/>
               <a:cs typeface="Times New Roman"/>
             </a:endParaRPr>
@@ -12743,33 +12232,34 @@
               <a:defRPr/>
             </a:pPr>
             <a:r>
-              <a:rPr lang="ru-RU">
+              <a:rPr lang="ru-RU" dirty="0">
                 <a:latin typeface="Times New Roman"/>
                 <a:cs typeface="Times New Roman"/>
               </a:rPr>
               <a:t>Библиотека для отображения карты</a:t>
             </a:r>
             <a:r>
-              <a:rPr lang="en-US">
+              <a:rPr lang="en-US" dirty="0">
                 <a:latin typeface="Times New Roman"/>
                 <a:cs typeface="Times New Roman"/>
               </a:rPr>
               <a:t>: </a:t>
             </a:r>
             <a:r>
-              <a:rPr lang="en-US" sz="2800" b="0" i="0" u="none" strike="noStrike" cap="none" spc="0">
-                <a:solidFill>
-                  <a:schemeClr val="tx1"/>
-                </a:solidFill>
-                <a:latin typeface="Times New Roman"/>
-                <a:cs typeface="Times New Roman"/>
-              </a:rPr>
-              <a:t>OpenLayers.</a:t>
-            </a:r>
-            <a:endParaRPr sz="2800" b="0" i="0" u="none" strike="noStrike" cap="none" spc="0">
-              <a:solidFill>
-                <a:schemeClr val="tx1"/>
-              </a:solidFill>
+              <a:rPr lang="en-US" dirty="0" err="1">
+                <a:latin typeface="Times New Roman"/>
+                <a:cs typeface="Times New Roman"/>
+              </a:rPr>
+              <a:t>OpenLayers</a:t>
+            </a:r>
+            <a:r>
+              <a:rPr lang="en-US" dirty="0">
+                <a:latin typeface="Times New Roman"/>
+                <a:cs typeface="Times New Roman"/>
+              </a:rPr>
+              <a:t>.</a:t>
+            </a:r>
+            <a:endParaRPr dirty="0">
               <a:latin typeface="Times New Roman"/>
               <a:cs typeface="Times New Roman"/>
             </a:endParaRPr>
@@ -12795,33 +12285,15 @@
               <a:defRPr/>
             </a:pPr>
             <a:fld id="{20E37F56-B8BF-A4B8-E878-7F6871925BDE}" type="slidenum">
-              <a:rPr lang="en-US" sz="1800" smtClean="0"/>
+              <a:rPr lang="en-US" sz="1800"/>
               <a:t>9</a:t>
             </a:fld>
             <a:r>
-              <a:rPr lang="en-US" sz="1800" b="0" i="0" u="none" strike="noStrike" cap="none" spc="0" dirty="0">
-                <a:solidFill>
-                  <a:schemeClr val="tx1">
-                    <a:tint val="75000"/>
-                  </a:schemeClr>
-                </a:solidFill>
-                <a:latin typeface="+mn-lt"/>
-                <a:ea typeface="+mn-ea"/>
-                <a:cs typeface="+mn-cs"/>
-              </a:rPr>
+              <a:rPr lang="en-US" sz="1800" dirty="0"/>
               <a:t>/</a:t>
             </a:r>
             <a:r>
-              <a:rPr lang="ru-RU" sz="1800" b="0" i="0" u="none" strike="noStrike" cap="none" spc="0" dirty="0">
-                <a:solidFill>
-                  <a:schemeClr val="tx1">
-                    <a:tint val="75000"/>
-                  </a:schemeClr>
-                </a:solidFill>
-                <a:latin typeface="+mn-lt"/>
-                <a:ea typeface="+mn-ea"/>
-                <a:cs typeface="+mn-cs"/>
-              </a:rPr>
+              <a:rPr lang="ru-RU" sz="1800" dirty="0"/>
               <a:t>23</a:t>
             </a:r>
             <a:endParaRPr lang="en-US" dirty="0"/>
@@ -12838,7 +12310,7 @@
         </p:nvSpPr>
         <p:spPr bwMode="auto">
           <a:xfrm>
-            <a:off x="628649" y="5026977"/>
+            <a:off x="2152649" y="5026977"/>
             <a:ext cx="7886700" cy="1149984"/>
           </a:xfrm>
         </p:spPr>
@@ -13012,32 +12484,39 @@
           </a:lstStyle>
           <a:p>
             <a:pPr marL="0" indent="0">
-              <a:buFont typeface="Arial"/>
               <a:buNone/>
               <a:defRPr/>
             </a:pPr>
             <a:r>
-              <a:rPr sz="2600"/>
-              <a:t>Исходный код:</a:t>
+              <a:rPr sz="2600" dirty="0" err="1"/>
+              <a:t>Исходный</a:t>
+            </a:r>
+            <a:r>
+              <a:rPr sz="2600" dirty="0"/>
+              <a:t> </a:t>
+            </a:r>
+            <a:r>
+              <a:rPr sz="2600" dirty="0" err="1"/>
+              <a:t>код</a:t>
+            </a:r>
+            <a:r>
+              <a:rPr sz="2600" dirty="0"/>
+              <a:t>:</a:t>
             </a:r>
           </a:p>
           <a:p>
             <a:pPr marL="0" indent="0">
-              <a:buFont typeface="Arial"/>
               <a:buNone/>
               <a:defRPr/>
             </a:pPr>
             <a:r>
-              <a:rPr lang="ru-RU" sz="2600" b="0" i="0" u="none" strike="noStrike" cap="none" spc="0">
-                <a:solidFill>
-                  <a:schemeClr val="tx1"/>
-                </a:solidFill>
+              <a:rPr lang="en-US" sz="2600" dirty="0">
                 <a:latin typeface="Arial"/>
                 <a:cs typeface="Arial"/>
               </a:rPr>
-              <a:t>https://github.com/EvgenKot/uav_route_calculation</a:t>
-            </a:r>
-            <a:endParaRPr sz="2600"/>
+              <a:t>https://github.com/evgenkot/uav-route-calculation</a:t>
+            </a:r>
+            <a:endParaRPr lang="en-US" sz="2600" dirty="0"/>
           </a:p>
         </p:txBody>
       </p:sp>

--- a/doc/GQW/Raschupkin_EV_UAV_Route_Planning.pptx
+++ b/doc/GQW/Raschupkin_EV_UAV_Route_Planning.pptx
@@ -284,7 +284,7 @@
             </a:pPr>
             <a:fld id="{BCC18F51-09EC-435C-A3BA-64A766E099C0}" type="datetimeFigureOut">
               <a:rPr lang="en-US"/>
-              <a:t>2024-05-31</a:t>
+              <a:t>2024-06-01</a:t>
             </a:fld>
             <a:endParaRPr lang="en-US"/>
           </a:p>
@@ -475,7 +475,7 @@
             </a:pPr>
             <a:fld id="{BCC18F51-09EC-435C-A3BA-64A766E099C0}" type="datetimeFigureOut">
               <a:rPr lang="en-US"/>
-              <a:t>2024-05-31</a:t>
+              <a:t>2024-06-01</a:t>
             </a:fld>
             <a:endParaRPr lang="en-US"/>
           </a:p>
@@ -676,7 +676,7 @@
             </a:pPr>
             <a:fld id="{BCC18F51-09EC-435C-A3BA-64A766E099C0}" type="datetimeFigureOut">
               <a:rPr lang="en-US"/>
-              <a:t>2024-05-31</a:t>
+              <a:t>2024-06-01</a:t>
             </a:fld>
             <a:endParaRPr lang="en-US"/>
           </a:p>
@@ -867,7 +867,7 @@
             </a:pPr>
             <a:fld id="{BCC18F51-09EC-435C-A3BA-64A766E099C0}" type="datetimeFigureOut">
               <a:rPr lang="en-US"/>
-              <a:t>2024-05-31</a:t>
+              <a:t>2024-06-01</a:t>
             </a:fld>
             <a:endParaRPr lang="en-US"/>
           </a:p>
@@ -1124,7 +1124,7 @@
             </a:pPr>
             <a:fld id="{BCC18F51-09EC-435C-A3BA-64A766E099C0}" type="datetimeFigureOut">
               <a:rPr lang="en-US"/>
-              <a:t>2024-05-31</a:t>
+              <a:t>2024-06-01</a:t>
             </a:fld>
             <a:endParaRPr lang="en-US"/>
           </a:p>
@@ -1390,7 +1390,7 @@
             </a:pPr>
             <a:fld id="{BCC18F51-09EC-435C-A3BA-64A766E099C0}" type="datetimeFigureOut">
               <a:rPr lang="en-US"/>
-              <a:t>2024-05-31</a:t>
+              <a:t>2024-06-01</a:t>
             </a:fld>
             <a:endParaRPr lang="en-US"/>
           </a:p>
@@ -1797,7 +1797,7 @@
             </a:pPr>
             <a:fld id="{BCC18F51-09EC-435C-A3BA-64A766E099C0}" type="datetimeFigureOut">
               <a:rPr lang="en-US"/>
-              <a:t>2024-05-31</a:t>
+              <a:t>2024-06-01</a:t>
             </a:fld>
             <a:endParaRPr lang="en-US"/>
           </a:p>
@@ -1923,7 +1923,7 @@
             </a:pPr>
             <a:fld id="{BCC18F51-09EC-435C-A3BA-64A766E099C0}" type="datetimeFigureOut">
               <a:rPr lang="en-US"/>
-              <a:t>2024-05-31</a:t>
+              <a:t>2024-06-01</a:t>
             </a:fld>
             <a:endParaRPr lang="en-US"/>
           </a:p>
@@ -2024,7 +2024,7 @@
             </a:pPr>
             <a:fld id="{BCC18F51-09EC-435C-A3BA-64A766E099C0}" type="datetimeFigureOut">
               <a:rPr lang="en-US"/>
-              <a:t>2024-05-31</a:t>
+              <a:t>2024-06-01</a:t>
             </a:fld>
             <a:endParaRPr lang="en-US"/>
           </a:p>
@@ -2325,7 +2325,7 @@
             </a:pPr>
             <a:fld id="{BCC18F51-09EC-435C-A3BA-64A766E099C0}" type="datetimeFigureOut">
               <a:rPr lang="en-US"/>
-              <a:t>2024-05-31</a:t>
+              <a:t>2024-06-01</a:t>
             </a:fld>
             <a:endParaRPr lang="en-US"/>
           </a:p>
@@ -2595,7 +2595,7 @@
             </a:pPr>
             <a:fld id="{BCC18F51-09EC-435C-A3BA-64A766E099C0}" type="datetimeFigureOut">
               <a:rPr lang="en-US"/>
-              <a:t>2024-05-31</a:t>
+              <a:t>2024-06-01</a:t>
             </a:fld>
             <a:endParaRPr lang="en-US"/>
           </a:p>
@@ -2829,7 +2829,7 @@
             </a:pPr>
             <a:fld id="{BCC18F51-09EC-435C-A3BA-64A766E099C0}" type="datetimeFigureOut">
               <a:rPr lang="en-US"/>
-              <a:t>2024-05-31</a:t>
+              <a:t>2024-06-01</a:t>
             </a:fld>
             <a:endParaRPr lang="en-US"/>
           </a:p>
@@ -8002,7 +8002,7 @@
                 <a:latin typeface="Times New Roman" panose="02020603050405020304" pitchFamily="18" charset="0"/>
                 <a:ea typeface="Arial" panose="020B0604020202020204" pitchFamily="34" charset="0"/>
               </a:rPr>
-              <a:t>, N., Evtushenko, Y., </a:t>
+              <a:t> N., Evtushenko Y., </a:t>
             </a:r>
             <a:r>
               <a:rPr lang="en-US" dirty="0" err="1">
@@ -8016,8 +8016,14 @@
                 <a:latin typeface="Times New Roman" panose="02020603050405020304" pitchFamily="18" charset="0"/>
                 <a:ea typeface="Arial" panose="020B0604020202020204" pitchFamily="34" charset="0"/>
               </a:rPr>
-              <a:t>, M., </a:t>
-            </a:r>
+              <a:t> M., </a:t>
+            </a:r>
+            <a:br>
+              <a:rPr lang="ru-RU" dirty="0">
+                <a:latin typeface="Times New Roman" panose="02020603050405020304" pitchFamily="18" charset="0"/>
+                <a:ea typeface="Arial" panose="020B0604020202020204" pitchFamily="34" charset="0"/>
+              </a:rPr>
+            </a:br>
             <a:r>
               <a:rPr lang="en-US" dirty="0" err="1">
                 <a:latin typeface="Times New Roman" panose="02020603050405020304" pitchFamily="18" charset="0"/>
@@ -8030,7 +8036,7 @@
                 <a:latin typeface="Times New Roman" panose="02020603050405020304" pitchFamily="18" charset="0"/>
                 <a:ea typeface="Arial" panose="020B0604020202020204" pitchFamily="34" charset="0"/>
               </a:rPr>
-              <a:t>, M., </a:t>
+              <a:t> M., </a:t>
             </a:r>
             <a:r>
               <a:rPr lang="en-US" dirty="0" err="1">
@@ -11509,30 +11515,6 @@
           </a:p>
         </p:txBody>
       </p:sp>
-      <p:pic>
-        <p:nvPicPr>
-          <p:cNvPr id="100547148" name="Content Placeholder 100547147"/>
-          <p:cNvPicPr>
-            <a:picLocks noGrp="1" noChangeAspect="1"/>
-          </p:cNvPicPr>
-          <p:nvPr>
-            <p:ph idx="1"/>
-          </p:nvPr>
-        </p:nvPicPr>
-        <p:blipFill>
-          <a:blip r:embed="rId2"/>
-          <a:stretch/>
-        </p:blipFill>
-        <p:spPr bwMode="auto">
-          <a:xfrm>
-            <a:off x="3442530" y="720000"/>
-            <a:ext cx="5306939" cy="6039493"/>
-          </a:xfrm>
-          <a:prstGeom prst="rect">
-            <a:avLst/>
-          </a:prstGeom>
-        </p:spPr>
-      </p:pic>
       <p:sp>
         <p:nvSpPr>
           <p:cNvPr id="2030524338" name="Slide Number Placeholder 5"/>
@@ -11567,6 +11549,41 @@
           </a:p>
         </p:txBody>
       </p:sp>
+      <p:pic>
+        <p:nvPicPr>
+          <p:cNvPr id="5" name="Content Placeholder 4">
+            <a:extLst>
+              <a:ext uri="{FF2B5EF4-FFF2-40B4-BE49-F238E27FC236}">
+                <a16:creationId xmlns:a16="http://schemas.microsoft.com/office/drawing/2014/main" id="{8B066994-38AE-400F-A260-B34FA97C1BA2}"/>
+              </a:ext>
+            </a:extLst>
+          </p:cNvPr>
+          <p:cNvPicPr>
+            <a:picLocks noGrp="1" noChangeAspect="1"/>
+          </p:cNvPicPr>
+          <p:nvPr>
+            <p:ph idx="1"/>
+          </p:nvPr>
+        </p:nvPicPr>
+        <p:blipFill>
+          <a:blip r:embed="rId2">
+            <a:extLst>
+              <a:ext uri="{28A0092B-C50C-407E-A947-70E740481C1C}">
+                <a14:useLocalDpi xmlns:a14="http://schemas.microsoft.com/office/drawing/2010/main" val="0"/>
+              </a:ext>
+            </a:extLst>
+          </a:blip>
+          <a:stretch>
+            <a:fillRect/>
+          </a:stretch>
+        </p:blipFill>
+        <p:spPr>
+          <a:xfrm>
+            <a:off x="2845990" y="548680"/>
+            <a:ext cx="5764610" cy="6172798"/>
+          </a:xfrm>
+        </p:spPr>
+      </p:pic>
     </p:spTree>
   </p:cSld>
   <p:clrMapOvr>
@@ -11641,8 +11658,8 @@
         </p:blipFill>
         <p:spPr bwMode="auto">
           <a:xfrm>
-            <a:off x="2367286" y="485386"/>
-            <a:ext cx="7457428" cy="6236092"/>
+            <a:off x="2405131" y="548680"/>
+            <a:ext cx="7381738" cy="6172798"/>
           </a:xfrm>
           <a:prstGeom prst="rect">
             <a:avLst/>

--- a/doc/GQW/Raschupkin_EV_UAV_Route_Planning.pptx
+++ b/doc/GQW/Raschupkin_EV_UAV_Route_Planning.pptx
@@ -284,7 +284,7 @@
             </a:pPr>
             <a:fld id="{BCC18F51-09EC-435C-A3BA-64A766E099C0}" type="datetimeFigureOut">
               <a:rPr lang="en-US"/>
-              <a:t>2024-06-01</a:t>
+              <a:t>2024-06-03</a:t>
             </a:fld>
             <a:endParaRPr lang="en-US"/>
           </a:p>
@@ -475,7 +475,7 @@
             </a:pPr>
             <a:fld id="{BCC18F51-09EC-435C-A3BA-64A766E099C0}" type="datetimeFigureOut">
               <a:rPr lang="en-US"/>
-              <a:t>2024-06-01</a:t>
+              <a:t>2024-06-03</a:t>
             </a:fld>
             <a:endParaRPr lang="en-US"/>
           </a:p>
@@ -676,7 +676,7 @@
             </a:pPr>
             <a:fld id="{BCC18F51-09EC-435C-A3BA-64A766E099C0}" type="datetimeFigureOut">
               <a:rPr lang="en-US"/>
-              <a:t>2024-06-01</a:t>
+              <a:t>2024-06-03</a:t>
             </a:fld>
             <a:endParaRPr lang="en-US"/>
           </a:p>
@@ -867,7 +867,7 @@
             </a:pPr>
             <a:fld id="{BCC18F51-09EC-435C-A3BA-64A766E099C0}" type="datetimeFigureOut">
               <a:rPr lang="en-US"/>
-              <a:t>2024-06-01</a:t>
+              <a:t>2024-06-03</a:t>
             </a:fld>
             <a:endParaRPr lang="en-US"/>
           </a:p>
@@ -1124,7 +1124,7 @@
             </a:pPr>
             <a:fld id="{BCC18F51-09EC-435C-A3BA-64A766E099C0}" type="datetimeFigureOut">
               <a:rPr lang="en-US"/>
-              <a:t>2024-06-01</a:t>
+              <a:t>2024-06-03</a:t>
             </a:fld>
             <a:endParaRPr lang="en-US"/>
           </a:p>
@@ -1390,7 +1390,7 @@
             </a:pPr>
             <a:fld id="{BCC18F51-09EC-435C-A3BA-64A766E099C0}" type="datetimeFigureOut">
               <a:rPr lang="en-US"/>
-              <a:t>2024-06-01</a:t>
+              <a:t>2024-06-03</a:t>
             </a:fld>
             <a:endParaRPr lang="en-US"/>
           </a:p>
@@ -1797,7 +1797,7 @@
             </a:pPr>
             <a:fld id="{BCC18F51-09EC-435C-A3BA-64A766E099C0}" type="datetimeFigureOut">
               <a:rPr lang="en-US"/>
-              <a:t>2024-06-01</a:t>
+              <a:t>2024-06-03</a:t>
             </a:fld>
             <a:endParaRPr lang="en-US"/>
           </a:p>
@@ -1923,7 +1923,7 @@
             </a:pPr>
             <a:fld id="{BCC18F51-09EC-435C-A3BA-64A766E099C0}" type="datetimeFigureOut">
               <a:rPr lang="en-US"/>
-              <a:t>2024-06-01</a:t>
+              <a:t>2024-06-03</a:t>
             </a:fld>
             <a:endParaRPr lang="en-US"/>
           </a:p>
@@ -2024,7 +2024,7 @@
             </a:pPr>
             <a:fld id="{BCC18F51-09EC-435C-A3BA-64A766E099C0}" type="datetimeFigureOut">
               <a:rPr lang="en-US"/>
-              <a:t>2024-06-01</a:t>
+              <a:t>2024-06-03</a:t>
             </a:fld>
             <a:endParaRPr lang="en-US"/>
           </a:p>
@@ -2325,7 +2325,7 @@
             </a:pPr>
             <a:fld id="{BCC18F51-09EC-435C-A3BA-64A766E099C0}" type="datetimeFigureOut">
               <a:rPr lang="en-US"/>
-              <a:t>2024-06-01</a:t>
+              <a:t>2024-06-03</a:t>
             </a:fld>
             <a:endParaRPr lang="en-US"/>
           </a:p>
@@ -2595,7 +2595,7 @@
             </a:pPr>
             <a:fld id="{BCC18F51-09EC-435C-A3BA-64A766E099C0}" type="datetimeFigureOut">
               <a:rPr lang="en-US"/>
-              <a:t>2024-06-01</a:t>
+              <a:t>2024-06-03</a:t>
             </a:fld>
             <a:endParaRPr lang="en-US"/>
           </a:p>
@@ -2829,7 +2829,7 @@
             </a:pPr>
             <a:fld id="{BCC18F51-09EC-435C-A3BA-64A766E099C0}" type="datetimeFigureOut">
               <a:rPr lang="en-US"/>
-              <a:t>2024-06-01</a:t>
+              <a:t>2024-06-03</a:t>
             </a:fld>
             <a:endParaRPr lang="en-US"/>
           </a:p>
@@ -4660,7 +4660,7 @@
             <p:ph idx="1"/>
             <p:extLst>
               <p:ext uri="{D42A27DB-BD31-4B8C-83A1-F6EECF244321}">
-                <p14:modId xmlns:p14="http://schemas.microsoft.com/office/powerpoint/2010/main" val="1954761026"/>
+                <p14:modId xmlns:p14="http://schemas.microsoft.com/office/powerpoint/2010/main" val="948033085"/>
               </p:ext>
             </p:extLst>
           </p:nvPr>
@@ -5283,7 +5283,25 @@
                         <a:rPr lang="en-US" sz="1400" dirty="0">
                           <a:effectLst/>
                         </a:rPr>
-                        <a:t>O(N)</a:t>
+                        <a:t>O(N</a:t>
+                      </a:r>
+                      <a:r>
+                        <a:rPr lang="en-US" sz="1400" baseline="30000" dirty="0">
+                          <a:solidFill>
+                            <a:schemeClr val="dk1"/>
+                          </a:solidFill>
+                          <a:effectLst/>
+                          <a:latin typeface="+mn-lt"/>
+                          <a:ea typeface="+mn-ea"/>
+                          <a:cs typeface="+mn-cs"/>
+                        </a:rPr>
+                        <a:t>2</a:t>
+                      </a:r>
+                      <a:r>
+                        <a:rPr lang="en-US" sz="1400" dirty="0">
+                          <a:effectLst/>
+                        </a:rPr>
+                        <a:t>)</a:t>
                       </a:r>
                       <a:endParaRPr lang="en-US" sz="1200" dirty="0">
                         <a:effectLst/>

--- a/doc/GQW/Raschupkin_EV_UAV_Route_Planning.pptx
+++ b/doc/GQW/Raschupkin_EV_UAV_Route_Planning.pptx
@@ -4,6 +4,9 @@
   <p:sldMasterIdLst>
     <p:sldMasterId id="2147483648" r:id="rId1"/>
   </p:sldMasterIdLst>
+  <p:notesMasterIdLst>
+    <p:notesMasterId r:id="rId26"/>
+  </p:notesMasterIdLst>
   <p:sldIdLst>
     <p:sldId id="256" r:id="rId2"/>
     <p:sldId id="257" r:id="rId3"/>
@@ -142,8 +145,3195 @@
         </p15:guide>
       </p15:sldGuideLst>
     </p:ext>
+    <p:ext uri="{2D200454-40CA-4A62-9FC3-DE9A4176ACB9}">
+      <p15:notesGuideLst xmlns:p15="http://schemas.microsoft.com/office/powerpoint/2012/main">
+        <p15:guide id="1" orient="horz" pos="2160" userDrawn="1">
+          <p15:clr>
+            <a:srgbClr val="A4A3A4"/>
+          </p15:clr>
+        </p15:guide>
+        <p15:guide id="2" pos="2880" userDrawn="1">
+          <p15:clr>
+            <a:srgbClr val="A4A3A4"/>
+          </p15:clr>
+        </p15:guide>
+      </p15:notesGuideLst>
+    </p:ext>
   </p:extLst>
 </p:presentation>
+</file>
+
+<file path=ppt/notesMasters/notesMaster1.xml><?xml version="1.0" encoding="utf-8"?>
+<p:notesMaster xmlns:a="http://schemas.openxmlformats.org/drawingml/2006/main" xmlns:r="http://schemas.openxmlformats.org/officeDocument/2006/relationships" xmlns:p="http://schemas.openxmlformats.org/presentationml/2006/main">
+  <p:cSld>
+    <p:bg>
+      <p:bgRef idx="1001">
+        <a:schemeClr val="bg1"/>
+      </p:bgRef>
+    </p:bg>
+    <p:spTree>
+      <p:nvGrpSpPr>
+        <p:cNvPr id="1" name=""/>
+        <p:cNvGrpSpPr/>
+        <p:nvPr/>
+      </p:nvGrpSpPr>
+      <p:grpSpPr>
+        <a:xfrm>
+          <a:off x="0" y="0"/>
+          <a:ext cx="0" cy="0"/>
+          <a:chOff x="0" y="0"/>
+          <a:chExt cx="0" cy="0"/>
+        </a:xfrm>
+      </p:grpSpPr>
+      <p:sp>
+        <p:nvSpPr>
+          <p:cNvPr id="2" name="Header Placeholder 1"/>
+          <p:cNvSpPr>
+            <a:spLocks noGrp="1"/>
+          </p:cNvSpPr>
+          <p:nvPr>
+            <p:ph type="hdr" sz="quarter"/>
+          </p:nvPr>
+        </p:nvSpPr>
+        <p:spPr>
+          <a:xfrm>
+            <a:off x="0" y="0"/>
+            <a:ext cx="3962400" cy="344488"/>
+          </a:xfrm>
+          <a:prstGeom prst="rect">
+            <a:avLst/>
+          </a:prstGeom>
+        </p:spPr>
+        <p:txBody>
+          <a:bodyPr vert="horz" lIns="91440" tIns="45720" rIns="91440" bIns="45720" rtlCol="0"/>
+          <a:lstStyle>
+            <a:lvl1pPr algn="l">
+              <a:defRPr sz="1200"/>
+            </a:lvl1pPr>
+          </a:lstStyle>
+          <a:p>
+            <a:endParaRPr lang="en-US"/>
+          </a:p>
+        </p:txBody>
+      </p:sp>
+      <p:sp>
+        <p:nvSpPr>
+          <p:cNvPr id="3" name="Date Placeholder 2"/>
+          <p:cNvSpPr>
+            <a:spLocks noGrp="1"/>
+          </p:cNvSpPr>
+          <p:nvPr>
+            <p:ph type="dt" idx="1"/>
+          </p:nvPr>
+        </p:nvSpPr>
+        <p:spPr>
+          <a:xfrm>
+            <a:off x="5180013" y="0"/>
+            <a:ext cx="3962400" cy="344488"/>
+          </a:xfrm>
+          <a:prstGeom prst="rect">
+            <a:avLst/>
+          </a:prstGeom>
+        </p:spPr>
+        <p:txBody>
+          <a:bodyPr vert="horz" lIns="91440" tIns="45720" rIns="91440" bIns="45720" rtlCol="0"/>
+          <a:lstStyle>
+            <a:lvl1pPr algn="r">
+              <a:defRPr sz="1200"/>
+            </a:lvl1pPr>
+          </a:lstStyle>
+          <a:p>
+            <a:fld id="{017DE71F-3CDD-4F9E-A351-8E9DDE9F4932}" type="datetimeFigureOut">
+              <a:rPr lang="en-US" smtClean="0"/>
+              <a:t>2024-06-03</a:t>
+            </a:fld>
+            <a:endParaRPr lang="en-US"/>
+          </a:p>
+        </p:txBody>
+      </p:sp>
+      <p:sp>
+        <p:nvSpPr>
+          <p:cNvPr id="4" name="Slide Image Placeholder 3"/>
+          <p:cNvSpPr>
+            <a:spLocks noGrp="1" noRot="1" noChangeAspect="1"/>
+          </p:cNvSpPr>
+          <p:nvPr>
+            <p:ph type="sldImg" idx="2"/>
+          </p:nvPr>
+        </p:nvSpPr>
+        <p:spPr>
+          <a:xfrm>
+            <a:off x="2514600" y="857250"/>
+            <a:ext cx="4114800" cy="2314575"/>
+          </a:xfrm>
+          <a:prstGeom prst="rect">
+            <a:avLst/>
+          </a:prstGeom>
+          <a:noFill/>
+          <a:ln w="12700">
+            <a:solidFill>
+              <a:prstClr val="black"/>
+            </a:solidFill>
+          </a:ln>
+        </p:spPr>
+        <p:txBody>
+          <a:bodyPr vert="horz" lIns="91440" tIns="45720" rIns="91440" bIns="45720" rtlCol="0" anchor="ctr"/>
+          <a:lstStyle/>
+          <a:p>
+            <a:endParaRPr lang="en-US"/>
+          </a:p>
+        </p:txBody>
+      </p:sp>
+      <p:sp>
+        <p:nvSpPr>
+          <p:cNvPr id="5" name="Notes Placeholder 4"/>
+          <p:cNvSpPr>
+            <a:spLocks noGrp="1"/>
+          </p:cNvSpPr>
+          <p:nvPr>
+            <p:ph type="body" sz="quarter" idx="3"/>
+          </p:nvPr>
+        </p:nvSpPr>
+        <p:spPr>
+          <a:xfrm>
+            <a:off x="914400" y="3300413"/>
+            <a:ext cx="7315200" cy="2700337"/>
+          </a:xfrm>
+          <a:prstGeom prst="rect">
+            <a:avLst/>
+          </a:prstGeom>
+        </p:spPr>
+        <p:txBody>
+          <a:bodyPr vert="horz" lIns="91440" tIns="45720" rIns="91440" bIns="45720" rtlCol="0"/>
+          <a:lstStyle/>
+          <a:p>
+            <a:pPr lvl="0"/>
+            <a:r>
+              <a:rPr lang="en-US"/>
+              <a:t>Click to edit Master text styles</a:t>
+            </a:r>
+          </a:p>
+          <a:p>
+            <a:pPr lvl="1"/>
+            <a:r>
+              <a:rPr lang="en-US"/>
+              <a:t>Second level</a:t>
+            </a:r>
+          </a:p>
+          <a:p>
+            <a:pPr lvl="2"/>
+            <a:r>
+              <a:rPr lang="en-US"/>
+              <a:t>Third level</a:t>
+            </a:r>
+          </a:p>
+          <a:p>
+            <a:pPr lvl="3"/>
+            <a:r>
+              <a:rPr lang="en-US"/>
+              <a:t>Fourth level</a:t>
+            </a:r>
+          </a:p>
+          <a:p>
+            <a:pPr lvl="4"/>
+            <a:r>
+              <a:rPr lang="en-US"/>
+              <a:t>Fifth level</a:t>
+            </a:r>
+          </a:p>
+        </p:txBody>
+      </p:sp>
+      <p:sp>
+        <p:nvSpPr>
+          <p:cNvPr id="6" name="Footer Placeholder 5"/>
+          <p:cNvSpPr>
+            <a:spLocks noGrp="1"/>
+          </p:cNvSpPr>
+          <p:nvPr>
+            <p:ph type="ftr" sz="quarter" idx="4"/>
+          </p:nvPr>
+        </p:nvSpPr>
+        <p:spPr>
+          <a:xfrm>
+            <a:off x="0" y="6513513"/>
+            <a:ext cx="3962400" cy="344487"/>
+          </a:xfrm>
+          <a:prstGeom prst="rect">
+            <a:avLst/>
+          </a:prstGeom>
+        </p:spPr>
+        <p:txBody>
+          <a:bodyPr vert="horz" lIns="91440" tIns="45720" rIns="91440" bIns="45720" rtlCol="0" anchor="b"/>
+          <a:lstStyle>
+            <a:lvl1pPr algn="l">
+              <a:defRPr sz="1200"/>
+            </a:lvl1pPr>
+          </a:lstStyle>
+          <a:p>
+            <a:endParaRPr lang="en-US"/>
+          </a:p>
+        </p:txBody>
+      </p:sp>
+      <p:sp>
+        <p:nvSpPr>
+          <p:cNvPr id="7" name="Slide Number Placeholder 6"/>
+          <p:cNvSpPr>
+            <a:spLocks noGrp="1"/>
+          </p:cNvSpPr>
+          <p:nvPr>
+            <p:ph type="sldNum" sz="quarter" idx="5"/>
+          </p:nvPr>
+        </p:nvSpPr>
+        <p:spPr>
+          <a:xfrm>
+            <a:off x="5180013" y="6513513"/>
+            <a:ext cx="3962400" cy="344487"/>
+          </a:xfrm>
+          <a:prstGeom prst="rect">
+            <a:avLst/>
+          </a:prstGeom>
+        </p:spPr>
+        <p:txBody>
+          <a:bodyPr vert="horz" lIns="91440" tIns="45720" rIns="91440" bIns="45720" rtlCol="0" anchor="b"/>
+          <a:lstStyle>
+            <a:lvl1pPr algn="r">
+              <a:defRPr sz="1200"/>
+            </a:lvl1pPr>
+          </a:lstStyle>
+          <a:p>
+            <a:fld id="{78D085F2-6161-4C63-ACEB-7382BD4A2589}" type="slidenum">
+              <a:rPr lang="en-US" smtClean="0"/>
+              <a:t>‹#›</a:t>
+            </a:fld>
+            <a:endParaRPr lang="en-US"/>
+          </a:p>
+        </p:txBody>
+      </p:sp>
+    </p:spTree>
+    <p:extLst>
+      <p:ext uri="{BB962C8B-B14F-4D97-AF65-F5344CB8AC3E}">
+        <p14:creationId xmlns:p14="http://schemas.microsoft.com/office/powerpoint/2010/main" val="1673709358"/>
+      </p:ext>
+    </p:extLst>
+  </p:cSld>
+  <p:clrMap bg1="lt1" tx1="dk1" bg2="lt2" tx2="dk2" accent1="accent1" accent2="accent2" accent3="accent3" accent4="accent4" accent5="accent5" accent6="accent6" hlink="hlink" folHlink="folHlink"/>
+  <p:notesStyle>
+    <a:lvl1pPr marL="0" algn="l" defTabSz="914400" rtl="0" eaLnBrk="1" latinLnBrk="0" hangingPunct="1">
+      <a:defRPr sz="1200" kern="1200">
+        <a:solidFill>
+          <a:schemeClr val="tx1"/>
+        </a:solidFill>
+        <a:latin typeface="+mn-lt"/>
+        <a:ea typeface="+mn-ea"/>
+        <a:cs typeface="+mn-cs"/>
+      </a:defRPr>
+    </a:lvl1pPr>
+    <a:lvl2pPr marL="457200" algn="l" defTabSz="914400" rtl="0" eaLnBrk="1" latinLnBrk="0" hangingPunct="1">
+      <a:defRPr sz="1200" kern="1200">
+        <a:solidFill>
+          <a:schemeClr val="tx1"/>
+        </a:solidFill>
+        <a:latin typeface="+mn-lt"/>
+        <a:ea typeface="+mn-ea"/>
+        <a:cs typeface="+mn-cs"/>
+      </a:defRPr>
+    </a:lvl2pPr>
+    <a:lvl3pPr marL="914400" algn="l" defTabSz="914400" rtl="0" eaLnBrk="1" latinLnBrk="0" hangingPunct="1">
+      <a:defRPr sz="1200" kern="1200">
+        <a:solidFill>
+          <a:schemeClr val="tx1"/>
+        </a:solidFill>
+        <a:latin typeface="+mn-lt"/>
+        <a:ea typeface="+mn-ea"/>
+        <a:cs typeface="+mn-cs"/>
+      </a:defRPr>
+    </a:lvl3pPr>
+    <a:lvl4pPr marL="1371600" algn="l" defTabSz="914400" rtl="0" eaLnBrk="1" latinLnBrk="0" hangingPunct="1">
+      <a:defRPr sz="1200" kern="1200">
+        <a:solidFill>
+          <a:schemeClr val="tx1"/>
+        </a:solidFill>
+        <a:latin typeface="+mn-lt"/>
+        <a:ea typeface="+mn-ea"/>
+        <a:cs typeface="+mn-cs"/>
+      </a:defRPr>
+    </a:lvl4pPr>
+    <a:lvl5pPr marL="1828800" algn="l" defTabSz="914400" rtl="0" eaLnBrk="1" latinLnBrk="0" hangingPunct="1">
+      <a:defRPr sz="1200" kern="1200">
+        <a:solidFill>
+          <a:schemeClr val="tx1"/>
+        </a:solidFill>
+        <a:latin typeface="+mn-lt"/>
+        <a:ea typeface="+mn-ea"/>
+        <a:cs typeface="+mn-cs"/>
+      </a:defRPr>
+    </a:lvl5pPr>
+    <a:lvl6pPr marL="2286000" algn="l" defTabSz="914400" rtl="0" eaLnBrk="1" latinLnBrk="0" hangingPunct="1">
+      <a:defRPr sz="1200" kern="1200">
+        <a:solidFill>
+          <a:schemeClr val="tx1"/>
+        </a:solidFill>
+        <a:latin typeface="+mn-lt"/>
+        <a:ea typeface="+mn-ea"/>
+        <a:cs typeface="+mn-cs"/>
+      </a:defRPr>
+    </a:lvl6pPr>
+    <a:lvl7pPr marL="2743200" algn="l" defTabSz="914400" rtl="0" eaLnBrk="1" latinLnBrk="0" hangingPunct="1">
+      <a:defRPr sz="1200" kern="1200">
+        <a:solidFill>
+          <a:schemeClr val="tx1"/>
+        </a:solidFill>
+        <a:latin typeface="+mn-lt"/>
+        <a:ea typeface="+mn-ea"/>
+        <a:cs typeface="+mn-cs"/>
+      </a:defRPr>
+    </a:lvl7pPr>
+    <a:lvl8pPr marL="3200400" algn="l" defTabSz="914400" rtl="0" eaLnBrk="1" latinLnBrk="0" hangingPunct="1">
+      <a:defRPr sz="1200" kern="1200">
+        <a:solidFill>
+          <a:schemeClr val="tx1"/>
+        </a:solidFill>
+        <a:latin typeface="+mn-lt"/>
+        <a:ea typeface="+mn-ea"/>
+        <a:cs typeface="+mn-cs"/>
+      </a:defRPr>
+    </a:lvl8pPr>
+    <a:lvl9pPr marL="3657600" algn="l" defTabSz="914400" rtl="0" eaLnBrk="1" latinLnBrk="0" hangingPunct="1">
+      <a:defRPr sz="1200" kern="1200">
+        <a:solidFill>
+          <a:schemeClr val="tx1"/>
+        </a:solidFill>
+        <a:latin typeface="+mn-lt"/>
+        <a:ea typeface="+mn-ea"/>
+        <a:cs typeface="+mn-cs"/>
+      </a:defRPr>
+    </a:lvl9pPr>
+  </p:notesStyle>
+</p:notesMaster>
+</file>
+
+<file path=ppt/notesSlides/notesSlide1.xml><?xml version="1.0" encoding="utf-8"?>
+<p:notes xmlns:a="http://schemas.openxmlformats.org/drawingml/2006/main" xmlns:r="http://schemas.openxmlformats.org/officeDocument/2006/relationships" xmlns:p="http://schemas.openxmlformats.org/presentationml/2006/main">
+  <p:cSld>
+    <p:spTree>
+      <p:nvGrpSpPr>
+        <p:cNvPr id="1" name=""/>
+        <p:cNvGrpSpPr/>
+        <p:nvPr/>
+      </p:nvGrpSpPr>
+      <p:grpSpPr>
+        <a:xfrm>
+          <a:off x="0" y="0"/>
+          <a:ext cx="0" cy="0"/>
+          <a:chOff x="0" y="0"/>
+          <a:chExt cx="0" cy="0"/>
+        </a:xfrm>
+      </p:grpSpPr>
+      <p:sp>
+        <p:nvSpPr>
+          <p:cNvPr id="2" name="Slide Image Placeholder 1"/>
+          <p:cNvSpPr>
+            <a:spLocks noGrp="1" noRot="1" noChangeAspect="1"/>
+          </p:cNvSpPr>
+          <p:nvPr>
+            <p:ph type="sldImg"/>
+          </p:nvPr>
+        </p:nvSpPr>
+        <p:spPr/>
+      </p:sp>
+      <p:sp>
+        <p:nvSpPr>
+          <p:cNvPr id="3" name="Notes Placeholder 2"/>
+          <p:cNvSpPr>
+            <a:spLocks noGrp="1"/>
+          </p:cNvSpPr>
+          <p:nvPr>
+            <p:ph type="body" idx="1"/>
+          </p:nvPr>
+        </p:nvSpPr>
+        <p:spPr/>
+        <p:txBody>
+          <a:bodyPr/>
+          <a:lstStyle/>
+          <a:p>
+            <a:r>
+              <a:rPr lang="ru-RU" dirty="0"/>
+              <a:t>Здравствуйте уважаемая комиссия, меня зовут Ращупкин Евгений, сегодня я представляю свою выпускную квалификационную работу на тему </a:t>
+            </a:r>
+            <a:r>
+              <a:rPr lang="en-US" dirty="0"/>
+              <a:t>“</a:t>
+            </a:r>
+            <a:r>
+              <a:rPr lang="ru-RU" sz="1200" b="1" dirty="0">
+                <a:solidFill>
+                  <a:srgbClr val="000000"/>
+                </a:solidFill>
+                <a:latin typeface="Times New Roman"/>
+                <a:ea typeface="Times New Roman"/>
+                <a:cs typeface="Times New Roman"/>
+              </a:rPr>
+              <a:t>РАЗРАБОТКА НАСТОЛЬНОГО ПРИЛОЖЕНИЯ ДЛЯ РАСЧЕТА МАРШРУТА СЕЛЬСКОХОЗЯЙСТВЕННОГО ДРОНА ПО ИМЕЮЩИМСЯ ХАРАКТЕРИСТИКАМ</a:t>
+            </a:r>
+            <a:r>
+              <a:rPr lang="en-US" dirty="0"/>
+              <a:t>”</a:t>
+            </a:r>
+          </a:p>
+        </p:txBody>
+      </p:sp>
+      <p:sp>
+        <p:nvSpPr>
+          <p:cNvPr id="4" name="Slide Number Placeholder 3"/>
+          <p:cNvSpPr>
+            <a:spLocks noGrp="1"/>
+          </p:cNvSpPr>
+          <p:nvPr>
+            <p:ph type="sldNum" sz="quarter" idx="5"/>
+          </p:nvPr>
+        </p:nvSpPr>
+        <p:spPr/>
+        <p:txBody>
+          <a:bodyPr/>
+          <a:lstStyle/>
+          <a:p>
+            <a:fld id="{78D085F2-6161-4C63-ACEB-7382BD4A2589}" type="slidenum">
+              <a:rPr lang="en-US" smtClean="0"/>
+              <a:t>1</a:t>
+            </a:fld>
+            <a:endParaRPr lang="en-US"/>
+          </a:p>
+        </p:txBody>
+      </p:sp>
+    </p:spTree>
+    <p:extLst>
+      <p:ext uri="{BB962C8B-B14F-4D97-AF65-F5344CB8AC3E}">
+        <p14:creationId xmlns:p14="http://schemas.microsoft.com/office/powerpoint/2010/main" val="2981737372"/>
+      </p:ext>
+    </p:extLst>
+  </p:cSld>
+  <p:clrMapOvr>
+    <a:masterClrMapping/>
+  </p:clrMapOvr>
+</p:notes>
+</file>
+
+<file path=ppt/notesSlides/notesSlide10.xml><?xml version="1.0" encoding="utf-8"?>
+<p:notes xmlns:a="http://schemas.openxmlformats.org/drawingml/2006/main" xmlns:r="http://schemas.openxmlformats.org/officeDocument/2006/relationships" xmlns:p="http://schemas.openxmlformats.org/presentationml/2006/main">
+  <p:cSld>
+    <p:spTree>
+      <p:nvGrpSpPr>
+        <p:cNvPr id="1" name=""/>
+        <p:cNvGrpSpPr/>
+        <p:nvPr/>
+      </p:nvGrpSpPr>
+      <p:grpSpPr>
+        <a:xfrm>
+          <a:off x="0" y="0"/>
+          <a:ext cx="0" cy="0"/>
+          <a:chOff x="0" y="0"/>
+          <a:chExt cx="0" cy="0"/>
+        </a:xfrm>
+      </p:grpSpPr>
+      <p:sp>
+        <p:nvSpPr>
+          <p:cNvPr id="2" name="Slide Image Placeholder 1"/>
+          <p:cNvSpPr>
+            <a:spLocks noGrp="1" noRot="1" noChangeAspect="1"/>
+          </p:cNvSpPr>
+          <p:nvPr>
+            <p:ph type="sldImg"/>
+          </p:nvPr>
+        </p:nvSpPr>
+        <p:spPr/>
+      </p:sp>
+      <p:sp>
+        <p:nvSpPr>
+          <p:cNvPr id="3" name="Notes Placeholder 2"/>
+          <p:cNvSpPr>
+            <a:spLocks noGrp="1"/>
+          </p:cNvSpPr>
+          <p:nvPr>
+            <p:ph type="body" idx="1"/>
+          </p:nvPr>
+        </p:nvSpPr>
+        <p:spPr/>
+        <p:txBody>
+          <a:bodyPr/>
+          <a:lstStyle/>
+          <a:p>
+            <a:r>
+              <a:rPr lang="ru-RU" dirty="0"/>
+              <a:t>Построение маршрута для дрона можно рассмотреть как задачу </a:t>
+            </a:r>
+            <a:r>
+              <a:rPr lang="ru-RU" dirty="0" err="1"/>
+              <a:t>комивояжера</a:t>
+            </a:r>
+            <a:r>
+              <a:rPr lang="ru-RU" dirty="0"/>
+              <a:t> - оптимизационной задача поиска циклического маршрута с наименьшей стоимостью через все узлы взвешенного графа.</a:t>
+            </a:r>
+            <a:br>
+              <a:rPr lang="ru-RU" dirty="0"/>
+            </a:br>
+            <a:r>
+              <a:rPr lang="ru-RU" dirty="0"/>
+              <a:t>Для реализации построения маршрута было выбрано 3 алгоритма.</a:t>
+            </a:r>
+            <a:br>
+              <a:rPr lang="ru-RU" dirty="0"/>
+            </a:br>
+            <a:endParaRPr lang="ru-RU" dirty="0"/>
+          </a:p>
+          <a:p>
+            <a:r>
+              <a:rPr lang="ru-RU" dirty="0"/>
+              <a:t>Алгоритм ближайшего соседа </a:t>
+            </a:r>
+            <a:r>
+              <a:rPr lang="ru-RU" dirty="0" err="1"/>
+              <a:t>Апроксимационный</a:t>
+            </a:r>
+            <a:r>
+              <a:rPr lang="ru-RU" dirty="0"/>
+              <a:t> алгоритм имеющий высокую скорость выполнения.</a:t>
+            </a:r>
+          </a:p>
+          <a:p>
+            <a:r>
+              <a:rPr lang="ru-RU" dirty="0"/>
+              <a:t>Алгоритм полного перебора является алгоритмом оптимального решения, но он не рекомендуется к использованию в случае, если количество точек съемки превышает 13.</a:t>
+            </a:r>
+          </a:p>
+          <a:p>
+            <a:r>
+              <a:rPr lang="ru-RU" dirty="0"/>
+              <a:t>Алгоритм предназначенный для прямоугольных областей более комплексный, но предоставляет достаточно точное решение для нужд сельского хозяйства, его особенностью является то, что в конечный маршрут входят точки, находящиеся вне полигона, но ограниченные прямоугольником. </a:t>
+            </a:r>
+            <a:br>
+              <a:rPr lang="ru-RU" dirty="0"/>
+            </a:br>
+            <a:br>
+              <a:rPr lang="ru-RU" dirty="0"/>
+            </a:br>
+            <a:r>
+              <a:rPr lang="ru-RU" dirty="0"/>
+              <a:t>Далее будет рассмотрен каждый алгоритм подробнее.</a:t>
+            </a:r>
+            <a:endParaRPr lang="en-US" dirty="0"/>
+          </a:p>
+        </p:txBody>
+      </p:sp>
+      <p:sp>
+        <p:nvSpPr>
+          <p:cNvPr id="4" name="Slide Number Placeholder 3"/>
+          <p:cNvSpPr>
+            <a:spLocks noGrp="1"/>
+          </p:cNvSpPr>
+          <p:nvPr>
+            <p:ph type="sldNum" sz="quarter" idx="5"/>
+          </p:nvPr>
+        </p:nvSpPr>
+        <p:spPr/>
+        <p:txBody>
+          <a:bodyPr/>
+          <a:lstStyle/>
+          <a:p>
+            <a:fld id="{78D085F2-6161-4C63-ACEB-7382BD4A2589}" type="slidenum">
+              <a:rPr lang="en-US" smtClean="0"/>
+              <a:t>10</a:t>
+            </a:fld>
+            <a:endParaRPr lang="en-US"/>
+          </a:p>
+        </p:txBody>
+      </p:sp>
+    </p:spTree>
+    <p:extLst>
+      <p:ext uri="{BB962C8B-B14F-4D97-AF65-F5344CB8AC3E}">
+        <p14:creationId xmlns:p14="http://schemas.microsoft.com/office/powerpoint/2010/main" val="173291979"/>
+      </p:ext>
+    </p:extLst>
+  </p:cSld>
+  <p:clrMapOvr>
+    <a:masterClrMapping/>
+  </p:clrMapOvr>
+</p:notes>
+</file>
+
+<file path=ppt/notesSlides/notesSlide11.xml><?xml version="1.0" encoding="utf-8"?>
+<p:notes xmlns:a="http://schemas.openxmlformats.org/drawingml/2006/main" xmlns:r="http://schemas.openxmlformats.org/officeDocument/2006/relationships" xmlns:p="http://schemas.openxmlformats.org/presentationml/2006/main">
+  <p:cSld>
+    <p:spTree>
+      <p:nvGrpSpPr>
+        <p:cNvPr id="1" name=""/>
+        <p:cNvGrpSpPr/>
+        <p:nvPr/>
+      </p:nvGrpSpPr>
+      <p:grpSpPr>
+        <a:xfrm>
+          <a:off x="0" y="0"/>
+          <a:ext cx="0" cy="0"/>
+          <a:chOff x="0" y="0"/>
+          <a:chExt cx="0" cy="0"/>
+        </a:xfrm>
+      </p:grpSpPr>
+      <p:sp>
+        <p:nvSpPr>
+          <p:cNvPr id="2" name="Slide Image Placeholder 1"/>
+          <p:cNvSpPr>
+            <a:spLocks noGrp="1" noRot="1" noChangeAspect="1"/>
+          </p:cNvSpPr>
+          <p:nvPr>
+            <p:ph type="sldImg"/>
+          </p:nvPr>
+        </p:nvSpPr>
+        <p:spPr/>
+      </p:sp>
+      <p:sp>
+        <p:nvSpPr>
+          <p:cNvPr id="3" name="Notes Placeholder 2"/>
+          <p:cNvSpPr>
+            <a:spLocks noGrp="1"/>
+          </p:cNvSpPr>
+          <p:nvPr>
+            <p:ph type="body" idx="1"/>
+          </p:nvPr>
+        </p:nvSpPr>
+        <p:spPr/>
+        <p:txBody>
+          <a:bodyPr/>
+          <a:lstStyle/>
+          <a:p>
+            <a:r>
+              <a:rPr lang="ru-RU" dirty="0"/>
+              <a:t>Данные алгоритмы включают в себя шаг дискретизации. </a:t>
+            </a:r>
+            <a:br>
+              <a:rPr lang="ru-RU" dirty="0"/>
+            </a:br>
+            <a:r>
+              <a:rPr lang="ru-RU" dirty="0"/>
+              <a:t>Его суть в том, что область съемки делится на прямоугольники, представляющие области одного снимка дрона. Если один из углов или центр входят внутрь полигона, точка центра снимка добавляется в массив точек, предназначенных для посещения.</a:t>
+            </a:r>
+            <a:br>
+              <a:rPr lang="ru-RU" dirty="0"/>
+            </a:br>
+            <a:r>
+              <a:rPr lang="ru-RU" dirty="0"/>
+              <a:t>В случае алгоритма для прямоугольных областей эта проверка не применяется и точка центра добавляется в массив точек для посещения.</a:t>
+            </a:r>
+          </a:p>
+        </p:txBody>
+      </p:sp>
+      <p:sp>
+        <p:nvSpPr>
+          <p:cNvPr id="4" name="Slide Number Placeholder 3"/>
+          <p:cNvSpPr>
+            <a:spLocks noGrp="1"/>
+          </p:cNvSpPr>
+          <p:nvPr>
+            <p:ph type="sldNum" sz="quarter" idx="5"/>
+          </p:nvPr>
+        </p:nvSpPr>
+        <p:spPr/>
+        <p:txBody>
+          <a:bodyPr/>
+          <a:lstStyle/>
+          <a:p>
+            <a:fld id="{78D085F2-6161-4C63-ACEB-7382BD4A2589}" type="slidenum">
+              <a:rPr lang="en-US" smtClean="0"/>
+              <a:t>11</a:t>
+            </a:fld>
+            <a:endParaRPr lang="en-US"/>
+          </a:p>
+        </p:txBody>
+      </p:sp>
+    </p:spTree>
+    <p:extLst>
+      <p:ext uri="{BB962C8B-B14F-4D97-AF65-F5344CB8AC3E}">
+        <p14:creationId xmlns:p14="http://schemas.microsoft.com/office/powerpoint/2010/main" val="138835303"/>
+      </p:ext>
+    </p:extLst>
+  </p:cSld>
+  <p:clrMapOvr>
+    <a:masterClrMapping/>
+  </p:clrMapOvr>
+</p:notes>
+</file>
+
+<file path=ppt/notesSlides/notesSlide12.xml><?xml version="1.0" encoding="utf-8"?>
+<p:notes xmlns:a="http://schemas.openxmlformats.org/drawingml/2006/main" xmlns:r="http://schemas.openxmlformats.org/officeDocument/2006/relationships" xmlns:p="http://schemas.openxmlformats.org/presentationml/2006/main">
+  <p:cSld>
+    <p:spTree>
+      <p:nvGrpSpPr>
+        <p:cNvPr id="1" name=""/>
+        <p:cNvGrpSpPr/>
+        <p:nvPr/>
+      </p:nvGrpSpPr>
+      <p:grpSpPr>
+        <a:xfrm>
+          <a:off x="0" y="0"/>
+          <a:ext cx="0" cy="0"/>
+          <a:chOff x="0" y="0"/>
+          <a:chExt cx="0" cy="0"/>
+        </a:xfrm>
+      </p:grpSpPr>
+      <p:sp>
+        <p:nvSpPr>
+          <p:cNvPr id="2" name="Slide Image Placeholder 1"/>
+          <p:cNvSpPr>
+            <a:spLocks noGrp="1" noRot="1" noChangeAspect="1"/>
+          </p:cNvSpPr>
+          <p:nvPr>
+            <p:ph type="sldImg"/>
+          </p:nvPr>
+        </p:nvSpPr>
+        <p:spPr/>
+      </p:sp>
+      <p:sp>
+        <p:nvSpPr>
+          <p:cNvPr id="3" name="Notes Placeholder 2"/>
+          <p:cNvSpPr>
+            <a:spLocks noGrp="1"/>
+          </p:cNvSpPr>
+          <p:nvPr>
+            <p:ph type="body" idx="1"/>
+          </p:nvPr>
+        </p:nvSpPr>
+        <p:spPr/>
+        <p:txBody>
+          <a:bodyPr/>
+          <a:lstStyle/>
+          <a:p>
+            <a:r>
+              <a:rPr lang="ru-RU" dirty="0"/>
+              <a:t>На данном слайде представлена работа алгоритма ближайшего соседа. Принцип его работы заключается в том, что следующая точка для посещения является точкой, ближайшей к текущей.</a:t>
+            </a:r>
+            <a:endParaRPr lang="en-US" dirty="0"/>
+          </a:p>
+        </p:txBody>
+      </p:sp>
+      <p:sp>
+        <p:nvSpPr>
+          <p:cNvPr id="4" name="Slide Number Placeholder 3"/>
+          <p:cNvSpPr>
+            <a:spLocks noGrp="1"/>
+          </p:cNvSpPr>
+          <p:nvPr>
+            <p:ph type="sldNum" sz="quarter" idx="5"/>
+          </p:nvPr>
+        </p:nvSpPr>
+        <p:spPr/>
+        <p:txBody>
+          <a:bodyPr/>
+          <a:lstStyle/>
+          <a:p>
+            <a:fld id="{78D085F2-6161-4C63-ACEB-7382BD4A2589}" type="slidenum">
+              <a:rPr lang="en-US" smtClean="0"/>
+              <a:t>12</a:t>
+            </a:fld>
+            <a:endParaRPr lang="en-US"/>
+          </a:p>
+        </p:txBody>
+      </p:sp>
+    </p:spTree>
+    <p:extLst>
+      <p:ext uri="{BB962C8B-B14F-4D97-AF65-F5344CB8AC3E}">
+        <p14:creationId xmlns:p14="http://schemas.microsoft.com/office/powerpoint/2010/main" val="356571710"/>
+      </p:ext>
+    </p:extLst>
+  </p:cSld>
+  <p:clrMapOvr>
+    <a:masterClrMapping/>
+  </p:clrMapOvr>
+</p:notes>
+</file>
+
+<file path=ppt/notesSlides/notesSlide13.xml><?xml version="1.0" encoding="utf-8"?>
+<p:notes xmlns:a="http://schemas.openxmlformats.org/drawingml/2006/main" xmlns:r="http://schemas.openxmlformats.org/officeDocument/2006/relationships" xmlns:p="http://schemas.openxmlformats.org/presentationml/2006/main">
+  <p:cSld>
+    <p:spTree>
+      <p:nvGrpSpPr>
+        <p:cNvPr id="1" name=""/>
+        <p:cNvGrpSpPr/>
+        <p:nvPr/>
+      </p:nvGrpSpPr>
+      <p:grpSpPr>
+        <a:xfrm>
+          <a:off x="0" y="0"/>
+          <a:ext cx="0" cy="0"/>
+          <a:chOff x="0" y="0"/>
+          <a:chExt cx="0" cy="0"/>
+        </a:xfrm>
+      </p:grpSpPr>
+      <p:sp>
+        <p:nvSpPr>
+          <p:cNvPr id="2" name="Slide Image Placeholder 1"/>
+          <p:cNvSpPr>
+            <a:spLocks noGrp="1" noRot="1" noChangeAspect="1"/>
+          </p:cNvSpPr>
+          <p:nvPr>
+            <p:ph type="sldImg"/>
+          </p:nvPr>
+        </p:nvSpPr>
+        <p:spPr/>
+      </p:sp>
+      <p:sp>
+        <p:nvSpPr>
+          <p:cNvPr id="3" name="Notes Placeholder 2"/>
+          <p:cNvSpPr>
+            <a:spLocks noGrp="1"/>
+          </p:cNvSpPr>
+          <p:nvPr>
+            <p:ph type="body" idx="1"/>
+          </p:nvPr>
+        </p:nvSpPr>
+        <p:spPr/>
+        <p:txBody>
+          <a:bodyPr/>
+          <a:lstStyle/>
+          <a:p>
+            <a:r>
+              <a:rPr lang="ru-RU" dirty="0"/>
+              <a:t>Данный алгоритм работает в том числе и для нескольких полей, но как видно на слайде в случае алгоритма ближайшего соседа имеют место быть петли, делающие маршрут неоптимальным.</a:t>
+            </a:r>
+            <a:endParaRPr lang="en-US" dirty="0"/>
+          </a:p>
+        </p:txBody>
+      </p:sp>
+      <p:sp>
+        <p:nvSpPr>
+          <p:cNvPr id="4" name="Slide Number Placeholder 3"/>
+          <p:cNvSpPr>
+            <a:spLocks noGrp="1"/>
+          </p:cNvSpPr>
+          <p:nvPr>
+            <p:ph type="sldNum" sz="quarter" idx="5"/>
+          </p:nvPr>
+        </p:nvSpPr>
+        <p:spPr/>
+        <p:txBody>
+          <a:bodyPr/>
+          <a:lstStyle/>
+          <a:p>
+            <a:fld id="{78D085F2-6161-4C63-ACEB-7382BD4A2589}" type="slidenum">
+              <a:rPr lang="en-US" smtClean="0"/>
+              <a:t>13</a:t>
+            </a:fld>
+            <a:endParaRPr lang="en-US"/>
+          </a:p>
+        </p:txBody>
+      </p:sp>
+    </p:spTree>
+    <p:extLst>
+      <p:ext uri="{BB962C8B-B14F-4D97-AF65-F5344CB8AC3E}">
+        <p14:creationId xmlns:p14="http://schemas.microsoft.com/office/powerpoint/2010/main" val="894006589"/>
+      </p:ext>
+    </p:extLst>
+  </p:cSld>
+  <p:clrMapOvr>
+    <a:masterClrMapping/>
+  </p:clrMapOvr>
+</p:notes>
+</file>
+
+<file path=ppt/notesSlides/notesSlide14.xml><?xml version="1.0" encoding="utf-8"?>
+<p:notes xmlns:a="http://schemas.openxmlformats.org/drawingml/2006/main" xmlns:r="http://schemas.openxmlformats.org/officeDocument/2006/relationships" xmlns:p="http://schemas.openxmlformats.org/presentationml/2006/main">
+  <p:cSld>
+    <p:spTree>
+      <p:nvGrpSpPr>
+        <p:cNvPr id="1" name=""/>
+        <p:cNvGrpSpPr/>
+        <p:nvPr/>
+      </p:nvGrpSpPr>
+      <p:grpSpPr>
+        <a:xfrm>
+          <a:off x="0" y="0"/>
+          <a:ext cx="0" cy="0"/>
+          <a:chOff x="0" y="0"/>
+          <a:chExt cx="0" cy="0"/>
+        </a:xfrm>
+      </p:grpSpPr>
+      <p:sp>
+        <p:nvSpPr>
+          <p:cNvPr id="2" name="Slide Image Placeholder 1"/>
+          <p:cNvSpPr>
+            <a:spLocks noGrp="1" noRot="1" noChangeAspect="1"/>
+          </p:cNvSpPr>
+          <p:nvPr>
+            <p:ph type="sldImg"/>
+          </p:nvPr>
+        </p:nvSpPr>
+        <p:spPr/>
+      </p:sp>
+      <p:sp>
+        <p:nvSpPr>
+          <p:cNvPr id="3" name="Notes Placeholder 2"/>
+          <p:cNvSpPr>
+            <a:spLocks noGrp="1"/>
+          </p:cNvSpPr>
+          <p:nvPr>
+            <p:ph type="body" idx="1"/>
+          </p:nvPr>
+        </p:nvSpPr>
+        <p:spPr/>
+        <p:txBody>
+          <a:bodyPr/>
+          <a:lstStyle/>
+          <a:p>
+            <a:r>
+              <a:rPr lang="ru-RU" dirty="0"/>
+              <a:t>Алгоритм полного перебора перебирает все возможные пути дрона и выбирает оптимальный между ними, но стоит вновь подметить, что временная сложность алгоритма равна факториалу точек посещения.</a:t>
+            </a:r>
+            <a:endParaRPr lang="en-US" dirty="0"/>
+          </a:p>
+        </p:txBody>
+      </p:sp>
+      <p:sp>
+        <p:nvSpPr>
+          <p:cNvPr id="4" name="Slide Number Placeholder 3"/>
+          <p:cNvSpPr>
+            <a:spLocks noGrp="1"/>
+          </p:cNvSpPr>
+          <p:nvPr>
+            <p:ph type="sldNum" sz="quarter" idx="5"/>
+          </p:nvPr>
+        </p:nvSpPr>
+        <p:spPr/>
+        <p:txBody>
+          <a:bodyPr/>
+          <a:lstStyle/>
+          <a:p>
+            <a:fld id="{78D085F2-6161-4C63-ACEB-7382BD4A2589}" type="slidenum">
+              <a:rPr lang="en-US" smtClean="0"/>
+              <a:t>14</a:t>
+            </a:fld>
+            <a:endParaRPr lang="en-US"/>
+          </a:p>
+        </p:txBody>
+      </p:sp>
+    </p:spTree>
+    <p:extLst>
+      <p:ext uri="{BB962C8B-B14F-4D97-AF65-F5344CB8AC3E}">
+        <p14:creationId xmlns:p14="http://schemas.microsoft.com/office/powerpoint/2010/main" val="2399945523"/>
+      </p:ext>
+    </p:extLst>
+  </p:cSld>
+  <p:clrMapOvr>
+    <a:masterClrMapping/>
+  </p:clrMapOvr>
+</p:notes>
+</file>
+
+<file path=ppt/notesSlides/notesSlide15.xml><?xml version="1.0" encoding="utf-8"?>
+<p:notes xmlns:a="http://schemas.openxmlformats.org/drawingml/2006/main" xmlns:r="http://schemas.openxmlformats.org/officeDocument/2006/relationships" xmlns:p="http://schemas.openxmlformats.org/presentationml/2006/main">
+  <p:cSld>
+    <p:spTree>
+      <p:nvGrpSpPr>
+        <p:cNvPr id="1" name=""/>
+        <p:cNvGrpSpPr/>
+        <p:nvPr/>
+      </p:nvGrpSpPr>
+      <p:grpSpPr>
+        <a:xfrm>
+          <a:off x="0" y="0"/>
+          <a:ext cx="0" cy="0"/>
+          <a:chOff x="0" y="0"/>
+          <a:chExt cx="0" cy="0"/>
+        </a:xfrm>
+      </p:grpSpPr>
+      <p:sp>
+        <p:nvSpPr>
+          <p:cNvPr id="2" name="Slide Image Placeholder 1"/>
+          <p:cNvSpPr>
+            <a:spLocks noGrp="1" noRot="1" noChangeAspect="1"/>
+          </p:cNvSpPr>
+          <p:nvPr>
+            <p:ph type="sldImg"/>
+          </p:nvPr>
+        </p:nvSpPr>
+        <p:spPr/>
+      </p:sp>
+      <p:sp>
+        <p:nvSpPr>
+          <p:cNvPr id="3" name="Notes Placeholder 2"/>
+          <p:cNvSpPr>
+            <a:spLocks noGrp="1"/>
+          </p:cNvSpPr>
+          <p:nvPr>
+            <p:ph type="body" idx="1"/>
+          </p:nvPr>
+        </p:nvSpPr>
+        <p:spPr/>
+        <p:txBody>
+          <a:bodyPr/>
+          <a:lstStyle/>
+          <a:p>
+            <a:r>
+              <a:rPr lang="ru-RU" dirty="0"/>
+              <a:t>Алгоритм для </a:t>
+            </a:r>
+            <a:r>
+              <a:rPr lang="ru-RU" dirty="0" err="1"/>
+              <a:t>прямоугольнх</a:t>
+            </a:r>
+            <a:r>
+              <a:rPr lang="ru-RU" dirty="0"/>
+              <a:t> областей состоит из 4х этапов.</a:t>
+            </a:r>
+            <a:br>
+              <a:rPr lang="ru-RU" dirty="0"/>
+            </a:br>
+            <a:endParaRPr lang="ru-RU" dirty="0"/>
+          </a:p>
+          <a:p>
+            <a:pPr marL="394022" indent="-394022">
+              <a:buFont typeface="Arial"/>
+              <a:buAutoNum type="arabicPeriod"/>
+              <a:defRPr/>
+            </a:pPr>
+            <a:r>
+              <a:rPr lang="ru-RU" dirty="0">
+                <a:latin typeface="Times New Roman"/>
+                <a:cs typeface="Times New Roman"/>
+              </a:rPr>
+              <a:t>Дискретизация прямоугольных областей.</a:t>
+            </a:r>
+          </a:p>
+          <a:p>
+            <a:pPr marL="394022" indent="-394022">
+              <a:buFont typeface="Arial"/>
+              <a:buAutoNum type="arabicPeriod"/>
+              <a:defRPr/>
+            </a:pPr>
+            <a:r>
+              <a:rPr lang="ru-RU" dirty="0">
+                <a:latin typeface="Times New Roman"/>
+                <a:cs typeface="Times New Roman"/>
+              </a:rPr>
+              <a:t>Построение маршрута внутри прямоугольных областей.</a:t>
+            </a:r>
+          </a:p>
+          <a:p>
+            <a:pPr marL="394022" indent="-394022">
+              <a:buFont typeface="Arial"/>
+              <a:buAutoNum type="arabicPeriod"/>
+              <a:defRPr/>
+            </a:pPr>
+            <a:r>
+              <a:rPr lang="ru-RU" dirty="0">
+                <a:latin typeface="Times New Roman"/>
+                <a:cs typeface="Times New Roman"/>
+              </a:rPr>
+              <a:t>Нахождение минимального </a:t>
+            </a:r>
+            <a:r>
+              <a:rPr lang="ru-RU" dirty="0" err="1">
+                <a:latin typeface="Times New Roman"/>
+                <a:cs typeface="Times New Roman"/>
+              </a:rPr>
+              <a:t>остовного</a:t>
+            </a:r>
+            <a:r>
+              <a:rPr lang="ru-RU" dirty="0">
+                <a:latin typeface="Times New Roman"/>
+                <a:cs typeface="Times New Roman"/>
+              </a:rPr>
+              <a:t> дерева с использованием алгоритма </a:t>
+            </a:r>
+            <a:r>
+              <a:rPr lang="ru-RU" dirty="0" err="1">
+                <a:latin typeface="Times New Roman"/>
+                <a:cs typeface="Times New Roman"/>
+              </a:rPr>
+              <a:t>Борувки</a:t>
+            </a:r>
+            <a:r>
+              <a:rPr lang="ru-RU" dirty="0">
+                <a:latin typeface="Times New Roman"/>
+                <a:cs typeface="Times New Roman"/>
+              </a:rPr>
+              <a:t>.</a:t>
+            </a:r>
+          </a:p>
+          <a:p>
+            <a:pPr marL="394022" indent="-394022">
+              <a:buFont typeface="Arial"/>
+              <a:buAutoNum type="arabicPeriod"/>
+              <a:defRPr/>
+            </a:pPr>
+            <a:r>
+              <a:rPr lang="ru-RU" dirty="0">
+                <a:latin typeface="Times New Roman"/>
+                <a:cs typeface="Times New Roman"/>
+              </a:rPr>
+              <a:t>Связывание прямоугольных областей.</a:t>
+            </a:r>
+          </a:p>
+          <a:p>
+            <a:endParaRPr lang="en-US" dirty="0"/>
+          </a:p>
+        </p:txBody>
+      </p:sp>
+      <p:sp>
+        <p:nvSpPr>
+          <p:cNvPr id="4" name="Slide Number Placeholder 3"/>
+          <p:cNvSpPr>
+            <a:spLocks noGrp="1"/>
+          </p:cNvSpPr>
+          <p:nvPr>
+            <p:ph type="sldNum" sz="quarter" idx="5"/>
+          </p:nvPr>
+        </p:nvSpPr>
+        <p:spPr/>
+        <p:txBody>
+          <a:bodyPr/>
+          <a:lstStyle/>
+          <a:p>
+            <a:fld id="{78D085F2-6161-4C63-ACEB-7382BD4A2589}" type="slidenum">
+              <a:rPr lang="en-US" smtClean="0"/>
+              <a:t>15</a:t>
+            </a:fld>
+            <a:endParaRPr lang="en-US"/>
+          </a:p>
+        </p:txBody>
+      </p:sp>
+    </p:spTree>
+    <p:extLst>
+      <p:ext uri="{BB962C8B-B14F-4D97-AF65-F5344CB8AC3E}">
+        <p14:creationId xmlns:p14="http://schemas.microsoft.com/office/powerpoint/2010/main" val="18327918"/>
+      </p:ext>
+    </p:extLst>
+  </p:cSld>
+  <p:clrMapOvr>
+    <a:masterClrMapping/>
+  </p:clrMapOvr>
+</p:notes>
+</file>
+
+<file path=ppt/notesSlides/notesSlide16.xml><?xml version="1.0" encoding="utf-8"?>
+<p:notes xmlns:a="http://schemas.openxmlformats.org/drawingml/2006/main" xmlns:r="http://schemas.openxmlformats.org/officeDocument/2006/relationships" xmlns:p="http://schemas.openxmlformats.org/presentationml/2006/main">
+  <p:cSld>
+    <p:spTree>
+      <p:nvGrpSpPr>
+        <p:cNvPr id="1" name=""/>
+        <p:cNvGrpSpPr/>
+        <p:nvPr/>
+      </p:nvGrpSpPr>
+      <p:grpSpPr>
+        <a:xfrm>
+          <a:off x="0" y="0"/>
+          <a:ext cx="0" cy="0"/>
+          <a:chOff x="0" y="0"/>
+          <a:chExt cx="0" cy="0"/>
+        </a:xfrm>
+      </p:grpSpPr>
+      <p:sp>
+        <p:nvSpPr>
+          <p:cNvPr id="2" name="Slide Image Placeholder 1"/>
+          <p:cNvSpPr>
+            <a:spLocks noGrp="1" noRot="1" noChangeAspect="1"/>
+          </p:cNvSpPr>
+          <p:nvPr>
+            <p:ph type="sldImg"/>
+          </p:nvPr>
+        </p:nvSpPr>
+        <p:spPr/>
+      </p:sp>
+      <p:sp>
+        <p:nvSpPr>
+          <p:cNvPr id="3" name="Notes Placeholder 2"/>
+          <p:cNvSpPr>
+            <a:spLocks noGrp="1"/>
+          </p:cNvSpPr>
+          <p:nvPr>
+            <p:ph type="body" idx="1"/>
+          </p:nvPr>
+        </p:nvSpPr>
+        <p:spPr/>
+        <p:txBody>
+          <a:bodyPr/>
+          <a:lstStyle/>
+          <a:p>
+            <a:r>
+              <a:rPr lang="ru-RU" dirty="0"/>
+              <a:t>Первый этап был описан ранее и в его результате у нас получается несколько прямоугольников. </a:t>
+            </a:r>
+            <a:br>
+              <a:rPr lang="ru-RU" dirty="0"/>
+            </a:br>
+            <a:r>
+              <a:rPr lang="ru-RU" dirty="0"/>
+              <a:t>Вторым этапом идет построение маршрута внутри прямоугольника</a:t>
+            </a:r>
+            <a:r>
+              <a:rPr lang="en-US" dirty="0"/>
+              <a:t>.</a:t>
+            </a:r>
+          </a:p>
+          <a:p>
+            <a:endParaRPr lang="en-US" dirty="0"/>
+          </a:p>
+          <a:p>
+            <a:r>
+              <a:rPr lang="ru-RU" dirty="0"/>
+              <a:t>На слайде представлено 2 случая с четным и нечетной высотой прямоугольника и нечетной шириной. </a:t>
+            </a:r>
+            <a:endParaRPr lang="en-US" dirty="0"/>
+          </a:p>
+        </p:txBody>
+      </p:sp>
+      <p:sp>
+        <p:nvSpPr>
+          <p:cNvPr id="4" name="Slide Number Placeholder 3"/>
+          <p:cNvSpPr>
+            <a:spLocks noGrp="1"/>
+          </p:cNvSpPr>
+          <p:nvPr>
+            <p:ph type="sldNum" sz="quarter" idx="5"/>
+          </p:nvPr>
+        </p:nvSpPr>
+        <p:spPr/>
+        <p:txBody>
+          <a:bodyPr/>
+          <a:lstStyle/>
+          <a:p>
+            <a:fld id="{78D085F2-6161-4C63-ACEB-7382BD4A2589}" type="slidenum">
+              <a:rPr lang="en-US" smtClean="0"/>
+              <a:t>16</a:t>
+            </a:fld>
+            <a:endParaRPr lang="en-US"/>
+          </a:p>
+        </p:txBody>
+      </p:sp>
+    </p:spTree>
+    <p:extLst>
+      <p:ext uri="{BB962C8B-B14F-4D97-AF65-F5344CB8AC3E}">
+        <p14:creationId xmlns:p14="http://schemas.microsoft.com/office/powerpoint/2010/main" val="2671932917"/>
+      </p:ext>
+    </p:extLst>
+  </p:cSld>
+  <p:clrMapOvr>
+    <a:masterClrMapping/>
+  </p:clrMapOvr>
+</p:notes>
+</file>
+
+<file path=ppt/notesSlides/notesSlide17.xml><?xml version="1.0" encoding="utf-8"?>
+<p:notes xmlns:a="http://schemas.openxmlformats.org/drawingml/2006/main" xmlns:r="http://schemas.openxmlformats.org/officeDocument/2006/relationships" xmlns:p="http://schemas.openxmlformats.org/presentationml/2006/main">
+  <p:cSld>
+    <p:spTree>
+      <p:nvGrpSpPr>
+        <p:cNvPr id="1" name=""/>
+        <p:cNvGrpSpPr/>
+        <p:nvPr/>
+      </p:nvGrpSpPr>
+      <p:grpSpPr>
+        <a:xfrm>
+          <a:off x="0" y="0"/>
+          <a:ext cx="0" cy="0"/>
+          <a:chOff x="0" y="0"/>
+          <a:chExt cx="0" cy="0"/>
+        </a:xfrm>
+      </p:grpSpPr>
+      <p:sp>
+        <p:nvSpPr>
+          <p:cNvPr id="2" name="Slide Image Placeholder 1"/>
+          <p:cNvSpPr>
+            <a:spLocks noGrp="1" noRot="1" noChangeAspect="1"/>
+          </p:cNvSpPr>
+          <p:nvPr>
+            <p:ph type="sldImg"/>
+          </p:nvPr>
+        </p:nvSpPr>
+        <p:spPr/>
+      </p:sp>
+      <p:sp>
+        <p:nvSpPr>
+          <p:cNvPr id="3" name="Notes Placeholder 2"/>
+          <p:cNvSpPr>
+            <a:spLocks noGrp="1"/>
+          </p:cNvSpPr>
+          <p:nvPr>
+            <p:ph type="body" idx="1"/>
+          </p:nvPr>
+        </p:nvSpPr>
+        <p:spPr/>
+        <p:txBody>
+          <a:bodyPr/>
+          <a:lstStyle/>
+          <a:p>
+            <a:r>
+              <a:rPr lang="ru-RU" dirty="0"/>
+              <a:t>Для связывания прямоугольников используются такой метод. Для параллельных прямоугольников связываются 2 ближайшие грани</a:t>
+            </a:r>
+            <a:r>
+              <a:rPr lang="en-US" dirty="0"/>
+              <a:t>, </a:t>
+            </a:r>
+            <a:r>
+              <a:rPr lang="ru-RU" dirty="0"/>
+              <a:t>для прямоугольников расположенных на диагоналях, связываются ближайшие углы.</a:t>
+            </a:r>
+            <a:endParaRPr lang="en-US" dirty="0"/>
+          </a:p>
+        </p:txBody>
+      </p:sp>
+      <p:sp>
+        <p:nvSpPr>
+          <p:cNvPr id="4" name="Slide Number Placeholder 3"/>
+          <p:cNvSpPr>
+            <a:spLocks noGrp="1"/>
+          </p:cNvSpPr>
+          <p:nvPr>
+            <p:ph type="sldNum" sz="quarter" idx="5"/>
+          </p:nvPr>
+        </p:nvSpPr>
+        <p:spPr/>
+        <p:txBody>
+          <a:bodyPr/>
+          <a:lstStyle/>
+          <a:p>
+            <a:fld id="{78D085F2-6161-4C63-ACEB-7382BD4A2589}" type="slidenum">
+              <a:rPr lang="en-US" smtClean="0"/>
+              <a:t>17</a:t>
+            </a:fld>
+            <a:endParaRPr lang="en-US"/>
+          </a:p>
+        </p:txBody>
+      </p:sp>
+    </p:spTree>
+    <p:extLst>
+      <p:ext uri="{BB962C8B-B14F-4D97-AF65-F5344CB8AC3E}">
+        <p14:creationId xmlns:p14="http://schemas.microsoft.com/office/powerpoint/2010/main" val="3524766994"/>
+      </p:ext>
+    </p:extLst>
+  </p:cSld>
+  <p:clrMapOvr>
+    <a:masterClrMapping/>
+  </p:clrMapOvr>
+</p:notes>
+</file>
+
+<file path=ppt/notesSlides/notesSlide18.xml><?xml version="1.0" encoding="utf-8"?>
+<p:notes xmlns:a="http://schemas.openxmlformats.org/drawingml/2006/main" xmlns:r="http://schemas.openxmlformats.org/officeDocument/2006/relationships" xmlns:p="http://schemas.openxmlformats.org/presentationml/2006/main">
+  <p:cSld>
+    <p:spTree>
+      <p:nvGrpSpPr>
+        <p:cNvPr id="1" name=""/>
+        <p:cNvGrpSpPr/>
+        <p:nvPr/>
+      </p:nvGrpSpPr>
+      <p:grpSpPr>
+        <a:xfrm>
+          <a:off x="0" y="0"/>
+          <a:ext cx="0" cy="0"/>
+          <a:chOff x="0" y="0"/>
+          <a:chExt cx="0" cy="0"/>
+        </a:xfrm>
+      </p:grpSpPr>
+      <p:sp>
+        <p:nvSpPr>
+          <p:cNvPr id="2" name="Slide Image Placeholder 1"/>
+          <p:cNvSpPr>
+            <a:spLocks noGrp="1" noRot="1" noChangeAspect="1"/>
+          </p:cNvSpPr>
+          <p:nvPr>
+            <p:ph type="sldImg"/>
+          </p:nvPr>
+        </p:nvSpPr>
+        <p:spPr/>
+      </p:sp>
+      <p:sp>
+        <p:nvSpPr>
+          <p:cNvPr id="3" name="Notes Placeholder 2"/>
+          <p:cNvSpPr>
+            <a:spLocks noGrp="1"/>
+          </p:cNvSpPr>
+          <p:nvPr>
+            <p:ph type="body" idx="1"/>
+          </p:nvPr>
+        </p:nvSpPr>
+        <p:spPr/>
+        <p:txBody>
+          <a:bodyPr/>
+          <a:lstStyle/>
+          <a:p>
+            <a:r>
+              <a:rPr lang="ru-RU" dirty="0"/>
+              <a:t>Связывание происходит по принципу того, что при связывании прямоугольника А к прямоугольнику В точки прямоугольника В вставляются после точки а начиная с необходимой точки В. Маршруты связывания определяются в результате использования Алгоритма </a:t>
+            </a:r>
+            <a:r>
+              <a:rPr lang="ru-RU" dirty="0" err="1"/>
+              <a:t>Борувки</a:t>
+            </a:r>
+            <a:r>
+              <a:rPr lang="ru-RU" dirty="0"/>
+              <a:t>, позволяющего найти минимальное </a:t>
+            </a:r>
+            <a:r>
+              <a:rPr lang="ru-RU" dirty="0" err="1"/>
+              <a:t>остовное</a:t>
+            </a:r>
+            <a:r>
+              <a:rPr lang="ru-RU" dirty="0"/>
+              <a:t> дерево.</a:t>
+            </a:r>
+            <a:endParaRPr lang="en-US" dirty="0"/>
+          </a:p>
+        </p:txBody>
+      </p:sp>
+      <p:sp>
+        <p:nvSpPr>
+          <p:cNvPr id="4" name="Slide Number Placeholder 3"/>
+          <p:cNvSpPr>
+            <a:spLocks noGrp="1"/>
+          </p:cNvSpPr>
+          <p:nvPr>
+            <p:ph type="sldNum" sz="quarter" idx="5"/>
+          </p:nvPr>
+        </p:nvSpPr>
+        <p:spPr/>
+        <p:txBody>
+          <a:bodyPr/>
+          <a:lstStyle/>
+          <a:p>
+            <a:fld id="{78D085F2-6161-4C63-ACEB-7382BD4A2589}" type="slidenum">
+              <a:rPr lang="en-US" smtClean="0"/>
+              <a:t>18</a:t>
+            </a:fld>
+            <a:endParaRPr lang="en-US"/>
+          </a:p>
+        </p:txBody>
+      </p:sp>
+    </p:spTree>
+    <p:extLst>
+      <p:ext uri="{BB962C8B-B14F-4D97-AF65-F5344CB8AC3E}">
+        <p14:creationId xmlns:p14="http://schemas.microsoft.com/office/powerpoint/2010/main" val="1837229490"/>
+      </p:ext>
+    </p:extLst>
+  </p:cSld>
+  <p:clrMapOvr>
+    <a:masterClrMapping/>
+  </p:clrMapOvr>
+</p:notes>
+</file>
+
+<file path=ppt/notesSlides/notesSlide19.xml><?xml version="1.0" encoding="utf-8"?>
+<p:notes xmlns:a="http://schemas.openxmlformats.org/drawingml/2006/main" xmlns:r="http://schemas.openxmlformats.org/officeDocument/2006/relationships" xmlns:p="http://schemas.openxmlformats.org/presentationml/2006/main">
+  <p:cSld>
+    <p:spTree>
+      <p:nvGrpSpPr>
+        <p:cNvPr id="1" name=""/>
+        <p:cNvGrpSpPr/>
+        <p:nvPr/>
+      </p:nvGrpSpPr>
+      <p:grpSpPr>
+        <a:xfrm>
+          <a:off x="0" y="0"/>
+          <a:ext cx="0" cy="0"/>
+          <a:chOff x="0" y="0"/>
+          <a:chExt cx="0" cy="0"/>
+        </a:xfrm>
+      </p:grpSpPr>
+      <p:sp>
+        <p:nvSpPr>
+          <p:cNvPr id="2" name="Slide Image Placeholder 1"/>
+          <p:cNvSpPr>
+            <a:spLocks noGrp="1" noRot="1" noChangeAspect="1"/>
+          </p:cNvSpPr>
+          <p:nvPr>
+            <p:ph type="sldImg"/>
+          </p:nvPr>
+        </p:nvSpPr>
+        <p:spPr/>
+      </p:sp>
+      <p:sp>
+        <p:nvSpPr>
+          <p:cNvPr id="3" name="Notes Placeholder 2"/>
+          <p:cNvSpPr>
+            <a:spLocks noGrp="1"/>
+          </p:cNvSpPr>
+          <p:nvPr>
+            <p:ph type="body" idx="1"/>
+          </p:nvPr>
+        </p:nvSpPr>
+        <p:spPr/>
+        <p:txBody>
+          <a:bodyPr/>
+          <a:lstStyle/>
+          <a:p>
+            <a:r>
+              <a:rPr lang="ru-RU" dirty="0"/>
+              <a:t>Алгоритм применим для большого количества полей и позволяет с достаточной точностью находить маршрут.</a:t>
+            </a:r>
+            <a:endParaRPr lang="en-US" dirty="0"/>
+          </a:p>
+        </p:txBody>
+      </p:sp>
+      <p:sp>
+        <p:nvSpPr>
+          <p:cNvPr id="4" name="Slide Number Placeholder 3"/>
+          <p:cNvSpPr>
+            <a:spLocks noGrp="1"/>
+          </p:cNvSpPr>
+          <p:nvPr>
+            <p:ph type="sldNum" sz="quarter" idx="5"/>
+          </p:nvPr>
+        </p:nvSpPr>
+        <p:spPr/>
+        <p:txBody>
+          <a:bodyPr/>
+          <a:lstStyle/>
+          <a:p>
+            <a:fld id="{78D085F2-6161-4C63-ACEB-7382BD4A2589}" type="slidenum">
+              <a:rPr lang="en-US" smtClean="0"/>
+              <a:t>19</a:t>
+            </a:fld>
+            <a:endParaRPr lang="en-US"/>
+          </a:p>
+        </p:txBody>
+      </p:sp>
+    </p:spTree>
+    <p:extLst>
+      <p:ext uri="{BB962C8B-B14F-4D97-AF65-F5344CB8AC3E}">
+        <p14:creationId xmlns:p14="http://schemas.microsoft.com/office/powerpoint/2010/main" val="3894766132"/>
+      </p:ext>
+    </p:extLst>
+  </p:cSld>
+  <p:clrMapOvr>
+    <a:masterClrMapping/>
+  </p:clrMapOvr>
+</p:notes>
+</file>
+
+<file path=ppt/notesSlides/notesSlide2.xml><?xml version="1.0" encoding="utf-8"?>
+<p:notes xmlns:a="http://schemas.openxmlformats.org/drawingml/2006/main" xmlns:r="http://schemas.openxmlformats.org/officeDocument/2006/relationships" xmlns:p="http://schemas.openxmlformats.org/presentationml/2006/main">
+  <p:cSld>
+    <p:spTree>
+      <p:nvGrpSpPr>
+        <p:cNvPr id="1" name=""/>
+        <p:cNvGrpSpPr/>
+        <p:nvPr/>
+      </p:nvGrpSpPr>
+      <p:grpSpPr>
+        <a:xfrm>
+          <a:off x="0" y="0"/>
+          <a:ext cx="0" cy="0"/>
+          <a:chOff x="0" y="0"/>
+          <a:chExt cx="0" cy="0"/>
+        </a:xfrm>
+      </p:grpSpPr>
+      <p:sp>
+        <p:nvSpPr>
+          <p:cNvPr id="2" name="Slide Image Placeholder 1"/>
+          <p:cNvSpPr>
+            <a:spLocks noGrp="1" noRot="1" noChangeAspect="1"/>
+          </p:cNvSpPr>
+          <p:nvPr>
+            <p:ph type="sldImg"/>
+          </p:nvPr>
+        </p:nvSpPr>
+        <p:spPr/>
+      </p:sp>
+      <p:sp>
+        <p:nvSpPr>
+          <p:cNvPr id="3" name="Notes Placeholder 2"/>
+          <p:cNvSpPr>
+            <a:spLocks noGrp="1"/>
+          </p:cNvSpPr>
+          <p:nvPr>
+            <p:ph type="body" idx="1"/>
+          </p:nvPr>
+        </p:nvSpPr>
+        <p:spPr/>
+        <p:txBody>
+          <a:bodyPr/>
+          <a:lstStyle/>
+          <a:p>
+            <a:pPr marL="0" marR="0" lvl="0" indent="0" algn="l" defTabSz="914400" rtl="0" eaLnBrk="1" fontAlgn="auto" latinLnBrk="0" hangingPunct="1">
+              <a:lnSpc>
+                <a:spcPct val="100000"/>
+              </a:lnSpc>
+              <a:spcBef>
+                <a:spcPts val="0"/>
+              </a:spcBef>
+              <a:spcAft>
+                <a:spcPts val="0"/>
+              </a:spcAft>
+              <a:buClrTx/>
+              <a:buSzTx/>
+              <a:buFontTx/>
+              <a:buNone/>
+              <a:tabLst/>
+              <a:defRPr/>
+            </a:pPr>
+            <a:r>
+              <a:rPr lang="ru-RU" dirty="0"/>
+              <a:t>Целью работы является </a:t>
+            </a:r>
+            <a:r>
+              <a:rPr lang="en-US" dirty="0"/>
+              <a:t>“</a:t>
+            </a:r>
+            <a:r>
+              <a:rPr lang="ru-RU" dirty="0">
+                <a:latin typeface="Times New Roman"/>
+                <a:cs typeface="Times New Roman"/>
+              </a:rPr>
+              <a:t>Разработка настольного приложения для расчета маршрута сельскохозяйственного дрона по имеющимся характеристикам</a:t>
+            </a:r>
+            <a:r>
+              <a:rPr lang="en-US" dirty="0"/>
+              <a:t>”</a:t>
+            </a:r>
+            <a:br>
+              <a:rPr lang="en-US" dirty="0"/>
+            </a:br>
+            <a:r>
+              <a:rPr lang="ru-RU" dirty="0"/>
+              <a:t>Для достижения данной цели, необходимо выполнить следующие задачи</a:t>
+            </a:r>
+            <a:r>
+              <a:rPr lang="en-US" dirty="0"/>
+              <a:t>:</a:t>
+            </a:r>
+            <a:r>
+              <a:rPr lang="ru-RU" dirty="0"/>
+              <a:t> </a:t>
+            </a:r>
+            <a:r>
+              <a:rPr lang="en-US" dirty="0"/>
+              <a:t>“</a:t>
+            </a:r>
+          </a:p>
+          <a:p>
+            <a:pPr marL="394022" indent="-394022">
+              <a:buFont typeface="Arial"/>
+              <a:buAutoNum type="arabicPeriod"/>
+              <a:defRPr/>
+            </a:pPr>
+            <a:r>
+              <a:rPr lang="ru-RU" dirty="0">
+                <a:latin typeface="Times New Roman"/>
+                <a:cs typeface="Times New Roman"/>
+              </a:rPr>
+              <a:t>Выполнить анализ предметной области и произвести обзор существующих решений.</a:t>
+            </a:r>
+          </a:p>
+          <a:p>
+            <a:pPr marL="394022" indent="-394022">
+              <a:buFont typeface="Arial"/>
+              <a:buAutoNum type="arabicPeriod"/>
+              <a:defRPr/>
+            </a:pPr>
+            <a:r>
+              <a:rPr lang="ru-RU" dirty="0">
+                <a:latin typeface="Times New Roman"/>
+                <a:cs typeface="Times New Roman"/>
+              </a:rPr>
+              <a:t>Разработать базовую архитектуру приложения.</a:t>
+            </a:r>
+          </a:p>
+          <a:p>
+            <a:pPr marL="394022" indent="-394022">
+              <a:buFont typeface="Arial"/>
+              <a:buAutoNum type="arabicPeriod"/>
+              <a:defRPr/>
+            </a:pPr>
+            <a:r>
+              <a:rPr lang="ru-RU" dirty="0">
+                <a:latin typeface="Times New Roman"/>
+                <a:cs typeface="Times New Roman"/>
+              </a:rPr>
+              <a:t>Описать алгоритмы, использующиеся в системе.</a:t>
+            </a:r>
+          </a:p>
+          <a:p>
+            <a:pPr marL="394022" indent="-394022">
+              <a:buFont typeface="Arial"/>
+              <a:buAutoNum type="arabicPeriod"/>
+              <a:defRPr/>
+            </a:pPr>
+            <a:r>
+              <a:rPr lang="ru-RU" dirty="0">
+                <a:latin typeface="Times New Roman"/>
+                <a:cs typeface="Times New Roman"/>
+              </a:rPr>
+              <a:t>Выполнить реализацию приложения.</a:t>
+            </a:r>
+          </a:p>
+          <a:p>
+            <a:pPr marL="394022" indent="-394022">
+              <a:buFont typeface="Arial"/>
+              <a:buAutoNum type="arabicPeriod"/>
+              <a:defRPr/>
+            </a:pPr>
+            <a:r>
+              <a:rPr lang="ru-RU" dirty="0">
+                <a:latin typeface="Times New Roman"/>
+                <a:cs typeface="Times New Roman"/>
+              </a:rPr>
+              <a:t>Выполнить тестирование.</a:t>
+            </a:r>
+          </a:p>
+          <a:p>
+            <a:pPr marL="0" marR="0" lvl="0" indent="0" algn="l" defTabSz="914400" rtl="0" eaLnBrk="1" fontAlgn="auto" latinLnBrk="0" hangingPunct="1">
+              <a:lnSpc>
+                <a:spcPct val="100000"/>
+              </a:lnSpc>
+              <a:spcBef>
+                <a:spcPts val="0"/>
+              </a:spcBef>
+              <a:spcAft>
+                <a:spcPts val="0"/>
+              </a:spcAft>
+              <a:buClrTx/>
+              <a:buSzTx/>
+              <a:buFontTx/>
+              <a:buNone/>
+              <a:tabLst/>
+              <a:defRPr/>
+            </a:pPr>
+            <a:r>
+              <a:rPr lang="en-US" dirty="0"/>
+              <a:t>”</a:t>
+            </a:r>
+          </a:p>
+        </p:txBody>
+      </p:sp>
+      <p:sp>
+        <p:nvSpPr>
+          <p:cNvPr id="4" name="Slide Number Placeholder 3"/>
+          <p:cNvSpPr>
+            <a:spLocks noGrp="1"/>
+          </p:cNvSpPr>
+          <p:nvPr>
+            <p:ph type="sldNum" sz="quarter" idx="5"/>
+          </p:nvPr>
+        </p:nvSpPr>
+        <p:spPr/>
+        <p:txBody>
+          <a:bodyPr/>
+          <a:lstStyle/>
+          <a:p>
+            <a:fld id="{78D085F2-6161-4C63-ACEB-7382BD4A2589}" type="slidenum">
+              <a:rPr lang="en-US" smtClean="0"/>
+              <a:t>2</a:t>
+            </a:fld>
+            <a:endParaRPr lang="en-US"/>
+          </a:p>
+        </p:txBody>
+      </p:sp>
+    </p:spTree>
+    <p:extLst>
+      <p:ext uri="{BB962C8B-B14F-4D97-AF65-F5344CB8AC3E}">
+        <p14:creationId xmlns:p14="http://schemas.microsoft.com/office/powerpoint/2010/main" val="2015019179"/>
+      </p:ext>
+    </p:extLst>
+  </p:cSld>
+  <p:clrMapOvr>
+    <a:masterClrMapping/>
+  </p:clrMapOvr>
+</p:notes>
+</file>
+
+<file path=ppt/notesSlides/notesSlide20.xml><?xml version="1.0" encoding="utf-8"?>
+<p:notes xmlns:a="http://schemas.openxmlformats.org/drawingml/2006/main" xmlns:r="http://schemas.openxmlformats.org/officeDocument/2006/relationships" xmlns:p="http://schemas.openxmlformats.org/presentationml/2006/main">
+  <p:cSld>
+    <p:spTree>
+      <p:nvGrpSpPr>
+        <p:cNvPr id="1" name=""/>
+        <p:cNvGrpSpPr/>
+        <p:nvPr/>
+      </p:nvGrpSpPr>
+      <p:grpSpPr>
+        <a:xfrm>
+          <a:off x="0" y="0"/>
+          <a:ext cx="0" cy="0"/>
+          <a:chOff x="0" y="0"/>
+          <a:chExt cx="0" cy="0"/>
+        </a:xfrm>
+      </p:grpSpPr>
+      <p:sp>
+        <p:nvSpPr>
+          <p:cNvPr id="2" name="Slide Image Placeholder 1"/>
+          <p:cNvSpPr>
+            <a:spLocks noGrp="1" noRot="1" noChangeAspect="1"/>
+          </p:cNvSpPr>
+          <p:nvPr>
+            <p:ph type="sldImg"/>
+          </p:nvPr>
+        </p:nvSpPr>
+        <p:spPr/>
+      </p:sp>
+      <p:sp>
+        <p:nvSpPr>
+          <p:cNvPr id="3" name="Notes Placeholder 2"/>
+          <p:cNvSpPr>
+            <a:spLocks noGrp="1"/>
+          </p:cNvSpPr>
+          <p:nvPr>
+            <p:ph type="body" idx="1"/>
+          </p:nvPr>
+        </p:nvSpPr>
+        <p:spPr/>
+        <p:txBody>
+          <a:bodyPr/>
+          <a:lstStyle/>
+          <a:p>
+            <a:r>
+              <a:rPr lang="ru-RU" dirty="0"/>
+              <a:t>Был разработан интерфейс для работы системой, он представлен на слайде и состоит из левого меню для взаимодействия с базой, карты с маршрутом и правого меню для установки параметров миссии.</a:t>
+            </a:r>
+            <a:endParaRPr lang="en-US" dirty="0"/>
+          </a:p>
+        </p:txBody>
+      </p:sp>
+      <p:sp>
+        <p:nvSpPr>
+          <p:cNvPr id="4" name="Slide Number Placeholder 3"/>
+          <p:cNvSpPr>
+            <a:spLocks noGrp="1"/>
+          </p:cNvSpPr>
+          <p:nvPr>
+            <p:ph type="sldNum" sz="quarter" idx="5"/>
+          </p:nvPr>
+        </p:nvSpPr>
+        <p:spPr/>
+        <p:txBody>
+          <a:bodyPr/>
+          <a:lstStyle/>
+          <a:p>
+            <a:fld id="{78D085F2-6161-4C63-ACEB-7382BD4A2589}" type="slidenum">
+              <a:rPr lang="en-US" smtClean="0"/>
+              <a:t>20</a:t>
+            </a:fld>
+            <a:endParaRPr lang="en-US"/>
+          </a:p>
+        </p:txBody>
+      </p:sp>
+    </p:spTree>
+    <p:extLst>
+      <p:ext uri="{BB962C8B-B14F-4D97-AF65-F5344CB8AC3E}">
+        <p14:creationId xmlns:p14="http://schemas.microsoft.com/office/powerpoint/2010/main" val="3535626612"/>
+      </p:ext>
+    </p:extLst>
+  </p:cSld>
+  <p:clrMapOvr>
+    <a:masterClrMapping/>
+  </p:clrMapOvr>
+</p:notes>
+</file>
+
+<file path=ppt/notesSlides/notesSlide21.xml><?xml version="1.0" encoding="utf-8"?>
+<p:notes xmlns:a="http://schemas.openxmlformats.org/drawingml/2006/main" xmlns:r="http://schemas.openxmlformats.org/officeDocument/2006/relationships" xmlns:p="http://schemas.openxmlformats.org/presentationml/2006/main">
+  <p:cSld>
+    <p:spTree>
+      <p:nvGrpSpPr>
+        <p:cNvPr id="1" name=""/>
+        <p:cNvGrpSpPr/>
+        <p:nvPr/>
+      </p:nvGrpSpPr>
+      <p:grpSpPr>
+        <a:xfrm>
+          <a:off x="0" y="0"/>
+          <a:ext cx="0" cy="0"/>
+          <a:chOff x="0" y="0"/>
+          <a:chExt cx="0" cy="0"/>
+        </a:xfrm>
+      </p:grpSpPr>
+      <p:sp>
+        <p:nvSpPr>
+          <p:cNvPr id="2" name="Slide Image Placeholder 1"/>
+          <p:cNvSpPr>
+            <a:spLocks noGrp="1" noRot="1" noChangeAspect="1"/>
+          </p:cNvSpPr>
+          <p:nvPr>
+            <p:ph type="sldImg"/>
+          </p:nvPr>
+        </p:nvSpPr>
+        <p:spPr/>
+      </p:sp>
+      <p:sp>
+        <p:nvSpPr>
+          <p:cNvPr id="3" name="Notes Placeholder 2"/>
+          <p:cNvSpPr>
+            <a:spLocks noGrp="1"/>
+          </p:cNvSpPr>
+          <p:nvPr>
+            <p:ph type="body" idx="1"/>
+          </p:nvPr>
+        </p:nvSpPr>
+        <p:spPr/>
+        <p:txBody>
+          <a:bodyPr/>
+          <a:lstStyle/>
+          <a:p>
+            <a:r>
+              <a:rPr lang="ru-RU" dirty="0"/>
+              <a:t>Было разработано 14 функциональных тестов. Пример теста 9 </a:t>
+            </a:r>
+            <a:r>
+              <a:rPr lang="en-US" dirty="0"/>
+              <a:t>“</a:t>
+            </a:r>
+            <a:r>
+              <a:rPr lang="ru-RU" dirty="0"/>
+              <a:t>Редактирование камеры</a:t>
+            </a:r>
+            <a:r>
+              <a:rPr lang="en-US" dirty="0"/>
+              <a:t>”</a:t>
+            </a:r>
+            <a:r>
+              <a:rPr lang="ru-RU" dirty="0"/>
+              <a:t> представлен на слайде.</a:t>
+            </a:r>
+            <a:br>
+              <a:rPr lang="ru-RU" dirty="0"/>
+            </a:br>
+            <a:br>
+              <a:rPr lang="ru-RU" dirty="0"/>
+            </a:br>
+            <a:endParaRPr lang="en-US" dirty="0"/>
+          </a:p>
+        </p:txBody>
+      </p:sp>
+      <p:sp>
+        <p:nvSpPr>
+          <p:cNvPr id="4" name="Slide Number Placeholder 3"/>
+          <p:cNvSpPr>
+            <a:spLocks noGrp="1"/>
+          </p:cNvSpPr>
+          <p:nvPr>
+            <p:ph type="sldNum" sz="quarter" idx="5"/>
+          </p:nvPr>
+        </p:nvSpPr>
+        <p:spPr/>
+        <p:txBody>
+          <a:bodyPr/>
+          <a:lstStyle/>
+          <a:p>
+            <a:fld id="{78D085F2-6161-4C63-ACEB-7382BD4A2589}" type="slidenum">
+              <a:rPr lang="en-US" smtClean="0"/>
+              <a:t>21</a:t>
+            </a:fld>
+            <a:endParaRPr lang="en-US"/>
+          </a:p>
+        </p:txBody>
+      </p:sp>
+    </p:spTree>
+    <p:extLst>
+      <p:ext uri="{BB962C8B-B14F-4D97-AF65-F5344CB8AC3E}">
+        <p14:creationId xmlns:p14="http://schemas.microsoft.com/office/powerpoint/2010/main" val="1048435715"/>
+      </p:ext>
+    </p:extLst>
+  </p:cSld>
+  <p:clrMapOvr>
+    <a:masterClrMapping/>
+  </p:clrMapOvr>
+</p:notes>
+</file>
+
+<file path=ppt/notesSlides/notesSlide22.xml><?xml version="1.0" encoding="utf-8"?>
+<p:notes xmlns:a="http://schemas.openxmlformats.org/drawingml/2006/main" xmlns:r="http://schemas.openxmlformats.org/officeDocument/2006/relationships" xmlns:p="http://schemas.openxmlformats.org/presentationml/2006/main">
+  <p:cSld>
+    <p:spTree>
+      <p:nvGrpSpPr>
+        <p:cNvPr id="1" name=""/>
+        <p:cNvGrpSpPr/>
+        <p:nvPr/>
+      </p:nvGrpSpPr>
+      <p:grpSpPr>
+        <a:xfrm>
+          <a:off x="0" y="0"/>
+          <a:ext cx="0" cy="0"/>
+          <a:chOff x="0" y="0"/>
+          <a:chExt cx="0" cy="0"/>
+        </a:xfrm>
+      </p:grpSpPr>
+      <p:sp>
+        <p:nvSpPr>
+          <p:cNvPr id="2" name="Slide Image Placeholder 1"/>
+          <p:cNvSpPr>
+            <a:spLocks noGrp="1" noRot="1" noChangeAspect="1"/>
+          </p:cNvSpPr>
+          <p:nvPr>
+            <p:ph type="sldImg"/>
+          </p:nvPr>
+        </p:nvSpPr>
+        <p:spPr/>
+      </p:sp>
+      <p:sp>
+        <p:nvSpPr>
+          <p:cNvPr id="3" name="Notes Placeholder 2"/>
+          <p:cNvSpPr>
+            <a:spLocks noGrp="1"/>
+          </p:cNvSpPr>
+          <p:nvPr>
+            <p:ph type="body" idx="1"/>
+          </p:nvPr>
+        </p:nvSpPr>
+        <p:spPr/>
+        <p:txBody>
+          <a:bodyPr/>
+          <a:lstStyle/>
+          <a:p>
+            <a:r>
+              <a:rPr lang="ru-RU" dirty="0"/>
+              <a:t>В результате работы была опубликована следующая статья.</a:t>
+            </a:r>
+            <a:endParaRPr lang="en-US" dirty="0"/>
+          </a:p>
+        </p:txBody>
+      </p:sp>
+      <p:sp>
+        <p:nvSpPr>
+          <p:cNvPr id="4" name="Slide Number Placeholder 3"/>
+          <p:cNvSpPr>
+            <a:spLocks noGrp="1"/>
+          </p:cNvSpPr>
+          <p:nvPr>
+            <p:ph type="sldNum" sz="quarter" idx="5"/>
+          </p:nvPr>
+        </p:nvSpPr>
+        <p:spPr/>
+        <p:txBody>
+          <a:bodyPr/>
+          <a:lstStyle/>
+          <a:p>
+            <a:fld id="{78D085F2-6161-4C63-ACEB-7382BD4A2589}" type="slidenum">
+              <a:rPr lang="en-US" smtClean="0"/>
+              <a:t>22</a:t>
+            </a:fld>
+            <a:endParaRPr lang="en-US"/>
+          </a:p>
+        </p:txBody>
+      </p:sp>
+    </p:spTree>
+    <p:extLst>
+      <p:ext uri="{BB962C8B-B14F-4D97-AF65-F5344CB8AC3E}">
+        <p14:creationId xmlns:p14="http://schemas.microsoft.com/office/powerpoint/2010/main" val="2965652116"/>
+      </p:ext>
+    </p:extLst>
+  </p:cSld>
+  <p:clrMapOvr>
+    <a:masterClrMapping/>
+  </p:clrMapOvr>
+</p:notes>
+</file>
+
+<file path=ppt/notesSlides/notesSlide23.xml><?xml version="1.0" encoding="utf-8"?>
+<p:notes xmlns:a="http://schemas.openxmlformats.org/drawingml/2006/main" xmlns:r="http://schemas.openxmlformats.org/officeDocument/2006/relationships" xmlns:p="http://schemas.openxmlformats.org/presentationml/2006/main">
+  <p:cSld>
+    <p:spTree>
+      <p:nvGrpSpPr>
+        <p:cNvPr id="1" name=""/>
+        <p:cNvGrpSpPr/>
+        <p:nvPr/>
+      </p:nvGrpSpPr>
+      <p:grpSpPr>
+        <a:xfrm>
+          <a:off x="0" y="0"/>
+          <a:ext cx="0" cy="0"/>
+          <a:chOff x="0" y="0"/>
+          <a:chExt cx="0" cy="0"/>
+        </a:xfrm>
+      </p:grpSpPr>
+      <p:sp>
+        <p:nvSpPr>
+          <p:cNvPr id="2" name="Slide Image Placeholder 1"/>
+          <p:cNvSpPr>
+            <a:spLocks noGrp="1" noRot="1" noChangeAspect="1"/>
+          </p:cNvSpPr>
+          <p:nvPr>
+            <p:ph type="sldImg"/>
+          </p:nvPr>
+        </p:nvSpPr>
+        <p:spPr/>
+      </p:sp>
+      <p:sp>
+        <p:nvSpPr>
+          <p:cNvPr id="3" name="Notes Placeholder 2"/>
+          <p:cNvSpPr>
+            <a:spLocks noGrp="1"/>
+          </p:cNvSpPr>
+          <p:nvPr>
+            <p:ph type="body" idx="1"/>
+          </p:nvPr>
+        </p:nvSpPr>
+        <p:spPr/>
+        <p:txBody>
+          <a:bodyPr/>
+          <a:lstStyle/>
+          <a:p>
+            <a:r>
+              <a:rPr lang="ru-RU" dirty="0"/>
+              <a:t>Основные результаты </a:t>
+            </a:r>
+          </a:p>
+          <a:p>
+            <a:endParaRPr lang="ru-RU" dirty="0"/>
+          </a:p>
+          <a:p>
+            <a:pPr marL="394022" indent="-394022" algn="just">
+              <a:lnSpc>
+                <a:spcPct val="150000"/>
+              </a:lnSpc>
+              <a:buFont typeface="Arial"/>
+              <a:buAutoNum type="arabicPeriod"/>
+              <a:defRPr/>
+            </a:pPr>
+            <a:r>
+              <a:rPr lang="ru-RU" dirty="0">
+                <a:latin typeface="Times New Roman"/>
+                <a:ea typeface="Times New Roman"/>
+                <a:cs typeface="Times New Roman"/>
+              </a:rPr>
+              <a:t>Выполнен анализ предметной области и произведен обзор существующих решений.</a:t>
+            </a:r>
+            <a:endParaRPr lang="ru-RU" dirty="0">
+              <a:latin typeface="Times New Roman"/>
+              <a:cs typeface="Times New Roman"/>
+            </a:endParaRPr>
+          </a:p>
+          <a:p>
+            <a:pPr marL="394021" indent="-394021" algn="just">
+              <a:lnSpc>
+                <a:spcPct val="150000"/>
+              </a:lnSpc>
+              <a:buFont typeface="Arial"/>
+              <a:buAutoNum type="arabicPeriod"/>
+              <a:defRPr/>
+            </a:pPr>
+            <a:r>
+              <a:rPr lang="ru-RU" dirty="0">
+                <a:latin typeface="Times New Roman"/>
+                <a:ea typeface="Times New Roman"/>
+                <a:cs typeface="Times New Roman"/>
+              </a:rPr>
+              <a:t>Разработана базовая архитектура приложения.</a:t>
+            </a:r>
+          </a:p>
+          <a:p>
+            <a:pPr marL="394021" indent="-394021" algn="just">
+              <a:lnSpc>
+                <a:spcPct val="150000"/>
+              </a:lnSpc>
+              <a:buFont typeface="Arial"/>
+              <a:buAutoNum type="arabicPeriod"/>
+              <a:defRPr/>
+            </a:pPr>
+            <a:r>
+              <a:rPr lang="ru-RU" dirty="0">
+                <a:latin typeface="Times New Roman"/>
+                <a:cs typeface="Times New Roman"/>
+              </a:rPr>
+              <a:t>Описаны алгоритмы, использующиеся в системе.</a:t>
+            </a:r>
+          </a:p>
+          <a:p>
+            <a:pPr marL="394021" indent="-394021" algn="just">
+              <a:lnSpc>
+                <a:spcPct val="150000"/>
+              </a:lnSpc>
+              <a:buFont typeface="Arial"/>
+              <a:buAutoNum type="arabicPeriod"/>
+              <a:defRPr/>
+            </a:pPr>
+            <a:r>
+              <a:rPr lang="ru-RU" dirty="0">
+                <a:latin typeface="Times New Roman"/>
+                <a:ea typeface="Times New Roman"/>
+                <a:cs typeface="Times New Roman"/>
+              </a:rPr>
+              <a:t>Выполнена реализация приложения.</a:t>
+            </a:r>
+            <a:endParaRPr lang="ru-RU" dirty="0">
+              <a:latin typeface="Times New Roman"/>
+              <a:cs typeface="Times New Roman"/>
+            </a:endParaRPr>
+          </a:p>
+          <a:p>
+            <a:pPr marL="394021" indent="-394021" algn="just">
+              <a:lnSpc>
+                <a:spcPct val="150000"/>
+              </a:lnSpc>
+              <a:buFont typeface="Arial"/>
+              <a:buAutoNum type="arabicPeriod"/>
+              <a:defRPr/>
+            </a:pPr>
+            <a:r>
+              <a:rPr lang="ru-RU" dirty="0">
+                <a:latin typeface="Times New Roman"/>
+                <a:ea typeface="Times New Roman"/>
+                <a:cs typeface="Times New Roman"/>
+              </a:rPr>
+              <a:t>Выполнено тестирование.</a:t>
+            </a:r>
+          </a:p>
+          <a:p>
+            <a:endParaRPr lang="en-US" dirty="0"/>
+          </a:p>
+        </p:txBody>
+      </p:sp>
+      <p:sp>
+        <p:nvSpPr>
+          <p:cNvPr id="4" name="Slide Number Placeholder 3"/>
+          <p:cNvSpPr>
+            <a:spLocks noGrp="1"/>
+          </p:cNvSpPr>
+          <p:nvPr>
+            <p:ph type="sldNum" sz="quarter" idx="5"/>
+          </p:nvPr>
+        </p:nvSpPr>
+        <p:spPr/>
+        <p:txBody>
+          <a:bodyPr/>
+          <a:lstStyle/>
+          <a:p>
+            <a:fld id="{78D085F2-6161-4C63-ACEB-7382BD4A2589}" type="slidenum">
+              <a:rPr lang="en-US" smtClean="0"/>
+              <a:t>23</a:t>
+            </a:fld>
+            <a:endParaRPr lang="en-US"/>
+          </a:p>
+        </p:txBody>
+      </p:sp>
+    </p:spTree>
+    <p:extLst>
+      <p:ext uri="{BB962C8B-B14F-4D97-AF65-F5344CB8AC3E}">
+        <p14:creationId xmlns:p14="http://schemas.microsoft.com/office/powerpoint/2010/main" val="2040966476"/>
+      </p:ext>
+    </p:extLst>
+  </p:cSld>
+  <p:clrMapOvr>
+    <a:masterClrMapping/>
+  </p:clrMapOvr>
+</p:notes>
+</file>
+
+<file path=ppt/notesSlides/notesSlide3.xml><?xml version="1.0" encoding="utf-8"?>
+<p:notes xmlns:a="http://schemas.openxmlformats.org/drawingml/2006/main" xmlns:r="http://schemas.openxmlformats.org/officeDocument/2006/relationships" xmlns:p="http://schemas.openxmlformats.org/presentationml/2006/main">
+  <p:cSld>
+    <p:spTree>
+      <p:nvGrpSpPr>
+        <p:cNvPr id="1" name=""/>
+        <p:cNvGrpSpPr/>
+        <p:nvPr/>
+      </p:nvGrpSpPr>
+      <p:grpSpPr>
+        <a:xfrm>
+          <a:off x="0" y="0"/>
+          <a:ext cx="0" cy="0"/>
+          <a:chOff x="0" y="0"/>
+          <a:chExt cx="0" cy="0"/>
+        </a:xfrm>
+      </p:grpSpPr>
+      <p:sp>
+        <p:nvSpPr>
+          <p:cNvPr id="2" name="Slide Image Placeholder 1"/>
+          <p:cNvSpPr>
+            <a:spLocks noGrp="1" noRot="1" noChangeAspect="1"/>
+          </p:cNvSpPr>
+          <p:nvPr>
+            <p:ph type="sldImg"/>
+          </p:nvPr>
+        </p:nvSpPr>
+        <p:spPr/>
+      </p:sp>
+      <p:sp>
+        <p:nvSpPr>
+          <p:cNvPr id="3" name="Notes Placeholder 2"/>
+          <p:cNvSpPr>
+            <a:spLocks noGrp="1"/>
+          </p:cNvSpPr>
+          <p:nvPr>
+            <p:ph type="body" idx="1"/>
+          </p:nvPr>
+        </p:nvSpPr>
+        <p:spPr/>
+        <p:txBody>
+          <a:bodyPr/>
+          <a:lstStyle/>
+          <a:p>
+            <a:r>
+              <a:rPr lang="ru-RU" dirty="0"/>
+              <a:t>Актуальность данной работы обусловлена </a:t>
+            </a:r>
+            <a:r>
+              <a:rPr lang="ru-RU" sz="1200" dirty="0">
+                <a:latin typeface="Times New Roman"/>
+                <a:cs typeface="Times New Roman"/>
+              </a:rPr>
+              <a:t>растущим интересом к применению беспилотных летательных аппаратов в сельском хозяйстве. В частности, дроны используются для мониторинга урожая за счет съемки полей.</a:t>
+            </a:r>
+            <a:br>
+              <a:rPr lang="ru-RU" sz="1200" dirty="0">
+                <a:latin typeface="Times New Roman"/>
+                <a:cs typeface="Times New Roman"/>
+              </a:rPr>
+            </a:br>
+            <a:r>
+              <a:rPr lang="ru-RU" sz="1200" dirty="0">
+                <a:latin typeface="Times New Roman"/>
+                <a:cs typeface="Times New Roman"/>
+              </a:rPr>
+              <a:t>Мое приложение позволит</a:t>
+            </a:r>
+            <a:r>
+              <a:rPr lang="en-US" sz="1200" dirty="0">
+                <a:latin typeface="Times New Roman"/>
+                <a:cs typeface="Times New Roman"/>
+              </a:rPr>
+              <a:t>:</a:t>
+            </a:r>
+            <a:br>
+              <a:rPr lang="en-US" sz="1200" dirty="0">
+                <a:latin typeface="Times New Roman"/>
+                <a:cs typeface="Times New Roman"/>
+              </a:rPr>
+            </a:br>
+            <a:br>
+              <a:rPr lang="ru-RU" sz="1200" dirty="0">
+                <a:latin typeface="Times New Roman"/>
+                <a:cs typeface="Times New Roman"/>
+              </a:rPr>
+            </a:br>
+            <a:r>
+              <a:rPr lang="ru-RU" sz="1200" dirty="0">
+                <a:latin typeface="Times New Roman"/>
+                <a:cs typeface="Times New Roman"/>
+              </a:rPr>
+              <a:t>Повысить эффективность использования БПЛА </a:t>
+            </a:r>
+          </a:p>
+          <a:p>
+            <a:r>
+              <a:rPr lang="ru-RU" sz="1200" dirty="0">
+                <a:latin typeface="Times New Roman"/>
+                <a:cs typeface="Times New Roman"/>
+              </a:rPr>
+              <a:t>Сократить затраты на выезд специалистов</a:t>
+            </a:r>
+          </a:p>
+          <a:p>
+            <a:r>
+              <a:rPr lang="ru-RU" sz="1200" dirty="0">
+                <a:latin typeface="Times New Roman"/>
+                <a:cs typeface="Times New Roman"/>
+              </a:rPr>
+              <a:t>И увеличить скорость и точность предварительной оценки затрат на выезд</a:t>
+            </a:r>
+            <a:endParaRPr lang="en-US" dirty="0"/>
+          </a:p>
+        </p:txBody>
+      </p:sp>
+      <p:sp>
+        <p:nvSpPr>
+          <p:cNvPr id="4" name="Slide Number Placeholder 3"/>
+          <p:cNvSpPr>
+            <a:spLocks noGrp="1"/>
+          </p:cNvSpPr>
+          <p:nvPr>
+            <p:ph type="sldNum" sz="quarter" idx="5"/>
+          </p:nvPr>
+        </p:nvSpPr>
+        <p:spPr/>
+        <p:txBody>
+          <a:bodyPr/>
+          <a:lstStyle/>
+          <a:p>
+            <a:fld id="{78D085F2-6161-4C63-ACEB-7382BD4A2589}" type="slidenum">
+              <a:rPr lang="en-US" smtClean="0"/>
+              <a:t>3</a:t>
+            </a:fld>
+            <a:endParaRPr lang="en-US"/>
+          </a:p>
+        </p:txBody>
+      </p:sp>
+    </p:spTree>
+    <p:extLst>
+      <p:ext uri="{BB962C8B-B14F-4D97-AF65-F5344CB8AC3E}">
+        <p14:creationId xmlns:p14="http://schemas.microsoft.com/office/powerpoint/2010/main" val="3120910197"/>
+      </p:ext>
+    </p:extLst>
+  </p:cSld>
+  <p:clrMapOvr>
+    <a:masterClrMapping/>
+  </p:clrMapOvr>
+</p:notes>
+</file>
+
+<file path=ppt/notesSlides/notesSlide4.xml><?xml version="1.0" encoding="utf-8"?>
+<p:notes xmlns:a="http://schemas.openxmlformats.org/drawingml/2006/main" xmlns:r="http://schemas.openxmlformats.org/officeDocument/2006/relationships" xmlns:p="http://schemas.openxmlformats.org/presentationml/2006/main">
+  <p:cSld>
+    <p:spTree>
+      <p:nvGrpSpPr>
+        <p:cNvPr id="1" name=""/>
+        <p:cNvGrpSpPr/>
+        <p:nvPr/>
+      </p:nvGrpSpPr>
+      <p:grpSpPr>
+        <a:xfrm>
+          <a:off x="0" y="0"/>
+          <a:ext cx="0" cy="0"/>
+          <a:chOff x="0" y="0"/>
+          <a:chExt cx="0" cy="0"/>
+        </a:xfrm>
+      </p:grpSpPr>
+      <p:sp>
+        <p:nvSpPr>
+          <p:cNvPr id="2" name="Slide Image Placeholder 1"/>
+          <p:cNvSpPr>
+            <a:spLocks noGrp="1" noRot="1" noChangeAspect="1"/>
+          </p:cNvSpPr>
+          <p:nvPr>
+            <p:ph type="sldImg"/>
+          </p:nvPr>
+        </p:nvSpPr>
+        <p:spPr/>
+      </p:sp>
+      <p:sp>
+        <p:nvSpPr>
+          <p:cNvPr id="3" name="Notes Placeholder 2"/>
+          <p:cNvSpPr>
+            <a:spLocks noGrp="1"/>
+          </p:cNvSpPr>
+          <p:nvPr>
+            <p:ph type="body" idx="1"/>
+          </p:nvPr>
+        </p:nvSpPr>
+        <p:spPr/>
+        <p:txBody>
+          <a:bodyPr/>
+          <a:lstStyle/>
+          <a:p>
+            <a:r>
+              <a:rPr lang="ru-RU" dirty="0"/>
+              <a:t>Сравнительный обзор аналогов показал, что рассмотренные приложения в лице </a:t>
+            </a:r>
+            <a:endParaRPr lang="en-US" dirty="0"/>
+          </a:p>
+          <a:p>
+            <a:r>
+              <a:rPr lang="en-US" dirty="0" err="1"/>
+              <a:t>DroneDeploy</a:t>
+            </a:r>
+            <a:r>
+              <a:rPr lang="en-US" dirty="0"/>
+              <a:t> Litchi Pix4D Capture </a:t>
+            </a:r>
+            <a:r>
+              <a:rPr lang="en-US" dirty="0" err="1"/>
+              <a:t>UgCS</a:t>
+            </a:r>
+            <a:endParaRPr lang="en-US" dirty="0"/>
+          </a:p>
+          <a:p>
+            <a:r>
+              <a:rPr lang="ru-RU" dirty="0"/>
+              <a:t>Хоть и позволяют в том или ином виде строить маршрут, но когда дело касается добавления </a:t>
+            </a:r>
+            <a:r>
+              <a:rPr lang="ru-RU" dirty="0" err="1"/>
+              <a:t>собстевнных</a:t>
+            </a:r>
+            <a:r>
+              <a:rPr lang="ru-RU" dirty="0"/>
+              <a:t> дронов идет ограничение функционала, представленные аналоги имеют проприетарную лицензию и являются платными</a:t>
+            </a:r>
+            <a:endParaRPr lang="en-US" dirty="0"/>
+          </a:p>
+        </p:txBody>
+      </p:sp>
+      <p:sp>
+        <p:nvSpPr>
+          <p:cNvPr id="4" name="Slide Number Placeholder 3"/>
+          <p:cNvSpPr>
+            <a:spLocks noGrp="1"/>
+          </p:cNvSpPr>
+          <p:nvPr>
+            <p:ph type="sldNum" sz="quarter" idx="5"/>
+          </p:nvPr>
+        </p:nvSpPr>
+        <p:spPr/>
+        <p:txBody>
+          <a:bodyPr/>
+          <a:lstStyle/>
+          <a:p>
+            <a:fld id="{78D085F2-6161-4C63-ACEB-7382BD4A2589}" type="slidenum">
+              <a:rPr lang="en-US" smtClean="0"/>
+              <a:t>4</a:t>
+            </a:fld>
+            <a:endParaRPr lang="en-US"/>
+          </a:p>
+        </p:txBody>
+      </p:sp>
+    </p:spTree>
+    <p:extLst>
+      <p:ext uri="{BB962C8B-B14F-4D97-AF65-F5344CB8AC3E}">
+        <p14:creationId xmlns:p14="http://schemas.microsoft.com/office/powerpoint/2010/main" val="277465963"/>
+      </p:ext>
+    </p:extLst>
+  </p:cSld>
+  <p:clrMapOvr>
+    <a:masterClrMapping/>
+  </p:clrMapOvr>
+</p:notes>
+</file>
+
+<file path=ppt/notesSlides/notesSlide5.xml><?xml version="1.0" encoding="utf-8"?>
+<p:notes xmlns:a="http://schemas.openxmlformats.org/drawingml/2006/main" xmlns:r="http://schemas.openxmlformats.org/officeDocument/2006/relationships" xmlns:p="http://schemas.openxmlformats.org/presentationml/2006/main">
+  <p:cSld>
+    <p:spTree>
+      <p:nvGrpSpPr>
+        <p:cNvPr id="1" name=""/>
+        <p:cNvGrpSpPr/>
+        <p:nvPr/>
+      </p:nvGrpSpPr>
+      <p:grpSpPr>
+        <a:xfrm>
+          <a:off x="0" y="0"/>
+          <a:ext cx="0" cy="0"/>
+          <a:chOff x="0" y="0"/>
+          <a:chExt cx="0" cy="0"/>
+        </a:xfrm>
+      </p:grpSpPr>
+      <p:sp>
+        <p:nvSpPr>
+          <p:cNvPr id="2" name="Slide Image Placeholder 1"/>
+          <p:cNvSpPr>
+            <a:spLocks noGrp="1" noRot="1" noChangeAspect="1"/>
+          </p:cNvSpPr>
+          <p:nvPr>
+            <p:ph type="sldImg"/>
+          </p:nvPr>
+        </p:nvSpPr>
+        <p:spPr/>
+      </p:sp>
+      <p:sp>
+        <p:nvSpPr>
+          <p:cNvPr id="3" name="Notes Placeholder 2"/>
+          <p:cNvSpPr>
+            <a:spLocks noGrp="1"/>
+          </p:cNvSpPr>
+          <p:nvPr>
+            <p:ph type="body" idx="1"/>
+          </p:nvPr>
+        </p:nvSpPr>
+        <p:spPr/>
+        <p:txBody>
+          <a:bodyPr/>
+          <a:lstStyle/>
+          <a:p>
+            <a:r>
+              <a:rPr lang="ru-RU" dirty="0"/>
+              <a:t>Для моего приложения была разработана диаграмма вариантов использования.</a:t>
+            </a:r>
+            <a:br>
+              <a:rPr lang="ru-RU" dirty="0"/>
+            </a:br>
+            <a:r>
+              <a:rPr lang="ru-RU" dirty="0"/>
+              <a:t>Главный актер, в лице пользователя может совершать действия над дроном, добавления, выбор, и если дрон выбран удаление и изменения. Аналогично для камеры, добавление, выбор, и если камера выбрана удаление и изменения. Также пользователь может обозначить старт и выделить область съемки. И если Дрон и камера выбраны, старт обозначен, а область съемки выделена, пользователь может построить маршрут.</a:t>
+            </a:r>
+            <a:endParaRPr lang="en-US" dirty="0"/>
+          </a:p>
+        </p:txBody>
+      </p:sp>
+      <p:sp>
+        <p:nvSpPr>
+          <p:cNvPr id="4" name="Slide Number Placeholder 3"/>
+          <p:cNvSpPr>
+            <a:spLocks noGrp="1"/>
+          </p:cNvSpPr>
+          <p:nvPr>
+            <p:ph type="sldNum" sz="quarter" idx="5"/>
+          </p:nvPr>
+        </p:nvSpPr>
+        <p:spPr/>
+        <p:txBody>
+          <a:bodyPr/>
+          <a:lstStyle/>
+          <a:p>
+            <a:fld id="{78D085F2-6161-4C63-ACEB-7382BD4A2589}" type="slidenum">
+              <a:rPr lang="en-US" smtClean="0"/>
+              <a:t>5</a:t>
+            </a:fld>
+            <a:endParaRPr lang="en-US"/>
+          </a:p>
+        </p:txBody>
+      </p:sp>
+    </p:spTree>
+    <p:extLst>
+      <p:ext uri="{BB962C8B-B14F-4D97-AF65-F5344CB8AC3E}">
+        <p14:creationId xmlns:p14="http://schemas.microsoft.com/office/powerpoint/2010/main" val="3534557295"/>
+      </p:ext>
+    </p:extLst>
+  </p:cSld>
+  <p:clrMapOvr>
+    <a:masterClrMapping/>
+  </p:clrMapOvr>
+</p:notes>
+</file>
+
+<file path=ppt/notesSlides/notesSlide6.xml><?xml version="1.0" encoding="utf-8"?>
+<p:notes xmlns:a="http://schemas.openxmlformats.org/drawingml/2006/main" xmlns:r="http://schemas.openxmlformats.org/officeDocument/2006/relationships" xmlns:p="http://schemas.openxmlformats.org/presentationml/2006/main">
+  <p:cSld>
+    <p:spTree>
+      <p:nvGrpSpPr>
+        <p:cNvPr id="1" name=""/>
+        <p:cNvGrpSpPr/>
+        <p:nvPr/>
+      </p:nvGrpSpPr>
+      <p:grpSpPr>
+        <a:xfrm>
+          <a:off x="0" y="0"/>
+          <a:ext cx="0" cy="0"/>
+          <a:chOff x="0" y="0"/>
+          <a:chExt cx="0" cy="0"/>
+        </a:xfrm>
+      </p:grpSpPr>
+      <p:sp>
+        <p:nvSpPr>
+          <p:cNvPr id="2" name="Slide Image Placeholder 1"/>
+          <p:cNvSpPr>
+            <a:spLocks noGrp="1" noRot="1" noChangeAspect="1"/>
+          </p:cNvSpPr>
+          <p:nvPr>
+            <p:ph type="sldImg"/>
+          </p:nvPr>
+        </p:nvSpPr>
+        <p:spPr/>
+      </p:sp>
+      <p:sp>
+        <p:nvSpPr>
+          <p:cNvPr id="3" name="Notes Placeholder 2"/>
+          <p:cNvSpPr>
+            <a:spLocks noGrp="1"/>
+          </p:cNvSpPr>
+          <p:nvPr>
+            <p:ph type="body" idx="1"/>
+          </p:nvPr>
+        </p:nvSpPr>
+        <p:spPr/>
+        <p:txBody>
+          <a:bodyPr/>
+          <a:lstStyle/>
+          <a:p>
+            <a:r>
+              <a:rPr lang="ru-RU" dirty="0"/>
+              <a:t>Была разработана Диаграмма деятельности. Она представлена тремя основными потоками, первый завязан на том, чтобы выбрать дрон и изменить его, аналогично построен второй, выбор и изменение камеры. Третий поток завязан на построении маршрута. Вводом всех данных, валидацией и построении маршрута с возможностью его экспорта.</a:t>
+            </a:r>
+            <a:endParaRPr lang="en-US" dirty="0"/>
+          </a:p>
+        </p:txBody>
+      </p:sp>
+      <p:sp>
+        <p:nvSpPr>
+          <p:cNvPr id="4" name="Slide Number Placeholder 3"/>
+          <p:cNvSpPr>
+            <a:spLocks noGrp="1"/>
+          </p:cNvSpPr>
+          <p:nvPr>
+            <p:ph type="sldNum" sz="quarter" idx="5"/>
+          </p:nvPr>
+        </p:nvSpPr>
+        <p:spPr/>
+        <p:txBody>
+          <a:bodyPr/>
+          <a:lstStyle/>
+          <a:p>
+            <a:fld id="{78D085F2-6161-4C63-ACEB-7382BD4A2589}" type="slidenum">
+              <a:rPr lang="en-US" smtClean="0"/>
+              <a:t>6</a:t>
+            </a:fld>
+            <a:endParaRPr lang="en-US"/>
+          </a:p>
+        </p:txBody>
+      </p:sp>
+    </p:spTree>
+    <p:extLst>
+      <p:ext uri="{BB962C8B-B14F-4D97-AF65-F5344CB8AC3E}">
+        <p14:creationId xmlns:p14="http://schemas.microsoft.com/office/powerpoint/2010/main" val="4016420165"/>
+      </p:ext>
+    </p:extLst>
+  </p:cSld>
+  <p:clrMapOvr>
+    <a:masterClrMapping/>
+  </p:clrMapOvr>
+</p:notes>
+</file>
+
+<file path=ppt/notesSlides/notesSlide7.xml><?xml version="1.0" encoding="utf-8"?>
+<p:notes xmlns:a="http://schemas.openxmlformats.org/drawingml/2006/main" xmlns:r="http://schemas.openxmlformats.org/officeDocument/2006/relationships" xmlns:p="http://schemas.openxmlformats.org/presentationml/2006/main">
+  <p:cSld>
+    <p:spTree>
+      <p:nvGrpSpPr>
+        <p:cNvPr id="1" name=""/>
+        <p:cNvGrpSpPr/>
+        <p:nvPr/>
+      </p:nvGrpSpPr>
+      <p:grpSpPr>
+        <a:xfrm>
+          <a:off x="0" y="0"/>
+          <a:ext cx="0" cy="0"/>
+          <a:chOff x="0" y="0"/>
+          <a:chExt cx="0" cy="0"/>
+        </a:xfrm>
+      </p:grpSpPr>
+      <p:sp>
+        <p:nvSpPr>
+          <p:cNvPr id="2" name="Slide Image Placeholder 1"/>
+          <p:cNvSpPr>
+            <a:spLocks noGrp="1" noRot="1" noChangeAspect="1"/>
+          </p:cNvSpPr>
+          <p:nvPr>
+            <p:ph type="sldImg"/>
+          </p:nvPr>
+        </p:nvSpPr>
+        <p:spPr/>
+      </p:sp>
+      <p:sp>
+        <p:nvSpPr>
+          <p:cNvPr id="3" name="Notes Placeholder 2"/>
+          <p:cNvSpPr>
+            <a:spLocks noGrp="1"/>
+          </p:cNvSpPr>
+          <p:nvPr>
+            <p:ph type="body" idx="1"/>
+          </p:nvPr>
+        </p:nvSpPr>
+        <p:spPr/>
+        <p:txBody>
+          <a:bodyPr/>
+          <a:lstStyle/>
+          <a:p>
+            <a:r>
+              <a:rPr lang="ru-RU" dirty="0"/>
+              <a:t>Была разработана диаграмма компонентов системы.</a:t>
+            </a:r>
+          </a:p>
+          <a:p>
+            <a:r>
+              <a:rPr lang="ru-RU" dirty="0"/>
+              <a:t>Она разделена на 3 уровня, </a:t>
+            </a:r>
+            <a:r>
+              <a:rPr lang="ru-RU" dirty="0" err="1"/>
+              <a:t>фронтенд</a:t>
+            </a:r>
+            <a:r>
+              <a:rPr lang="ru-RU" dirty="0"/>
+              <a:t>, бэкенд, и база данных.</a:t>
+            </a:r>
+          </a:p>
+          <a:p>
+            <a:r>
+              <a:rPr lang="ru-RU" dirty="0" err="1"/>
+              <a:t>Фронтенд</a:t>
+            </a:r>
+            <a:r>
+              <a:rPr lang="ru-RU" dirty="0"/>
+              <a:t> состоит из 3х компонентов Левое меню </a:t>
+            </a:r>
+            <a:r>
+              <a:rPr lang="ru-RU" dirty="0" err="1"/>
+              <a:t>предаставляет</a:t>
+            </a:r>
+            <a:r>
+              <a:rPr lang="ru-RU" dirty="0"/>
+              <a:t> пользователю интерфейс для </a:t>
+            </a:r>
+            <a:r>
+              <a:rPr lang="ru-RU" dirty="0" err="1"/>
+              <a:t>Круд</a:t>
+            </a:r>
+            <a:r>
+              <a:rPr lang="ru-RU" dirty="0"/>
+              <a:t> операций над дронами и камерами.</a:t>
+            </a:r>
+            <a:br>
+              <a:rPr lang="ru-RU" dirty="0"/>
+            </a:br>
+            <a:r>
+              <a:rPr lang="ru-RU" dirty="0"/>
+              <a:t>Центральный элемент карта отвечает за отображения маршрута и установку области съемки. </a:t>
+            </a:r>
+            <a:br>
+              <a:rPr lang="ru-RU" dirty="0"/>
+            </a:br>
+            <a:r>
+              <a:rPr lang="ru-RU" dirty="0"/>
+              <a:t>Правое меню отвечает за взаимодействие с миссией, в том числе и вызова функций расчета.</a:t>
+            </a:r>
+          </a:p>
+          <a:p>
+            <a:endParaRPr lang="ru-RU" dirty="0"/>
+          </a:p>
+          <a:p>
+            <a:r>
+              <a:rPr lang="ru-RU" dirty="0" err="1"/>
+              <a:t>Бекенд</a:t>
+            </a:r>
+            <a:r>
+              <a:rPr lang="ru-RU" dirty="0"/>
+              <a:t> состоит из 3х компонентов Дата </a:t>
+            </a:r>
+            <a:r>
+              <a:rPr lang="ru-RU" dirty="0" err="1"/>
+              <a:t>мэнеджмент</a:t>
+            </a:r>
+            <a:r>
+              <a:rPr lang="ru-RU" dirty="0"/>
+              <a:t> исполняет команды, приходящие с </a:t>
+            </a:r>
+            <a:r>
+              <a:rPr lang="ru-RU" dirty="0" err="1"/>
+              <a:t>фронтенда</a:t>
+            </a:r>
+            <a:r>
+              <a:rPr lang="ru-RU" dirty="0"/>
+              <a:t> на базе, </a:t>
+            </a:r>
+            <a:r>
+              <a:rPr lang="ru-RU" dirty="0" err="1"/>
+              <a:t>комонент</a:t>
+            </a:r>
+            <a:r>
+              <a:rPr lang="ru-RU" dirty="0"/>
+              <a:t> </a:t>
+            </a:r>
+            <a:r>
+              <a:rPr lang="ru-RU" dirty="0" err="1"/>
+              <a:t>Алгоритмс</a:t>
+            </a:r>
+            <a:r>
+              <a:rPr lang="ru-RU" dirty="0"/>
+              <a:t> содержит алгоритмы, предназначенные для расчета, они вызываются с </a:t>
+            </a:r>
+            <a:r>
+              <a:rPr lang="ru-RU" dirty="0" err="1"/>
+              <a:t>фронтенда</a:t>
+            </a:r>
+            <a:r>
+              <a:rPr lang="ru-RU" dirty="0"/>
+              <a:t>. </a:t>
+            </a:r>
+            <a:br>
+              <a:rPr lang="ru-RU" dirty="0"/>
+            </a:br>
+            <a:br>
+              <a:rPr lang="ru-RU" dirty="0"/>
+            </a:br>
+            <a:r>
+              <a:rPr lang="ru-RU" dirty="0"/>
+              <a:t>База данных состоит из 2х таблиц.</a:t>
+            </a:r>
+            <a:endParaRPr lang="en-US" dirty="0"/>
+          </a:p>
+        </p:txBody>
+      </p:sp>
+      <p:sp>
+        <p:nvSpPr>
+          <p:cNvPr id="4" name="Slide Number Placeholder 3"/>
+          <p:cNvSpPr>
+            <a:spLocks noGrp="1"/>
+          </p:cNvSpPr>
+          <p:nvPr>
+            <p:ph type="sldNum" sz="quarter" idx="5"/>
+          </p:nvPr>
+        </p:nvSpPr>
+        <p:spPr/>
+        <p:txBody>
+          <a:bodyPr/>
+          <a:lstStyle/>
+          <a:p>
+            <a:fld id="{78D085F2-6161-4C63-ACEB-7382BD4A2589}" type="slidenum">
+              <a:rPr lang="en-US" smtClean="0"/>
+              <a:t>7</a:t>
+            </a:fld>
+            <a:endParaRPr lang="en-US"/>
+          </a:p>
+        </p:txBody>
+      </p:sp>
+    </p:spTree>
+    <p:extLst>
+      <p:ext uri="{BB962C8B-B14F-4D97-AF65-F5344CB8AC3E}">
+        <p14:creationId xmlns:p14="http://schemas.microsoft.com/office/powerpoint/2010/main" val="591657207"/>
+      </p:ext>
+    </p:extLst>
+  </p:cSld>
+  <p:clrMapOvr>
+    <a:masterClrMapping/>
+  </p:clrMapOvr>
+</p:notes>
+</file>
+
+<file path=ppt/notesSlides/notesSlide8.xml><?xml version="1.0" encoding="utf-8"?>
+<p:notes xmlns:a="http://schemas.openxmlformats.org/drawingml/2006/main" xmlns:r="http://schemas.openxmlformats.org/officeDocument/2006/relationships" xmlns:p="http://schemas.openxmlformats.org/presentationml/2006/main">
+  <p:cSld>
+    <p:spTree>
+      <p:nvGrpSpPr>
+        <p:cNvPr id="1" name=""/>
+        <p:cNvGrpSpPr/>
+        <p:nvPr/>
+      </p:nvGrpSpPr>
+      <p:grpSpPr>
+        <a:xfrm>
+          <a:off x="0" y="0"/>
+          <a:ext cx="0" cy="0"/>
+          <a:chOff x="0" y="0"/>
+          <a:chExt cx="0" cy="0"/>
+        </a:xfrm>
+      </p:grpSpPr>
+      <p:sp>
+        <p:nvSpPr>
+          <p:cNvPr id="2" name="Slide Image Placeholder 1"/>
+          <p:cNvSpPr>
+            <a:spLocks noGrp="1" noRot="1" noChangeAspect="1"/>
+          </p:cNvSpPr>
+          <p:nvPr>
+            <p:ph type="sldImg"/>
+          </p:nvPr>
+        </p:nvSpPr>
+        <p:spPr/>
+      </p:sp>
+      <p:sp>
+        <p:nvSpPr>
+          <p:cNvPr id="3" name="Notes Placeholder 2"/>
+          <p:cNvSpPr>
+            <a:spLocks noGrp="1"/>
+          </p:cNvSpPr>
+          <p:nvPr>
+            <p:ph type="body" idx="1"/>
+          </p:nvPr>
+        </p:nvSpPr>
+        <p:spPr/>
+        <p:txBody>
+          <a:bodyPr/>
+          <a:lstStyle/>
+          <a:p>
+            <a:r>
+              <a:rPr lang="ru-RU" dirty="0"/>
+              <a:t>Таблица </a:t>
+            </a:r>
+            <a:r>
+              <a:rPr lang="en-US" dirty="0"/>
+              <a:t>UAV </a:t>
+            </a:r>
+            <a:r>
+              <a:rPr lang="ru-RU" dirty="0"/>
+              <a:t>представляющая дрон состоит из следующих колонок</a:t>
+            </a:r>
+            <a:br>
+              <a:rPr lang="ru-RU" dirty="0"/>
+            </a:br>
+            <a:r>
+              <a:rPr lang="ru-RU" dirty="0" err="1"/>
+              <a:t>Айди</a:t>
+            </a:r>
+            <a:r>
+              <a:rPr lang="ru-RU" dirty="0"/>
+              <a:t>, его имя , максимальная грузоподьемность, продолжительность полета, скорость взлета, скорость полета, минимальная высота, максимальная высота и Камера </a:t>
+            </a:r>
+            <a:r>
+              <a:rPr lang="ru-RU" dirty="0" err="1"/>
+              <a:t>айди</a:t>
+            </a:r>
+            <a:r>
+              <a:rPr lang="ru-RU" dirty="0"/>
+              <a:t>, указывающий на </a:t>
+            </a:r>
+            <a:r>
+              <a:rPr lang="ru-RU" dirty="0" err="1"/>
+              <a:t>айди</a:t>
+            </a:r>
+            <a:r>
+              <a:rPr lang="ru-RU" dirty="0"/>
+              <a:t> камеры установленной на дроне.</a:t>
+            </a:r>
+            <a:br>
+              <a:rPr lang="ru-RU" dirty="0"/>
+            </a:br>
+            <a:br>
+              <a:rPr lang="ru-RU" dirty="0"/>
+            </a:br>
+            <a:r>
+              <a:rPr lang="ru-RU" dirty="0"/>
+              <a:t>Таблица </a:t>
+            </a:r>
+            <a:r>
+              <a:rPr lang="en-US" dirty="0"/>
+              <a:t>Camera </a:t>
+            </a:r>
+            <a:r>
+              <a:rPr lang="ru-RU" dirty="0"/>
+              <a:t>представляет камеру и состоит из следующих колонок</a:t>
+            </a:r>
+          </a:p>
+          <a:p>
+            <a:r>
+              <a:rPr lang="ru-RU" dirty="0" err="1"/>
+              <a:t>Айди</a:t>
+            </a:r>
+            <a:r>
+              <a:rPr lang="ru-RU" dirty="0"/>
+              <a:t>, ее имя, масса, угол обзора по горизонтали, разрешение по горизонтали и вертикали.</a:t>
+            </a:r>
+            <a:endParaRPr lang="en-US" dirty="0"/>
+          </a:p>
+        </p:txBody>
+      </p:sp>
+      <p:sp>
+        <p:nvSpPr>
+          <p:cNvPr id="4" name="Slide Number Placeholder 3"/>
+          <p:cNvSpPr>
+            <a:spLocks noGrp="1"/>
+          </p:cNvSpPr>
+          <p:nvPr>
+            <p:ph type="sldNum" sz="quarter" idx="5"/>
+          </p:nvPr>
+        </p:nvSpPr>
+        <p:spPr/>
+        <p:txBody>
+          <a:bodyPr/>
+          <a:lstStyle/>
+          <a:p>
+            <a:fld id="{78D085F2-6161-4C63-ACEB-7382BD4A2589}" type="slidenum">
+              <a:rPr lang="en-US" smtClean="0"/>
+              <a:t>8</a:t>
+            </a:fld>
+            <a:endParaRPr lang="en-US"/>
+          </a:p>
+        </p:txBody>
+      </p:sp>
+    </p:spTree>
+    <p:extLst>
+      <p:ext uri="{BB962C8B-B14F-4D97-AF65-F5344CB8AC3E}">
+        <p14:creationId xmlns:p14="http://schemas.microsoft.com/office/powerpoint/2010/main" val="1601482555"/>
+      </p:ext>
+    </p:extLst>
+  </p:cSld>
+  <p:clrMapOvr>
+    <a:masterClrMapping/>
+  </p:clrMapOvr>
+</p:notes>
+</file>
+
+<file path=ppt/notesSlides/notesSlide9.xml><?xml version="1.0" encoding="utf-8"?>
+<p:notes xmlns:a="http://schemas.openxmlformats.org/drawingml/2006/main" xmlns:r="http://schemas.openxmlformats.org/officeDocument/2006/relationships" xmlns:p="http://schemas.openxmlformats.org/presentationml/2006/main">
+  <p:cSld>
+    <p:spTree>
+      <p:nvGrpSpPr>
+        <p:cNvPr id="1" name=""/>
+        <p:cNvGrpSpPr/>
+        <p:nvPr/>
+      </p:nvGrpSpPr>
+      <p:grpSpPr>
+        <a:xfrm>
+          <a:off x="0" y="0"/>
+          <a:ext cx="0" cy="0"/>
+          <a:chOff x="0" y="0"/>
+          <a:chExt cx="0" cy="0"/>
+        </a:xfrm>
+      </p:grpSpPr>
+      <p:sp>
+        <p:nvSpPr>
+          <p:cNvPr id="2" name="Slide Image Placeholder 1"/>
+          <p:cNvSpPr>
+            <a:spLocks noGrp="1" noRot="1" noChangeAspect="1"/>
+          </p:cNvSpPr>
+          <p:nvPr>
+            <p:ph type="sldImg"/>
+          </p:nvPr>
+        </p:nvSpPr>
+        <p:spPr/>
+      </p:sp>
+      <p:sp>
+        <p:nvSpPr>
+          <p:cNvPr id="3" name="Notes Placeholder 2"/>
+          <p:cNvSpPr>
+            <a:spLocks noGrp="1"/>
+          </p:cNvSpPr>
+          <p:nvPr>
+            <p:ph type="body" idx="1"/>
+          </p:nvPr>
+        </p:nvSpPr>
+        <p:spPr/>
+        <p:txBody>
+          <a:bodyPr/>
+          <a:lstStyle/>
+          <a:p>
+            <a:r>
+              <a:rPr lang="ru-RU" dirty="0"/>
+              <a:t>Исходя из требований представленных приложению для разработки был выбран фреймворк </a:t>
+            </a:r>
+            <a:r>
+              <a:rPr lang="en-US" dirty="0"/>
+              <a:t>Tauri</a:t>
+            </a:r>
+            <a:r>
+              <a:rPr lang="ru-RU" dirty="0"/>
+              <a:t>, позволяющий использовать</a:t>
+            </a:r>
+            <a:r>
+              <a:rPr lang="en-US" dirty="0"/>
+              <a:t> </a:t>
+            </a:r>
+            <a:r>
+              <a:rPr lang="ru-RU" dirty="0"/>
+              <a:t>веб технологи для отображения и </a:t>
+            </a:r>
+            <a:r>
+              <a:rPr lang="en-US" dirty="0"/>
+              <a:t>Rust </a:t>
+            </a:r>
+            <a:r>
+              <a:rPr lang="ru-RU" dirty="0"/>
+              <a:t>для основной логики приложения.</a:t>
+            </a:r>
+            <a:endParaRPr lang="en-US" dirty="0"/>
+          </a:p>
+        </p:txBody>
+      </p:sp>
+      <p:sp>
+        <p:nvSpPr>
+          <p:cNvPr id="4" name="Slide Number Placeholder 3"/>
+          <p:cNvSpPr>
+            <a:spLocks noGrp="1"/>
+          </p:cNvSpPr>
+          <p:nvPr>
+            <p:ph type="sldNum" sz="quarter" idx="5"/>
+          </p:nvPr>
+        </p:nvSpPr>
+        <p:spPr/>
+        <p:txBody>
+          <a:bodyPr/>
+          <a:lstStyle/>
+          <a:p>
+            <a:fld id="{78D085F2-6161-4C63-ACEB-7382BD4A2589}" type="slidenum">
+              <a:rPr lang="en-US" smtClean="0"/>
+              <a:t>9</a:t>
+            </a:fld>
+            <a:endParaRPr lang="en-US"/>
+          </a:p>
+        </p:txBody>
+      </p:sp>
+    </p:spTree>
+    <p:extLst>
+      <p:ext uri="{BB962C8B-B14F-4D97-AF65-F5344CB8AC3E}">
+        <p14:creationId xmlns:p14="http://schemas.microsoft.com/office/powerpoint/2010/main" val="2835627157"/>
+      </p:ext>
+    </p:extLst>
+  </p:cSld>
+  <p:clrMapOvr>
+    <a:masterClrMapping/>
+  </p:clrMapOvr>
+</p:notes>
 </file>
 
 <file path=ppt/slideLayouts/slideLayout1.xml><?xml version="1.0" encoding="utf-8"?>
@@ -4660,7 +7850,7 @@
             <p:ph idx="1"/>
             <p:extLst>
               <p:ext uri="{D42A27DB-BD31-4B8C-83A1-F6EECF244321}">
-                <p14:modId xmlns:p14="http://schemas.microsoft.com/office/powerpoint/2010/main" val="948033085"/>
+                <p14:modId xmlns:p14="http://schemas.microsoft.com/office/powerpoint/2010/main" val="2498087995"/>
               </p:ext>
             </p:extLst>
           </p:nvPr>
@@ -4713,12 +7903,12 @@
                     <a:p>
                       <a:pPr algn="ctr"/>
                       <a:r>
-                        <a:rPr lang="ru-RU" sz="1400">
+                        <a:rPr lang="ru-RU" sz="1600" dirty="0">
                           <a:effectLst/>
                         </a:rPr>
                         <a:t>Алгоритм</a:t>
                       </a:r>
-                      <a:endParaRPr lang="en-US" sz="1200">
+                      <a:endParaRPr lang="en-US" sz="1400" dirty="0">
                         <a:effectLst/>
                         <a:latin typeface="Times New Roman" panose="02020603050405020304" pitchFamily="18" charset="0"/>
                         <a:ea typeface="Arial" panose="020B0604020202020204" pitchFamily="34" charset="0"/>
@@ -4734,12 +7924,12 @@
                     <a:p>
                       <a:pPr algn="ctr"/>
                       <a:r>
-                        <a:rPr lang="ru-RU" sz="1400">
+                        <a:rPr lang="ru-RU" sz="1600">
                           <a:effectLst/>
                         </a:rPr>
                         <a:t>Nearest neighbour</a:t>
                       </a:r>
-                      <a:endParaRPr lang="en-US" sz="1200">
+                      <a:endParaRPr lang="en-US" sz="1400">
                         <a:effectLst/>
                         <a:latin typeface="Times New Roman" panose="02020603050405020304" pitchFamily="18" charset="0"/>
                         <a:ea typeface="Arial" panose="020B0604020202020204" pitchFamily="34" charset="0"/>
@@ -4755,12 +7945,12 @@
                     <a:p>
                       <a:pPr algn="ctr"/>
                       <a:r>
-                        <a:rPr lang="ru-RU" sz="1400">
+                        <a:rPr lang="ru-RU" sz="1600">
                           <a:effectLst/>
                         </a:rPr>
                         <a:t>Brute force</a:t>
                       </a:r>
-                      <a:endParaRPr lang="en-US" sz="1200">
+                      <a:endParaRPr lang="en-US" sz="1400">
                         <a:effectLst/>
                         <a:latin typeface="Times New Roman" panose="02020603050405020304" pitchFamily="18" charset="0"/>
                         <a:ea typeface="Arial" panose="020B0604020202020204" pitchFamily="34" charset="0"/>
@@ -4776,12 +7966,12 @@
                     <a:p>
                       <a:pPr algn="ctr"/>
                       <a:r>
-                        <a:rPr lang="ru-RU" sz="1400">
+                        <a:rPr lang="ru-RU" sz="1600">
                           <a:effectLst/>
                         </a:rPr>
                         <a:t>Rectangular areas</a:t>
                       </a:r>
-                      <a:endParaRPr lang="en-US" sz="1200">
+                      <a:endParaRPr lang="en-US" sz="1400">
                         <a:effectLst/>
                         <a:latin typeface="Times New Roman" panose="02020603050405020304" pitchFamily="18" charset="0"/>
                         <a:ea typeface="Arial" panose="020B0604020202020204" pitchFamily="34" charset="0"/>
@@ -4802,13 +7992,14 @@
                     <a:bodyPr/>
                     <a:lstStyle/>
                     <a:p>
+                      <a:pPr algn="ctr"/>
                       <a:r>
-                        <a:rPr lang="ru-RU" sz="1400">
+                        <a:rPr lang="ru-RU" sz="1600" dirty="0">
                           <a:effectLst/>
                         </a:rPr>
                         <a:t>Входные данные</a:t>
                       </a:r>
-                      <a:endParaRPr lang="en-US" sz="1200">
+                      <a:endParaRPr lang="en-US" sz="1400" dirty="0">
                         <a:effectLst/>
                         <a:latin typeface="Times New Roman" panose="02020603050405020304" pitchFamily="18" charset="0"/>
                         <a:ea typeface="Arial" panose="020B0604020202020204" pitchFamily="34" charset="0"/>
@@ -4824,12 +8015,12 @@
                     <a:p>
                       <a:pPr algn="ctr"/>
                       <a:r>
-                        <a:rPr lang="ru-RU" sz="1400" dirty="0">
+                        <a:rPr lang="ru-RU" sz="1600" dirty="0">
                           <a:effectLst/>
                         </a:rPr>
                         <a:t>Одномерный массив точек</a:t>
                       </a:r>
-                      <a:endParaRPr lang="en-US" sz="1200" dirty="0">
+                      <a:endParaRPr lang="en-US" sz="1400" dirty="0">
                         <a:effectLst/>
                         <a:latin typeface="Times New Roman" panose="02020603050405020304" pitchFamily="18" charset="0"/>
                         <a:ea typeface="Arial" panose="020B0604020202020204" pitchFamily="34" charset="0"/>
@@ -4845,12 +8036,12 @@
                     <a:p>
                       <a:pPr algn="ctr"/>
                       <a:r>
-                        <a:rPr lang="ru-RU" sz="1400">
+                        <a:rPr lang="ru-RU" sz="1600">
                           <a:effectLst/>
                         </a:rPr>
                         <a:t>Одномерный массив точек</a:t>
                       </a:r>
-                      <a:endParaRPr lang="en-US" sz="1200">
+                      <a:endParaRPr lang="en-US" sz="1400">
                         <a:effectLst/>
                         <a:latin typeface="Times New Roman" panose="02020603050405020304" pitchFamily="18" charset="0"/>
                         <a:ea typeface="Arial" panose="020B0604020202020204" pitchFamily="34" charset="0"/>
@@ -4866,12 +8057,12 @@
                     <a:p>
                       <a:pPr algn="ctr"/>
                       <a:r>
-                        <a:rPr lang="ru-RU" sz="1400">
+                        <a:rPr lang="ru-RU" sz="1600">
                           <a:effectLst/>
                         </a:rPr>
                         <a:t>Трехмерный массив точек, стартовая точка, направление дискретизации</a:t>
                       </a:r>
-                      <a:endParaRPr lang="en-US" sz="1200">
+                      <a:endParaRPr lang="en-US" sz="1400">
                         <a:effectLst/>
                         <a:latin typeface="Times New Roman" panose="02020603050405020304" pitchFamily="18" charset="0"/>
                         <a:ea typeface="Arial" panose="020B0604020202020204" pitchFamily="34" charset="0"/>
@@ -4892,13 +8083,14 @@
                     <a:bodyPr/>
                     <a:lstStyle/>
                     <a:p>
+                      <a:pPr algn="ctr"/>
                       <a:r>
-                        <a:rPr lang="ru-RU" sz="1400">
+                        <a:rPr lang="ru-RU" sz="1600" dirty="0">
                           <a:effectLst/>
                         </a:rPr>
                         <a:t>Выходные данные</a:t>
                       </a:r>
-                      <a:endParaRPr lang="en-US" sz="1200">
+                      <a:endParaRPr lang="en-US" sz="1400" dirty="0">
                         <a:effectLst/>
                         <a:latin typeface="Times New Roman" panose="02020603050405020304" pitchFamily="18" charset="0"/>
                         <a:ea typeface="Arial" panose="020B0604020202020204" pitchFamily="34" charset="0"/>
@@ -4914,12 +8106,12 @@
                     <a:p>
                       <a:pPr algn="ctr"/>
                       <a:r>
-                        <a:rPr lang="ru-RU" sz="1400" dirty="0">
+                        <a:rPr lang="ru-RU" sz="1600" dirty="0">
                           <a:effectLst/>
                         </a:rPr>
                         <a:t>Одномерный массив точек</a:t>
                       </a:r>
-                      <a:endParaRPr lang="en-US" sz="1200" dirty="0">
+                      <a:endParaRPr lang="en-US" sz="1400" dirty="0">
                         <a:effectLst/>
                         <a:latin typeface="Times New Roman" panose="02020603050405020304" pitchFamily="18" charset="0"/>
                         <a:ea typeface="Arial" panose="020B0604020202020204" pitchFamily="34" charset="0"/>
@@ -4935,12 +8127,12 @@
                     <a:p>
                       <a:pPr algn="ctr"/>
                       <a:r>
-                        <a:rPr lang="ru-RU" sz="1400">
+                        <a:rPr lang="ru-RU" sz="1600">
                           <a:effectLst/>
                         </a:rPr>
                         <a:t>Одномерный массив точек</a:t>
                       </a:r>
-                      <a:endParaRPr lang="en-US" sz="1200">
+                      <a:endParaRPr lang="en-US" sz="1400">
                         <a:effectLst/>
                         <a:latin typeface="Times New Roman" panose="02020603050405020304" pitchFamily="18" charset="0"/>
                         <a:ea typeface="Arial" panose="020B0604020202020204" pitchFamily="34" charset="0"/>
@@ -4956,12 +8148,12 @@
                     <a:p>
                       <a:pPr algn="ctr"/>
                       <a:r>
-                        <a:rPr lang="ru-RU" sz="1400">
+                        <a:rPr lang="ru-RU" sz="1600">
                           <a:effectLst/>
                         </a:rPr>
                         <a:t>Одномерный массив точек</a:t>
                       </a:r>
-                      <a:endParaRPr lang="en-US" sz="1200">
+                      <a:endParaRPr lang="en-US" sz="1400">
                         <a:effectLst/>
                         <a:latin typeface="Times New Roman" panose="02020603050405020304" pitchFamily="18" charset="0"/>
                         <a:ea typeface="Arial" panose="020B0604020202020204" pitchFamily="34" charset="0"/>
@@ -4982,13 +8174,14 @@
                     <a:bodyPr/>
                     <a:lstStyle/>
                     <a:p>
+                      <a:pPr algn="ctr"/>
                       <a:r>
-                        <a:rPr lang="ru-RU" sz="1400">
+                        <a:rPr lang="ru-RU" sz="1600">
                           <a:effectLst/>
                         </a:rPr>
                         <a:t>Класс</a:t>
                       </a:r>
-                      <a:endParaRPr lang="en-US" sz="1200">
+                      <a:endParaRPr lang="en-US" sz="1400">
                         <a:effectLst/>
                         <a:latin typeface="Times New Roman" panose="02020603050405020304" pitchFamily="18" charset="0"/>
                         <a:ea typeface="Arial" panose="020B0604020202020204" pitchFamily="34" charset="0"/>
@@ -5004,12 +8197,18 @@
                     <a:p>
                       <a:pPr algn="ctr"/>
                       <a:r>
-                        <a:rPr lang="ru-RU" sz="1400">
+                        <a:rPr lang="ru-RU" sz="1600" dirty="0" err="1">
                           <a:effectLst/>
                         </a:rPr>
-                        <a:t>Аппроксимационный алгоритм</a:t>
+                        <a:t>Аппроксимационный</a:t>
                       </a:r>
-                      <a:endParaRPr lang="en-US" sz="1200">
+                      <a:r>
+                        <a:rPr lang="ru-RU" sz="1600" dirty="0">
+                          <a:effectLst/>
+                        </a:rPr>
+                        <a:t> алгоритм</a:t>
+                      </a:r>
+                      <a:endParaRPr lang="en-US" sz="1400" dirty="0">
                         <a:effectLst/>
                         <a:latin typeface="Times New Roman" panose="02020603050405020304" pitchFamily="18" charset="0"/>
                         <a:ea typeface="Arial" panose="020B0604020202020204" pitchFamily="34" charset="0"/>
@@ -5025,12 +8224,12 @@
                     <a:p>
                       <a:pPr algn="ctr"/>
                       <a:r>
-                        <a:rPr lang="ru-RU" sz="1400" dirty="0">
+                        <a:rPr lang="ru-RU" sz="1600" dirty="0">
                           <a:effectLst/>
                         </a:rPr>
                         <a:t>Алгоритм оптимального решения</a:t>
                       </a:r>
-                      <a:endParaRPr lang="en-US" sz="1200" dirty="0">
+                      <a:endParaRPr lang="en-US" sz="1400" dirty="0">
                         <a:effectLst/>
                         <a:latin typeface="Times New Roman" panose="02020603050405020304" pitchFamily="18" charset="0"/>
                         <a:ea typeface="Arial" panose="020B0604020202020204" pitchFamily="34" charset="0"/>
@@ -5046,12 +8245,12 @@
                     <a:p>
                       <a:pPr algn="ctr"/>
                       <a:r>
-                        <a:rPr lang="ru-RU" sz="1400">
+                        <a:rPr lang="ru-RU" sz="1600">
                           <a:effectLst/>
                         </a:rPr>
                         <a:t>Аппроксимационный алгоритм</a:t>
                       </a:r>
-                      <a:endParaRPr lang="en-US" sz="1200">
+                      <a:endParaRPr lang="en-US" sz="1400">
                         <a:effectLst/>
                         <a:latin typeface="Times New Roman" panose="02020603050405020304" pitchFamily="18" charset="0"/>
                         <a:ea typeface="Arial" panose="020B0604020202020204" pitchFamily="34" charset="0"/>
@@ -5072,13 +8271,14 @@
                     <a:bodyPr/>
                     <a:lstStyle/>
                     <a:p>
+                      <a:pPr algn="ctr"/>
                       <a:r>
-                        <a:rPr lang="ru-RU" sz="1400" dirty="0">
+                        <a:rPr lang="ru-RU" sz="1600" dirty="0">
                           <a:effectLst/>
                         </a:rPr>
                         <a:t>Ограничения</a:t>
                       </a:r>
-                      <a:endParaRPr lang="en-US" sz="1200" dirty="0">
+                      <a:endParaRPr lang="en-US" sz="1400" dirty="0">
                         <a:effectLst/>
                         <a:latin typeface="Times New Roman" panose="02020603050405020304" pitchFamily="18" charset="0"/>
                         <a:ea typeface="Arial" panose="020B0604020202020204" pitchFamily="34" charset="0"/>
@@ -5094,12 +8294,12 @@
                     <a:p>
                       <a:pPr algn="ctr"/>
                       <a:r>
-                        <a:rPr lang="ru-RU" sz="1400" dirty="0">
+                        <a:rPr lang="ru-RU" sz="1600" dirty="0">
                           <a:effectLst/>
                         </a:rPr>
                         <a:t>Нет</a:t>
                       </a:r>
-                      <a:endParaRPr lang="en-US" sz="1200" dirty="0">
+                      <a:endParaRPr lang="en-US" sz="1400" dirty="0">
                         <a:effectLst/>
                         <a:latin typeface="Times New Roman" panose="02020603050405020304" pitchFamily="18" charset="0"/>
                         <a:ea typeface="Arial" panose="020B0604020202020204" pitchFamily="34" charset="0"/>
@@ -5115,18 +8315,18 @@
                     <a:p>
                       <a:pPr algn="ctr"/>
                       <a:r>
-                        <a:rPr lang="ru-RU" sz="1400" dirty="0">
+                        <a:rPr lang="ru-RU" sz="1600" dirty="0">
                           <a:effectLst/>
                         </a:rPr>
                         <a:t>Количество точек съемки </a:t>
                       </a:r>
                       <a:r>
-                        <a:rPr lang="en-US" sz="1400" dirty="0">
+                        <a:rPr lang="en-US" sz="1600" dirty="0">
                           <a:effectLst/>
                         </a:rPr>
                         <a:t>&lt;13</a:t>
                       </a:r>
-                      <a:endParaRPr lang="en-US" sz="1200" dirty="0">
+                      <a:endParaRPr lang="en-US" sz="1400" dirty="0">
                         <a:effectLst/>
                         <a:latin typeface="Times New Roman" panose="02020603050405020304" pitchFamily="18" charset="0"/>
                         <a:ea typeface="Arial" panose="020B0604020202020204" pitchFamily="34" charset="0"/>
@@ -5142,12 +8342,12 @@
                     <a:p>
                       <a:pPr algn="ctr"/>
                       <a:r>
-                        <a:rPr lang="ru-RU" sz="1400">
+                        <a:rPr lang="ru-RU" sz="1600">
                           <a:effectLst/>
                         </a:rPr>
                         <a:t>Количество полей &lt;10, прямоуголькики, ограничивающие поля не пересекаются</a:t>
                       </a:r>
-                      <a:endParaRPr lang="en-US" sz="1200">
+                      <a:endParaRPr lang="en-US" sz="1400">
                         <a:effectLst/>
                         <a:latin typeface="Times New Roman" panose="02020603050405020304" pitchFamily="18" charset="0"/>
                         <a:ea typeface="Arial" panose="020B0604020202020204" pitchFamily="34" charset="0"/>
@@ -5168,13 +8368,14 @@
                     <a:bodyPr/>
                     <a:lstStyle/>
                     <a:p>
+                      <a:pPr algn="ctr"/>
                       <a:r>
-                        <a:rPr lang="ru-RU" sz="1400">
+                        <a:rPr lang="ru-RU" sz="1600">
                           <a:effectLst/>
                         </a:rPr>
                         <a:t>Результат</a:t>
                       </a:r>
-                      <a:endParaRPr lang="en-US" sz="1200">
+                      <a:endParaRPr lang="en-US" sz="1400">
                         <a:effectLst/>
                         <a:latin typeface="Times New Roman" panose="02020603050405020304" pitchFamily="18" charset="0"/>
                         <a:ea typeface="Arial" panose="020B0604020202020204" pitchFamily="34" charset="0"/>
@@ -5190,12 +8391,12 @@
                     <a:p>
                       <a:pPr algn="ctr"/>
                       <a:r>
-                        <a:rPr lang="ru-RU" sz="1400" dirty="0">
+                        <a:rPr lang="ru-RU" sz="1600" dirty="0">
                           <a:effectLst/>
                         </a:rPr>
                         <a:t>Неоптимальный</a:t>
                       </a:r>
-                      <a:endParaRPr lang="en-US" sz="1200" dirty="0">
+                      <a:endParaRPr lang="en-US" sz="1400" dirty="0">
                         <a:effectLst/>
                         <a:latin typeface="Times New Roman" panose="02020603050405020304" pitchFamily="18" charset="0"/>
                         <a:ea typeface="Arial" panose="020B0604020202020204" pitchFamily="34" charset="0"/>
@@ -5211,12 +8412,12 @@
                     <a:p>
                       <a:pPr algn="ctr"/>
                       <a:r>
-                        <a:rPr lang="ru-RU" sz="1400" dirty="0">
+                        <a:rPr lang="ru-RU" sz="1600" dirty="0">
                           <a:effectLst/>
                         </a:rPr>
                         <a:t>Оптимальный</a:t>
                       </a:r>
-                      <a:endParaRPr lang="en-US" sz="1200" dirty="0">
+                      <a:endParaRPr lang="en-US" sz="1400" dirty="0">
                         <a:effectLst/>
                         <a:latin typeface="Times New Roman" panose="02020603050405020304" pitchFamily="18" charset="0"/>
                         <a:ea typeface="Arial" panose="020B0604020202020204" pitchFamily="34" charset="0"/>
@@ -5232,12 +8433,12 @@
                     <a:p>
                       <a:pPr algn="ctr"/>
                       <a:r>
-                        <a:rPr lang="ru-RU" sz="1400">
+                        <a:rPr lang="ru-RU" sz="1600">
                           <a:effectLst/>
                         </a:rPr>
                         <a:t>Неоптимальный, входят точки, не принадлежащие полю</a:t>
                       </a:r>
-                      <a:endParaRPr lang="en-US" sz="1200">
+                      <a:endParaRPr lang="en-US" sz="1400">
                         <a:effectLst/>
                         <a:latin typeface="Times New Roman" panose="02020603050405020304" pitchFamily="18" charset="0"/>
                         <a:ea typeface="Arial" panose="020B0604020202020204" pitchFamily="34" charset="0"/>
@@ -5258,13 +8459,14 @@
                     <a:bodyPr/>
                     <a:lstStyle/>
                     <a:p>
+                      <a:pPr algn="ctr"/>
                       <a:r>
-                        <a:rPr lang="ru-RU" sz="1400" dirty="0">
+                        <a:rPr lang="ru-RU" sz="1600" dirty="0">
                           <a:effectLst/>
                         </a:rPr>
                         <a:t>Время работы алгоритма</a:t>
                       </a:r>
-                      <a:endParaRPr lang="en-US" sz="1200" dirty="0">
+                      <a:endParaRPr lang="en-US" sz="1400" dirty="0">
                         <a:effectLst/>
                         <a:latin typeface="Times New Roman" panose="02020603050405020304" pitchFamily="18" charset="0"/>
                         <a:ea typeface="Arial" panose="020B0604020202020204" pitchFamily="34" charset="0"/>
@@ -5280,13 +8482,13 @@
                     <a:p>
                       <a:pPr algn="ctr"/>
                       <a:r>
-                        <a:rPr lang="en-US" sz="1400" dirty="0">
+                        <a:rPr lang="en-US" sz="1600" dirty="0">
                           <a:effectLst/>
                         </a:rPr>
                         <a:t>O(N</a:t>
                       </a:r>
                       <a:r>
-                        <a:rPr lang="en-US" sz="1400" baseline="30000" dirty="0">
+                        <a:rPr lang="en-US" sz="1600" baseline="30000" dirty="0">
                           <a:solidFill>
                             <a:schemeClr val="dk1"/>
                           </a:solidFill>
@@ -5298,12 +8500,12 @@
                         <a:t>2</a:t>
                       </a:r>
                       <a:r>
-                        <a:rPr lang="en-US" sz="1400" dirty="0">
+                        <a:rPr lang="en-US" sz="1600" dirty="0">
                           <a:effectLst/>
                         </a:rPr>
                         <a:t>)</a:t>
                       </a:r>
-                      <a:endParaRPr lang="en-US" sz="1200" dirty="0">
+                      <a:endParaRPr lang="en-US" sz="1400" dirty="0">
                         <a:effectLst/>
                         <a:latin typeface="Times New Roman" panose="02020603050405020304" pitchFamily="18" charset="0"/>
                         <a:ea typeface="Arial" panose="020B0604020202020204" pitchFamily="34" charset="0"/>
@@ -5319,12 +8521,12 @@
                     <a:p>
                       <a:pPr algn="ctr"/>
                       <a:r>
-                        <a:rPr lang="en-US" sz="1400" dirty="0">
+                        <a:rPr lang="en-US" sz="1600" dirty="0">
                           <a:effectLst/>
                         </a:rPr>
                         <a:t>O(N!)</a:t>
                       </a:r>
-                      <a:endParaRPr lang="en-US" sz="1200" dirty="0">
+                      <a:endParaRPr lang="en-US" sz="1400" dirty="0">
                         <a:effectLst/>
                         <a:latin typeface="Times New Roman" panose="02020603050405020304" pitchFamily="18" charset="0"/>
                         <a:ea typeface="Arial" panose="020B0604020202020204" pitchFamily="34" charset="0"/>
@@ -5340,60 +8542,60 @@
                     <a:p>
                       <a:pPr algn="ctr"/>
                       <a:r>
-                        <a:rPr lang="ru-RU" sz="1400" dirty="0">
+                        <a:rPr lang="ru-RU" sz="1600" dirty="0">
                           <a:effectLst/>
                         </a:rPr>
                         <a:t>Объединение полей </a:t>
                       </a:r>
                       <a:r>
-                        <a:rPr lang="en-US" sz="1400" dirty="0">
+                        <a:rPr lang="en-US" sz="1600" dirty="0">
                           <a:effectLst/>
                         </a:rPr>
                         <a:t>O</a:t>
                       </a:r>
                       <a:r>
-                        <a:rPr lang="ru-RU" sz="1400" dirty="0">
+                        <a:rPr lang="ru-RU" sz="1600" dirty="0">
                           <a:effectLst/>
                         </a:rPr>
                         <a:t>(</a:t>
                       </a:r>
                       <a:r>
-                        <a:rPr lang="en-US" sz="1400" dirty="0" err="1">
+                        <a:rPr lang="en-US" sz="1600" dirty="0" err="1">
                           <a:effectLst/>
                         </a:rPr>
                         <a:t>ElogV</a:t>
                       </a:r>
                       <a:r>
-                        <a:rPr lang="ru-RU" sz="1400" dirty="0">
+                        <a:rPr lang="ru-RU" sz="1600" dirty="0">
                           <a:effectLst/>
                         </a:rPr>
                         <a:t>), построение пути внутри поля </a:t>
                       </a:r>
                       <a:r>
-                        <a:rPr lang="en-US" sz="1400" dirty="0">
+                        <a:rPr lang="en-US" sz="1600" dirty="0">
                           <a:effectLst/>
                         </a:rPr>
                         <a:t>O</a:t>
                       </a:r>
                       <a:r>
-                        <a:rPr lang="ru-RU" sz="1400" dirty="0">
+                        <a:rPr lang="ru-RU" sz="1600" dirty="0">
                           <a:effectLst/>
                         </a:rPr>
                         <a:t>(</a:t>
                       </a:r>
                       <a:r>
-                        <a:rPr lang="en-US" sz="1400" dirty="0">
+                        <a:rPr lang="en-US" sz="1600" dirty="0">
                           <a:effectLst/>
                         </a:rPr>
                         <a:t>N</a:t>
                       </a:r>
                       <a:r>
-                        <a:rPr lang="ru-RU" sz="1400" dirty="0">
+                        <a:rPr lang="ru-RU" sz="1600" dirty="0">
                           <a:effectLst/>
                         </a:rPr>
                         <a:t>)</a:t>
                       </a:r>
-                      <a:endParaRPr lang="en-US" sz="1200" dirty="0">
+                      <a:endParaRPr lang="en-US" sz="1400" dirty="0">
                         <a:effectLst/>
                         <a:latin typeface="Times New Roman" panose="02020603050405020304" pitchFamily="18" charset="0"/>
                         <a:ea typeface="Arial" panose="020B0604020202020204" pitchFamily="34" charset="0"/>
@@ -5517,7 +8719,7 @@
           </p:nvPr>
         </p:nvPicPr>
         <p:blipFill>
-          <a:blip r:embed="rId2"/>
+          <a:blip r:embed="rId3"/>
           <a:stretch/>
         </p:blipFill>
         <p:spPr bwMode="auto">
@@ -5752,7 +8954,7 @@
           <p:nvPr/>
         </p:nvPicPr>
         <p:blipFill>
-          <a:blip r:embed="rId2"/>
+          <a:blip r:embed="rId3"/>
           <a:stretch>
             <a:fillRect/>
           </a:stretch>
@@ -5887,7 +9089,7 @@
           </p:nvPr>
         </p:nvPicPr>
         <p:blipFill>
-          <a:blip r:embed="rId2"/>
+          <a:blip r:embed="rId3"/>
           <a:stretch>
             <a:fillRect/>
           </a:stretch>
@@ -6058,7 +9260,7 @@
           </p:nvPr>
         </p:nvPicPr>
         <p:blipFill>
-          <a:blip r:embed="rId2"/>
+          <a:blip r:embed="rId3"/>
           <a:stretch>
             <a:fillRect/>
           </a:stretch>
@@ -6522,7 +9724,7 @@
           </p:nvPr>
         </p:nvPicPr>
         <p:blipFill>
-          <a:blip r:embed="rId2"/>
+          <a:blip r:embed="rId3"/>
           <a:stretch>
             <a:fillRect/>
           </a:stretch>
@@ -6555,7 +9757,7 @@
           <p:nvPr/>
         </p:nvPicPr>
         <p:blipFill>
-          <a:blip r:embed="rId3"/>
+          <a:blip r:embed="rId4"/>
           <a:stretch>
             <a:fillRect/>
           </a:stretch>
@@ -6724,7 +9926,7 @@
           </p:nvPr>
         </p:nvPicPr>
         <p:blipFill>
-          <a:blip r:embed="rId2"/>
+          <a:blip r:embed="rId3"/>
           <a:stretch>
             <a:fillRect/>
           </a:stretch>
@@ -6864,7 +10066,7 @@
           </p:nvPr>
         </p:nvPicPr>
         <p:blipFill>
-          <a:blip r:embed="rId2"/>
+          <a:blip r:embed="rId3"/>
           <a:stretch>
             <a:fillRect/>
           </a:stretch>
@@ -7036,7 +10238,7 @@
           </p:nvPr>
         </p:nvPicPr>
         <p:blipFill>
-          <a:blip r:embed="rId2"/>
+          <a:blip r:embed="rId3"/>
           <a:stretch>
             <a:fillRect/>
           </a:stretch>
@@ -7141,13 +10343,13 @@
               <a:defRPr/>
             </a:pPr>
             <a:r>
-              <a:rPr lang="ru-RU" sz="2800" b="1">
+              <a:rPr lang="ru-RU" sz="2800" b="1" dirty="0">
                 <a:latin typeface="Times New Roman"/>
                 <a:cs typeface="Times New Roman"/>
               </a:rPr>
               <a:t>ЦЕЛЬ И ЗАДАЧИ</a:t>
             </a:r>
-            <a:endParaRPr sz="2800"/>
+            <a:endParaRPr sz="2800" dirty="0"/>
           </a:p>
         </p:txBody>
       </p:sp>
@@ -7462,7 +10664,7 @@
           <p:nvPr/>
         </p:nvPicPr>
         <p:blipFill>
-          <a:blip r:embed="rId2"/>
+          <a:blip r:embed="rId3"/>
           <a:stretch>
             <a:fillRect/>
           </a:stretch>
@@ -7756,7 +10958,7 @@
           <p:nvPr/>
         </p:nvPicPr>
         <p:blipFill>
-          <a:blip r:embed="rId2"/>
+          <a:blip r:embed="rId3"/>
           <a:srcRect t="56303" r="86607" b="5569"/>
           <a:stretch/>
         </p:blipFill>
@@ -7785,7 +10987,7 @@
           <p:nvPr/>
         </p:nvPicPr>
         <p:blipFill>
-          <a:blip r:embed="rId3"/>
+          <a:blip r:embed="rId4"/>
           <a:srcRect l="1729" t="37504" r="76991" b="57538"/>
           <a:stretch/>
         </p:blipFill>
@@ -9538,14 +12740,14 @@
           <p:nvPr>
             <p:extLst>
               <p:ext uri="{D42A27DB-BD31-4B8C-83A1-F6EECF244321}">
-                <p14:modId xmlns:p14="http://schemas.microsoft.com/office/powerpoint/2010/main" val="1740037630"/>
+                <p14:modId xmlns:p14="http://schemas.microsoft.com/office/powerpoint/2010/main" val="1579505505"/>
               </p:ext>
             </p:extLst>
           </p:nvPr>
         </p:nvGraphicFramePr>
         <p:xfrm>
           <a:off x="335360" y="571318"/>
-          <a:ext cx="11521281" cy="5605642"/>
+          <a:ext cx="11521281" cy="5609863"/>
         </p:xfrm>
         <a:graphic>
           <a:graphicData uri="http://schemas.openxmlformats.org/drawingml/2006/table">
@@ -9603,13 +12805,13 @@
                         <a:defRPr/>
                       </a:pPr>
                       <a:r>
-                        <a:rPr sz="1400">
+                        <a:rPr sz="1600" dirty="0" err="1">
                           <a:latin typeface="Times New Roman"/>
                           <a:cs typeface="Times New Roman"/>
                         </a:rPr>
                         <a:t>Возможность</a:t>
                       </a:r>
-                      <a:endParaRPr sz="2000">
+                      <a:endParaRPr sz="2400" dirty="0">
                         <a:latin typeface="Times New Roman"/>
                         <a:cs typeface="Times New Roman"/>
                       </a:endParaRPr>
@@ -9650,13 +12852,13 @@
                         <a:defRPr/>
                       </a:pPr>
                       <a:r>
-                        <a:rPr sz="1400">
+                        <a:rPr sz="1600" dirty="0" err="1">
                           <a:latin typeface="Times New Roman"/>
                           <a:cs typeface="Times New Roman"/>
                         </a:rPr>
                         <a:t>DroneDeploy</a:t>
                       </a:r>
-                      <a:endParaRPr sz="2000">
+                      <a:endParaRPr sz="2400" dirty="0">
                         <a:latin typeface="Times New Roman"/>
                         <a:cs typeface="Times New Roman"/>
                       </a:endParaRPr>
@@ -9697,13 +12899,13 @@
                         <a:defRPr/>
                       </a:pPr>
                       <a:r>
-                        <a:rPr sz="1400">
+                        <a:rPr sz="1600" dirty="0">
                           <a:latin typeface="Times New Roman"/>
                           <a:cs typeface="Times New Roman"/>
                         </a:rPr>
                         <a:t>Litchi</a:t>
                       </a:r>
-                      <a:endParaRPr sz="2000">
+                      <a:endParaRPr sz="2400" dirty="0">
                         <a:latin typeface="Times New Roman"/>
                         <a:cs typeface="Times New Roman"/>
                       </a:endParaRPr>
@@ -9744,13 +12946,13 @@
                         <a:defRPr/>
                       </a:pPr>
                       <a:r>
-                        <a:rPr sz="1400">
+                        <a:rPr sz="1600" dirty="0">
                           <a:latin typeface="Times New Roman"/>
                           <a:cs typeface="Times New Roman"/>
                         </a:rPr>
                         <a:t>Pix4D Capture</a:t>
                       </a:r>
-                      <a:endParaRPr sz="2000">
+                      <a:endParaRPr sz="2400" dirty="0">
                         <a:latin typeface="Times New Roman"/>
                         <a:cs typeface="Times New Roman"/>
                       </a:endParaRPr>
@@ -9791,13 +12993,13 @@
                         <a:defRPr/>
                       </a:pPr>
                       <a:r>
-                        <a:rPr sz="1400">
+                        <a:rPr sz="1600" dirty="0" err="1">
                           <a:latin typeface="Times New Roman"/>
                           <a:cs typeface="Times New Roman"/>
                         </a:rPr>
                         <a:t>UgCS</a:t>
                       </a:r>
-                      <a:endParaRPr sz="2000">
+                      <a:endParaRPr sz="2400" dirty="0">
                         <a:latin typeface="Times New Roman"/>
                         <a:cs typeface="Times New Roman"/>
                       </a:endParaRPr>
@@ -9845,13 +13047,41 @@
                         <a:defRPr/>
                       </a:pPr>
                       <a:r>
-                        <a:rPr sz="1400">
+                        <a:rPr sz="1600" dirty="0" err="1">
                           <a:latin typeface="Times New Roman"/>
                           <a:cs typeface="Times New Roman"/>
                         </a:rPr>
-                        <a:t>Планирование маршрута полета</a:t>
+                        <a:t>Планирование</a:t>
                       </a:r>
-                      <a:endParaRPr sz="2000">
+                      <a:r>
+                        <a:rPr sz="1600" dirty="0">
+                          <a:latin typeface="Times New Roman"/>
+                          <a:cs typeface="Times New Roman"/>
+                        </a:rPr>
+                        <a:t> </a:t>
+                      </a:r>
+                      <a:r>
+                        <a:rPr sz="1600" dirty="0" err="1">
+                          <a:latin typeface="Times New Roman"/>
+                          <a:cs typeface="Times New Roman"/>
+                        </a:rPr>
+                        <a:t>маршрута</a:t>
+                      </a:r>
+                      <a:r>
+                        <a:rPr sz="1600" dirty="0">
+                          <a:latin typeface="Times New Roman"/>
+                          <a:cs typeface="Times New Roman"/>
+                        </a:rPr>
+                        <a:t> </a:t>
+                      </a:r>
+                      <a:r>
+                        <a:rPr sz="1600" dirty="0" err="1">
+                          <a:latin typeface="Times New Roman"/>
+                          <a:cs typeface="Times New Roman"/>
+                        </a:rPr>
+                        <a:t>полета</a:t>
+                      </a:r>
+                      <a:endParaRPr sz="2400" dirty="0">
                         <a:latin typeface="Times New Roman"/>
                         <a:cs typeface="Times New Roman"/>
                       </a:endParaRPr>
@@ -9892,13 +13122,13 @@
                         <a:defRPr/>
                       </a:pPr>
                       <a:r>
-                        <a:rPr sz="1400">
+                        <a:rPr sz="1600" dirty="0" err="1">
                           <a:latin typeface="Times New Roman"/>
                           <a:cs typeface="Times New Roman"/>
                         </a:rPr>
                         <a:t>Да</a:t>
                       </a:r>
-                      <a:endParaRPr sz="2000">
+                      <a:endParaRPr sz="2400" dirty="0">
                         <a:latin typeface="Times New Roman"/>
                         <a:cs typeface="Times New Roman"/>
                       </a:endParaRPr>
@@ -9929,13 +13159,13 @@
                         <a:defRPr/>
                       </a:pPr>
                       <a:r>
-                        <a:rPr sz="1400">
+                        <a:rPr sz="1600" dirty="0" err="1">
                           <a:latin typeface="Times New Roman"/>
                           <a:cs typeface="Times New Roman"/>
                         </a:rPr>
                         <a:t>Да</a:t>
                       </a:r>
-                      <a:endParaRPr sz="2000">
+                      <a:endParaRPr sz="2400" dirty="0">
                         <a:latin typeface="Times New Roman"/>
                         <a:cs typeface="Times New Roman"/>
                       </a:endParaRPr>
@@ -9961,13 +13191,13 @@
                         <a:defRPr/>
                       </a:pPr>
                       <a:r>
-                        <a:rPr sz="1400">
+                        <a:rPr sz="1600" dirty="0" err="1">
                           <a:latin typeface="Times New Roman"/>
                           <a:cs typeface="Times New Roman"/>
                         </a:rPr>
                         <a:t>Да</a:t>
                       </a:r>
-                      <a:endParaRPr sz="2000">
+                      <a:endParaRPr sz="2400" dirty="0">
                         <a:latin typeface="Times New Roman"/>
                         <a:cs typeface="Times New Roman"/>
                       </a:endParaRPr>
@@ -9993,13 +13223,13 @@
                         <a:defRPr/>
                       </a:pPr>
                       <a:r>
-                        <a:rPr sz="1400">
+                        <a:rPr sz="1600" dirty="0" err="1">
                           <a:latin typeface="Times New Roman"/>
                           <a:cs typeface="Times New Roman"/>
                         </a:rPr>
                         <a:t>Да</a:t>
                       </a:r>
-                      <a:endParaRPr sz="2000">
+                      <a:endParaRPr sz="2400" dirty="0">
                         <a:latin typeface="Times New Roman"/>
                         <a:cs typeface="Times New Roman"/>
                       </a:endParaRPr>
@@ -10032,13 +13262,13 @@
                         <a:defRPr/>
                       </a:pPr>
                       <a:r>
-                        <a:rPr sz="1400">
+                        <a:rPr sz="1600">
                           <a:latin typeface="Times New Roman"/>
                           <a:cs typeface="Times New Roman"/>
                         </a:rPr>
                         <a:t>Управление полетом дрона</a:t>
                       </a:r>
-                      <a:endParaRPr sz="2000">
+                      <a:endParaRPr sz="2400">
                         <a:latin typeface="Times New Roman"/>
                         <a:cs typeface="Times New Roman"/>
                       </a:endParaRPr>
@@ -10079,13 +13309,13 @@
                         <a:defRPr/>
                       </a:pPr>
                       <a:r>
-                        <a:rPr sz="1400">
+                        <a:rPr sz="1600">
                           <a:latin typeface="Times New Roman"/>
                           <a:cs typeface="Times New Roman"/>
                         </a:rPr>
                         <a:t>Да</a:t>
                       </a:r>
-                      <a:endParaRPr sz="2000">
+                      <a:endParaRPr sz="2400">
                         <a:latin typeface="Times New Roman"/>
                         <a:cs typeface="Times New Roman"/>
                       </a:endParaRPr>
@@ -10111,13 +13341,13 @@
                         <a:defRPr/>
                       </a:pPr>
                       <a:r>
-                        <a:rPr sz="1400">
+                        <a:rPr sz="1600">
                           <a:latin typeface="Times New Roman"/>
                           <a:cs typeface="Times New Roman"/>
                         </a:rPr>
                         <a:t>Да</a:t>
                       </a:r>
-                      <a:endParaRPr sz="2000">
+                      <a:endParaRPr sz="2400">
                         <a:latin typeface="Times New Roman"/>
                         <a:cs typeface="Times New Roman"/>
                       </a:endParaRPr>
@@ -10137,13 +13367,13 @@
                         <a:defRPr/>
                       </a:pPr>
                       <a:r>
-                        <a:rPr sz="1400">
+                        <a:rPr sz="1600">
                           <a:latin typeface="Times New Roman"/>
                           <a:cs typeface="Times New Roman"/>
                         </a:rPr>
                         <a:t>Да</a:t>
                       </a:r>
-                      <a:endParaRPr sz="2000">
+                      <a:endParaRPr sz="2400">
                         <a:latin typeface="Times New Roman"/>
                         <a:cs typeface="Times New Roman"/>
                       </a:endParaRPr>
@@ -10163,13 +13393,13 @@
                         <a:defRPr/>
                       </a:pPr>
                       <a:r>
-                        <a:rPr sz="1400">
+                        <a:rPr sz="1600">
                           <a:latin typeface="Times New Roman"/>
                           <a:cs typeface="Times New Roman"/>
                         </a:rPr>
                         <a:t>Да</a:t>
                       </a:r>
-                      <a:endParaRPr sz="2000">
+                      <a:endParaRPr sz="2400">
                         <a:latin typeface="Times New Roman"/>
                         <a:cs typeface="Times New Roman"/>
                       </a:endParaRPr>
@@ -10196,13 +13426,13 @@
                         <a:defRPr/>
                       </a:pPr>
                       <a:r>
-                        <a:rPr sz="1400">
+                        <a:rPr sz="1600">
                           <a:latin typeface="Times New Roman"/>
                           <a:cs typeface="Times New Roman"/>
                         </a:rPr>
                         <a:t>Обработка полученных данных</a:t>
                       </a:r>
-                      <a:endParaRPr sz="2000">
+                      <a:endParaRPr sz="2400">
                         <a:latin typeface="Times New Roman"/>
                         <a:cs typeface="Times New Roman"/>
                       </a:endParaRPr>
@@ -10243,13 +13473,13 @@
                         <a:defRPr/>
                       </a:pPr>
                       <a:r>
-                        <a:rPr sz="1400">
+                        <a:rPr sz="1600" dirty="0" err="1">
                           <a:latin typeface="Times New Roman"/>
                           <a:cs typeface="Times New Roman"/>
                         </a:rPr>
                         <a:t>Да</a:t>
                       </a:r>
-                      <a:endParaRPr sz="2000">
+                      <a:endParaRPr sz="2400" dirty="0">
                         <a:latin typeface="Times New Roman"/>
                         <a:cs typeface="Times New Roman"/>
                       </a:endParaRPr>
@@ -10275,13 +13505,13 @@
                         <a:defRPr/>
                       </a:pPr>
                       <a:r>
-                        <a:rPr sz="1400">
+                        <a:rPr sz="1600">
                           <a:latin typeface="Times New Roman"/>
                           <a:cs typeface="Times New Roman"/>
                         </a:rPr>
                         <a:t>Да</a:t>
                       </a:r>
-                      <a:endParaRPr sz="2000">
+                      <a:endParaRPr sz="2400">
                         <a:latin typeface="Times New Roman"/>
                         <a:cs typeface="Times New Roman"/>
                       </a:endParaRPr>
@@ -10301,13 +13531,13 @@
                         <a:defRPr/>
                       </a:pPr>
                       <a:r>
-                        <a:rPr sz="1400">
+                        <a:rPr sz="1600">
                           <a:latin typeface="Times New Roman"/>
                           <a:cs typeface="Times New Roman"/>
                         </a:rPr>
                         <a:t>Да</a:t>
                       </a:r>
-                      <a:endParaRPr sz="2000">
+                      <a:endParaRPr sz="2400">
                         <a:latin typeface="Times New Roman"/>
                         <a:cs typeface="Times New Roman"/>
                       </a:endParaRPr>
@@ -10327,13 +13557,13 @@
                         <a:defRPr/>
                       </a:pPr>
                       <a:r>
-                        <a:rPr sz="1400">
+                        <a:rPr sz="1600">
                           <a:latin typeface="Times New Roman"/>
                           <a:cs typeface="Times New Roman"/>
                         </a:rPr>
                         <a:t>Да</a:t>
                       </a:r>
-                      <a:endParaRPr sz="2000">
+                      <a:endParaRPr sz="2400">
                         <a:latin typeface="Times New Roman"/>
                         <a:cs typeface="Times New Roman"/>
                       </a:endParaRPr>
@@ -10360,27 +13590,27 @@
                         <a:defRPr/>
                       </a:pPr>
                       <a:r>
-                        <a:rPr sz="1400" dirty="0" err="1">
+                        <a:rPr sz="1600" dirty="0" err="1">
                           <a:latin typeface="Times New Roman"/>
                           <a:cs typeface="Times New Roman"/>
                         </a:rPr>
                         <a:t>Визуализация</a:t>
                       </a:r>
                       <a:r>
-                        <a:rPr sz="1400" dirty="0">
+                        <a:rPr sz="1600" dirty="0">
                           <a:latin typeface="Times New Roman"/>
                           <a:cs typeface="Times New Roman"/>
                         </a:rPr>
                         <a:t> </a:t>
                       </a:r>
                       <a:r>
-                        <a:rPr sz="1400" dirty="0" err="1">
+                        <a:rPr sz="1600" dirty="0" err="1">
                           <a:latin typeface="Times New Roman"/>
                           <a:cs typeface="Times New Roman"/>
                         </a:rPr>
                         <a:t>карты</a:t>
                       </a:r>
-                      <a:endParaRPr sz="2000" dirty="0">
+                      <a:endParaRPr sz="2400" dirty="0">
                         <a:latin typeface="Times New Roman"/>
                         <a:cs typeface="Times New Roman"/>
                       </a:endParaRPr>
@@ -10421,13 +13651,13 @@
                         <a:defRPr/>
                       </a:pPr>
                       <a:r>
-                        <a:rPr sz="1400">
+                        <a:rPr sz="1600">
                           <a:latin typeface="Times New Roman"/>
                           <a:cs typeface="Times New Roman"/>
                         </a:rPr>
                         <a:t>Да</a:t>
                       </a:r>
-                      <a:endParaRPr sz="2000">
+                      <a:endParaRPr sz="2400">
                         <a:latin typeface="Times New Roman"/>
                         <a:cs typeface="Times New Roman"/>
                       </a:endParaRPr>
@@ -10453,13 +13683,13 @@
                         <a:defRPr/>
                       </a:pPr>
                       <a:r>
-                        <a:rPr sz="1400">
+                        <a:rPr sz="1600">
                           <a:latin typeface="Times New Roman"/>
                           <a:cs typeface="Times New Roman"/>
                         </a:rPr>
                         <a:t>Да</a:t>
                       </a:r>
-                      <a:endParaRPr sz="2000">
+                      <a:endParaRPr sz="2400">
                         <a:latin typeface="Times New Roman"/>
                         <a:cs typeface="Times New Roman"/>
                       </a:endParaRPr>
@@ -10479,13 +13709,13 @@
                         <a:defRPr/>
                       </a:pPr>
                       <a:r>
-                        <a:rPr sz="1400">
+                        <a:rPr sz="1600">
                           <a:latin typeface="Times New Roman"/>
                           <a:cs typeface="Times New Roman"/>
                         </a:rPr>
                         <a:t>Да</a:t>
                       </a:r>
-                      <a:endParaRPr sz="2000">
+                      <a:endParaRPr sz="2400">
                         <a:latin typeface="Times New Roman"/>
                         <a:cs typeface="Times New Roman"/>
                       </a:endParaRPr>
@@ -10505,13 +13735,13 @@
                         <a:defRPr/>
                       </a:pPr>
                       <a:r>
-                        <a:rPr sz="1400">
+                        <a:rPr sz="1600">
                           <a:latin typeface="Times New Roman"/>
                           <a:cs typeface="Times New Roman"/>
                         </a:rPr>
                         <a:t>Да</a:t>
                       </a:r>
-                      <a:endParaRPr sz="2000">
+                      <a:endParaRPr sz="2400">
                         <a:latin typeface="Times New Roman"/>
                         <a:cs typeface="Times New Roman"/>
                       </a:endParaRPr>
@@ -10538,55 +13768,55 @@
                         <a:defRPr/>
                       </a:pPr>
                       <a:r>
-                        <a:rPr sz="1400" dirty="0" err="1">
+                        <a:rPr sz="1600" dirty="0" err="1">
                           <a:latin typeface="Times New Roman"/>
                           <a:cs typeface="Times New Roman"/>
                         </a:rPr>
                         <a:t>Ограниченный</a:t>
                       </a:r>
                       <a:r>
-                        <a:rPr sz="1400" dirty="0">
+                        <a:rPr sz="1600" dirty="0">
                           <a:latin typeface="Times New Roman"/>
                           <a:cs typeface="Times New Roman"/>
                         </a:rPr>
                         <a:t> </a:t>
                       </a:r>
                       <a:r>
-                        <a:rPr sz="1400" dirty="0" err="1">
+                        <a:rPr sz="1600" dirty="0" err="1">
                           <a:latin typeface="Times New Roman"/>
                           <a:cs typeface="Times New Roman"/>
                         </a:rPr>
                         <a:t>ряд</a:t>
                       </a:r>
                       <a:r>
-                        <a:rPr sz="1400" dirty="0">
+                        <a:rPr sz="1600" dirty="0">
                           <a:latin typeface="Times New Roman"/>
                           <a:cs typeface="Times New Roman"/>
                         </a:rPr>
                         <a:t> </a:t>
                       </a:r>
                       <a:r>
-                        <a:rPr sz="1400" dirty="0" err="1">
+                        <a:rPr sz="1600" dirty="0" err="1">
                           <a:latin typeface="Times New Roman"/>
                           <a:cs typeface="Times New Roman"/>
                         </a:rPr>
                         <a:t>поддерживаемых</a:t>
                       </a:r>
                       <a:r>
-                        <a:rPr sz="1400" dirty="0">
+                        <a:rPr sz="1600" dirty="0">
                           <a:latin typeface="Times New Roman"/>
                           <a:cs typeface="Times New Roman"/>
                         </a:rPr>
                         <a:t> </a:t>
                       </a:r>
                       <a:r>
-                        <a:rPr sz="1400" dirty="0" err="1">
+                        <a:rPr sz="1600" dirty="0" err="1">
                           <a:latin typeface="Times New Roman"/>
                           <a:cs typeface="Times New Roman"/>
                         </a:rPr>
                         <a:t>дронов</a:t>
                       </a:r>
-                      <a:endParaRPr sz="2000" dirty="0">
+                      <a:endParaRPr sz="2400" dirty="0">
                         <a:latin typeface="Times New Roman"/>
                         <a:cs typeface="Times New Roman"/>
                       </a:endParaRPr>
@@ -10627,13 +13857,13 @@
                         <a:defRPr/>
                       </a:pPr>
                       <a:r>
-                        <a:rPr sz="1400">
+                        <a:rPr sz="1600">
                           <a:latin typeface="Times New Roman"/>
                           <a:cs typeface="Times New Roman"/>
                         </a:rPr>
                         <a:t>Да</a:t>
                       </a:r>
-                      <a:endParaRPr sz="2000">
+                      <a:endParaRPr sz="2400">
                         <a:latin typeface="Times New Roman"/>
                         <a:cs typeface="Times New Roman"/>
                       </a:endParaRPr>
@@ -10659,13 +13889,13 @@
                         <a:defRPr/>
                       </a:pPr>
                       <a:r>
-                        <a:rPr sz="1400">
+                        <a:rPr sz="1600" dirty="0" err="1">
                           <a:latin typeface="Times New Roman"/>
                           <a:cs typeface="Times New Roman"/>
                         </a:rPr>
                         <a:t>Да</a:t>
                       </a:r>
-                      <a:endParaRPr sz="2000">
+                      <a:endParaRPr sz="2400" dirty="0">
                         <a:latin typeface="Times New Roman"/>
                         <a:cs typeface="Times New Roman"/>
                       </a:endParaRPr>
@@ -10685,13 +13915,13 @@
                         <a:defRPr/>
                       </a:pPr>
                       <a:r>
-                        <a:rPr sz="1400">
+                        <a:rPr sz="1600">
                           <a:latin typeface="Times New Roman"/>
                           <a:cs typeface="Times New Roman"/>
                         </a:rPr>
                         <a:t>Да</a:t>
                       </a:r>
-                      <a:endParaRPr sz="2000">
+                      <a:endParaRPr sz="2400">
                         <a:latin typeface="Times New Roman"/>
                         <a:cs typeface="Times New Roman"/>
                       </a:endParaRPr>
@@ -10711,13 +13941,13 @@
                         <a:defRPr/>
                       </a:pPr>
                       <a:r>
-                        <a:rPr sz="1400">
+                        <a:rPr sz="1600">
                           <a:latin typeface="Times New Roman"/>
                           <a:cs typeface="Times New Roman"/>
                         </a:rPr>
                         <a:t>Да</a:t>
                       </a:r>
-                      <a:endParaRPr sz="2000">
+                      <a:endParaRPr sz="2400">
                         <a:latin typeface="Times New Roman"/>
                         <a:cs typeface="Times New Roman"/>
                       </a:endParaRPr>
@@ -10744,13 +13974,13 @@
                         <a:defRPr/>
                       </a:pPr>
                       <a:r>
-                        <a:rPr sz="1400">
+                        <a:rPr sz="1600">
                           <a:latin typeface="Times New Roman"/>
                           <a:cs typeface="Times New Roman"/>
                         </a:rPr>
                         <a:t>Добавление собственных дронов</a:t>
                       </a:r>
-                      <a:endParaRPr sz="2000">
+                      <a:endParaRPr sz="2400">
                         <a:latin typeface="Times New Roman"/>
                         <a:cs typeface="Times New Roman"/>
                       </a:endParaRPr>
@@ -10791,13 +14021,13 @@
                         <a:defRPr/>
                       </a:pPr>
                       <a:r>
-                        <a:rPr sz="1400">
+                        <a:rPr sz="1600">
                           <a:latin typeface="Times New Roman"/>
                           <a:cs typeface="Times New Roman"/>
                         </a:rPr>
                         <a:t>Ограничение функционала</a:t>
                       </a:r>
-                      <a:endParaRPr sz="2000">
+                      <a:endParaRPr sz="2400">
                         <a:latin typeface="Times New Roman"/>
                         <a:cs typeface="Times New Roman"/>
                       </a:endParaRPr>
@@ -10823,13 +14053,27 @@
                         <a:defRPr/>
                       </a:pPr>
                       <a:r>
-                        <a:rPr sz="1400">
+                        <a:rPr sz="1600" dirty="0" err="1">
                           <a:latin typeface="Times New Roman"/>
                           <a:cs typeface="Times New Roman"/>
                         </a:rPr>
-                        <a:t>Ограничение функционала</a:t>
+                        <a:t>Ограничение</a:t>
                       </a:r>
-                      <a:endParaRPr sz="2000">
+                      <a:r>
+                        <a:rPr sz="1600" dirty="0">
+                          <a:latin typeface="Times New Roman"/>
+                          <a:cs typeface="Times New Roman"/>
+                        </a:rPr>
+                        <a:t> </a:t>
+                      </a:r>
+                      <a:r>
+                        <a:rPr sz="1600" dirty="0" err="1">
+                          <a:latin typeface="Times New Roman"/>
+                          <a:cs typeface="Times New Roman"/>
+                        </a:rPr>
+                        <a:t>функционала</a:t>
+                      </a:r>
+                      <a:endParaRPr sz="2400" dirty="0">
                         <a:latin typeface="Times New Roman"/>
                         <a:cs typeface="Times New Roman"/>
                       </a:endParaRPr>
@@ -10849,13 +14093,13 @@
                         <a:defRPr/>
                       </a:pPr>
                       <a:r>
-                        <a:rPr sz="1400">
+                        <a:rPr sz="1600">
                           <a:latin typeface="Times New Roman"/>
                           <a:cs typeface="Times New Roman"/>
                         </a:rPr>
                         <a:t>Нет</a:t>
                       </a:r>
-                      <a:endParaRPr sz="2000">
+                      <a:endParaRPr sz="2400">
                         <a:latin typeface="Times New Roman"/>
                         <a:cs typeface="Times New Roman"/>
                       </a:endParaRPr>
@@ -10875,13 +14119,13 @@
                         <a:defRPr/>
                       </a:pPr>
                       <a:r>
-                        <a:rPr lang="ru-RU" sz="1400">
+                        <a:rPr lang="ru-RU" sz="1600">
                           <a:latin typeface="Times New Roman"/>
                           <a:cs typeface="Times New Roman"/>
                         </a:rPr>
                         <a:t>Ограничение функционала</a:t>
                       </a:r>
-                      <a:endParaRPr sz="2000">
+                      <a:endParaRPr sz="2400">
                         <a:latin typeface="Times New Roman"/>
                         <a:cs typeface="Times New Roman"/>
                       </a:endParaRPr>
@@ -10908,13 +14152,13 @@
                         <a:defRPr/>
                       </a:pPr>
                       <a:r>
-                        <a:rPr sz="1400">
+                        <a:rPr sz="1600">
                           <a:latin typeface="Times New Roman"/>
                           <a:cs typeface="Times New Roman"/>
                         </a:rPr>
                         <a:t>Поддержка OC</a:t>
                       </a:r>
-                      <a:endParaRPr sz="2000">
+                      <a:endParaRPr sz="2400">
                         <a:latin typeface="Times New Roman"/>
                         <a:cs typeface="Times New Roman"/>
                       </a:endParaRPr>
@@ -10955,13 +14199,13 @@
                         <a:defRPr/>
                       </a:pPr>
                       <a:r>
-                        <a:rPr lang="en-US" sz="1400">
+                        <a:rPr lang="en-US" sz="1600">
                           <a:latin typeface="Times New Roman"/>
                           <a:cs typeface="Times New Roman"/>
                         </a:rPr>
                         <a:t>iOS, Android + Windows, macOS, Linux</a:t>
                       </a:r>
-                      <a:endParaRPr sz="2000">
+                      <a:endParaRPr sz="2400">
                         <a:latin typeface="Times New Roman"/>
                         <a:cs typeface="Times New Roman"/>
                       </a:endParaRPr>
@@ -10987,13 +14231,13 @@
                         <a:defRPr/>
                       </a:pPr>
                       <a:r>
-                        <a:rPr lang="en-US" sz="1400">
+                        <a:rPr lang="en-US" sz="1600">
                           <a:latin typeface="Times New Roman"/>
                           <a:cs typeface="Times New Roman"/>
                         </a:rPr>
                         <a:t>iOS, Android + Windows, macOS, Linux</a:t>
                       </a:r>
-                      <a:endParaRPr sz="2000">
+                      <a:endParaRPr sz="2400">
                         <a:latin typeface="Times New Roman"/>
                         <a:cs typeface="Times New Roman"/>
                       </a:endParaRPr>
@@ -11013,13 +14257,13 @@
                         <a:defRPr/>
                       </a:pPr>
                       <a:r>
-                        <a:rPr sz="1400">
+                        <a:rPr sz="1600" dirty="0">
                           <a:latin typeface="Times New Roman"/>
                           <a:cs typeface="Times New Roman"/>
                         </a:rPr>
                         <a:t>iOS, Android</a:t>
                       </a:r>
-                      <a:endParaRPr sz="2000">
+                      <a:endParaRPr sz="2400" dirty="0">
                         <a:latin typeface="Times New Roman"/>
                         <a:cs typeface="Times New Roman"/>
                       </a:endParaRPr>
@@ -11039,13 +14283,13 @@
                         <a:defRPr/>
                       </a:pPr>
                       <a:r>
-                        <a:rPr sz="1400">
+                        <a:rPr sz="1600" dirty="0">
                           <a:latin typeface="Times New Roman"/>
                           <a:cs typeface="Times New Roman"/>
                         </a:rPr>
                         <a:t>Windows, macOS, Linux, Android</a:t>
                       </a:r>
-                      <a:endParaRPr sz="2000">
+                      <a:endParaRPr sz="2400" dirty="0">
                         <a:latin typeface="Times New Roman"/>
                         <a:cs typeface="Times New Roman"/>
                       </a:endParaRPr>
@@ -11072,13 +14316,13 @@
                         <a:defRPr/>
                       </a:pPr>
                       <a:r>
-                        <a:rPr sz="1400">
+                        <a:rPr sz="1600">
                           <a:latin typeface="Times New Roman"/>
                           <a:cs typeface="Times New Roman"/>
                         </a:rPr>
                         <a:t>Лицензия</a:t>
                       </a:r>
-                      <a:endParaRPr sz="2000">
+                      <a:endParaRPr sz="2400">
                         <a:latin typeface="Times New Roman"/>
                         <a:cs typeface="Times New Roman"/>
                       </a:endParaRPr>
@@ -11119,13 +14363,13 @@
                         <a:defRPr/>
                       </a:pPr>
                       <a:r>
-                        <a:rPr sz="1400">
+                        <a:rPr sz="1600">
                           <a:latin typeface="Times New Roman"/>
                           <a:cs typeface="Times New Roman"/>
                         </a:rPr>
                         <a:t>Проприетарная</a:t>
                       </a:r>
-                      <a:endParaRPr sz="2000">
+                      <a:endParaRPr sz="2400">
                         <a:latin typeface="Times New Roman"/>
                         <a:cs typeface="Times New Roman"/>
                       </a:endParaRPr>
@@ -11151,13 +14395,13 @@
                         <a:defRPr/>
                       </a:pPr>
                       <a:r>
-                        <a:rPr sz="1400">
+                        <a:rPr sz="1600">
                           <a:latin typeface="Times New Roman"/>
                           <a:cs typeface="Times New Roman"/>
                         </a:rPr>
                         <a:t>Проприетарная</a:t>
                       </a:r>
-                      <a:endParaRPr sz="2000">
+                      <a:endParaRPr sz="2400">
                         <a:latin typeface="Times New Roman"/>
                         <a:cs typeface="Times New Roman"/>
                       </a:endParaRPr>
@@ -11177,13 +14421,13 @@
                         <a:defRPr/>
                       </a:pPr>
                       <a:r>
-                        <a:rPr sz="1400">
+                        <a:rPr sz="1600">
                           <a:latin typeface="Times New Roman"/>
                           <a:cs typeface="Times New Roman"/>
                         </a:rPr>
                         <a:t>Проприетарная</a:t>
                       </a:r>
-                      <a:endParaRPr sz="2000">
+                      <a:endParaRPr sz="2400">
                         <a:latin typeface="Times New Roman"/>
                         <a:cs typeface="Times New Roman"/>
                       </a:endParaRPr>
@@ -11203,13 +14447,13 @@
                         <a:defRPr/>
                       </a:pPr>
                       <a:r>
-                        <a:rPr sz="1400">
+                        <a:rPr sz="1600" dirty="0" err="1">
                           <a:latin typeface="Times New Roman"/>
                           <a:cs typeface="Times New Roman"/>
                         </a:rPr>
                         <a:t>Проприетарная</a:t>
                       </a:r>
-                      <a:endParaRPr sz="2000">
+                      <a:endParaRPr sz="2400" dirty="0">
                         <a:latin typeface="Times New Roman"/>
                         <a:cs typeface="Times New Roman"/>
                       </a:endParaRPr>
@@ -11236,13 +14480,13 @@
                         <a:defRPr/>
                       </a:pPr>
                       <a:r>
-                        <a:rPr sz="1400">
+                        <a:rPr sz="1600">
                           <a:latin typeface="Times New Roman"/>
                           <a:cs typeface="Times New Roman"/>
                         </a:rPr>
                         <a:t>Стоимость</a:t>
                       </a:r>
-                      <a:endParaRPr sz="2000">
+                      <a:endParaRPr sz="2400">
                         <a:latin typeface="Times New Roman"/>
                         <a:cs typeface="Times New Roman"/>
                       </a:endParaRPr>
@@ -11283,13 +14527,13 @@
                         <a:defRPr/>
                       </a:pPr>
                       <a:r>
-                        <a:rPr sz="1400">
+                        <a:rPr sz="1600">
                           <a:latin typeface="Times New Roman"/>
                           <a:cs typeface="Times New Roman"/>
                         </a:rPr>
                         <a:t>$149+/месяц</a:t>
                       </a:r>
-                      <a:endParaRPr sz="2000">
+                      <a:endParaRPr sz="2400">
                         <a:latin typeface="Times New Roman"/>
                         <a:cs typeface="Times New Roman"/>
                       </a:endParaRPr>
@@ -11315,13 +14559,13 @@
                         <a:defRPr/>
                       </a:pPr>
                       <a:r>
-                        <a:rPr sz="1400">
+                        <a:rPr sz="1600">
                           <a:latin typeface="Times New Roman"/>
                           <a:cs typeface="Times New Roman"/>
                         </a:rPr>
                         <a:t>$25</a:t>
                       </a:r>
-                      <a:endParaRPr sz="2000">
+                      <a:endParaRPr sz="2400">
                         <a:latin typeface="Times New Roman"/>
                         <a:cs typeface="Times New Roman"/>
                       </a:endParaRPr>
@@ -11341,13 +14585,13 @@
                         <a:defRPr/>
                       </a:pPr>
                       <a:r>
-                        <a:rPr sz="1400">
+                        <a:rPr sz="1600">
                           <a:latin typeface="Times New Roman"/>
                           <a:cs typeface="Times New Roman"/>
                         </a:rPr>
                         <a:t>Бесплатно</a:t>
                       </a:r>
-                      <a:endParaRPr sz="2000">
+                      <a:endParaRPr sz="2400">
                         <a:latin typeface="Times New Roman"/>
                         <a:cs typeface="Times New Roman"/>
                       </a:endParaRPr>
@@ -11367,7 +14611,7 @@
                         <a:defRPr/>
                       </a:pPr>
                       <a:r>
-                        <a:rPr sz="1400" dirty="0">
+                        <a:rPr sz="1600" dirty="0">
                           <a:solidFill>
                             <a:srgbClr val="000000"/>
                           </a:solidFill>
@@ -11378,27 +14622,27 @@
                         <a:t>€790</a:t>
                       </a:r>
                       <a:r>
-                        <a:rPr sz="1400" dirty="0">
+                        <a:rPr sz="1600" dirty="0">
                           <a:latin typeface="Times New Roman"/>
                           <a:cs typeface="Times New Roman"/>
                         </a:rPr>
                         <a:t>+ </a:t>
                       </a:r>
                       <a:r>
-                        <a:rPr sz="1400" dirty="0" err="1">
+                        <a:rPr sz="1600" dirty="0" err="1">
                           <a:latin typeface="Times New Roman"/>
                           <a:cs typeface="Times New Roman"/>
                         </a:rPr>
                         <a:t>или</a:t>
                       </a:r>
                       <a:br>
-                        <a:rPr sz="1400" dirty="0">
+                        <a:rPr sz="1600" dirty="0">
                           <a:latin typeface="Times New Roman"/>
                           <a:cs typeface="Times New Roman"/>
                         </a:rPr>
                       </a:br>
                       <a:r>
-                        <a:rPr sz="1400" dirty="0">
+                        <a:rPr sz="1600" dirty="0">
                           <a:solidFill>
                             <a:srgbClr val="000000"/>
                           </a:solidFill>
@@ -11409,7 +14653,7 @@
                         <a:t>€149+/</a:t>
                       </a:r>
                       <a:r>
-                        <a:rPr sz="1400" dirty="0" err="1">
+                        <a:rPr sz="1600" dirty="0" err="1">
                           <a:solidFill>
                             <a:srgbClr val="000000"/>
                           </a:solidFill>
@@ -11419,7 +14663,7 @@
                         </a:rPr>
                         <a:t>месяц</a:t>
                       </a:r>
-                      <a:endParaRPr sz="2000" dirty="0">
+                      <a:endParaRPr sz="2400" dirty="0">
                         <a:latin typeface="Times New Roman"/>
                         <a:cs typeface="Times New Roman"/>
                       </a:endParaRPr>
@@ -11584,7 +14828,7 @@
           </p:nvPr>
         </p:nvPicPr>
         <p:blipFill>
-          <a:blip r:embed="rId2">
+          <a:blip r:embed="rId3">
             <a:extLst>
               <a:ext uri="{28A0092B-C50C-407E-A947-70E740481C1C}">
                 <a14:useLocalDpi xmlns:a14="http://schemas.microsoft.com/office/drawing/2010/main" val="0"/>
@@ -11671,7 +14915,7 @@
           </p:nvPr>
         </p:nvPicPr>
         <p:blipFill>
-          <a:blip r:embed="rId2"/>
+          <a:blip r:embed="rId3"/>
           <a:stretch/>
         </p:blipFill>
         <p:spPr bwMode="auto">
@@ -11855,7 +15099,7 @@
           <p:nvPr/>
         </p:nvPicPr>
         <p:blipFill>
-          <a:blip r:embed="rId2">
+          <a:blip r:embed="rId3">
             <a:extLst>
               <a:ext uri="{28A0092B-C50C-407E-A947-70E740481C1C}">
                 <a14:useLocalDpi xmlns:a14="http://schemas.microsoft.com/office/drawing/2010/main" val="0"/>
@@ -11989,7 +15233,7 @@
           </p:nvPr>
         </p:nvPicPr>
         <p:blipFill>
-          <a:blip r:embed="rId2">
+          <a:blip r:embed="rId3">
             <a:extLst>
               <a:ext uri="{28A0092B-C50C-407E-A947-70E740481C1C}">
                 <a14:useLocalDpi xmlns:a14="http://schemas.microsoft.com/office/drawing/2010/main" val="0"/>
@@ -12769,4 +16013,299 @@
   <a:objectDefaults/>
   <a:extraClrSchemeLst/>
 </a:theme>
+</file>
+
+<file path=ppt/theme/theme2.xml><?xml version="1.0" encoding="utf-8"?>
+<a:theme xmlns:a="http://schemas.openxmlformats.org/drawingml/2006/main" name="Office Theme">
+  <a:themeElements>
+    <a:clrScheme name="Office">
+      <a:dk1>
+        <a:sysClr val="windowText" lastClr="000000"/>
+      </a:dk1>
+      <a:lt1>
+        <a:sysClr val="window" lastClr="FFFFFF"/>
+      </a:lt1>
+      <a:dk2>
+        <a:srgbClr val="44546A"/>
+      </a:dk2>
+      <a:lt2>
+        <a:srgbClr val="E7E6E6"/>
+      </a:lt2>
+      <a:accent1>
+        <a:srgbClr val="4472C4"/>
+      </a:accent1>
+      <a:accent2>
+        <a:srgbClr val="ED7D31"/>
+      </a:accent2>
+      <a:accent3>
+        <a:srgbClr val="A5A5A5"/>
+      </a:accent3>
+      <a:accent4>
+        <a:srgbClr val="FFC000"/>
+      </a:accent4>
+      <a:accent5>
+        <a:srgbClr val="5B9BD5"/>
+      </a:accent5>
+      <a:accent6>
+        <a:srgbClr val="70AD47"/>
+      </a:accent6>
+      <a:hlink>
+        <a:srgbClr val="0563C1"/>
+      </a:hlink>
+      <a:folHlink>
+        <a:srgbClr val="954F72"/>
+      </a:folHlink>
+    </a:clrScheme>
+    <a:fontScheme name="Office">
+      <a:majorFont>
+        <a:latin typeface="Calibri Light" panose="020F0302020204030204"/>
+        <a:ea typeface=""/>
+        <a:cs typeface=""/>
+        <a:font script="Jpan" typeface="游ゴシック Light"/>
+        <a:font script="Hang" typeface="맑은 고딕"/>
+        <a:font script="Hans" typeface="等线 Light"/>
+        <a:font script="Hant" typeface="新細明體"/>
+        <a:font script="Arab" typeface="Times New Roman"/>
+        <a:font script="Hebr" typeface="Times New Roman"/>
+        <a:font script="Thai" typeface="Angsana New"/>
+        <a:font script="Ethi" typeface="Nyala"/>
+        <a:font script="Beng" typeface="Vrinda"/>
+        <a:font script="Gujr" typeface="Shruti"/>
+        <a:font script="Khmr" typeface="MoolBoran"/>
+        <a:font script="Knda" typeface="Tunga"/>
+        <a:font script="Guru" typeface="Raavi"/>
+        <a:font script="Cans" typeface="Euphemia"/>
+        <a:font script="Cher" typeface="Plantagenet Cherokee"/>
+        <a:font script="Yiii" typeface="Microsoft Yi Baiti"/>
+        <a:font script="Tibt" typeface="Microsoft Himalaya"/>
+        <a:font script="Thaa" typeface="MV Boli"/>
+        <a:font script="Deva" typeface="Mangal"/>
+        <a:font script="Telu" typeface="Gautami"/>
+        <a:font script="Taml" typeface="Latha"/>
+        <a:font script="Syrc" typeface="Estrangelo Edessa"/>
+        <a:font script="Orya" typeface="Kalinga"/>
+        <a:font script="Mlym" typeface="Kartika"/>
+        <a:font script="Laoo" typeface="DokChampa"/>
+        <a:font script="Sinh" typeface="Iskoola Pota"/>
+        <a:font script="Mong" typeface="Mongolian Baiti"/>
+        <a:font script="Viet" typeface="Times New Roman"/>
+        <a:font script="Uigh" typeface="Microsoft Uighur"/>
+        <a:font script="Geor" typeface="Sylfaen"/>
+        <a:font script="Armn" typeface="Arial"/>
+        <a:font script="Bugi" typeface="Leelawadee UI"/>
+        <a:font script="Bopo" typeface="Microsoft JhengHei"/>
+        <a:font script="Java" typeface="Javanese Text"/>
+        <a:font script="Lisu" typeface="Segoe UI"/>
+        <a:font script="Mymr" typeface="Myanmar Text"/>
+        <a:font script="Nkoo" typeface="Ebrima"/>
+        <a:font script="Olck" typeface="Nirmala UI"/>
+        <a:font script="Osma" typeface="Ebrima"/>
+        <a:font script="Phag" typeface="Phagspa"/>
+        <a:font script="Syrn" typeface="Estrangelo Edessa"/>
+        <a:font script="Syrj" typeface="Estrangelo Edessa"/>
+        <a:font script="Syre" typeface="Estrangelo Edessa"/>
+        <a:font script="Sora" typeface="Nirmala UI"/>
+        <a:font script="Tale" typeface="Microsoft Tai Le"/>
+        <a:font script="Talu" typeface="Microsoft New Tai Lue"/>
+        <a:font script="Tfng" typeface="Ebrima"/>
+      </a:majorFont>
+      <a:minorFont>
+        <a:latin typeface="Calibri" panose="020F0502020204030204"/>
+        <a:ea typeface=""/>
+        <a:cs typeface=""/>
+        <a:font script="Jpan" typeface="游ゴシック"/>
+        <a:font script="Hang" typeface="맑은 고딕"/>
+        <a:font script="Hans" typeface="等线"/>
+        <a:font script="Hant" typeface="新細明體"/>
+        <a:font script="Arab" typeface="Arial"/>
+        <a:font script="Hebr" typeface="Arial"/>
+        <a:font script="Thai" typeface="Cordia New"/>
+        <a:font script="Ethi" typeface="Nyala"/>
+        <a:font script="Beng" typeface="Vrinda"/>
+        <a:font script="Gujr" typeface="Shruti"/>
+        <a:font script="Khmr" typeface="DaunPenh"/>
+        <a:font script="Knda" typeface="Tunga"/>
+        <a:font script="Guru" typeface="Raavi"/>
+        <a:font script="Cans" typeface="Euphemia"/>
+        <a:font script="Cher" typeface="Plantagenet Cherokee"/>
+        <a:font script="Yiii" typeface="Microsoft Yi Baiti"/>
+        <a:font script="Tibt" typeface="Microsoft Himalaya"/>
+        <a:font script="Thaa" typeface="MV Boli"/>
+        <a:font script="Deva" typeface="Mangal"/>
+        <a:font script="Telu" typeface="Gautami"/>
+        <a:font script="Taml" typeface="Latha"/>
+        <a:font script="Syrc" typeface="Estrangelo Edessa"/>
+        <a:font script="Orya" typeface="Kalinga"/>
+        <a:font script="Mlym" typeface="Kartika"/>
+        <a:font script="Laoo" typeface="DokChampa"/>
+        <a:font script="Sinh" typeface="Iskoola Pota"/>
+        <a:font script="Mong" typeface="Mongolian Baiti"/>
+        <a:font script="Viet" typeface="Arial"/>
+        <a:font script="Uigh" typeface="Microsoft Uighur"/>
+        <a:font script="Geor" typeface="Sylfaen"/>
+        <a:font script="Armn" typeface="Arial"/>
+        <a:font script="Bugi" typeface="Leelawadee UI"/>
+        <a:font script="Bopo" typeface="Microsoft JhengHei"/>
+        <a:font script="Java" typeface="Javanese Text"/>
+        <a:font script="Lisu" typeface="Segoe UI"/>
+        <a:font script="Mymr" typeface="Myanmar Text"/>
+        <a:font script="Nkoo" typeface="Ebrima"/>
+        <a:font script="Olck" typeface="Nirmala UI"/>
+        <a:font script="Osma" typeface="Ebrima"/>
+        <a:font script="Phag" typeface="Phagspa"/>
+        <a:font script="Syrn" typeface="Estrangelo Edessa"/>
+        <a:font script="Syrj" typeface="Estrangelo Edessa"/>
+        <a:font script="Syre" typeface="Estrangelo Edessa"/>
+        <a:font script="Sora" typeface="Nirmala UI"/>
+        <a:font script="Tale" typeface="Microsoft Tai Le"/>
+        <a:font script="Talu" typeface="Microsoft New Tai Lue"/>
+        <a:font script="Tfng" typeface="Ebrima"/>
+      </a:minorFont>
+    </a:fontScheme>
+    <a:fmtScheme name="Office">
+      <a:fillStyleLst>
+        <a:solidFill>
+          <a:schemeClr val="phClr"/>
+        </a:solidFill>
+        <a:gradFill rotWithShape="1">
+          <a:gsLst>
+            <a:gs pos="0">
+              <a:schemeClr val="phClr">
+                <a:lumMod val="110000"/>
+                <a:satMod val="105000"/>
+                <a:tint val="67000"/>
+              </a:schemeClr>
+            </a:gs>
+            <a:gs pos="50000">
+              <a:schemeClr val="phClr">
+                <a:lumMod val="105000"/>
+                <a:satMod val="103000"/>
+                <a:tint val="73000"/>
+              </a:schemeClr>
+            </a:gs>
+            <a:gs pos="100000">
+              <a:schemeClr val="phClr">
+                <a:lumMod val="105000"/>
+                <a:satMod val="109000"/>
+                <a:tint val="81000"/>
+              </a:schemeClr>
+            </a:gs>
+          </a:gsLst>
+          <a:lin ang="5400000" scaled="0"/>
+        </a:gradFill>
+        <a:gradFill rotWithShape="1">
+          <a:gsLst>
+            <a:gs pos="0">
+              <a:schemeClr val="phClr">
+                <a:satMod val="103000"/>
+                <a:lumMod val="102000"/>
+                <a:tint val="94000"/>
+              </a:schemeClr>
+            </a:gs>
+            <a:gs pos="50000">
+              <a:schemeClr val="phClr">
+                <a:satMod val="110000"/>
+                <a:lumMod val="100000"/>
+                <a:shade val="100000"/>
+              </a:schemeClr>
+            </a:gs>
+            <a:gs pos="100000">
+              <a:schemeClr val="phClr">
+                <a:lumMod val="99000"/>
+                <a:satMod val="120000"/>
+                <a:shade val="78000"/>
+              </a:schemeClr>
+            </a:gs>
+          </a:gsLst>
+          <a:lin ang="5400000" scaled="0"/>
+        </a:gradFill>
+      </a:fillStyleLst>
+      <a:lnStyleLst>
+        <a:ln w="6350" cap="flat" cmpd="sng" algn="ctr">
+          <a:solidFill>
+            <a:schemeClr val="phClr"/>
+          </a:solidFill>
+          <a:prstDash val="solid"/>
+          <a:miter lim="800000"/>
+        </a:ln>
+        <a:ln w="12700" cap="flat" cmpd="sng" algn="ctr">
+          <a:solidFill>
+            <a:schemeClr val="phClr"/>
+          </a:solidFill>
+          <a:prstDash val="solid"/>
+          <a:miter lim="800000"/>
+        </a:ln>
+        <a:ln w="19050" cap="flat" cmpd="sng" algn="ctr">
+          <a:solidFill>
+            <a:schemeClr val="phClr"/>
+          </a:solidFill>
+          <a:prstDash val="solid"/>
+          <a:miter lim="800000"/>
+        </a:ln>
+      </a:lnStyleLst>
+      <a:effectStyleLst>
+        <a:effectStyle>
+          <a:effectLst/>
+        </a:effectStyle>
+        <a:effectStyle>
+          <a:effectLst/>
+        </a:effectStyle>
+        <a:effectStyle>
+          <a:effectLst>
+            <a:outerShdw blurRad="57150" dist="19050" dir="5400000" algn="ctr" rotWithShape="0">
+              <a:srgbClr val="000000">
+                <a:alpha val="63000"/>
+              </a:srgbClr>
+            </a:outerShdw>
+          </a:effectLst>
+        </a:effectStyle>
+      </a:effectStyleLst>
+      <a:bgFillStyleLst>
+        <a:solidFill>
+          <a:schemeClr val="phClr"/>
+        </a:solidFill>
+        <a:solidFill>
+          <a:schemeClr val="phClr">
+            <a:tint val="95000"/>
+            <a:satMod val="170000"/>
+          </a:schemeClr>
+        </a:solidFill>
+        <a:gradFill rotWithShape="1">
+          <a:gsLst>
+            <a:gs pos="0">
+              <a:schemeClr val="phClr">
+                <a:tint val="93000"/>
+                <a:satMod val="150000"/>
+                <a:shade val="98000"/>
+                <a:lumMod val="102000"/>
+              </a:schemeClr>
+            </a:gs>
+            <a:gs pos="50000">
+              <a:schemeClr val="phClr">
+                <a:tint val="98000"/>
+                <a:satMod val="130000"/>
+                <a:shade val="90000"/>
+                <a:lumMod val="103000"/>
+              </a:schemeClr>
+            </a:gs>
+            <a:gs pos="100000">
+              <a:schemeClr val="phClr">
+                <a:shade val="63000"/>
+                <a:satMod val="120000"/>
+              </a:schemeClr>
+            </a:gs>
+          </a:gsLst>
+          <a:lin ang="5400000" scaled="0"/>
+        </a:gradFill>
+      </a:bgFillStyleLst>
+    </a:fmtScheme>
+  </a:themeElements>
+  <a:objectDefaults/>
+  <a:extraClrSchemeLst/>
+  <a:extLst>
+    <a:ext uri="{05A4C25C-085E-4340-85A3-A5531E510DB2}">
+      <thm15:themeFamily xmlns:thm15="http://schemas.microsoft.com/office/thememl/2012/main" name="Office Theme" id="{62F939B6-93AF-4DB8-9C6B-D6C7DFDC589F}" vid="{4A3C46E8-61CC-4603-A589-7422A47A8E4A}"/>
+    </a:ext>
+  </a:extLst>
+</a:theme>
 </file>
--- a/doc/GQW/Raschupkin_EV_UAV_Route_Planning.pptx
+++ b/doc/GQW/Raschupkin_EV_UAV_Route_Planning.pptx
@@ -245,7 +245,7 @@
           <a:p>
             <a:fld id="{017DE71F-3CDD-4F9E-A351-8E9DDE9F4932}" type="datetimeFigureOut">
               <a:rPr lang="en-US" smtClean="0"/>
-              <a:t>2024-06-03</a:t>
+              <a:t>2024-06-04</a:t>
             </a:fld>
             <a:endParaRPr lang="en-US"/>
           </a:p>
@@ -2635,15 +2635,7 @@
           <a:p>
             <a:r>
               <a:rPr lang="ru-RU" dirty="0"/>
-              <a:t>Хоть и позволяют в том или ином виде строить маршрут, но когда дело касается добавления </a:t>
-            </a:r>
-            <a:r>
-              <a:rPr lang="ru-RU" dirty="0" err="1"/>
-              <a:t>собстевнных</a:t>
-            </a:r>
-            <a:r>
-              <a:rPr lang="ru-RU" dirty="0"/>
-              <a:t> дронов идет ограничение функционала, представленные аналоги имеют проприетарную лицензию и являются платными</a:t>
+              <a:t>Хоть и позволяют в том или ином виде строить маршрут, но когда дело касается добавления собственных дронов идет ограничение функционала, представленные аналоги имеют проприетарную лицензию и являются платными</a:t>
             </a:r>
             <a:endParaRPr lang="en-US" dirty="0"/>
           </a:p>
@@ -3473,8 +3465,8 @@
               <a:defRPr/>
             </a:pPr>
             <a:fld id="{BCC18F51-09EC-435C-A3BA-64A766E099C0}" type="datetimeFigureOut">
-              <a:rPr lang="en-US"/>
-              <a:t>2024-06-03</a:t>
+              <a:rPr lang="en-US" smtClean="0"/>
+              <a:t>2024-06-04</a:t>
             </a:fld>
             <a:endParaRPr lang="en-US"/>
           </a:p>
@@ -3664,8 +3656,8 @@
               <a:defRPr/>
             </a:pPr>
             <a:fld id="{BCC18F51-09EC-435C-A3BA-64A766E099C0}" type="datetimeFigureOut">
-              <a:rPr lang="en-US"/>
-              <a:t>2024-06-03</a:t>
+              <a:rPr lang="en-US" smtClean="0"/>
+              <a:t>2024-06-04</a:t>
             </a:fld>
             <a:endParaRPr lang="en-US"/>
           </a:p>
@@ -3865,8 +3857,8 @@
               <a:defRPr/>
             </a:pPr>
             <a:fld id="{BCC18F51-09EC-435C-A3BA-64A766E099C0}" type="datetimeFigureOut">
-              <a:rPr lang="en-US"/>
-              <a:t>2024-06-03</a:t>
+              <a:rPr lang="en-US" smtClean="0"/>
+              <a:t>2024-06-04</a:t>
             </a:fld>
             <a:endParaRPr lang="en-US"/>
           </a:p>
@@ -4056,8 +4048,8 @@
               <a:defRPr/>
             </a:pPr>
             <a:fld id="{BCC18F51-09EC-435C-A3BA-64A766E099C0}" type="datetimeFigureOut">
-              <a:rPr lang="en-US"/>
-              <a:t>2024-06-03</a:t>
+              <a:rPr lang="en-US" smtClean="0"/>
+              <a:t>2024-06-04</a:t>
             </a:fld>
             <a:endParaRPr lang="en-US"/>
           </a:p>
@@ -4313,8 +4305,8 @@
               <a:defRPr/>
             </a:pPr>
             <a:fld id="{BCC18F51-09EC-435C-A3BA-64A766E099C0}" type="datetimeFigureOut">
-              <a:rPr lang="en-US"/>
-              <a:t>2024-06-03</a:t>
+              <a:rPr lang="en-US" smtClean="0"/>
+              <a:t>2024-06-04</a:t>
             </a:fld>
             <a:endParaRPr lang="en-US"/>
           </a:p>
@@ -4579,8 +4571,8 @@
               <a:defRPr/>
             </a:pPr>
             <a:fld id="{BCC18F51-09EC-435C-A3BA-64A766E099C0}" type="datetimeFigureOut">
-              <a:rPr lang="en-US"/>
-              <a:t>2024-06-03</a:t>
+              <a:rPr lang="en-US" smtClean="0"/>
+              <a:t>2024-06-04</a:t>
             </a:fld>
             <a:endParaRPr lang="en-US"/>
           </a:p>
@@ -4986,8 +4978,8 @@
               <a:defRPr/>
             </a:pPr>
             <a:fld id="{BCC18F51-09EC-435C-A3BA-64A766E099C0}" type="datetimeFigureOut">
-              <a:rPr lang="en-US"/>
-              <a:t>2024-06-03</a:t>
+              <a:rPr lang="en-US" smtClean="0"/>
+              <a:t>2024-06-04</a:t>
             </a:fld>
             <a:endParaRPr lang="en-US"/>
           </a:p>
@@ -5112,8 +5104,8 @@
               <a:defRPr/>
             </a:pPr>
             <a:fld id="{BCC18F51-09EC-435C-A3BA-64A766E099C0}" type="datetimeFigureOut">
-              <a:rPr lang="en-US"/>
-              <a:t>2024-06-03</a:t>
+              <a:rPr lang="en-US" smtClean="0"/>
+              <a:t>2024-06-04</a:t>
             </a:fld>
             <a:endParaRPr lang="en-US"/>
           </a:p>
@@ -5213,8 +5205,8 @@
               <a:defRPr/>
             </a:pPr>
             <a:fld id="{BCC18F51-09EC-435C-A3BA-64A766E099C0}" type="datetimeFigureOut">
-              <a:rPr lang="en-US"/>
-              <a:t>2024-06-03</a:t>
+              <a:rPr lang="en-US" smtClean="0"/>
+              <a:t>2024-06-04</a:t>
             </a:fld>
             <a:endParaRPr lang="en-US"/>
           </a:p>
@@ -5514,8 +5506,8 @@
               <a:defRPr/>
             </a:pPr>
             <a:fld id="{BCC18F51-09EC-435C-A3BA-64A766E099C0}" type="datetimeFigureOut">
-              <a:rPr lang="en-US"/>
-              <a:t>2024-06-03</a:t>
+              <a:rPr lang="en-US" smtClean="0"/>
+              <a:t>2024-06-04</a:t>
             </a:fld>
             <a:endParaRPr lang="en-US"/>
           </a:p>
@@ -5784,8 +5776,8 @@
               <a:defRPr/>
             </a:pPr>
             <a:fld id="{BCC18F51-09EC-435C-A3BA-64A766E099C0}" type="datetimeFigureOut">
-              <a:rPr lang="en-US"/>
-              <a:t>2024-06-03</a:t>
+              <a:rPr lang="en-US" smtClean="0"/>
+              <a:t>2024-06-04</a:t>
             </a:fld>
             <a:endParaRPr lang="en-US"/>
           </a:p>
@@ -6018,8 +6010,8 @@
               <a:defRPr/>
             </a:pPr>
             <a:fld id="{BCC18F51-09EC-435C-A3BA-64A766E099C0}" type="datetimeFigureOut">
-              <a:rPr lang="en-US"/>
-              <a:t>2024-06-03</a:t>
+              <a:rPr lang="en-US" smtClean="0"/>
+              <a:t>2024-06-04</a:t>
             </a:fld>
             <a:endParaRPr lang="en-US"/>
           </a:p>
@@ -6480,13 +6472,13 @@
         </p:nvSpPr>
         <p:spPr bwMode="auto">
           <a:xfrm>
-            <a:off x="1635108" y="284692"/>
-            <a:ext cx="8921789" cy="1177172"/>
+            <a:off x="1055440" y="284692"/>
+            <a:ext cx="10081120" cy="1177172"/>
           </a:xfrm>
         </p:spPr>
         <p:txBody>
           <a:bodyPr vertOverflow="overflow" horzOverflow="overflow" vert="horz" wrap="square" lIns="91440" tIns="45720" rIns="91440" bIns="45720" numCol="1" spcCol="0" rtlCol="0" fromWordArt="0" anchor="t" anchorCtr="0" forceAA="0" compatLnSpc="0">
-            <a:normAutofit/>
+            <a:normAutofit fontScale="92500"/>
           </a:bodyPr>
           <a:lstStyle/>
           <a:p>
@@ -6494,7 +6486,7 @@
               <a:defRPr/>
             </a:pPr>
             <a:r>
-              <a:rPr sz="1400" dirty="0">
+              <a:rPr sz="1600" dirty="0">
                 <a:solidFill>
                   <a:srgbClr val="000000"/>
                 </a:solidFill>
@@ -6505,7 +6497,7 @@
               <a:t>МИНИСТЕРСТВО НАУКИ И ВЫСШЕГО ОБРАЗОВАНИЯ РОССИЙСКОЙ ФЕДЕРАЦИИ</a:t>
             </a:r>
             <a:br>
-              <a:rPr sz="1400" dirty="0">
+              <a:rPr sz="1600" dirty="0">
                 <a:solidFill>
                   <a:srgbClr val="000000"/>
                 </a:solidFill>
@@ -6515,7 +6507,7 @@
               </a:rPr>
             </a:br>
             <a:r>
-              <a:rPr sz="1400" dirty="0" err="1">
+              <a:rPr sz="1600" dirty="0" err="1">
                 <a:solidFill>
                   <a:srgbClr val="000000"/>
                 </a:solidFill>
@@ -6526,7 +6518,7 @@
               <a:t>Федеральное</a:t>
             </a:r>
             <a:r>
-              <a:rPr sz="1400" dirty="0">
+              <a:rPr sz="1600" dirty="0">
                 <a:solidFill>
                   <a:srgbClr val="000000"/>
                 </a:solidFill>
@@ -6537,7 +6529,7 @@
               <a:t> </a:t>
             </a:r>
             <a:r>
-              <a:rPr sz="1400" dirty="0" err="1">
+              <a:rPr sz="1600" dirty="0" err="1">
                 <a:solidFill>
                   <a:srgbClr val="000000"/>
                 </a:solidFill>
@@ -6548,7 +6540,7 @@
               <a:t>государственное</a:t>
             </a:r>
             <a:r>
-              <a:rPr sz="1400" dirty="0">
+              <a:rPr sz="1600" dirty="0">
                 <a:solidFill>
                   <a:srgbClr val="000000"/>
                 </a:solidFill>
@@ -6559,7 +6551,7 @@
               <a:t> </a:t>
             </a:r>
             <a:r>
-              <a:rPr sz="1400" dirty="0" err="1">
+              <a:rPr sz="1600" dirty="0" err="1">
                 <a:solidFill>
                   <a:srgbClr val="000000"/>
                 </a:solidFill>
@@ -6570,7 +6562,7 @@
               <a:t>автономное</a:t>
             </a:r>
             <a:r>
-              <a:rPr sz="1400" dirty="0">
+              <a:rPr sz="1600" dirty="0">
                 <a:solidFill>
                   <a:srgbClr val="000000"/>
                 </a:solidFill>
@@ -6581,7 +6573,7 @@
               <a:t> </a:t>
             </a:r>
             <a:r>
-              <a:rPr sz="1400" dirty="0" err="1">
+              <a:rPr sz="1600" dirty="0" err="1">
                 <a:solidFill>
                   <a:srgbClr val="000000"/>
                 </a:solidFill>
@@ -6592,7 +6584,7 @@
               <a:t>образовательное</a:t>
             </a:r>
             <a:r>
-              <a:rPr sz="1400" dirty="0">
+              <a:rPr sz="1600" dirty="0">
                 <a:solidFill>
                   <a:srgbClr val="000000"/>
                 </a:solidFill>
@@ -6603,7 +6595,7 @@
               <a:t> </a:t>
             </a:r>
             <a:r>
-              <a:rPr sz="1400" dirty="0" err="1">
+              <a:rPr sz="1600" dirty="0" err="1">
                 <a:solidFill>
                   <a:srgbClr val="000000"/>
                 </a:solidFill>
@@ -6614,7 +6606,7 @@
               <a:t>учреждение</a:t>
             </a:r>
             <a:r>
-              <a:rPr sz="1400" dirty="0">
+              <a:rPr sz="1600" dirty="0">
                 <a:solidFill>
                   <a:srgbClr val="000000"/>
                 </a:solidFill>
@@ -6625,7 +6617,7 @@
               <a:t> </a:t>
             </a:r>
             <a:r>
-              <a:rPr sz="1400" dirty="0" err="1">
+              <a:rPr sz="1600" dirty="0" err="1">
                 <a:solidFill>
                   <a:srgbClr val="000000"/>
                 </a:solidFill>
@@ -6636,7 +6628,7 @@
               <a:t>высшего</a:t>
             </a:r>
             <a:r>
-              <a:rPr sz="1400" dirty="0">
+              <a:rPr sz="1600" dirty="0">
                 <a:solidFill>
                   <a:srgbClr val="000000"/>
                 </a:solidFill>
@@ -6647,7 +6639,7 @@
               <a:t> </a:t>
             </a:r>
             <a:r>
-              <a:rPr sz="1400" dirty="0" err="1">
+              <a:rPr sz="1600" dirty="0" err="1">
                 <a:solidFill>
                   <a:srgbClr val="000000"/>
                 </a:solidFill>
@@ -6658,7 +6650,7 @@
               <a:t>профессионального</a:t>
             </a:r>
             <a:r>
-              <a:rPr sz="1400" dirty="0">
+              <a:rPr sz="1600" dirty="0">
                 <a:solidFill>
                   <a:srgbClr val="000000"/>
                 </a:solidFill>
@@ -6669,7 +6661,7 @@
               <a:t> </a:t>
             </a:r>
             <a:r>
-              <a:rPr sz="1400" dirty="0" err="1">
+              <a:rPr sz="1600" dirty="0" err="1">
                 <a:solidFill>
                   <a:srgbClr val="000000"/>
                 </a:solidFill>
@@ -6680,7 +6672,7 @@
               <a:t>образования</a:t>
             </a:r>
             <a:br>
-              <a:rPr sz="1400" dirty="0">
+              <a:rPr sz="1600" dirty="0">
                 <a:solidFill>
                   <a:srgbClr val="000000"/>
                 </a:solidFill>
@@ -6690,7 +6682,7 @@
               </a:rPr>
             </a:br>
             <a:r>
-              <a:rPr sz="1400" dirty="0">
+              <a:rPr sz="1600" dirty="0">
                 <a:solidFill>
                   <a:srgbClr val="000000"/>
                 </a:solidFill>
@@ -6701,7 +6693,7 @@
               <a:t>«</a:t>
             </a:r>
             <a:r>
-              <a:rPr sz="1400" dirty="0" err="1">
+              <a:rPr sz="1600" dirty="0" err="1">
                 <a:solidFill>
                   <a:srgbClr val="000000"/>
                 </a:solidFill>
@@ -6712,7 +6704,7 @@
               <a:t>Южно-Уральский</a:t>
             </a:r>
             <a:r>
-              <a:rPr sz="1400" dirty="0">
+              <a:rPr sz="1600" dirty="0">
                 <a:solidFill>
                   <a:srgbClr val="000000"/>
                 </a:solidFill>
@@ -6723,7 +6715,7 @@
               <a:t> </a:t>
             </a:r>
             <a:r>
-              <a:rPr sz="1400" dirty="0" err="1">
+              <a:rPr sz="1600" dirty="0" err="1">
                 <a:solidFill>
                   <a:srgbClr val="000000"/>
                 </a:solidFill>
@@ -6734,7 +6726,7 @@
               <a:t>государственный</a:t>
             </a:r>
             <a:r>
-              <a:rPr sz="1400" dirty="0">
+              <a:rPr sz="1600" dirty="0">
                 <a:solidFill>
                   <a:srgbClr val="000000"/>
                 </a:solidFill>
@@ -6745,7 +6737,7 @@
               <a:t> </a:t>
             </a:r>
             <a:r>
-              <a:rPr sz="1400" dirty="0" err="1">
+              <a:rPr sz="1600" dirty="0" err="1">
                 <a:solidFill>
                   <a:srgbClr val="000000"/>
                 </a:solidFill>
@@ -6756,7 +6748,7 @@
               <a:t>университет</a:t>
             </a:r>
             <a:r>
-              <a:rPr sz="1400" dirty="0">
+              <a:rPr sz="1600" dirty="0">
                 <a:solidFill>
                   <a:srgbClr val="000000"/>
                 </a:solidFill>
@@ -6767,7 +6759,7 @@
               <a:t> (</a:t>
             </a:r>
             <a:r>
-              <a:rPr sz="1400" dirty="0" err="1">
+              <a:rPr sz="1600" dirty="0" err="1">
                 <a:solidFill>
                   <a:srgbClr val="000000"/>
                 </a:solidFill>
@@ -6778,7 +6770,7 @@
               <a:t>национальный</a:t>
             </a:r>
             <a:r>
-              <a:rPr sz="1400" dirty="0">
+              <a:rPr sz="1600" dirty="0">
                 <a:solidFill>
                   <a:srgbClr val="000000"/>
                 </a:solidFill>
@@ -6789,7 +6781,7 @@
               <a:t> </a:t>
             </a:r>
             <a:r>
-              <a:rPr sz="1400" dirty="0" err="1">
+              <a:rPr sz="1600" dirty="0" err="1">
                 <a:solidFill>
                   <a:srgbClr val="000000"/>
                 </a:solidFill>
@@ -6800,7 +6792,7 @@
               <a:t>исследовательский</a:t>
             </a:r>
             <a:r>
-              <a:rPr sz="1400" dirty="0">
+              <a:rPr sz="1600" dirty="0">
                 <a:solidFill>
                   <a:srgbClr val="000000"/>
                 </a:solidFill>
@@ -6811,7 +6803,7 @@
               <a:t> </a:t>
             </a:r>
             <a:r>
-              <a:rPr sz="1400" dirty="0" err="1">
+              <a:rPr sz="1600" dirty="0" err="1">
                 <a:solidFill>
                   <a:srgbClr val="000000"/>
                 </a:solidFill>
@@ -6822,7 +6814,7 @@
               <a:t>университет</a:t>
             </a:r>
             <a:r>
-              <a:rPr sz="1400" dirty="0">
+              <a:rPr sz="1600" dirty="0">
                 <a:solidFill>
                   <a:srgbClr val="000000"/>
                 </a:solidFill>
@@ -6833,7 +6825,7 @@
               <a:t>)»</a:t>
             </a:r>
             <a:br>
-              <a:rPr sz="1400" dirty="0">
+              <a:rPr sz="1600" dirty="0">
                 <a:solidFill>
                   <a:srgbClr val="000000"/>
                 </a:solidFill>
@@ -6843,7 +6835,7 @@
               </a:rPr>
             </a:br>
             <a:r>
-              <a:rPr sz="1400" dirty="0" err="1">
+              <a:rPr sz="1600" dirty="0" err="1">
                 <a:solidFill>
                   <a:srgbClr val="000000"/>
                 </a:solidFill>
@@ -6854,7 +6846,7 @@
               <a:t>Высшая</a:t>
             </a:r>
             <a:r>
-              <a:rPr sz="1400" dirty="0">
+              <a:rPr sz="1600" dirty="0">
                 <a:solidFill>
                   <a:srgbClr val="000000"/>
                 </a:solidFill>
@@ -6865,7 +6857,7 @@
               <a:t> </a:t>
             </a:r>
             <a:r>
-              <a:rPr sz="1400" dirty="0" err="1">
+              <a:rPr sz="1600" dirty="0" err="1">
                 <a:solidFill>
                   <a:srgbClr val="000000"/>
                 </a:solidFill>
@@ -6876,7 +6868,7 @@
               <a:t>школа</a:t>
             </a:r>
             <a:r>
-              <a:rPr sz="1400" dirty="0">
+              <a:rPr sz="1600" dirty="0">
                 <a:solidFill>
                   <a:srgbClr val="000000"/>
                 </a:solidFill>
@@ -6887,7 +6879,7 @@
               <a:t> </a:t>
             </a:r>
             <a:r>
-              <a:rPr sz="1400" dirty="0" err="1">
+              <a:rPr sz="1600" dirty="0" err="1">
                 <a:solidFill>
                   <a:srgbClr val="000000"/>
                 </a:solidFill>
@@ -6898,7 +6890,7 @@
               <a:t>электроники</a:t>
             </a:r>
             <a:r>
-              <a:rPr sz="1400" dirty="0">
+              <a:rPr sz="1600" dirty="0">
                 <a:solidFill>
                   <a:srgbClr val="000000"/>
                 </a:solidFill>
@@ -6909,7 +6901,7 @@
               <a:t> и </a:t>
             </a:r>
             <a:r>
-              <a:rPr sz="1400" dirty="0" err="1">
+              <a:rPr sz="1600" dirty="0" err="1">
                 <a:solidFill>
                   <a:srgbClr val="000000"/>
                 </a:solidFill>
@@ -6920,7 +6912,7 @@
               <a:t>компьютерных</a:t>
             </a:r>
             <a:r>
-              <a:rPr sz="1400" dirty="0">
+              <a:rPr sz="1600" dirty="0">
                 <a:solidFill>
                   <a:srgbClr val="000000"/>
                 </a:solidFill>
@@ -6931,7 +6923,7 @@
               <a:t> </a:t>
             </a:r>
             <a:r>
-              <a:rPr sz="1400" dirty="0" err="1">
+              <a:rPr sz="1600" dirty="0" err="1">
                 <a:solidFill>
                   <a:srgbClr val="000000"/>
                 </a:solidFill>
@@ -6942,7 +6934,7 @@
               <a:t>наук</a:t>
             </a:r>
             <a:br>
-              <a:rPr sz="1400" dirty="0">
+              <a:rPr sz="1600" dirty="0">
                 <a:solidFill>
                   <a:srgbClr val="000000"/>
                 </a:solidFill>
@@ -6952,7 +6944,7 @@
               </a:rPr>
             </a:br>
             <a:r>
-              <a:rPr sz="1400" dirty="0" err="1">
+              <a:rPr sz="1600" dirty="0" err="1">
                 <a:solidFill>
                   <a:srgbClr val="000000"/>
                 </a:solidFill>
@@ -6963,7 +6955,7 @@
               <a:t>Кафедра</a:t>
             </a:r>
             <a:r>
-              <a:rPr sz="1400" dirty="0">
+              <a:rPr sz="1600" dirty="0">
                 <a:solidFill>
                   <a:srgbClr val="000000"/>
                 </a:solidFill>
@@ -6974,7 +6966,7 @@
               <a:t> </a:t>
             </a:r>
             <a:r>
-              <a:rPr sz="1400" dirty="0" err="1">
+              <a:rPr sz="1600" dirty="0" err="1">
                 <a:solidFill>
                   <a:srgbClr val="000000"/>
                 </a:solidFill>
@@ -6985,7 +6977,7 @@
               <a:t>системного</a:t>
             </a:r>
             <a:r>
-              <a:rPr sz="1400" dirty="0">
+              <a:rPr sz="1600" dirty="0">
                 <a:solidFill>
                   <a:srgbClr val="000000"/>
                 </a:solidFill>
@@ -6996,7 +6988,7 @@
               <a:t> </a:t>
             </a:r>
             <a:r>
-              <a:rPr sz="1400" dirty="0" err="1">
+              <a:rPr sz="1600" dirty="0" err="1">
                 <a:solidFill>
                   <a:srgbClr val="000000"/>
                 </a:solidFill>
@@ -7006,7 +6998,7 @@
               </a:rPr>
               <a:t>программирования</a:t>
             </a:r>
-            <a:endParaRPr sz="1400" dirty="0">
+            <a:endParaRPr sz="1600" dirty="0">
               <a:latin typeface="Times New Roman"/>
               <a:cs typeface="Times New Roman"/>
             </a:endParaRPr>
@@ -7024,7 +7016,7 @@
         <p:spPr bwMode="auto">
           <a:xfrm>
             <a:off x="1055440" y="4846972"/>
-            <a:ext cx="3429000" cy="1177171"/>
+            <a:ext cx="4680520" cy="1177171"/>
           </a:xfrm>
         </p:spPr>
         <p:txBody>
@@ -7200,7 +7192,7 @@
               <a:defRPr/>
             </a:pPr>
             <a:r>
-              <a:rPr lang="ru-RU" sz="1400" dirty="0">
+              <a:rPr lang="ru-RU" sz="1800" dirty="0">
                 <a:solidFill>
                   <a:srgbClr val="000000"/>
                 </a:solidFill>
@@ -7215,7 +7207,7 @@
               <a:defRPr/>
             </a:pPr>
             <a:r>
-              <a:rPr lang="ru-RU" sz="1400" dirty="0">
+              <a:rPr lang="ru-RU" sz="1800" dirty="0">
                 <a:latin typeface="Times New Roman"/>
                 <a:cs typeface="Times New Roman"/>
               </a:rPr>
@@ -7227,7 +7219,7 @@
               <a:defRPr/>
             </a:pPr>
             <a:r>
-              <a:rPr lang="ru-RU" sz="1400" dirty="0">
+              <a:rPr lang="ru-RU" sz="1800" dirty="0">
                 <a:latin typeface="Times New Roman"/>
                 <a:ea typeface="Times New Roman"/>
                 <a:cs typeface="Times New Roman"/>
@@ -7235,7 +7227,7 @@
               <a:t>Т.А.</a:t>
             </a:r>
             <a:r>
-              <a:rPr lang="ru-RU" sz="1400" dirty="0">
+              <a:rPr lang="ru-RU" sz="1800" dirty="0">
                 <a:latin typeface="Times New Roman"/>
                 <a:cs typeface="Times New Roman"/>
               </a:rPr>
@@ -7431,7 +7423,7 @@
               <a:defRPr/>
             </a:pPr>
             <a:r>
-              <a:rPr lang="ru-RU" sz="1400" dirty="0">
+              <a:rPr lang="ru-RU" sz="1800" dirty="0">
                 <a:solidFill>
                   <a:srgbClr val="000000"/>
                 </a:solidFill>
@@ -7446,7 +7438,7 @@
               <a:defRPr/>
             </a:pPr>
             <a:r>
-              <a:rPr lang="ru-RU" sz="1400" dirty="0">
+              <a:rPr lang="ru-RU" sz="1800" dirty="0">
                 <a:solidFill>
                   <a:srgbClr val="000000"/>
                 </a:solidFill>
@@ -7456,7 +7448,7 @@
               <a:t>студент группы КЭ-</a:t>
             </a:r>
             <a:r>
-              <a:rPr lang="en-US" sz="1400" dirty="0">
+              <a:rPr lang="en-US" sz="1800" dirty="0">
                 <a:solidFill>
                   <a:srgbClr val="000000"/>
                 </a:solidFill>
@@ -7466,7 +7458,7 @@
               <a:t>4</a:t>
             </a:r>
             <a:r>
-              <a:rPr lang="ru-RU" sz="1400" dirty="0">
+              <a:rPr lang="ru-RU" sz="1800" dirty="0">
                 <a:solidFill>
                   <a:srgbClr val="000000"/>
                 </a:solidFill>
@@ -7481,7 +7473,7 @@
               <a:defRPr/>
             </a:pPr>
             <a:r>
-              <a:rPr lang="ru-RU" sz="1400" dirty="0">
+              <a:rPr lang="ru-RU" sz="1800" dirty="0">
                 <a:solidFill>
                   <a:srgbClr val="000000"/>
                 </a:solidFill>
@@ -7490,7 +7482,7 @@
               </a:rPr>
               <a:t>Е.В. Ращупкин</a:t>
             </a:r>
-            <a:endParaRPr lang="ru-RU" sz="1400" dirty="0">
+            <a:endParaRPr lang="ru-RU" sz="1800" dirty="0">
               <a:latin typeface="Times New Roman"/>
               <a:cs typeface="Times New Roman"/>
             </a:endParaRPr>
@@ -7684,7 +7676,7 @@
               <a:defRPr/>
             </a:pPr>
             <a:r>
-              <a:rPr sz="1400" dirty="0" err="1">
+              <a:rPr sz="1800" dirty="0" err="1">
                 <a:solidFill>
                   <a:srgbClr val="000000"/>
                 </a:solidFill>
@@ -7695,7 +7687,7 @@
               <a:t>Челябинск</a:t>
             </a:r>
             <a:r>
-              <a:rPr sz="1400" dirty="0">
+              <a:rPr sz="1800" dirty="0">
                 <a:solidFill>
                   <a:srgbClr val="000000"/>
                 </a:solidFill>
@@ -7706,7 +7698,7 @@
               <a:t>, </a:t>
             </a:r>
             <a:r>
-              <a:rPr lang="en-US" sz="1400" dirty="0">
+              <a:rPr lang="en-US" sz="1800" dirty="0">
                 <a:solidFill>
                   <a:srgbClr val="000000"/>
                 </a:solidFill>
@@ -7717,7 +7709,7 @@
               <a:t>2</a:t>
             </a:r>
             <a:r>
-              <a:rPr sz="1400" dirty="0">
+              <a:rPr sz="1800" dirty="0">
                 <a:solidFill>
                   <a:srgbClr val="000000"/>
                 </a:solidFill>
@@ -7728,7 +7720,7 @@
               <a:t>02</a:t>
             </a:r>
             <a:r>
-              <a:rPr lang="en-US" sz="1400" dirty="0">
+              <a:rPr lang="en-US" sz="1800" dirty="0">
                 <a:solidFill>
                   <a:srgbClr val="000000"/>
                 </a:solidFill>
@@ -7739,7 +7731,7 @@
               <a:t>4</a:t>
             </a:r>
             <a:r>
-              <a:rPr sz="1400" dirty="0">
+              <a:rPr sz="1800" dirty="0">
                 <a:solidFill>
                   <a:srgbClr val="000000"/>
                 </a:solidFill>
@@ -7749,7 +7741,7 @@
               </a:rPr>
               <a:t> г.</a:t>
             </a:r>
-            <a:endParaRPr sz="1400" dirty="0">
+            <a:endParaRPr sz="1800" dirty="0">
               <a:latin typeface="Times New Roman"/>
               <a:cs typeface="Times New Roman"/>
             </a:endParaRPr>
@@ -7850,7 +7842,7 @@
             <p:ph idx="1"/>
             <p:extLst>
               <p:ext uri="{D42A27DB-BD31-4B8C-83A1-F6EECF244321}">
-                <p14:modId xmlns:p14="http://schemas.microsoft.com/office/powerpoint/2010/main" val="2498087995"/>
+                <p14:modId xmlns:p14="http://schemas.microsoft.com/office/powerpoint/2010/main" val="2276459249"/>
               </p:ext>
             </p:extLst>
           </p:nvPr>
@@ -8245,12 +8237,18 @@
                     <a:p>
                       <a:pPr algn="ctr"/>
                       <a:r>
-                        <a:rPr lang="ru-RU" sz="1600">
+                        <a:rPr lang="ru-RU" sz="1600" dirty="0" err="1">
                           <a:effectLst/>
                         </a:rPr>
-                        <a:t>Аппроксимационный алгоритм</a:t>
+                        <a:t>Аппроксимационный</a:t>
                       </a:r>
-                      <a:endParaRPr lang="en-US" sz="1400">
+                      <a:r>
+                        <a:rPr lang="ru-RU" sz="1600" dirty="0">
+                          <a:effectLst/>
+                        </a:rPr>
+                        <a:t> алгоритм</a:t>
+                      </a:r>
+                      <a:endParaRPr lang="en-US" sz="1400" dirty="0">
                         <a:effectLst/>
                         <a:latin typeface="Times New Roman" panose="02020603050405020304" pitchFamily="18" charset="0"/>
                         <a:ea typeface="Arial" panose="020B0604020202020204" pitchFamily="34" charset="0"/>
@@ -8708,38 +8706,6 @@
           </a:p>
         </p:txBody>
       </p:sp>
-      <p:pic>
-        <p:nvPicPr>
-          <p:cNvPr id="934106895" name="Content Placeholder 934106894"/>
-          <p:cNvPicPr>
-            <a:picLocks noGrp="1" noChangeAspect="1"/>
-          </p:cNvPicPr>
-          <p:nvPr>
-            <p:ph idx="1"/>
-          </p:nvPr>
-        </p:nvPicPr>
-        <p:blipFill>
-          <a:blip r:embed="rId3"/>
-          <a:stretch/>
-        </p:blipFill>
-        <p:spPr bwMode="auto">
-          <a:xfrm>
-            <a:off x="2458028" y="914030"/>
-            <a:ext cx="7275949" cy="5456961"/>
-          </a:xfrm>
-          <a:prstGeom prst="rect">
-            <a:avLst/>
-          </a:prstGeom>
-          <a:ln w="12699">
-            <a:solidFill>
-              <a:schemeClr val="accent1">
-                <a:lumMod val="50196"/>
-              </a:schemeClr>
-            </a:solidFill>
-            <a:prstDash val="solid"/>
-          </a:ln>
-        </p:spPr>
-      </p:pic>
       <p:sp>
         <p:nvSpPr>
           <p:cNvPr id="560298767" name="Slide Number Placeholder 5"/>
@@ -8774,6 +8740,47 @@
           </a:p>
         </p:txBody>
       </p:sp>
+      <p:pic>
+        <p:nvPicPr>
+          <p:cNvPr id="7" name="Content Placeholder 6">
+            <a:extLst>
+              <a:ext uri="{FF2B5EF4-FFF2-40B4-BE49-F238E27FC236}">
+                <a16:creationId xmlns:a16="http://schemas.microsoft.com/office/drawing/2014/main" id="{68CDFE8E-66F5-459B-BA87-33D7A0937133}"/>
+              </a:ext>
+            </a:extLst>
+          </p:cNvPr>
+          <p:cNvPicPr>
+            <a:picLocks noGrp="1" noChangeAspect="1"/>
+          </p:cNvPicPr>
+          <p:nvPr>
+            <p:ph idx="1"/>
+          </p:nvPr>
+        </p:nvPicPr>
+        <p:blipFill>
+          <a:blip r:embed="rId3">
+            <a:extLst>
+              <a:ext uri="{28A0092B-C50C-407E-A947-70E740481C1C}">
+                <a14:useLocalDpi xmlns:a14="http://schemas.microsoft.com/office/drawing/2010/main" val="0"/>
+              </a:ext>
+            </a:extLst>
+          </a:blip>
+          <a:stretch>
+            <a:fillRect/>
+          </a:stretch>
+        </p:blipFill>
+        <p:spPr>
+          <a:xfrm>
+            <a:off x="2205336" y="720000"/>
+            <a:ext cx="7776864" cy="5757870"/>
+          </a:xfrm>
+          <a:noFill/>
+          <a:ln w="12700">
+            <a:solidFill>
+              <a:schemeClr val="tx1"/>
+            </a:solidFill>
+          </a:ln>
+        </p:spPr>
+      </p:pic>
     </p:spTree>
   </p:cSld>
   <p:clrMapOvr>
@@ -10403,6 +10410,20 @@
               </a:rPr>
               <a:t>Разработка настольного приложения для расчета маршрута сельскохозяйственного дрона по имеющимся характеристикам</a:t>
             </a:r>
+            <a:endParaRPr lang="en-US" dirty="0">
+              <a:latin typeface="Times New Roman"/>
+              <a:cs typeface="Times New Roman"/>
+            </a:endParaRPr>
+          </a:p>
+          <a:p>
+            <a:pPr marL="0" indent="0">
+              <a:buNone/>
+              <a:defRPr/>
+            </a:pPr>
+            <a:endParaRPr lang="ru-RU" dirty="0">
+              <a:latin typeface="Times New Roman"/>
+              <a:cs typeface="Times New Roman"/>
+            </a:endParaRPr>
           </a:p>
           <a:p>
             <a:pPr marL="0" indent="0">
@@ -10838,9 +10859,9 @@
             </a:endParaRPr>
           </a:p>
           <a:p>
-            <a:pPr marL="394023" indent="-394023">
-              <a:buFont typeface="Arial"/>
-              <a:buAutoNum type="arabicParenR"/>
+            <a:pPr marL="514350" indent="-514350">
+              <a:buFont typeface="+mj-lt"/>
+              <a:buAutoNum type="arabicPeriod"/>
               <a:defRPr/>
             </a:pPr>
             <a:r>
@@ -10863,9 +10884,9 @@
             </a:endParaRPr>
           </a:p>
           <a:p>
-            <a:pPr marL="394023" indent="-394023">
-              <a:buFont typeface="Arial"/>
-              <a:buAutoNum type="arabicParenR"/>
+            <a:pPr marL="514350" indent="-514350">
+              <a:buFont typeface="+mj-lt"/>
+              <a:buAutoNum type="arabicPeriod"/>
               <a:defRPr/>
             </a:pPr>
             <a:r>
@@ -10888,9 +10909,9 @@
             </a:endParaRPr>
           </a:p>
           <a:p>
-            <a:pPr marL="394023" indent="-394023">
-              <a:buFont typeface="Arial"/>
-              <a:buAutoNum type="arabicParenR"/>
+            <a:pPr marL="514350" indent="-514350">
+              <a:buFont typeface="+mj-lt"/>
+              <a:buAutoNum type="arabicPeriod"/>
               <a:defRPr/>
             </a:pPr>
             <a:r>
@@ -10913,9 +10934,9 @@
             </a:endParaRPr>
           </a:p>
           <a:p>
-            <a:pPr marL="394023" indent="-394023">
-              <a:buFont typeface="Arial"/>
-              <a:buAutoNum type="arabicParenR"/>
+            <a:pPr marL="514350" indent="-514350">
+              <a:buFont typeface="+mj-lt"/>
+              <a:buAutoNum type="arabicPeriod"/>
               <a:defRPr/>
             </a:pPr>
             <a:r>
@@ -11115,9 +11136,194 @@
         </p:spPr>
         <p:txBody>
           <a:bodyPr vertOverflow="overflow" horzOverflow="overflow" vert="horz" wrap="square" lIns="91440" tIns="45720" rIns="91440" bIns="45720" numCol="1" spcCol="0" rtlCol="0" fromWordArt="0" anchor="t" anchorCtr="0" forceAA="0" compatLnSpc="0">
-            <a:normAutofit/>
+            <a:normAutofit fontScale="92500" lnSpcReduction="20000"/>
           </a:bodyPr>
           <a:lstStyle/>
+          <a:p>
+            <a:pPr marL="457200" indent="-457200" algn="just">
+              <a:lnSpc>
+                <a:spcPct val="150000"/>
+              </a:lnSpc>
+              <a:buFont typeface="+mj-lt"/>
+              <a:buAutoNum type="arabicPeriod"/>
+              <a:defRPr/>
+            </a:pPr>
+            <a:r>
+              <a:rPr lang="en-US" sz="2600" dirty="0" err="1">
+                <a:latin typeface="Times New Roman" panose="02020603050405020304" pitchFamily="18" charset="0"/>
+                <a:ea typeface="Arial" panose="020B0604020202020204" pitchFamily="34" charset="0"/>
+              </a:rPr>
+              <a:t>Makarovskikh</a:t>
+            </a:r>
+            <a:r>
+              <a:rPr lang="en-US" sz="2600" dirty="0">
+                <a:latin typeface="Times New Roman" panose="02020603050405020304" pitchFamily="18" charset="0"/>
+                <a:ea typeface="Arial" panose="020B0604020202020204" pitchFamily="34" charset="0"/>
+              </a:rPr>
+              <a:t> T., </a:t>
+            </a:r>
+            <a:r>
+              <a:rPr lang="en-US" sz="2600" dirty="0" err="1">
+                <a:latin typeface="Times New Roman" panose="02020603050405020304" pitchFamily="18" charset="0"/>
+                <a:ea typeface="Arial" panose="020B0604020202020204" pitchFamily="34" charset="0"/>
+              </a:rPr>
+              <a:t>Panyukov</a:t>
+            </a:r>
+            <a:r>
+              <a:rPr lang="en-US" sz="2600" dirty="0">
+                <a:latin typeface="Times New Roman" panose="02020603050405020304" pitchFamily="18" charset="0"/>
+                <a:ea typeface="Arial" panose="020B0604020202020204" pitchFamily="34" charset="0"/>
+              </a:rPr>
+              <a:t> A., </a:t>
+            </a:r>
+            <a:r>
+              <a:rPr lang="en-US" sz="2600" dirty="0" err="1">
+                <a:latin typeface="Times New Roman" panose="02020603050405020304" pitchFamily="18" charset="0"/>
+                <a:ea typeface="Arial" panose="020B0604020202020204" pitchFamily="34" charset="0"/>
+              </a:rPr>
+              <a:t>Abotaleb</a:t>
+            </a:r>
+            <a:r>
+              <a:rPr lang="en-US" sz="2600" dirty="0">
+                <a:latin typeface="Times New Roman" panose="02020603050405020304" pitchFamily="18" charset="0"/>
+                <a:ea typeface="Arial" panose="020B0604020202020204" pitchFamily="34" charset="0"/>
+              </a:rPr>
+              <a:t> M., </a:t>
+            </a:r>
+            <a:r>
+              <a:rPr lang="en-US" sz="2600" dirty="0" err="1">
+                <a:latin typeface="Times New Roman" panose="02020603050405020304" pitchFamily="18" charset="0"/>
+                <a:ea typeface="Arial" panose="020B0604020202020204" pitchFamily="34" charset="0"/>
+              </a:rPr>
+              <a:t>Maksimova</a:t>
+            </a:r>
+            <a:r>
+              <a:rPr lang="en-US" sz="2600" dirty="0">
+                <a:latin typeface="Times New Roman" panose="02020603050405020304" pitchFamily="18" charset="0"/>
+                <a:ea typeface="Arial" panose="020B0604020202020204" pitchFamily="34" charset="0"/>
+              </a:rPr>
+              <a:t> V., </a:t>
+            </a:r>
+            <a:r>
+              <a:rPr lang="en-US" sz="2600" dirty="0" err="1">
+                <a:latin typeface="Times New Roman" panose="02020603050405020304" pitchFamily="18" charset="0"/>
+                <a:ea typeface="Arial" panose="020B0604020202020204" pitchFamily="34" charset="0"/>
+              </a:rPr>
+              <a:t>Dernova</a:t>
+            </a:r>
+            <a:r>
+              <a:rPr lang="en-US" sz="2600" dirty="0">
+                <a:latin typeface="Times New Roman" panose="02020603050405020304" pitchFamily="18" charset="0"/>
+                <a:ea typeface="Arial" panose="020B0604020202020204" pitchFamily="34" charset="0"/>
+              </a:rPr>
+              <a:t> O., </a:t>
+            </a:r>
+            <a:r>
+              <a:rPr lang="en-US" sz="2600" dirty="0" err="1">
+                <a:latin typeface="Times New Roman" panose="02020603050405020304" pitchFamily="18" charset="0"/>
+                <a:ea typeface="Arial" panose="020B0604020202020204" pitchFamily="34" charset="0"/>
+              </a:rPr>
+              <a:t>Raschupkin</a:t>
+            </a:r>
+            <a:r>
+              <a:rPr lang="en-US" sz="2600" dirty="0">
+                <a:latin typeface="Times New Roman" panose="02020603050405020304" pitchFamily="18" charset="0"/>
+                <a:ea typeface="Arial" panose="020B0604020202020204" pitchFamily="34" charset="0"/>
+              </a:rPr>
+              <a:t> E. Optimal Route for Drone for Monitoring of Crop Yields. // </a:t>
+            </a:r>
+            <a:r>
+              <a:rPr lang="en-US" sz="2600" dirty="0" err="1">
+                <a:latin typeface="Times New Roman" panose="02020603050405020304" pitchFamily="18" charset="0"/>
+                <a:ea typeface="Arial" panose="020B0604020202020204" pitchFamily="34" charset="0"/>
+              </a:rPr>
+              <a:t>Olenev</a:t>
+            </a:r>
+            <a:r>
+              <a:rPr lang="en-US" sz="2600" dirty="0">
+                <a:latin typeface="Times New Roman" panose="02020603050405020304" pitchFamily="18" charset="0"/>
+                <a:ea typeface="Arial" panose="020B0604020202020204" pitchFamily="34" charset="0"/>
+              </a:rPr>
+              <a:t> N., Evtushenko Y., </a:t>
+            </a:r>
+            <a:r>
+              <a:rPr lang="en-US" sz="2600" dirty="0" err="1">
+                <a:latin typeface="Times New Roman" panose="02020603050405020304" pitchFamily="18" charset="0"/>
+                <a:ea typeface="Arial" panose="020B0604020202020204" pitchFamily="34" charset="0"/>
+              </a:rPr>
+              <a:t>Jaćimović</a:t>
+            </a:r>
+            <a:r>
+              <a:rPr lang="en-US" sz="2600" dirty="0">
+                <a:latin typeface="Times New Roman" panose="02020603050405020304" pitchFamily="18" charset="0"/>
+                <a:ea typeface="Arial" panose="020B0604020202020204" pitchFamily="34" charset="0"/>
+              </a:rPr>
+              <a:t> M., </a:t>
+            </a:r>
+            <a:r>
+              <a:rPr lang="en-US" sz="2600" dirty="0" err="1">
+                <a:latin typeface="Times New Roman" panose="02020603050405020304" pitchFamily="18" charset="0"/>
+                <a:ea typeface="Arial" panose="020B0604020202020204" pitchFamily="34" charset="0"/>
+              </a:rPr>
+              <a:t>Khachay</a:t>
+            </a:r>
+            <a:r>
+              <a:rPr lang="en-US" sz="2600" dirty="0">
+                <a:latin typeface="Times New Roman" panose="02020603050405020304" pitchFamily="18" charset="0"/>
+                <a:ea typeface="Arial" panose="020B0604020202020204" pitchFamily="34" charset="0"/>
+              </a:rPr>
+              <a:t> M., </a:t>
+            </a:r>
+            <a:r>
+              <a:rPr lang="en-US" sz="2600" dirty="0" err="1">
+                <a:latin typeface="Times New Roman" panose="02020603050405020304" pitchFamily="18" charset="0"/>
+                <a:ea typeface="Arial" panose="020B0604020202020204" pitchFamily="34" charset="0"/>
+              </a:rPr>
+              <a:t>Malkova</a:t>
+            </a:r>
+            <a:r>
+              <a:rPr lang="en-US" sz="2600" dirty="0">
+                <a:latin typeface="Times New Roman" panose="02020603050405020304" pitchFamily="18" charset="0"/>
+                <a:ea typeface="Arial" panose="020B0604020202020204" pitchFamily="34" charset="0"/>
+              </a:rPr>
+              <a:t>, V. (eds) Advances in Optimization and Applications. OPTIMA 2023. Communications in Computer and Information Science, Springer, Cham, 2023. – №1913. – 228–240 pp. </a:t>
+            </a:r>
+            <a:endParaRPr lang="ru-RU" sz="2600" dirty="0">
+              <a:latin typeface="Times New Roman" panose="02020603050405020304" pitchFamily="18" charset="0"/>
+              <a:ea typeface="Arial" panose="020B0604020202020204" pitchFamily="34" charset="0"/>
+            </a:endParaRPr>
+          </a:p>
+          <a:p>
+            <a:pPr marL="457200" indent="-457200" algn="just">
+              <a:lnSpc>
+                <a:spcPct val="150000"/>
+              </a:lnSpc>
+              <a:buFont typeface="+mj-lt"/>
+              <a:buAutoNum type="arabicPeriod"/>
+              <a:defRPr/>
+            </a:pPr>
+            <a:r>
+              <a:rPr lang="ru-RU" sz="2600" dirty="0">
+                <a:latin typeface="Times New Roman" panose="02020603050405020304" pitchFamily="18" charset="0"/>
+                <a:ea typeface="Arial" panose="020B0604020202020204" pitchFamily="34" charset="0"/>
+              </a:rPr>
+              <a:t>Макаровских Т.А., Панюков А.В., Ращупкин Е.В., Максимова В.Н., </a:t>
+            </a:r>
+            <a:r>
+              <a:rPr lang="ru-RU" sz="2600" dirty="0" err="1">
+                <a:latin typeface="Times New Roman" panose="02020603050405020304" pitchFamily="18" charset="0"/>
+                <a:ea typeface="Arial" panose="020B0604020202020204" pitchFamily="34" charset="0"/>
+              </a:rPr>
+              <a:t>Дернова</a:t>
+            </a:r>
+            <a:r>
+              <a:rPr lang="ru-RU" sz="2600" dirty="0">
+                <a:latin typeface="Times New Roman" panose="02020603050405020304" pitchFamily="18" charset="0"/>
+                <a:ea typeface="Arial" panose="020B0604020202020204" pitchFamily="34" charset="0"/>
+              </a:rPr>
+              <a:t> О.А. Построение маршрута дрона для мониторинга урожайности сельскохозяйственных культур // Приборы (принята к публикации)</a:t>
+            </a:r>
+          </a:p>
           <a:p>
             <a:pPr marL="0" indent="0" algn="just">
               <a:lnSpc>
@@ -11126,153 +11332,7 @@
               <a:buNone/>
               <a:defRPr/>
             </a:pPr>
-            <a:r>
-              <a:rPr lang="en-US" dirty="0" err="1">
-                <a:latin typeface="Times New Roman" panose="02020603050405020304" pitchFamily="18" charset="0"/>
-                <a:ea typeface="Arial" panose="020B0604020202020204" pitchFamily="34" charset="0"/>
-              </a:rPr>
-              <a:t>Makarovskikh</a:t>
-            </a:r>
-            <a:r>
-              <a:rPr lang="en-US" dirty="0">
-                <a:latin typeface="Times New Roman" panose="02020603050405020304" pitchFamily="18" charset="0"/>
-                <a:ea typeface="Arial" panose="020B0604020202020204" pitchFamily="34" charset="0"/>
-              </a:rPr>
-              <a:t> T., </a:t>
-            </a:r>
-            <a:r>
-              <a:rPr lang="en-US" dirty="0" err="1">
-                <a:latin typeface="Times New Roman" panose="02020603050405020304" pitchFamily="18" charset="0"/>
-                <a:ea typeface="Arial" panose="020B0604020202020204" pitchFamily="34" charset="0"/>
-              </a:rPr>
-              <a:t>Panyukov</a:t>
-            </a:r>
-            <a:r>
-              <a:rPr lang="en-US" dirty="0">
-                <a:latin typeface="Times New Roman" panose="02020603050405020304" pitchFamily="18" charset="0"/>
-                <a:ea typeface="Arial" panose="020B0604020202020204" pitchFamily="34" charset="0"/>
-              </a:rPr>
-              <a:t> A., </a:t>
-            </a:r>
-            <a:r>
-              <a:rPr lang="en-US" dirty="0" err="1">
-                <a:latin typeface="Times New Roman" panose="02020603050405020304" pitchFamily="18" charset="0"/>
-                <a:ea typeface="Arial" panose="020B0604020202020204" pitchFamily="34" charset="0"/>
-              </a:rPr>
-              <a:t>Abotaleb</a:t>
-            </a:r>
-            <a:r>
-              <a:rPr lang="en-US" dirty="0">
-                <a:latin typeface="Times New Roman" panose="02020603050405020304" pitchFamily="18" charset="0"/>
-                <a:ea typeface="Arial" panose="020B0604020202020204" pitchFamily="34" charset="0"/>
-              </a:rPr>
-              <a:t> M., </a:t>
-            </a:r>
-            <a:r>
-              <a:rPr lang="en-US" dirty="0" err="1">
-                <a:latin typeface="Times New Roman" panose="02020603050405020304" pitchFamily="18" charset="0"/>
-                <a:ea typeface="Arial" panose="020B0604020202020204" pitchFamily="34" charset="0"/>
-              </a:rPr>
-              <a:t>Maksimova</a:t>
-            </a:r>
-            <a:r>
-              <a:rPr lang="en-US" dirty="0">
-                <a:latin typeface="Times New Roman" panose="02020603050405020304" pitchFamily="18" charset="0"/>
-                <a:ea typeface="Arial" panose="020B0604020202020204" pitchFamily="34" charset="0"/>
-              </a:rPr>
-              <a:t> V., </a:t>
-            </a:r>
-            <a:r>
-              <a:rPr lang="en-US" dirty="0" err="1">
-                <a:latin typeface="Times New Roman" panose="02020603050405020304" pitchFamily="18" charset="0"/>
-                <a:ea typeface="Arial" panose="020B0604020202020204" pitchFamily="34" charset="0"/>
-              </a:rPr>
-              <a:t>Dernova</a:t>
-            </a:r>
-            <a:r>
-              <a:rPr lang="en-US" dirty="0">
-                <a:latin typeface="Times New Roman" panose="02020603050405020304" pitchFamily="18" charset="0"/>
-                <a:ea typeface="Arial" panose="020B0604020202020204" pitchFamily="34" charset="0"/>
-              </a:rPr>
-              <a:t> O., </a:t>
-            </a:r>
-            <a:r>
-              <a:rPr lang="en-US" dirty="0" err="1">
-                <a:latin typeface="Times New Roman" panose="02020603050405020304" pitchFamily="18" charset="0"/>
-                <a:ea typeface="Arial" panose="020B0604020202020204" pitchFamily="34" charset="0"/>
-              </a:rPr>
-              <a:t>Raschupkin</a:t>
-            </a:r>
-            <a:r>
-              <a:rPr lang="en-US" dirty="0">
-                <a:latin typeface="Times New Roman" panose="02020603050405020304" pitchFamily="18" charset="0"/>
-                <a:ea typeface="Arial" panose="020B0604020202020204" pitchFamily="34" charset="0"/>
-              </a:rPr>
-              <a:t> E. Optimal Route for Drone for Monitoring of Crop Yields. // </a:t>
-            </a:r>
-            <a:r>
-              <a:rPr lang="en-US" dirty="0" err="1">
-                <a:latin typeface="Times New Roman" panose="02020603050405020304" pitchFamily="18" charset="0"/>
-                <a:ea typeface="Arial" panose="020B0604020202020204" pitchFamily="34" charset="0"/>
-              </a:rPr>
-              <a:t>Olenev</a:t>
-            </a:r>
-            <a:r>
-              <a:rPr lang="en-US" dirty="0">
-                <a:latin typeface="Times New Roman" panose="02020603050405020304" pitchFamily="18" charset="0"/>
-                <a:ea typeface="Arial" panose="020B0604020202020204" pitchFamily="34" charset="0"/>
-              </a:rPr>
-              <a:t> N., Evtushenko Y., </a:t>
-            </a:r>
-            <a:r>
-              <a:rPr lang="en-US" dirty="0" err="1">
-                <a:latin typeface="Times New Roman" panose="02020603050405020304" pitchFamily="18" charset="0"/>
-                <a:ea typeface="Arial" panose="020B0604020202020204" pitchFamily="34" charset="0"/>
-              </a:rPr>
-              <a:t>Jaćimović</a:t>
-            </a:r>
-            <a:r>
-              <a:rPr lang="en-US" dirty="0">
-                <a:latin typeface="Times New Roman" panose="02020603050405020304" pitchFamily="18" charset="0"/>
-                <a:ea typeface="Arial" panose="020B0604020202020204" pitchFamily="34" charset="0"/>
-              </a:rPr>
-              <a:t> M., </a:t>
-            </a:r>
-            <a:br>
-              <a:rPr lang="ru-RU" dirty="0">
-                <a:latin typeface="Times New Roman" panose="02020603050405020304" pitchFamily="18" charset="0"/>
-                <a:ea typeface="Arial" panose="020B0604020202020204" pitchFamily="34" charset="0"/>
-              </a:rPr>
-            </a:br>
-            <a:r>
-              <a:rPr lang="en-US" dirty="0" err="1">
-                <a:latin typeface="Times New Roman" panose="02020603050405020304" pitchFamily="18" charset="0"/>
-                <a:ea typeface="Arial" panose="020B0604020202020204" pitchFamily="34" charset="0"/>
-              </a:rPr>
-              <a:t>Khachay</a:t>
-            </a:r>
-            <a:r>
-              <a:rPr lang="en-US" dirty="0">
-                <a:latin typeface="Times New Roman" panose="02020603050405020304" pitchFamily="18" charset="0"/>
-                <a:ea typeface="Arial" panose="020B0604020202020204" pitchFamily="34" charset="0"/>
-              </a:rPr>
-              <a:t> M., </a:t>
-            </a:r>
-            <a:r>
-              <a:rPr lang="en-US" dirty="0" err="1">
-                <a:latin typeface="Times New Roman" panose="02020603050405020304" pitchFamily="18" charset="0"/>
-                <a:ea typeface="Arial" panose="020B0604020202020204" pitchFamily="34" charset="0"/>
-              </a:rPr>
-              <a:t>Malkova</a:t>
-            </a:r>
-            <a:r>
-              <a:rPr lang="en-US" dirty="0">
-                <a:latin typeface="Times New Roman" panose="02020603050405020304" pitchFamily="18" charset="0"/>
-                <a:ea typeface="Arial" panose="020B0604020202020204" pitchFamily="34" charset="0"/>
-              </a:rPr>
-              <a:t>, V. (eds) Advances in Optimization and Applications. OPTIMA 2023. Communications in Computer and Information Science, Springer, Cham, 2023. – №1913. – 228–240 pp. </a:t>
-            </a:r>
-            <a:endParaRPr lang="ru-RU" sz="4000" dirty="0">
+            <a:endParaRPr lang="ru-RU" sz="3200" dirty="0">
               <a:latin typeface="Times New Roman"/>
               <a:ea typeface="Times New Roman"/>
               <a:cs typeface="Times New Roman"/>
@@ -12489,19 +12549,42 @@
               <a:defRPr/>
             </a:pPr>
             <a:r>
-              <a:rPr lang="ru-RU" sz="2600" dirty="0">
-                <a:latin typeface="Times New Roman"/>
-                <a:cs typeface="Times New Roman"/>
-              </a:rPr>
-              <a:t>Актуальность данной работы обусловлена растущим интересом к применению беспилотных летательных аппаратов (БПЛА) в сельском хозяйстве и необходимостью развития точного земледелия. В частности, дроны используются для мониторинга урожая и создания точных карт полей, что является ключевым сегментом "умного сельского хозяйства".</a:t>
-            </a:r>
-            <a:r>
-              <a:rPr lang="en-US" sz="2600" dirty="0">
-                <a:latin typeface="Times New Roman"/>
-                <a:cs typeface="Times New Roman"/>
-              </a:rPr>
-              <a:t> </a:t>
-            </a:r>
+              <a:rPr lang="ru-RU" b="1" dirty="0">
+                <a:latin typeface="Times New Roman"/>
+                <a:cs typeface="Times New Roman"/>
+              </a:rPr>
+              <a:t>Актуальность</a:t>
+            </a:r>
+            <a:r>
+              <a:rPr lang="en-US" b="1" dirty="0">
+                <a:latin typeface="Times New Roman"/>
+                <a:cs typeface="Times New Roman"/>
+              </a:rPr>
+              <a:t>:</a:t>
+            </a:r>
+          </a:p>
+          <a:p>
+            <a:pPr marL="0" indent="0" algn="just">
+              <a:buNone/>
+              <a:defRPr/>
+            </a:pPr>
+            <a:r>
+              <a:rPr lang="ru-RU" dirty="0">
+                <a:latin typeface="Times New Roman"/>
+                <a:cs typeface="Times New Roman"/>
+              </a:rPr>
+              <a:t>Растет интерес к применению БПЛА в сельском хозяйстве при ведении точного земледелия. Дроны используются для мониторинга урожая и создания точных карт полей.</a:t>
+            </a:r>
+            <a:endParaRPr lang="en-US" dirty="0">
+              <a:latin typeface="Times New Roman"/>
+              <a:cs typeface="Times New Roman"/>
+            </a:endParaRPr>
+          </a:p>
+          <a:p>
+            <a:pPr marL="0" indent="0" algn="just">
+              <a:buNone/>
+              <a:defRPr/>
+            </a:pPr>
             <a:endParaRPr sz="2600" dirty="0">
               <a:latin typeface="Times New Roman"/>
               <a:cs typeface="Times New Roman"/>
@@ -12513,13 +12596,13 @@
               <a:defRPr/>
             </a:pPr>
             <a:r>
-              <a:rPr lang="ru-RU" sz="2600" dirty="0">
+              <a:rPr lang="ru-RU" b="1" dirty="0">
                 <a:latin typeface="Times New Roman"/>
                 <a:cs typeface="Times New Roman"/>
               </a:rPr>
               <a:t>Преимущества:</a:t>
             </a:r>
-            <a:endParaRPr sz="2600" dirty="0">
+            <a:endParaRPr b="1" dirty="0">
               <a:latin typeface="Times New Roman"/>
               <a:cs typeface="Times New Roman"/>
             </a:endParaRPr>
@@ -12531,20 +12614,20 @@
               <a:defRPr/>
             </a:pPr>
             <a:r>
-              <a:rPr lang="ru-RU" sz="2600" dirty="0">
+              <a:rPr lang="ru-RU" dirty="0">
                 <a:latin typeface="Times New Roman"/>
                 <a:cs typeface="Times New Roman"/>
               </a:rPr>
               <a:t>повышении эффективности использования БПЛА</a:t>
             </a:r>
             <a:r>
-              <a:rPr lang="en-US" sz="2600" dirty="0">
+              <a:rPr lang="en-US" dirty="0">
                 <a:latin typeface="Times New Roman"/>
                 <a:cs typeface="Times New Roman"/>
               </a:rPr>
               <a:t>;</a:t>
             </a:r>
-            <a:endParaRPr sz="2600" dirty="0">
+            <a:endParaRPr dirty="0">
               <a:latin typeface="Times New Roman"/>
               <a:cs typeface="Times New Roman"/>
             </a:endParaRPr>
@@ -12556,7 +12639,7 @@
               <a:defRPr/>
             </a:pPr>
             <a:r>
-              <a:rPr lang="ru-RU" sz="2600" dirty="0">
+              <a:rPr lang="ru-RU" dirty="0">
                 <a:latin typeface="Times New Roman"/>
                 <a:ea typeface="Times New Roman"/>
                 <a:cs typeface="Times New Roman"/>
@@ -12564,13 +12647,13 @@
               <a:t>сокращение затраты на выезд специалистов</a:t>
             </a:r>
             <a:r>
-              <a:rPr lang="en-US" sz="2600" dirty="0">
+              <a:rPr lang="en-US" dirty="0">
                 <a:latin typeface="Times New Roman"/>
                 <a:cs typeface="Times New Roman"/>
               </a:rPr>
               <a:t>;</a:t>
             </a:r>
-            <a:endParaRPr sz="2600" dirty="0">
+            <a:endParaRPr dirty="0">
               <a:latin typeface="Times New Roman"/>
               <a:cs typeface="Times New Roman"/>
             </a:endParaRPr>
@@ -12582,20 +12665,20 @@
               <a:defRPr/>
             </a:pPr>
             <a:r>
-              <a:rPr lang="ru-RU" sz="2600" dirty="0">
+              <a:rPr lang="ru-RU" dirty="0">
                 <a:latin typeface="Times New Roman"/>
                 <a:cs typeface="Times New Roman"/>
               </a:rPr>
               <a:t>скорость и точность предварительной оценки затрат на выезд специалистов</a:t>
             </a:r>
             <a:r>
-              <a:rPr lang="en-US" sz="2600" dirty="0">
+              <a:rPr lang="en-US" dirty="0">
                 <a:latin typeface="Times New Roman"/>
                 <a:cs typeface="Times New Roman"/>
               </a:rPr>
               <a:t>.</a:t>
             </a:r>
-            <a:endParaRPr sz="2600" dirty="0">
+            <a:endParaRPr dirty="0">
               <a:latin typeface="Times New Roman"/>
               <a:cs typeface="Times New Roman"/>
             </a:endParaRPr>
@@ -12740,7 +12823,7 @@
           <p:nvPr>
             <p:extLst>
               <p:ext uri="{D42A27DB-BD31-4B8C-83A1-F6EECF244321}">
-                <p14:modId xmlns:p14="http://schemas.microsoft.com/office/powerpoint/2010/main" val="1579505505"/>
+                <p14:modId xmlns:p14="http://schemas.microsoft.com/office/powerpoint/2010/main" val="1386864367"/>
               </p:ext>
             </p:extLst>
           </p:nvPr>
@@ -13262,13 +13345,41 @@
                         <a:defRPr/>
                       </a:pPr>
                       <a:r>
-                        <a:rPr sz="1600">
+                        <a:rPr sz="1600" dirty="0" err="1">
                           <a:latin typeface="Times New Roman"/>
                           <a:cs typeface="Times New Roman"/>
                         </a:rPr>
-                        <a:t>Управление полетом дрона</a:t>
+                        <a:t>Управление</a:t>
                       </a:r>
-                      <a:endParaRPr sz="2400">
+                      <a:r>
+                        <a:rPr sz="1600" dirty="0">
+                          <a:latin typeface="Times New Roman"/>
+                          <a:cs typeface="Times New Roman"/>
+                        </a:rPr>
+                        <a:t> </a:t>
+                      </a:r>
+                      <a:r>
+                        <a:rPr sz="1600" dirty="0" err="1">
+                          <a:latin typeface="Times New Roman"/>
+                          <a:cs typeface="Times New Roman"/>
+                        </a:rPr>
+                        <a:t>полетом</a:t>
+                      </a:r>
+                      <a:r>
+                        <a:rPr sz="1600" dirty="0">
+                          <a:latin typeface="Times New Roman"/>
+                          <a:cs typeface="Times New Roman"/>
+                        </a:rPr>
+                        <a:t> </a:t>
+                      </a:r>
+                      <a:r>
+                        <a:rPr sz="1600" dirty="0" err="1">
+                          <a:latin typeface="Times New Roman"/>
+                          <a:cs typeface="Times New Roman"/>
+                        </a:rPr>
+                        <a:t>дрона</a:t>
+                      </a:r>
+                      <a:endParaRPr sz="2400" dirty="0">
                         <a:latin typeface="Times New Roman"/>
                         <a:cs typeface="Times New Roman"/>
                       </a:endParaRPr>
@@ -13857,13 +13968,13 @@
                         <a:defRPr/>
                       </a:pPr>
                       <a:r>
-                        <a:rPr sz="1600">
+                        <a:rPr sz="1600" dirty="0" err="1">
                           <a:latin typeface="Times New Roman"/>
                           <a:cs typeface="Times New Roman"/>
                         </a:rPr>
                         <a:t>Да</a:t>
                       </a:r>
-                      <a:endParaRPr sz="2400">
+                      <a:endParaRPr sz="2400" dirty="0">
                         <a:latin typeface="Times New Roman"/>
                         <a:cs typeface="Times New Roman"/>
                       </a:endParaRPr>
@@ -15098,7 +15209,7 @@
           <p:cNvPicPr/>
           <p:nvPr/>
         </p:nvPicPr>
-        <p:blipFill>
+        <p:blipFill rotWithShape="1">
           <a:blip r:embed="rId3">
             <a:extLst>
               <a:ext uri="{28A0092B-C50C-407E-A947-70E740481C1C}">
@@ -15106,14 +15217,13 @@
               </a:ext>
             </a:extLst>
           </a:blip>
-          <a:stretch>
-            <a:fillRect/>
-          </a:stretch>
+          <a:srcRect l="619" t="587" r="431" b="185"/>
+          <a:stretch/>
         </p:blipFill>
         <p:spPr>
           <a:xfrm>
-            <a:off x="2912544" y="576012"/>
-            <a:ext cx="6366917" cy="6131444"/>
+            <a:off x="2952000" y="612000"/>
+            <a:ext cx="6300000" cy="6084000"/>
           </a:xfrm>
           <a:prstGeom prst="rect">
             <a:avLst/>
@@ -15232,7 +15342,7 @@
             <p:ph idx="1"/>
           </p:nvPr>
         </p:nvPicPr>
-        <p:blipFill>
+        <p:blipFill rotWithShape="1">
           <a:blip r:embed="rId3">
             <a:extLst>
               <a:ext uri="{28A0092B-C50C-407E-A947-70E740481C1C}">
@@ -15240,14 +15350,13 @@
               </a:ext>
             </a:extLst>
           </a:blip>
-          <a:stretch>
-            <a:fillRect/>
-          </a:stretch>
+          <a:srcRect l="411" t="6756" r="305" b="1006"/>
+          <a:stretch/>
         </p:blipFill>
         <p:spPr>
           <a:xfrm>
-            <a:off x="566405" y="736109"/>
-            <a:ext cx="11059190" cy="5620244"/>
+            <a:off x="612000" y="1116000"/>
+            <a:ext cx="10980000" cy="5184000"/>
           </a:xfrm>
           <a:prstGeom prst="rect">
             <a:avLst/>
@@ -15799,6 +15908,42 @@
           </a:p>
         </p:txBody>
       </p:sp>
+      <p:pic>
+        <p:nvPicPr>
+          <p:cNvPr id="12" name="Picture 11">
+            <a:extLst>
+              <a:ext uri="{FF2B5EF4-FFF2-40B4-BE49-F238E27FC236}">
+                <a16:creationId xmlns:a16="http://schemas.microsoft.com/office/drawing/2014/main" id="{88A5D70B-E1F6-409D-B50C-504F2326E4DD}"/>
+              </a:ext>
+            </a:extLst>
+          </p:cNvPr>
+          <p:cNvPicPr>
+            <a:picLocks noChangeAspect="1"/>
+          </p:cNvPicPr>
+          <p:nvPr/>
+        </p:nvPicPr>
+        <p:blipFill>
+          <a:blip r:embed="rId3">
+            <a:extLst>
+              <a:ext uri="{28A0092B-C50C-407E-A947-70E740481C1C}">
+                <a14:useLocalDpi xmlns:a14="http://schemas.microsoft.com/office/drawing/2010/main" val="0"/>
+              </a:ext>
+            </a:extLst>
+          </a:blip>
+          <a:stretch>
+            <a:fillRect/>
+          </a:stretch>
+        </p:blipFill>
+        <p:spPr>
+          <a:xfrm>
+            <a:off x="8438801" y="899392"/>
+            <a:ext cx="3753199" cy="3753199"/>
+          </a:xfrm>
+          <a:prstGeom prst="rect">
+            <a:avLst/>
+          </a:prstGeom>
+        </p:spPr>
+      </p:pic>
     </p:spTree>
   </p:cSld>
   <p:clrMapOvr>

--- a/doc/GQW/Raschupkin_EV_UAV_Route_Planning.pptx
+++ b/doc/GQW/Raschupkin_EV_UAV_Route_Planning.pptx
@@ -9,8 +9,8 @@
   </p:notesMasterIdLst>
   <p:sldIdLst>
     <p:sldId id="256" r:id="rId2"/>
-    <p:sldId id="257" r:id="rId3"/>
-    <p:sldId id="258" r:id="rId4"/>
+    <p:sldId id="258" r:id="rId3"/>
+    <p:sldId id="257" r:id="rId4"/>
     <p:sldId id="259" r:id="rId5"/>
     <p:sldId id="260" r:id="rId6"/>
     <p:sldId id="261" r:id="rId7"/>
@@ -245,7 +245,7 @@
           <a:p>
             <a:fld id="{017DE71F-3CDD-4F9E-A351-8E9DDE9F4932}" type="datetimeFigureOut">
               <a:rPr lang="en-US" smtClean="0"/>
-              <a:t>2024-06-04</a:t>
+              <a:t>2024-06-11</a:t>
             </a:fld>
             <a:endParaRPr lang="en-US"/>
           </a:p>
@@ -1752,154 +1752,75 @@
           <a:bodyPr/>
           <a:lstStyle/>
           <a:p>
-            <a:pPr marL="0" marR="0" lvl="0" indent="0" algn="l" defTabSz="914400" rtl="0" eaLnBrk="1" fontAlgn="auto" latinLnBrk="0" hangingPunct="1">
-              <a:lnSpc>
-                <a:spcPct val="100000"/>
-              </a:lnSpc>
-              <a:spcBef>
-                <a:spcPts val="0"/>
-              </a:spcBef>
-              <a:spcAft>
-                <a:spcPts val="0"/>
-              </a:spcAft>
-              <a:buClrTx/>
-              <a:buSzTx/>
-              <a:buFontTx/>
-              <a:buNone/>
-              <a:tabLst/>
-              <a:defRPr/>
-            </a:pPr>
             <a:r>
               <a:rPr lang="ru-RU" dirty="0"/>
-              <a:t>Целью работы является </a:t>
-            </a:r>
-            <a:r>
-              <a:rPr lang="en-US" dirty="0"/>
-              <a:t>“</a:t>
-            </a:r>
-            <a:r>
-              <a:rPr lang="ru-RU" dirty="0">
-                <a:latin typeface="Times New Roman"/>
-                <a:cs typeface="Times New Roman"/>
-              </a:rPr>
-              <a:t>Разработка настольного приложения для расчета маршрута сельскохозяйственного дрона по имеющимся характеристикам</a:t>
-            </a:r>
-            <a:r>
-              <a:rPr lang="en-US" dirty="0"/>
-              <a:t>”</a:t>
+              <a:t>Актуальность данной работы обусловлена </a:t>
+            </a:r>
+            <a:r>
+              <a:rPr lang="ru-RU" sz="1200" dirty="0">
+                <a:latin typeface="Times New Roman"/>
+                <a:cs typeface="Times New Roman"/>
+              </a:rPr>
+              <a:t>растущим интересом к применению беспилотных летательных аппаратов в сельском хозяйстве. В частности, дроны используются для мониторинга урожая за счет съемки полей.</a:t>
             </a:r>
             <a:br>
-              <a:rPr lang="en-US" dirty="0"/>
+              <a:rPr lang="ru-RU" sz="1200" dirty="0">
+                <a:latin typeface="Times New Roman"/>
+                <a:cs typeface="Times New Roman"/>
+              </a:rPr>
             </a:br>
             <a:r>
-              <a:rPr lang="ru-RU" dirty="0"/>
-              <a:t>Для достижения данной цели, необходимо выполнить следующие задачи</a:t>
-            </a:r>
-            <a:r>
-              <a:rPr lang="en-US" dirty="0"/>
+              <a:rPr lang="ru-RU" sz="1200" dirty="0">
+                <a:latin typeface="Times New Roman"/>
+                <a:cs typeface="Times New Roman"/>
+              </a:rPr>
+              <a:t>Мое приложение позволит</a:t>
+            </a:r>
+            <a:r>
+              <a:rPr lang="en-US" sz="1200" dirty="0">
+                <a:latin typeface="Times New Roman"/>
+                <a:cs typeface="Times New Roman"/>
+              </a:rPr>
               <a:t>:</a:t>
             </a:r>
-            <a:r>
-              <a:rPr lang="ru-RU" dirty="0"/>
-              <a:t> </a:t>
-            </a:r>
-            <a:r>
-              <a:rPr lang="en-US" dirty="0"/>
-              <a:t>“</a:t>
-            </a:r>
-          </a:p>
-          <a:p>
-            <a:pPr marL="394022" indent="-394022">
-              <a:buFont typeface="Arial"/>
-              <a:buAutoNum type="arabicPeriod"/>
-              <a:defRPr/>
-            </a:pPr>
-            <a:r>
-              <a:rPr lang="ru-RU" dirty="0">
-                <a:latin typeface="Times New Roman"/>
-                <a:cs typeface="Times New Roman"/>
-              </a:rPr>
-              <a:t>Выполнить анализ предметной области и произвести обзор существующих решений.</a:t>
-            </a:r>
-          </a:p>
-          <a:p>
-            <a:pPr marL="394022" indent="-394022">
-              <a:buFont typeface="Arial"/>
-              <a:buAutoNum type="arabicPeriod"/>
-              <a:defRPr/>
-            </a:pPr>
-            <a:r>
-              <a:rPr lang="ru-RU" dirty="0">
-                <a:latin typeface="Times New Roman"/>
-                <a:cs typeface="Times New Roman"/>
-              </a:rPr>
-              <a:t>Разработать базовую архитектуру приложения.</a:t>
-            </a:r>
-          </a:p>
-          <a:p>
-            <a:pPr marL="394022" indent="-394022">
-              <a:buFont typeface="Arial"/>
-              <a:buAutoNum type="arabicPeriod"/>
-              <a:defRPr/>
-            </a:pPr>
-            <a:r>
-              <a:rPr lang="ru-RU" dirty="0">
-                <a:latin typeface="Times New Roman"/>
-                <a:cs typeface="Times New Roman"/>
-              </a:rPr>
-              <a:t>Описать алгоритмы, использующиеся в системе.</a:t>
-            </a:r>
-          </a:p>
-          <a:p>
-            <a:pPr marL="394022" indent="-394022">
-              <a:buFont typeface="Arial"/>
-              <a:buAutoNum type="arabicPeriod"/>
-              <a:defRPr/>
-            </a:pPr>
-            <a:r>
-              <a:rPr lang="ru-RU" dirty="0">
-                <a:latin typeface="Times New Roman"/>
-                <a:cs typeface="Times New Roman"/>
-              </a:rPr>
-              <a:t>Выполнить реализацию приложения.</a:t>
-            </a:r>
-          </a:p>
-          <a:p>
-            <a:pPr marL="394022" indent="-394022">
-              <a:buFont typeface="Arial"/>
-              <a:buAutoNum type="arabicPeriod"/>
-              <a:defRPr/>
-            </a:pPr>
-            <a:r>
-              <a:rPr lang="ru-RU" dirty="0">
-                <a:latin typeface="Times New Roman"/>
-                <a:cs typeface="Times New Roman"/>
-              </a:rPr>
-              <a:t>Выполнить тестирование.</a:t>
-            </a:r>
-          </a:p>
-          <a:p>
-            <a:pPr marL="0" marR="0" lvl="0" indent="0" algn="l" defTabSz="914400" rtl="0" eaLnBrk="1" fontAlgn="auto" latinLnBrk="0" hangingPunct="1">
-              <a:lnSpc>
-                <a:spcPct val="100000"/>
-              </a:lnSpc>
-              <a:spcBef>
-                <a:spcPts val="0"/>
-              </a:spcBef>
-              <a:spcAft>
-                <a:spcPts val="0"/>
-              </a:spcAft>
-              <a:buClrTx/>
-              <a:buSzTx/>
-              <a:buFontTx/>
-              <a:buNone/>
-              <a:tabLst/>
-              <a:defRPr/>
-            </a:pPr>
-            <a:r>
-              <a:rPr lang="en-US" dirty="0"/>
-              <a:t>”</a:t>
-            </a:r>
+            <a:br>
+              <a:rPr lang="en-US" sz="1200" dirty="0">
+                <a:latin typeface="Times New Roman"/>
+                <a:cs typeface="Times New Roman"/>
+              </a:rPr>
+            </a:br>
+            <a:br>
+              <a:rPr lang="ru-RU" sz="1200" dirty="0">
+                <a:latin typeface="Times New Roman"/>
+                <a:cs typeface="Times New Roman"/>
+              </a:rPr>
+            </a:br>
+            <a:r>
+              <a:rPr lang="ru-RU" sz="1200" dirty="0">
+                <a:latin typeface="Times New Roman"/>
+                <a:cs typeface="Times New Roman"/>
+              </a:rPr>
+              <a:t>Повысить эффективность использования БПЛА </a:t>
+            </a:r>
+          </a:p>
+          <a:p>
+            <a:r>
+              <a:rPr lang="ru-RU" sz="1200" dirty="0">
+                <a:latin typeface="Times New Roman"/>
+                <a:cs typeface="Times New Roman"/>
+              </a:rPr>
+              <a:t>Сократить затраты на выезд специалистов</a:t>
+            </a:r>
+          </a:p>
+          <a:p>
+            <a:r>
+              <a:rPr lang="ru-RU" sz="1200" dirty="0">
+                <a:latin typeface="Times New Roman"/>
+                <a:cs typeface="Times New Roman"/>
+              </a:rPr>
+              <a:t>И увеличить скорость и точность предварительной оценки затрат на выезд</a:t>
+            </a:r>
+            <a:endParaRPr lang="en-US" dirty="0"/>
           </a:p>
         </p:txBody>
       </p:sp>
@@ -1929,7 +1850,7 @@
     </p:spTree>
     <p:extLst>
       <p:ext uri="{BB962C8B-B14F-4D97-AF65-F5344CB8AC3E}">
-        <p14:creationId xmlns:p14="http://schemas.microsoft.com/office/powerpoint/2010/main" val="2015019179"/>
+        <p14:creationId xmlns:p14="http://schemas.microsoft.com/office/powerpoint/2010/main" val="3120910197"/>
       </p:ext>
     </p:extLst>
   </p:cSld>
@@ -2459,75 +2380,154 @@
           <a:bodyPr/>
           <a:lstStyle/>
           <a:p>
+            <a:pPr marL="0" marR="0" lvl="0" indent="0" algn="l" defTabSz="914400" rtl="0" eaLnBrk="1" fontAlgn="auto" latinLnBrk="0" hangingPunct="1">
+              <a:lnSpc>
+                <a:spcPct val="100000"/>
+              </a:lnSpc>
+              <a:spcBef>
+                <a:spcPts val="0"/>
+              </a:spcBef>
+              <a:spcAft>
+                <a:spcPts val="0"/>
+              </a:spcAft>
+              <a:buClrTx/>
+              <a:buSzTx/>
+              <a:buFontTx/>
+              <a:buNone/>
+              <a:tabLst/>
+              <a:defRPr/>
+            </a:pPr>
             <a:r>
               <a:rPr lang="ru-RU" dirty="0"/>
-              <a:t>Актуальность данной работы обусловлена </a:t>
-            </a:r>
-            <a:r>
-              <a:rPr lang="ru-RU" sz="1200" dirty="0">
-                <a:latin typeface="Times New Roman"/>
-                <a:cs typeface="Times New Roman"/>
-              </a:rPr>
-              <a:t>растущим интересом к применению беспилотных летательных аппаратов в сельском хозяйстве. В частности, дроны используются для мониторинга урожая за счет съемки полей.</a:t>
+              <a:t>Целью работы является </a:t>
+            </a:r>
+            <a:r>
+              <a:rPr lang="en-US" dirty="0"/>
+              <a:t>“</a:t>
+            </a:r>
+            <a:r>
+              <a:rPr lang="ru-RU" dirty="0">
+                <a:latin typeface="Times New Roman"/>
+                <a:cs typeface="Times New Roman"/>
+              </a:rPr>
+              <a:t>Разработка настольного приложения для расчета маршрута сельскохозяйственного дрона по имеющимся характеристикам</a:t>
+            </a:r>
+            <a:r>
+              <a:rPr lang="en-US" dirty="0"/>
+              <a:t>”</a:t>
             </a:r>
             <a:br>
-              <a:rPr lang="ru-RU" sz="1200" dirty="0">
-                <a:latin typeface="Times New Roman"/>
-                <a:cs typeface="Times New Roman"/>
-              </a:rPr>
+              <a:rPr lang="en-US" dirty="0"/>
             </a:br>
             <a:r>
-              <a:rPr lang="ru-RU" sz="1200" dirty="0">
-                <a:latin typeface="Times New Roman"/>
-                <a:cs typeface="Times New Roman"/>
-              </a:rPr>
-              <a:t>Мое приложение позволит</a:t>
-            </a:r>
-            <a:r>
-              <a:rPr lang="en-US" sz="1200" dirty="0">
-                <a:latin typeface="Times New Roman"/>
-                <a:cs typeface="Times New Roman"/>
-              </a:rPr>
+              <a:rPr lang="ru-RU" dirty="0"/>
+              <a:t>Для достижения данной цели, необходимо выполнить следующие задачи</a:t>
+            </a:r>
+            <a:r>
+              <a:rPr lang="en-US" dirty="0"/>
               <a:t>:</a:t>
             </a:r>
-            <a:br>
-              <a:rPr lang="en-US" sz="1200" dirty="0">
-                <a:latin typeface="Times New Roman"/>
-                <a:cs typeface="Times New Roman"/>
-              </a:rPr>
-            </a:br>
-            <a:br>
-              <a:rPr lang="ru-RU" sz="1200" dirty="0">
-                <a:latin typeface="Times New Roman"/>
-                <a:cs typeface="Times New Roman"/>
-              </a:rPr>
-            </a:br>
-            <a:r>
-              <a:rPr lang="ru-RU" sz="1200" dirty="0">
-                <a:latin typeface="Times New Roman"/>
-                <a:cs typeface="Times New Roman"/>
-              </a:rPr>
-              <a:t>Повысить эффективность использования БПЛА </a:t>
-            </a:r>
-          </a:p>
-          <a:p>
-            <a:r>
-              <a:rPr lang="ru-RU" sz="1200" dirty="0">
-                <a:latin typeface="Times New Roman"/>
-                <a:cs typeface="Times New Roman"/>
-              </a:rPr>
-              <a:t>Сократить затраты на выезд специалистов</a:t>
-            </a:r>
-          </a:p>
-          <a:p>
-            <a:r>
-              <a:rPr lang="ru-RU" sz="1200" dirty="0">
-                <a:latin typeface="Times New Roman"/>
-                <a:cs typeface="Times New Roman"/>
-              </a:rPr>
-              <a:t>И увеличить скорость и точность предварительной оценки затрат на выезд</a:t>
-            </a:r>
-            <a:endParaRPr lang="en-US" dirty="0"/>
+            <a:r>
+              <a:rPr lang="ru-RU" dirty="0"/>
+              <a:t> </a:t>
+            </a:r>
+            <a:r>
+              <a:rPr lang="en-US" dirty="0"/>
+              <a:t>“</a:t>
+            </a:r>
+          </a:p>
+          <a:p>
+            <a:pPr marL="394022" indent="-394022">
+              <a:buFont typeface="Arial"/>
+              <a:buAutoNum type="arabicPeriod"/>
+              <a:defRPr/>
+            </a:pPr>
+            <a:r>
+              <a:rPr lang="ru-RU" dirty="0">
+                <a:latin typeface="Times New Roman"/>
+                <a:cs typeface="Times New Roman"/>
+              </a:rPr>
+              <a:t>Выполнить анализ предметной области и произвести обзор существующих решений.</a:t>
+            </a:r>
+          </a:p>
+          <a:p>
+            <a:pPr marL="394022" indent="-394022">
+              <a:buFont typeface="Arial"/>
+              <a:buAutoNum type="arabicPeriod"/>
+              <a:defRPr/>
+            </a:pPr>
+            <a:r>
+              <a:rPr lang="ru-RU" dirty="0">
+                <a:latin typeface="Times New Roman"/>
+                <a:cs typeface="Times New Roman"/>
+              </a:rPr>
+              <a:t>Разработать базовую архитектуру приложения.</a:t>
+            </a:r>
+          </a:p>
+          <a:p>
+            <a:pPr marL="394022" indent="-394022">
+              <a:buFont typeface="Arial"/>
+              <a:buAutoNum type="arabicPeriod"/>
+              <a:defRPr/>
+            </a:pPr>
+            <a:r>
+              <a:rPr lang="ru-RU" dirty="0">
+                <a:latin typeface="Times New Roman"/>
+                <a:cs typeface="Times New Roman"/>
+              </a:rPr>
+              <a:t>Описать алгоритмы, использующиеся в системе.</a:t>
+            </a:r>
+          </a:p>
+          <a:p>
+            <a:pPr marL="394022" indent="-394022">
+              <a:buFont typeface="Arial"/>
+              <a:buAutoNum type="arabicPeriod"/>
+              <a:defRPr/>
+            </a:pPr>
+            <a:r>
+              <a:rPr lang="ru-RU" dirty="0">
+                <a:latin typeface="Times New Roman"/>
+                <a:cs typeface="Times New Roman"/>
+              </a:rPr>
+              <a:t>Выполнить реализацию приложения.</a:t>
+            </a:r>
+          </a:p>
+          <a:p>
+            <a:pPr marL="394022" indent="-394022">
+              <a:buFont typeface="Arial"/>
+              <a:buAutoNum type="arabicPeriod"/>
+              <a:defRPr/>
+            </a:pPr>
+            <a:r>
+              <a:rPr lang="ru-RU" dirty="0">
+                <a:latin typeface="Times New Roman"/>
+                <a:cs typeface="Times New Roman"/>
+              </a:rPr>
+              <a:t>Выполнить тестирование.</a:t>
+            </a:r>
+          </a:p>
+          <a:p>
+            <a:pPr marL="0" marR="0" lvl="0" indent="0" algn="l" defTabSz="914400" rtl="0" eaLnBrk="1" fontAlgn="auto" latinLnBrk="0" hangingPunct="1">
+              <a:lnSpc>
+                <a:spcPct val="100000"/>
+              </a:lnSpc>
+              <a:spcBef>
+                <a:spcPts val="0"/>
+              </a:spcBef>
+              <a:spcAft>
+                <a:spcPts val="0"/>
+              </a:spcAft>
+              <a:buClrTx/>
+              <a:buSzTx/>
+              <a:buFontTx/>
+              <a:buNone/>
+              <a:tabLst/>
+              <a:defRPr/>
+            </a:pPr>
+            <a:r>
+              <a:rPr lang="en-US" dirty="0"/>
+              <a:t>”</a:t>
+            </a:r>
           </a:p>
         </p:txBody>
       </p:sp>
@@ -2557,7 +2557,7 @@
     </p:spTree>
     <p:extLst>
       <p:ext uri="{BB962C8B-B14F-4D97-AF65-F5344CB8AC3E}">
-        <p14:creationId xmlns:p14="http://schemas.microsoft.com/office/powerpoint/2010/main" val="3120910197"/>
+        <p14:creationId xmlns:p14="http://schemas.microsoft.com/office/powerpoint/2010/main" val="2015019179"/>
       </p:ext>
     </p:extLst>
   </p:cSld>
@@ -3466,7 +3466,7 @@
             </a:pPr>
             <a:fld id="{BCC18F51-09EC-435C-A3BA-64A766E099C0}" type="datetimeFigureOut">
               <a:rPr lang="en-US" smtClean="0"/>
-              <a:t>2024-06-04</a:t>
+              <a:t>2024-06-11</a:t>
             </a:fld>
             <a:endParaRPr lang="en-US"/>
           </a:p>
@@ -3657,7 +3657,7 @@
             </a:pPr>
             <a:fld id="{BCC18F51-09EC-435C-A3BA-64A766E099C0}" type="datetimeFigureOut">
               <a:rPr lang="en-US" smtClean="0"/>
-              <a:t>2024-06-04</a:t>
+              <a:t>2024-06-11</a:t>
             </a:fld>
             <a:endParaRPr lang="en-US"/>
           </a:p>
@@ -3858,7 +3858,7 @@
             </a:pPr>
             <a:fld id="{BCC18F51-09EC-435C-A3BA-64A766E099C0}" type="datetimeFigureOut">
               <a:rPr lang="en-US" smtClean="0"/>
-              <a:t>2024-06-04</a:t>
+              <a:t>2024-06-11</a:t>
             </a:fld>
             <a:endParaRPr lang="en-US"/>
           </a:p>
@@ -4049,7 +4049,7 @@
             </a:pPr>
             <a:fld id="{BCC18F51-09EC-435C-A3BA-64A766E099C0}" type="datetimeFigureOut">
               <a:rPr lang="en-US" smtClean="0"/>
-              <a:t>2024-06-04</a:t>
+              <a:t>2024-06-11</a:t>
             </a:fld>
             <a:endParaRPr lang="en-US"/>
           </a:p>
@@ -4306,7 +4306,7 @@
             </a:pPr>
             <a:fld id="{BCC18F51-09EC-435C-A3BA-64A766E099C0}" type="datetimeFigureOut">
               <a:rPr lang="en-US" smtClean="0"/>
-              <a:t>2024-06-04</a:t>
+              <a:t>2024-06-11</a:t>
             </a:fld>
             <a:endParaRPr lang="en-US"/>
           </a:p>
@@ -4572,7 +4572,7 @@
             </a:pPr>
             <a:fld id="{BCC18F51-09EC-435C-A3BA-64A766E099C0}" type="datetimeFigureOut">
               <a:rPr lang="en-US" smtClean="0"/>
-              <a:t>2024-06-04</a:t>
+              <a:t>2024-06-11</a:t>
             </a:fld>
             <a:endParaRPr lang="en-US"/>
           </a:p>
@@ -4979,7 +4979,7 @@
             </a:pPr>
             <a:fld id="{BCC18F51-09EC-435C-A3BA-64A766E099C0}" type="datetimeFigureOut">
               <a:rPr lang="en-US" smtClean="0"/>
-              <a:t>2024-06-04</a:t>
+              <a:t>2024-06-11</a:t>
             </a:fld>
             <a:endParaRPr lang="en-US"/>
           </a:p>
@@ -5105,7 +5105,7 @@
             </a:pPr>
             <a:fld id="{BCC18F51-09EC-435C-A3BA-64A766E099C0}" type="datetimeFigureOut">
               <a:rPr lang="en-US" smtClean="0"/>
-              <a:t>2024-06-04</a:t>
+              <a:t>2024-06-11</a:t>
             </a:fld>
             <a:endParaRPr lang="en-US"/>
           </a:p>
@@ -5206,7 +5206,7 @@
             </a:pPr>
             <a:fld id="{BCC18F51-09EC-435C-A3BA-64A766E099C0}" type="datetimeFigureOut">
               <a:rPr lang="en-US" smtClean="0"/>
-              <a:t>2024-06-04</a:t>
+              <a:t>2024-06-11</a:t>
             </a:fld>
             <a:endParaRPr lang="en-US"/>
           </a:p>
@@ -5507,7 +5507,7 @@
             </a:pPr>
             <a:fld id="{BCC18F51-09EC-435C-A3BA-64A766E099C0}" type="datetimeFigureOut">
               <a:rPr lang="en-US" smtClean="0"/>
-              <a:t>2024-06-04</a:t>
+              <a:t>2024-06-11</a:t>
             </a:fld>
             <a:endParaRPr lang="en-US"/>
           </a:p>
@@ -5777,7 +5777,7 @@
             </a:pPr>
             <a:fld id="{BCC18F51-09EC-435C-A3BA-64A766E099C0}" type="datetimeFigureOut">
               <a:rPr lang="en-US" smtClean="0"/>
-              <a:t>2024-06-04</a:t>
+              <a:t>2024-06-11</a:t>
             </a:fld>
             <a:endParaRPr lang="en-US"/>
           </a:p>
@@ -6011,7 +6011,7 @@
             </a:pPr>
             <a:fld id="{BCC18F51-09EC-435C-A3BA-64A766E099C0}" type="datetimeFigureOut">
               <a:rPr lang="en-US" smtClean="0"/>
-              <a:t>2024-06-04</a:t>
+              <a:t>2024-06-11</a:t>
             </a:fld>
             <a:endParaRPr lang="en-US"/>
           </a:p>
@@ -7842,7 +7842,7 @@
             <p:ph idx="1"/>
             <p:extLst>
               <p:ext uri="{D42A27DB-BD31-4B8C-83A1-F6EECF244321}">
-                <p14:modId xmlns:p14="http://schemas.microsoft.com/office/powerpoint/2010/main" val="2276459249"/>
+                <p14:modId xmlns:p14="http://schemas.microsoft.com/office/powerpoint/2010/main" val="993299586"/>
               </p:ext>
             </p:extLst>
           </p:nvPr>
@@ -8292,10 +8292,12 @@
                     <a:p>
                       <a:pPr algn="ctr"/>
                       <a:r>
-                        <a:rPr lang="ru-RU" sz="1600" dirty="0">
+                        <a:rPr lang="ru-RU" sz="2400" dirty="0">
                           <a:effectLst/>
+                          <a:latin typeface="Times New Roman" panose="02020603050405020304" pitchFamily="18" charset="0"/>
+                          <a:ea typeface="Arial" panose="020B0604020202020204" pitchFamily="34" charset="0"/>
                         </a:rPr>
-                        <a:t>Нет</a:t>
+                        <a:t>-</a:t>
                       </a:r>
                       <a:endParaRPr lang="en-US" sz="1400" dirty="0">
                         <a:effectLst/>
@@ -8689,7 +8691,7 @@
         </p:spPr>
         <p:txBody>
           <a:bodyPr vertOverflow="overflow" horzOverflow="overflow" vert="horz" wrap="square" lIns="91440" tIns="45720" rIns="91440" bIns="45720" numCol="1" spcCol="0" rtlCol="0" fromWordArt="0" anchor="ctr" anchorCtr="0" forceAA="0" compatLnSpc="0">
-            <a:normAutofit fontScale="90000"/>
+            <a:normAutofit/>
           </a:bodyPr>
           <a:lstStyle/>
           <a:p>
@@ -8701,7 +8703,21 @@
                 <a:latin typeface="Times New Roman"/>
                 <a:cs typeface="Times New Roman"/>
               </a:rPr>
-              <a:t>ВИЗУАЛИЗАЦИЯ РАБОТЫ АЛГОРИТМА ДИСКРЕТИЗАЦИИ</a:t>
+              <a:t>РАБОТ</a:t>
+            </a:r>
+            <a:r>
+              <a:rPr lang="ru-RU" sz="2800" b="1" dirty="0">
+                <a:latin typeface="Times New Roman"/>
+                <a:cs typeface="Times New Roman"/>
+              </a:rPr>
+              <a:t>А </a:t>
+            </a:r>
+            <a:r>
+              <a:rPr sz="2800" b="1" dirty="0">
+                <a:latin typeface="Times New Roman"/>
+                <a:cs typeface="Times New Roman"/>
+              </a:rPr>
+              <a:t>АЛГОРИТМА ДИСКРЕТИЗАЦИИ</a:t>
             </a:r>
           </a:p>
         </p:txBody>
@@ -8824,7 +8840,7 @@
         </p:spPr>
         <p:txBody>
           <a:bodyPr>
-            <a:normAutofit fontScale="90000"/>
+            <a:normAutofit/>
           </a:bodyPr>
           <a:lstStyle/>
           <a:p>
@@ -8836,7 +8852,7 @@
                 <a:latin typeface="Times New Roman"/>
                 <a:cs typeface="Times New Roman"/>
               </a:rPr>
-              <a:t>ВИЗУАЛИЗАЦИЯ РАБОТЫ </a:t>
+              <a:t>РАБОТА </a:t>
             </a:r>
             <a:r>
               <a:rPr sz="2800" b="1" dirty="0">
@@ -8859,12 +8875,6 @@
               </a:rPr>
               <a:t> </a:t>
             </a:r>
-            <a:br>
-              <a:rPr lang="ru-RU" sz="2800" b="1" dirty="0">
-                <a:latin typeface="Times New Roman"/>
-                <a:cs typeface="Times New Roman"/>
-              </a:rPr>
-            </a:br>
             <a:r>
               <a:rPr lang="ru-RU" sz="2800" b="1" dirty="0">
                 <a:latin typeface="Times New Roman"/>
@@ -8960,16 +8970,15 @@
           </p:cNvPicPr>
           <p:nvPr/>
         </p:nvPicPr>
-        <p:blipFill>
+        <p:blipFill rotWithShape="1">
           <a:blip r:embed="rId3"/>
-          <a:stretch>
-            <a:fillRect/>
-          </a:stretch>
+          <a:srcRect l="1414" r="22568"/>
+          <a:stretch/>
         </p:blipFill>
         <p:spPr>
           <a:xfrm>
-            <a:off x="1524000" y="684020"/>
-            <a:ext cx="9354111" cy="5650053"/>
+            <a:off x="551384" y="735149"/>
+            <a:ext cx="7224928" cy="5650053"/>
           </a:xfrm>
           <a:prstGeom prst="rect">
             <a:avLst/>
@@ -9024,7 +9033,7 @@
         </p:spPr>
         <p:txBody>
           <a:bodyPr>
-            <a:normAutofit fontScale="90000"/>
+            <a:normAutofit/>
           </a:bodyPr>
           <a:lstStyle/>
           <a:p>
@@ -9036,7 +9045,7 @@
                 <a:latin typeface="Times New Roman"/>
                 <a:cs typeface="Times New Roman"/>
               </a:rPr>
-              <a:t>ВИЗУАЛИЗАЦИЯ РАБОТЫ </a:t>
+              <a:t>РАБОТА </a:t>
             </a:r>
             <a:r>
               <a:rPr sz="2800" b="1" dirty="0">
@@ -9059,12 +9068,6 @@
               </a:rPr>
               <a:t> </a:t>
             </a:r>
-            <a:br>
-              <a:rPr lang="ru-RU" sz="2800" b="1" dirty="0">
-                <a:latin typeface="Times New Roman"/>
-                <a:cs typeface="Times New Roman"/>
-              </a:rPr>
-            </a:br>
             <a:r>
               <a:rPr lang="ru-RU" sz="2800" b="1" dirty="0">
                 <a:latin typeface="Times New Roman"/>
@@ -9195,7 +9198,7 @@
         </p:spPr>
         <p:txBody>
           <a:bodyPr>
-            <a:normAutofit fontScale="90000"/>
+            <a:normAutofit/>
           </a:bodyPr>
           <a:lstStyle/>
           <a:p>
@@ -9207,7 +9210,7 @@
                 <a:latin typeface="Times New Roman"/>
                 <a:cs typeface="Times New Roman"/>
               </a:rPr>
-              <a:t>ВИЗУАЛИЗАЦИЯ РАБОТЫ </a:t>
+              <a:t>РАБОТЫ </a:t>
             </a:r>
             <a:r>
               <a:rPr sz="2800" b="1" dirty="0">
@@ -9230,12 +9233,6 @@
               </a:rPr>
               <a:t> </a:t>
             </a:r>
-            <a:br>
-              <a:rPr lang="ru-RU" sz="2800" b="1" dirty="0">
-                <a:latin typeface="Times New Roman"/>
-                <a:cs typeface="Times New Roman"/>
-              </a:rPr>
-            </a:br>
             <a:r>
               <a:rPr lang="ru-RU" sz="2800" b="1" dirty="0">
                 <a:latin typeface="Times New Roman"/>
@@ -9612,7 +9609,7 @@
         </p:spPr>
         <p:txBody>
           <a:bodyPr>
-            <a:normAutofit fontScale="90000"/>
+            <a:normAutofit/>
           </a:bodyPr>
           <a:lstStyle/>
           <a:p>
@@ -9624,7 +9621,7 @@
                 <a:latin typeface="Times New Roman"/>
                 <a:cs typeface="Times New Roman"/>
               </a:rPr>
-              <a:t>ВИЗУАЛИЗАЦИЯ РАБОТЫ </a:t>
+              <a:t>РАБОТА </a:t>
             </a:r>
             <a:r>
               <a:rPr sz="2800" b="1" dirty="0">
@@ -9647,12 +9644,6 @@
               </a:rPr>
               <a:t> </a:t>
             </a:r>
-            <a:br>
-              <a:rPr lang="ru-RU" sz="2800" b="1" dirty="0">
-                <a:latin typeface="Times New Roman"/>
-                <a:cs typeface="Times New Roman"/>
-              </a:rPr>
-            </a:br>
             <a:r>
               <a:rPr lang="ru-RU" sz="2800" b="1" dirty="0">
                 <a:latin typeface="Times New Roman"/>
@@ -9839,7 +9830,7 @@
                 <a:latin typeface="Times New Roman"/>
                 <a:cs typeface="Times New Roman"/>
               </a:rPr>
-              <a:t>ВИЗУАЛИЗАЦИЯ РАБОТЫ </a:t>
+              <a:t>РАБОТА </a:t>
             </a:r>
             <a:r>
               <a:rPr sz="2800" b="1" dirty="0">
@@ -9862,12 +9853,6 @@
               </a:rPr>
               <a:t> </a:t>
             </a:r>
-            <a:br>
-              <a:rPr lang="ru-RU" sz="2800" b="1" dirty="0">
-                <a:latin typeface="Times New Roman"/>
-                <a:cs typeface="Times New Roman"/>
-              </a:rPr>
-            </a:br>
             <a:r>
               <a:rPr lang="ru-RU" sz="2800" b="1" dirty="0">
                 <a:latin typeface="Times New Roman"/>
@@ -10013,7 +9998,7 @@
                 <a:latin typeface="Times New Roman"/>
                 <a:cs typeface="Times New Roman"/>
               </a:rPr>
-              <a:t>ВИЗУАЛИЗАЦИЯ РАБОТЫ </a:t>
+              <a:t>РАБОТА </a:t>
             </a:r>
             <a:r>
               <a:rPr sz="2800" b="1" dirty="0">
@@ -10036,12 +10021,6 @@
               </a:rPr>
               <a:t> </a:t>
             </a:r>
-            <a:br>
-              <a:rPr lang="ru-RU" sz="2800" b="1" dirty="0">
-                <a:latin typeface="Times New Roman"/>
-                <a:cs typeface="Times New Roman"/>
-              </a:rPr>
-            </a:br>
             <a:r>
               <a:rPr lang="ru-RU" sz="2800" b="1" dirty="0">
                 <a:latin typeface="Times New Roman"/>
@@ -10185,7 +10164,7 @@
                 <a:latin typeface="Times New Roman"/>
                 <a:cs typeface="Times New Roman"/>
               </a:rPr>
-              <a:t>ВИЗУАЛИЗАЦИЯ РАБОТЫ </a:t>
+              <a:t>РАБОТА </a:t>
             </a:r>
             <a:r>
               <a:rPr sz="2800" b="1" dirty="0">
@@ -10207,6 +10186,13 @@
                 <a:cs typeface="Times New Roman"/>
               </a:rPr>
               <a:t> </a:t>
+            </a:r>
+            <a:r>
+              <a:rPr lang="ru-RU" sz="2800" b="1" dirty="0">
+                <a:latin typeface="Times New Roman"/>
+                <a:cs typeface="Times New Roman"/>
+              </a:rPr>
+              <a:t>ДЛЯ </a:t>
             </a:r>
             <a:br>
               <a:rPr lang="ru-RU" sz="2800" b="1" dirty="0">
@@ -10219,7 +10205,7 @@
                 <a:latin typeface="Times New Roman"/>
                 <a:cs typeface="Times New Roman"/>
               </a:rPr>
-              <a:t>ДЛЯ ПРЯМОУГОЛЬНЫХ ОБЛАСТЕЙ</a:t>
+              <a:t>ПРЯМОУГОЛЬНЫХ ОБЛАСТЕЙ</a:t>
             </a:r>
             <a:endParaRPr sz="2800" b="1" dirty="0">
               <a:latin typeface="Times New Roman"/>
@@ -10328,7 +10314,7 @@
       </p:grpSpPr>
       <p:sp>
         <p:nvSpPr>
-          <p:cNvPr id="1048868835" name="Title 1"/>
+          <p:cNvPr id="227832949" name="Title 1"/>
           <p:cNvSpPr>
             <a:spLocks noGrp="1"/>
           </p:cNvSpPr>
@@ -10350,19 +10336,22 @@
               <a:defRPr/>
             </a:pPr>
             <a:r>
-              <a:rPr lang="ru-RU" sz="2800" b="1" dirty="0">
-                <a:latin typeface="Times New Roman"/>
-                <a:cs typeface="Times New Roman"/>
-              </a:rPr>
-              <a:t>ЦЕЛЬ И ЗАДАЧИ</a:t>
-            </a:r>
-            <a:endParaRPr sz="2800" dirty="0"/>
-          </a:p>
-        </p:txBody>
-      </p:sp>
-      <p:sp>
-        <p:nvSpPr>
-          <p:cNvPr id="1038117892" name="Content Placeholder 2"/>
+              <a:rPr lang="ru-RU" sz="2800" b="1">
+                <a:latin typeface="Times New Roman"/>
+                <a:cs typeface="Times New Roman"/>
+              </a:rPr>
+              <a:t>АКТУАЛЬНОСТЬ</a:t>
+            </a:r>
+            <a:endParaRPr sz="2800" b="1">
+              <a:latin typeface="Times New Roman"/>
+              <a:cs typeface="Times New Roman"/>
+            </a:endParaRPr>
+          </a:p>
+        </p:txBody>
+      </p:sp>
+      <p:sp>
+        <p:nvSpPr>
+          <p:cNvPr id="1664509925" name="Content Placeholder 2"/>
           <p:cNvSpPr>
             <a:spLocks noGrp="1"/>
           </p:cNvSpPr>
@@ -10382,7 +10371,7 @@
           </a:bodyPr>
           <a:lstStyle/>
           <a:p>
-            <a:pPr marL="0" indent="0">
+            <a:pPr marL="0" indent="0" algn="just">
               <a:buNone/>
               <a:defRPr/>
             </a:pPr>
@@ -10391,15 +10380,18 @@
                 <a:latin typeface="Times New Roman"/>
                 <a:cs typeface="Times New Roman"/>
               </a:rPr>
-              <a:t>Цель работы:</a:t>
-            </a:r>
-            <a:endParaRPr lang="ru-RU" dirty="0">
-              <a:latin typeface="Times New Roman"/>
-              <a:cs typeface="Times New Roman"/>
-            </a:endParaRPr>
-          </a:p>
-          <a:p>
-            <a:pPr marL="0" indent="0">
+              <a:t>Актуальность</a:t>
+            </a:r>
+            <a:r>
+              <a:rPr lang="en-US" b="1" dirty="0">
+                <a:latin typeface="Times New Roman"/>
+                <a:cs typeface="Times New Roman"/>
+              </a:rPr>
+              <a:t>:</a:t>
+            </a:r>
+          </a:p>
+          <a:p>
+            <a:pPr marL="0" indent="0" algn="just">
               <a:buNone/>
               <a:defRPr/>
             </a:pPr>
@@ -10408,7 +10400,7 @@
                 <a:latin typeface="Times New Roman"/>
                 <a:cs typeface="Times New Roman"/>
               </a:rPr>
-              <a:t>Разработка настольного приложения для расчета маршрута сельскохозяйственного дрона по имеющимся характеристикам</a:t>
+              <a:t>Рост интереса к применению БПЛА в сельском хозяйстве для мониторинга урожая и создания точных карт полей</a:t>
             </a:r>
             <a:endParaRPr lang="en-US" dirty="0">
               <a:latin typeface="Times New Roman"/>
@@ -10416,17 +10408,17 @@
             </a:endParaRPr>
           </a:p>
           <a:p>
-            <a:pPr marL="0" indent="0">
+            <a:pPr marL="0" indent="0" algn="just">
               <a:buNone/>
               <a:defRPr/>
             </a:pPr>
-            <a:endParaRPr lang="ru-RU" dirty="0">
+            <a:endParaRPr sz="2600" dirty="0">
               <a:latin typeface="Times New Roman"/>
               <a:cs typeface="Times New Roman"/>
             </a:endParaRPr>
           </a:p>
           <a:p>
-            <a:pPr marL="0" indent="0">
+            <a:pPr marL="0" indent="0" algn="just">
               <a:buNone/>
               <a:defRPr/>
             </a:pPr>
@@ -10435,16 +10427,16 @@
                 <a:latin typeface="Times New Roman"/>
                 <a:cs typeface="Times New Roman"/>
               </a:rPr>
-              <a:t>Задачи:</a:t>
-            </a:r>
-            <a:endParaRPr lang="ru-RU" dirty="0">
+              <a:t>Преимущества:</a:t>
+            </a:r>
+            <a:endParaRPr b="1" dirty="0">
               <a:latin typeface="Times New Roman"/>
               <a:cs typeface="Times New Roman"/>
             </a:endParaRPr>
           </a:p>
           <a:p>
-            <a:pPr marL="394022" indent="-394022">
-              <a:buFont typeface="Arial"/>
+            <a:pPr marL="514350" indent="-514350" algn="just">
+              <a:buFont typeface="+mj-lt"/>
               <a:buAutoNum type="arabicPeriod"/>
               <a:defRPr/>
             </a:pPr>
@@ -10453,26 +10445,35 @@
                 <a:latin typeface="Times New Roman"/>
                 <a:cs typeface="Times New Roman"/>
               </a:rPr>
-              <a:t>Выполнить анализ предметной области и произвести обзор существующих решений.</a:t>
-            </a:r>
-          </a:p>
-          <a:p>
-            <a:pPr marL="394022" indent="-394022">
-              <a:buFont typeface="Arial"/>
+              <a:t>Повышении эффективности использования БПЛА</a:t>
+            </a:r>
+            <a:endParaRPr dirty="0">
+              <a:latin typeface="Times New Roman"/>
+              <a:cs typeface="Times New Roman"/>
+            </a:endParaRPr>
+          </a:p>
+          <a:p>
+            <a:pPr marL="514350" indent="-514350" algn="just">
+              <a:buFont typeface="+mj-lt"/>
               <a:buAutoNum type="arabicPeriod"/>
               <a:defRPr/>
             </a:pPr>
             <a:r>
               <a:rPr lang="ru-RU" dirty="0">
                 <a:latin typeface="Times New Roman"/>
-                <a:cs typeface="Times New Roman"/>
-              </a:rPr>
-              <a:t>Разработать базовую архитектуру приложения.</a:t>
-            </a:r>
-          </a:p>
-          <a:p>
-            <a:pPr marL="394022" indent="-394022">
-              <a:buFont typeface="Arial"/>
+                <a:ea typeface="Times New Roman"/>
+                <a:cs typeface="Times New Roman"/>
+              </a:rPr>
+              <a:t>Сокращение затраты на выезд специалистов</a:t>
+            </a:r>
+            <a:endParaRPr dirty="0">
+              <a:latin typeface="Times New Roman"/>
+              <a:cs typeface="Times New Roman"/>
+            </a:endParaRPr>
+          </a:p>
+          <a:p>
+            <a:pPr marL="514350" indent="-514350" algn="just">
+              <a:buFont typeface="+mj-lt"/>
               <a:buAutoNum type="arabicPeriod"/>
               <a:defRPr/>
             </a:pPr>
@@ -10481,42 +10482,18 @@
                 <a:latin typeface="Times New Roman"/>
                 <a:cs typeface="Times New Roman"/>
               </a:rPr>
-              <a:t>Описать алгоритмы, использующиеся в системе.</a:t>
-            </a:r>
-          </a:p>
-          <a:p>
-            <a:pPr marL="394022" indent="-394022">
-              <a:buFont typeface="Arial"/>
-              <a:buAutoNum type="arabicPeriod"/>
-              <a:defRPr/>
-            </a:pPr>
-            <a:r>
-              <a:rPr lang="ru-RU" dirty="0">
-                <a:latin typeface="Times New Roman"/>
-                <a:cs typeface="Times New Roman"/>
-              </a:rPr>
-              <a:t>Выполнить реализацию приложения.</a:t>
-            </a:r>
-          </a:p>
-          <a:p>
-            <a:pPr marL="394022" indent="-394022">
-              <a:buFont typeface="Arial"/>
-              <a:buAutoNum type="arabicPeriod"/>
-              <a:defRPr/>
-            </a:pPr>
-            <a:r>
-              <a:rPr lang="ru-RU" dirty="0">
-                <a:latin typeface="Times New Roman"/>
-                <a:cs typeface="Times New Roman"/>
-              </a:rPr>
-              <a:t>Выполнить тестирование.</a:t>
-            </a:r>
-          </a:p>
-        </p:txBody>
-      </p:sp>
-      <p:sp>
-        <p:nvSpPr>
-          <p:cNvPr id="1531006883" name="Slide Number Placeholder 5"/>
+              <a:t>Увеличение скорости и точности предварительной оценки затрат на выезд специалистов</a:t>
+            </a:r>
+            <a:endParaRPr dirty="0">
+              <a:latin typeface="Times New Roman"/>
+              <a:cs typeface="Times New Roman"/>
+            </a:endParaRPr>
+          </a:p>
+        </p:txBody>
+      </p:sp>
+      <p:sp>
+        <p:nvSpPr>
+          <p:cNvPr id="1069361798" name="Slide Number Placeholder 5"/>
           <p:cNvSpPr>
             <a:spLocks noGrp="1"/>
           </p:cNvSpPr>
@@ -10532,7 +10509,7 @@
             <a:pPr>
               <a:defRPr/>
             </a:pPr>
-            <a:fld id="{53D89D74-5DA3-1BA4-C7D7-A7772828CF40}" type="slidenum">
+            <a:fld id="{1AFF1B61-3AB2-B5BD-5BAD-3F50C69BB005}" type="slidenum">
               <a:rPr lang="en-US" sz="1800"/>
               <a:t>2</a:t>
             </a:fld>
@@ -10544,7 +10521,7 @@
               <a:rPr lang="ru-RU" sz="1800" dirty="0"/>
               <a:t>23</a:t>
             </a:r>
-            <a:endParaRPr lang="en-US" sz="1800" dirty="0"/>
+            <a:endParaRPr lang="en-US" dirty="0"/>
           </a:p>
         </p:txBody>
       </p:sp>
@@ -10796,12 +10773,19 @@
               </a:rPr>
               <a:t>Проведено 14  функциональных  тестов системы.</a:t>
             </a:r>
-          </a:p>
-          <a:p>
-            <a:pPr marL="0" indent="0">
-              <a:buNone/>
-              <a:defRPr/>
-            </a:pPr>
+            <a:r>
+              <a:rPr lang="en-US" dirty="0">
+                <a:latin typeface="Times New Roman"/>
+                <a:cs typeface="Times New Roman"/>
+              </a:rPr>
+              <a:t> </a:t>
+            </a:r>
+            <a:br>
+              <a:rPr lang="en-US" dirty="0">
+                <a:latin typeface="Times New Roman"/>
+                <a:cs typeface="Times New Roman"/>
+              </a:rPr>
+            </a:br>
             <a:r>
               <a:rPr lang="ru-RU" dirty="0">
                 <a:latin typeface="Times New Roman"/>
@@ -10809,6 +10793,10 @@
               </a:rPr>
               <a:t>Все тесты пройдены.</a:t>
             </a:r>
+            <a:endParaRPr lang="en-US" dirty="0">
+              <a:latin typeface="Times New Roman"/>
+              <a:cs typeface="Times New Roman"/>
+            </a:endParaRPr>
           </a:p>
           <a:p>
             <a:pPr marL="0" indent="0">
@@ -10846,17 +10834,6 @@
               </a:rPr>
               <a:t> «Редактирование камеры»</a:t>
             </a:r>
-            <a:r>
-              <a:rPr lang="en-US" dirty="0">
-                <a:latin typeface="Times New Roman"/>
-                <a:cs typeface="Times New Roman"/>
-              </a:rPr>
-              <a:t>:</a:t>
-            </a:r>
-            <a:endParaRPr lang="ru-RU" dirty="0">
-              <a:latin typeface="Times New Roman"/>
-              <a:cs typeface="Times New Roman"/>
-            </a:endParaRPr>
           </a:p>
           <a:p>
             <a:pPr marL="514350" indent="-514350">
@@ -10871,17 +10848,6 @@
               </a:rPr>
               <a:t>выбрать камеру</a:t>
             </a:r>
-            <a:r>
-              <a:rPr lang="en-US" dirty="0">
-                <a:latin typeface="Times New Roman"/>
-                <a:cs typeface="Times New Roman"/>
-              </a:rPr>
-              <a:t>;</a:t>
-            </a:r>
-            <a:endParaRPr lang="ru-RU" dirty="0">
-              <a:latin typeface="Times New Roman"/>
-              <a:cs typeface="Times New Roman"/>
-            </a:endParaRPr>
           </a:p>
           <a:p>
             <a:pPr marL="514350" indent="-514350">
@@ -10896,17 +10862,6 @@
               </a:rPr>
               <a:t>включить режим редактирования</a:t>
             </a:r>
-            <a:r>
-              <a:rPr lang="en-US" dirty="0">
-                <a:latin typeface="Times New Roman"/>
-                <a:cs typeface="Times New Roman"/>
-              </a:rPr>
-              <a:t>;</a:t>
-            </a:r>
-            <a:endParaRPr lang="ru-RU" dirty="0">
-              <a:latin typeface="Times New Roman"/>
-              <a:cs typeface="Times New Roman"/>
-            </a:endParaRPr>
           </a:p>
           <a:p>
             <a:pPr marL="514350" indent="-514350">
@@ -10921,17 +10876,6 @@
               </a:rPr>
               <a:t>изменить параметры камеры</a:t>
             </a:r>
-            <a:r>
-              <a:rPr lang="en-US" dirty="0">
-                <a:latin typeface="Times New Roman"/>
-                <a:cs typeface="Times New Roman"/>
-              </a:rPr>
-              <a:t>;</a:t>
-            </a:r>
-            <a:endParaRPr lang="ru-RU" dirty="0">
-              <a:latin typeface="Times New Roman"/>
-              <a:cs typeface="Times New Roman"/>
-            </a:endParaRPr>
           </a:p>
           <a:p>
             <a:pPr marL="514350" indent="-514350">
@@ -10946,13 +10890,6 @@
               </a:rPr>
               <a:t>нажать кнопку "Update"</a:t>
             </a:r>
-            <a:r>
-              <a:rPr lang="en-US" dirty="0">
-                <a:latin typeface="Times New Roman"/>
-                <a:cs typeface="Times New Roman"/>
-              </a:rPr>
-              <a:t>.</a:t>
-            </a:r>
             <a:endParaRPr dirty="0"/>
           </a:p>
           <a:p>
@@ -10965,7 +10902,7 @@
                 <a:latin typeface="Times New Roman"/>
                 <a:cs typeface="Times New Roman"/>
               </a:rPr>
-              <a:t>Тест 9 Пройден.</a:t>
+              <a:t>Тест 9 Пройден</a:t>
             </a:r>
           </a:p>
         </p:txBody>
@@ -11473,7 +11410,7 @@
                 <a:ea typeface="Times New Roman"/>
                 <a:cs typeface="Times New Roman"/>
               </a:rPr>
-              <a:t>Выполнен анализ предметной области и произведен обзор существующих решений.</a:t>
+              <a:t>Выполнен анализ предметной области и произведен обзор существующих решений</a:t>
             </a:r>
             <a:endParaRPr dirty="0">
               <a:latin typeface="Times New Roman"/>
@@ -11495,7 +11432,7 @@
                 <a:ea typeface="Times New Roman"/>
                 <a:cs typeface="Times New Roman"/>
               </a:rPr>
-              <a:t>Разработана базовая архитектура приложения.</a:t>
+              <a:t>Разработана архитектура приложения</a:t>
             </a:r>
           </a:p>
           <a:p>
@@ -11512,7 +11449,7 @@
                 <a:latin typeface="Times New Roman"/>
                 <a:cs typeface="Times New Roman"/>
               </a:rPr>
-              <a:t>Описаны алгоритмы, использующиеся в системе.</a:t>
+              <a:t>Описаны алгоритмы, использующиеся в системе</a:t>
             </a:r>
             <a:endParaRPr dirty="0">
               <a:latin typeface="Times New Roman"/>
@@ -11534,7 +11471,7 @@
                 <a:ea typeface="Times New Roman"/>
                 <a:cs typeface="Times New Roman"/>
               </a:rPr>
-              <a:t>Выполнена реализация приложения.</a:t>
+              <a:t>Выполнена реализация приложения</a:t>
             </a:r>
             <a:endParaRPr dirty="0">
               <a:latin typeface="Times New Roman"/>
@@ -11556,7 +11493,7 @@
                 <a:ea typeface="Times New Roman"/>
                 <a:cs typeface="Times New Roman"/>
               </a:rPr>
-              <a:t>Выполнено тестирование.</a:t>
+              <a:t>Выполнено тестирование</a:t>
             </a:r>
           </a:p>
         </p:txBody>
@@ -12487,7 +12424,7 @@
       </p:grpSpPr>
       <p:sp>
         <p:nvSpPr>
-          <p:cNvPr id="227832949" name="Title 1"/>
+          <p:cNvPr id="1048868835" name="Title 1"/>
           <p:cNvSpPr>
             <a:spLocks noGrp="1"/>
           </p:cNvSpPr>
@@ -12509,22 +12446,19 @@
               <a:defRPr/>
             </a:pPr>
             <a:r>
-              <a:rPr lang="ru-RU" sz="2800" b="1">
-                <a:latin typeface="Times New Roman"/>
-                <a:cs typeface="Times New Roman"/>
-              </a:rPr>
-              <a:t>АКТУАЛЬНОСТЬ</a:t>
-            </a:r>
-            <a:endParaRPr sz="2800" b="1">
-              <a:latin typeface="Times New Roman"/>
-              <a:cs typeface="Times New Roman"/>
-            </a:endParaRPr>
-          </a:p>
-        </p:txBody>
-      </p:sp>
-      <p:sp>
-        <p:nvSpPr>
-          <p:cNvPr id="1664509925" name="Content Placeholder 2"/>
+              <a:rPr lang="ru-RU" sz="2800" b="1" dirty="0">
+                <a:latin typeface="Times New Roman"/>
+                <a:cs typeface="Times New Roman"/>
+              </a:rPr>
+              <a:t>ЦЕЛЬ И ЗАДАЧИ</a:t>
+            </a:r>
+            <a:endParaRPr sz="2800" dirty="0"/>
+          </a:p>
+        </p:txBody>
+      </p:sp>
+      <p:sp>
+        <p:nvSpPr>
+          <p:cNvPr id="1038117892" name="Content Placeholder 2"/>
           <p:cNvSpPr>
             <a:spLocks noGrp="1"/>
           </p:cNvSpPr>
@@ -12544,7 +12478,7 @@
           </a:bodyPr>
           <a:lstStyle/>
           <a:p>
-            <a:pPr marL="0" indent="0" algn="just">
+            <a:pPr marL="0" indent="0">
               <a:buNone/>
               <a:defRPr/>
             </a:pPr>
@@ -12553,18 +12487,15 @@
                 <a:latin typeface="Times New Roman"/>
                 <a:cs typeface="Times New Roman"/>
               </a:rPr>
-              <a:t>Актуальность</a:t>
-            </a:r>
-            <a:r>
-              <a:rPr lang="en-US" b="1" dirty="0">
-                <a:latin typeface="Times New Roman"/>
-                <a:cs typeface="Times New Roman"/>
-              </a:rPr>
-              <a:t>:</a:t>
-            </a:r>
-          </a:p>
-          <a:p>
-            <a:pPr marL="0" indent="0" algn="just">
+              <a:t>Цель работы:</a:t>
+            </a:r>
+            <a:endParaRPr lang="ru-RU" dirty="0">
+              <a:latin typeface="Times New Roman"/>
+              <a:cs typeface="Times New Roman"/>
+            </a:endParaRPr>
+          </a:p>
+          <a:p>
+            <a:pPr marL="0" indent="0">
               <a:buNone/>
               <a:defRPr/>
             </a:pPr>
@@ -12573,7 +12504,7 @@
                 <a:latin typeface="Times New Roman"/>
                 <a:cs typeface="Times New Roman"/>
               </a:rPr>
-              <a:t>Растет интерес к применению БПЛА в сельском хозяйстве при ведении точного земледелия. Дроны используются для мониторинга урожая и создания точных карт полей.</a:t>
+              <a:t>Разработка настольного приложения для расчета маршрута сельскохозяйственного дрона по имеющимся характеристикам</a:t>
             </a:r>
             <a:endParaRPr lang="en-US" dirty="0">
               <a:latin typeface="Times New Roman"/>
@@ -12581,17 +12512,17 @@
             </a:endParaRPr>
           </a:p>
           <a:p>
-            <a:pPr marL="0" indent="0" algn="just">
+            <a:pPr marL="0" indent="0">
               <a:buNone/>
               <a:defRPr/>
             </a:pPr>
-            <a:endParaRPr sz="2600" dirty="0">
+            <a:endParaRPr lang="ru-RU" dirty="0">
               <a:latin typeface="Times New Roman"/>
               <a:cs typeface="Times New Roman"/>
             </a:endParaRPr>
           </a:p>
           <a:p>
-            <a:pPr marL="0" indent="0" algn="just">
+            <a:pPr marL="0" indent="0">
               <a:buNone/>
               <a:defRPr/>
             </a:pPr>
@@ -12600,17 +12531,17 @@
                 <a:latin typeface="Times New Roman"/>
                 <a:cs typeface="Times New Roman"/>
               </a:rPr>
-              <a:t>Преимущества:</a:t>
-            </a:r>
-            <a:endParaRPr b="1" dirty="0">
+              <a:t>Задачи:</a:t>
+            </a:r>
+            <a:endParaRPr lang="ru-RU" dirty="0">
               <a:latin typeface="Times New Roman"/>
               <a:cs typeface="Times New Roman"/>
             </a:endParaRPr>
           </a:p>
           <a:p>
-            <a:pPr marL="371994" indent="-371994" algn="just">
+            <a:pPr marL="394022" indent="-394022">
               <a:buFont typeface="Arial"/>
-              <a:buAutoNum type="arabicParenR"/>
+              <a:buAutoNum type="arabicPeriod"/>
               <a:defRPr/>
             </a:pPr>
             <a:r>
@@ -12618,50 +12549,27 @@
                 <a:latin typeface="Times New Roman"/>
                 <a:cs typeface="Times New Roman"/>
               </a:rPr>
-              <a:t>повышении эффективности использования БПЛА</a:t>
-            </a:r>
-            <a:r>
-              <a:rPr lang="en-US" dirty="0">
-                <a:latin typeface="Times New Roman"/>
-                <a:cs typeface="Times New Roman"/>
-              </a:rPr>
-              <a:t>;</a:t>
-            </a:r>
-            <a:endParaRPr dirty="0">
-              <a:latin typeface="Times New Roman"/>
-              <a:cs typeface="Times New Roman"/>
-            </a:endParaRPr>
-          </a:p>
-          <a:p>
-            <a:pPr marL="371994" indent="-371994" algn="just">
+              <a:t>Выполнить анализ предметной области и произвести обзор существующих решений</a:t>
+            </a:r>
+          </a:p>
+          <a:p>
+            <a:pPr marL="394022" indent="-394022">
               <a:buFont typeface="Arial"/>
-              <a:buAutoNum type="arabicParenR"/>
+              <a:buAutoNum type="arabicPeriod"/>
               <a:defRPr/>
             </a:pPr>
             <a:r>
               <a:rPr lang="ru-RU" dirty="0">
                 <a:latin typeface="Times New Roman"/>
-                <a:ea typeface="Times New Roman"/>
-                <a:cs typeface="Times New Roman"/>
-              </a:rPr>
-              <a:t>сокращение затраты на выезд специалистов</a:t>
-            </a:r>
-            <a:r>
-              <a:rPr lang="en-US" dirty="0">
-                <a:latin typeface="Times New Roman"/>
-                <a:cs typeface="Times New Roman"/>
-              </a:rPr>
-              <a:t>;</a:t>
-            </a:r>
-            <a:endParaRPr dirty="0">
-              <a:latin typeface="Times New Roman"/>
-              <a:cs typeface="Times New Roman"/>
-            </a:endParaRPr>
-          </a:p>
-          <a:p>
-            <a:pPr marL="371994" indent="-371994" algn="just">
+                <a:cs typeface="Times New Roman"/>
+              </a:rPr>
+              <a:t>Разработать архитектуру приложения</a:t>
+            </a:r>
+          </a:p>
+          <a:p>
+            <a:pPr marL="394022" indent="-394022">
               <a:buFont typeface="Arial"/>
-              <a:buAutoNum type="arabicParenR"/>
+              <a:buAutoNum type="arabicPeriod"/>
               <a:defRPr/>
             </a:pPr>
             <a:r>
@@ -12669,25 +12577,42 @@
                 <a:latin typeface="Times New Roman"/>
                 <a:cs typeface="Times New Roman"/>
               </a:rPr>
-              <a:t>скорость и точность предварительной оценки затрат на выезд специалистов</a:t>
-            </a:r>
-            <a:r>
-              <a:rPr lang="en-US" dirty="0">
-                <a:latin typeface="Times New Roman"/>
-                <a:cs typeface="Times New Roman"/>
-              </a:rPr>
-              <a:t>.</a:t>
-            </a:r>
-            <a:endParaRPr dirty="0">
-              <a:latin typeface="Times New Roman"/>
-              <a:cs typeface="Times New Roman"/>
-            </a:endParaRPr>
-          </a:p>
-        </p:txBody>
-      </p:sp>
-      <p:sp>
-        <p:nvSpPr>
-          <p:cNvPr id="1069361798" name="Slide Number Placeholder 5"/>
+              <a:t>Описать алгоритмы, использующиеся в системе</a:t>
+            </a:r>
+          </a:p>
+          <a:p>
+            <a:pPr marL="394022" indent="-394022">
+              <a:buFont typeface="Arial"/>
+              <a:buAutoNum type="arabicPeriod"/>
+              <a:defRPr/>
+            </a:pPr>
+            <a:r>
+              <a:rPr lang="ru-RU" dirty="0">
+                <a:latin typeface="Times New Roman"/>
+                <a:cs typeface="Times New Roman"/>
+              </a:rPr>
+              <a:t>Выполнить реализацию приложения</a:t>
+            </a:r>
+          </a:p>
+          <a:p>
+            <a:pPr marL="394022" indent="-394022">
+              <a:buFont typeface="Arial"/>
+              <a:buAutoNum type="arabicPeriod"/>
+              <a:defRPr/>
+            </a:pPr>
+            <a:r>
+              <a:rPr lang="ru-RU" dirty="0">
+                <a:latin typeface="Times New Roman"/>
+                <a:cs typeface="Times New Roman"/>
+              </a:rPr>
+              <a:t>Выполнить тестирование</a:t>
+            </a:r>
+          </a:p>
+        </p:txBody>
+      </p:sp>
+      <p:sp>
+        <p:nvSpPr>
+          <p:cNvPr id="1531006883" name="Slide Number Placeholder 5"/>
           <p:cNvSpPr>
             <a:spLocks noGrp="1"/>
           </p:cNvSpPr>
@@ -12703,7 +12628,7 @@
             <a:pPr>
               <a:defRPr/>
             </a:pPr>
-            <a:fld id="{1AFF1B61-3AB2-B5BD-5BAD-3F50C69BB005}" type="slidenum">
+            <a:fld id="{53D89D74-5DA3-1BA4-C7D7-A7772828CF40}" type="slidenum">
               <a:rPr lang="en-US" sz="1800"/>
               <a:t>3</a:t>
             </a:fld>
@@ -12715,7 +12640,7 @@
               <a:rPr lang="ru-RU" sz="1800" dirty="0"/>
               <a:t>23</a:t>
             </a:r>
-            <a:endParaRPr lang="en-US" dirty="0"/>
+            <a:endParaRPr lang="en-US" sz="1800" dirty="0"/>
           </a:p>
         </p:txBody>
       </p:sp>
@@ -12823,14 +12748,14 @@
           <p:nvPr>
             <p:extLst>
               <p:ext uri="{D42A27DB-BD31-4B8C-83A1-F6EECF244321}">
-                <p14:modId xmlns:p14="http://schemas.microsoft.com/office/powerpoint/2010/main" val="1386864367"/>
+                <p14:modId xmlns:p14="http://schemas.microsoft.com/office/powerpoint/2010/main" val="2600964209"/>
               </p:ext>
             </p:extLst>
           </p:nvPr>
         </p:nvGraphicFramePr>
         <p:xfrm>
           <a:off x="335360" y="571318"/>
-          <a:ext cx="11521281" cy="5609863"/>
+          <a:ext cx="11521281" cy="5649331"/>
         </p:xfrm>
         <a:graphic>
           <a:graphicData uri="http://schemas.openxmlformats.org/drawingml/2006/table">
@@ -13205,13 +13130,13 @@
                         <a:defRPr/>
                       </a:pPr>
                       <a:r>
-                        <a:rPr sz="1600" dirty="0" err="1">
+                        <a:rPr lang="ru-RU" sz="2400" dirty="0">
                           <a:latin typeface="Times New Roman"/>
                           <a:cs typeface="Times New Roman"/>
                         </a:rPr>
-                        <a:t>Да</a:t>
+                        <a:t>+</a:t>
                       </a:r>
-                      <a:endParaRPr sz="2400" dirty="0">
+                      <a:endParaRPr sz="3600" dirty="0">
                         <a:latin typeface="Times New Roman"/>
                         <a:cs typeface="Times New Roman"/>
                       </a:endParaRPr>
@@ -13242,13 +13167,13 @@
                         <a:defRPr/>
                       </a:pPr>
                       <a:r>
-                        <a:rPr sz="1600" dirty="0" err="1">
+                        <a:rPr lang="ru-RU" sz="2400" dirty="0">
                           <a:latin typeface="Times New Roman"/>
                           <a:cs typeface="Times New Roman"/>
                         </a:rPr>
-                        <a:t>Да</a:t>
+                        <a:t>+</a:t>
                       </a:r>
-                      <a:endParaRPr sz="2400" dirty="0">
+                      <a:endParaRPr sz="3600" dirty="0">
                         <a:latin typeface="Times New Roman"/>
                         <a:cs typeface="Times New Roman"/>
                       </a:endParaRPr>
@@ -13274,13 +13199,13 @@
                         <a:defRPr/>
                       </a:pPr>
                       <a:r>
-                        <a:rPr sz="1600" dirty="0" err="1">
+                        <a:rPr lang="ru-RU" sz="2400" dirty="0">
                           <a:latin typeface="Times New Roman"/>
                           <a:cs typeface="Times New Roman"/>
                         </a:rPr>
-                        <a:t>Да</a:t>
+                        <a:t>+</a:t>
                       </a:r>
-                      <a:endParaRPr sz="2400" dirty="0">
+                      <a:endParaRPr sz="3600" dirty="0">
                         <a:latin typeface="Times New Roman"/>
                         <a:cs typeface="Times New Roman"/>
                       </a:endParaRPr>
@@ -13306,13 +13231,13 @@
                         <a:defRPr/>
                       </a:pPr>
                       <a:r>
-                        <a:rPr sz="1600" dirty="0" err="1">
+                        <a:rPr lang="ru-RU" sz="2400" dirty="0">
                           <a:latin typeface="Times New Roman"/>
                           <a:cs typeface="Times New Roman"/>
                         </a:rPr>
-                        <a:t>Да</a:t>
+                        <a:t>+</a:t>
                       </a:r>
-                      <a:endParaRPr sz="2400" dirty="0">
+                      <a:endParaRPr sz="3600" dirty="0">
                         <a:latin typeface="Times New Roman"/>
                         <a:cs typeface="Times New Roman"/>
                       </a:endParaRPr>
@@ -13420,13 +13345,13 @@
                         <a:defRPr/>
                       </a:pPr>
                       <a:r>
-                        <a:rPr sz="1600">
+                        <a:rPr lang="ru-RU" sz="2400" dirty="0">
                           <a:latin typeface="Times New Roman"/>
                           <a:cs typeface="Times New Roman"/>
                         </a:rPr>
-                        <a:t>Да</a:t>
+                        <a:t>+</a:t>
                       </a:r>
-                      <a:endParaRPr sz="2400">
+                      <a:endParaRPr sz="3600" dirty="0">
                         <a:latin typeface="Times New Roman"/>
                         <a:cs typeface="Times New Roman"/>
                       </a:endParaRPr>
@@ -13452,13 +13377,13 @@
                         <a:defRPr/>
                       </a:pPr>
                       <a:r>
-                        <a:rPr sz="1600">
+                        <a:rPr lang="ru-RU" sz="2400" dirty="0">
                           <a:latin typeface="Times New Roman"/>
                           <a:cs typeface="Times New Roman"/>
                         </a:rPr>
-                        <a:t>Да</a:t>
+                        <a:t>+</a:t>
                       </a:r>
-                      <a:endParaRPr sz="2400">
+                      <a:endParaRPr sz="3600" dirty="0">
                         <a:latin typeface="Times New Roman"/>
                         <a:cs typeface="Times New Roman"/>
                       </a:endParaRPr>
@@ -13478,13 +13403,13 @@
                         <a:defRPr/>
                       </a:pPr>
                       <a:r>
-                        <a:rPr sz="1600">
+                        <a:rPr lang="ru-RU" sz="2400" dirty="0">
                           <a:latin typeface="Times New Roman"/>
                           <a:cs typeface="Times New Roman"/>
                         </a:rPr>
-                        <a:t>Да</a:t>
+                        <a:t>+</a:t>
                       </a:r>
-                      <a:endParaRPr sz="2400">
+                      <a:endParaRPr sz="3600" dirty="0">
                         <a:latin typeface="Times New Roman"/>
                         <a:cs typeface="Times New Roman"/>
                       </a:endParaRPr>
@@ -13504,13 +13429,13 @@
                         <a:defRPr/>
                       </a:pPr>
                       <a:r>
-                        <a:rPr sz="1600">
+                        <a:rPr lang="ru-RU" sz="2400" dirty="0">
                           <a:latin typeface="Times New Roman"/>
                           <a:cs typeface="Times New Roman"/>
                         </a:rPr>
-                        <a:t>Да</a:t>
+                        <a:t>+</a:t>
                       </a:r>
-                      <a:endParaRPr sz="2400">
+                      <a:endParaRPr sz="3600" dirty="0">
                         <a:latin typeface="Times New Roman"/>
                         <a:cs typeface="Times New Roman"/>
                       </a:endParaRPr>
@@ -13537,175 +13462,11 @@
                         <a:defRPr/>
                       </a:pPr>
                       <a:r>
-                        <a:rPr sz="1600">
-                          <a:latin typeface="Times New Roman"/>
-                          <a:cs typeface="Times New Roman"/>
-                        </a:rPr>
-                        <a:t>Обработка полученных данных</a:t>
-                      </a:r>
-                      <a:endParaRPr sz="2400">
-                        <a:latin typeface="Times New Roman"/>
-                        <a:cs typeface="Times New Roman"/>
-                      </a:endParaRPr>
-                    </a:p>
-                  </a:txBody>
-                  <a:tcPr anchor="ctr">
-                    <a:lnL w="19049" algn="ctr">
-                      <a:solidFill>
-                        <a:srgbClr val="000000"/>
-                      </a:solidFill>
-                    </a:lnL>
-                    <a:lnR w="19049" algn="ctr">
-                      <a:solidFill>
-                        <a:srgbClr val="000000"/>
-                      </a:solidFill>
-                    </a:lnR>
-                    <a:lnT w="19049" algn="ctr">
-                      <a:solidFill>
-                        <a:srgbClr val="000000"/>
-                      </a:solidFill>
-                    </a:lnT>
-                    <a:lnB w="19049" algn="ctr">
-                      <a:solidFill>
-                        <a:srgbClr val="000000"/>
-                      </a:solidFill>
-                    </a:lnB>
-                  </a:tcPr>
-                </a:tc>
-                <a:tc>
-                  <a:txBody>
-                    <a:bodyPr/>
-                    <a:lstStyle/>
-                    <a:p>
-                      <a:pPr indent="0" algn="ctr">
-                        <a:lnSpc>
-                          <a:spcPct val="100000"/>
-                        </a:lnSpc>
-                        <a:defRPr/>
-                      </a:pPr>
-                      <a:r>
                         <a:rPr sz="1600" dirty="0" err="1">
                           <a:latin typeface="Times New Roman"/>
                           <a:cs typeface="Times New Roman"/>
                         </a:rPr>
-                        <a:t>Да</a:t>
-                      </a:r>
-                      <a:endParaRPr sz="2400" dirty="0">
-                        <a:latin typeface="Times New Roman"/>
-                        <a:cs typeface="Times New Roman"/>
-                      </a:endParaRPr>
-                    </a:p>
-                  </a:txBody>
-                  <a:tcPr anchor="ctr">
-                    <a:lnL w="19049" algn="ctr">
-                      <a:solidFill>
-                        <a:srgbClr val="000000"/>
-                      </a:solidFill>
-                    </a:lnL>
-                  </a:tcPr>
-                </a:tc>
-                <a:tc>
-                  <a:txBody>
-                    <a:bodyPr/>
-                    <a:lstStyle/>
-                    <a:p>
-                      <a:pPr indent="0" algn="ctr">
-                        <a:lnSpc>
-                          <a:spcPct val="100000"/>
-                        </a:lnSpc>
-                        <a:defRPr/>
-                      </a:pPr>
-                      <a:r>
-                        <a:rPr sz="1600">
-                          <a:latin typeface="Times New Roman"/>
-                          <a:cs typeface="Times New Roman"/>
-                        </a:rPr>
-                        <a:t>Да</a:t>
-                      </a:r>
-                      <a:endParaRPr sz="2400">
-                        <a:latin typeface="Times New Roman"/>
-                        <a:cs typeface="Times New Roman"/>
-                      </a:endParaRPr>
-                    </a:p>
-                  </a:txBody>
-                  <a:tcPr anchor="ctr"/>
-                </a:tc>
-                <a:tc>
-                  <a:txBody>
-                    <a:bodyPr/>
-                    <a:lstStyle/>
-                    <a:p>
-                      <a:pPr indent="0" algn="ctr">
-                        <a:lnSpc>
-                          <a:spcPct val="100000"/>
-                        </a:lnSpc>
-                        <a:defRPr/>
-                      </a:pPr>
-                      <a:r>
-                        <a:rPr sz="1600">
-                          <a:latin typeface="Times New Roman"/>
-                          <a:cs typeface="Times New Roman"/>
-                        </a:rPr>
-                        <a:t>Да</a:t>
-                      </a:r>
-                      <a:endParaRPr sz="2400">
-                        <a:latin typeface="Times New Roman"/>
-                        <a:cs typeface="Times New Roman"/>
-                      </a:endParaRPr>
-                    </a:p>
-                  </a:txBody>
-                  <a:tcPr anchor="ctr"/>
-                </a:tc>
-                <a:tc>
-                  <a:txBody>
-                    <a:bodyPr/>
-                    <a:lstStyle/>
-                    <a:p>
-                      <a:pPr indent="0" algn="ctr">
-                        <a:lnSpc>
-                          <a:spcPct val="100000"/>
-                        </a:lnSpc>
-                        <a:defRPr/>
-                      </a:pPr>
-                      <a:r>
-                        <a:rPr sz="1600">
-                          <a:latin typeface="Times New Roman"/>
-                          <a:cs typeface="Times New Roman"/>
-                        </a:rPr>
-                        <a:t>Да</a:t>
-                      </a:r>
-                      <a:endParaRPr sz="2400">
-                        <a:latin typeface="Times New Roman"/>
-                        <a:cs typeface="Times New Roman"/>
-                      </a:endParaRPr>
-                    </a:p>
-                  </a:txBody>
-                  <a:tcPr anchor="ctr"/>
-                </a:tc>
-                <a:extLst>
-                  <a:ext uri="{0D108BD9-81ED-4DB2-BD59-A6C34878D82A}">
-                    <a16:rowId xmlns:a16="http://schemas.microsoft.com/office/drawing/2014/main" val="10003"/>
-                  </a:ext>
-                </a:extLst>
-              </a:tr>
-              <a:tr h="437466">
-                <a:tc>
-                  <a:txBody>
-                    <a:bodyPr/>
-                    <a:lstStyle/>
-                    <a:p>
-                      <a:pPr indent="0" algn="ctr">
-                        <a:lnSpc>
-                          <a:spcPct val="100000"/>
-                        </a:lnSpc>
-                        <a:defRPr/>
-                      </a:pPr>
-                      <a:r>
-                        <a:rPr sz="1600" dirty="0" err="1">
-                          <a:latin typeface="Times New Roman"/>
-                          <a:cs typeface="Times New Roman"/>
-                        </a:rPr>
-                        <a:t>Визуализация</a:t>
+                        <a:t>Обработка</a:t>
                       </a:r>
                       <a:r>
                         <a:rPr sz="1600" dirty="0">
@@ -13719,7 +13480,21 @@
                           <a:latin typeface="Times New Roman"/>
                           <a:cs typeface="Times New Roman"/>
                         </a:rPr>
-                        <a:t>карты</a:t>
+                        <a:t>полученных</a:t>
+                      </a:r>
+                      <a:r>
+                        <a:rPr sz="1600" dirty="0">
+                          <a:latin typeface="Times New Roman"/>
+                          <a:cs typeface="Times New Roman"/>
+                        </a:rPr>
+                        <a:t> </a:t>
+                      </a:r>
+                      <a:r>
+                        <a:rPr sz="1600" dirty="0" err="1">
+                          <a:latin typeface="Times New Roman"/>
+                          <a:cs typeface="Times New Roman"/>
+                        </a:rPr>
+                        <a:t>данных</a:t>
                       </a:r>
                       <a:endParaRPr sz="2400" dirty="0">
                         <a:latin typeface="Times New Roman"/>
@@ -13762,13 +13537,13 @@
                         <a:defRPr/>
                       </a:pPr>
                       <a:r>
-                        <a:rPr sz="1600">
+                        <a:rPr lang="ru-RU" sz="2400" dirty="0">
                           <a:latin typeface="Times New Roman"/>
                           <a:cs typeface="Times New Roman"/>
                         </a:rPr>
-                        <a:t>Да</a:t>
+                        <a:t>+</a:t>
                       </a:r>
-                      <a:endParaRPr sz="2400">
+                      <a:endParaRPr sz="3600" dirty="0">
                         <a:latin typeface="Times New Roman"/>
                         <a:cs typeface="Times New Roman"/>
                       </a:endParaRPr>
@@ -13794,13 +13569,13 @@
                         <a:defRPr/>
                       </a:pPr>
                       <a:r>
-                        <a:rPr sz="1600">
+                        <a:rPr lang="ru-RU" sz="2400" dirty="0">
                           <a:latin typeface="Times New Roman"/>
                           <a:cs typeface="Times New Roman"/>
                         </a:rPr>
-                        <a:t>Да</a:t>
+                        <a:t>+</a:t>
                       </a:r>
-                      <a:endParaRPr sz="2400">
+                      <a:endParaRPr sz="3600" dirty="0">
                         <a:latin typeface="Times New Roman"/>
                         <a:cs typeface="Times New Roman"/>
                       </a:endParaRPr>
@@ -13820,13 +13595,13 @@
                         <a:defRPr/>
                       </a:pPr>
                       <a:r>
-                        <a:rPr sz="1600">
+                        <a:rPr lang="ru-RU" sz="2400" dirty="0">
                           <a:latin typeface="Times New Roman"/>
                           <a:cs typeface="Times New Roman"/>
                         </a:rPr>
-                        <a:t>Да</a:t>
+                        <a:t>+</a:t>
                       </a:r>
-                      <a:endParaRPr sz="2400">
+                      <a:endParaRPr sz="3600" dirty="0">
                         <a:latin typeface="Times New Roman"/>
                         <a:cs typeface="Times New Roman"/>
                       </a:endParaRPr>
@@ -13846,13 +13621,177 @@
                         <a:defRPr/>
                       </a:pPr>
                       <a:r>
-                        <a:rPr sz="1600">
+                        <a:rPr lang="ru-RU" sz="2400" dirty="0">
                           <a:latin typeface="Times New Roman"/>
                           <a:cs typeface="Times New Roman"/>
                         </a:rPr>
-                        <a:t>Да</a:t>
+                        <a:t>+</a:t>
                       </a:r>
-                      <a:endParaRPr sz="2400">
+                      <a:endParaRPr sz="3600" dirty="0">
+                        <a:latin typeface="Times New Roman"/>
+                        <a:cs typeface="Times New Roman"/>
+                      </a:endParaRPr>
+                    </a:p>
+                  </a:txBody>
+                  <a:tcPr anchor="ctr"/>
+                </a:tc>
+                <a:extLst>
+                  <a:ext uri="{0D108BD9-81ED-4DB2-BD59-A6C34878D82A}">
+                    <a16:rowId xmlns:a16="http://schemas.microsoft.com/office/drawing/2014/main" val="10003"/>
+                  </a:ext>
+                </a:extLst>
+              </a:tr>
+              <a:tr h="437466">
+                <a:tc>
+                  <a:txBody>
+                    <a:bodyPr/>
+                    <a:lstStyle/>
+                    <a:p>
+                      <a:pPr indent="0" algn="ctr">
+                        <a:lnSpc>
+                          <a:spcPct val="100000"/>
+                        </a:lnSpc>
+                        <a:defRPr/>
+                      </a:pPr>
+                      <a:r>
+                        <a:rPr lang="ru-RU" sz="1600" dirty="0">
+                          <a:latin typeface="Times New Roman"/>
+                          <a:cs typeface="Times New Roman"/>
+                        </a:rPr>
+                        <a:t>Визуализация карты</a:t>
+                      </a:r>
+                      <a:endParaRPr sz="2400" dirty="0">
+                        <a:latin typeface="Times New Roman"/>
+                        <a:cs typeface="Times New Roman"/>
+                      </a:endParaRPr>
+                    </a:p>
+                  </a:txBody>
+                  <a:tcPr anchor="ctr">
+                    <a:lnL w="19049" algn="ctr">
+                      <a:solidFill>
+                        <a:srgbClr val="000000"/>
+                      </a:solidFill>
+                    </a:lnL>
+                    <a:lnR w="19049" algn="ctr">
+                      <a:solidFill>
+                        <a:srgbClr val="000000"/>
+                      </a:solidFill>
+                    </a:lnR>
+                    <a:lnT w="19049" algn="ctr">
+                      <a:solidFill>
+                        <a:srgbClr val="000000"/>
+                      </a:solidFill>
+                    </a:lnT>
+                    <a:lnB w="19049" algn="ctr">
+                      <a:solidFill>
+                        <a:srgbClr val="000000"/>
+                      </a:solidFill>
+                    </a:lnB>
+                  </a:tcPr>
+                </a:tc>
+                <a:tc>
+                  <a:txBody>
+                    <a:bodyPr/>
+                    <a:lstStyle/>
+                    <a:p>
+                      <a:pPr indent="0" algn="ctr">
+                        <a:lnSpc>
+                          <a:spcPct val="100000"/>
+                        </a:lnSpc>
+                        <a:defRPr/>
+                      </a:pPr>
+                      <a:r>
+                        <a:rPr lang="ru-RU" sz="2400" dirty="0">
+                          <a:latin typeface="Times New Roman"/>
+                          <a:cs typeface="Times New Roman"/>
+                        </a:rPr>
+                        <a:t>+</a:t>
+                      </a:r>
+                      <a:endParaRPr sz="3600" dirty="0">
+                        <a:latin typeface="Times New Roman"/>
+                        <a:cs typeface="Times New Roman"/>
+                      </a:endParaRPr>
+                    </a:p>
+                  </a:txBody>
+                  <a:tcPr anchor="ctr">
+                    <a:lnL w="19049" algn="ctr">
+                      <a:solidFill>
+                        <a:srgbClr val="000000"/>
+                      </a:solidFill>
+                    </a:lnL>
+                  </a:tcPr>
+                </a:tc>
+                <a:tc>
+                  <a:txBody>
+                    <a:bodyPr/>
+                    <a:lstStyle/>
+                    <a:p>
+                      <a:pPr indent="0" algn="ctr">
+                        <a:lnSpc>
+                          <a:spcPct val="100000"/>
+                        </a:lnSpc>
+                        <a:defRPr/>
+                      </a:pPr>
+                      <a:r>
+                        <a:rPr lang="ru-RU" sz="2400" dirty="0">
+                          <a:latin typeface="Times New Roman"/>
+                          <a:cs typeface="Times New Roman"/>
+                        </a:rPr>
+                        <a:t>+</a:t>
+                      </a:r>
+                      <a:endParaRPr sz="3600" dirty="0">
+                        <a:latin typeface="Times New Roman"/>
+                        <a:cs typeface="Times New Roman"/>
+                      </a:endParaRPr>
+                    </a:p>
+                  </a:txBody>
+                  <a:tcPr anchor="ctr"/>
+                </a:tc>
+                <a:tc>
+                  <a:txBody>
+                    <a:bodyPr/>
+                    <a:lstStyle/>
+                    <a:p>
+                      <a:pPr indent="0" algn="ctr">
+                        <a:lnSpc>
+                          <a:spcPct val="100000"/>
+                        </a:lnSpc>
+                        <a:defRPr/>
+                      </a:pPr>
+                      <a:r>
+                        <a:rPr lang="ru-RU" sz="2400" dirty="0">
+                          <a:latin typeface="Times New Roman"/>
+                          <a:cs typeface="Times New Roman"/>
+                        </a:rPr>
+                        <a:t>+</a:t>
+                      </a:r>
+                      <a:endParaRPr sz="3600" dirty="0">
+                        <a:latin typeface="Times New Roman"/>
+                        <a:cs typeface="Times New Roman"/>
+                      </a:endParaRPr>
+                    </a:p>
+                  </a:txBody>
+                  <a:tcPr anchor="ctr"/>
+                </a:tc>
+                <a:tc>
+                  <a:txBody>
+                    <a:bodyPr/>
+                    <a:lstStyle/>
+                    <a:p>
+                      <a:pPr indent="0" algn="ctr">
+                        <a:lnSpc>
+                          <a:spcPct val="100000"/>
+                        </a:lnSpc>
+                        <a:defRPr/>
+                      </a:pPr>
+                      <a:r>
+                        <a:rPr lang="ru-RU" sz="2400" dirty="0">
+                          <a:latin typeface="Times New Roman"/>
+                          <a:cs typeface="Times New Roman"/>
+                        </a:rPr>
+                        <a:t>+</a:t>
+                      </a:r>
+                      <a:endParaRPr sz="3600" dirty="0">
                         <a:latin typeface="Times New Roman"/>
                         <a:cs typeface="Times New Roman"/>
                       </a:endParaRPr>
@@ -13968,13 +13907,13 @@
                         <a:defRPr/>
                       </a:pPr>
                       <a:r>
-                        <a:rPr sz="1600" dirty="0" err="1">
+                        <a:rPr lang="ru-RU" sz="2400" dirty="0">
                           <a:latin typeface="Times New Roman"/>
                           <a:cs typeface="Times New Roman"/>
                         </a:rPr>
-                        <a:t>Да</a:t>
+                        <a:t>+</a:t>
                       </a:r>
-                      <a:endParaRPr sz="2400" dirty="0">
+                      <a:endParaRPr sz="3600" dirty="0">
                         <a:latin typeface="Times New Roman"/>
                         <a:cs typeface="Times New Roman"/>
                       </a:endParaRPr>
@@ -14000,13 +13939,13 @@
                         <a:defRPr/>
                       </a:pPr>
                       <a:r>
-                        <a:rPr sz="1600" dirty="0" err="1">
+                        <a:rPr lang="ru-RU" sz="2400" dirty="0">
                           <a:latin typeface="Times New Roman"/>
                           <a:cs typeface="Times New Roman"/>
                         </a:rPr>
-                        <a:t>Да</a:t>
+                        <a:t>+</a:t>
                       </a:r>
-                      <a:endParaRPr sz="2400" dirty="0">
+                      <a:endParaRPr sz="3600" dirty="0">
                         <a:latin typeface="Times New Roman"/>
                         <a:cs typeface="Times New Roman"/>
                       </a:endParaRPr>
@@ -14026,13 +13965,13 @@
                         <a:defRPr/>
                       </a:pPr>
                       <a:r>
-                        <a:rPr sz="1600">
+                        <a:rPr lang="ru-RU" sz="2400" dirty="0">
                           <a:latin typeface="Times New Roman"/>
                           <a:cs typeface="Times New Roman"/>
                         </a:rPr>
-                        <a:t>Да</a:t>
+                        <a:t>+</a:t>
                       </a:r>
-                      <a:endParaRPr sz="2400">
+                      <a:endParaRPr sz="3600" dirty="0">
                         <a:latin typeface="Times New Roman"/>
                         <a:cs typeface="Times New Roman"/>
                       </a:endParaRPr>
@@ -14052,13 +13991,13 @@
                         <a:defRPr/>
                       </a:pPr>
                       <a:r>
-                        <a:rPr sz="1600">
+                        <a:rPr lang="ru-RU" sz="2400" dirty="0">
                           <a:latin typeface="Times New Roman"/>
                           <a:cs typeface="Times New Roman"/>
                         </a:rPr>
-                        <a:t>Да</a:t>
+                        <a:t>+</a:t>
                       </a:r>
-                      <a:endParaRPr sz="2400">
+                      <a:endParaRPr sz="3600" dirty="0">
                         <a:latin typeface="Times New Roman"/>
                         <a:cs typeface="Times New Roman"/>
                       </a:endParaRPr>
@@ -14085,13 +14024,41 @@
                         <a:defRPr/>
                       </a:pPr>
                       <a:r>
-                        <a:rPr sz="1600">
+                        <a:rPr sz="1600" dirty="0" err="1">
                           <a:latin typeface="Times New Roman"/>
                           <a:cs typeface="Times New Roman"/>
                         </a:rPr>
-                        <a:t>Добавление собственных дронов</a:t>
+                        <a:t>Добавление</a:t>
                       </a:r>
-                      <a:endParaRPr sz="2400">
+                      <a:r>
+                        <a:rPr sz="1600" dirty="0">
+                          <a:latin typeface="Times New Roman"/>
+                          <a:cs typeface="Times New Roman"/>
+                        </a:rPr>
+                        <a:t> </a:t>
+                      </a:r>
+                      <a:r>
+                        <a:rPr sz="1600" dirty="0" err="1">
+                          <a:latin typeface="Times New Roman"/>
+                          <a:cs typeface="Times New Roman"/>
+                        </a:rPr>
+                        <a:t>собственных</a:t>
+                      </a:r>
+                      <a:r>
+                        <a:rPr sz="1600" dirty="0">
+                          <a:latin typeface="Times New Roman"/>
+                          <a:cs typeface="Times New Roman"/>
+                        </a:rPr>
+                        <a:t> </a:t>
+                      </a:r>
+                      <a:r>
+                        <a:rPr sz="1600" dirty="0" err="1">
+                          <a:latin typeface="Times New Roman"/>
+                          <a:cs typeface="Times New Roman"/>
+                        </a:rPr>
+                        <a:t>дронов</a:t>
+                      </a:r>
+                      <a:endParaRPr sz="2400" dirty="0">
                         <a:latin typeface="Times New Roman"/>
                         <a:cs typeface="Times New Roman"/>
                       </a:endParaRPr>
@@ -14132,13 +14099,27 @@
                         <a:defRPr/>
                       </a:pPr>
                       <a:r>
-                        <a:rPr sz="1600">
+                        <a:rPr sz="1600" dirty="0" err="1">
                           <a:latin typeface="Times New Roman"/>
                           <a:cs typeface="Times New Roman"/>
                         </a:rPr>
-                        <a:t>Ограничение функционала</a:t>
+                        <a:t>Ограничение</a:t>
                       </a:r>
-                      <a:endParaRPr sz="2400">
+                      <a:r>
+                        <a:rPr sz="1600" dirty="0">
+                          <a:latin typeface="Times New Roman"/>
+                          <a:cs typeface="Times New Roman"/>
+                        </a:rPr>
+                        <a:t> </a:t>
+                      </a:r>
+                      <a:r>
+                        <a:rPr sz="1600" dirty="0" err="1">
+                          <a:latin typeface="Times New Roman"/>
+                          <a:cs typeface="Times New Roman"/>
+                        </a:rPr>
+                        <a:t>функционала</a:t>
+                      </a:r>
+                      <a:endParaRPr sz="2400" dirty="0">
                         <a:latin typeface="Times New Roman"/>
                         <a:cs typeface="Times New Roman"/>
                       </a:endParaRPr>
@@ -14204,13 +14185,13 @@
                         <a:defRPr/>
                       </a:pPr>
                       <a:r>
-                        <a:rPr sz="1600">
+                        <a:rPr lang="ru-RU" sz="2400" dirty="0">
                           <a:latin typeface="Times New Roman"/>
                           <a:cs typeface="Times New Roman"/>
                         </a:rPr>
-                        <a:t>Нет</a:t>
+                        <a:t>-</a:t>
                       </a:r>
-                      <a:endParaRPr sz="2400">
+                      <a:endParaRPr sz="3600" dirty="0">
                         <a:latin typeface="Times New Roman"/>
                         <a:cs typeface="Times New Roman"/>
                       </a:endParaRPr>
@@ -14342,13 +14323,13 @@
                         <a:defRPr/>
                       </a:pPr>
                       <a:r>
-                        <a:rPr lang="en-US" sz="1600">
+                        <a:rPr lang="en-US" sz="1600" dirty="0">
                           <a:latin typeface="Times New Roman"/>
                           <a:cs typeface="Times New Roman"/>
                         </a:rPr>
                         <a:t>iOS, Android + Windows, macOS, Linux</a:t>
                       </a:r>
-                      <a:endParaRPr sz="2400">
+                      <a:endParaRPr sz="2400" dirty="0">
                         <a:latin typeface="Times New Roman"/>
                         <a:cs typeface="Times New Roman"/>
                       </a:endParaRPr>
@@ -15328,15 +15309,15 @@
       </p:sp>
       <p:pic>
         <p:nvPicPr>
-          <p:cNvPr id="10" name="Content Placeholder 9">
+          <p:cNvPr id="5" name="Content Placeholder 4">
             <a:extLst>
               <a:ext uri="{FF2B5EF4-FFF2-40B4-BE49-F238E27FC236}">
-                <a16:creationId xmlns:a16="http://schemas.microsoft.com/office/drawing/2014/main" id="{8DAD20E6-33FF-4EE1-8D36-8141BA54112C}"/>
+                <a16:creationId xmlns:a16="http://schemas.microsoft.com/office/drawing/2014/main" id="{E2F45A34-F61E-404C-9554-BA1F145EB396}"/>
               </a:ext>
             </a:extLst>
           </p:cNvPr>
           <p:cNvPicPr>
-            <a:picLocks noGrp="1"/>
+            <a:picLocks noGrp="1" noChangeAspect="1"/>
           </p:cNvPicPr>
           <p:nvPr>
             <p:ph idx="1"/>
@@ -15350,17 +15331,14 @@
               </a:ext>
             </a:extLst>
           </a:blip>
-          <a:srcRect l="411" t="6756" r="305" b="1006"/>
+          <a:srcRect l="658" t="7669" r="554" b="1633"/>
           <a:stretch/>
         </p:blipFill>
         <p:spPr>
           <a:xfrm>
-            <a:off x="612000" y="1116000"/>
-            <a:ext cx="10980000" cy="5184000"/>
+            <a:off x="70464" y="839040"/>
+            <a:ext cx="12051072" cy="5398272"/>
           </a:xfrm>
-          <a:prstGeom prst="rect">
-            <a:avLst/>
-          </a:prstGeom>
         </p:spPr>
       </p:pic>
     </p:spTree>
@@ -15528,21 +15506,7 @@
                 <a:latin typeface="Times New Roman"/>
                 <a:cs typeface="Times New Roman"/>
               </a:rPr>
-              <a:t>: </a:t>
-            </a:r>
-            <a:r>
-              <a:rPr lang="en-US" dirty="0" err="1">
-                <a:latin typeface="Times New Roman"/>
-                <a:cs typeface="Times New Roman"/>
-              </a:rPr>
-              <a:t>Sqlite</a:t>
-            </a:r>
-            <a:r>
-              <a:rPr lang="en-US" dirty="0">
-                <a:latin typeface="Times New Roman"/>
-                <a:cs typeface="Times New Roman"/>
-              </a:rPr>
-              <a:t>.</a:t>
+              <a:t>: SQLite.</a:t>
             </a:r>
             <a:endParaRPr dirty="0">
               <a:latin typeface="Times New Roman"/>

--- a/doc/GQW/Raschupkin_EV_UAV_Route_Planning.pptx
+++ b/doc/GQW/Raschupkin_EV_UAV_Route_Planning.pptx
@@ -7,10 +7,13 @@
   <p:notesMasterIdLst>
     <p:notesMasterId r:id="rId26"/>
   </p:notesMasterIdLst>
+  <p:handoutMasterIdLst>
+    <p:handoutMasterId r:id="rId27"/>
+  </p:handoutMasterIdLst>
   <p:sldIdLst>
     <p:sldId id="256" r:id="rId2"/>
-    <p:sldId id="257" r:id="rId3"/>
-    <p:sldId id="258" r:id="rId4"/>
+    <p:sldId id="258" r:id="rId3"/>
+    <p:sldId id="257" r:id="rId4"/>
     <p:sldId id="259" r:id="rId5"/>
     <p:sldId id="260" r:id="rId6"/>
     <p:sldId id="261" r:id="rId7"/>
@@ -163,6 +166,199 @@
 </p:presentation>
 </file>
 
+<file path=ppt/handoutMasters/handoutMaster1.xml><?xml version="1.0" encoding="utf-8"?>
+<p:handoutMaster xmlns:a="http://schemas.openxmlformats.org/drawingml/2006/main" xmlns:r="http://schemas.openxmlformats.org/officeDocument/2006/relationships" xmlns:p="http://schemas.openxmlformats.org/presentationml/2006/main">
+  <p:cSld>
+    <p:bg>
+      <p:bgRef idx="1001">
+        <a:schemeClr val="bg1"/>
+      </p:bgRef>
+    </p:bg>
+    <p:spTree>
+      <p:nvGrpSpPr>
+        <p:cNvPr id="1" name=""/>
+        <p:cNvGrpSpPr/>
+        <p:nvPr/>
+      </p:nvGrpSpPr>
+      <p:grpSpPr>
+        <a:xfrm>
+          <a:off x="0" y="0"/>
+          <a:ext cx="0" cy="0"/>
+          <a:chOff x="0" y="0"/>
+          <a:chExt cx="0" cy="0"/>
+        </a:xfrm>
+      </p:grpSpPr>
+      <p:sp>
+        <p:nvSpPr>
+          <p:cNvPr id="2" name="Header Placeholder 1">
+            <a:extLst>
+              <a:ext uri="{FF2B5EF4-FFF2-40B4-BE49-F238E27FC236}">
+                <a16:creationId xmlns:a16="http://schemas.microsoft.com/office/drawing/2014/main" id="{555191ED-EF10-4597-8527-E3466FB1EF1F}"/>
+              </a:ext>
+            </a:extLst>
+          </p:cNvPr>
+          <p:cNvSpPr>
+            <a:spLocks noGrp="1"/>
+          </p:cNvSpPr>
+          <p:nvPr>
+            <p:ph type="hdr" sz="quarter"/>
+          </p:nvPr>
+        </p:nvSpPr>
+        <p:spPr>
+          <a:xfrm>
+            <a:off x="0" y="0"/>
+            <a:ext cx="3962400" cy="344488"/>
+          </a:xfrm>
+          <a:prstGeom prst="rect">
+            <a:avLst/>
+          </a:prstGeom>
+        </p:spPr>
+        <p:txBody>
+          <a:bodyPr vert="horz" lIns="91440" tIns="45720" rIns="91440" bIns="45720" rtlCol="0"/>
+          <a:lstStyle>
+            <a:lvl1pPr algn="l">
+              <a:defRPr sz="1200"/>
+            </a:lvl1pPr>
+          </a:lstStyle>
+          <a:p>
+            <a:r>
+              <a:rPr lang="en-US"/>
+              <a:t>FV</a:t>
+            </a:r>
+          </a:p>
+        </p:txBody>
+      </p:sp>
+      <p:sp>
+        <p:nvSpPr>
+          <p:cNvPr id="3" name="Date Placeholder 2">
+            <a:extLst>
+              <a:ext uri="{FF2B5EF4-FFF2-40B4-BE49-F238E27FC236}">
+                <a16:creationId xmlns:a16="http://schemas.microsoft.com/office/drawing/2014/main" id="{AB725824-399B-47F1-9A22-6B88586360BF}"/>
+              </a:ext>
+            </a:extLst>
+          </p:cNvPr>
+          <p:cNvSpPr>
+            <a:spLocks noGrp="1"/>
+          </p:cNvSpPr>
+          <p:nvPr>
+            <p:ph type="dt" sz="quarter" idx="1"/>
+          </p:nvPr>
+        </p:nvSpPr>
+        <p:spPr>
+          <a:xfrm>
+            <a:off x="5180013" y="0"/>
+            <a:ext cx="3962400" cy="344488"/>
+          </a:xfrm>
+          <a:prstGeom prst="rect">
+            <a:avLst/>
+          </a:prstGeom>
+        </p:spPr>
+        <p:txBody>
+          <a:bodyPr vert="horz" lIns="91440" tIns="45720" rIns="91440" bIns="45720" rtlCol="0"/>
+          <a:lstStyle>
+            <a:lvl1pPr algn="r">
+              <a:defRPr sz="1200"/>
+            </a:lvl1pPr>
+          </a:lstStyle>
+          <a:p>
+            <a:fld id="{63919D39-0456-443B-8141-4E4F86DB8EC7}" type="datetimeFigureOut">
+              <a:rPr lang="en-US" smtClean="0"/>
+              <a:t>2024-06-16</a:t>
+            </a:fld>
+            <a:endParaRPr lang="en-US"/>
+          </a:p>
+        </p:txBody>
+      </p:sp>
+      <p:sp>
+        <p:nvSpPr>
+          <p:cNvPr id="4" name="Footer Placeholder 3">
+            <a:extLst>
+              <a:ext uri="{FF2B5EF4-FFF2-40B4-BE49-F238E27FC236}">
+                <a16:creationId xmlns:a16="http://schemas.microsoft.com/office/drawing/2014/main" id="{D7E121A3-5F58-465D-BB44-9025242A3DE3}"/>
+              </a:ext>
+            </a:extLst>
+          </p:cNvPr>
+          <p:cNvSpPr>
+            <a:spLocks noGrp="1"/>
+          </p:cNvSpPr>
+          <p:nvPr>
+            <p:ph type="ftr" sz="quarter" idx="2"/>
+          </p:nvPr>
+        </p:nvSpPr>
+        <p:spPr>
+          <a:xfrm>
+            <a:off x="0" y="6513513"/>
+            <a:ext cx="3962400" cy="344487"/>
+          </a:xfrm>
+          <a:prstGeom prst="rect">
+            <a:avLst/>
+          </a:prstGeom>
+        </p:spPr>
+        <p:txBody>
+          <a:bodyPr vert="horz" lIns="91440" tIns="45720" rIns="91440" bIns="45720" rtlCol="0" anchor="b"/>
+          <a:lstStyle>
+            <a:lvl1pPr algn="l">
+              <a:defRPr sz="1200"/>
+            </a:lvl1pPr>
+          </a:lstStyle>
+          <a:p>
+            <a:endParaRPr lang="en-US"/>
+          </a:p>
+        </p:txBody>
+      </p:sp>
+      <p:sp>
+        <p:nvSpPr>
+          <p:cNvPr id="5" name="Slide Number Placeholder 4">
+            <a:extLst>
+              <a:ext uri="{FF2B5EF4-FFF2-40B4-BE49-F238E27FC236}">
+                <a16:creationId xmlns:a16="http://schemas.microsoft.com/office/drawing/2014/main" id="{E93EBF91-6D77-47CE-B2D4-F31DD6AF3EBE}"/>
+              </a:ext>
+            </a:extLst>
+          </p:cNvPr>
+          <p:cNvSpPr>
+            <a:spLocks noGrp="1"/>
+          </p:cNvSpPr>
+          <p:nvPr>
+            <p:ph type="sldNum" sz="quarter" idx="3"/>
+          </p:nvPr>
+        </p:nvSpPr>
+        <p:spPr>
+          <a:xfrm>
+            <a:off x="5180013" y="6513513"/>
+            <a:ext cx="3962400" cy="344487"/>
+          </a:xfrm>
+          <a:prstGeom prst="rect">
+            <a:avLst/>
+          </a:prstGeom>
+        </p:spPr>
+        <p:txBody>
+          <a:bodyPr vert="horz" lIns="91440" tIns="45720" rIns="91440" bIns="45720" rtlCol="0" anchor="b"/>
+          <a:lstStyle>
+            <a:lvl1pPr algn="r">
+              <a:defRPr sz="1200"/>
+            </a:lvl1pPr>
+          </a:lstStyle>
+          <a:p>
+            <a:fld id="{1B92DABB-01DD-4FDE-BDB5-5B3A3F73D7AB}" type="slidenum">
+              <a:rPr lang="en-US" smtClean="0"/>
+              <a:t>‹#›</a:t>
+            </a:fld>
+            <a:endParaRPr lang="en-US"/>
+          </a:p>
+        </p:txBody>
+      </p:sp>
+    </p:spTree>
+    <p:extLst>
+      <p:ext uri="{BB962C8B-B14F-4D97-AF65-F5344CB8AC3E}">
+        <p14:creationId xmlns:p14="http://schemas.microsoft.com/office/powerpoint/2010/main" val="1241547522"/>
+      </p:ext>
+    </p:extLst>
+  </p:cSld>
+  <p:clrMap bg1="lt1" tx1="dk1" bg2="lt2" tx2="dk2" accent1="accent1" accent2="accent2" accent3="accent3" accent4="accent4" accent5="accent5" accent6="accent6" hlink="hlink" folHlink="folHlink"/>
+  <p:hf hdr="0" ftr="0" dt="0"/>
+</p:handoutMaster>
+</file>
+
 <file path=ppt/notesMasters/notesMaster1.xml><?xml version="1.0" encoding="utf-8"?>
 <p:notesMaster xmlns:a="http://schemas.openxmlformats.org/drawingml/2006/main" xmlns:r="http://schemas.openxmlformats.org/officeDocument/2006/relationships" xmlns:p="http://schemas.openxmlformats.org/presentationml/2006/main">
   <p:cSld>
@@ -212,7 +408,10 @@
             </a:lvl1pPr>
           </a:lstStyle>
           <a:p>
-            <a:endParaRPr lang="en-US"/>
+            <a:r>
+              <a:rPr lang="en-US"/>
+              <a:t>FV</a:t>
+            </a:r>
           </a:p>
         </p:txBody>
       </p:sp>
@@ -245,7 +444,7 @@
           <a:p>
             <a:fld id="{017DE71F-3CDD-4F9E-A351-8E9DDE9F4932}" type="datetimeFigureOut">
               <a:rPr lang="en-US" smtClean="0"/>
-              <a:t>2024-06-04</a:t>
+              <a:t>2024-06-16</a:t>
             </a:fld>
             <a:endParaRPr lang="en-US"/>
           </a:p>
@@ -417,6 +616,7 @@
     </p:extLst>
   </p:cSld>
   <p:clrMap bg1="lt1" tx1="dk1" bg2="lt2" tx2="dk2" accent1="accent1" accent2="accent2" accent3="accent3" accent4="accent4" accent5="accent5" accent6="accent6" hlink="hlink" folHlink="folHlink"/>
+  <p:hf hdr="0" ftr="0" dt="0"/>
   <p:notesStyle>
     <a:lvl1pPr marL="0" algn="l" defTabSz="914400" rtl="0" eaLnBrk="1" latinLnBrk="0" hangingPunct="1">
       <a:defRPr sz="1200" kern="1200">
@@ -1752,154 +1952,75 @@
           <a:bodyPr/>
           <a:lstStyle/>
           <a:p>
-            <a:pPr marL="0" marR="0" lvl="0" indent="0" algn="l" defTabSz="914400" rtl="0" eaLnBrk="1" fontAlgn="auto" latinLnBrk="0" hangingPunct="1">
-              <a:lnSpc>
-                <a:spcPct val="100000"/>
-              </a:lnSpc>
-              <a:spcBef>
-                <a:spcPts val="0"/>
-              </a:spcBef>
-              <a:spcAft>
-                <a:spcPts val="0"/>
-              </a:spcAft>
-              <a:buClrTx/>
-              <a:buSzTx/>
-              <a:buFontTx/>
-              <a:buNone/>
-              <a:tabLst/>
-              <a:defRPr/>
-            </a:pPr>
             <a:r>
               <a:rPr lang="ru-RU" dirty="0"/>
-              <a:t>Целью работы является </a:t>
-            </a:r>
-            <a:r>
-              <a:rPr lang="en-US" dirty="0"/>
-              <a:t>“</a:t>
-            </a:r>
-            <a:r>
-              <a:rPr lang="ru-RU" dirty="0">
-                <a:latin typeface="Times New Roman"/>
-                <a:cs typeface="Times New Roman"/>
-              </a:rPr>
-              <a:t>Разработка настольного приложения для расчета маршрута сельскохозяйственного дрона по имеющимся характеристикам</a:t>
-            </a:r>
-            <a:r>
-              <a:rPr lang="en-US" dirty="0"/>
-              <a:t>”</a:t>
+              <a:t>Актуальность данной работы обусловлена </a:t>
+            </a:r>
+            <a:r>
+              <a:rPr lang="ru-RU" sz="1200" dirty="0">
+                <a:latin typeface="Times New Roman"/>
+                <a:cs typeface="Times New Roman"/>
+              </a:rPr>
+              <a:t>растущим интересом к применению беспилотных летательных аппаратов в сельском хозяйстве. В частности, дроны используются для мониторинга урожая за счет съемки полей.</a:t>
             </a:r>
             <a:br>
-              <a:rPr lang="en-US" dirty="0"/>
+              <a:rPr lang="ru-RU" sz="1200" dirty="0">
+                <a:latin typeface="Times New Roman"/>
+                <a:cs typeface="Times New Roman"/>
+              </a:rPr>
             </a:br>
             <a:r>
-              <a:rPr lang="ru-RU" dirty="0"/>
-              <a:t>Для достижения данной цели, необходимо выполнить следующие задачи</a:t>
-            </a:r>
-            <a:r>
-              <a:rPr lang="en-US" dirty="0"/>
+              <a:rPr lang="ru-RU" sz="1200" dirty="0">
+                <a:latin typeface="Times New Roman"/>
+                <a:cs typeface="Times New Roman"/>
+              </a:rPr>
+              <a:t>Мое приложение позволит</a:t>
+            </a:r>
+            <a:r>
+              <a:rPr lang="en-US" sz="1200" dirty="0">
+                <a:latin typeface="Times New Roman"/>
+                <a:cs typeface="Times New Roman"/>
+              </a:rPr>
               <a:t>:</a:t>
             </a:r>
-            <a:r>
-              <a:rPr lang="ru-RU" dirty="0"/>
-              <a:t> </a:t>
-            </a:r>
-            <a:r>
-              <a:rPr lang="en-US" dirty="0"/>
-              <a:t>“</a:t>
-            </a:r>
-          </a:p>
-          <a:p>
-            <a:pPr marL="394022" indent="-394022">
-              <a:buFont typeface="Arial"/>
-              <a:buAutoNum type="arabicPeriod"/>
-              <a:defRPr/>
-            </a:pPr>
-            <a:r>
-              <a:rPr lang="ru-RU" dirty="0">
-                <a:latin typeface="Times New Roman"/>
-                <a:cs typeface="Times New Roman"/>
-              </a:rPr>
-              <a:t>Выполнить анализ предметной области и произвести обзор существующих решений.</a:t>
-            </a:r>
-          </a:p>
-          <a:p>
-            <a:pPr marL="394022" indent="-394022">
-              <a:buFont typeface="Arial"/>
-              <a:buAutoNum type="arabicPeriod"/>
-              <a:defRPr/>
-            </a:pPr>
-            <a:r>
-              <a:rPr lang="ru-RU" dirty="0">
-                <a:latin typeface="Times New Roman"/>
-                <a:cs typeface="Times New Roman"/>
-              </a:rPr>
-              <a:t>Разработать базовую архитектуру приложения.</a:t>
-            </a:r>
-          </a:p>
-          <a:p>
-            <a:pPr marL="394022" indent="-394022">
-              <a:buFont typeface="Arial"/>
-              <a:buAutoNum type="arabicPeriod"/>
-              <a:defRPr/>
-            </a:pPr>
-            <a:r>
-              <a:rPr lang="ru-RU" dirty="0">
-                <a:latin typeface="Times New Roman"/>
-                <a:cs typeface="Times New Roman"/>
-              </a:rPr>
-              <a:t>Описать алгоритмы, использующиеся в системе.</a:t>
-            </a:r>
-          </a:p>
-          <a:p>
-            <a:pPr marL="394022" indent="-394022">
-              <a:buFont typeface="Arial"/>
-              <a:buAutoNum type="arabicPeriod"/>
-              <a:defRPr/>
-            </a:pPr>
-            <a:r>
-              <a:rPr lang="ru-RU" dirty="0">
-                <a:latin typeface="Times New Roman"/>
-                <a:cs typeface="Times New Roman"/>
-              </a:rPr>
-              <a:t>Выполнить реализацию приложения.</a:t>
-            </a:r>
-          </a:p>
-          <a:p>
-            <a:pPr marL="394022" indent="-394022">
-              <a:buFont typeface="Arial"/>
-              <a:buAutoNum type="arabicPeriod"/>
-              <a:defRPr/>
-            </a:pPr>
-            <a:r>
-              <a:rPr lang="ru-RU" dirty="0">
-                <a:latin typeface="Times New Roman"/>
-                <a:cs typeface="Times New Roman"/>
-              </a:rPr>
-              <a:t>Выполнить тестирование.</a:t>
-            </a:r>
-          </a:p>
-          <a:p>
-            <a:pPr marL="0" marR="0" lvl="0" indent="0" algn="l" defTabSz="914400" rtl="0" eaLnBrk="1" fontAlgn="auto" latinLnBrk="0" hangingPunct="1">
-              <a:lnSpc>
-                <a:spcPct val="100000"/>
-              </a:lnSpc>
-              <a:spcBef>
-                <a:spcPts val="0"/>
-              </a:spcBef>
-              <a:spcAft>
-                <a:spcPts val="0"/>
-              </a:spcAft>
-              <a:buClrTx/>
-              <a:buSzTx/>
-              <a:buFontTx/>
-              <a:buNone/>
-              <a:tabLst/>
-              <a:defRPr/>
-            </a:pPr>
-            <a:r>
-              <a:rPr lang="en-US" dirty="0"/>
-              <a:t>”</a:t>
-            </a:r>
+            <a:br>
+              <a:rPr lang="en-US" sz="1200" dirty="0">
+                <a:latin typeface="Times New Roman"/>
+                <a:cs typeface="Times New Roman"/>
+              </a:rPr>
+            </a:br>
+            <a:br>
+              <a:rPr lang="ru-RU" sz="1200" dirty="0">
+                <a:latin typeface="Times New Roman"/>
+                <a:cs typeface="Times New Roman"/>
+              </a:rPr>
+            </a:br>
+            <a:r>
+              <a:rPr lang="ru-RU" sz="1200" dirty="0">
+                <a:latin typeface="Times New Roman"/>
+                <a:cs typeface="Times New Roman"/>
+              </a:rPr>
+              <a:t>Повысить эффективность использования БПЛА </a:t>
+            </a:r>
+          </a:p>
+          <a:p>
+            <a:r>
+              <a:rPr lang="ru-RU" sz="1200" dirty="0">
+                <a:latin typeface="Times New Roman"/>
+                <a:cs typeface="Times New Roman"/>
+              </a:rPr>
+              <a:t>Сократить затраты на выезд специалистов</a:t>
+            </a:r>
+          </a:p>
+          <a:p>
+            <a:r>
+              <a:rPr lang="ru-RU" sz="1200" dirty="0">
+                <a:latin typeface="Times New Roman"/>
+                <a:cs typeface="Times New Roman"/>
+              </a:rPr>
+              <a:t>И увеличить скорость и точность предварительной оценки затрат на выезд</a:t>
+            </a:r>
+            <a:endParaRPr lang="en-US" dirty="0"/>
           </a:p>
         </p:txBody>
       </p:sp>
@@ -1929,7 +2050,7 @@
     </p:spTree>
     <p:extLst>
       <p:ext uri="{BB962C8B-B14F-4D97-AF65-F5344CB8AC3E}">
-        <p14:creationId xmlns:p14="http://schemas.microsoft.com/office/powerpoint/2010/main" val="2015019179"/>
+        <p14:creationId xmlns:p14="http://schemas.microsoft.com/office/powerpoint/2010/main" val="3120910197"/>
       </p:ext>
     </p:extLst>
   </p:cSld>
@@ -2459,75 +2580,154 @@
           <a:bodyPr/>
           <a:lstStyle/>
           <a:p>
+            <a:pPr marL="0" marR="0" lvl="0" indent="0" algn="l" defTabSz="914400" rtl="0" eaLnBrk="1" fontAlgn="auto" latinLnBrk="0" hangingPunct="1">
+              <a:lnSpc>
+                <a:spcPct val="100000"/>
+              </a:lnSpc>
+              <a:spcBef>
+                <a:spcPts val="0"/>
+              </a:spcBef>
+              <a:spcAft>
+                <a:spcPts val="0"/>
+              </a:spcAft>
+              <a:buClrTx/>
+              <a:buSzTx/>
+              <a:buFontTx/>
+              <a:buNone/>
+              <a:tabLst/>
+              <a:defRPr/>
+            </a:pPr>
             <a:r>
               <a:rPr lang="ru-RU" dirty="0"/>
-              <a:t>Актуальность данной работы обусловлена </a:t>
-            </a:r>
-            <a:r>
-              <a:rPr lang="ru-RU" sz="1200" dirty="0">
-                <a:latin typeface="Times New Roman"/>
-                <a:cs typeface="Times New Roman"/>
-              </a:rPr>
-              <a:t>растущим интересом к применению беспилотных летательных аппаратов в сельском хозяйстве. В частности, дроны используются для мониторинга урожая за счет съемки полей.</a:t>
+              <a:t>Целью работы является </a:t>
+            </a:r>
+            <a:r>
+              <a:rPr lang="en-US" dirty="0"/>
+              <a:t>“</a:t>
+            </a:r>
+            <a:r>
+              <a:rPr lang="ru-RU" dirty="0">
+                <a:latin typeface="Times New Roman"/>
+                <a:cs typeface="Times New Roman"/>
+              </a:rPr>
+              <a:t>Разработка настольного приложения для расчета маршрута сельскохозяйственного дрона по имеющимся характеристикам</a:t>
+            </a:r>
+            <a:r>
+              <a:rPr lang="en-US" dirty="0"/>
+              <a:t>”</a:t>
             </a:r>
             <a:br>
-              <a:rPr lang="ru-RU" sz="1200" dirty="0">
-                <a:latin typeface="Times New Roman"/>
-                <a:cs typeface="Times New Roman"/>
-              </a:rPr>
+              <a:rPr lang="en-US" dirty="0"/>
             </a:br>
             <a:r>
-              <a:rPr lang="ru-RU" sz="1200" dirty="0">
-                <a:latin typeface="Times New Roman"/>
-                <a:cs typeface="Times New Roman"/>
-              </a:rPr>
-              <a:t>Мое приложение позволит</a:t>
-            </a:r>
-            <a:r>
-              <a:rPr lang="en-US" sz="1200" dirty="0">
-                <a:latin typeface="Times New Roman"/>
-                <a:cs typeface="Times New Roman"/>
-              </a:rPr>
+              <a:rPr lang="ru-RU" dirty="0"/>
+              <a:t>Для достижения данной цели, необходимо выполнить следующие задачи</a:t>
+            </a:r>
+            <a:r>
+              <a:rPr lang="en-US" dirty="0"/>
               <a:t>:</a:t>
             </a:r>
-            <a:br>
-              <a:rPr lang="en-US" sz="1200" dirty="0">
-                <a:latin typeface="Times New Roman"/>
-                <a:cs typeface="Times New Roman"/>
-              </a:rPr>
-            </a:br>
-            <a:br>
-              <a:rPr lang="ru-RU" sz="1200" dirty="0">
-                <a:latin typeface="Times New Roman"/>
-                <a:cs typeface="Times New Roman"/>
-              </a:rPr>
-            </a:br>
-            <a:r>
-              <a:rPr lang="ru-RU" sz="1200" dirty="0">
-                <a:latin typeface="Times New Roman"/>
-                <a:cs typeface="Times New Roman"/>
-              </a:rPr>
-              <a:t>Повысить эффективность использования БПЛА </a:t>
-            </a:r>
-          </a:p>
-          <a:p>
-            <a:r>
-              <a:rPr lang="ru-RU" sz="1200" dirty="0">
-                <a:latin typeface="Times New Roman"/>
-                <a:cs typeface="Times New Roman"/>
-              </a:rPr>
-              <a:t>Сократить затраты на выезд специалистов</a:t>
-            </a:r>
-          </a:p>
-          <a:p>
-            <a:r>
-              <a:rPr lang="ru-RU" sz="1200" dirty="0">
-                <a:latin typeface="Times New Roman"/>
-                <a:cs typeface="Times New Roman"/>
-              </a:rPr>
-              <a:t>И увеличить скорость и точность предварительной оценки затрат на выезд</a:t>
-            </a:r>
-            <a:endParaRPr lang="en-US" dirty="0"/>
+            <a:r>
+              <a:rPr lang="ru-RU" dirty="0"/>
+              <a:t> </a:t>
+            </a:r>
+            <a:r>
+              <a:rPr lang="en-US" dirty="0"/>
+              <a:t>“</a:t>
+            </a:r>
+          </a:p>
+          <a:p>
+            <a:pPr marL="394022" indent="-394022">
+              <a:buFont typeface="Arial"/>
+              <a:buAutoNum type="arabicPeriod"/>
+              <a:defRPr/>
+            </a:pPr>
+            <a:r>
+              <a:rPr lang="ru-RU" dirty="0">
+                <a:latin typeface="Times New Roman"/>
+                <a:cs typeface="Times New Roman"/>
+              </a:rPr>
+              <a:t>Выполнить анализ предметной области и произвести обзор существующих решений.</a:t>
+            </a:r>
+          </a:p>
+          <a:p>
+            <a:pPr marL="394022" indent="-394022">
+              <a:buFont typeface="Arial"/>
+              <a:buAutoNum type="arabicPeriod"/>
+              <a:defRPr/>
+            </a:pPr>
+            <a:r>
+              <a:rPr lang="ru-RU" dirty="0">
+                <a:latin typeface="Times New Roman"/>
+                <a:cs typeface="Times New Roman"/>
+              </a:rPr>
+              <a:t>Разработать базовую архитектуру приложения.</a:t>
+            </a:r>
+          </a:p>
+          <a:p>
+            <a:pPr marL="394022" indent="-394022">
+              <a:buFont typeface="Arial"/>
+              <a:buAutoNum type="arabicPeriod"/>
+              <a:defRPr/>
+            </a:pPr>
+            <a:r>
+              <a:rPr lang="ru-RU" dirty="0">
+                <a:latin typeface="Times New Roman"/>
+                <a:cs typeface="Times New Roman"/>
+              </a:rPr>
+              <a:t>Описать алгоритмы, использующиеся в системе.</a:t>
+            </a:r>
+          </a:p>
+          <a:p>
+            <a:pPr marL="394022" indent="-394022">
+              <a:buFont typeface="Arial"/>
+              <a:buAutoNum type="arabicPeriod"/>
+              <a:defRPr/>
+            </a:pPr>
+            <a:r>
+              <a:rPr lang="ru-RU" dirty="0">
+                <a:latin typeface="Times New Roman"/>
+                <a:cs typeface="Times New Roman"/>
+              </a:rPr>
+              <a:t>Выполнить реализацию приложения.</a:t>
+            </a:r>
+          </a:p>
+          <a:p>
+            <a:pPr marL="394022" indent="-394022">
+              <a:buFont typeface="Arial"/>
+              <a:buAutoNum type="arabicPeriod"/>
+              <a:defRPr/>
+            </a:pPr>
+            <a:r>
+              <a:rPr lang="ru-RU" dirty="0">
+                <a:latin typeface="Times New Roman"/>
+                <a:cs typeface="Times New Roman"/>
+              </a:rPr>
+              <a:t>Выполнить тестирование.</a:t>
+            </a:r>
+          </a:p>
+          <a:p>
+            <a:pPr marL="0" marR="0" lvl="0" indent="0" algn="l" defTabSz="914400" rtl="0" eaLnBrk="1" fontAlgn="auto" latinLnBrk="0" hangingPunct="1">
+              <a:lnSpc>
+                <a:spcPct val="100000"/>
+              </a:lnSpc>
+              <a:spcBef>
+                <a:spcPts val="0"/>
+              </a:spcBef>
+              <a:spcAft>
+                <a:spcPts val="0"/>
+              </a:spcAft>
+              <a:buClrTx/>
+              <a:buSzTx/>
+              <a:buFontTx/>
+              <a:buNone/>
+              <a:tabLst/>
+              <a:defRPr/>
+            </a:pPr>
+            <a:r>
+              <a:rPr lang="en-US" dirty="0"/>
+              <a:t>”</a:t>
+            </a:r>
           </a:p>
         </p:txBody>
       </p:sp>
@@ -2557,7 +2757,7 @@
     </p:spTree>
     <p:extLst>
       <p:ext uri="{BB962C8B-B14F-4D97-AF65-F5344CB8AC3E}">
-        <p14:creationId xmlns:p14="http://schemas.microsoft.com/office/powerpoint/2010/main" val="3120910197"/>
+        <p14:creationId xmlns:p14="http://schemas.microsoft.com/office/powerpoint/2010/main" val="2015019179"/>
       </p:ext>
     </p:extLst>
   </p:cSld>
@@ -3466,7 +3666,7 @@
             </a:pPr>
             <a:fld id="{BCC18F51-09EC-435C-A3BA-64A766E099C0}" type="datetimeFigureOut">
               <a:rPr lang="en-US" smtClean="0"/>
-              <a:t>2024-06-04</a:t>
+              <a:t>2024-06-16</a:t>
             </a:fld>
             <a:endParaRPr lang="en-US"/>
           </a:p>
@@ -3657,7 +3857,7 @@
             </a:pPr>
             <a:fld id="{BCC18F51-09EC-435C-A3BA-64A766E099C0}" type="datetimeFigureOut">
               <a:rPr lang="en-US" smtClean="0"/>
-              <a:t>2024-06-04</a:t>
+              <a:t>2024-06-16</a:t>
             </a:fld>
             <a:endParaRPr lang="en-US"/>
           </a:p>
@@ -3858,7 +4058,7 @@
             </a:pPr>
             <a:fld id="{BCC18F51-09EC-435C-A3BA-64A766E099C0}" type="datetimeFigureOut">
               <a:rPr lang="en-US" smtClean="0"/>
-              <a:t>2024-06-04</a:t>
+              <a:t>2024-06-16</a:t>
             </a:fld>
             <a:endParaRPr lang="en-US"/>
           </a:p>
@@ -4049,7 +4249,7 @@
             </a:pPr>
             <a:fld id="{BCC18F51-09EC-435C-A3BA-64A766E099C0}" type="datetimeFigureOut">
               <a:rPr lang="en-US" smtClean="0"/>
-              <a:t>2024-06-04</a:t>
+              <a:t>2024-06-16</a:t>
             </a:fld>
             <a:endParaRPr lang="en-US"/>
           </a:p>
@@ -4306,7 +4506,7 @@
             </a:pPr>
             <a:fld id="{BCC18F51-09EC-435C-A3BA-64A766E099C0}" type="datetimeFigureOut">
               <a:rPr lang="en-US" smtClean="0"/>
-              <a:t>2024-06-04</a:t>
+              <a:t>2024-06-16</a:t>
             </a:fld>
             <a:endParaRPr lang="en-US"/>
           </a:p>
@@ -4572,7 +4772,7 @@
             </a:pPr>
             <a:fld id="{BCC18F51-09EC-435C-A3BA-64A766E099C0}" type="datetimeFigureOut">
               <a:rPr lang="en-US" smtClean="0"/>
-              <a:t>2024-06-04</a:t>
+              <a:t>2024-06-16</a:t>
             </a:fld>
             <a:endParaRPr lang="en-US"/>
           </a:p>
@@ -4979,7 +5179,7 @@
             </a:pPr>
             <a:fld id="{BCC18F51-09EC-435C-A3BA-64A766E099C0}" type="datetimeFigureOut">
               <a:rPr lang="en-US" smtClean="0"/>
-              <a:t>2024-06-04</a:t>
+              <a:t>2024-06-16</a:t>
             </a:fld>
             <a:endParaRPr lang="en-US"/>
           </a:p>
@@ -5105,7 +5305,7 @@
             </a:pPr>
             <a:fld id="{BCC18F51-09EC-435C-A3BA-64A766E099C0}" type="datetimeFigureOut">
               <a:rPr lang="en-US" smtClean="0"/>
-              <a:t>2024-06-04</a:t>
+              <a:t>2024-06-16</a:t>
             </a:fld>
             <a:endParaRPr lang="en-US"/>
           </a:p>
@@ -5206,7 +5406,7 @@
             </a:pPr>
             <a:fld id="{BCC18F51-09EC-435C-A3BA-64A766E099C0}" type="datetimeFigureOut">
               <a:rPr lang="en-US" smtClean="0"/>
-              <a:t>2024-06-04</a:t>
+              <a:t>2024-06-16</a:t>
             </a:fld>
             <a:endParaRPr lang="en-US"/>
           </a:p>
@@ -5507,7 +5707,7 @@
             </a:pPr>
             <a:fld id="{BCC18F51-09EC-435C-A3BA-64A766E099C0}" type="datetimeFigureOut">
               <a:rPr lang="en-US" smtClean="0"/>
-              <a:t>2024-06-04</a:t>
+              <a:t>2024-06-16</a:t>
             </a:fld>
             <a:endParaRPr lang="en-US"/>
           </a:p>
@@ -5777,7 +5977,7 @@
             </a:pPr>
             <a:fld id="{BCC18F51-09EC-435C-A3BA-64A766E099C0}" type="datetimeFigureOut">
               <a:rPr lang="en-US" smtClean="0"/>
-              <a:t>2024-06-04</a:t>
+              <a:t>2024-06-16</a:t>
             </a:fld>
             <a:endParaRPr lang="en-US"/>
           </a:p>
@@ -6011,7 +6211,7 @@
             </a:pPr>
             <a:fld id="{BCC18F51-09EC-435C-A3BA-64A766E099C0}" type="datetimeFigureOut">
               <a:rPr lang="en-US" smtClean="0"/>
-              <a:t>2024-06-04</a:t>
+              <a:t>2024-06-16</a:t>
             </a:fld>
             <a:endParaRPr lang="en-US"/>
           </a:p>
@@ -7842,13 +8042,13 @@
             <p:ph idx="1"/>
             <p:extLst>
               <p:ext uri="{D42A27DB-BD31-4B8C-83A1-F6EECF244321}">
-                <p14:modId xmlns:p14="http://schemas.microsoft.com/office/powerpoint/2010/main" val="2276459249"/>
+                <p14:modId xmlns:p14="http://schemas.microsoft.com/office/powerpoint/2010/main" val="2069765054"/>
               </p:ext>
             </p:extLst>
           </p:nvPr>
         </p:nvGraphicFramePr>
         <p:xfrm>
-          <a:off x="335360" y="1085128"/>
+          <a:off x="335360" y="1167471"/>
           <a:ext cx="11521280" cy="4674077"/>
         </p:xfrm>
         <a:graphic>
@@ -7958,12 +8158,24 @@
                     <a:p>
                       <a:pPr algn="ctr"/>
                       <a:r>
-                        <a:rPr lang="ru-RU" sz="1600">
+                        <a:rPr lang="ru-RU" sz="1600" dirty="0" err="1">
                           <a:effectLst/>
                         </a:rPr>
-                        <a:t>Rectangular areas</a:t>
+                        <a:t>Rectangular</a:t>
                       </a:r>
-                      <a:endParaRPr lang="en-US" sz="1400">
+                      <a:r>
+                        <a:rPr lang="ru-RU" sz="1600" dirty="0">
+                          <a:effectLst/>
+                        </a:rPr>
+                        <a:t> </a:t>
+                      </a:r>
+                      <a:r>
+                        <a:rPr lang="ru-RU" sz="1600" dirty="0" err="1">
+                          <a:effectLst/>
+                        </a:rPr>
+                        <a:t>areas</a:t>
+                      </a:r>
+                      <a:endParaRPr lang="en-US" sz="1400" dirty="0">
                         <a:effectLst/>
                         <a:latin typeface="Times New Roman" panose="02020603050405020304" pitchFamily="18" charset="0"/>
                         <a:ea typeface="Arial" panose="020B0604020202020204" pitchFamily="34" charset="0"/>
@@ -8646,6 +8858,41 @@
           </a:p>
         </p:txBody>
       </p:sp>
+      <p:pic>
+        <p:nvPicPr>
+          <p:cNvPr id="5" name="Picture 4">
+            <a:extLst>
+              <a:ext uri="{FF2B5EF4-FFF2-40B4-BE49-F238E27FC236}">
+                <a16:creationId xmlns:a16="http://schemas.microsoft.com/office/drawing/2014/main" id="{49658DFC-BD98-407C-84F7-F790C7751700}"/>
+              </a:ext>
+            </a:extLst>
+          </p:cNvPr>
+          <p:cNvPicPr>
+            <a:picLocks noChangeAspect="1"/>
+          </p:cNvPicPr>
+          <p:nvPr/>
+        </p:nvPicPr>
+        <p:blipFill rotWithShape="1">
+          <a:blip r:embed="rId3">
+            <a:extLst>
+              <a:ext uri="{28A0092B-C50C-407E-A947-70E740481C1C}">
+                <a14:useLocalDpi xmlns:a14="http://schemas.microsoft.com/office/drawing/2010/main" val="0"/>
+              </a:ext>
+            </a:extLst>
+          </a:blip>
+          <a:srcRect l="9592" t="9933" r="9828" b="9488"/>
+          <a:stretch/>
+        </p:blipFill>
+        <p:spPr bwMode="auto">
+          <a:xfrm>
+            <a:off x="11102796" y="-4075"/>
+            <a:ext cx="1089203" cy="1089203"/>
+          </a:xfrm>
+          <a:prstGeom prst="rect">
+            <a:avLst/>
+          </a:prstGeom>
+        </p:spPr>
+      </p:pic>
     </p:spTree>
   </p:cSld>
   <p:clrMapOvr>
@@ -8689,7 +8936,7 @@
         </p:spPr>
         <p:txBody>
           <a:bodyPr vertOverflow="overflow" horzOverflow="overflow" vert="horz" wrap="square" lIns="91440" tIns="45720" rIns="91440" bIns="45720" numCol="1" spcCol="0" rtlCol="0" fromWordArt="0" anchor="ctr" anchorCtr="0" forceAA="0" compatLnSpc="0">
-            <a:normAutofit fontScale="90000"/>
+            <a:normAutofit/>
           </a:bodyPr>
           <a:lstStyle/>
           <a:p>
@@ -8701,7 +8948,21 @@
                 <a:latin typeface="Times New Roman"/>
                 <a:cs typeface="Times New Roman"/>
               </a:rPr>
-              <a:t>ВИЗУАЛИЗАЦИЯ РАБОТЫ АЛГОРИТМА ДИСКРЕТИЗАЦИИ</a:t>
+              <a:t>РАБОТ</a:t>
+            </a:r>
+            <a:r>
+              <a:rPr lang="ru-RU" sz="2800" b="1" dirty="0">
+                <a:latin typeface="Times New Roman"/>
+                <a:cs typeface="Times New Roman"/>
+              </a:rPr>
+              <a:t>А </a:t>
+            </a:r>
+            <a:r>
+              <a:rPr sz="2800" b="1" dirty="0">
+                <a:latin typeface="Times New Roman"/>
+                <a:cs typeface="Times New Roman"/>
+              </a:rPr>
+              <a:t>АЛГОРИТМА ДИСКРЕТИЗАЦИИ</a:t>
             </a:r>
           </a:p>
         </p:txBody>
@@ -8770,7 +9031,7 @@
         </p:blipFill>
         <p:spPr>
           <a:xfrm>
-            <a:off x="2205336" y="720000"/>
+            <a:off x="263352" y="720000"/>
             <a:ext cx="7776864" cy="5757870"/>
           </a:xfrm>
           <a:noFill/>
@@ -8779,6 +9040,158 @@
               <a:schemeClr val="tx1"/>
             </a:solidFill>
           </a:ln>
+        </p:spPr>
+      </p:pic>
+      <p:sp>
+        <p:nvSpPr>
+          <p:cNvPr id="6" name="TextBox 5">
+            <a:extLst>
+              <a:ext uri="{FF2B5EF4-FFF2-40B4-BE49-F238E27FC236}">
+                <a16:creationId xmlns:a16="http://schemas.microsoft.com/office/drawing/2014/main" id="{422925BD-94B1-45F5-A713-776521A355BA}"/>
+              </a:ext>
+            </a:extLst>
+          </p:cNvPr>
+          <p:cNvSpPr txBox="1"/>
+          <p:nvPr/>
+        </p:nvSpPr>
+        <p:spPr>
+          <a:xfrm>
+            <a:off x="8184232" y="720000"/>
+            <a:ext cx="4007767" cy="5262979"/>
+          </a:xfrm>
+          <a:prstGeom prst="rect">
+            <a:avLst/>
+          </a:prstGeom>
+          <a:noFill/>
+        </p:spPr>
+        <p:txBody>
+          <a:bodyPr wrap="square">
+            <a:spAutoFit/>
+          </a:bodyPr>
+          <a:lstStyle/>
+          <a:p>
+            <a:pPr>
+              <a:defRPr/>
+            </a:pPr>
+            <a:r>
+              <a:rPr lang="ru-RU" sz="2400" dirty="0">
+                <a:latin typeface="Times New Roman"/>
+                <a:cs typeface="Times New Roman"/>
+              </a:rPr>
+              <a:t>Прямоугольники – </a:t>
+            </a:r>
+            <a:br>
+              <a:rPr lang="ru-RU" sz="2400" dirty="0">
+                <a:latin typeface="Times New Roman"/>
+                <a:cs typeface="Times New Roman"/>
+              </a:rPr>
+            </a:br>
+            <a:r>
+              <a:rPr lang="ru-RU" sz="2400" dirty="0">
+                <a:latin typeface="Times New Roman"/>
+                <a:cs typeface="Times New Roman"/>
+              </a:rPr>
+              <a:t>области съемки одного снимка камеры</a:t>
+            </a:r>
+          </a:p>
+          <a:p>
+            <a:pPr>
+              <a:defRPr/>
+            </a:pPr>
+            <a:endParaRPr lang="ru-RU" sz="2400" dirty="0">
+              <a:latin typeface="Times New Roman"/>
+              <a:cs typeface="Times New Roman"/>
+            </a:endParaRPr>
+          </a:p>
+          <a:p>
+            <a:pPr>
+              <a:defRPr/>
+            </a:pPr>
+            <a:r>
+              <a:rPr lang="ru-RU" sz="2400" dirty="0">
+                <a:latin typeface="Times New Roman"/>
+                <a:cs typeface="Times New Roman"/>
+              </a:rPr>
+              <a:t>Центры прямоугольников –</a:t>
+            </a:r>
+            <a:br>
+              <a:rPr lang="ru-RU" sz="2400" dirty="0">
+                <a:latin typeface="Times New Roman"/>
+                <a:cs typeface="Times New Roman"/>
+              </a:rPr>
+            </a:br>
+            <a:r>
+              <a:rPr lang="ru-RU" sz="2400" dirty="0">
+                <a:latin typeface="Times New Roman"/>
+                <a:cs typeface="Times New Roman"/>
+              </a:rPr>
+              <a:t>точки для посещения дроном</a:t>
+            </a:r>
+            <a:endParaRPr lang="en-US" sz="2400" dirty="0">
+              <a:latin typeface="Times New Roman"/>
+              <a:cs typeface="Times New Roman"/>
+            </a:endParaRPr>
+          </a:p>
+          <a:p>
+            <a:pPr>
+              <a:defRPr/>
+            </a:pPr>
+            <a:endParaRPr lang="en-US" sz="2400" dirty="0">
+              <a:latin typeface="Times New Roman"/>
+              <a:cs typeface="Times New Roman"/>
+            </a:endParaRPr>
+          </a:p>
+          <a:p>
+            <a:pPr>
+              <a:defRPr/>
+            </a:pPr>
+            <a:r>
+              <a:rPr lang="ru-RU" sz="2400" dirty="0">
+                <a:latin typeface="Times New Roman"/>
+                <a:cs typeface="Times New Roman"/>
+              </a:rPr>
+              <a:t>Алгоритму Ближайший сосед и Полный перебор передаются только необходимые для посещения  точки, алгоритму для прямоугольных областей, все</a:t>
+            </a:r>
+            <a:endParaRPr lang="en-US" sz="2400" dirty="0">
+              <a:latin typeface="Times New Roman"/>
+              <a:cs typeface="Times New Roman"/>
+            </a:endParaRPr>
+          </a:p>
+        </p:txBody>
+      </p:sp>
+      <p:pic>
+        <p:nvPicPr>
+          <p:cNvPr id="9" name="Picture 8">
+            <a:extLst>
+              <a:ext uri="{FF2B5EF4-FFF2-40B4-BE49-F238E27FC236}">
+                <a16:creationId xmlns:a16="http://schemas.microsoft.com/office/drawing/2014/main" id="{271132CD-A1A3-496D-9E16-270A263D5F95}"/>
+              </a:ext>
+            </a:extLst>
+          </p:cNvPr>
+          <p:cNvPicPr>
+            <a:picLocks noChangeAspect="1"/>
+          </p:cNvPicPr>
+          <p:nvPr/>
+        </p:nvPicPr>
+        <p:blipFill rotWithShape="1">
+          <a:blip r:embed="rId4">
+            <a:extLst>
+              <a:ext uri="{28A0092B-C50C-407E-A947-70E740481C1C}">
+                <a14:useLocalDpi xmlns:a14="http://schemas.microsoft.com/office/drawing/2010/main" val="0"/>
+              </a:ext>
+            </a:extLst>
+          </a:blip>
+          <a:srcRect l="9592" t="9933" r="9828" b="9488"/>
+          <a:stretch/>
+        </p:blipFill>
+        <p:spPr bwMode="auto">
+          <a:xfrm>
+            <a:off x="11102796" y="-4075"/>
+            <a:ext cx="1089203" cy="1089203"/>
+          </a:xfrm>
+          <a:prstGeom prst="rect">
+            <a:avLst/>
+          </a:prstGeom>
         </p:spPr>
       </p:pic>
     </p:spTree>
@@ -8824,7 +9237,7 @@
         </p:spPr>
         <p:txBody>
           <a:bodyPr>
-            <a:normAutofit fontScale="90000"/>
+            <a:normAutofit/>
           </a:bodyPr>
           <a:lstStyle/>
           <a:p>
@@ -8836,7 +9249,7 @@
                 <a:latin typeface="Times New Roman"/>
                 <a:cs typeface="Times New Roman"/>
               </a:rPr>
-              <a:t>ВИЗУАЛИЗАЦИЯ РАБОТЫ </a:t>
+              <a:t>РАБОТА </a:t>
             </a:r>
             <a:r>
               <a:rPr sz="2800" b="1" dirty="0">
@@ -8859,12 +9272,6 @@
               </a:rPr>
               <a:t> </a:t>
             </a:r>
-            <a:br>
-              <a:rPr lang="ru-RU" sz="2800" b="1" dirty="0">
-                <a:latin typeface="Times New Roman"/>
-                <a:cs typeface="Times New Roman"/>
-              </a:rPr>
-            </a:br>
             <a:r>
               <a:rPr lang="ru-RU" sz="2800" b="1" dirty="0">
                 <a:latin typeface="Times New Roman"/>
@@ -8960,16 +9367,15 @@
           </p:cNvPicPr>
           <p:nvPr/>
         </p:nvPicPr>
-        <p:blipFill>
+        <p:blipFill rotWithShape="1">
           <a:blip r:embed="rId3"/>
-          <a:stretch>
-            <a:fillRect/>
-          </a:stretch>
+          <a:srcRect r="17252"/>
+          <a:stretch/>
         </p:blipFill>
         <p:spPr>
           <a:xfrm>
-            <a:off x="1524000" y="684020"/>
-            <a:ext cx="9354111" cy="5650053"/>
+            <a:off x="407368" y="717852"/>
+            <a:ext cx="7740352" cy="5650053"/>
           </a:xfrm>
           <a:prstGeom prst="rect">
             <a:avLst/>
@@ -8981,6 +9387,114 @@
           </a:ln>
         </p:spPr>
       </p:pic>
+      <p:pic>
+        <p:nvPicPr>
+          <p:cNvPr id="6" name="Picture 5">
+            <a:extLst>
+              <a:ext uri="{FF2B5EF4-FFF2-40B4-BE49-F238E27FC236}">
+                <a16:creationId xmlns:a16="http://schemas.microsoft.com/office/drawing/2014/main" id="{F2E016E3-DFD2-4919-95A2-EC280445E291}"/>
+              </a:ext>
+            </a:extLst>
+          </p:cNvPr>
+          <p:cNvPicPr>
+            <a:picLocks noChangeAspect="1"/>
+          </p:cNvPicPr>
+          <p:nvPr/>
+        </p:nvPicPr>
+        <p:blipFill rotWithShape="1">
+          <a:blip r:embed="rId4">
+            <a:extLst>
+              <a:ext uri="{28A0092B-C50C-407E-A947-70E740481C1C}">
+                <a14:useLocalDpi xmlns:a14="http://schemas.microsoft.com/office/drawing/2010/main" val="0"/>
+              </a:ext>
+            </a:extLst>
+          </a:blip>
+          <a:srcRect l="9592" t="9933" r="9828" b="9488"/>
+          <a:stretch/>
+        </p:blipFill>
+        <p:spPr bwMode="auto">
+          <a:xfrm>
+            <a:off x="11102796" y="-4075"/>
+            <a:ext cx="1089203" cy="1089203"/>
+          </a:xfrm>
+          <a:prstGeom prst="rect">
+            <a:avLst/>
+          </a:prstGeom>
+        </p:spPr>
+      </p:pic>
+      <p:sp>
+        <p:nvSpPr>
+          <p:cNvPr id="8" name="TextBox 7">
+            <a:extLst>
+              <a:ext uri="{FF2B5EF4-FFF2-40B4-BE49-F238E27FC236}">
+                <a16:creationId xmlns:a16="http://schemas.microsoft.com/office/drawing/2014/main" id="{79EB146B-7566-4DEF-AC1D-60AD0FDF4C83}"/>
+              </a:ext>
+            </a:extLst>
+          </p:cNvPr>
+          <p:cNvSpPr txBox="1"/>
+          <p:nvPr/>
+        </p:nvSpPr>
+        <p:spPr bwMode="auto">
+          <a:xfrm>
+            <a:off x="8165533" y="887237"/>
+            <a:ext cx="3885303" cy="2308324"/>
+          </a:xfrm>
+          <a:prstGeom prst="rect">
+            <a:avLst/>
+          </a:prstGeom>
+          <a:noFill/>
+        </p:spPr>
+        <p:txBody>
+          <a:bodyPr wrap="square">
+            <a:spAutoFit/>
+          </a:bodyPr>
+          <a:lstStyle/>
+          <a:p>
+            <a:pPr>
+              <a:defRPr/>
+            </a:pPr>
+            <a:r>
+              <a:rPr lang="ru-RU" sz="2400" dirty="0">
+                <a:latin typeface="Times New Roman"/>
+                <a:cs typeface="Times New Roman"/>
+              </a:rPr>
+              <a:t>Принцип работы</a:t>
+            </a:r>
+            <a:r>
+              <a:rPr lang="en-US" sz="2400" dirty="0">
+                <a:latin typeface="Times New Roman"/>
+                <a:cs typeface="Times New Roman"/>
+              </a:rPr>
+              <a:t>: </a:t>
+            </a:r>
+            <a:r>
+              <a:rPr lang="ru-RU" sz="2400" dirty="0">
+                <a:latin typeface="Times New Roman"/>
+                <a:cs typeface="Times New Roman"/>
+              </a:rPr>
+              <a:t>Следующая точка для посещения является точкой, ближайшей к текущей</a:t>
+            </a:r>
+          </a:p>
+          <a:p>
+            <a:pPr>
+              <a:defRPr/>
+            </a:pPr>
+            <a:endParaRPr lang="ru-RU" sz="2400" dirty="0">
+              <a:latin typeface="Times New Roman"/>
+              <a:cs typeface="Times New Roman"/>
+            </a:endParaRPr>
+          </a:p>
+          <a:p>
+            <a:pPr>
+              <a:defRPr/>
+            </a:pPr>
+            <a:endParaRPr lang="en-US" sz="2400" dirty="0">
+              <a:latin typeface="Times New Roman"/>
+              <a:cs typeface="Times New Roman"/>
+            </a:endParaRPr>
+          </a:p>
+        </p:txBody>
+      </p:sp>
     </p:spTree>
   </p:cSld>
   <p:clrMapOvr>
@@ -9024,7 +9538,7 @@
         </p:spPr>
         <p:txBody>
           <a:bodyPr>
-            <a:normAutofit fontScale="90000"/>
+            <a:normAutofit/>
           </a:bodyPr>
           <a:lstStyle/>
           <a:p>
@@ -9036,7 +9550,7 @@
                 <a:latin typeface="Times New Roman"/>
                 <a:cs typeface="Times New Roman"/>
               </a:rPr>
-              <a:t>ВИЗУАЛИЗАЦИЯ РАБОТЫ </a:t>
+              <a:t>РАБОТА </a:t>
             </a:r>
             <a:r>
               <a:rPr sz="2800" b="1" dirty="0">
@@ -9059,12 +9573,6 @@
               </a:rPr>
               <a:t> </a:t>
             </a:r>
-            <a:br>
-              <a:rPr lang="ru-RU" sz="2800" b="1" dirty="0">
-                <a:latin typeface="Times New Roman"/>
-                <a:cs typeface="Times New Roman"/>
-              </a:rPr>
-            </a:br>
             <a:r>
               <a:rPr lang="ru-RU" sz="2800" b="1" dirty="0">
                 <a:latin typeface="Times New Roman"/>
@@ -9095,16 +9603,15 @@
             <p:ph idx="1"/>
           </p:nvPr>
         </p:nvPicPr>
-        <p:blipFill>
+        <p:blipFill rotWithShape="1">
           <a:blip r:embed="rId3"/>
-          <a:stretch>
-            <a:fillRect/>
-          </a:stretch>
+          <a:srcRect r="32174"/>
+          <a:stretch/>
         </p:blipFill>
         <p:spPr bwMode="auto">
           <a:xfrm>
-            <a:off x="1450595" y="720000"/>
-            <a:ext cx="9290810" cy="5653309"/>
+            <a:off x="430606" y="720000"/>
+            <a:ext cx="6301589" cy="5653309"/>
           </a:xfrm>
           <a:ln w="12700">
             <a:solidFill>
@@ -9144,6 +9651,122 @@
               <a:t>23</a:t>
             </a:r>
             <a:endParaRPr lang="en-US" dirty="0"/>
+          </a:p>
+        </p:txBody>
+      </p:sp>
+      <p:pic>
+        <p:nvPicPr>
+          <p:cNvPr id="5" name="Picture 4">
+            <a:extLst>
+              <a:ext uri="{FF2B5EF4-FFF2-40B4-BE49-F238E27FC236}">
+                <a16:creationId xmlns:a16="http://schemas.microsoft.com/office/drawing/2014/main" id="{F53601D4-74C8-405F-8029-AB517B44E77A}"/>
+              </a:ext>
+            </a:extLst>
+          </p:cNvPr>
+          <p:cNvPicPr>
+            <a:picLocks noChangeAspect="1"/>
+          </p:cNvPicPr>
+          <p:nvPr/>
+        </p:nvPicPr>
+        <p:blipFill rotWithShape="1">
+          <a:blip r:embed="rId4">
+            <a:extLst>
+              <a:ext uri="{28A0092B-C50C-407E-A947-70E740481C1C}">
+                <a14:useLocalDpi xmlns:a14="http://schemas.microsoft.com/office/drawing/2010/main" val="0"/>
+              </a:ext>
+            </a:extLst>
+          </a:blip>
+          <a:srcRect l="9592" t="9933" r="9828" b="9488"/>
+          <a:stretch/>
+        </p:blipFill>
+        <p:spPr bwMode="auto">
+          <a:xfrm>
+            <a:off x="11102796" y="-4075"/>
+            <a:ext cx="1089203" cy="1089203"/>
+          </a:xfrm>
+          <a:prstGeom prst="rect">
+            <a:avLst/>
+          </a:prstGeom>
+        </p:spPr>
+      </p:pic>
+      <p:sp>
+        <p:nvSpPr>
+          <p:cNvPr id="6" name="TextBox 5">
+            <a:extLst>
+              <a:ext uri="{FF2B5EF4-FFF2-40B4-BE49-F238E27FC236}">
+                <a16:creationId xmlns:a16="http://schemas.microsoft.com/office/drawing/2014/main" id="{2A0CF838-561E-4D42-80C6-C260FF497BB8}"/>
+              </a:ext>
+            </a:extLst>
+          </p:cNvPr>
+          <p:cNvSpPr txBox="1"/>
+          <p:nvPr/>
+        </p:nvSpPr>
+        <p:spPr bwMode="auto">
+          <a:xfrm>
+            <a:off x="6974844" y="1120676"/>
+            <a:ext cx="4593764" cy="2246769"/>
+          </a:xfrm>
+          <a:prstGeom prst="rect">
+            <a:avLst/>
+          </a:prstGeom>
+          <a:noFill/>
+        </p:spPr>
+        <p:txBody>
+          <a:bodyPr wrap="square">
+            <a:spAutoFit/>
+          </a:bodyPr>
+          <a:lstStyle/>
+          <a:p>
+            <a:pPr>
+              <a:defRPr/>
+            </a:pPr>
+            <a:r>
+              <a:rPr lang="ru-RU" sz="2800" dirty="0">
+                <a:latin typeface="Times New Roman"/>
+                <a:cs typeface="Times New Roman"/>
+              </a:rPr>
+              <a:t>+ Скорость работы</a:t>
+            </a:r>
+            <a:br>
+              <a:rPr lang="ru-RU" sz="2800" dirty="0">
+                <a:latin typeface="Times New Roman"/>
+                <a:cs typeface="Times New Roman"/>
+              </a:rPr>
+            </a:br>
+            <a:r>
+              <a:rPr lang="ru-RU" sz="2800" dirty="0">
+                <a:latin typeface="Times New Roman"/>
+                <a:cs typeface="Times New Roman"/>
+              </a:rPr>
+              <a:t>+ Простота реализации</a:t>
+            </a:r>
+          </a:p>
+          <a:p>
+            <a:pPr>
+              <a:defRPr/>
+            </a:pPr>
+            <a:endParaRPr lang="ru-RU" sz="2800" dirty="0">
+              <a:latin typeface="Times New Roman"/>
+              <a:cs typeface="Times New Roman"/>
+            </a:endParaRPr>
+          </a:p>
+          <a:p>
+            <a:pPr indent="268288">
+              <a:buFontTx/>
+              <a:buChar char="-"/>
+              <a:defRPr/>
+            </a:pPr>
+            <a:r>
+              <a:rPr lang="ru-RU" sz="2800" dirty="0">
+                <a:latin typeface="Times New Roman"/>
+                <a:cs typeface="Times New Roman"/>
+              </a:rPr>
+              <a:t>Неоптимальный маршрут, появляются лишние петли</a:t>
+            </a:r>
+            <a:endParaRPr lang="en-US" sz="2800" dirty="0">
+              <a:latin typeface="Times New Roman"/>
+              <a:cs typeface="Times New Roman"/>
+            </a:endParaRPr>
           </a:p>
         </p:txBody>
       </p:sp>
@@ -9195,7 +9818,7 @@
         </p:spPr>
         <p:txBody>
           <a:bodyPr>
-            <a:normAutofit fontScale="90000"/>
+            <a:normAutofit/>
           </a:bodyPr>
           <a:lstStyle/>
           <a:p>
@@ -9207,7 +9830,7 @@
                 <a:latin typeface="Times New Roman"/>
                 <a:cs typeface="Times New Roman"/>
               </a:rPr>
-              <a:t>ВИЗУАЛИЗАЦИЯ РАБОТЫ </a:t>
+              <a:t>РАБОТА </a:t>
             </a:r>
             <a:r>
               <a:rPr sz="2800" b="1" dirty="0">
@@ -9230,12 +9853,6 @@
               </a:rPr>
               <a:t> </a:t>
             </a:r>
-            <a:br>
-              <a:rPr lang="ru-RU" sz="2800" b="1" dirty="0">
-                <a:latin typeface="Times New Roman"/>
-                <a:cs typeface="Times New Roman"/>
-              </a:rPr>
-            </a:br>
             <a:r>
               <a:rPr lang="ru-RU" sz="2800" b="1" dirty="0">
                 <a:latin typeface="Times New Roman"/>
@@ -9266,16 +9883,15 @@
             <p:ph idx="1"/>
           </p:nvPr>
         </p:nvPicPr>
-        <p:blipFill>
+        <p:blipFill rotWithShape="1">
           <a:blip r:embed="rId3"/>
-          <a:stretch>
-            <a:fillRect/>
-          </a:stretch>
+          <a:srcRect r="29539"/>
+          <a:stretch/>
         </p:blipFill>
         <p:spPr bwMode="auto">
           <a:xfrm>
-            <a:off x="1696869" y="815749"/>
-            <a:ext cx="8798261" cy="5444854"/>
+            <a:off x="481735" y="911499"/>
+            <a:ext cx="6199331" cy="5444854"/>
           </a:xfrm>
           <a:ln w="12700">
             <a:solidFill>
@@ -9315,6 +9931,147 @@
               <a:t>23</a:t>
             </a:r>
             <a:endParaRPr lang="en-US" dirty="0"/>
+          </a:p>
+        </p:txBody>
+      </p:sp>
+      <p:pic>
+        <p:nvPicPr>
+          <p:cNvPr id="5" name="Picture 4">
+            <a:extLst>
+              <a:ext uri="{FF2B5EF4-FFF2-40B4-BE49-F238E27FC236}">
+                <a16:creationId xmlns:a16="http://schemas.microsoft.com/office/drawing/2014/main" id="{C3714914-AA62-4BF5-86CC-C70B0621FEDA}"/>
+              </a:ext>
+            </a:extLst>
+          </p:cNvPr>
+          <p:cNvPicPr>
+            <a:picLocks noChangeAspect="1"/>
+          </p:cNvPicPr>
+          <p:nvPr/>
+        </p:nvPicPr>
+        <p:blipFill rotWithShape="1">
+          <a:blip r:embed="rId4">
+            <a:extLst>
+              <a:ext uri="{28A0092B-C50C-407E-A947-70E740481C1C}">
+                <a14:useLocalDpi xmlns:a14="http://schemas.microsoft.com/office/drawing/2010/main" val="0"/>
+              </a:ext>
+            </a:extLst>
+          </a:blip>
+          <a:srcRect l="9592" t="9933" r="9828" b="9488"/>
+          <a:stretch/>
+        </p:blipFill>
+        <p:spPr bwMode="auto">
+          <a:xfrm>
+            <a:off x="11102796" y="-4075"/>
+            <a:ext cx="1089203" cy="1089203"/>
+          </a:xfrm>
+          <a:prstGeom prst="rect">
+            <a:avLst/>
+          </a:prstGeom>
+        </p:spPr>
+      </p:pic>
+      <p:sp>
+        <p:nvSpPr>
+          <p:cNvPr id="6" name="TextBox 5">
+            <a:extLst>
+              <a:ext uri="{FF2B5EF4-FFF2-40B4-BE49-F238E27FC236}">
+                <a16:creationId xmlns:a16="http://schemas.microsoft.com/office/drawing/2014/main" id="{19CAFF8B-36E4-4CC7-ACC5-56B2A240DD43}"/>
+              </a:ext>
+            </a:extLst>
+          </p:cNvPr>
+          <p:cNvSpPr txBox="1"/>
+          <p:nvPr/>
+        </p:nvSpPr>
+        <p:spPr bwMode="auto">
+          <a:xfrm>
+            <a:off x="6827955" y="911499"/>
+            <a:ext cx="4882310" cy="3108543"/>
+          </a:xfrm>
+          <a:prstGeom prst="rect">
+            <a:avLst/>
+          </a:prstGeom>
+          <a:noFill/>
+        </p:spPr>
+        <p:txBody>
+          <a:bodyPr wrap="square">
+            <a:spAutoFit/>
+          </a:bodyPr>
+          <a:lstStyle/>
+          <a:p>
+            <a:pPr>
+              <a:defRPr/>
+            </a:pPr>
+            <a:r>
+              <a:rPr lang="ru-RU" sz="2800" dirty="0">
+                <a:latin typeface="Times New Roman"/>
+                <a:cs typeface="Times New Roman"/>
+              </a:rPr>
+              <a:t>+ Оптимальный маршрут</a:t>
+            </a:r>
+          </a:p>
+          <a:p>
+            <a:pPr>
+              <a:defRPr/>
+            </a:pPr>
+            <a:endParaRPr lang="ru-RU" sz="2800" dirty="0">
+              <a:latin typeface="Times New Roman"/>
+              <a:cs typeface="Times New Roman"/>
+            </a:endParaRPr>
+          </a:p>
+          <a:p>
+            <a:pPr indent="268288">
+              <a:buFontTx/>
+              <a:buChar char="-"/>
+              <a:defRPr/>
+            </a:pPr>
+            <a:r>
+              <a:rPr lang="ru-RU" sz="2800" dirty="0">
+                <a:latin typeface="Times New Roman"/>
+                <a:cs typeface="Times New Roman"/>
+              </a:rPr>
+              <a:t>Низкая скорость работы</a:t>
+            </a:r>
+          </a:p>
+          <a:p>
+            <a:pPr indent="268288">
+              <a:buFontTx/>
+              <a:buChar char="-"/>
+              <a:defRPr/>
+            </a:pPr>
+            <a:r>
+              <a:rPr lang="ru-RU" sz="2800" dirty="0">
+                <a:latin typeface="Times New Roman"/>
+                <a:cs typeface="Times New Roman"/>
+              </a:rPr>
+              <a:t>Малое количество точек для посещения (</a:t>
+            </a:r>
+            <a:r>
+              <a:rPr lang="en-US" sz="2800" dirty="0">
+                <a:latin typeface="Times New Roman"/>
+                <a:cs typeface="Times New Roman"/>
+              </a:rPr>
+              <a:t>&lt;13</a:t>
+            </a:r>
+            <a:r>
+              <a:rPr lang="ru-RU" sz="2800" dirty="0">
+                <a:latin typeface="Times New Roman"/>
+                <a:cs typeface="Times New Roman"/>
+              </a:rPr>
+              <a:t>)</a:t>
+            </a:r>
+          </a:p>
+          <a:p>
+            <a:pPr indent="268288">
+              <a:buFontTx/>
+              <a:buChar char="-"/>
+              <a:defRPr/>
+            </a:pPr>
+            <a:r>
+              <a:rPr lang="ru-RU" sz="2800" dirty="0">
+                <a:latin typeface="Times New Roman"/>
+                <a:cs typeface="Times New Roman"/>
+              </a:rPr>
+              <a:t>Используется только в демонстрационных целях</a:t>
+            </a:r>
           </a:p>
         </p:txBody>
       </p:sp>
@@ -9486,7 +10243,7 @@
                 <a:latin typeface="Times New Roman"/>
                 <a:cs typeface="Times New Roman"/>
               </a:rPr>
-              <a:t>Дискретизация прямоугольных областей.</a:t>
+              <a:t>Дискретизация прямоугольных областей</a:t>
             </a:r>
           </a:p>
           <a:p>
@@ -9500,7 +10257,7 @@
                 <a:latin typeface="Times New Roman"/>
                 <a:cs typeface="Times New Roman"/>
               </a:rPr>
-              <a:t>Построение маршрута внутри прямоугольных областей.</a:t>
+              <a:t>Построение маршрута внутри прямоугольных областей</a:t>
             </a:r>
           </a:p>
           <a:p>
@@ -9537,13 +10294,10 @@
               </a:rPr>
               <a:t>Борувки</a:t>
             </a:r>
-            <a:r>
-              <a:rPr lang="ru-RU" dirty="0">
-                <a:latin typeface="Times New Roman"/>
-                <a:cs typeface="Times New Roman"/>
-              </a:rPr>
-              <a:t>.</a:t>
-            </a:r>
+            <a:endParaRPr lang="ru-RU" dirty="0">
+              <a:latin typeface="Times New Roman"/>
+              <a:cs typeface="Times New Roman"/>
+            </a:endParaRPr>
           </a:p>
           <a:p>
             <a:pPr marL="394022" indent="-394022">
@@ -9556,7 +10310,7 @@
                 <a:latin typeface="Times New Roman"/>
                 <a:cs typeface="Times New Roman"/>
               </a:rPr>
-              <a:t>Связывание прямоугольных областей.</a:t>
+              <a:t>Связывание прямоугольных областей</a:t>
             </a:r>
           </a:p>
           <a:p>
@@ -9564,6 +10318,41 @@
           </a:p>
         </p:txBody>
       </p:sp>
+      <p:pic>
+        <p:nvPicPr>
+          <p:cNvPr id="5" name="Picture 4">
+            <a:extLst>
+              <a:ext uri="{FF2B5EF4-FFF2-40B4-BE49-F238E27FC236}">
+                <a16:creationId xmlns:a16="http://schemas.microsoft.com/office/drawing/2014/main" id="{44E513F9-4515-4ADC-B846-E6FBDB7BBCA5}"/>
+              </a:ext>
+            </a:extLst>
+          </p:cNvPr>
+          <p:cNvPicPr>
+            <a:picLocks noChangeAspect="1"/>
+          </p:cNvPicPr>
+          <p:nvPr/>
+        </p:nvPicPr>
+        <p:blipFill rotWithShape="1">
+          <a:blip r:embed="rId3">
+            <a:extLst>
+              <a:ext uri="{28A0092B-C50C-407E-A947-70E740481C1C}">
+                <a14:useLocalDpi xmlns:a14="http://schemas.microsoft.com/office/drawing/2010/main" val="0"/>
+              </a:ext>
+            </a:extLst>
+          </a:blip>
+          <a:srcRect l="9592" t="9933" r="9828" b="9488"/>
+          <a:stretch/>
+        </p:blipFill>
+        <p:spPr bwMode="auto">
+          <a:xfrm>
+            <a:off x="11102796" y="-4075"/>
+            <a:ext cx="1089203" cy="1089203"/>
+          </a:xfrm>
+          <a:prstGeom prst="rect">
+            <a:avLst/>
+          </a:prstGeom>
+        </p:spPr>
+      </p:pic>
     </p:spTree>
     <p:extLst>
       <p:ext uri="{BB962C8B-B14F-4D97-AF65-F5344CB8AC3E}">
@@ -9612,7 +10401,7 @@
         </p:spPr>
         <p:txBody>
           <a:bodyPr>
-            <a:normAutofit fontScale="90000"/>
+            <a:normAutofit/>
           </a:bodyPr>
           <a:lstStyle/>
           <a:p>
@@ -9624,7 +10413,7 @@
                 <a:latin typeface="Times New Roman"/>
                 <a:cs typeface="Times New Roman"/>
               </a:rPr>
-              <a:t>ВИЗУАЛИЗАЦИЯ РАБОТЫ </a:t>
+              <a:t>РАБОТА </a:t>
             </a:r>
             <a:r>
               <a:rPr sz="2800" b="1" dirty="0">
@@ -9647,12 +10436,6 @@
               </a:rPr>
               <a:t> </a:t>
             </a:r>
-            <a:br>
-              <a:rPr lang="ru-RU" sz="2800" b="1" dirty="0">
-                <a:latin typeface="Times New Roman"/>
-                <a:cs typeface="Times New Roman"/>
-              </a:rPr>
-            </a:br>
             <a:r>
               <a:rPr lang="ru-RU" sz="2800" b="1" dirty="0">
                 <a:latin typeface="Times New Roman"/>
@@ -9784,6 +10567,41 @@
           </a:ln>
         </p:spPr>
       </p:pic>
+      <p:pic>
+        <p:nvPicPr>
+          <p:cNvPr id="6" name="Picture 5">
+            <a:extLst>
+              <a:ext uri="{FF2B5EF4-FFF2-40B4-BE49-F238E27FC236}">
+                <a16:creationId xmlns:a16="http://schemas.microsoft.com/office/drawing/2014/main" id="{4B2E46DC-E924-4C71-B154-9E13E6DECF7F}"/>
+              </a:ext>
+            </a:extLst>
+          </p:cNvPr>
+          <p:cNvPicPr>
+            <a:picLocks noChangeAspect="1"/>
+          </p:cNvPicPr>
+          <p:nvPr/>
+        </p:nvPicPr>
+        <p:blipFill rotWithShape="1">
+          <a:blip r:embed="rId5">
+            <a:extLst>
+              <a:ext uri="{28A0092B-C50C-407E-A947-70E740481C1C}">
+                <a14:useLocalDpi xmlns:a14="http://schemas.microsoft.com/office/drawing/2010/main" val="0"/>
+              </a:ext>
+            </a:extLst>
+          </a:blip>
+          <a:srcRect l="9592" t="9933" r="9828" b="9488"/>
+          <a:stretch/>
+        </p:blipFill>
+        <p:spPr bwMode="auto">
+          <a:xfrm>
+            <a:off x="11102796" y="-4075"/>
+            <a:ext cx="1089203" cy="1089203"/>
+          </a:xfrm>
+          <a:prstGeom prst="rect">
+            <a:avLst/>
+          </a:prstGeom>
+        </p:spPr>
+      </p:pic>
     </p:spTree>
   </p:cSld>
   <p:clrMapOvr>
@@ -9839,7 +10657,7 @@
                 <a:latin typeface="Times New Roman"/>
                 <a:cs typeface="Times New Roman"/>
               </a:rPr>
-              <a:t>ВИЗУАЛИЗАЦИЯ РАБОТЫ </a:t>
+              <a:t>РАБОТА </a:t>
             </a:r>
             <a:r>
               <a:rPr sz="2800" b="1" dirty="0">
@@ -9853,27 +10671,7 @@
                 <a:latin typeface="Times New Roman"/>
                 <a:cs typeface="Times New Roman"/>
               </a:rPr>
-              <a:t>А</a:t>
-            </a:r>
-            <a:r>
-              <a:rPr sz="2800" b="1" dirty="0">
-                <a:latin typeface="Times New Roman"/>
-                <a:cs typeface="Times New Roman"/>
-              </a:rPr>
-              <a:t> </a:t>
-            </a:r>
-            <a:br>
-              <a:rPr lang="ru-RU" sz="2800" b="1" dirty="0">
-                <a:latin typeface="Times New Roman"/>
-                <a:cs typeface="Times New Roman"/>
-              </a:rPr>
-            </a:br>
-            <a:r>
-              <a:rPr lang="ru-RU" sz="2800" b="1" dirty="0">
-                <a:latin typeface="Times New Roman"/>
-                <a:cs typeface="Times New Roman"/>
-              </a:rPr>
-              <a:t>СВЯЗЫВАНИЯ ПРЯМОУГОЛЬНЫХ ОБЛАСТЕЙ</a:t>
+              <a:t>А СВЯЗЫВАНИЯ ПРЯМОУГОЛЬНЫХ ОБЛАСТЕЙ</a:t>
             </a:r>
             <a:endParaRPr sz="2800" b="1" dirty="0">
               <a:latin typeface="Times New Roman"/>
@@ -9940,7 +10738,7 @@
         </p:blipFill>
         <p:spPr>
           <a:xfrm>
-            <a:off x="2809410" y="720003"/>
+            <a:off x="407368" y="793616"/>
             <a:ext cx="6573180" cy="5745299"/>
           </a:xfrm>
           <a:prstGeom prst="rect">
@@ -9953,6 +10751,103 @@
           </a:ln>
         </p:spPr>
       </p:pic>
+      <p:pic>
+        <p:nvPicPr>
+          <p:cNvPr id="5" name="Picture 4">
+            <a:extLst>
+              <a:ext uri="{FF2B5EF4-FFF2-40B4-BE49-F238E27FC236}">
+                <a16:creationId xmlns:a16="http://schemas.microsoft.com/office/drawing/2014/main" id="{B4FF3DB8-5794-416C-A57F-705E07B4F0F3}"/>
+              </a:ext>
+            </a:extLst>
+          </p:cNvPr>
+          <p:cNvPicPr>
+            <a:picLocks noChangeAspect="1"/>
+          </p:cNvPicPr>
+          <p:nvPr/>
+        </p:nvPicPr>
+        <p:blipFill rotWithShape="1">
+          <a:blip r:embed="rId4">
+            <a:extLst>
+              <a:ext uri="{28A0092B-C50C-407E-A947-70E740481C1C}">
+                <a14:useLocalDpi xmlns:a14="http://schemas.microsoft.com/office/drawing/2010/main" val="0"/>
+              </a:ext>
+            </a:extLst>
+          </a:blip>
+          <a:srcRect l="9592" t="9933" r="9828" b="9488"/>
+          <a:stretch/>
+        </p:blipFill>
+        <p:spPr bwMode="auto">
+          <a:xfrm>
+            <a:off x="11102796" y="-4075"/>
+            <a:ext cx="1089203" cy="1089203"/>
+          </a:xfrm>
+          <a:prstGeom prst="rect">
+            <a:avLst/>
+          </a:prstGeom>
+        </p:spPr>
+      </p:pic>
+      <p:sp>
+        <p:nvSpPr>
+          <p:cNvPr id="6" name="TextBox 5">
+            <a:extLst>
+              <a:ext uri="{FF2B5EF4-FFF2-40B4-BE49-F238E27FC236}">
+                <a16:creationId xmlns:a16="http://schemas.microsoft.com/office/drawing/2014/main" id="{F3D2B31F-19F4-4F4F-B01B-AABC4492CC08}"/>
+              </a:ext>
+            </a:extLst>
+          </p:cNvPr>
+          <p:cNvSpPr txBox="1"/>
+          <p:nvPr/>
+        </p:nvSpPr>
+        <p:spPr bwMode="auto">
+          <a:xfrm>
+            <a:off x="7104112" y="720000"/>
+            <a:ext cx="4464496" cy="3108543"/>
+          </a:xfrm>
+          <a:prstGeom prst="rect">
+            <a:avLst/>
+          </a:prstGeom>
+          <a:noFill/>
+        </p:spPr>
+        <p:txBody>
+          <a:bodyPr wrap="square">
+            <a:spAutoFit/>
+          </a:bodyPr>
+          <a:lstStyle/>
+          <a:p>
+            <a:pPr>
+              <a:defRPr/>
+            </a:pPr>
+            <a:r>
+              <a:rPr lang="ru-RU" sz="2800" dirty="0">
+                <a:latin typeface="Times New Roman"/>
+                <a:cs typeface="Times New Roman"/>
+              </a:rPr>
+              <a:t>Для параллельных прямоугольников связываются ближайшие грани</a:t>
+            </a:r>
+          </a:p>
+          <a:p>
+            <a:pPr>
+              <a:defRPr/>
+            </a:pPr>
+            <a:endParaRPr lang="ru-RU" sz="2800" dirty="0">
+              <a:latin typeface="Times New Roman"/>
+              <a:cs typeface="Times New Roman"/>
+            </a:endParaRPr>
+          </a:p>
+          <a:p>
+            <a:pPr>
+              <a:defRPr/>
+            </a:pPr>
+            <a:r>
+              <a:rPr lang="ru-RU" sz="2800" dirty="0">
+                <a:latin typeface="Times New Roman"/>
+                <a:cs typeface="Times New Roman"/>
+              </a:rPr>
+              <a:t>В ином случае связываются ближайшие углы</a:t>
+            </a:r>
+          </a:p>
+        </p:txBody>
+      </p:sp>
     </p:spTree>
     <p:extLst>
       <p:ext uri="{BB962C8B-B14F-4D97-AF65-F5344CB8AC3E}">
@@ -10013,7 +10908,7 @@
                 <a:latin typeface="Times New Roman"/>
                 <a:cs typeface="Times New Roman"/>
               </a:rPr>
-              <a:t>ВИЗУАЛИЗАЦИЯ РАБОТЫ </a:t>
+              <a:t>РАБОТА </a:t>
             </a:r>
             <a:r>
               <a:rPr sz="2800" b="1" dirty="0">
@@ -10036,12 +10931,6 @@
               </a:rPr>
               <a:t> </a:t>
             </a:r>
-            <a:br>
-              <a:rPr lang="ru-RU" sz="2800" b="1" dirty="0">
-                <a:latin typeface="Times New Roman"/>
-                <a:cs typeface="Times New Roman"/>
-              </a:rPr>
-            </a:br>
             <a:r>
               <a:rPr lang="ru-RU" sz="2800" b="1" dirty="0">
                 <a:latin typeface="Times New Roman"/>
@@ -10080,7 +10969,7 @@
         </p:blipFill>
         <p:spPr bwMode="auto">
           <a:xfrm>
-            <a:off x="2351584" y="720727"/>
+            <a:off x="335360" y="720000"/>
             <a:ext cx="7049816" cy="5818581"/>
           </a:xfrm>
           <a:noFill/>
@@ -10122,6 +11011,172 @@
               <a:t>23</a:t>
             </a:r>
             <a:endParaRPr lang="en-US" dirty="0"/>
+          </a:p>
+        </p:txBody>
+      </p:sp>
+      <p:pic>
+        <p:nvPicPr>
+          <p:cNvPr id="5" name="Picture 4">
+            <a:extLst>
+              <a:ext uri="{FF2B5EF4-FFF2-40B4-BE49-F238E27FC236}">
+                <a16:creationId xmlns:a16="http://schemas.microsoft.com/office/drawing/2014/main" id="{4CC25C9C-4086-4B44-9CCB-D0FBF2A2C2E0}"/>
+              </a:ext>
+            </a:extLst>
+          </p:cNvPr>
+          <p:cNvPicPr>
+            <a:picLocks noChangeAspect="1"/>
+          </p:cNvPicPr>
+          <p:nvPr/>
+        </p:nvPicPr>
+        <p:blipFill rotWithShape="1">
+          <a:blip r:embed="rId4">
+            <a:extLst>
+              <a:ext uri="{28A0092B-C50C-407E-A947-70E740481C1C}">
+                <a14:useLocalDpi xmlns:a14="http://schemas.microsoft.com/office/drawing/2010/main" val="0"/>
+              </a:ext>
+            </a:extLst>
+          </a:blip>
+          <a:srcRect l="9592" t="9933" r="9828" b="9488"/>
+          <a:stretch/>
+        </p:blipFill>
+        <p:spPr bwMode="auto">
+          <a:xfrm>
+            <a:off x="11102796" y="-4075"/>
+            <a:ext cx="1089203" cy="1089203"/>
+          </a:xfrm>
+          <a:prstGeom prst="rect">
+            <a:avLst/>
+          </a:prstGeom>
+        </p:spPr>
+      </p:pic>
+      <p:sp>
+        <p:nvSpPr>
+          <p:cNvPr id="6" name="TextBox 5">
+            <a:extLst>
+              <a:ext uri="{FF2B5EF4-FFF2-40B4-BE49-F238E27FC236}">
+                <a16:creationId xmlns:a16="http://schemas.microsoft.com/office/drawing/2014/main" id="{8C4995D5-A182-47A3-8C12-CDEFB7458300}"/>
+              </a:ext>
+            </a:extLst>
+          </p:cNvPr>
+          <p:cNvSpPr txBox="1"/>
+          <p:nvPr/>
+        </p:nvSpPr>
+        <p:spPr bwMode="auto">
+          <a:xfrm>
+            <a:off x="7608168" y="720000"/>
+            <a:ext cx="4464496" cy="4832092"/>
+          </a:xfrm>
+          <a:prstGeom prst="rect">
+            <a:avLst/>
+          </a:prstGeom>
+          <a:noFill/>
+        </p:spPr>
+        <p:txBody>
+          <a:bodyPr wrap="square">
+            <a:spAutoFit/>
+          </a:bodyPr>
+          <a:lstStyle/>
+          <a:p>
+            <a:pPr>
+              <a:defRPr/>
+            </a:pPr>
+            <a:r>
+              <a:rPr lang="ru-RU" sz="2800" dirty="0">
+                <a:latin typeface="Times New Roman"/>
+                <a:cs typeface="Times New Roman"/>
+              </a:rPr>
+              <a:t>Направление </a:t>
+            </a:r>
+            <a:br>
+              <a:rPr lang="ru-RU" sz="2800" dirty="0">
+                <a:latin typeface="Times New Roman"/>
+                <a:cs typeface="Times New Roman"/>
+              </a:rPr>
+            </a:br>
+            <a:r>
+              <a:rPr lang="ru-RU" sz="2800" dirty="0">
+                <a:latin typeface="Times New Roman"/>
+                <a:cs typeface="Times New Roman"/>
+              </a:rPr>
+              <a:t>связывания определяется алгоритмом </a:t>
+            </a:r>
+            <a:r>
+              <a:rPr lang="ru-RU" sz="2800" dirty="0" err="1">
+                <a:latin typeface="Times New Roman"/>
+                <a:cs typeface="Times New Roman"/>
+              </a:rPr>
+              <a:t>Борувки</a:t>
+            </a:r>
+            <a:r>
+              <a:rPr lang="ru-RU" sz="2800" dirty="0">
+                <a:latin typeface="Times New Roman"/>
+                <a:cs typeface="Times New Roman"/>
+              </a:rPr>
+              <a:t> для нахождения минимального </a:t>
+            </a:r>
+            <a:r>
+              <a:rPr lang="ru-RU" sz="2800" dirty="0" err="1">
+                <a:latin typeface="Times New Roman"/>
+                <a:cs typeface="Times New Roman"/>
+              </a:rPr>
+              <a:t>остовного</a:t>
+            </a:r>
+            <a:r>
+              <a:rPr lang="ru-RU" sz="2800" dirty="0">
+                <a:latin typeface="Times New Roman"/>
+                <a:cs typeface="Times New Roman"/>
+              </a:rPr>
+              <a:t> дерева</a:t>
+            </a:r>
+          </a:p>
+          <a:p>
+            <a:pPr>
+              <a:defRPr/>
+            </a:pPr>
+            <a:endParaRPr lang="ru-RU" sz="2800" dirty="0">
+              <a:latin typeface="Times New Roman"/>
+              <a:cs typeface="Times New Roman"/>
+            </a:endParaRPr>
+          </a:p>
+          <a:p>
+            <a:pPr>
+              <a:defRPr/>
+            </a:pPr>
+            <a:r>
+              <a:rPr lang="ru-RU" sz="2800" dirty="0">
+                <a:latin typeface="Times New Roman"/>
+                <a:cs typeface="Times New Roman"/>
+              </a:rPr>
+              <a:t>Минимальное </a:t>
+            </a:r>
+            <a:r>
+              <a:rPr lang="ru-RU" sz="2800" dirty="0" err="1">
+                <a:latin typeface="Times New Roman"/>
+                <a:cs typeface="Times New Roman"/>
+              </a:rPr>
+              <a:t>остовное</a:t>
+            </a:r>
+            <a:r>
+              <a:rPr lang="ru-RU" sz="2800" dirty="0">
+                <a:latin typeface="Times New Roman"/>
+                <a:cs typeface="Times New Roman"/>
+              </a:rPr>
+              <a:t> дерево графа - это </a:t>
+            </a:r>
+            <a:r>
+              <a:rPr lang="ru-RU" sz="2800" dirty="0" err="1">
+                <a:latin typeface="Times New Roman"/>
+                <a:cs typeface="Times New Roman"/>
+              </a:rPr>
+              <a:t>остовное</a:t>
+            </a:r>
+            <a:r>
+              <a:rPr lang="ru-RU" sz="2800" dirty="0">
+                <a:latin typeface="Times New Roman"/>
+                <a:cs typeface="Times New Roman"/>
+              </a:rPr>
+              <a:t> дерево этого графа, имеющее минимальный возможный вес</a:t>
+            </a:r>
           </a:p>
         </p:txBody>
       </p:sp>
@@ -10185,7 +11240,7 @@
                 <a:latin typeface="Times New Roman"/>
                 <a:cs typeface="Times New Roman"/>
               </a:rPr>
-              <a:t>ВИЗУАЛИЗАЦИЯ РАБОТЫ </a:t>
+              <a:t>РАБОТА </a:t>
             </a:r>
             <a:r>
               <a:rPr sz="2800" b="1" dirty="0">
@@ -10244,16 +11299,15 @@
             <p:ph idx="1"/>
           </p:nvPr>
         </p:nvPicPr>
-        <p:blipFill>
+        <p:blipFill rotWithShape="1">
           <a:blip r:embed="rId3"/>
-          <a:stretch>
-            <a:fillRect/>
-          </a:stretch>
+          <a:srcRect r="22439"/>
+          <a:stretch/>
         </p:blipFill>
         <p:spPr bwMode="auto">
           <a:xfrm>
-            <a:off x="2614493" y="695757"/>
-            <a:ext cx="6963019" cy="5684843"/>
+            <a:off x="335361" y="754621"/>
+            <a:ext cx="5400600" cy="5684843"/>
           </a:xfrm>
           <a:ln w="12700">
             <a:solidFill>
@@ -10293,6 +11347,136 @@
               <a:t>23</a:t>
             </a:r>
             <a:endParaRPr lang="en-US" dirty="0"/>
+          </a:p>
+        </p:txBody>
+      </p:sp>
+      <p:pic>
+        <p:nvPicPr>
+          <p:cNvPr id="5" name="Picture 4">
+            <a:extLst>
+              <a:ext uri="{FF2B5EF4-FFF2-40B4-BE49-F238E27FC236}">
+                <a16:creationId xmlns:a16="http://schemas.microsoft.com/office/drawing/2014/main" id="{43A1EE75-0293-426F-9E87-C4D0D75C39DA}"/>
+              </a:ext>
+            </a:extLst>
+          </p:cNvPr>
+          <p:cNvPicPr>
+            <a:picLocks noChangeAspect="1"/>
+          </p:cNvPicPr>
+          <p:nvPr/>
+        </p:nvPicPr>
+        <p:blipFill rotWithShape="1">
+          <a:blip r:embed="rId4">
+            <a:extLst>
+              <a:ext uri="{28A0092B-C50C-407E-A947-70E740481C1C}">
+                <a14:useLocalDpi xmlns:a14="http://schemas.microsoft.com/office/drawing/2010/main" val="0"/>
+              </a:ext>
+            </a:extLst>
+          </a:blip>
+          <a:srcRect l="9592" t="9933" r="9828" b="9488"/>
+          <a:stretch/>
+        </p:blipFill>
+        <p:spPr bwMode="auto">
+          <a:xfrm>
+            <a:off x="11102796" y="-4075"/>
+            <a:ext cx="1089203" cy="1089203"/>
+          </a:xfrm>
+          <a:prstGeom prst="rect">
+            <a:avLst/>
+          </a:prstGeom>
+        </p:spPr>
+      </p:pic>
+      <p:sp>
+        <p:nvSpPr>
+          <p:cNvPr id="7" name="TextBox 6">
+            <a:extLst>
+              <a:ext uri="{FF2B5EF4-FFF2-40B4-BE49-F238E27FC236}">
+                <a16:creationId xmlns:a16="http://schemas.microsoft.com/office/drawing/2014/main" id="{85FEF390-5C5A-439A-A536-2A8F9B892215}"/>
+              </a:ext>
+            </a:extLst>
+          </p:cNvPr>
+          <p:cNvSpPr txBox="1"/>
+          <p:nvPr/>
+        </p:nvSpPr>
+        <p:spPr bwMode="auto">
+          <a:xfrm>
+            <a:off x="6083586" y="754621"/>
+            <a:ext cx="5124981" cy="3539430"/>
+          </a:xfrm>
+          <a:prstGeom prst="rect">
+            <a:avLst/>
+          </a:prstGeom>
+          <a:noFill/>
+        </p:spPr>
+        <p:txBody>
+          <a:bodyPr wrap="square">
+            <a:spAutoFit/>
+          </a:bodyPr>
+          <a:lstStyle/>
+          <a:p>
+            <a:pPr>
+              <a:defRPr/>
+            </a:pPr>
+            <a:r>
+              <a:rPr lang="ru-RU" sz="2800" dirty="0">
+                <a:latin typeface="Times New Roman"/>
+                <a:cs typeface="Times New Roman"/>
+              </a:rPr>
+              <a:t>+ Скорость работы</a:t>
+            </a:r>
+            <a:br>
+              <a:rPr lang="ru-RU" sz="2800" dirty="0">
+                <a:latin typeface="Times New Roman"/>
+                <a:cs typeface="Times New Roman"/>
+              </a:rPr>
+            </a:br>
+            <a:r>
+              <a:rPr lang="ru-RU" sz="2800" dirty="0">
+                <a:latin typeface="Times New Roman"/>
+                <a:cs typeface="Times New Roman"/>
+              </a:rPr>
+              <a:t>+ Маршрут достаточно точный для нужд сельского хозяйства</a:t>
+            </a:r>
+          </a:p>
+          <a:p>
+            <a:pPr>
+              <a:defRPr/>
+            </a:pPr>
+            <a:endParaRPr lang="ru-RU" sz="2800" dirty="0">
+              <a:latin typeface="Times New Roman"/>
+              <a:cs typeface="Times New Roman"/>
+            </a:endParaRPr>
+          </a:p>
+          <a:p>
+            <a:pPr indent="268288">
+              <a:buFontTx/>
+              <a:buChar char="-"/>
+              <a:defRPr/>
+            </a:pPr>
+            <a:r>
+              <a:rPr lang="ru-RU" sz="2800" dirty="0">
+                <a:latin typeface="Times New Roman"/>
+                <a:cs typeface="Times New Roman"/>
+              </a:rPr>
+              <a:t>В маршрут входят точки, не принадлежащие полю</a:t>
+            </a:r>
+          </a:p>
+          <a:p>
+            <a:pPr indent="268288">
+              <a:buFontTx/>
+              <a:buChar char="-"/>
+              <a:defRPr/>
+            </a:pPr>
+            <a:r>
+              <a:rPr lang="ru-RU" sz="2800" dirty="0">
+                <a:latin typeface="Times New Roman"/>
+                <a:cs typeface="Times New Roman"/>
+              </a:rPr>
+              <a:t>Прямоугольные области не должны пересекаться</a:t>
+            </a:r>
+            <a:endParaRPr lang="en-US" sz="2800" dirty="0">
+              <a:latin typeface="Times New Roman"/>
+              <a:cs typeface="Times New Roman"/>
+            </a:endParaRPr>
           </a:p>
         </p:txBody>
       </p:sp>
@@ -10328,7 +11512,7 @@
       </p:grpSpPr>
       <p:sp>
         <p:nvSpPr>
-          <p:cNvPr id="1048868835" name="Title 1"/>
+          <p:cNvPr id="227832949" name="Title 1"/>
           <p:cNvSpPr>
             <a:spLocks noGrp="1"/>
           </p:cNvSpPr>
@@ -10350,19 +11534,22 @@
               <a:defRPr/>
             </a:pPr>
             <a:r>
-              <a:rPr lang="ru-RU" sz="2800" b="1" dirty="0">
-                <a:latin typeface="Times New Roman"/>
-                <a:cs typeface="Times New Roman"/>
-              </a:rPr>
-              <a:t>ЦЕЛЬ И ЗАДАЧИ</a:t>
-            </a:r>
-            <a:endParaRPr sz="2800" dirty="0"/>
-          </a:p>
-        </p:txBody>
-      </p:sp>
-      <p:sp>
-        <p:nvSpPr>
-          <p:cNvPr id="1038117892" name="Content Placeholder 2"/>
+              <a:rPr lang="ru-RU" sz="2800" b="1">
+                <a:latin typeface="Times New Roman"/>
+                <a:cs typeface="Times New Roman"/>
+              </a:rPr>
+              <a:t>АКТУАЛЬНОСТЬ</a:t>
+            </a:r>
+            <a:endParaRPr sz="2800" b="1">
+              <a:latin typeface="Times New Roman"/>
+              <a:cs typeface="Times New Roman"/>
+            </a:endParaRPr>
+          </a:p>
+        </p:txBody>
+      </p:sp>
+      <p:sp>
+        <p:nvSpPr>
+          <p:cNvPr id="1664509925" name="Content Placeholder 2"/>
           <p:cNvSpPr>
             <a:spLocks noGrp="1"/>
           </p:cNvSpPr>
@@ -10382,7 +11569,7 @@
           </a:bodyPr>
           <a:lstStyle/>
           <a:p>
-            <a:pPr marL="0" indent="0">
+            <a:pPr marL="0" indent="0" algn="just">
               <a:buNone/>
               <a:defRPr/>
             </a:pPr>
@@ -10391,15 +11578,18 @@
                 <a:latin typeface="Times New Roman"/>
                 <a:cs typeface="Times New Roman"/>
               </a:rPr>
-              <a:t>Цель работы:</a:t>
-            </a:r>
-            <a:endParaRPr lang="ru-RU" dirty="0">
-              <a:latin typeface="Times New Roman"/>
-              <a:cs typeface="Times New Roman"/>
-            </a:endParaRPr>
-          </a:p>
-          <a:p>
-            <a:pPr marL="0" indent="0">
+              <a:t>Актуальность</a:t>
+            </a:r>
+            <a:r>
+              <a:rPr lang="en-US" b="1" dirty="0">
+                <a:latin typeface="Times New Roman"/>
+                <a:cs typeface="Times New Roman"/>
+              </a:rPr>
+              <a:t>:</a:t>
+            </a:r>
+          </a:p>
+          <a:p>
+            <a:pPr marL="0" indent="0" algn="just">
               <a:buNone/>
               <a:defRPr/>
             </a:pPr>
@@ -10408,7 +11598,7 @@
                 <a:latin typeface="Times New Roman"/>
                 <a:cs typeface="Times New Roman"/>
               </a:rPr>
-              <a:t>Разработка настольного приложения для расчета маршрута сельскохозяйственного дрона по имеющимся характеристикам</a:t>
+              <a:t>Рост интереса к применению БПЛА в сельском хозяйстве при ведении точного земледелия для мониторинга урожая и создания точных карт полей</a:t>
             </a:r>
             <a:endParaRPr lang="en-US" dirty="0">
               <a:latin typeface="Times New Roman"/>
@@ -10416,17 +11606,17 @@
             </a:endParaRPr>
           </a:p>
           <a:p>
-            <a:pPr marL="0" indent="0">
+            <a:pPr marL="0" indent="0" algn="just">
               <a:buNone/>
               <a:defRPr/>
             </a:pPr>
-            <a:endParaRPr lang="ru-RU" dirty="0">
+            <a:endParaRPr sz="2600" dirty="0">
               <a:latin typeface="Times New Roman"/>
               <a:cs typeface="Times New Roman"/>
             </a:endParaRPr>
           </a:p>
           <a:p>
-            <a:pPr marL="0" indent="0">
+            <a:pPr marL="0" indent="0" algn="just">
               <a:buNone/>
               <a:defRPr/>
             </a:pPr>
@@ -10435,16 +11625,16 @@
                 <a:latin typeface="Times New Roman"/>
                 <a:cs typeface="Times New Roman"/>
               </a:rPr>
-              <a:t>Задачи:</a:t>
-            </a:r>
-            <a:endParaRPr lang="ru-RU" dirty="0">
+              <a:t>Преимущества:</a:t>
+            </a:r>
+            <a:endParaRPr b="1" dirty="0">
               <a:latin typeface="Times New Roman"/>
               <a:cs typeface="Times New Roman"/>
             </a:endParaRPr>
           </a:p>
           <a:p>
-            <a:pPr marL="394022" indent="-394022">
-              <a:buFont typeface="Arial"/>
+            <a:pPr marL="514350" indent="-514350" algn="just">
+              <a:buFont typeface="+mj-lt"/>
               <a:buAutoNum type="arabicPeriod"/>
               <a:defRPr/>
             </a:pPr>
@@ -10453,26 +11643,35 @@
                 <a:latin typeface="Times New Roman"/>
                 <a:cs typeface="Times New Roman"/>
               </a:rPr>
-              <a:t>Выполнить анализ предметной области и произвести обзор существующих решений.</a:t>
-            </a:r>
-          </a:p>
-          <a:p>
-            <a:pPr marL="394022" indent="-394022">
-              <a:buFont typeface="Arial"/>
+              <a:t>Повышении эффективности использования БПЛА</a:t>
+            </a:r>
+            <a:endParaRPr dirty="0">
+              <a:latin typeface="Times New Roman"/>
+              <a:cs typeface="Times New Roman"/>
+            </a:endParaRPr>
+          </a:p>
+          <a:p>
+            <a:pPr marL="514350" indent="-514350" algn="just">
+              <a:buFont typeface="+mj-lt"/>
               <a:buAutoNum type="arabicPeriod"/>
               <a:defRPr/>
             </a:pPr>
             <a:r>
               <a:rPr lang="ru-RU" dirty="0">
                 <a:latin typeface="Times New Roman"/>
-                <a:cs typeface="Times New Roman"/>
-              </a:rPr>
-              <a:t>Разработать базовую архитектуру приложения.</a:t>
-            </a:r>
-          </a:p>
-          <a:p>
-            <a:pPr marL="394022" indent="-394022">
-              <a:buFont typeface="Arial"/>
+                <a:ea typeface="Times New Roman"/>
+                <a:cs typeface="Times New Roman"/>
+              </a:rPr>
+              <a:t>Сокращение затраты на выезд специалистов</a:t>
+            </a:r>
+            <a:endParaRPr dirty="0">
+              <a:latin typeface="Times New Roman"/>
+              <a:cs typeface="Times New Roman"/>
+            </a:endParaRPr>
+          </a:p>
+          <a:p>
+            <a:pPr marL="514350" indent="-514350" algn="just">
+              <a:buFont typeface="+mj-lt"/>
               <a:buAutoNum type="arabicPeriod"/>
               <a:defRPr/>
             </a:pPr>
@@ -10481,42 +11680,18 @@
                 <a:latin typeface="Times New Roman"/>
                 <a:cs typeface="Times New Roman"/>
               </a:rPr>
-              <a:t>Описать алгоритмы, использующиеся в системе.</a:t>
-            </a:r>
-          </a:p>
-          <a:p>
-            <a:pPr marL="394022" indent="-394022">
-              <a:buFont typeface="Arial"/>
-              <a:buAutoNum type="arabicPeriod"/>
-              <a:defRPr/>
-            </a:pPr>
-            <a:r>
-              <a:rPr lang="ru-RU" dirty="0">
-                <a:latin typeface="Times New Roman"/>
-                <a:cs typeface="Times New Roman"/>
-              </a:rPr>
-              <a:t>Выполнить реализацию приложения.</a:t>
-            </a:r>
-          </a:p>
-          <a:p>
-            <a:pPr marL="394022" indent="-394022">
-              <a:buFont typeface="Arial"/>
-              <a:buAutoNum type="arabicPeriod"/>
-              <a:defRPr/>
-            </a:pPr>
-            <a:r>
-              <a:rPr lang="ru-RU" dirty="0">
-                <a:latin typeface="Times New Roman"/>
-                <a:cs typeface="Times New Roman"/>
-              </a:rPr>
-              <a:t>Выполнить тестирование.</a:t>
-            </a:r>
-          </a:p>
-        </p:txBody>
-      </p:sp>
-      <p:sp>
-        <p:nvSpPr>
-          <p:cNvPr id="1531006883" name="Slide Number Placeholder 5"/>
+              <a:t>Скорость и точность предварительной оценки затрат на выезд специалистов</a:t>
+            </a:r>
+            <a:endParaRPr dirty="0">
+              <a:latin typeface="Times New Roman"/>
+              <a:cs typeface="Times New Roman"/>
+            </a:endParaRPr>
+          </a:p>
+        </p:txBody>
+      </p:sp>
+      <p:sp>
+        <p:nvSpPr>
+          <p:cNvPr id="1069361798" name="Slide Number Placeholder 5"/>
           <p:cNvSpPr>
             <a:spLocks noGrp="1"/>
           </p:cNvSpPr>
@@ -10532,7 +11707,7 @@
             <a:pPr>
               <a:defRPr/>
             </a:pPr>
-            <a:fld id="{53D89D74-5DA3-1BA4-C7D7-A7772828CF40}" type="slidenum">
+            <a:fld id="{1AFF1B61-3AB2-B5BD-5BAD-3F50C69BB005}" type="slidenum">
               <a:rPr lang="en-US" sz="1800"/>
               <a:t>2</a:t>
             </a:fld>
@@ -10544,10 +11719,45 @@
               <a:rPr lang="ru-RU" sz="1800" dirty="0"/>
               <a:t>23</a:t>
             </a:r>
-            <a:endParaRPr lang="en-US" sz="1800" dirty="0"/>
-          </a:p>
-        </p:txBody>
-      </p:sp>
+            <a:endParaRPr lang="en-US" dirty="0"/>
+          </a:p>
+        </p:txBody>
+      </p:sp>
+      <p:pic>
+        <p:nvPicPr>
+          <p:cNvPr id="6" name="Picture 5">
+            <a:extLst>
+              <a:ext uri="{FF2B5EF4-FFF2-40B4-BE49-F238E27FC236}">
+                <a16:creationId xmlns:a16="http://schemas.microsoft.com/office/drawing/2014/main" id="{BC499289-B700-4203-A57F-CBF190291230}"/>
+              </a:ext>
+            </a:extLst>
+          </p:cNvPr>
+          <p:cNvPicPr>
+            <a:picLocks noChangeAspect="1"/>
+          </p:cNvPicPr>
+          <p:nvPr/>
+        </p:nvPicPr>
+        <p:blipFill rotWithShape="1">
+          <a:blip r:embed="rId3">
+            <a:extLst>
+              <a:ext uri="{28A0092B-C50C-407E-A947-70E740481C1C}">
+                <a14:useLocalDpi xmlns:a14="http://schemas.microsoft.com/office/drawing/2010/main" val="0"/>
+              </a:ext>
+            </a:extLst>
+          </a:blip>
+          <a:srcRect l="9592" t="9933" r="9828" b="9488"/>
+          <a:stretch/>
+        </p:blipFill>
+        <p:spPr bwMode="auto">
+          <a:xfrm>
+            <a:off x="11102796" y="-4075"/>
+            <a:ext cx="1089203" cy="1089203"/>
+          </a:xfrm>
+          <a:prstGeom prst="rect">
+            <a:avLst/>
+          </a:prstGeom>
+        </p:spPr>
+      </p:pic>
     </p:spTree>
   </p:cSld>
   <p:clrMapOvr>
@@ -10692,8 +11902,8 @@
         </p:blipFill>
         <p:spPr>
           <a:xfrm>
-            <a:off x="1094401" y="667498"/>
-            <a:ext cx="10003198" cy="5470499"/>
+            <a:off x="1106778" y="809696"/>
+            <a:ext cx="9978442" cy="5456961"/>
           </a:xfrm>
           <a:prstGeom prst="rect">
             <a:avLst/>
@@ -10703,6 +11913,41 @@
               <a:schemeClr val="tx1"/>
             </a:solidFill>
           </a:ln>
+        </p:spPr>
+      </p:pic>
+      <p:pic>
+        <p:nvPicPr>
+          <p:cNvPr id="6" name="Picture 5">
+            <a:extLst>
+              <a:ext uri="{FF2B5EF4-FFF2-40B4-BE49-F238E27FC236}">
+                <a16:creationId xmlns:a16="http://schemas.microsoft.com/office/drawing/2014/main" id="{9B418A36-13B2-4185-BC47-57222AABF0C8}"/>
+              </a:ext>
+            </a:extLst>
+          </p:cNvPr>
+          <p:cNvPicPr>
+            <a:picLocks noChangeAspect="1"/>
+          </p:cNvPicPr>
+          <p:nvPr/>
+        </p:nvPicPr>
+        <p:blipFill rotWithShape="1">
+          <a:blip r:embed="rId4">
+            <a:extLst>
+              <a:ext uri="{28A0092B-C50C-407E-A947-70E740481C1C}">
+                <a14:useLocalDpi xmlns:a14="http://schemas.microsoft.com/office/drawing/2010/main" val="0"/>
+              </a:ext>
+            </a:extLst>
+          </a:blip>
+          <a:srcRect l="9592" t="9933" r="9828" b="9488"/>
+          <a:stretch/>
+        </p:blipFill>
+        <p:spPr bwMode="auto">
+          <a:xfrm>
+            <a:off x="11102796" y="-4075"/>
+            <a:ext cx="1089203" cy="1089203"/>
+          </a:xfrm>
+          <a:prstGeom prst="rect">
+            <a:avLst/>
+          </a:prstGeom>
         </p:spPr>
       </p:pic>
     </p:spTree>
@@ -10794,7 +12039,7 @@
                 <a:latin typeface="Times New Roman"/>
                 <a:cs typeface="Times New Roman"/>
               </a:rPr>
-              <a:t>Проведено 14  функциональных  тестов системы.</a:t>
+              <a:t>Проведено 14  функциональных  тестов системы</a:t>
             </a:r>
           </a:p>
           <a:p>
@@ -10807,7 +12052,7 @@
                 <a:latin typeface="Times New Roman"/>
                 <a:cs typeface="Times New Roman"/>
               </a:rPr>
-              <a:t>Все тесты пройдены.</a:t>
+              <a:t>Все тесты пройдены</a:t>
             </a:r>
           </a:p>
           <a:p>
@@ -10846,17 +12091,6 @@
               </a:rPr>
               <a:t> «Редактирование камеры»</a:t>
             </a:r>
-            <a:r>
-              <a:rPr lang="en-US" dirty="0">
-                <a:latin typeface="Times New Roman"/>
-                <a:cs typeface="Times New Roman"/>
-              </a:rPr>
-              <a:t>:</a:t>
-            </a:r>
-            <a:endParaRPr lang="ru-RU" dirty="0">
-              <a:latin typeface="Times New Roman"/>
-              <a:cs typeface="Times New Roman"/>
-            </a:endParaRPr>
           </a:p>
           <a:p>
             <a:pPr marL="514350" indent="-514350">
@@ -10869,19 +12103,8 @@
                 <a:latin typeface="Times New Roman"/>
                 <a:cs typeface="Times New Roman"/>
               </a:rPr>
-              <a:t>выбрать камеру</a:t>
-            </a:r>
-            <a:r>
-              <a:rPr lang="en-US" dirty="0">
-                <a:latin typeface="Times New Roman"/>
-                <a:cs typeface="Times New Roman"/>
-              </a:rPr>
-              <a:t>;</a:t>
-            </a:r>
-            <a:endParaRPr lang="ru-RU" dirty="0">
-              <a:latin typeface="Times New Roman"/>
-              <a:cs typeface="Times New Roman"/>
-            </a:endParaRPr>
+              <a:t>Выбрать камеру</a:t>
+            </a:r>
           </a:p>
           <a:p>
             <a:pPr marL="514350" indent="-514350">
@@ -10894,19 +12117,8 @@
                 <a:latin typeface="Times New Roman"/>
                 <a:cs typeface="Times New Roman"/>
               </a:rPr>
-              <a:t>включить режим редактирования</a:t>
-            </a:r>
-            <a:r>
-              <a:rPr lang="en-US" dirty="0">
-                <a:latin typeface="Times New Roman"/>
-                <a:cs typeface="Times New Roman"/>
-              </a:rPr>
-              <a:t>;</a:t>
-            </a:r>
-            <a:endParaRPr lang="ru-RU" dirty="0">
-              <a:latin typeface="Times New Roman"/>
-              <a:cs typeface="Times New Roman"/>
-            </a:endParaRPr>
+              <a:t>Включить режим редактирования</a:t>
+            </a:r>
           </a:p>
           <a:p>
             <a:pPr marL="514350" indent="-514350">
@@ -10919,19 +12131,8 @@
                 <a:latin typeface="Times New Roman"/>
                 <a:cs typeface="Times New Roman"/>
               </a:rPr>
-              <a:t>изменить параметры камеры</a:t>
-            </a:r>
-            <a:r>
-              <a:rPr lang="en-US" dirty="0">
-                <a:latin typeface="Times New Roman"/>
-                <a:cs typeface="Times New Roman"/>
-              </a:rPr>
-              <a:t>;</a:t>
-            </a:r>
-            <a:endParaRPr lang="ru-RU" dirty="0">
-              <a:latin typeface="Times New Roman"/>
-              <a:cs typeface="Times New Roman"/>
-            </a:endParaRPr>
+              <a:t>Изменить параметры камеры</a:t>
+            </a:r>
           </a:p>
           <a:p>
             <a:pPr marL="514350" indent="-514350">
@@ -10944,14 +12145,7 @@
                 <a:latin typeface="Times New Roman"/>
                 <a:cs typeface="Times New Roman"/>
               </a:rPr>
-              <a:t>нажать кнопку "Update"</a:t>
-            </a:r>
-            <a:r>
-              <a:rPr lang="en-US" dirty="0">
-                <a:latin typeface="Times New Roman"/>
-                <a:cs typeface="Times New Roman"/>
-              </a:rPr>
-              <a:t>.</a:t>
+              <a:t>Нажать кнопку "Update"</a:t>
             </a:r>
             <a:endParaRPr dirty="0"/>
           </a:p>
@@ -10965,7 +12159,7 @@
                 <a:latin typeface="Times New Roman"/>
                 <a:cs typeface="Times New Roman"/>
               </a:rPr>
-              <a:t>Тест 9 Пройден.</a:t>
+              <a:t>Тест 9 Пройден</a:t>
             </a:r>
           </a:p>
         </p:txBody>
@@ -11056,6 +12250,41 @@
           </a:p>
         </p:txBody>
       </p:sp>
+      <p:pic>
+        <p:nvPicPr>
+          <p:cNvPr id="7" name="Picture 6">
+            <a:extLst>
+              <a:ext uri="{FF2B5EF4-FFF2-40B4-BE49-F238E27FC236}">
+                <a16:creationId xmlns:a16="http://schemas.microsoft.com/office/drawing/2014/main" id="{B358D13D-2648-4708-A1DD-84D214F4A513}"/>
+              </a:ext>
+            </a:extLst>
+          </p:cNvPr>
+          <p:cNvPicPr>
+            <a:picLocks noChangeAspect="1"/>
+          </p:cNvPicPr>
+          <p:nvPr/>
+        </p:nvPicPr>
+        <p:blipFill rotWithShape="1">
+          <a:blip r:embed="rId5">
+            <a:extLst>
+              <a:ext uri="{28A0092B-C50C-407E-A947-70E740481C1C}">
+                <a14:useLocalDpi xmlns:a14="http://schemas.microsoft.com/office/drawing/2010/main" val="0"/>
+              </a:ext>
+            </a:extLst>
+          </a:blip>
+          <a:srcRect l="9592" t="9933" r="9828" b="9488"/>
+          <a:stretch/>
+        </p:blipFill>
+        <p:spPr bwMode="auto">
+          <a:xfrm>
+            <a:off x="11102796" y="-4075"/>
+            <a:ext cx="1089203" cy="1089203"/>
+          </a:xfrm>
+          <a:prstGeom prst="rect">
+            <a:avLst/>
+          </a:prstGeom>
+        </p:spPr>
+      </p:pic>
     </p:spTree>
   </p:cSld>
   <p:clrMapOvr>
@@ -11374,6 +12603,41 @@
           </a:p>
         </p:txBody>
       </p:sp>
+      <p:pic>
+        <p:nvPicPr>
+          <p:cNvPr id="5" name="Picture 4">
+            <a:extLst>
+              <a:ext uri="{FF2B5EF4-FFF2-40B4-BE49-F238E27FC236}">
+                <a16:creationId xmlns:a16="http://schemas.microsoft.com/office/drawing/2014/main" id="{74001FFA-C32D-4660-9A8F-6382A49F2EB1}"/>
+              </a:ext>
+            </a:extLst>
+          </p:cNvPr>
+          <p:cNvPicPr>
+            <a:picLocks noChangeAspect="1"/>
+          </p:cNvPicPr>
+          <p:nvPr/>
+        </p:nvPicPr>
+        <p:blipFill rotWithShape="1">
+          <a:blip r:embed="rId3">
+            <a:extLst>
+              <a:ext uri="{28A0092B-C50C-407E-A947-70E740481C1C}">
+                <a14:useLocalDpi xmlns:a14="http://schemas.microsoft.com/office/drawing/2010/main" val="0"/>
+              </a:ext>
+            </a:extLst>
+          </a:blip>
+          <a:srcRect l="9592" t="9933" r="9828" b="9488"/>
+          <a:stretch/>
+        </p:blipFill>
+        <p:spPr bwMode="auto">
+          <a:xfrm>
+            <a:off x="11102796" y="-4075"/>
+            <a:ext cx="1089203" cy="1089203"/>
+          </a:xfrm>
+          <a:prstGeom prst="rect">
+            <a:avLst/>
+          </a:prstGeom>
+        </p:spPr>
+      </p:pic>
     </p:spTree>
     <p:extLst>
       <p:ext uri="{BB962C8B-B14F-4D97-AF65-F5344CB8AC3E}">
@@ -11473,7 +12737,7 @@
                 <a:ea typeface="Times New Roman"/>
                 <a:cs typeface="Times New Roman"/>
               </a:rPr>
-              <a:t>Выполнен анализ предметной области и произведен обзор существующих решений.</a:t>
+              <a:t>Выполнен анализ предметной области и произведен обзор существующих решений</a:t>
             </a:r>
             <a:endParaRPr dirty="0">
               <a:latin typeface="Times New Roman"/>
@@ -11495,7 +12759,7 @@
                 <a:ea typeface="Times New Roman"/>
                 <a:cs typeface="Times New Roman"/>
               </a:rPr>
-              <a:t>Разработана базовая архитектура приложения.</a:t>
+              <a:t>Разработана базовая архитектура приложения</a:t>
             </a:r>
           </a:p>
           <a:p>
@@ -11512,7 +12776,7 @@
                 <a:latin typeface="Times New Roman"/>
                 <a:cs typeface="Times New Roman"/>
               </a:rPr>
-              <a:t>Описаны алгоритмы, использующиеся в системе.</a:t>
+              <a:t>Описаны алгоритмы, использующиеся в системе</a:t>
             </a:r>
             <a:endParaRPr dirty="0">
               <a:latin typeface="Times New Roman"/>
@@ -11534,7 +12798,7 @@
                 <a:ea typeface="Times New Roman"/>
                 <a:cs typeface="Times New Roman"/>
               </a:rPr>
-              <a:t>Выполнена реализация приложения.</a:t>
+              <a:t>Выполнена реализация приложения</a:t>
             </a:r>
             <a:endParaRPr dirty="0">
               <a:latin typeface="Times New Roman"/>
@@ -11556,7 +12820,7 @@
                 <a:ea typeface="Times New Roman"/>
                 <a:cs typeface="Times New Roman"/>
               </a:rPr>
-              <a:t>Выполнено тестирование.</a:t>
+              <a:t>Выполнено тестирование</a:t>
             </a:r>
           </a:p>
         </p:txBody>
@@ -11594,6 +12858,41 @@
           </a:p>
         </p:txBody>
       </p:sp>
+      <p:pic>
+        <p:nvPicPr>
+          <p:cNvPr id="5" name="Picture 4">
+            <a:extLst>
+              <a:ext uri="{FF2B5EF4-FFF2-40B4-BE49-F238E27FC236}">
+                <a16:creationId xmlns:a16="http://schemas.microsoft.com/office/drawing/2014/main" id="{D9D80125-4A64-4A32-99A5-3464D4337FD3}"/>
+              </a:ext>
+            </a:extLst>
+          </p:cNvPr>
+          <p:cNvPicPr>
+            <a:picLocks noChangeAspect="1"/>
+          </p:cNvPicPr>
+          <p:nvPr/>
+        </p:nvPicPr>
+        <p:blipFill rotWithShape="1">
+          <a:blip r:embed="rId3">
+            <a:extLst>
+              <a:ext uri="{28A0092B-C50C-407E-A947-70E740481C1C}">
+                <a14:useLocalDpi xmlns:a14="http://schemas.microsoft.com/office/drawing/2010/main" val="0"/>
+              </a:ext>
+            </a:extLst>
+          </a:blip>
+          <a:srcRect l="9592" t="9933" r="9828" b="9488"/>
+          <a:stretch/>
+        </p:blipFill>
+        <p:spPr bwMode="auto">
+          <a:xfrm>
+            <a:off x="11102796" y="-4075"/>
+            <a:ext cx="1089203" cy="1089203"/>
+          </a:xfrm>
+          <a:prstGeom prst="rect">
+            <a:avLst/>
+          </a:prstGeom>
+        </p:spPr>
+      </p:pic>
     </p:spTree>
   </p:cSld>
   <p:clrMapOvr>
@@ -12460,6 +13759,41 @@
           </a:graphicData>
         </a:graphic>
       </p:graphicFrame>
+      <p:pic>
+        <p:nvPicPr>
+          <p:cNvPr id="6" name="Picture 5">
+            <a:extLst>
+              <a:ext uri="{FF2B5EF4-FFF2-40B4-BE49-F238E27FC236}">
+                <a16:creationId xmlns:a16="http://schemas.microsoft.com/office/drawing/2014/main" id="{225BAB1F-4466-4ABE-971B-D252AD34FA14}"/>
+              </a:ext>
+            </a:extLst>
+          </p:cNvPr>
+          <p:cNvPicPr>
+            <a:picLocks noChangeAspect="1"/>
+          </p:cNvPicPr>
+          <p:nvPr/>
+        </p:nvPicPr>
+        <p:blipFill rotWithShape="1">
+          <a:blip r:embed="rId2">
+            <a:extLst>
+              <a:ext uri="{28A0092B-C50C-407E-A947-70E740481C1C}">
+                <a14:useLocalDpi xmlns:a14="http://schemas.microsoft.com/office/drawing/2010/main" val="0"/>
+              </a:ext>
+            </a:extLst>
+          </a:blip>
+          <a:srcRect l="9592" t="9933" r="9828" b="9488"/>
+          <a:stretch/>
+        </p:blipFill>
+        <p:spPr bwMode="auto">
+          <a:xfrm>
+            <a:off x="11102796" y="-4075"/>
+            <a:ext cx="1089203" cy="1089203"/>
+          </a:xfrm>
+          <a:prstGeom prst="rect">
+            <a:avLst/>
+          </a:prstGeom>
+        </p:spPr>
+      </p:pic>
     </p:spTree>
   </p:cSld>
   <p:clrMapOvr>
@@ -12487,7 +13821,7 @@
       </p:grpSpPr>
       <p:sp>
         <p:nvSpPr>
-          <p:cNvPr id="227832949" name="Title 1"/>
+          <p:cNvPr id="1048868835" name="Title 1"/>
           <p:cNvSpPr>
             <a:spLocks noGrp="1"/>
           </p:cNvSpPr>
@@ -12509,22 +13843,19 @@
               <a:defRPr/>
             </a:pPr>
             <a:r>
-              <a:rPr lang="ru-RU" sz="2800" b="1">
-                <a:latin typeface="Times New Roman"/>
-                <a:cs typeface="Times New Roman"/>
-              </a:rPr>
-              <a:t>АКТУАЛЬНОСТЬ</a:t>
-            </a:r>
-            <a:endParaRPr sz="2800" b="1">
-              <a:latin typeface="Times New Roman"/>
-              <a:cs typeface="Times New Roman"/>
-            </a:endParaRPr>
-          </a:p>
-        </p:txBody>
-      </p:sp>
-      <p:sp>
-        <p:nvSpPr>
-          <p:cNvPr id="1664509925" name="Content Placeholder 2"/>
+              <a:rPr lang="ru-RU" sz="2800" b="1" dirty="0">
+                <a:latin typeface="Times New Roman"/>
+                <a:cs typeface="Times New Roman"/>
+              </a:rPr>
+              <a:t>ЦЕЛЬ И ЗАДАЧИ</a:t>
+            </a:r>
+            <a:endParaRPr sz="2800" dirty="0"/>
+          </a:p>
+        </p:txBody>
+      </p:sp>
+      <p:sp>
+        <p:nvSpPr>
+          <p:cNvPr id="1038117892" name="Content Placeholder 2"/>
           <p:cNvSpPr>
             <a:spLocks noGrp="1"/>
           </p:cNvSpPr>
@@ -12544,7 +13875,7 @@
           </a:bodyPr>
           <a:lstStyle/>
           <a:p>
-            <a:pPr marL="0" indent="0" algn="just">
+            <a:pPr marL="0" indent="0">
               <a:buNone/>
               <a:defRPr/>
             </a:pPr>
@@ -12553,18 +13884,15 @@
                 <a:latin typeface="Times New Roman"/>
                 <a:cs typeface="Times New Roman"/>
               </a:rPr>
-              <a:t>Актуальность</a:t>
-            </a:r>
-            <a:r>
-              <a:rPr lang="en-US" b="1" dirty="0">
-                <a:latin typeface="Times New Roman"/>
-                <a:cs typeface="Times New Roman"/>
-              </a:rPr>
-              <a:t>:</a:t>
-            </a:r>
-          </a:p>
-          <a:p>
-            <a:pPr marL="0" indent="0" algn="just">
+              <a:t>Цель работы:</a:t>
+            </a:r>
+            <a:endParaRPr lang="ru-RU" dirty="0">
+              <a:latin typeface="Times New Roman"/>
+              <a:cs typeface="Times New Roman"/>
+            </a:endParaRPr>
+          </a:p>
+          <a:p>
+            <a:pPr marL="0" indent="0">
               <a:buNone/>
               <a:defRPr/>
             </a:pPr>
@@ -12573,7 +13901,7 @@
                 <a:latin typeface="Times New Roman"/>
                 <a:cs typeface="Times New Roman"/>
               </a:rPr>
-              <a:t>Растет интерес к применению БПЛА в сельском хозяйстве при ведении точного земледелия. Дроны используются для мониторинга урожая и создания точных карт полей.</a:t>
+              <a:t>Разработка настольного приложения для расчета маршрута сельскохозяйственного дрона по имеющимся характеристикам</a:t>
             </a:r>
             <a:endParaRPr lang="en-US" dirty="0">
               <a:latin typeface="Times New Roman"/>
@@ -12581,17 +13909,17 @@
             </a:endParaRPr>
           </a:p>
           <a:p>
-            <a:pPr marL="0" indent="0" algn="just">
+            <a:pPr marL="0" indent="0">
               <a:buNone/>
               <a:defRPr/>
             </a:pPr>
-            <a:endParaRPr sz="2600" dirty="0">
+            <a:endParaRPr lang="ru-RU" dirty="0">
               <a:latin typeface="Times New Roman"/>
               <a:cs typeface="Times New Roman"/>
             </a:endParaRPr>
           </a:p>
           <a:p>
-            <a:pPr marL="0" indent="0" algn="just">
+            <a:pPr marL="0" indent="0">
               <a:buNone/>
               <a:defRPr/>
             </a:pPr>
@@ -12600,17 +13928,17 @@
                 <a:latin typeface="Times New Roman"/>
                 <a:cs typeface="Times New Roman"/>
               </a:rPr>
-              <a:t>Преимущества:</a:t>
-            </a:r>
-            <a:endParaRPr b="1" dirty="0">
+              <a:t>Задачи:</a:t>
+            </a:r>
+            <a:endParaRPr lang="ru-RU" dirty="0">
               <a:latin typeface="Times New Roman"/>
               <a:cs typeface="Times New Roman"/>
             </a:endParaRPr>
           </a:p>
           <a:p>
-            <a:pPr marL="371994" indent="-371994" algn="just">
+            <a:pPr marL="394022" indent="-394022">
               <a:buFont typeface="Arial"/>
-              <a:buAutoNum type="arabicParenR"/>
+              <a:buAutoNum type="arabicPeriod"/>
               <a:defRPr/>
             </a:pPr>
             <a:r>
@@ -12618,50 +13946,27 @@
                 <a:latin typeface="Times New Roman"/>
                 <a:cs typeface="Times New Roman"/>
               </a:rPr>
-              <a:t>повышении эффективности использования БПЛА</a:t>
-            </a:r>
-            <a:r>
-              <a:rPr lang="en-US" dirty="0">
-                <a:latin typeface="Times New Roman"/>
-                <a:cs typeface="Times New Roman"/>
-              </a:rPr>
-              <a:t>;</a:t>
-            </a:r>
-            <a:endParaRPr dirty="0">
-              <a:latin typeface="Times New Roman"/>
-              <a:cs typeface="Times New Roman"/>
-            </a:endParaRPr>
-          </a:p>
-          <a:p>
-            <a:pPr marL="371994" indent="-371994" algn="just">
+              <a:t>Выполнить анализ предметной области и произвести обзор существующих решений</a:t>
+            </a:r>
+          </a:p>
+          <a:p>
+            <a:pPr marL="394022" indent="-394022">
               <a:buFont typeface="Arial"/>
-              <a:buAutoNum type="arabicParenR"/>
+              <a:buAutoNum type="arabicPeriod"/>
               <a:defRPr/>
             </a:pPr>
             <a:r>
               <a:rPr lang="ru-RU" dirty="0">
                 <a:latin typeface="Times New Roman"/>
-                <a:ea typeface="Times New Roman"/>
-                <a:cs typeface="Times New Roman"/>
-              </a:rPr>
-              <a:t>сокращение затраты на выезд специалистов</a:t>
-            </a:r>
-            <a:r>
-              <a:rPr lang="en-US" dirty="0">
-                <a:latin typeface="Times New Roman"/>
-                <a:cs typeface="Times New Roman"/>
-              </a:rPr>
-              <a:t>;</a:t>
-            </a:r>
-            <a:endParaRPr dirty="0">
-              <a:latin typeface="Times New Roman"/>
-              <a:cs typeface="Times New Roman"/>
-            </a:endParaRPr>
-          </a:p>
-          <a:p>
-            <a:pPr marL="371994" indent="-371994" algn="just">
+                <a:cs typeface="Times New Roman"/>
+              </a:rPr>
+              <a:t>Разработать базовую архитектуру приложения</a:t>
+            </a:r>
+          </a:p>
+          <a:p>
+            <a:pPr marL="394022" indent="-394022">
               <a:buFont typeface="Arial"/>
-              <a:buAutoNum type="arabicParenR"/>
+              <a:buAutoNum type="arabicPeriod"/>
               <a:defRPr/>
             </a:pPr>
             <a:r>
@@ -12669,25 +13974,42 @@
                 <a:latin typeface="Times New Roman"/>
                 <a:cs typeface="Times New Roman"/>
               </a:rPr>
-              <a:t>скорость и точность предварительной оценки затрат на выезд специалистов</a:t>
-            </a:r>
-            <a:r>
-              <a:rPr lang="en-US" dirty="0">
-                <a:latin typeface="Times New Roman"/>
-                <a:cs typeface="Times New Roman"/>
-              </a:rPr>
-              <a:t>.</a:t>
-            </a:r>
-            <a:endParaRPr dirty="0">
-              <a:latin typeface="Times New Roman"/>
-              <a:cs typeface="Times New Roman"/>
-            </a:endParaRPr>
-          </a:p>
-        </p:txBody>
-      </p:sp>
-      <p:sp>
-        <p:nvSpPr>
-          <p:cNvPr id="1069361798" name="Slide Number Placeholder 5"/>
+              <a:t>Описать алгоритмы, использующиеся в системе</a:t>
+            </a:r>
+          </a:p>
+          <a:p>
+            <a:pPr marL="394022" indent="-394022">
+              <a:buFont typeface="Arial"/>
+              <a:buAutoNum type="arabicPeriod"/>
+              <a:defRPr/>
+            </a:pPr>
+            <a:r>
+              <a:rPr lang="ru-RU" dirty="0">
+                <a:latin typeface="Times New Roman"/>
+                <a:cs typeface="Times New Roman"/>
+              </a:rPr>
+              <a:t>Выполнить реализацию приложения</a:t>
+            </a:r>
+          </a:p>
+          <a:p>
+            <a:pPr marL="394022" indent="-394022">
+              <a:buFont typeface="Arial"/>
+              <a:buAutoNum type="arabicPeriod"/>
+              <a:defRPr/>
+            </a:pPr>
+            <a:r>
+              <a:rPr lang="ru-RU" dirty="0">
+                <a:latin typeface="Times New Roman"/>
+                <a:cs typeface="Times New Roman"/>
+              </a:rPr>
+              <a:t>Выполнить тестирование</a:t>
+            </a:r>
+          </a:p>
+        </p:txBody>
+      </p:sp>
+      <p:sp>
+        <p:nvSpPr>
+          <p:cNvPr id="1531006883" name="Slide Number Placeholder 5"/>
           <p:cNvSpPr>
             <a:spLocks noGrp="1"/>
           </p:cNvSpPr>
@@ -12703,7 +14025,7 @@
             <a:pPr>
               <a:defRPr/>
             </a:pPr>
-            <a:fld id="{1AFF1B61-3AB2-B5BD-5BAD-3F50C69BB005}" type="slidenum">
+            <a:fld id="{53D89D74-5DA3-1BA4-C7D7-A7772828CF40}" type="slidenum">
               <a:rPr lang="en-US" sz="1800"/>
               <a:t>3</a:t>
             </a:fld>
@@ -12715,10 +14037,45 @@
               <a:rPr lang="ru-RU" sz="1800" dirty="0"/>
               <a:t>23</a:t>
             </a:r>
-            <a:endParaRPr lang="en-US" dirty="0"/>
-          </a:p>
-        </p:txBody>
-      </p:sp>
+            <a:endParaRPr lang="en-US" sz="1800" dirty="0"/>
+          </a:p>
+        </p:txBody>
+      </p:sp>
+      <p:pic>
+        <p:nvPicPr>
+          <p:cNvPr id="6" name="Picture 5">
+            <a:extLst>
+              <a:ext uri="{FF2B5EF4-FFF2-40B4-BE49-F238E27FC236}">
+                <a16:creationId xmlns:a16="http://schemas.microsoft.com/office/drawing/2014/main" id="{909400F0-2BB1-4C8D-9384-463342CA4B41}"/>
+              </a:ext>
+            </a:extLst>
+          </p:cNvPr>
+          <p:cNvPicPr>
+            <a:picLocks noChangeAspect="1"/>
+          </p:cNvPicPr>
+          <p:nvPr/>
+        </p:nvPicPr>
+        <p:blipFill rotWithShape="1">
+          <a:blip r:embed="rId3">
+            <a:extLst>
+              <a:ext uri="{28A0092B-C50C-407E-A947-70E740481C1C}">
+                <a14:useLocalDpi xmlns:a14="http://schemas.microsoft.com/office/drawing/2010/main" val="0"/>
+              </a:ext>
+            </a:extLst>
+          </a:blip>
+          <a:srcRect l="9592" t="9933" r="9828" b="9488"/>
+          <a:stretch/>
+        </p:blipFill>
+        <p:spPr bwMode="auto">
+          <a:xfrm>
+            <a:off x="11102796" y="-4075"/>
+            <a:ext cx="1089203" cy="1089203"/>
+          </a:xfrm>
+          <a:prstGeom prst="rect">
+            <a:avLst/>
+          </a:prstGeom>
+        </p:spPr>
+      </p:pic>
     </p:spTree>
   </p:cSld>
   <p:clrMapOvr>
@@ -12823,14 +14180,14 @@
           <p:nvPr>
             <p:extLst>
               <p:ext uri="{D42A27DB-BD31-4B8C-83A1-F6EECF244321}">
-                <p14:modId xmlns:p14="http://schemas.microsoft.com/office/powerpoint/2010/main" val="1386864367"/>
+                <p14:modId xmlns:p14="http://schemas.microsoft.com/office/powerpoint/2010/main" val="791330741"/>
               </p:ext>
             </p:extLst>
           </p:nvPr>
         </p:nvGraphicFramePr>
         <p:xfrm>
-          <a:off x="335360" y="571318"/>
-          <a:ext cx="11521281" cy="5609863"/>
+          <a:off x="1055440" y="548680"/>
+          <a:ext cx="10011426" cy="5892828"/>
         </p:xfrm>
         <a:graphic>
           <a:graphicData uri="http://schemas.openxmlformats.org/drawingml/2006/table">
@@ -12839,35 +14196,35 @@
                 <a:tableStyleId>{3C21AF34-DCD5-8230-C345-7A89F10F8233}</a:tableStyleId>
               </a:tblPr>
               <a:tblGrid>
-                <a:gridCol w="2792694">
+                <a:gridCol w="2426714">
                   <a:extLst>
                     <a:ext uri="{9D8B030D-6E8A-4147-A177-3AD203B41FA5}">
                       <a16:colId xmlns:a16="http://schemas.microsoft.com/office/drawing/2014/main" val="20000"/>
                     </a:ext>
                   </a:extLst>
                 </a:gridCol>
-                <a:gridCol w="2269458">
+                <a:gridCol w="1972047">
                   <a:extLst>
                     <a:ext uri="{9D8B030D-6E8A-4147-A177-3AD203B41FA5}">
                       <a16:colId xmlns:a16="http://schemas.microsoft.com/office/drawing/2014/main" val="20001"/>
                     </a:ext>
                   </a:extLst>
                 </a:gridCol>
-                <a:gridCol w="2269458">
+                <a:gridCol w="1972047">
                   <a:extLst>
                     <a:ext uri="{9D8B030D-6E8A-4147-A177-3AD203B41FA5}">
                       <a16:colId xmlns:a16="http://schemas.microsoft.com/office/drawing/2014/main" val="20002"/>
                     </a:ext>
                   </a:extLst>
                 </a:gridCol>
-                <a:gridCol w="2094205">
+                <a:gridCol w="1819761">
                   <a:extLst>
                     <a:ext uri="{9D8B030D-6E8A-4147-A177-3AD203B41FA5}">
                       <a16:colId xmlns:a16="http://schemas.microsoft.com/office/drawing/2014/main" val="20003"/>
                     </a:ext>
                   </a:extLst>
                 </a:gridCol>
-                <a:gridCol w="2095466">
+                <a:gridCol w="1820857">
                   <a:extLst>
                     <a:ext uri="{9D8B030D-6E8A-4147-A177-3AD203B41FA5}">
                       <a16:colId xmlns:a16="http://schemas.microsoft.com/office/drawing/2014/main" val="20004"/>
@@ -12875,7 +14232,7 @@
                   </a:extLst>
                 </a:gridCol>
               </a:tblGrid>
-              <a:tr h="417150">
+              <a:tr h="411907">
                 <a:tc>
                   <a:txBody>
                     <a:bodyPr/>
@@ -13117,7 +14474,7 @@
                   </a:ext>
                 </a:extLst>
               </a:tr>
-              <a:tr h="620455">
+              <a:tr h="612657">
                 <a:tc>
                   <a:txBody>
                     <a:bodyPr/>
@@ -13332,7 +14689,7 @@
                   </a:ext>
                 </a:extLst>
               </a:tr>
-              <a:tr h="437466">
+              <a:tr h="572936">
                 <a:tc>
                   <a:txBody>
                     <a:bodyPr/>
@@ -13524,7 +14881,7 @@
                   </a:ext>
                 </a:extLst>
               </a:tr>
-              <a:tr h="607722">
+              <a:tr h="600084">
                 <a:tc>
                   <a:txBody>
                     <a:bodyPr/>
@@ -13688,7 +15045,7 @@
                   </a:ext>
                 </a:extLst>
               </a:tr>
-              <a:tr h="437466">
+              <a:tr h="431968">
                 <a:tc>
                   <a:txBody>
                     <a:bodyPr/>
@@ -13866,7 +15223,7 @@
                   </a:ext>
                 </a:extLst>
               </a:tr>
-              <a:tr h="732648">
+              <a:tr h="814172">
                 <a:tc>
                   <a:txBody>
                     <a:bodyPr/>
@@ -14072,7 +15429,7 @@
                   </a:ext>
                 </a:extLst>
               </a:tr>
-              <a:tr h="607722">
+              <a:tr h="600084">
                 <a:tc>
                   <a:txBody>
                     <a:bodyPr/>
@@ -14250,7 +15607,7 @@
                   </a:ext>
                 </a:extLst>
               </a:tr>
-              <a:tr h="732648">
+              <a:tr h="814172">
                 <a:tc>
                   <a:txBody>
                     <a:bodyPr/>
@@ -14414,7 +15771,7 @@
                   </a:ext>
                 </a:extLst>
               </a:tr>
-              <a:tr h="437466">
+              <a:tr h="431968">
                 <a:tc>
                   <a:txBody>
                     <a:bodyPr/>
@@ -14578,7 +15935,7 @@
                   </a:ext>
                 </a:extLst>
               </a:tr>
-              <a:tr h="574899">
+              <a:tr h="572936">
                 <a:tc>
                   <a:txBody>
                     <a:bodyPr/>
@@ -14826,6 +16183,41 @@
           </a:p>
         </p:txBody>
       </p:sp>
+      <p:pic>
+        <p:nvPicPr>
+          <p:cNvPr id="8" name="Picture 7">
+            <a:extLst>
+              <a:ext uri="{FF2B5EF4-FFF2-40B4-BE49-F238E27FC236}">
+                <a16:creationId xmlns:a16="http://schemas.microsoft.com/office/drawing/2014/main" id="{EBCC314C-2ED0-4215-9055-5D614DB83BC5}"/>
+              </a:ext>
+            </a:extLst>
+          </p:cNvPr>
+          <p:cNvPicPr>
+            <a:picLocks noChangeAspect="1"/>
+          </p:cNvPicPr>
+          <p:nvPr/>
+        </p:nvPicPr>
+        <p:blipFill rotWithShape="1">
+          <a:blip r:embed="rId3">
+            <a:extLst>
+              <a:ext uri="{28A0092B-C50C-407E-A947-70E740481C1C}">
+                <a14:useLocalDpi xmlns:a14="http://schemas.microsoft.com/office/drawing/2010/main" val="0"/>
+              </a:ext>
+            </a:extLst>
+          </a:blip>
+          <a:srcRect l="9592" t="9933" r="9828" b="9488"/>
+          <a:stretch/>
+        </p:blipFill>
+        <p:spPr bwMode="auto">
+          <a:xfrm>
+            <a:off x="11102796" y="-4075"/>
+            <a:ext cx="1089203" cy="1089203"/>
+          </a:xfrm>
+          <a:prstGeom prst="rect">
+            <a:avLst/>
+          </a:prstGeom>
+        </p:spPr>
+      </p:pic>
     </p:spTree>
   </p:cSld>
   <p:clrMapOvr>
@@ -14955,6 +16347,41 @@
             <a:off x="2845990" y="548680"/>
             <a:ext cx="5764610" cy="6172798"/>
           </a:xfrm>
+        </p:spPr>
+      </p:pic>
+      <p:pic>
+        <p:nvPicPr>
+          <p:cNvPr id="7" name="Picture 6">
+            <a:extLst>
+              <a:ext uri="{FF2B5EF4-FFF2-40B4-BE49-F238E27FC236}">
+                <a16:creationId xmlns:a16="http://schemas.microsoft.com/office/drawing/2014/main" id="{8D85A9CA-1795-42F7-B7B6-26AD7ED5DDE7}"/>
+              </a:ext>
+            </a:extLst>
+          </p:cNvPr>
+          <p:cNvPicPr>
+            <a:picLocks noChangeAspect="1"/>
+          </p:cNvPicPr>
+          <p:nvPr/>
+        </p:nvPicPr>
+        <p:blipFill rotWithShape="1">
+          <a:blip r:embed="rId4">
+            <a:extLst>
+              <a:ext uri="{28A0092B-C50C-407E-A947-70E740481C1C}">
+                <a14:useLocalDpi xmlns:a14="http://schemas.microsoft.com/office/drawing/2010/main" val="0"/>
+              </a:ext>
+            </a:extLst>
+          </a:blip>
+          <a:srcRect l="9592" t="9933" r="9828" b="9488"/>
+          <a:stretch/>
+        </p:blipFill>
+        <p:spPr bwMode="auto">
+          <a:xfrm>
+            <a:off x="11102796" y="-4075"/>
+            <a:ext cx="1089203" cy="1089203"/>
+          </a:xfrm>
+          <a:prstGeom prst="rect">
+            <a:avLst/>
+          </a:prstGeom>
         </p:spPr>
       </p:pic>
     </p:spTree>
@@ -15073,6 +16500,41 @@
           </a:p>
         </p:txBody>
       </p:sp>
+      <p:pic>
+        <p:nvPicPr>
+          <p:cNvPr id="7" name="Picture 6">
+            <a:extLst>
+              <a:ext uri="{FF2B5EF4-FFF2-40B4-BE49-F238E27FC236}">
+                <a16:creationId xmlns:a16="http://schemas.microsoft.com/office/drawing/2014/main" id="{79A29B83-9E9A-4EC8-9230-0B3BF63920F4}"/>
+              </a:ext>
+            </a:extLst>
+          </p:cNvPr>
+          <p:cNvPicPr>
+            <a:picLocks noChangeAspect="1"/>
+          </p:cNvPicPr>
+          <p:nvPr/>
+        </p:nvPicPr>
+        <p:blipFill rotWithShape="1">
+          <a:blip r:embed="rId4">
+            <a:extLst>
+              <a:ext uri="{28A0092B-C50C-407E-A947-70E740481C1C}">
+                <a14:useLocalDpi xmlns:a14="http://schemas.microsoft.com/office/drawing/2010/main" val="0"/>
+              </a:ext>
+            </a:extLst>
+          </a:blip>
+          <a:srcRect l="9592" t="9933" r="9828" b="9488"/>
+          <a:stretch/>
+        </p:blipFill>
+        <p:spPr bwMode="auto">
+          <a:xfrm>
+            <a:off x="11102796" y="-4075"/>
+            <a:ext cx="1089203" cy="1089203"/>
+          </a:xfrm>
+          <a:prstGeom prst="rect">
+            <a:avLst/>
+          </a:prstGeom>
+        </p:spPr>
+      </p:pic>
     </p:spTree>
   </p:cSld>
   <p:clrMapOvr>
@@ -15230,6 +16692,41 @@
           </a:prstGeom>
         </p:spPr>
       </p:pic>
+      <p:pic>
+        <p:nvPicPr>
+          <p:cNvPr id="9" name="Picture 8">
+            <a:extLst>
+              <a:ext uri="{FF2B5EF4-FFF2-40B4-BE49-F238E27FC236}">
+                <a16:creationId xmlns:a16="http://schemas.microsoft.com/office/drawing/2014/main" id="{C3FF8BA6-261E-41DF-AE14-46EBCCC00D82}"/>
+              </a:ext>
+            </a:extLst>
+          </p:cNvPr>
+          <p:cNvPicPr>
+            <a:picLocks noChangeAspect="1"/>
+          </p:cNvPicPr>
+          <p:nvPr/>
+        </p:nvPicPr>
+        <p:blipFill rotWithShape="1">
+          <a:blip r:embed="rId4">
+            <a:extLst>
+              <a:ext uri="{28A0092B-C50C-407E-A947-70E740481C1C}">
+                <a14:useLocalDpi xmlns:a14="http://schemas.microsoft.com/office/drawing/2010/main" val="0"/>
+              </a:ext>
+            </a:extLst>
+          </a:blip>
+          <a:srcRect l="9592" t="9933" r="9828" b="9488"/>
+          <a:stretch/>
+        </p:blipFill>
+        <p:spPr bwMode="auto">
+          <a:xfrm>
+            <a:off x="11102796" y="-4075"/>
+            <a:ext cx="1089203" cy="1089203"/>
+          </a:xfrm>
+          <a:prstGeom prst="rect">
+            <a:avLst/>
+          </a:prstGeom>
+        </p:spPr>
+      </p:pic>
     </p:spTree>
   </p:cSld>
   <p:clrMapOvr>
@@ -15355,8 +16852,43 @@
         </p:blipFill>
         <p:spPr>
           <a:xfrm>
-            <a:off x="612000" y="1116000"/>
+            <a:off x="606000" y="1242383"/>
             <a:ext cx="10980000" cy="5184000"/>
+          </a:xfrm>
+          <a:prstGeom prst="rect">
+            <a:avLst/>
+          </a:prstGeom>
+        </p:spPr>
+      </p:pic>
+      <p:pic>
+        <p:nvPicPr>
+          <p:cNvPr id="7" name="Picture 6">
+            <a:extLst>
+              <a:ext uri="{FF2B5EF4-FFF2-40B4-BE49-F238E27FC236}">
+                <a16:creationId xmlns:a16="http://schemas.microsoft.com/office/drawing/2014/main" id="{D746585F-BF0B-4897-BADD-76B00C587890}"/>
+              </a:ext>
+            </a:extLst>
+          </p:cNvPr>
+          <p:cNvPicPr>
+            <a:picLocks noChangeAspect="1"/>
+          </p:cNvPicPr>
+          <p:nvPr/>
+        </p:nvPicPr>
+        <p:blipFill rotWithShape="1">
+          <a:blip r:embed="rId4">
+            <a:extLst>
+              <a:ext uri="{28A0092B-C50C-407E-A947-70E740481C1C}">
+                <a14:useLocalDpi xmlns:a14="http://schemas.microsoft.com/office/drawing/2010/main" val="0"/>
+              </a:ext>
+            </a:extLst>
+          </a:blip>
+          <a:srcRect l="9592" t="9933" r="9828" b="9488"/>
+          <a:stretch/>
+        </p:blipFill>
+        <p:spPr bwMode="auto">
+          <a:xfrm>
+            <a:off x="11102796" y="-4075"/>
+            <a:ext cx="1089203" cy="1089203"/>
           </a:xfrm>
           <a:prstGeom prst="rect">
             <a:avLst/>
@@ -15437,7 +16969,7 @@
         </p:nvSpPr>
         <p:spPr bwMode="auto">
           <a:xfrm>
-            <a:off x="335360" y="720003"/>
+            <a:off x="373604" y="1484784"/>
             <a:ext cx="10729192" cy="4306977"/>
           </a:xfrm>
         </p:spPr>
@@ -15464,7 +16996,7 @@
                 <a:latin typeface="Times New Roman"/>
                 <a:cs typeface="Times New Roman"/>
               </a:rPr>
-              <a:t>: Tauri.</a:t>
+              <a:t>: Tauri</a:t>
             </a:r>
             <a:endParaRPr dirty="0">
               <a:latin typeface="Times New Roman"/>
@@ -15503,7 +17035,7 @@
                 <a:latin typeface="Times New Roman"/>
                 <a:cs typeface="Times New Roman"/>
               </a:rPr>
-              <a:t>: Rust.</a:t>
+              <a:t>: Rust</a:t>
             </a:r>
             <a:endParaRPr dirty="0">
               <a:latin typeface="Times New Roman"/>
@@ -15528,21 +17060,7 @@
                 <a:latin typeface="Times New Roman"/>
                 <a:cs typeface="Times New Roman"/>
               </a:rPr>
-              <a:t>: </a:t>
-            </a:r>
-            <a:r>
-              <a:rPr lang="en-US" dirty="0" err="1">
-                <a:latin typeface="Times New Roman"/>
-                <a:cs typeface="Times New Roman"/>
-              </a:rPr>
-              <a:t>Sqlite</a:t>
-            </a:r>
-            <a:r>
-              <a:rPr lang="en-US" dirty="0">
-                <a:latin typeface="Times New Roman"/>
-                <a:cs typeface="Times New Roman"/>
-              </a:rPr>
-              <a:t>.</a:t>
+              <a:t>: SQLite</a:t>
             </a:r>
             <a:endParaRPr dirty="0">
               <a:latin typeface="Times New Roman"/>
@@ -15574,7 +17092,7 @@
                 <a:latin typeface="Times New Roman"/>
                 <a:cs typeface="Times New Roman"/>
               </a:rPr>
-              <a:t>: Svelte.</a:t>
+              <a:t>: Svelte</a:t>
             </a:r>
             <a:endParaRPr dirty="0">
               <a:latin typeface="Times New Roman"/>
@@ -15606,7 +17124,7 @@
                 <a:latin typeface="Times New Roman"/>
                 <a:cs typeface="Times New Roman"/>
               </a:rPr>
-              <a:t>: TypeScript.</a:t>
+              <a:t>: TypeScript</a:t>
             </a:r>
             <a:endParaRPr dirty="0">
               <a:latin typeface="Times New Roman"/>
@@ -15624,30 +17142,55 @@
                 <a:latin typeface="Times New Roman"/>
                 <a:cs typeface="Times New Roman"/>
               </a:rPr>
-              <a:t>Библиотека для отображения карты</a:t>
+              <a:t>Библиотека для отображения карты: </a:t>
+            </a:r>
+            <a:r>
+              <a:rPr lang="ru-RU" dirty="0" err="1">
+                <a:latin typeface="Times New Roman"/>
+                <a:cs typeface="Times New Roman"/>
+              </a:rPr>
+              <a:t>OpenLayers</a:t>
+            </a:r>
+            <a:endParaRPr lang="en-US" dirty="0">
+              <a:latin typeface="Times New Roman"/>
+              <a:cs typeface="Times New Roman"/>
+            </a:endParaRPr>
+          </a:p>
+          <a:p>
+            <a:pPr>
+              <a:buFont typeface="Arial"/>
+              <a:buChar char="–"/>
+              <a:defRPr/>
+            </a:pPr>
+            <a:r>
+              <a:rPr lang="ru-RU" dirty="0">
+                <a:latin typeface="Times New Roman"/>
+                <a:cs typeface="Times New Roman"/>
+              </a:rPr>
+              <a:t>Исходный код:</a:t>
             </a:r>
             <a:r>
               <a:rPr lang="en-US" dirty="0">
                 <a:latin typeface="Times New Roman"/>
                 <a:cs typeface="Times New Roman"/>
               </a:rPr>
-              <a:t>: </a:t>
-            </a:r>
-            <a:r>
-              <a:rPr lang="en-US" dirty="0" err="1">
-                <a:latin typeface="Times New Roman"/>
-                <a:cs typeface="Times New Roman"/>
-              </a:rPr>
-              <a:t>OpenLayers</a:t>
-            </a:r>
-            <a:r>
-              <a:rPr lang="en-US" dirty="0">
-                <a:latin typeface="Times New Roman"/>
-                <a:cs typeface="Times New Roman"/>
-              </a:rPr>
-              <a:t>.</a:t>
-            </a:r>
-            <a:endParaRPr dirty="0">
+              <a:t> </a:t>
+            </a:r>
+            <a:r>
+              <a:rPr lang="ru-RU" dirty="0">
+                <a:latin typeface="Times New Roman"/>
+                <a:cs typeface="Times New Roman"/>
+              </a:rPr>
+              <a:t>https://github.com/evgenkot/uav-route-calculation</a:t>
+            </a:r>
+          </a:p>
+          <a:p>
+            <a:pPr>
+              <a:buFont typeface="Arial"/>
+              <a:buChar char="–"/>
+              <a:defRPr/>
+            </a:pPr>
+            <a:endParaRPr lang="ru-RU" dirty="0">
               <a:latin typeface="Times New Roman"/>
               <a:cs typeface="Times New Roman"/>
             </a:endParaRPr>
@@ -15875,45 +17418,16 @@
               <a:buNone/>
               <a:defRPr/>
             </a:pPr>
-            <a:r>
-              <a:rPr sz="2600" dirty="0" err="1"/>
-              <a:t>Исходный</a:t>
-            </a:r>
-            <a:r>
-              <a:rPr sz="2600" dirty="0"/>
-              <a:t> </a:t>
-            </a:r>
-            <a:r>
-              <a:rPr sz="2600" dirty="0" err="1"/>
-              <a:t>код</a:t>
-            </a:r>
-            <a:r>
-              <a:rPr sz="2600" dirty="0"/>
-              <a:t>:</a:t>
-            </a:r>
-          </a:p>
-          <a:p>
-            <a:pPr marL="0" indent="0">
-              <a:buNone/>
-              <a:defRPr/>
-            </a:pPr>
-            <a:r>
-              <a:rPr lang="en-US" sz="2600" dirty="0">
-                <a:latin typeface="Arial"/>
-                <a:cs typeface="Arial"/>
-              </a:rPr>
-              <a:t>https://github.com/evgenkot/uav-route-calculation</a:t>
-            </a:r>
             <a:endParaRPr lang="en-US" sz="2600" dirty="0"/>
           </a:p>
         </p:txBody>
       </p:sp>
       <p:pic>
         <p:nvPicPr>
-          <p:cNvPr id="12" name="Picture 11">
+          <p:cNvPr id="8" name="Picture 7">
             <a:extLst>
               <a:ext uri="{FF2B5EF4-FFF2-40B4-BE49-F238E27FC236}">
-                <a16:creationId xmlns:a16="http://schemas.microsoft.com/office/drawing/2014/main" id="{88A5D70B-E1F6-409D-B50C-504F2326E4DD}"/>
+                <a16:creationId xmlns:a16="http://schemas.microsoft.com/office/drawing/2014/main" id="{2C9FEF34-6489-4745-8EA5-768E4E5DCDF1}"/>
               </a:ext>
             </a:extLst>
           </p:cNvPr>
@@ -15922,7 +17436,7 @@
           </p:cNvPicPr>
           <p:nvPr/>
         </p:nvPicPr>
-        <p:blipFill>
+        <p:blipFill rotWithShape="1">
           <a:blip r:embed="rId3">
             <a:extLst>
               <a:ext uri="{28A0092B-C50C-407E-A947-70E740481C1C}">
@@ -15930,14 +17444,13 @@
               </a:ext>
             </a:extLst>
           </a:blip>
-          <a:stretch>
-            <a:fillRect/>
-          </a:stretch>
+          <a:srcRect l="9592" t="9933" r="9828" b="9488"/>
+          <a:stretch/>
         </p:blipFill>
-        <p:spPr>
+        <p:spPr bwMode="auto">
           <a:xfrm>
-            <a:off x="8438801" y="899392"/>
-            <a:ext cx="3753199" cy="3753199"/>
+            <a:off x="11102796" y="-4075"/>
+            <a:ext cx="1089203" cy="1089203"/>
           </a:xfrm>
           <a:prstGeom prst="rect">
             <a:avLst/>
@@ -16453,4 +17966,299 @@
     </a:ext>
   </a:extLst>
 </a:theme>
+</file>
+
+<file path=ppt/theme/theme3.xml><?xml version="1.0" encoding="utf-8"?>
+<a:theme xmlns:a="http://schemas.openxmlformats.org/drawingml/2006/main" name="Office Theme">
+  <a:themeElements>
+    <a:clrScheme name="Office">
+      <a:dk1>
+        <a:sysClr val="windowText" lastClr="000000"/>
+      </a:dk1>
+      <a:lt1>
+        <a:sysClr val="window" lastClr="FFFFFF"/>
+      </a:lt1>
+      <a:dk2>
+        <a:srgbClr val="44546A"/>
+      </a:dk2>
+      <a:lt2>
+        <a:srgbClr val="E7E6E6"/>
+      </a:lt2>
+      <a:accent1>
+        <a:srgbClr val="4472C4"/>
+      </a:accent1>
+      <a:accent2>
+        <a:srgbClr val="ED7D31"/>
+      </a:accent2>
+      <a:accent3>
+        <a:srgbClr val="A5A5A5"/>
+      </a:accent3>
+      <a:accent4>
+        <a:srgbClr val="FFC000"/>
+      </a:accent4>
+      <a:accent5>
+        <a:srgbClr val="5B9BD5"/>
+      </a:accent5>
+      <a:accent6>
+        <a:srgbClr val="70AD47"/>
+      </a:accent6>
+      <a:hlink>
+        <a:srgbClr val="0563C1"/>
+      </a:hlink>
+      <a:folHlink>
+        <a:srgbClr val="954F72"/>
+      </a:folHlink>
+    </a:clrScheme>
+    <a:fontScheme name="Office">
+      <a:majorFont>
+        <a:latin typeface="Calibri Light" panose="020F0302020204030204"/>
+        <a:ea typeface=""/>
+        <a:cs typeface=""/>
+        <a:font script="Jpan" typeface="游ゴシック Light"/>
+        <a:font script="Hang" typeface="맑은 고딕"/>
+        <a:font script="Hans" typeface="等线 Light"/>
+        <a:font script="Hant" typeface="新細明體"/>
+        <a:font script="Arab" typeface="Times New Roman"/>
+        <a:font script="Hebr" typeface="Times New Roman"/>
+        <a:font script="Thai" typeface="Angsana New"/>
+        <a:font script="Ethi" typeface="Nyala"/>
+        <a:font script="Beng" typeface="Vrinda"/>
+        <a:font script="Gujr" typeface="Shruti"/>
+        <a:font script="Khmr" typeface="MoolBoran"/>
+        <a:font script="Knda" typeface="Tunga"/>
+        <a:font script="Guru" typeface="Raavi"/>
+        <a:font script="Cans" typeface="Euphemia"/>
+        <a:font script="Cher" typeface="Plantagenet Cherokee"/>
+        <a:font script="Yiii" typeface="Microsoft Yi Baiti"/>
+        <a:font script="Tibt" typeface="Microsoft Himalaya"/>
+        <a:font script="Thaa" typeface="MV Boli"/>
+        <a:font script="Deva" typeface="Mangal"/>
+        <a:font script="Telu" typeface="Gautami"/>
+        <a:font script="Taml" typeface="Latha"/>
+        <a:font script="Syrc" typeface="Estrangelo Edessa"/>
+        <a:font script="Orya" typeface="Kalinga"/>
+        <a:font script="Mlym" typeface="Kartika"/>
+        <a:font script="Laoo" typeface="DokChampa"/>
+        <a:font script="Sinh" typeface="Iskoola Pota"/>
+        <a:font script="Mong" typeface="Mongolian Baiti"/>
+        <a:font script="Viet" typeface="Times New Roman"/>
+        <a:font script="Uigh" typeface="Microsoft Uighur"/>
+        <a:font script="Geor" typeface="Sylfaen"/>
+        <a:font script="Armn" typeface="Arial"/>
+        <a:font script="Bugi" typeface="Leelawadee UI"/>
+        <a:font script="Bopo" typeface="Microsoft JhengHei"/>
+        <a:font script="Java" typeface="Javanese Text"/>
+        <a:font script="Lisu" typeface="Segoe UI"/>
+        <a:font script="Mymr" typeface="Myanmar Text"/>
+        <a:font script="Nkoo" typeface="Ebrima"/>
+        <a:font script="Olck" typeface="Nirmala UI"/>
+        <a:font script="Osma" typeface="Ebrima"/>
+        <a:font script="Phag" typeface="Phagspa"/>
+        <a:font script="Syrn" typeface="Estrangelo Edessa"/>
+        <a:font script="Syrj" typeface="Estrangelo Edessa"/>
+        <a:font script="Syre" typeface="Estrangelo Edessa"/>
+        <a:font script="Sora" typeface="Nirmala UI"/>
+        <a:font script="Tale" typeface="Microsoft Tai Le"/>
+        <a:font script="Talu" typeface="Microsoft New Tai Lue"/>
+        <a:font script="Tfng" typeface="Ebrima"/>
+      </a:majorFont>
+      <a:minorFont>
+        <a:latin typeface="Calibri" panose="020F0502020204030204"/>
+        <a:ea typeface=""/>
+        <a:cs typeface=""/>
+        <a:font script="Jpan" typeface="游ゴシック"/>
+        <a:font script="Hang" typeface="맑은 고딕"/>
+        <a:font script="Hans" typeface="等线"/>
+        <a:font script="Hant" typeface="新細明體"/>
+        <a:font script="Arab" typeface="Arial"/>
+        <a:font script="Hebr" typeface="Arial"/>
+        <a:font script="Thai" typeface="Cordia New"/>
+        <a:font script="Ethi" typeface="Nyala"/>
+        <a:font script="Beng" typeface="Vrinda"/>
+        <a:font script="Gujr" typeface="Shruti"/>
+        <a:font script="Khmr" typeface="DaunPenh"/>
+        <a:font script="Knda" typeface="Tunga"/>
+        <a:font script="Guru" typeface="Raavi"/>
+        <a:font script="Cans" typeface="Euphemia"/>
+        <a:font script="Cher" typeface="Plantagenet Cherokee"/>
+        <a:font script="Yiii" typeface="Microsoft Yi Baiti"/>
+        <a:font script="Tibt" typeface="Microsoft Himalaya"/>
+        <a:font script="Thaa" typeface="MV Boli"/>
+        <a:font script="Deva" typeface="Mangal"/>
+        <a:font script="Telu" typeface="Gautami"/>
+        <a:font script="Taml" typeface="Latha"/>
+        <a:font script="Syrc" typeface="Estrangelo Edessa"/>
+        <a:font script="Orya" typeface="Kalinga"/>
+        <a:font script="Mlym" typeface="Kartika"/>
+        <a:font script="Laoo" typeface="DokChampa"/>
+        <a:font script="Sinh" typeface="Iskoola Pota"/>
+        <a:font script="Mong" typeface="Mongolian Baiti"/>
+        <a:font script="Viet" typeface="Arial"/>
+        <a:font script="Uigh" typeface="Microsoft Uighur"/>
+        <a:font script="Geor" typeface="Sylfaen"/>
+        <a:font script="Armn" typeface="Arial"/>
+        <a:font script="Bugi" typeface="Leelawadee UI"/>
+        <a:font script="Bopo" typeface="Microsoft JhengHei"/>
+        <a:font script="Java" typeface="Javanese Text"/>
+        <a:font script="Lisu" typeface="Segoe UI"/>
+        <a:font script="Mymr" typeface="Myanmar Text"/>
+        <a:font script="Nkoo" typeface="Ebrima"/>
+        <a:font script="Olck" typeface="Nirmala UI"/>
+        <a:font script="Osma" typeface="Ebrima"/>
+        <a:font script="Phag" typeface="Phagspa"/>
+        <a:font script="Syrn" typeface="Estrangelo Edessa"/>
+        <a:font script="Syrj" typeface="Estrangelo Edessa"/>
+        <a:font script="Syre" typeface="Estrangelo Edessa"/>
+        <a:font script="Sora" typeface="Nirmala UI"/>
+        <a:font script="Tale" typeface="Microsoft Tai Le"/>
+        <a:font script="Talu" typeface="Microsoft New Tai Lue"/>
+        <a:font script="Tfng" typeface="Ebrima"/>
+      </a:minorFont>
+    </a:fontScheme>
+    <a:fmtScheme name="Office">
+      <a:fillStyleLst>
+        <a:solidFill>
+          <a:schemeClr val="phClr"/>
+        </a:solidFill>
+        <a:gradFill rotWithShape="1">
+          <a:gsLst>
+            <a:gs pos="0">
+              <a:schemeClr val="phClr">
+                <a:lumMod val="110000"/>
+                <a:satMod val="105000"/>
+                <a:tint val="67000"/>
+              </a:schemeClr>
+            </a:gs>
+            <a:gs pos="50000">
+              <a:schemeClr val="phClr">
+                <a:lumMod val="105000"/>
+                <a:satMod val="103000"/>
+                <a:tint val="73000"/>
+              </a:schemeClr>
+            </a:gs>
+            <a:gs pos="100000">
+              <a:schemeClr val="phClr">
+                <a:lumMod val="105000"/>
+                <a:satMod val="109000"/>
+                <a:tint val="81000"/>
+              </a:schemeClr>
+            </a:gs>
+          </a:gsLst>
+          <a:lin ang="5400000" scaled="0"/>
+        </a:gradFill>
+        <a:gradFill rotWithShape="1">
+          <a:gsLst>
+            <a:gs pos="0">
+              <a:schemeClr val="phClr">
+                <a:satMod val="103000"/>
+                <a:lumMod val="102000"/>
+                <a:tint val="94000"/>
+              </a:schemeClr>
+            </a:gs>
+            <a:gs pos="50000">
+              <a:schemeClr val="phClr">
+                <a:satMod val="110000"/>
+                <a:lumMod val="100000"/>
+                <a:shade val="100000"/>
+              </a:schemeClr>
+            </a:gs>
+            <a:gs pos="100000">
+              <a:schemeClr val="phClr">
+                <a:lumMod val="99000"/>
+                <a:satMod val="120000"/>
+                <a:shade val="78000"/>
+              </a:schemeClr>
+            </a:gs>
+          </a:gsLst>
+          <a:lin ang="5400000" scaled="0"/>
+        </a:gradFill>
+      </a:fillStyleLst>
+      <a:lnStyleLst>
+        <a:ln w="6350" cap="flat" cmpd="sng" algn="ctr">
+          <a:solidFill>
+            <a:schemeClr val="phClr"/>
+          </a:solidFill>
+          <a:prstDash val="solid"/>
+          <a:miter lim="800000"/>
+        </a:ln>
+        <a:ln w="12700" cap="flat" cmpd="sng" algn="ctr">
+          <a:solidFill>
+            <a:schemeClr val="phClr"/>
+          </a:solidFill>
+          <a:prstDash val="solid"/>
+          <a:miter lim="800000"/>
+        </a:ln>
+        <a:ln w="19050" cap="flat" cmpd="sng" algn="ctr">
+          <a:solidFill>
+            <a:schemeClr val="phClr"/>
+          </a:solidFill>
+          <a:prstDash val="solid"/>
+          <a:miter lim="800000"/>
+        </a:ln>
+      </a:lnStyleLst>
+      <a:effectStyleLst>
+        <a:effectStyle>
+          <a:effectLst/>
+        </a:effectStyle>
+        <a:effectStyle>
+          <a:effectLst/>
+        </a:effectStyle>
+        <a:effectStyle>
+          <a:effectLst>
+            <a:outerShdw blurRad="57150" dist="19050" dir="5400000" algn="ctr" rotWithShape="0">
+              <a:srgbClr val="000000">
+                <a:alpha val="63000"/>
+              </a:srgbClr>
+            </a:outerShdw>
+          </a:effectLst>
+        </a:effectStyle>
+      </a:effectStyleLst>
+      <a:bgFillStyleLst>
+        <a:solidFill>
+          <a:schemeClr val="phClr"/>
+        </a:solidFill>
+        <a:solidFill>
+          <a:schemeClr val="phClr">
+            <a:tint val="95000"/>
+            <a:satMod val="170000"/>
+          </a:schemeClr>
+        </a:solidFill>
+        <a:gradFill rotWithShape="1">
+          <a:gsLst>
+            <a:gs pos="0">
+              <a:schemeClr val="phClr">
+                <a:tint val="93000"/>
+                <a:satMod val="150000"/>
+                <a:shade val="98000"/>
+                <a:lumMod val="102000"/>
+              </a:schemeClr>
+            </a:gs>
+            <a:gs pos="50000">
+              <a:schemeClr val="phClr">
+                <a:tint val="98000"/>
+                <a:satMod val="130000"/>
+                <a:shade val="90000"/>
+                <a:lumMod val="103000"/>
+              </a:schemeClr>
+            </a:gs>
+            <a:gs pos="100000">
+              <a:schemeClr val="phClr">
+                <a:shade val="63000"/>
+                <a:satMod val="120000"/>
+              </a:schemeClr>
+            </a:gs>
+          </a:gsLst>
+          <a:lin ang="5400000" scaled="0"/>
+        </a:gradFill>
+      </a:bgFillStyleLst>
+    </a:fmtScheme>
+  </a:themeElements>
+  <a:objectDefaults/>
+  <a:extraClrSchemeLst/>
+  <a:extLst>
+    <a:ext uri="{05A4C25C-085E-4340-85A3-A5531E510DB2}">
+      <thm15:themeFamily xmlns:thm15="http://schemas.microsoft.com/office/thememl/2012/main" name="Office Theme" id="{62F939B6-93AF-4DB8-9C6B-D6C7DFDC589F}" vid="{4A3C46E8-61CC-4603-A589-7422A47A8E4A}"/>
+    </a:ext>
+  </a:extLst>
+</a:theme>
 </file>
--- a/doc/GQW/Raschupkin_EV_UAV_Route_Planning.pptx
+++ b/doc/GQW/Raschupkin_EV_UAV_Route_Planning.pptx
@@ -263,7 +263,7 @@
           <a:p>
             <a:fld id="{63919D39-0456-443B-8141-4E4F86DB8EC7}" type="datetimeFigureOut">
               <a:rPr lang="en-US" smtClean="0"/>
-              <a:t>2024-06-16</a:t>
+              <a:t>2024-06-17</a:t>
             </a:fld>
             <a:endParaRPr lang="en-US"/>
           </a:p>
@@ -444,7 +444,7 @@
           <a:p>
             <a:fld id="{017DE71F-3CDD-4F9E-A351-8E9DDE9F4932}" type="datetimeFigureOut">
               <a:rPr lang="en-US" smtClean="0"/>
-              <a:t>2024-06-16</a:t>
+              <a:t>2024-06-17</a:t>
             </a:fld>
             <a:endParaRPr lang="en-US"/>
           </a:p>
@@ -3666,7 +3666,7 @@
             </a:pPr>
             <a:fld id="{BCC18F51-09EC-435C-A3BA-64A766E099C0}" type="datetimeFigureOut">
               <a:rPr lang="en-US" smtClean="0"/>
-              <a:t>2024-06-16</a:t>
+              <a:t>2024-06-17</a:t>
             </a:fld>
             <a:endParaRPr lang="en-US"/>
           </a:p>
@@ -3857,7 +3857,7 @@
             </a:pPr>
             <a:fld id="{BCC18F51-09EC-435C-A3BA-64A766E099C0}" type="datetimeFigureOut">
               <a:rPr lang="en-US" smtClean="0"/>
-              <a:t>2024-06-16</a:t>
+              <a:t>2024-06-17</a:t>
             </a:fld>
             <a:endParaRPr lang="en-US"/>
           </a:p>
@@ -4058,7 +4058,7 @@
             </a:pPr>
             <a:fld id="{BCC18F51-09EC-435C-A3BA-64A766E099C0}" type="datetimeFigureOut">
               <a:rPr lang="en-US" smtClean="0"/>
-              <a:t>2024-06-16</a:t>
+              <a:t>2024-06-17</a:t>
             </a:fld>
             <a:endParaRPr lang="en-US"/>
           </a:p>
@@ -4249,7 +4249,7 @@
             </a:pPr>
             <a:fld id="{BCC18F51-09EC-435C-A3BA-64A766E099C0}" type="datetimeFigureOut">
               <a:rPr lang="en-US" smtClean="0"/>
-              <a:t>2024-06-16</a:t>
+              <a:t>2024-06-17</a:t>
             </a:fld>
             <a:endParaRPr lang="en-US"/>
           </a:p>
@@ -4506,7 +4506,7 @@
             </a:pPr>
             <a:fld id="{BCC18F51-09EC-435C-A3BA-64A766E099C0}" type="datetimeFigureOut">
               <a:rPr lang="en-US" smtClean="0"/>
-              <a:t>2024-06-16</a:t>
+              <a:t>2024-06-17</a:t>
             </a:fld>
             <a:endParaRPr lang="en-US"/>
           </a:p>
@@ -4772,7 +4772,7 @@
             </a:pPr>
             <a:fld id="{BCC18F51-09EC-435C-A3BA-64A766E099C0}" type="datetimeFigureOut">
               <a:rPr lang="en-US" smtClean="0"/>
-              <a:t>2024-06-16</a:t>
+              <a:t>2024-06-17</a:t>
             </a:fld>
             <a:endParaRPr lang="en-US"/>
           </a:p>
@@ -5179,7 +5179,7 @@
             </a:pPr>
             <a:fld id="{BCC18F51-09EC-435C-A3BA-64A766E099C0}" type="datetimeFigureOut">
               <a:rPr lang="en-US" smtClean="0"/>
-              <a:t>2024-06-16</a:t>
+              <a:t>2024-06-17</a:t>
             </a:fld>
             <a:endParaRPr lang="en-US"/>
           </a:p>
@@ -5305,7 +5305,7 @@
             </a:pPr>
             <a:fld id="{BCC18F51-09EC-435C-A3BA-64A766E099C0}" type="datetimeFigureOut">
               <a:rPr lang="en-US" smtClean="0"/>
-              <a:t>2024-06-16</a:t>
+              <a:t>2024-06-17</a:t>
             </a:fld>
             <a:endParaRPr lang="en-US"/>
           </a:p>
@@ -5406,7 +5406,7 @@
             </a:pPr>
             <a:fld id="{BCC18F51-09EC-435C-A3BA-64A766E099C0}" type="datetimeFigureOut">
               <a:rPr lang="en-US" smtClean="0"/>
-              <a:t>2024-06-16</a:t>
+              <a:t>2024-06-17</a:t>
             </a:fld>
             <a:endParaRPr lang="en-US"/>
           </a:p>
@@ -5707,7 +5707,7 @@
             </a:pPr>
             <a:fld id="{BCC18F51-09EC-435C-A3BA-64A766E099C0}" type="datetimeFigureOut">
               <a:rPr lang="en-US" smtClean="0"/>
-              <a:t>2024-06-16</a:t>
+              <a:t>2024-06-17</a:t>
             </a:fld>
             <a:endParaRPr lang="en-US"/>
           </a:p>
@@ -5977,7 +5977,7 @@
             </a:pPr>
             <a:fld id="{BCC18F51-09EC-435C-A3BA-64A766E099C0}" type="datetimeFigureOut">
               <a:rPr lang="en-US" smtClean="0"/>
-              <a:t>2024-06-16</a:t>
+              <a:t>2024-06-17</a:t>
             </a:fld>
             <a:endParaRPr lang="en-US"/>
           </a:p>
@@ -6211,7 +6211,7 @@
             </a:pPr>
             <a:fld id="{BCC18F51-09EC-435C-A3BA-64A766E099C0}" type="datetimeFigureOut">
               <a:rPr lang="en-US" smtClean="0"/>
-              <a:t>2024-06-16</a:t>
+              <a:t>2024-06-17</a:t>
             </a:fld>
             <a:endParaRPr lang="en-US"/>
           </a:p>
@@ -16825,43 +16825,6 @@
       </p:sp>
       <p:pic>
         <p:nvPicPr>
-          <p:cNvPr id="10" name="Content Placeholder 9">
-            <a:extLst>
-              <a:ext uri="{FF2B5EF4-FFF2-40B4-BE49-F238E27FC236}">
-                <a16:creationId xmlns:a16="http://schemas.microsoft.com/office/drawing/2014/main" id="{8DAD20E6-33FF-4EE1-8D36-8141BA54112C}"/>
-              </a:ext>
-            </a:extLst>
-          </p:cNvPr>
-          <p:cNvPicPr>
-            <a:picLocks noGrp="1"/>
-          </p:cNvPicPr>
-          <p:nvPr>
-            <p:ph idx="1"/>
-          </p:nvPr>
-        </p:nvPicPr>
-        <p:blipFill rotWithShape="1">
-          <a:blip r:embed="rId3">
-            <a:extLst>
-              <a:ext uri="{28A0092B-C50C-407E-A947-70E740481C1C}">
-                <a14:useLocalDpi xmlns:a14="http://schemas.microsoft.com/office/drawing/2010/main" val="0"/>
-              </a:ext>
-            </a:extLst>
-          </a:blip>
-          <a:srcRect l="411" t="6756" r="305" b="1006"/>
-          <a:stretch/>
-        </p:blipFill>
-        <p:spPr>
-          <a:xfrm>
-            <a:off x="606000" y="1242383"/>
-            <a:ext cx="10980000" cy="5184000"/>
-          </a:xfrm>
-          <a:prstGeom prst="rect">
-            <a:avLst/>
-          </a:prstGeom>
-        </p:spPr>
-      </p:pic>
-      <p:pic>
-        <p:nvPicPr>
           <p:cNvPr id="7" name="Picture 6">
             <a:extLst>
               <a:ext uri="{FF2B5EF4-FFF2-40B4-BE49-F238E27FC236}">
@@ -16875,7 +16838,7 @@
           <p:nvPr/>
         </p:nvPicPr>
         <p:blipFill rotWithShape="1">
-          <a:blip r:embed="rId4">
+          <a:blip r:embed="rId3">
             <a:extLst>
               <a:ext uri="{28A0092B-C50C-407E-A947-70E740481C1C}">
                 <a14:useLocalDpi xmlns:a14="http://schemas.microsoft.com/office/drawing/2010/main" val="0"/>
@@ -16895,6 +16858,74 @@
           </a:prstGeom>
         </p:spPr>
       </p:pic>
+      <p:pic>
+        <p:nvPicPr>
+          <p:cNvPr id="3" name="Picture 2">
+            <a:extLst>
+              <a:ext uri="{FF2B5EF4-FFF2-40B4-BE49-F238E27FC236}">
+                <a16:creationId xmlns:a16="http://schemas.microsoft.com/office/drawing/2014/main" id="{C55C00C4-FA74-49BD-AFAC-C0B4DA0ED501}"/>
+              </a:ext>
+            </a:extLst>
+          </p:cNvPr>
+          <p:cNvPicPr>
+            <a:picLocks noChangeAspect="1"/>
+          </p:cNvPicPr>
+          <p:nvPr/>
+        </p:nvPicPr>
+        <p:blipFill rotWithShape="1">
+          <a:blip r:embed="rId4">
+            <a:extLst>
+              <a:ext uri="{28A0092B-C50C-407E-A947-70E740481C1C}">
+                <a14:useLocalDpi xmlns:a14="http://schemas.microsoft.com/office/drawing/2010/main" val="0"/>
+              </a:ext>
+            </a:extLst>
+          </a:blip>
+          <a:srcRect l="1338" t="8666" r="1029" b="2540"/>
+          <a:stretch/>
+        </p:blipFill>
+        <p:spPr>
+          <a:xfrm>
+            <a:off x="290025" y="1085128"/>
+            <a:ext cx="11611950" cy="5152184"/>
+          </a:xfrm>
+          <a:prstGeom prst="rect">
+            <a:avLst/>
+          </a:prstGeom>
+        </p:spPr>
+      </p:pic>
+      <p:sp>
+        <p:nvSpPr>
+          <p:cNvPr id="5" name="Content Placeholder 4">
+            <a:extLst>
+              <a:ext uri="{FF2B5EF4-FFF2-40B4-BE49-F238E27FC236}">
+                <a16:creationId xmlns:a16="http://schemas.microsoft.com/office/drawing/2014/main" id="{9D3DA035-E7ED-46AD-8CAC-6B5E3108E9D6}"/>
+              </a:ext>
+            </a:extLst>
+          </p:cNvPr>
+          <p:cNvSpPr>
+            <a:spLocks noGrp="1"/>
+          </p:cNvSpPr>
+          <p:nvPr>
+            <p:ph idx="1"/>
+          </p:nvPr>
+        </p:nvSpPr>
+        <p:spPr>
+          <a:xfrm>
+            <a:off x="804882" y="2370140"/>
+            <a:ext cx="10515600" cy="4351338"/>
+          </a:xfrm>
+        </p:spPr>
+        <p:txBody>
+          <a:bodyPr/>
+          <a:lstStyle/>
+          <a:p>
+            <a:r>
+              <a:rPr lang="en-US" dirty="0"/>
+              <a:t> </a:t>
+            </a:r>
+          </a:p>
+        </p:txBody>
+      </p:sp>
     </p:spTree>
   </p:cSld>
   <p:clrMapOvr>

--- a/doc/GQW/Raschupkin_EV_UAV_Route_Planning.pptx
+++ b/doc/GQW/Raschupkin_EV_UAV_Route_Planning.pptx
@@ -263,7 +263,7 @@
           <a:p>
             <a:fld id="{63919D39-0456-443B-8141-4E4F86DB8EC7}" type="datetimeFigureOut">
               <a:rPr lang="en-US" smtClean="0"/>
-              <a:t>2024-06-17</a:t>
+              <a:t>2024-06-18</a:t>
             </a:fld>
             <a:endParaRPr lang="en-US"/>
           </a:p>
@@ -444,7 +444,7 @@
           <a:p>
             <a:fld id="{017DE71F-3CDD-4F9E-A351-8E9DDE9F4932}" type="datetimeFigureOut">
               <a:rPr lang="en-US" smtClean="0"/>
-              <a:t>2024-06-17</a:t>
+              <a:t>2024-06-18</a:t>
             </a:fld>
             <a:endParaRPr lang="en-US"/>
           </a:p>
@@ -3666,7 +3666,7 @@
             </a:pPr>
             <a:fld id="{BCC18F51-09EC-435C-A3BA-64A766E099C0}" type="datetimeFigureOut">
               <a:rPr lang="en-US" smtClean="0"/>
-              <a:t>2024-06-17</a:t>
+              <a:t>2024-06-18</a:t>
             </a:fld>
             <a:endParaRPr lang="en-US"/>
           </a:p>
@@ -3857,7 +3857,7 @@
             </a:pPr>
             <a:fld id="{BCC18F51-09EC-435C-A3BA-64A766E099C0}" type="datetimeFigureOut">
               <a:rPr lang="en-US" smtClean="0"/>
-              <a:t>2024-06-17</a:t>
+              <a:t>2024-06-18</a:t>
             </a:fld>
             <a:endParaRPr lang="en-US"/>
           </a:p>
@@ -4058,7 +4058,7 @@
             </a:pPr>
             <a:fld id="{BCC18F51-09EC-435C-A3BA-64A766E099C0}" type="datetimeFigureOut">
               <a:rPr lang="en-US" smtClean="0"/>
-              <a:t>2024-06-17</a:t>
+              <a:t>2024-06-18</a:t>
             </a:fld>
             <a:endParaRPr lang="en-US"/>
           </a:p>
@@ -4249,7 +4249,7 @@
             </a:pPr>
             <a:fld id="{BCC18F51-09EC-435C-A3BA-64A766E099C0}" type="datetimeFigureOut">
               <a:rPr lang="en-US" smtClean="0"/>
-              <a:t>2024-06-17</a:t>
+              <a:t>2024-06-18</a:t>
             </a:fld>
             <a:endParaRPr lang="en-US"/>
           </a:p>
@@ -4506,7 +4506,7 @@
             </a:pPr>
             <a:fld id="{BCC18F51-09EC-435C-A3BA-64A766E099C0}" type="datetimeFigureOut">
               <a:rPr lang="en-US" smtClean="0"/>
-              <a:t>2024-06-17</a:t>
+              <a:t>2024-06-18</a:t>
             </a:fld>
             <a:endParaRPr lang="en-US"/>
           </a:p>
@@ -4772,7 +4772,7 @@
             </a:pPr>
             <a:fld id="{BCC18F51-09EC-435C-A3BA-64A766E099C0}" type="datetimeFigureOut">
               <a:rPr lang="en-US" smtClean="0"/>
-              <a:t>2024-06-17</a:t>
+              <a:t>2024-06-18</a:t>
             </a:fld>
             <a:endParaRPr lang="en-US"/>
           </a:p>
@@ -5179,7 +5179,7 @@
             </a:pPr>
             <a:fld id="{BCC18F51-09EC-435C-A3BA-64A766E099C0}" type="datetimeFigureOut">
               <a:rPr lang="en-US" smtClean="0"/>
-              <a:t>2024-06-17</a:t>
+              <a:t>2024-06-18</a:t>
             </a:fld>
             <a:endParaRPr lang="en-US"/>
           </a:p>
@@ -5305,7 +5305,7 @@
             </a:pPr>
             <a:fld id="{BCC18F51-09EC-435C-A3BA-64A766E099C0}" type="datetimeFigureOut">
               <a:rPr lang="en-US" smtClean="0"/>
-              <a:t>2024-06-17</a:t>
+              <a:t>2024-06-18</a:t>
             </a:fld>
             <a:endParaRPr lang="en-US"/>
           </a:p>
@@ -5406,7 +5406,7 @@
             </a:pPr>
             <a:fld id="{BCC18F51-09EC-435C-A3BA-64A766E099C0}" type="datetimeFigureOut">
               <a:rPr lang="en-US" smtClean="0"/>
-              <a:t>2024-06-17</a:t>
+              <a:t>2024-06-18</a:t>
             </a:fld>
             <a:endParaRPr lang="en-US"/>
           </a:p>
@@ -5707,7 +5707,7 @@
             </a:pPr>
             <a:fld id="{BCC18F51-09EC-435C-A3BA-64A766E099C0}" type="datetimeFigureOut">
               <a:rPr lang="en-US" smtClean="0"/>
-              <a:t>2024-06-17</a:t>
+              <a:t>2024-06-18</a:t>
             </a:fld>
             <a:endParaRPr lang="en-US"/>
           </a:p>
@@ -5977,7 +5977,7 @@
             </a:pPr>
             <a:fld id="{BCC18F51-09EC-435C-A3BA-64A766E099C0}" type="datetimeFigureOut">
               <a:rPr lang="en-US" smtClean="0"/>
-              <a:t>2024-06-17</a:t>
+              <a:t>2024-06-18</a:t>
             </a:fld>
             <a:endParaRPr lang="en-US"/>
           </a:p>
@@ -6211,7 +6211,7 @@
             </a:pPr>
             <a:fld id="{BCC18F51-09EC-435C-A3BA-64A766E099C0}" type="datetimeFigureOut">
               <a:rPr lang="en-US" smtClean="0"/>
-              <a:t>2024-06-17</a:t>
+              <a:t>2024-06-18</a:t>
             </a:fld>
             <a:endParaRPr lang="en-US"/>
           </a:p>

--- a/doc/GQW/Raschupkin_EV_UAV_Route_Planning.pptx
+++ b/doc/GQW/Raschupkin_EV_UAV_Route_Planning.pptx
@@ -263,7 +263,7 @@
           <a:p>
             <a:fld id="{63919D39-0456-443B-8141-4E4F86DB8EC7}" type="datetimeFigureOut">
               <a:rPr lang="en-US" smtClean="0"/>
-              <a:t>2024-06-18</a:t>
+              <a:t>2024-06-19</a:t>
             </a:fld>
             <a:endParaRPr lang="en-US"/>
           </a:p>
@@ -444,7 +444,7 @@
           <a:p>
             <a:fld id="{017DE71F-3CDD-4F9E-A351-8E9DDE9F4932}" type="datetimeFigureOut">
               <a:rPr lang="en-US" smtClean="0"/>
-              <a:t>2024-06-18</a:t>
+              <a:t>2024-06-19</a:t>
             </a:fld>
             <a:endParaRPr lang="en-US"/>
           </a:p>
@@ -3666,7 +3666,7 @@
             </a:pPr>
             <a:fld id="{BCC18F51-09EC-435C-A3BA-64A766E099C0}" type="datetimeFigureOut">
               <a:rPr lang="en-US" smtClean="0"/>
-              <a:t>2024-06-18</a:t>
+              <a:t>2024-06-19</a:t>
             </a:fld>
             <a:endParaRPr lang="en-US"/>
           </a:p>
@@ -3857,7 +3857,7 @@
             </a:pPr>
             <a:fld id="{BCC18F51-09EC-435C-A3BA-64A766E099C0}" type="datetimeFigureOut">
               <a:rPr lang="en-US" smtClean="0"/>
-              <a:t>2024-06-18</a:t>
+              <a:t>2024-06-19</a:t>
             </a:fld>
             <a:endParaRPr lang="en-US"/>
           </a:p>
@@ -4058,7 +4058,7 @@
             </a:pPr>
             <a:fld id="{BCC18F51-09EC-435C-A3BA-64A766E099C0}" type="datetimeFigureOut">
               <a:rPr lang="en-US" smtClean="0"/>
-              <a:t>2024-06-18</a:t>
+              <a:t>2024-06-19</a:t>
             </a:fld>
             <a:endParaRPr lang="en-US"/>
           </a:p>
@@ -4249,7 +4249,7 @@
             </a:pPr>
             <a:fld id="{BCC18F51-09EC-435C-A3BA-64A766E099C0}" type="datetimeFigureOut">
               <a:rPr lang="en-US" smtClean="0"/>
-              <a:t>2024-06-18</a:t>
+              <a:t>2024-06-19</a:t>
             </a:fld>
             <a:endParaRPr lang="en-US"/>
           </a:p>
@@ -4506,7 +4506,7 @@
             </a:pPr>
             <a:fld id="{BCC18F51-09EC-435C-A3BA-64A766E099C0}" type="datetimeFigureOut">
               <a:rPr lang="en-US" smtClean="0"/>
-              <a:t>2024-06-18</a:t>
+              <a:t>2024-06-19</a:t>
             </a:fld>
             <a:endParaRPr lang="en-US"/>
           </a:p>
@@ -4772,7 +4772,7 @@
             </a:pPr>
             <a:fld id="{BCC18F51-09EC-435C-A3BA-64A766E099C0}" type="datetimeFigureOut">
               <a:rPr lang="en-US" smtClean="0"/>
-              <a:t>2024-06-18</a:t>
+              <a:t>2024-06-19</a:t>
             </a:fld>
             <a:endParaRPr lang="en-US"/>
           </a:p>
@@ -5179,7 +5179,7 @@
             </a:pPr>
             <a:fld id="{BCC18F51-09EC-435C-A3BA-64A766E099C0}" type="datetimeFigureOut">
               <a:rPr lang="en-US" smtClean="0"/>
-              <a:t>2024-06-18</a:t>
+              <a:t>2024-06-19</a:t>
             </a:fld>
             <a:endParaRPr lang="en-US"/>
           </a:p>
@@ -5305,7 +5305,7 @@
             </a:pPr>
             <a:fld id="{BCC18F51-09EC-435C-A3BA-64A766E099C0}" type="datetimeFigureOut">
               <a:rPr lang="en-US" smtClean="0"/>
-              <a:t>2024-06-18</a:t>
+              <a:t>2024-06-19</a:t>
             </a:fld>
             <a:endParaRPr lang="en-US"/>
           </a:p>
@@ -5406,7 +5406,7 @@
             </a:pPr>
             <a:fld id="{BCC18F51-09EC-435C-A3BA-64A766E099C0}" type="datetimeFigureOut">
               <a:rPr lang="en-US" smtClean="0"/>
-              <a:t>2024-06-18</a:t>
+              <a:t>2024-06-19</a:t>
             </a:fld>
             <a:endParaRPr lang="en-US"/>
           </a:p>
@@ -5707,7 +5707,7 @@
             </a:pPr>
             <a:fld id="{BCC18F51-09EC-435C-A3BA-64A766E099C0}" type="datetimeFigureOut">
               <a:rPr lang="en-US" smtClean="0"/>
-              <a:t>2024-06-18</a:t>
+              <a:t>2024-06-19</a:t>
             </a:fld>
             <a:endParaRPr lang="en-US"/>
           </a:p>
@@ -5977,7 +5977,7 @@
             </a:pPr>
             <a:fld id="{BCC18F51-09EC-435C-A3BA-64A766E099C0}" type="datetimeFigureOut">
               <a:rPr lang="en-US" smtClean="0"/>
-              <a:t>2024-06-18</a:t>
+              <a:t>2024-06-19</a:t>
             </a:fld>
             <a:endParaRPr lang="en-US"/>
           </a:p>
@@ -6211,7 +6211,7 @@
             </a:pPr>
             <a:fld id="{BCC18F51-09EC-435C-A3BA-64A766E099C0}" type="datetimeFigureOut">
               <a:rPr lang="en-US" smtClean="0"/>
-              <a:t>2024-06-18</a:t>
+              <a:t>2024-06-19</a:t>
             </a:fld>
             <a:endParaRPr lang="en-US"/>
           </a:p>
@@ -11680,7 +11680,7 @@
                 <a:latin typeface="Times New Roman"/>
                 <a:cs typeface="Times New Roman"/>
               </a:rPr>
-              <a:t>Скорость и точность предварительной оценки затрат на выезд специалистов</a:t>
+              <a:t>Повышение скорости и точности предварительной оценки затрат на выезд специалистов</a:t>
             </a:r>
             <a:endParaRPr dirty="0">
               <a:latin typeface="Times New Roman"/>
@@ -12075,21 +12075,7 @@
                 <a:latin typeface="Times New Roman"/>
                 <a:cs typeface="Times New Roman"/>
               </a:rPr>
-              <a:t>Тест 9</a:t>
-            </a:r>
-            <a:r>
-              <a:rPr lang="en-US" dirty="0">
-                <a:latin typeface="Times New Roman"/>
-                <a:cs typeface="Times New Roman"/>
-              </a:rPr>
-              <a:t>:</a:t>
-            </a:r>
-            <a:r>
-              <a:rPr lang="ru-RU" dirty="0">
-                <a:latin typeface="Times New Roman"/>
-                <a:cs typeface="Times New Roman"/>
-              </a:rPr>
-              <a:t> «Редактирование камеры»</a:t>
+              <a:t>Тест Редактирование камеры</a:t>
             </a:r>
           </a:p>
           <a:p>
@@ -12759,7 +12745,7 @@
                 <a:ea typeface="Times New Roman"/>
                 <a:cs typeface="Times New Roman"/>
               </a:rPr>
-              <a:t>Разработана базовая архитектура приложения</a:t>
+              <a:t>Разработана архитектура приложения</a:t>
             </a:r>
           </a:p>
           <a:p>
@@ -13014,7 +13000,7 @@
           <p:nvPr>
             <p:extLst>
               <p:ext uri="{D42A27DB-BD31-4B8C-83A1-F6EECF244321}">
-                <p14:modId xmlns:p14="http://schemas.microsoft.com/office/powerpoint/2010/main" val="1751920771"/>
+                <p14:modId xmlns:p14="http://schemas.microsoft.com/office/powerpoint/2010/main" val="1115550044"/>
               </p:ext>
             </p:extLst>
           </p:nvPr>
@@ -13256,7 +13242,17 @@
                           <a:latin typeface="Times New Roman"/>
                           <a:cs typeface="Times New Roman"/>
                         </a:rPr>
-                        <a:t>589</a:t>
+                        <a:t>5</a:t>
+                      </a:r>
+                      <a:r>
+                        <a:rPr lang="ru-RU" sz="2400" b="0" i="0" u="none" strike="noStrike" cap="none" spc="0" dirty="0">
+                          <a:solidFill>
+                            <a:schemeClr val="dk1"/>
+                          </a:solidFill>
+                          <a:latin typeface="Times New Roman"/>
+                          <a:cs typeface="Times New Roman"/>
+                        </a:rPr>
+                        <a:t>00</a:t>
                       </a:r>
                       <a:endParaRPr sz="2400" dirty="0">
                         <a:latin typeface="Times New Roman"/>
@@ -13275,33 +13271,11 @@
                         <a:defRPr/>
                       </a:pPr>
                       <a:r>
-                        <a:rPr sz="2400">
+                        <a:rPr lang="ru-RU" sz="2400" dirty="0">
                           <a:latin typeface="Times New Roman"/>
                           <a:cs typeface="Times New Roman"/>
                         </a:rPr>
-                        <a:t>52</a:t>
-                      </a:r>
-                    </a:p>
-                  </a:txBody>
-                  <a:tcPr/>
-                </a:tc>
-                <a:tc>
-                  <a:txBody>
-                    <a:bodyPr/>
-                    <a:lstStyle/>
-                    <a:p>
-                      <a:pPr algn="ctr">
-                        <a:defRPr/>
-                      </a:pPr>
-                      <a:r>
-                        <a:rPr lang="en-US" sz="2400" b="0" i="0" u="none" strike="noStrike" cap="none" spc="0" dirty="0">
-                          <a:solidFill>
-                            <a:schemeClr val="dk1"/>
-                          </a:solidFill>
-                          <a:latin typeface="Times New Roman"/>
-                          <a:cs typeface="Times New Roman"/>
-                        </a:rPr>
-                        <a:t>221</a:t>
+                        <a:t>50</a:t>
                       </a:r>
                       <a:endParaRPr sz="2400" dirty="0">
                         <a:latin typeface="Times New Roman"/>
@@ -13320,14 +13294,40 @@
                         <a:defRPr/>
                       </a:pPr>
                       <a:r>
-                        <a:rPr lang="en-US" sz="2400" b="0" i="0" u="none" strike="noStrike" cap="none" spc="0" dirty="0">
+                        <a:rPr lang="ru-RU" sz="2400" b="0" i="0" u="none" strike="noStrike" cap="none" spc="0" dirty="0">
                           <a:solidFill>
                             <a:schemeClr val="dk1"/>
                           </a:solidFill>
                           <a:latin typeface="Times New Roman"/>
                           <a:cs typeface="Times New Roman"/>
                         </a:rPr>
-                        <a:t>1811</a:t>
+                        <a:t>220</a:t>
+                      </a:r>
+                      <a:endParaRPr sz="2400" dirty="0">
+                        <a:latin typeface="Times New Roman"/>
+                        <a:cs typeface="Times New Roman"/>
+                      </a:endParaRPr>
+                    </a:p>
+                  </a:txBody>
+                  <a:tcPr/>
+                </a:tc>
+                <a:tc>
+                  <a:txBody>
+                    <a:bodyPr/>
+                    <a:lstStyle/>
+                    <a:p>
+                      <a:pPr algn="ctr">
+                        <a:defRPr/>
+                      </a:pPr>
+                      <a:r>
+                        <a:rPr lang="ru-RU" sz="2400" b="0" i="0" u="none" strike="noStrike" cap="none" spc="0" dirty="0">
+                          <a:solidFill>
+                            <a:schemeClr val="dk1"/>
+                          </a:solidFill>
+                          <a:latin typeface="Times New Roman"/>
+                          <a:cs typeface="Times New Roman"/>
+                        </a:rPr>
+                        <a:t>1770</a:t>
                       </a:r>
                       <a:endParaRPr sz="2400" dirty="0">
                         <a:latin typeface="Times New Roman"/>
@@ -13386,7 +13386,17 @@
                           <a:latin typeface="Times New Roman"/>
                           <a:cs typeface="Times New Roman"/>
                         </a:rPr>
-                        <a:t>1083</a:t>
+                        <a:t>10</a:t>
+                      </a:r>
+                      <a:r>
+                        <a:rPr lang="ru-RU" sz="2400" b="0" i="0" u="none" strike="noStrike" cap="none" spc="0" dirty="0">
+                          <a:solidFill>
+                            <a:schemeClr val="dk1"/>
+                          </a:solidFill>
+                          <a:latin typeface="Times New Roman"/>
+                          <a:cs typeface="Times New Roman"/>
+                        </a:rPr>
+                        <a:t>00</a:t>
                       </a:r>
                       <a:endParaRPr sz="2400" dirty="0">
                         <a:latin typeface="Times New Roman"/>
@@ -13405,14 +13415,14 @@
                         <a:defRPr/>
                       </a:pPr>
                       <a:r>
-                        <a:rPr lang="en-US" sz="2400" b="0" i="0" u="none" strike="noStrike" cap="none" spc="0" dirty="0">
+                        <a:rPr lang="ru-RU" sz="2400" b="0" i="0" u="none" strike="noStrike" cap="none" spc="0" dirty="0">
                           <a:solidFill>
                             <a:schemeClr val="dk1"/>
                           </a:solidFill>
                           <a:latin typeface="Times New Roman"/>
                           <a:cs typeface="Times New Roman"/>
                         </a:rPr>
-                        <a:t>44</a:t>
+                        <a:t>50</a:t>
                       </a:r>
                       <a:endParaRPr sz="2400" dirty="0">
                         <a:latin typeface="Times New Roman"/>
@@ -13431,14 +13441,14 @@
                         <a:defRPr/>
                       </a:pPr>
                       <a:r>
-                        <a:rPr lang="en-US" sz="2400" b="0" i="0" u="none" strike="noStrike" cap="none" spc="0" dirty="0">
+                        <a:rPr lang="ru-RU" sz="2400" b="0" i="0" u="none" strike="noStrike" cap="none" spc="0" dirty="0">
                           <a:solidFill>
                             <a:schemeClr val="dk1"/>
                           </a:solidFill>
                           <a:latin typeface="Times New Roman"/>
                           <a:cs typeface="Times New Roman"/>
                         </a:rPr>
-                        <a:t>145</a:t>
+                        <a:t>150</a:t>
                       </a:r>
                       <a:endParaRPr sz="2400" dirty="0">
                         <a:latin typeface="Times New Roman"/>
@@ -13457,14 +13467,14 @@
                         <a:defRPr/>
                       </a:pPr>
                       <a:r>
-                        <a:rPr lang="en-US" sz="2400" b="0" i="0" u="none" strike="noStrike" cap="none" spc="0" dirty="0">
+                        <a:rPr lang="ru-RU" sz="2400" b="0" i="0" u="none" strike="noStrike" cap="none" spc="0" dirty="0">
                           <a:solidFill>
                             <a:schemeClr val="dk1"/>
                           </a:solidFill>
                           <a:latin typeface="Times New Roman"/>
                           <a:cs typeface="Times New Roman"/>
                         </a:rPr>
-                        <a:t>1272</a:t>
+                        <a:t>1200</a:t>
                       </a:r>
                       <a:endParaRPr sz="2400" dirty="0">
                         <a:latin typeface="Times New Roman"/>
@@ -13490,7 +13500,7 @@
                         <a:defRPr/>
                       </a:pPr>
                       <a:r>
-                        <a:rPr lang="ru-RU" sz="2400" b="0" i="0" u="none" strike="noStrike" cap="none" spc="0">
+                        <a:rPr lang="ru-RU" sz="2400" b="0" i="0" u="none" strike="noStrike" cap="none" spc="0" dirty="0">
                           <a:solidFill>
                             <a:schemeClr val="dk1"/>
                           </a:solidFill>
@@ -13499,7 +13509,7 @@
                         </a:rPr>
                         <a:t>CSS</a:t>
                       </a:r>
-                      <a:endParaRPr sz="2400">
+                      <a:endParaRPr sz="2400" dirty="0">
                         <a:latin typeface="Times New Roman"/>
                         <a:cs typeface="Times New Roman"/>
                       </a:endParaRPr>
@@ -13523,7 +13533,7 @@
                           <a:latin typeface="Times New Roman"/>
                           <a:cs typeface="Times New Roman"/>
                         </a:rPr>
-                        <a:t>344</a:t>
+                        <a:t>350</a:t>
                       </a:r>
                       <a:endParaRPr sz="2400" dirty="0">
                         <a:latin typeface="Times New Roman"/>
@@ -13568,16 +13578,16 @@
                         <a:defRPr/>
                       </a:pPr>
                       <a:r>
-                        <a:rPr lang="ru-RU" sz="2400" b="0" i="0" u="none" strike="noStrike" cap="none" spc="0">
+                        <a:rPr lang="ru-RU" sz="2400" b="0" i="0" u="none" strike="noStrike" cap="none" spc="0" dirty="0">
                           <a:solidFill>
                             <a:schemeClr val="dk1"/>
                           </a:solidFill>
                           <a:latin typeface="Times New Roman"/>
                           <a:cs typeface="Times New Roman"/>
                         </a:rPr>
-                        <a:t>61</a:t>
+                        <a:t>60</a:t>
                       </a:r>
-                      <a:endParaRPr sz="2400">
+                      <a:endParaRPr sz="2400" dirty="0">
                         <a:latin typeface="Times New Roman"/>
                         <a:cs typeface="Times New Roman"/>
                       </a:endParaRPr>
@@ -13594,7 +13604,7 @@
                         <a:defRPr/>
                       </a:pPr>
                       <a:r>
-                        <a:rPr lang="ru-RU" sz="2400" b="0" i="0" u="none" strike="noStrike" cap="none" spc="0">
+                        <a:rPr lang="ru-RU" sz="2400" b="0" i="0" u="none" strike="noStrike" cap="none" spc="0" dirty="0">
                           <a:solidFill>
                             <a:schemeClr val="dk1"/>
                           </a:solidFill>
@@ -13602,9 +13612,9 @@
                           <a:ea typeface="Arial"/>
                           <a:cs typeface="Times New Roman"/>
                         </a:rPr>
-                        <a:t>408</a:t>
+                        <a:t>410</a:t>
                       </a:r>
-                      <a:endParaRPr sz="2400">
+                      <a:endParaRPr sz="2400" dirty="0">
                         <a:latin typeface="Times New Roman"/>
                         <a:cs typeface="Times New Roman"/>
                       </a:endParaRPr>
@@ -13628,7 +13638,7 @@
                         <a:defRPr/>
                       </a:pPr>
                       <a:r>
-                        <a:rPr lang="ru-RU" sz="2400" b="0" i="0" u="none" strike="noStrike" cap="none" spc="0">
+                        <a:rPr lang="ru-RU" sz="2400" b="0" i="0" u="none" strike="noStrike" cap="none" spc="0" dirty="0" err="1">
                           <a:solidFill>
                             <a:schemeClr val="dk1"/>
                           </a:solidFill>
@@ -13636,32 +13646,6 @@
                           <a:cs typeface="Times New Roman"/>
                         </a:rPr>
                         <a:t>TypeScript</a:t>
-                      </a:r>
-                      <a:endParaRPr sz="2400">
-                        <a:latin typeface="Times New Roman"/>
-                        <a:cs typeface="Times New Roman"/>
-                      </a:endParaRPr>
-                    </a:p>
-                  </a:txBody>
-                  <a:tcPr/>
-                </a:tc>
-                <a:tc>
-                  <a:txBody>
-                    <a:bodyPr/>
-                    <a:lstStyle/>
-                    <a:p>
-                      <a:pPr algn="ctr">
-                        <a:defRPr/>
-                      </a:pPr>
-                      <a:r>
-                        <a:rPr lang="en-US" sz="2400" b="0" i="0" u="none" strike="noStrike" cap="none" spc="0" dirty="0">
-                          <a:solidFill>
-                            <a:schemeClr val="dk1"/>
-                          </a:solidFill>
-                          <a:latin typeface="Times New Roman"/>
-                          <a:cs typeface="Times New Roman"/>
-                        </a:rPr>
-                        <a:t>121</a:t>
                       </a:r>
                       <a:endParaRPr sz="2400" dirty="0">
                         <a:latin typeface="Times New Roman"/>
@@ -13680,14 +13664,14 @@
                         <a:defRPr/>
                       </a:pPr>
                       <a:r>
-                        <a:rPr lang="en-US" sz="2400" b="0" i="0" u="none" strike="noStrike" cap="none" spc="0" dirty="0">
+                        <a:rPr lang="ru-RU" sz="2400" b="0" i="0" u="none" strike="noStrike" cap="none" spc="0" dirty="0">
                           <a:solidFill>
                             <a:schemeClr val="dk1"/>
                           </a:solidFill>
                           <a:latin typeface="Times New Roman"/>
                           <a:cs typeface="Times New Roman"/>
                         </a:rPr>
-                        <a:t>7</a:t>
+                        <a:t>120</a:t>
                       </a:r>
                       <a:endParaRPr sz="2400" dirty="0">
                         <a:latin typeface="Times New Roman"/>
@@ -13706,14 +13690,14 @@
                         <a:defRPr/>
                       </a:pPr>
                       <a:r>
-                        <a:rPr lang="en-US" sz="2400" b="0" i="0" u="none" strike="noStrike" cap="none" spc="0" dirty="0">
+                        <a:rPr lang="ru-RU" sz="2400" b="0" i="0" u="none" strike="noStrike" cap="none" spc="0" dirty="0">
                           <a:solidFill>
                             <a:schemeClr val="dk1"/>
                           </a:solidFill>
                           <a:latin typeface="Times New Roman"/>
                           <a:cs typeface="Times New Roman"/>
                         </a:rPr>
-                        <a:t>33</a:t>
+                        <a:t>10</a:t>
                       </a:r>
                       <a:endParaRPr sz="2400" dirty="0">
                         <a:latin typeface="Times New Roman"/>
@@ -13732,14 +13716,40 @@
                         <a:defRPr/>
                       </a:pPr>
                       <a:r>
-                        <a:rPr lang="en-US" sz="2400" b="0" i="0" u="none" strike="noStrike" cap="none" spc="0" dirty="0">
+                        <a:rPr lang="ru-RU" sz="2400" b="0" i="0" u="none" strike="noStrike" cap="none" spc="0" dirty="0">
                           <a:solidFill>
                             <a:schemeClr val="dk1"/>
                           </a:solidFill>
                           <a:latin typeface="Times New Roman"/>
                           <a:cs typeface="Times New Roman"/>
                         </a:rPr>
-                        <a:t>158</a:t>
+                        <a:t>30</a:t>
+                      </a:r>
+                      <a:endParaRPr sz="2400" dirty="0">
+                        <a:latin typeface="Times New Roman"/>
+                        <a:cs typeface="Times New Roman"/>
+                      </a:endParaRPr>
+                    </a:p>
+                  </a:txBody>
+                  <a:tcPr/>
+                </a:tc>
+                <a:tc>
+                  <a:txBody>
+                    <a:bodyPr/>
+                    <a:lstStyle/>
+                    <a:p>
+                      <a:pPr algn="ctr">
+                        <a:defRPr/>
+                      </a:pPr>
+                      <a:r>
+                        <a:rPr lang="ru-RU" sz="2400" b="0" i="0" u="none" strike="noStrike" cap="none" spc="0" dirty="0">
+                          <a:solidFill>
+                            <a:schemeClr val="dk1"/>
+                          </a:solidFill>
+                          <a:latin typeface="Times New Roman"/>
+                          <a:cs typeface="Times New Roman"/>
+                        </a:rPr>
+                        <a:t>160</a:t>
                       </a:r>
                       <a:endParaRPr sz="2400" dirty="0">
                         <a:latin typeface="Times New Roman"/>
@@ -13960,7 +13970,7 @@
                 <a:latin typeface="Times New Roman"/>
                 <a:cs typeface="Times New Roman"/>
               </a:rPr>
-              <a:t>Разработать базовую архитектуру приложения</a:t>
+              <a:t>Разработать архитектуру приложения</a:t>
             </a:r>
           </a:p>
           <a:p>
@@ -17084,7 +17094,7 @@
                 <a:latin typeface="Times New Roman"/>
                 <a:cs typeface="Times New Roman"/>
               </a:rPr>
-              <a:t>База данных</a:t>
+              <a:t>СУБД</a:t>
             </a:r>
             <a:r>
               <a:rPr lang="en-US" dirty="0">
